--- a/shenhavArmyNew/Word/פרויקט גמר.pptx
+++ b/shenhavArmyNew/Word/פרויקט גמר.pptx
@@ -5,7 +5,7 @@
     <p:sldMasterId id="2147483648" r:id="rId1"/>
   </p:sldMasterIdLst>
   <p:notesMasterIdLst>
-    <p:notesMasterId r:id="rId22"/>
+    <p:notesMasterId r:id="rId23"/>
   </p:notesMasterIdLst>
   <p:sldIdLst>
     <p:sldId id="256" r:id="rId2"/>
@@ -15,19 +15,20 @@
     <p:sldId id="260" r:id="rId6"/>
     <p:sldId id="261" r:id="rId7"/>
     <p:sldId id="262" r:id="rId8"/>
-    <p:sldId id="264" r:id="rId9"/>
-    <p:sldId id="265" r:id="rId10"/>
-    <p:sldId id="266" r:id="rId11"/>
-    <p:sldId id="267" r:id="rId12"/>
-    <p:sldId id="268" r:id="rId13"/>
-    <p:sldId id="269" r:id="rId14"/>
-    <p:sldId id="270" r:id="rId15"/>
-    <p:sldId id="271" r:id="rId16"/>
-    <p:sldId id="272" r:id="rId17"/>
-    <p:sldId id="273" r:id="rId18"/>
-    <p:sldId id="274" r:id="rId19"/>
-    <p:sldId id="275" r:id="rId20"/>
-    <p:sldId id="276" r:id="rId21"/>
+    <p:sldId id="277" r:id="rId9"/>
+    <p:sldId id="264" r:id="rId10"/>
+    <p:sldId id="265" r:id="rId11"/>
+    <p:sldId id="266" r:id="rId12"/>
+    <p:sldId id="267" r:id="rId13"/>
+    <p:sldId id="268" r:id="rId14"/>
+    <p:sldId id="269" r:id="rId15"/>
+    <p:sldId id="270" r:id="rId16"/>
+    <p:sldId id="271" r:id="rId17"/>
+    <p:sldId id="272" r:id="rId18"/>
+    <p:sldId id="273" r:id="rId19"/>
+    <p:sldId id="274" r:id="rId20"/>
+    <p:sldId id="275" r:id="rId21"/>
+    <p:sldId id="276" r:id="rId22"/>
   </p:sldIdLst>
   <p:sldSz cx="12192000" cy="6858000"/>
   <p:notesSz cx="6858000" cy="9144000"/>
@@ -216,7 +217,7 @@
           <a:p>
             <a:fld id="{C84C033A-C372-44B0-9D33-CC8260641A33}" type="datetimeFigureOut">
               <a:rPr lang="en-IL" smtClean="0"/>
-              <a:t>23/04/2021</a:t>
+              <a:t>04/25/2021</a:t>
             </a:fld>
             <a:endParaRPr lang="en-IL"/>
           </a:p>
@@ -714,7 +715,7 @@
             <a:fld id="{B61BEF0D-F0BB-DE4B-95CE-6DB70DBA9567}" type="datetimeFigureOut">
               <a:rPr lang="en-US" dirty="0"/>
               <a:pPr/>
-              <a:t>4/23/2021</a:t>
+              <a:t>4/25/2021</a:t>
             </a:fld>
             <a:endParaRPr lang="en-US" dirty="0"/>
           </a:p>
@@ -1045,7 +1046,7 @@
             <a:fld id="{B61BEF0D-F0BB-DE4B-95CE-6DB70DBA9567}" type="datetimeFigureOut">
               <a:rPr lang="en-US" dirty="0"/>
               <a:pPr/>
-              <a:t>4/23/2021</a:t>
+              <a:t>4/25/2021</a:t>
             </a:fld>
             <a:endParaRPr lang="en-US" dirty="0"/>
           </a:p>
@@ -1320,7 +1321,7 @@
             <a:fld id="{B61BEF0D-F0BB-DE4B-95CE-6DB70DBA9567}" type="datetimeFigureOut">
               <a:rPr lang="en-US" dirty="0"/>
               <a:pPr/>
-              <a:t>4/23/2021</a:t>
+              <a:t>4/25/2021</a:t>
             </a:fld>
             <a:endParaRPr lang="en-US" dirty="0"/>
           </a:p>
@@ -1885,7 +1886,7 @@
             <a:fld id="{B61BEF0D-F0BB-DE4B-95CE-6DB70DBA9567}" type="datetimeFigureOut">
               <a:rPr lang="en-US" dirty="0"/>
               <a:pPr/>
-              <a:t>4/23/2021</a:t>
+              <a:t>4/25/2021</a:t>
             </a:fld>
             <a:endParaRPr lang="en-US" dirty="0"/>
           </a:p>
@@ -2160,7 +2161,7 @@
             <a:fld id="{B61BEF0D-F0BB-DE4B-95CE-6DB70DBA9567}" type="datetimeFigureOut">
               <a:rPr lang="en-US" dirty="0"/>
               <a:pPr/>
-              <a:t>4/23/2021</a:t>
+              <a:t>4/25/2021</a:t>
             </a:fld>
             <a:endParaRPr lang="en-US" dirty="0"/>
           </a:p>
@@ -2719,7 +2720,7 @@
             <a:fld id="{B61BEF0D-F0BB-DE4B-95CE-6DB70DBA9567}" type="datetimeFigureOut">
               <a:rPr lang="en-US" dirty="0"/>
               <a:pPr/>
-              <a:t>4/23/2021</a:t>
+              <a:t>4/25/2021</a:t>
             </a:fld>
             <a:endParaRPr lang="en-US" dirty="0"/>
           </a:p>
@@ -3043,7 +3044,7 @@
             <a:fld id="{B61BEF0D-F0BB-DE4B-95CE-6DB70DBA9567}" type="datetimeFigureOut">
               <a:rPr lang="en-US" dirty="0"/>
               <a:pPr/>
-              <a:t>4/23/2021</a:t>
+              <a:t>4/25/2021</a:t>
             </a:fld>
             <a:endParaRPr lang="en-US" dirty="0"/>
           </a:p>
@@ -3217,7 +3218,7 @@
             <a:fld id="{B61BEF0D-F0BB-DE4B-95CE-6DB70DBA9567}" type="datetimeFigureOut">
               <a:rPr lang="en-US" dirty="0"/>
               <a:pPr/>
-              <a:t>4/23/2021</a:t>
+              <a:t>4/25/2021</a:t>
             </a:fld>
             <a:endParaRPr lang="en-US" dirty="0"/>
           </a:p>
@@ -3452,7 +3453,7 @@
             <a:fld id="{B61BEF0D-F0BB-DE4B-95CE-6DB70DBA9567}" type="datetimeFigureOut">
               <a:rPr lang="en-US" dirty="0"/>
               <a:pPr/>
-              <a:t>4/23/2021</a:t>
+              <a:t>4/25/2021</a:t>
             </a:fld>
             <a:endParaRPr lang="en-US" dirty="0"/>
           </a:p>
@@ -3649,7 +3650,7 @@
             <a:fld id="{B61BEF0D-F0BB-DE4B-95CE-6DB70DBA9567}" type="datetimeFigureOut">
               <a:rPr lang="en-US" dirty="0"/>
               <a:pPr/>
-              <a:t>4/23/2021</a:t>
+              <a:t>4/25/2021</a:t>
             </a:fld>
             <a:endParaRPr lang="en-US" dirty="0"/>
           </a:p>
@@ -3922,7 +3923,7 @@
             <a:fld id="{B61BEF0D-F0BB-DE4B-95CE-6DB70DBA9567}" type="datetimeFigureOut">
               <a:rPr lang="en-US" dirty="0"/>
               <a:pPr/>
-              <a:t>4/23/2021</a:t>
+              <a:t>4/25/2021</a:t>
             </a:fld>
             <a:endParaRPr lang="en-US" dirty="0"/>
           </a:p>
@@ -4185,7 +4186,7 @@
             <a:fld id="{B61BEF0D-F0BB-DE4B-95CE-6DB70DBA9567}" type="datetimeFigureOut">
               <a:rPr lang="en-US" dirty="0"/>
               <a:pPr/>
-              <a:t>4/23/2021</a:t>
+              <a:t>4/25/2021</a:t>
             </a:fld>
             <a:endParaRPr lang="en-US" dirty="0"/>
           </a:p>
@@ -4556,7 +4557,7 @@
             <a:fld id="{B61BEF0D-F0BB-DE4B-95CE-6DB70DBA9567}" type="datetimeFigureOut">
               <a:rPr lang="en-US" dirty="0"/>
               <a:pPr/>
-              <a:t>4/23/2021</a:t>
+              <a:t>4/25/2021</a:t>
             </a:fld>
             <a:endParaRPr lang="en-US" dirty="0"/>
           </a:p>
@@ -4701,7 +4702,7 @@
             <a:fld id="{B61BEF0D-F0BB-DE4B-95CE-6DB70DBA9567}" type="datetimeFigureOut">
               <a:rPr lang="en-US" dirty="0"/>
               <a:pPr/>
-              <a:t>4/23/2021</a:t>
+              <a:t>4/25/2021</a:t>
             </a:fld>
             <a:endParaRPr lang="en-US" dirty="0"/>
           </a:p>
@@ -4823,7 +4824,7 @@
             <a:fld id="{B61BEF0D-F0BB-DE4B-95CE-6DB70DBA9567}" type="datetimeFigureOut">
               <a:rPr lang="en-US" dirty="0"/>
               <a:pPr/>
-              <a:t>4/23/2021</a:t>
+              <a:t>4/25/2021</a:t>
             </a:fld>
             <a:endParaRPr lang="en-US" dirty="0"/>
           </a:p>
@@ -5105,7 +5106,7 @@
             <a:fld id="{B61BEF0D-F0BB-DE4B-95CE-6DB70DBA9567}" type="datetimeFigureOut">
               <a:rPr lang="en-US" dirty="0"/>
               <a:pPr/>
-              <a:t>4/23/2021</a:t>
+              <a:t>4/25/2021</a:t>
             </a:fld>
             <a:endParaRPr lang="en-US" dirty="0"/>
           </a:p>
@@ -5426,7 +5427,7 @@
             <a:fld id="{B61BEF0D-F0BB-DE4B-95CE-6DB70DBA9567}" type="datetimeFigureOut">
               <a:rPr lang="en-US" dirty="0"/>
               <a:pPr/>
-              <a:t>4/23/2021</a:t>
+              <a:t>4/25/2021</a:t>
             </a:fld>
             <a:endParaRPr lang="en-US" dirty="0"/>
           </a:p>
@@ -5637,7 +5638,7 @@
             <a:fld id="{B61BEF0D-F0BB-DE4B-95CE-6DB70DBA9567}" type="datetimeFigureOut">
               <a:rPr lang="en-US" dirty="0"/>
               <a:pPr/>
-              <a:t>4/23/2021</a:t>
+              <a:t>4/25/2021</a:t>
             </a:fld>
             <a:endParaRPr lang="en-US" dirty="0"/>
           </a:p>
@@ -6308,7 +6309,7 @@
           <p:cNvPr id="2" name="כותרת 1">
             <a:extLst>
               <a:ext uri="{FF2B5EF4-FFF2-40B4-BE49-F238E27FC236}">
-                <a16:creationId xmlns:a16="http://schemas.microsoft.com/office/drawing/2014/main" id="{C1A6DFFC-20B9-4305-9FBB-A7B7B68D29A9}"/>
+                <a16:creationId xmlns:a16="http://schemas.microsoft.com/office/drawing/2014/main" id="{E494FDF2-39E4-4C56-81D1-1B404461D38C}"/>
               </a:ext>
             </a:extLst>
           </p:cNvPr>
@@ -6408,7 +6409,7 @@
             <a:pPr algn="r" rtl="1"/>
             <a:r>
               <a:rPr lang="he-IL" dirty="0"/>
-              <a:t>המשך - פלטפורמה</a:t>
+              <a:t>פלטפורמה</a:t>
             </a:r>
             <a:endParaRPr lang="en-IL" dirty="0"/>
           </a:p>
@@ -6419,7 +6420,7 @@
           <p:cNvPr id="3" name="תיבת טקסט 2">
             <a:extLst>
               <a:ext uri="{FF2B5EF4-FFF2-40B4-BE49-F238E27FC236}">
-                <a16:creationId xmlns:a16="http://schemas.microsoft.com/office/drawing/2014/main" id="{5AB950CF-7830-4228-A598-D55910F8AC0A}"/>
+                <a16:creationId xmlns:a16="http://schemas.microsoft.com/office/drawing/2014/main" id="{5EC23C1A-33C7-469D-B5AF-790322AE1A17}"/>
               </a:ext>
             </a:extLst>
           </p:cNvPr>
@@ -6429,7 +6430,7 @@
         <p:spPr>
           <a:xfrm>
             <a:off x="1493240" y="1526796"/>
-            <a:ext cx="9555061" cy="2308324"/>
+            <a:ext cx="9555061" cy="4216539"/>
           </a:xfrm>
           <a:prstGeom prst="rect">
             <a:avLst/>
@@ -6442,21 +6443,28 @@
           </a:bodyPr>
           <a:lstStyle/>
           <a:p>
+            <a:pPr algn="r" rtl="1"/>
+            <a:r>
+              <a:rPr lang="he-IL" sz="3200" dirty="0"/>
+              <a:t>אחראית על :</a:t>
+            </a:r>
+          </a:p>
+          <a:p>
+            <a:pPr algn="r" rtl="1"/>
+            <a:endParaRPr lang="he-IL" sz="2000" dirty="0"/>
+          </a:p>
+          <a:p>
             <a:pPr marL="342900" indent="-342900" algn="r" rtl="1">
               <a:buFont typeface="Arial" panose="020B0604020202020204" pitchFamily="34" charset="0"/>
               <a:buChar char="•"/>
             </a:pPr>
             <a:r>
+              <a:rPr lang="en-US" sz="2400" dirty="0"/>
+              <a:t>Connection Module</a:t>
+            </a:r>
+            <a:r>
               <a:rPr lang="he-IL" sz="2400" dirty="0"/>
-              <a:t>שליחת המידע ל</a:t>
-            </a:r>
-            <a:r>
-              <a:rPr lang="en-US" sz="2400" dirty="0"/>
-              <a:t>REST</a:t>
-            </a:r>
-            <a:r>
-              <a:rPr lang="he-IL" sz="2400" dirty="0"/>
-              <a:t>.</a:t>
+              <a:t> - קבלת בקשה מהלקוח והתחלת טיפול לפי דרישותיו של הלקוח.</a:t>
             </a:r>
           </a:p>
           <a:p>
@@ -6465,8 +6473,28 @@
               <a:buChar char="•"/>
             </a:pPr>
             <a:r>
+              <a:rPr lang="en-US" sz="2400" dirty="0"/>
+              <a:t>Compile Module</a:t>
+            </a:r>
+            <a:r>
               <a:rPr lang="he-IL" sz="2400" dirty="0"/>
-              <a:t>הפעלת הכלים בתזמון נכון.</a:t>
+              <a:t> – בתחילה בדיקה דומה למה שה</a:t>
+            </a:r>
+            <a:r>
+              <a:rPr lang="en-US" sz="2400" dirty="0"/>
+              <a:t>Preprocessor</a:t>
+            </a:r>
+            <a:r>
+              <a:rPr lang="he-IL" sz="2400" dirty="0"/>
+              <a:t> עושה : מסתכל על כל ה</a:t>
+            </a:r>
+            <a:r>
+              <a:rPr lang="en-US" sz="2400" dirty="0"/>
+              <a:t>includes</a:t>
+            </a:r>
+            <a:r>
+              <a:rPr lang="he-IL" sz="2400" dirty="0"/>
+              <a:t> ואוגר סוגי משתנים וכ"ו על הקובץ. לאחר מכן בדיקת קומפילציה בסיסית לגבי הקוד שניתן (אם ישנה בעיית קומפילציה הפלטפורמה תפסיק את הבדיקה תחזיר את התקלה ותגיד באיזה שורה התקלה התרחשה). </a:t>
             </a:r>
           </a:p>
           <a:p>
@@ -6475,16 +6503,20 @@
               <a:buChar char="•"/>
             </a:pPr>
             <a:r>
+              <a:rPr lang="en-US" sz="2400" dirty="0"/>
+              <a:t>Parsing Information</a:t>
+            </a:r>
+            <a:r>
               <a:rPr lang="he-IL" sz="2400" dirty="0"/>
-              <a:t>סידור קובץ </a:t>
+              <a:t> – במהלך בדיקת הקוד ואחריו אגירת מידע לגבי פונקציות, קוד ואגירתו במילון שלאחר מכן ישלח כ</a:t>
             </a:r>
             <a:r>
               <a:rPr lang="en-US" sz="2400" dirty="0"/>
-              <a:t>LOG</a:t>
+              <a:t>JSON</a:t>
             </a:r>
             <a:r>
               <a:rPr lang="he-IL" sz="2400" dirty="0"/>
-              <a:t> לגבי תוצאות הכלים.</a:t>
+              <a:t> לכלים.</a:t>
             </a:r>
           </a:p>
           <a:p>
@@ -6494,21 +6526,19 @@
             </a:pPr>
             <a:r>
               <a:rPr lang="en-US" sz="2400" dirty="0"/>
-              <a:t>Tool Handle</a:t>
+              <a:t>Json Creation</a:t>
             </a:r>
             <a:r>
               <a:rPr lang="he-IL" sz="2400" dirty="0"/>
-              <a:t> – וידוא שכל הכלים לא נתקעים ולא עוברים את הזמן המוקצה להם. </a:t>
-            </a:r>
-          </a:p>
-          <a:p>
-            <a:pPr marL="342900" indent="-342900" algn="r" rtl="1">
-              <a:buFont typeface="Arial" panose="020B0604020202020204" pitchFamily="34" charset="0"/>
-              <a:buChar char="•"/>
-            </a:pPr>
+              <a:t> – ברגע שהמידע מוכן בניית ה</a:t>
+            </a:r>
+            <a:r>
+              <a:rPr lang="en-US" sz="2400" dirty="0"/>
+              <a:t>JSON</a:t>
+            </a:r>
             <a:r>
               <a:rPr lang="he-IL" sz="2400" dirty="0"/>
-              <a:t>שליחת התוצאה.</a:t>
+              <a:t> במילון.</a:t>
             </a:r>
           </a:p>
         </p:txBody>
@@ -6516,13 +6546,20 @@
     </p:spTree>
     <p:extLst>
       <p:ext uri="{BB962C8B-B14F-4D97-AF65-F5344CB8AC3E}">
-        <p14:creationId xmlns:p14="http://schemas.microsoft.com/office/powerpoint/2010/main" val="3223398071"/>
+        <p14:creationId xmlns:p14="http://schemas.microsoft.com/office/powerpoint/2010/main" val="192821504"/>
       </p:ext>
     </p:extLst>
   </p:cSld>
   <p:clrMapOvr>
     <a:masterClrMapping/>
   </p:clrMapOvr>
+  <p:timing>
+    <p:tnLst>
+      <p:par>
+        <p:cTn id="1" dur="indefinite" restart="never" nodeType="tmRoot"/>
+      </p:par>
+    </p:tnLst>
+  </p:timing>
 </p:sld>
 </file>
 
@@ -6545,10 +6582,10 @@
       </p:grpSpPr>
       <p:sp>
         <p:nvSpPr>
-          <p:cNvPr id="4" name="כותרת 1">
+          <p:cNvPr id="2" name="כותרת 1">
             <a:extLst>
               <a:ext uri="{FF2B5EF4-FFF2-40B4-BE49-F238E27FC236}">
-                <a16:creationId xmlns:a16="http://schemas.microsoft.com/office/drawing/2014/main" id="{F780BD4E-9FD1-4838-814E-4FA6E29CC19F}"/>
+                <a16:creationId xmlns:a16="http://schemas.microsoft.com/office/drawing/2014/main" id="{C1A6DFFC-20B9-4305-9FBB-A7B7B68D29A9}"/>
               </a:ext>
             </a:extLst>
           </p:cNvPr>
@@ -6647,12 +6684,8 @@
           <a:p>
             <a:pPr algn="r" rtl="1"/>
             <a:r>
-              <a:rPr lang="en-US" dirty="0"/>
-              <a:t>GUI</a:t>
-            </a:r>
-            <a:r>
               <a:rPr lang="he-IL" dirty="0"/>
-              <a:t> – ממשק המשתמש הראשי</a:t>
+              <a:t>המשך - פלטפורמה</a:t>
             </a:r>
             <a:endParaRPr lang="en-IL" dirty="0"/>
           </a:p>
@@ -6660,10 +6693,10 @@
       </p:sp>
       <p:sp>
         <p:nvSpPr>
-          <p:cNvPr id="5" name="תיבת טקסט 4">
+          <p:cNvPr id="3" name="תיבת טקסט 2">
             <a:extLst>
               <a:ext uri="{FF2B5EF4-FFF2-40B4-BE49-F238E27FC236}">
-                <a16:creationId xmlns:a16="http://schemas.microsoft.com/office/drawing/2014/main" id="{80BD9133-DAE0-4FFA-B960-3928A7264521}"/>
+                <a16:creationId xmlns:a16="http://schemas.microsoft.com/office/drawing/2014/main" id="{5AB950CF-7830-4228-A598-D55910F8AC0A}"/>
               </a:ext>
             </a:extLst>
           </p:cNvPr>
@@ -6673,7 +6706,7 @@
         <p:spPr>
           <a:xfrm>
             <a:off x="1493240" y="1526796"/>
-            <a:ext cx="9555061" cy="3231654"/>
+            <a:ext cx="9555061" cy="2308324"/>
           </a:xfrm>
           <a:prstGeom prst="rect">
             <a:avLst/>
@@ -6686,20 +6719,21 @@
           </a:bodyPr>
           <a:lstStyle/>
           <a:p>
-            <a:pPr algn="r" rtl="1"/>
-            <a:r>
-              <a:rPr lang="he-IL" sz="3600" dirty="0"/>
-              <a:t>אחראי על :</a:t>
-            </a:r>
-          </a:p>
-          <a:p>
             <a:pPr marL="342900" indent="-342900" algn="r" rtl="1">
               <a:buFont typeface="Arial" panose="020B0604020202020204" pitchFamily="34" charset="0"/>
               <a:buChar char="•"/>
             </a:pPr>
             <a:r>
               <a:rPr lang="he-IL" sz="2400" dirty="0"/>
-              <a:t>יצירת פרוטוקול השליחה עם הנתונים שהלקוח הכניס לממשק המשתמש ושליחתם לפלטפורמה.</a:t>
+              <a:t>שליחת המידע ל</a:t>
+            </a:r>
+            <a:r>
+              <a:rPr lang="en-US" sz="2400" dirty="0"/>
+              <a:t>REST</a:t>
+            </a:r>
+            <a:r>
+              <a:rPr lang="he-IL" sz="2400" dirty="0"/>
+              <a:t>.</a:t>
             </a:r>
           </a:p>
           <a:p>
@@ -6709,7 +6743,7 @@
             </a:pPr>
             <a:r>
               <a:rPr lang="he-IL" sz="2400" dirty="0"/>
-              <a:t>הבאת הכלים ממסד הנתונים.</a:t>
+              <a:t>הפעלת הכלים בתזמון נכון.</a:t>
             </a:r>
           </a:p>
           <a:p>
@@ -6719,15 +6753,15 @@
             </a:pPr>
             <a:r>
               <a:rPr lang="he-IL" sz="2400" dirty="0"/>
-              <a:t>חיבור באמצעות </a:t>
+              <a:t>סידור קובץ </a:t>
             </a:r>
             <a:r>
               <a:rPr lang="en-US" sz="2400" dirty="0"/>
-              <a:t>SOCKET</a:t>
+              <a:t>LOG</a:t>
             </a:r>
             <a:r>
               <a:rPr lang="he-IL" sz="2400" dirty="0"/>
-              <a:t> עם הפלטפורמה.</a:t>
+              <a:t> לגבי תוצאות הכלים.</a:t>
             </a:r>
           </a:p>
           <a:p>
@@ -6736,8 +6770,12 @@
               <a:buChar char="•"/>
             </a:pPr>
             <a:r>
+              <a:rPr lang="en-US" sz="2400" dirty="0"/>
+              <a:t>Tool Handle</a:t>
+            </a:r>
+            <a:r>
               <a:rPr lang="he-IL" sz="2400" dirty="0"/>
-              <a:t>סידור הכלים – ישנם כלים שדורשים כלים אחרים ולכן יש סדר הכרחי לכלים (יש כלים שלא עובדים בלי תוצאה של כלי אחר).</a:t>
+              <a:t> – וידוא שכל הכלים לא נתקעים ולא עוברים את הזמן המוקצה להם. </a:t>
             </a:r>
           </a:p>
           <a:p>
@@ -6747,7 +6785,7 @@
             </a:pPr>
             <a:r>
               <a:rPr lang="he-IL" sz="2400" dirty="0"/>
-              <a:t>אחראי על החזר התשובה מהפלטפורמה.</a:t>
+              <a:t>שליחת התוצאה.</a:t>
             </a:r>
           </a:p>
         </p:txBody>
@@ -6755,7 +6793,7 @@
     </p:spTree>
     <p:extLst>
       <p:ext uri="{BB962C8B-B14F-4D97-AF65-F5344CB8AC3E}">
-        <p14:creationId xmlns:p14="http://schemas.microsoft.com/office/powerpoint/2010/main" val="2493726303"/>
+        <p14:creationId xmlns:p14="http://schemas.microsoft.com/office/powerpoint/2010/main" val="3223398071"/>
       </p:ext>
     </p:extLst>
   </p:cSld>
@@ -6787,7 +6825,7 @@
           <p:cNvPr id="4" name="כותרת 1">
             <a:extLst>
               <a:ext uri="{FF2B5EF4-FFF2-40B4-BE49-F238E27FC236}">
-                <a16:creationId xmlns:a16="http://schemas.microsoft.com/office/drawing/2014/main" id="{46407DA8-B836-4BE5-923E-AC0846A49A7D}"/>
+                <a16:creationId xmlns:a16="http://schemas.microsoft.com/office/drawing/2014/main" id="{F780BD4E-9FD1-4838-814E-4FA6E29CC19F}"/>
               </a:ext>
             </a:extLst>
           </p:cNvPr>
@@ -6887,11 +6925,11 @@
             <a:pPr algn="r" rtl="1"/>
             <a:r>
               <a:rPr lang="en-US" dirty="0"/>
-              <a:t>Rest api</a:t>
+              <a:t>GUI</a:t>
             </a:r>
             <a:r>
               <a:rPr lang="he-IL" dirty="0"/>
-              <a:t> – חלק מהפלטפורמה</a:t>
+              <a:t> – ממשק המשתמש הראשי</a:t>
             </a:r>
             <a:endParaRPr lang="en-IL" dirty="0"/>
           </a:p>
@@ -6902,7 +6940,7 @@
           <p:cNvPr id="5" name="תיבת טקסט 4">
             <a:extLst>
               <a:ext uri="{FF2B5EF4-FFF2-40B4-BE49-F238E27FC236}">
-                <a16:creationId xmlns:a16="http://schemas.microsoft.com/office/drawing/2014/main" id="{E42E409D-514A-4F5B-A238-0B98AEC343E9}"/>
+                <a16:creationId xmlns:a16="http://schemas.microsoft.com/office/drawing/2014/main" id="{80BD9133-DAE0-4FFA-B960-3928A7264521}"/>
               </a:ext>
             </a:extLst>
           </p:cNvPr>
@@ -6912,7 +6950,7 @@
         <p:spPr>
           <a:xfrm>
             <a:off x="1493240" y="1526796"/>
-            <a:ext cx="9555061" cy="4524315"/>
+            <a:ext cx="9555061" cy="3231654"/>
           </a:xfrm>
           <a:prstGeom prst="rect">
             <a:avLst/>
@@ -6938,15 +6976,7 @@
             </a:pPr>
             <a:r>
               <a:rPr lang="he-IL" sz="2400" dirty="0"/>
-              <a:t>קבלת כל המידע (</a:t>
-            </a:r>
-            <a:r>
-              <a:rPr lang="en-US" sz="2400" dirty="0"/>
-              <a:t>JSON</a:t>
-            </a:r>
-            <a:r>
-              <a:rPr lang="he-IL" sz="2400" dirty="0"/>
-              <a:t>) שהפלטפורמה אגרה.</a:t>
+              <a:t>יצירת פרוטוקול השליחה עם הנתונים שהלקוח הכניס לממשק המשתמש ושליחתם לפלטפורמה.</a:t>
             </a:r>
           </a:p>
           <a:p>
@@ -6956,31 +6986,7 @@
             </a:pPr>
             <a:r>
               <a:rPr lang="he-IL" sz="2400" dirty="0"/>
-              <a:t>אחראי לטפל ב</a:t>
-            </a:r>
-            <a:r>
-              <a:rPr lang="en-US" sz="2400" dirty="0"/>
-              <a:t>Requests</a:t>
-            </a:r>
-            <a:r>
-              <a:rPr lang="he-IL" sz="2400" dirty="0"/>
-              <a:t> (</a:t>
-            </a:r>
-            <a:r>
-              <a:rPr lang="en-US" sz="2400" dirty="0"/>
-              <a:t>HTTP</a:t>
-            </a:r>
-            <a:r>
-              <a:rPr lang="he-IL" sz="2400" dirty="0"/>
-              <a:t>) של כלים ולענות ב</a:t>
-            </a:r>
-            <a:r>
-              <a:rPr lang="en-US" sz="2400" dirty="0"/>
-              <a:t>Responses</a:t>
-            </a:r>
-            <a:r>
-              <a:rPr lang="he-IL" sz="2400" dirty="0"/>
-              <a:t> כמו שצריך.</a:t>
+              <a:t>הבאת הכלים ממסד הנתונים.</a:t>
             </a:r>
           </a:p>
           <a:p>
@@ -6990,7 +6996,15 @@
             </a:pPr>
             <a:r>
               <a:rPr lang="he-IL" sz="2400" dirty="0"/>
-              <a:t>אחראי לקבל תוצאות של כלים ולשמור אותם למקרה שכלי אחר ירצה תוצאה מסוימת.</a:t>
+              <a:t>חיבור באמצעות </a:t>
+            </a:r>
+            <a:r>
+              <a:rPr lang="en-US" sz="2400" dirty="0"/>
+              <a:t>SOCKET</a:t>
+            </a:r>
+            <a:r>
+              <a:rPr lang="he-IL" sz="2400" dirty="0"/>
+              <a:t> עם הפלטפורמה.</a:t>
             </a:r>
           </a:p>
           <a:p>
@@ -7000,7 +7014,7 @@
             </a:pPr>
             <a:r>
               <a:rPr lang="he-IL" sz="2400" dirty="0"/>
-              <a:t>דואג לשלוח לפלטפורמה קבצי לוג של הכלים בכדי שהפלטפורמה תוכל להכין קובץ לוג סופי.</a:t>
+              <a:t>סידור הכלים – ישנם כלים שדורשים כלים אחרים ולכן יש סדר הכרחי לכלים (יש כלים שלא עובדים בלי תוצאה של כלי אחר).</a:t>
             </a:r>
           </a:p>
           <a:p>
@@ -7010,26 +7024,15 @@
             </a:pPr>
             <a:r>
               <a:rPr lang="he-IL" sz="2400" dirty="0"/>
-              <a:t>אחראי על העברת בדיקת תבניות למודול בפלטפורמה והחזרת תוצאה מתאימה לכלי. </a:t>
-            </a:r>
-          </a:p>
-          <a:p>
-            <a:pPr marL="342900" indent="-342900" algn="r" rtl="1">
-              <a:buFont typeface="Arial" panose="020B0604020202020204" pitchFamily="34" charset="0"/>
-              <a:buChar char="•"/>
-            </a:pPr>
-            <a:endParaRPr lang="he-IL" sz="2400" dirty="0"/>
-          </a:p>
-          <a:p>
-            <a:pPr algn="r" rtl="1"/>
-            <a:endParaRPr lang="he-IL" sz="3600" dirty="0"/>
+              <a:t>אחראי על החזר התשובה מהפלטפורמה.</a:t>
+            </a:r>
           </a:p>
         </p:txBody>
       </p:sp>
     </p:spTree>
     <p:extLst>
       <p:ext uri="{BB962C8B-B14F-4D97-AF65-F5344CB8AC3E}">
-        <p14:creationId xmlns:p14="http://schemas.microsoft.com/office/powerpoint/2010/main" val="909406957"/>
+        <p14:creationId xmlns:p14="http://schemas.microsoft.com/office/powerpoint/2010/main" val="2493726303"/>
       </p:ext>
     </p:extLst>
   </p:cSld>
@@ -7061,7 +7064,7 @@
           <p:cNvPr id="4" name="כותרת 1">
             <a:extLst>
               <a:ext uri="{FF2B5EF4-FFF2-40B4-BE49-F238E27FC236}">
-                <a16:creationId xmlns:a16="http://schemas.microsoft.com/office/drawing/2014/main" id="{C990A99A-1DD6-4D79-992B-C881E0E9D907}"/>
+                <a16:creationId xmlns:a16="http://schemas.microsoft.com/office/drawing/2014/main" id="{46407DA8-B836-4BE5-923E-AC0846A49A7D}"/>
               </a:ext>
             </a:extLst>
           </p:cNvPr>
@@ -7160,8 +7163,12 @@
           <a:p>
             <a:pPr algn="r" rtl="1"/>
             <a:r>
+              <a:rPr lang="en-US" dirty="0"/>
+              <a:t>Rest api</a:t>
+            </a:r>
+            <a:r>
               <a:rPr lang="he-IL" dirty="0"/>
-              <a:t>כלים </a:t>
+              <a:t> – חלק מהפלטפורמה</a:t>
             </a:r>
             <a:endParaRPr lang="en-IL" dirty="0"/>
           </a:p>
@@ -7172,7 +7179,7 @@
           <p:cNvPr id="5" name="תיבת טקסט 4">
             <a:extLst>
               <a:ext uri="{FF2B5EF4-FFF2-40B4-BE49-F238E27FC236}">
-                <a16:creationId xmlns:a16="http://schemas.microsoft.com/office/drawing/2014/main" id="{CB87062D-1A70-4957-BC0E-42BFED3D552A}"/>
+                <a16:creationId xmlns:a16="http://schemas.microsoft.com/office/drawing/2014/main" id="{E42E409D-514A-4F5B-A238-0B98AEC343E9}"/>
               </a:ext>
             </a:extLst>
           </p:cNvPr>
@@ -7182,7 +7189,7 @@
         <p:spPr>
           <a:xfrm>
             <a:off x="1493240" y="1526796"/>
-            <a:ext cx="9555061" cy="3416320"/>
+            <a:ext cx="9555061" cy="4524315"/>
           </a:xfrm>
           <a:prstGeom prst="rect">
             <a:avLst/>
@@ -7198,7 +7205,7 @@
             <a:pPr algn="r" rtl="1"/>
             <a:r>
               <a:rPr lang="he-IL" sz="3600" dirty="0"/>
-              <a:t>אחראיים על :</a:t>
+              <a:t>אחראי על :</a:t>
             </a:r>
           </a:p>
           <a:p>
@@ -7208,7 +7215,15 @@
             </a:pPr>
             <a:r>
               <a:rPr lang="he-IL" sz="2400" dirty="0"/>
-              <a:t>כל אחד מהכלים דואג לנושא אחר כלומר כל אחד מבצע דבר אחר. לדוגמא : ניהול זיכרון.</a:t>
+              <a:t>קבלת כל המידע (</a:t>
+            </a:r>
+            <a:r>
+              <a:rPr lang="en-US" sz="2400" dirty="0"/>
+              <a:t>JSON</a:t>
+            </a:r>
+            <a:r>
+              <a:rPr lang="he-IL" sz="2400" dirty="0"/>
+              <a:t>) שהפלטפורמה אגרה.</a:t>
             </a:r>
           </a:p>
           <a:p>
@@ -7218,15 +7233,31 @@
             </a:pPr>
             <a:r>
               <a:rPr lang="he-IL" sz="2400" dirty="0"/>
-              <a:t>אחראיים על שליחת לוג בחזרה אל ה</a:t>
+              <a:t>אחראי לטפל ב</a:t>
             </a:r>
             <a:r>
               <a:rPr lang="en-US" sz="2400" dirty="0"/>
-              <a:t>REST</a:t>
+              <a:t>Requests</a:t>
             </a:r>
             <a:r>
               <a:rPr lang="he-IL" sz="2400" dirty="0"/>
-              <a:t>.</a:t>
+              <a:t> (</a:t>
+            </a:r>
+            <a:r>
+              <a:rPr lang="en-US" sz="2400" dirty="0"/>
+              <a:t>HTTP</a:t>
+            </a:r>
+            <a:r>
+              <a:rPr lang="he-IL" sz="2400" dirty="0"/>
+              <a:t>) של כלים ולענות ב</a:t>
+            </a:r>
+            <a:r>
+              <a:rPr lang="en-US" sz="2400" dirty="0"/>
+              <a:t>Responses</a:t>
+            </a:r>
+            <a:r>
+              <a:rPr lang="he-IL" sz="2400" dirty="0"/>
+              <a:t> כמו שצריך.</a:t>
             </a:r>
           </a:p>
           <a:p>
@@ -7236,15 +7267,7 @@
             </a:pPr>
             <a:r>
               <a:rPr lang="he-IL" sz="2400" dirty="0"/>
-              <a:t>עלולים להחזיר קבצי תוצאה אל ה</a:t>
-            </a:r>
-            <a:r>
-              <a:rPr lang="en-US" sz="2400" dirty="0"/>
-              <a:t>REST</a:t>
-            </a:r>
-            <a:r>
-              <a:rPr lang="he-IL" sz="2400" dirty="0"/>
-              <a:t>.</a:t>
+              <a:t>אחראי לקבל תוצאות של כלים ולשמור אותם למקרה שכלי אחר ירצה תוצאה מסוימת.</a:t>
             </a:r>
           </a:p>
           <a:p>
@@ -7254,7 +7277,17 @@
             </a:pPr>
             <a:r>
               <a:rPr lang="he-IL" sz="2400" dirty="0"/>
-              <a:t>יכולים לבקש תוצאות של כלים אחרים.</a:t>
+              <a:t>דואג לשלוח לפלטפורמה קבצי לוג של הכלים בכדי שהפלטפורמה תוכל להכין קובץ לוג סופי.</a:t>
+            </a:r>
+          </a:p>
+          <a:p>
+            <a:pPr marL="342900" indent="-342900" algn="r" rtl="1">
+              <a:buFont typeface="Arial" panose="020B0604020202020204" pitchFamily="34" charset="0"/>
+              <a:buChar char="•"/>
+            </a:pPr>
+            <a:r>
+              <a:rPr lang="he-IL" sz="2400" dirty="0"/>
+              <a:t>אחראי על העברת בדיקת תבניות למודול בפלטפורמה והחזרת תוצאה מתאימה לכלי. </a:t>
             </a:r>
           </a:p>
           <a:p>
@@ -7273,7 +7306,7 @@
     </p:spTree>
     <p:extLst>
       <p:ext uri="{BB962C8B-B14F-4D97-AF65-F5344CB8AC3E}">
-        <p14:creationId xmlns:p14="http://schemas.microsoft.com/office/powerpoint/2010/main" val="928927793"/>
+        <p14:creationId xmlns:p14="http://schemas.microsoft.com/office/powerpoint/2010/main" val="909406957"/>
       </p:ext>
     </p:extLst>
   </p:cSld>
@@ -7305,7 +7338,7 @@
           <p:cNvPr id="4" name="כותרת 1">
             <a:extLst>
               <a:ext uri="{FF2B5EF4-FFF2-40B4-BE49-F238E27FC236}">
-                <a16:creationId xmlns:a16="http://schemas.microsoft.com/office/drawing/2014/main" id="{AB79B4DE-B6E1-4C76-89A6-5CFF5E81DC94}"/>
+                <a16:creationId xmlns:a16="http://schemas.microsoft.com/office/drawing/2014/main" id="{C990A99A-1DD6-4D79-992B-C881E0E9D907}"/>
               </a:ext>
             </a:extLst>
           </p:cNvPr>
@@ -7405,7 +7438,7 @@
             <a:pPr algn="r" rtl="1"/>
             <a:r>
               <a:rPr lang="he-IL" dirty="0"/>
-              <a:t>מסד נתונים </a:t>
+              <a:t>כלים </a:t>
             </a:r>
             <a:endParaRPr lang="en-IL" dirty="0"/>
           </a:p>
@@ -7416,7 +7449,7 @@
           <p:cNvPr id="5" name="תיבת טקסט 4">
             <a:extLst>
               <a:ext uri="{FF2B5EF4-FFF2-40B4-BE49-F238E27FC236}">
-                <a16:creationId xmlns:a16="http://schemas.microsoft.com/office/drawing/2014/main" id="{8C0674A8-9EA5-4ABE-BBBC-EBB57139F843}"/>
+                <a16:creationId xmlns:a16="http://schemas.microsoft.com/office/drawing/2014/main" id="{CB87062D-1A70-4957-BC0E-42BFED3D552A}"/>
               </a:ext>
             </a:extLst>
           </p:cNvPr>
@@ -7426,7 +7459,7 @@
         <p:spPr>
           <a:xfrm>
             <a:off x="1493240" y="1526796"/>
-            <a:ext cx="9555061" cy="1938992"/>
+            <a:ext cx="9555061" cy="3416320"/>
           </a:xfrm>
           <a:prstGeom prst="rect">
             <a:avLst/>
@@ -7442,7 +7475,7 @@
             <a:pPr algn="r" rtl="1"/>
             <a:r>
               <a:rPr lang="he-IL" sz="3600" dirty="0"/>
-              <a:t>אחראי על :</a:t>
+              <a:t>אחראיים על :</a:t>
             </a:r>
           </a:p>
           <a:p>
@@ -7452,7 +7485,7 @@
             </a:pPr>
             <a:r>
               <a:rPr lang="he-IL" sz="2400" dirty="0"/>
-              <a:t>אגירת כל הכלים בפרויקט.</a:t>
+              <a:t>כל אחד מהכלים דואג לנושא אחר כלומר כל אחד מבצע דבר אחר. לדוגמא : ניהול זיכרון.</a:t>
             </a:r>
           </a:p>
           <a:p>
@@ -7462,8 +7495,51 @@
             </a:pPr>
             <a:r>
               <a:rPr lang="he-IL" sz="2400" dirty="0"/>
-              <a:t>טיפול בבקשות של קבלת או עדכון נתונים.</a:t>
-            </a:r>
+              <a:t>אחראיים על שליחת לוג בחזרה אל ה</a:t>
+            </a:r>
+            <a:r>
+              <a:rPr lang="en-US" sz="2400" dirty="0"/>
+              <a:t>REST</a:t>
+            </a:r>
+            <a:r>
+              <a:rPr lang="he-IL" sz="2400" dirty="0"/>
+              <a:t>.</a:t>
+            </a:r>
+          </a:p>
+          <a:p>
+            <a:pPr marL="342900" indent="-342900" algn="r" rtl="1">
+              <a:buFont typeface="Arial" panose="020B0604020202020204" pitchFamily="34" charset="0"/>
+              <a:buChar char="•"/>
+            </a:pPr>
+            <a:r>
+              <a:rPr lang="he-IL" sz="2400" dirty="0"/>
+              <a:t>עלולים להחזיר קבצי תוצאה אל ה</a:t>
+            </a:r>
+            <a:r>
+              <a:rPr lang="en-US" sz="2400" dirty="0"/>
+              <a:t>REST</a:t>
+            </a:r>
+            <a:r>
+              <a:rPr lang="he-IL" sz="2400" dirty="0"/>
+              <a:t>.</a:t>
+            </a:r>
+          </a:p>
+          <a:p>
+            <a:pPr marL="342900" indent="-342900" algn="r" rtl="1">
+              <a:buFont typeface="Arial" panose="020B0604020202020204" pitchFamily="34" charset="0"/>
+              <a:buChar char="•"/>
+            </a:pPr>
+            <a:r>
+              <a:rPr lang="he-IL" sz="2400" dirty="0"/>
+              <a:t>יכולים לבקש תוצאות של כלים אחרים.</a:t>
+            </a:r>
+          </a:p>
+          <a:p>
+            <a:pPr marL="342900" indent="-342900" algn="r" rtl="1">
+              <a:buFont typeface="Arial" panose="020B0604020202020204" pitchFamily="34" charset="0"/>
+              <a:buChar char="•"/>
+            </a:pPr>
+            <a:endParaRPr lang="he-IL" sz="2400" dirty="0"/>
           </a:p>
           <a:p>
             <a:pPr algn="r" rtl="1"/>
@@ -7474,7 +7550,7 @@
     </p:spTree>
     <p:extLst>
       <p:ext uri="{BB962C8B-B14F-4D97-AF65-F5344CB8AC3E}">
-        <p14:creationId xmlns:p14="http://schemas.microsoft.com/office/powerpoint/2010/main" val="2443576988"/>
+        <p14:creationId xmlns:p14="http://schemas.microsoft.com/office/powerpoint/2010/main" val="928927793"/>
       </p:ext>
     </p:extLst>
   </p:cSld>
@@ -7506,6 +7582,207 @@
           <p:cNvPr id="4" name="כותרת 1">
             <a:extLst>
               <a:ext uri="{FF2B5EF4-FFF2-40B4-BE49-F238E27FC236}">
+                <a16:creationId xmlns:a16="http://schemas.microsoft.com/office/drawing/2014/main" id="{AB79B4DE-B6E1-4C76-89A6-5CFF5E81DC94}"/>
+              </a:ext>
+            </a:extLst>
+          </p:cNvPr>
+          <p:cNvSpPr txBox="1">
+            <a:spLocks/>
+          </p:cNvSpPr>
+          <p:nvPr/>
+        </p:nvSpPr>
+        <p:spPr>
+          <a:xfrm>
+            <a:off x="820025" y="534100"/>
+            <a:ext cx="10131425" cy="799750"/>
+          </a:xfrm>
+          <a:prstGeom prst="rect">
+            <a:avLst/>
+          </a:prstGeom>
+        </p:spPr>
+        <p:txBody>
+          <a:bodyPr/>
+          <a:lstStyle>
+            <a:lvl1pPr algn="l" defTabSz="457200" rtl="0" eaLnBrk="1" latinLnBrk="0" hangingPunct="1">
+              <a:spcBef>
+                <a:spcPct val="0"/>
+              </a:spcBef>
+              <a:buNone/>
+              <a:defRPr sz="3600" kern="1200" cap="all">
+                <a:ln w="3175" cmpd="sng">
+                  <a:noFill/>
+                </a:ln>
+                <a:solidFill>
+                  <a:schemeClr val="tx1"/>
+                </a:solidFill>
+                <a:effectLst/>
+                <a:latin typeface="+mj-lt"/>
+                <a:ea typeface="+mj-ea"/>
+                <a:cs typeface="+mj-cs"/>
+              </a:defRPr>
+            </a:lvl1pPr>
+            <a:lvl2pPr eaLnBrk="1" hangingPunct="1">
+              <a:defRPr>
+                <a:solidFill>
+                  <a:schemeClr val="tx2"/>
+                </a:solidFill>
+              </a:defRPr>
+            </a:lvl2pPr>
+            <a:lvl3pPr eaLnBrk="1" hangingPunct="1">
+              <a:defRPr>
+                <a:solidFill>
+                  <a:schemeClr val="tx2"/>
+                </a:solidFill>
+              </a:defRPr>
+            </a:lvl3pPr>
+            <a:lvl4pPr eaLnBrk="1" hangingPunct="1">
+              <a:defRPr>
+                <a:solidFill>
+                  <a:schemeClr val="tx2"/>
+                </a:solidFill>
+              </a:defRPr>
+            </a:lvl4pPr>
+            <a:lvl5pPr eaLnBrk="1" hangingPunct="1">
+              <a:defRPr>
+                <a:solidFill>
+                  <a:schemeClr val="tx2"/>
+                </a:solidFill>
+              </a:defRPr>
+            </a:lvl5pPr>
+            <a:lvl6pPr eaLnBrk="1" hangingPunct="1">
+              <a:defRPr>
+                <a:solidFill>
+                  <a:schemeClr val="tx2"/>
+                </a:solidFill>
+              </a:defRPr>
+            </a:lvl6pPr>
+            <a:lvl7pPr eaLnBrk="1" hangingPunct="1">
+              <a:defRPr>
+                <a:solidFill>
+                  <a:schemeClr val="tx2"/>
+                </a:solidFill>
+              </a:defRPr>
+            </a:lvl7pPr>
+            <a:lvl8pPr eaLnBrk="1" hangingPunct="1">
+              <a:defRPr>
+                <a:solidFill>
+                  <a:schemeClr val="tx2"/>
+                </a:solidFill>
+              </a:defRPr>
+            </a:lvl8pPr>
+            <a:lvl9pPr eaLnBrk="1" hangingPunct="1">
+              <a:defRPr>
+                <a:solidFill>
+                  <a:schemeClr val="tx2"/>
+                </a:solidFill>
+              </a:defRPr>
+            </a:lvl9pPr>
+          </a:lstStyle>
+          <a:p>
+            <a:pPr algn="r" rtl="1"/>
+            <a:r>
+              <a:rPr lang="he-IL" dirty="0"/>
+              <a:t>מסד נתונים </a:t>
+            </a:r>
+            <a:endParaRPr lang="en-IL" dirty="0"/>
+          </a:p>
+        </p:txBody>
+      </p:sp>
+      <p:sp>
+        <p:nvSpPr>
+          <p:cNvPr id="5" name="תיבת טקסט 4">
+            <a:extLst>
+              <a:ext uri="{FF2B5EF4-FFF2-40B4-BE49-F238E27FC236}">
+                <a16:creationId xmlns:a16="http://schemas.microsoft.com/office/drawing/2014/main" id="{8C0674A8-9EA5-4ABE-BBBC-EBB57139F843}"/>
+              </a:ext>
+            </a:extLst>
+          </p:cNvPr>
+          <p:cNvSpPr txBox="1"/>
+          <p:nvPr/>
+        </p:nvSpPr>
+        <p:spPr>
+          <a:xfrm>
+            <a:off x="1493240" y="1526796"/>
+            <a:ext cx="9555061" cy="1938992"/>
+          </a:xfrm>
+          <a:prstGeom prst="rect">
+            <a:avLst/>
+          </a:prstGeom>
+          <a:noFill/>
+        </p:spPr>
+        <p:txBody>
+          <a:bodyPr wrap="square" rtlCol="0">
+            <a:spAutoFit/>
+          </a:bodyPr>
+          <a:lstStyle/>
+          <a:p>
+            <a:pPr algn="r" rtl="1"/>
+            <a:r>
+              <a:rPr lang="he-IL" sz="3600" dirty="0"/>
+              <a:t>אחראי על :</a:t>
+            </a:r>
+          </a:p>
+          <a:p>
+            <a:pPr marL="342900" indent="-342900" algn="r" rtl="1">
+              <a:buFont typeface="Arial" panose="020B0604020202020204" pitchFamily="34" charset="0"/>
+              <a:buChar char="•"/>
+            </a:pPr>
+            <a:r>
+              <a:rPr lang="he-IL" sz="2400" dirty="0"/>
+              <a:t>אגירת כל הכלים בפרויקט.</a:t>
+            </a:r>
+          </a:p>
+          <a:p>
+            <a:pPr marL="342900" indent="-342900" algn="r" rtl="1">
+              <a:buFont typeface="Arial" panose="020B0604020202020204" pitchFamily="34" charset="0"/>
+              <a:buChar char="•"/>
+            </a:pPr>
+            <a:r>
+              <a:rPr lang="he-IL" sz="2400" dirty="0"/>
+              <a:t>טיפול בבקשות של קבלת או עדכון נתונים.</a:t>
+            </a:r>
+          </a:p>
+          <a:p>
+            <a:pPr algn="r" rtl="1"/>
+            <a:endParaRPr lang="he-IL" sz="3600" dirty="0"/>
+          </a:p>
+        </p:txBody>
+      </p:sp>
+    </p:spTree>
+    <p:extLst>
+      <p:ext uri="{BB962C8B-B14F-4D97-AF65-F5344CB8AC3E}">
+        <p14:creationId xmlns:p14="http://schemas.microsoft.com/office/powerpoint/2010/main" val="2443576988"/>
+      </p:ext>
+    </p:extLst>
+  </p:cSld>
+  <p:clrMapOvr>
+    <a:masterClrMapping/>
+  </p:clrMapOvr>
+</p:sld>
+</file>
+
+<file path=ppt/slides/slide16.xml><?xml version="1.0" encoding="utf-8"?>
+<p:sld xmlns:a="http://schemas.openxmlformats.org/drawingml/2006/main" xmlns:r="http://schemas.openxmlformats.org/officeDocument/2006/relationships" xmlns:p="http://schemas.openxmlformats.org/presentationml/2006/main">
+  <p:cSld>
+    <p:spTree>
+      <p:nvGrpSpPr>
+        <p:cNvPr id="1" name=""/>
+        <p:cNvGrpSpPr/>
+        <p:nvPr/>
+      </p:nvGrpSpPr>
+      <p:grpSpPr>
+        <a:xfrm>
+          <a:off x="0" y="0"/>
+          <a:ext cx="0" cy="0"/>
+          <a:chOff x="0" y="0"/>
+          <a:chExt cx="0" cy="0"/>
+        </a:xfrm>
+      </p:grpSpPr>
+      <p:sp>
+        <p:nvSpPr>
+          <p:cNvPr id="4" name="כותרת 1">
+            <a:extLst>
+              <a:ext uri="{FF2B5EF4-FFF2-40B4-BE49-F238E27FC236}">
                 <a16:creationId xmlns:a16="http://schemas.microsoft.com/office/drawing/2014/main" id="{400D8A51-6E27-4C5F-A41E-7ABA6E2B1BC0}"/>
               </a:ext>
             </a:extLst>
@@ -7695,7 +7972,7 @@
 </p:sld>
 </file>
 
-<file path=ppt/slides/slide16.xml><?xml version="1.0" encoding="utf-8"?>
+<file path=ppt/slides/slide17.xml><?xml version="1.0" encoding="utf-8"?>
 <p:sld xmlns:a="http://schemas.openxmlformats.org/drawingml/2006/main" xmlns:r="http://schemas.openxmlformats.org/officeDocument/2006/relationships" xmlns:p="http://schemas.openxmlformats.org/presentationml/2006/main">
   <p:cSld>
     <p:bg>
@@ -7729,7 +8006,7 @@
                 <a16:creationId xmlns:a16="http://schemas.microsoft.com/office/drawing/2014/main" id="{6AF6706C-CF07-43A1-BCC4-CBA5D33820DA}"/>
               </a:ext>
               <a:ext uri="{C183D7F6-B498-43B3-948B-1728B52AA6E4}">
-                <adec:decorative xmlns:adec="http://schemas.microsoft.com/office/drawing/2017/decorative" val="1"/>
+                <adec:decorative xmlns:adec="http://schemas.microsoft.com/office/drawing/2017/decorative" xmlns="" val="1"/>
               </a:ext>
             </a:extLst>
           </p:cNvPr>
@@ -7974,7 +8251,7 @@
 </p:sld>
 </file>
 
-<file path=ppt/slides/slide17.xml><?xml version="1.0" encoding="utf-8"?>
+<file path=ppt/slides/slide18.xml><?xml version="1.0" encoding="utf-8"?>
 <p:sld xmlns:a="http://schemas.openxmlformats.org/drawingml/2006/main" xmlns:r="http://schemas.openxmlformats.org/officeDocument/2006/relationships" xmlns:p="http://schemas.openxmlformats.org/presentationml/2006/main">
   <p:cSld>
     <p:bg>
@@ -8008,7 +8285,7 @@
                 <a16:creationId xmlns:a16="http://schemas.microsoft.com/office/drawing/2014/main" id="{6AF6706C-CF07-43A1-BCC4-CBA5D33820DA}"/>
               </a:ext>
               <a:ext uri="{C183D7F6-B498-43B3-948B-1728B52AA6E4}">
-                <adec:decorative xmlns:adec="http://schemas.microsoft.com/office/drawing/2017/decorative" val="1"/>
+                <adec:decorative xmlns:adec="http://schemas.microsoft.com/office/drawing/2017/decorative" xmlns="" val="1"/>
               </a:ext>
             </a:extLst>
           </p:cNvPr>
@@ -8261,7 +8538,7 @@
 </p:sld>
 </file>
 
-<file path=ppt/slides/slide18.xml><?xml version="1.0" encoding="utf-8"?>
+<file path=ppt/slides/slide19.xml><?xml version="1.0" encoding="utf-8"?>
 <p:sld xmlns:a="http://schemas.openxmlformats.org/drawingml/2006/main" xmlns:r="http://schemas.openxmlformats.org/officeDocument/2006/relationships" xmlns:p="http://schemas.openxmlformats.org/presentationml/2006/main">
   <p:cSld>
     <p:bg>
@@ -8517,7 +8794,136 @@
 </p:sld>
 </file>
 
-<file path=ppt/slides/slide19.xml><?xml version="1.0" encoding="utf-8"?>
+<file path=ppt/slides/slide2.xml><?xml version="1.0" encoding="utf-8"?>
+<p:sld xmlns:a="http://schemas.openxmlformats.org/drawingml/2006/main" xmlns:r="http://schemas.openxmlformats.org/officeDocument/2006/relationships" xmlns:p="http://schemas.openxmlformats.org/presentationml/2006/main">
+  <p:cSld>
+    <p:spTree>
+      <p:nvGrpSpPr>
+        <p:cNvPr id="1" name=""/>
+        <p:cNvGrpSpPr/>
+        <p:nvPr/>
+      </p:nvGrpSpPr>
+      <p:grpSpPr>
+        <a:xfrm>
+          <a:off x="0" y="0"/>
+          <a:ext cx="0" cy="0"/>
+          <a:chOff x="0" y="0"/>
+          <a:chExt cx="0" cy="0"/>
+        </a:xfrm>
+      </p:grpSpPr>
+      <p:sp>
+        <p:nvSpPr>
+          <p:cNvPr id="2" name="כותרת 1">
+            <a:extLst>
+              <a:ext uri="{FF2B5EF4-FFF2-40B4-BE49-F238E27FC236}">
+                <a16:creationId xmlns:a16="http://schemas.microsoft.com/office/drawing/2014/main" id="{C86CEFD0-53D9-4DF1-8092-962D21DA5511}"/>
+              </a:ext>
+            </a:extLst>
+          </p:cNvPr>
+          <p:cNvSpPr>
+            <a:spLocks noGrp="1"/>
+          </p:cNvSpPr>
+          <p:nvPr>
+            <p:ph type="title"/>
+          </p:nvPr>
+        </p:nvSpPr>
+        <p:spPr/>
+        <p:txBody>
+          <a:bodyPr/>
+          <a:lstStyle/>
+          <a:p>
+            <a:pPr algn="r" rtl="1"/>
+            <a:r>
+              <a:rPr lang="he-IL" dirty="0"/>
+              <a:t>שלבי ההרצאה</a:t>
+            </a:r>
+            <a:endParaRPr lang="en-IL" dirty="0"/>
+          </a:p>
+        </p:txBody>
+      </p:sp>
+      <p:sp>
+        <p:nvSpPr>
+          <p:cNvPr id="3" name="מציין מיקום תוכן 2">
+            <a:extLst>
+              <a:ext uri="{FF2B5EF4-FFF2-40B4-BE49-F238E27FC236}">
+                <a16:creationId xmlns:a16="http://schemas.microsoft.com/office/drawing/2014/main" id="{08D935A7-A4E1-4041-847C-DFC692434AE2}"/>
+              </a:ext>
+            </a:extLst>
+          </p:cNvPr>
+          <p:cNvSpPr>
+            <a:spLocks noGrp="1"/>
+          </p:cNvSpPr>
+          <p:nvPr>
+            <p:ph idx="1"/>
+          </p:nvPr>
+        </p:nvSpPr>
+        <p:spPr>
+          <a:xfrm>
+            <a:off x="685801" y="2239861"/>
+            <a:ext cx="10131425" cy="3551339"/>
+          </a:xfrm>
+        </p:spPr>
+        <p:txBody>
+          <a:bodyPr/>
+          <a:lstStyle/>
+          <a:p>
+            <a:pPr algn="r" rtl="1"/>
+            <a:r>
+              <a:rPr lang="he-IL" dirty="0"/>
+              <a:t>המצב הקיים ותיאור הבעיה</a:t>
+            </a:r>
+          </a:p>
+          <a:p>
+            <a:pPr algn="r" rtl="1"/>
+            <a:r>
+              <a:rPr lang="he-IL" dirty="0"/>
+              <a:t>הצורך המבצעי</a:t>
+            </a:r>
+          </a:p>
+          <a:p>
+            <a:pPr algn="r" rtl="1"/>
+            <a:r>
+              <a:rPr lang="he-IL" dirty="0"/>
+              <a:t>דרישות המערכת</a:t>
+            </a:r>
+          </a:p>
+          <a:p>
+            <a:pPr algn="r" rtl="1"/>
+            <a:r>
+              <a:rPr lang="he-IL" dirty="0"/>
+              <a:t>תיאור החלופות והפתרון הנבחר</a:t>
+            </a:r>
+          </a:p>
+          <a:p>
+            <a:pPr algn="r" rtl="1"/>
+            <a:r>
+              <a:rPr lang="he-IL" dirty="0"/>
+              <a:t>ארכיטקטורת תוכנה</a:t>
+            </a:r>
+          </a:p>
+          <a:p>
+            <a:pPr algn="r" rtl="1"/>
+            <a:r>
+              <a:rPr lang="he-IL" dirty="0"/>
+              <a:t>מודולים בפרויקט</a:t>
+            </a:r>
+          </a:p>
+        </p:txBody>
+      </p:sp>
+    </p:spTree>
+    <p:extLst>
+      <p:ext uri="{BB962C8B-B14F-4D97-AF65-F5344CB8AC3E}">
+        <p14:creationId xmlns:p14="http://schemas.microsoft.com/office/powerpoint/2010/main" val="4129734760"/>
+      </p:ext>
+    </p:extLst>
+  </p:cSld>
+  <p:clrMapOvr>
+    <a:masterClrMapping/>
+  </p:clrMapOvr>
+</p:sld>
+</file>
+
+<file path=ppt/slides/slide20.xml><?xml version="1.0" encoding="utf-8"?>
 <p:sld xmlns:a="http://schemas.openxmlformats.org/drawingml/2006/main" xmlns:r="http://schemas.openxmlformats.org/officeDocument/2006/relationships" xmlns:p="http://schemas.openxmlformats.org/presentationml/2006/main">
   <p:cSld>
     <p:bg>
@@ -8551,7 +8957,7 @@
                 <a16:creationId xmlns:a16="http://schemas.microsoft.com/office/drawing/2014/main" id="{6AF6706C-CF07-43A1-BCC4-CBA5D33820DA}"/>
               </a:ext>
               <a:ext uri="{C183D7F6-B498-43B3-948B-1728B52AA6E4}">
-                <adec:decorative xmlns:adec="http://schemas.microsoft.com/office/drawing/2017/decorative" val="1"/>
+                <adec:decorative xmlns:adec="http://schemas.microsoft.com/office/drawing/2017/decorative" xmlns="" val="1"/>
               </a:ext>
             </a:extLst>
           </p:cNvPr>
@@ -8803,136 +9209,7 @@
 </p:sld>
 </file>
 
-<file path=ppt/slides/slide2.xml><?xml version="1.0" encoding="utf-8"?>
-<p:sld xmlns:a="http://schemas.openxmlformats.org/drawingml/2006/main" xmlns:r="http://schemas.openxmlformats.org/officeDocument/2006/relationships" xmlns:p="http://schemas.openxmlformats.org/presentationml/2006/main">
-  <p:cSld>
-    <p:spTree>
-      <p:nvGrpSpPr>
-        <p:cNvPr id="1" name=""/>
-        <p:cNvGrpSpPr/>
-        <p:nvPr/>
-      </p:nvGrpSpPr>
-      <p:grpSpPr>
-        <a:xfrm>
-          <a:off x="0" y="0"/>
-          <a:ext cx="0" cy="0"/>
-          <a:chOff x="0" y="0"/>
-          <a:chExt cx="0" cy="0"/>
-        </a:xfrm>
-      </p:grpSpPr>
-      <p:sp>
-        <p:nvSpPr>
-          <p:cNvPr id="2" name="כותרת 1">
-            <a:extLst>
-              <a:ext uri="{FF2B5EF4-FFF2-40B4-BE49-F238E27FC236}">
-                <a16:creationId xmlns:a16="http://schemas.microsoft.com/office/drawing/2014/main" id="{C86CEFD0-53D9-4DF1-8092-962D21DA5511}"/>
-              </a:ext>
-            </a:extLst>
-          </p:cNvPr>
-          <p:cNvSpPr>
-            <a:spLocks noGrp="1"/>
-          </p:cNvSpPr>
-          <p:nvPr>
-            <p:ph type="title"/>
-          </p:nvPr>
-        </p:nvSpPr>
-        <p:spPr/>
-        <p:txBody>
-          <a:bodyPr/>
-          <a:lstStyle/>
-          <a:p>
-            <a:pPr algn="r" rtl="1"/>
-            <a:r>
-              <a:rPr lang="he-IL" dirty="0"/>
-              <a:t>שלבי ההרצאה</a:t>
-            </a:r>
-            <a:endParaRPr lang="en-IL" dirty="0"/>
-          </a:p>
-        </p:txBody>
-      </p:sp>
-      <p:sp>
-        <p:nvSpPr>
-          <p:cNvPr id="3" name="מציין מיקום תוכן 2">
-            <a:extLst>
-              <a:ext uri="{FF2B5EF4-FFF2-40B4-BE49-F238E27FC236}">
-                <a16:creationId xmlns:a16="http://schemas.microsoft.com/office/drawing/2014/main" id="{08D935A7-A4E1-4041-847C-DFC692434AE2}"/>
-              </a:ext>
-            </a:extLst>
-          </p:cNvPr>
-          <p:cNvSpPr>
-            <a:spLocks noGrp="1"/>
-          </p:cNvSpPr>
-          <p:nvPr>
-            <p:ph idx="1"/>
-          </p:nvPr>
-        </p:nvSpPr>
-        <p:spPr>
-          <a:xfrm>
-            <a:off x="685801" y="2239861"/>
-            <a:ext cx="10131425" cy="3551339"/>
-          </a:xfrm>
-        </p:spPr>
-        <p:txBody>
-          <a:bodyPr/>
-          <a:lstStyle/>
-          <a:p>
-            <a:pPr algn="r" rtl="1"/>
-            <a:r>
-              <a:rPr lang="he-IL" dirty="0"/>
-              <a:t>המצב הקיים ותיאור הבעיה</a:t>
-            </a:r>
-          </a:p>
-          <a:p>
-            <a:pPr algn="r" rtl="1"/>
-            <a:r>
-              <a:rPr lang="he-IL" dirty="0"/>
-              <a:t>הצורך המבצעי</a:t>
-            </a:r>
-          </a:p>
-          <a:p>
-            <a:pPr algn="r" rtl="1"/>
-            <a:r>
-              <a:rPr lang="he-IL" dirty="0"/>
-              <a:t>דרישות המערכת</a:t>
-            </a:r>
-          </a:p>
-          <a:p>
-            <a:pPr algn="r" rtl="1"/>
-            <a:r>
-              <a:rPr lang="he-IL" dirty="0"/>
-              <a:t>תיאור החלופות והפתרון הנבחר</a:t>
-            </a:r>
-          </a:p>
-          <a:p>
-            <a:pPr algn="r" rtl="1"/>
-            <a:r>
-              <a:rPr lang="he-IL" dirty="0"/>
-              <a:t>ארכיטקטורת תוכנה</a:t>
-            </a:r>
-          </a:p>
-          <a:p>
-            <a:pPr algn="r" rtl="1"/>
-            <a:r>
-              <a:rPr lang="he-IL" dirty="0"/>
-              <a:t>מודולים בפרויקט</a:t>
-            </a:r>
-          </a:p>
-        </p:txBody>
-      </p:sp>
-    </p:spTree>
-    <p:extLst>
-      <p:ext uri="{BB962C8B-B14F-4D97-AF65-F5344CB8AC3E}">
-        <p14:creationId xmlns:p14="http://schemas.microsoft.com/office/powerpoint/2010/main" val="4129734760"/>
-      </p:ext>
-    </p:extLst>
-  </p:cSld>
-  <p:clrMapOvr>
-    <a:masterClrMapping/>
-  </p:clrMapOvr>
-</p:sld>
-</file>
-
-<file path=ppt/slides/slide20.xml><?xml version="1.0" encoding="utf-8"?>
+<file path=ppt/slides/slide21.xml><?xml version="1.0" encoding="utf-8"?>
 <p:sld xmlns:a="http://schemas.openxmlformats.org/drawingml/2006/main" xmlns:r="http://schemas.openxmlformats.org/officeDocument/2006/relationships" xmlns:p="http://schemas.openxmlformats.org/presentationml/2006/main">
   <p:cSld>
     <p:bg>
@@ -8966,7 +9243,7 @@
                 <a16:creationId xmlns:a16="http://schemas.microsoft.com/office/drawing/2014/main" id="{6AF6706C-CF07-43A1-BCC4-CBA5D33820DA}"/>
               </a:ext>
               <a:ext uri="{C183D7F6-B498-43B3-948B-1728B52AA6E4}">
-                <adec:decorative xmlns:adec="http://schemas.microsoft.com/office/drawing/2017/decorative" val="1"/>
+                <adec:decorative xmlns:adec="http://schemas.microsoft.com/office/drawing/2017/decorative" xmlns="" val="1"/>
               </a:ext>
             </a:extLst>
           </p:cNvPr>
@@ -9453,7 +9730,7 @@
         </p:spPr>
         <p:txBody>
           <a:bodyPr>
-            <a:normAutofit fontScale="92500" lnSpcReduction="10000"/>
+            <a:normAutofit lnSpcReduction="10000"/>
           </a:bodyPr>
           <a:lstStyle/>
           <a:p>
@@ -9461,11 +9738,9 @@
             <a:endParaRPr lang="he-IL" sz="2800" dirty="0"/>
           </a:p>
           <a:p>
-            <a:pPr algn="r" rtl="1"/>
-            <a:endParaRPr lang="he-IL" sz="2800" dirty="0"/>
-          </a:p>
-          <a:p>
-            <a:pPr algn="r" rtl="1"/>
+            <a:pPr marL="0" indent="0" algn="r" rtl="1">
+              <a:buNone/>
+            </a:pPr>
             <a:endParaRPr lang="he-IL" sz="2800" dirty="0"/>
           </a:p>
           <a:p>
@@ -10204,10 +10479,225 @@
   <p:clrMapOvr>
     <a:masterClrMapping/>
   </p:clrMapOvr>
+  <p:timing>
+    <p:tnLst>
+      <p:par>
+        <p:cTn id="1" dur="indefinite" restart="never" nodeType="tmRoot"/>
+      </p:par>
+    </p:tnLst>
+  </p:timing>
 </p:sld>
 </file>
 
 <file path=ppt/slides/slide8.xml><?xml version="1.0" encoding="utf-8"?>
+<p:sld xmlns:a="http://schemas.openxmlformats.org/drawingml/2006/main" xmlns:r="http://schemas.openxmlformats.org/officeDocument/2006/relationships" xmlns:p="http://schemas.openxmlformats.org/presentationml/2006/main">
+  <p:cSld>
+    <p:spTree>
+      <p:nvGrpSpPr>
+        <p:cNvPr id="1" name=""/>
+        <p:cNvGrpSpPr/>
+        <p:nvPr/>
+      </p:nvGrpSpPr>
+      <p:grpSpPr>
+        <a:xfrm>
+          <a:off x="0" y="0"/>
+          <a:ext cx="0" cy="0"/>
+          <a:chOff x="0" y="0"/>
+          <a:chExt cx="0" cy="0"/>
+        </a:xfrm>
+      </p:grpSpPr>
+      <p:sp>
+        <p:nvSpPr>
+          <p:cNvPr id="10" name="כותרת 1">
+            <a:extLst>
+              <a:ext uri="{FF2B5EF4-FFF2-40B4-BE49-F238E27FC236}">
+                <a16:creationId xmlns:a16="http://schemas.microsoft.com/office/drawing/2014/main" id="{95B1A5C0-2702-4EFE-A226-5049E15E35EA}"/>
+              </a:ext>
+            </a:extLst>
+          </p:cNvPr>
+          <p:cNvSpPr txBox="1">
+            <a:spLocks/>
+          </p:cNvSpPr>
+          <p:nvPr/>
+        </p:nvSpPr>
+        <p:spPr>
+          <a:xfrm>
+            <a:off x="6211027" y="1657134"/>
+            <a:ext cx="4729828" cy="2421464"/>
+          </a:xfrm>
+          <a:prstGeom prst="rect">
+            <a:avLst/>
+          </a:prstGeom>
+        </p:spPr>
+        <p:txBody>
+          <a:bodyPr vert="horz" lIns="91440" tIns="45720" rIns="91440" bIns="45720" rtlCol="0" anchor="b">
+            <a:normAutofit/>
+          </a:bodyPr>
+          <a:lstStyle>
+            <a:lvl1pPr algn="l" defTabSz="457200" rtl="0" eaLnBrk="1" latinLnBrk="0" hangingPunct="1">
+              <a:spcBef>
+                <a:spcPct val="0"/>
+              </a:spcBef>
+              <a:buNone/>
+              <a:defRPr sz="3600" kern="1200" cap="all">
+                <a:ln w="3175" cmpd="sng">
+                  <a:noFill/>
+                </a:ln>
+                <a:solidFill>
+                  <a:schemeClr val="tx1"/>
+                </a:solidFill>
+                <a:effectLst/>
+                <a:latin typeface="+mj-lt"/>
+                <a:ea typeface="+mj-ea"/>
+                <a:cs typeface="+mj-cs"/>
+              </a:defRPr>
+            </a:lvl1pPr>
+            <a:lvl2pPr eaLnBrk="1" hangingPunct="1">
+              <a:defRPr>
+                <a:solidFill>
+                  <a:schemeClr val="tx2"/>
+                </a:solidFill>
+              </a:defRPr>
+            </a:lvl2pPr>
+            <a:lvl3pPr eaLnBrk="1" hangingPunct="1">
+              <a:defRPr>
+                <a:solidFill>
+                  <a:schemeClr val="tx2"/>
+                </a:solidFill>
+              </a:defRPr>
+            </a:lvl3pPr>
+            <a:lvl4pPr eaLnBrk="1" hangingPunct="1">
+              <a:defRPr>
+                <a:solidFill>
+                  <a:schemeClr val="tx2"/>
+                </a:solidFill>
+              </a:defRPr>
+            </a:lvl4pPr>
+            <a:lvl5pPr eaLnBrk="1" hangingPunct="1">
+              <a:defRPr>
+                <a:solidFill>
+                  <a:schemeClr val="tx2"/>
+                </a:solidFill>
+              </a:defRPr>
+            </a:lvl5pPr>
+            <a:lvl6pPr eaLnBrk="1" hangingPunct="1">
+              <a:defRPr>
+                <a:solidFill>
+                  <a:schemeClr val="tx2"/>
+                </a:solidFill>
+              </a:defRPr>
+            </a:lvl6pPr>
+            <a:lvl7pPr eaLnBrk="1" hangingPunct="1">
+              <a:defRPr>
+                <a:solidFill>
+                  <a:schemeClr val="tx2"/>
+                </a:solidFill>
+              </a:defRPr>
+            </a:lvl7pPr>
+            <a:lvl8pPr eaLnBrk="1" hangingPunct="1">
+              <a:defRPr>
+                <a:solidFill>
+                  <a:schemeClr val="tx2"/>
+                </a:solidFill>
+              </a:defRPr>
+            </a:lvl8pPr>
+            <a:lvl9pPr eaLnBrk="1" hangingPunct="1">
+              <a:defRPr>
+                <a:solidFill>
+                  <a:schemeClr val="tx2"/>
+                </a:solidFill>
+              </a:defRPr>
+            </a:lvl9pPr>
+          </a:lstStyle>
+          <a:p>
+            <a:pPr algn="r">
+              <a:spcAft>
+                <a:spcPts val="600"/>
+              </a:spcAft>
+            </a:pPr>
+            <a:r>
+              <a:rPr lang="he-IL" sz="4800" dirty="0" smtClean="0"/>
+              <a:t>תיאור</a:t>
+            </a:r>
+          </a:p>
+          <a:p>
+            <a:pPr algn="r">
+              <a:spcAft>
+                <a:spcPts val="600"/>
+              </a:spcAft>
+            </a:pPr>
+            <a:r>
+              <a:rPr lang="he-IL" sz="4800" dirty="0" smtClean="0"/>
+              <a:t>תוכנה</a:t>
+            </a:r>
+            <a:endParaRPr lang="en-US" sz="4800" dirty="0"/>
+          </a:p>
+        </p:txBody>
+      </p:sp>
+      <p:pic>
+        <p:nvPicPr>
+          <p:cNvPr id="11" name="תמונה 10"/>
+          <p:cNvPicPr>
+            <a:picLocks noChangeAspect="1"/>
+          </p:cNvPicPr>
+          <p:nvPr/>
+        </p:nvPicPr>
+        <p:blipFill>
+          <a:blip r:embed="rId2">
+            <a:extLst>
+              <a:ext uri="{28A0092B-C50C-407E-A947-70E740481C1C}">
+                <a14:useLocalDpi xmlns:a14="http://schemas.microsoft.com/office/drawing/2010/main" val="0"/>
+              </a:ext>
+            </a:extLst>
+          </a:blip>
+          <a:stretch>
+            <a:fillRect/>
+          </a:stretch>
+        </p:blipFill>
+        <p:spPr>
+          <a:xfrm>
+            <a:off x="0" y="0"/>
+            <a:ext cx="8101117" cy="6858000"/>
+          </a:xfrm>
+          <a:prstGeom prst="roundRect">
+            <a:avLst>
+              <a:gd name="adj" fmla="val 8594"/>
+            </a:avLst>
+          </a:prstGeom>
+          <a:solidFill>
+            <a:srgbClr val="FFFFFF">
+              <a:shade val="85000"/>
+            </a:srgbClr>
+          </a:solidFill>
+          <a:ln>
+            <a:noFill/>
+          </a:ln>
+          <a:effectLst>
+            <a:reflection blurRad="12700" stA="38000" endPos="28000" dist="5000" dir="5400000" sy="-100000" algn="bl" rotWithShape="0"/>
+          </a:effectLst>
+        </p:spPr>
+      </p:pic>
+    </p:spTree>
+    <p:extLst>
+      <p:ext uri="{BB962C8B-B14F-4D97-AF65-F5344CB8AC3E}">
+        <p14:creationId xmlns:p14="http://schemas.microsoft.com/office/powerpoint/2010/main" val="569728560"/>
+      </p:ext>
+    </p:extLst>
+  </p:cSld>
+  <p:clrMapOvr>
+    <a:masterClrMapping/>
+  </p:clrMapOvr>
+  <p:timing>
+    <p:tnLst>
+      <p:par>
+        <p:cTn id="1" dur="indefinite" restart="never" nodeType="tmRoot"/>
+      </p:par>
+    </p:tnLst>
+  </p:timing>
+</p:sld>
+</file>
+
+<file path=ppt/slides/slide9.xml><?xml version="1.0" encoding="utf-8"?>
 <p:sld xmlns:a="http://schemas.openxmlformats.org/drawingml/2006/main" xmlns:r="http://schemas.openxmlformats.org/officeDocument/2006/relationships" xmlns:p="http://schemas.openxmlformats.org/presentationml/2006/main">
   <p:cSld>
     <p:bg>
@@ -10241,7 +10731,7 @@
                 <a16:creationId xmlns:a16="http://schemas.microsoft.com/office/drawing/2014/main" id="{CBECFFDC-94DB-4DA3-94FE-22FEDDA8FA30}"/>
               </a:ext>
               <a:ext uri="{C183D7F6-B498-43B3-948B-1728B52AA6E4}">
-                <adec:decorative xmlns:adec="http://schemas.microsoft.com/office/drawing/2017/decorative" val="1"/>
+                <adec:decorative xmlns:adec="http://schemas.microsoft.com/office/drawing/2017/decorative" xmlns="" val="1"/>
               </a:ext>
             </a:extLst>
           </p:cNvPr>
@@ -10286,7 +10776,7 @@
                 <a16:creationId xmlns:a16="http://schemas.microsoft.com/office/drawing/2014/main" id="{F7057E50-1D91-4453-BBA0-DD604B5CDAE4}"/>
               </a:ext>
               <a:ext uri="{C183D7F6-B498-43B3-948B-1728B52AA6E4}">
-                <adec:decorative xmlns:adec="http://schemas.microsoft.com/office/drawing/2017/decorative" val="1"/>
+                <adec:decorative xmlns:adec="http://schemas.microsoft.com/office/drawing/2017/decorative" xmlns="" val="1"/>
               </a:ext>
             </a:extLst>
           </p:cNvPr>
@@ -10516,275 +11006,13 @@
   <p:clrMapOvr>
     <a:masterClrMapping/>
   </p:clrMapOvr>
-</p:sld>
-</file>
-
-<file path=ppt/slides/slide9.xml><?xml version="1.0" encoding="utf-8"?>
-<p:sld xmlns:a="http://schemas.openxmlformats.org/drawingml/2006/main" xmlns:r="http://schemas.openxmlformats.org/officeDocument/2006/relationships" xmlns:p="http://schemas.openxmlformats.org/presentationml/2006/main">
-  <p:cSld>
-    <p:spTree>
-      <p:nvGrpSpPr>
-        <p:cNvPr id="1" name=""/>
-        <p:cNvGrpSpPr/>
-        <p:nvPr/>
-      </p:nvGrpSpPr>
-      <p:grpSpPr>
-        <a:xfrm>
-          <a:off x="0" y="0"/>
-          <a:ext cx="0" cy="0"/>
-          <a:chOff x="0" y="0"/>
-          <a:chExt cx="0" cy="0"/>
-        </a:xfrm>
-      </p:grpSpPr>
-      <p:sp>
-        <p:nvSpPr>
-          <p:cNvPr id="2" name="כותרת 1">
-            <a:extLst>
-              <a:ext uri="{FF2B5EF4-FFF2-40B4-BE49-F238E27FC236}">
-                <a16:creationId xmlns:a16="http://schemas.microsoft.com/office/drawing/2014/main" id="{E494FDF2-39E4-4C56-81D1-1B404461D38C}"/>
-              </a:ext>
-            </a:extLst>
-          </p:cNvPr>
-          <p:cNvSpPr txBox="1">
-            <a:spLocks/>
-          </p:cNvSpPr>
-          <p:nvPr/>
-        </p:nvSpPr>
-        <p:spPr>
-          <a:xfrm>
-            <a:off x="820025" y="534100"/>
-            <a:ext cx="10131425" cy="799750"/>
-          </a:xfrm>
-          <a:prstGeom prst="rect">
-            <a:avLst/>
-          </a:prstGeom>
-        </p:spPr>
-        <p:txBody>
-          <a:bodyPr/>
-          <a:lstStyle>
-            <a:lvl1pPr algn="l" defTabSz="457200" rtl="0" eaLnBrk="1" latinLnBrk="0" hangingPunct="1">
-              <a:spcBef>
-                <a:spcPct val="0"/>
-              </a:spcBef>
-              <a:buNone/>
-              <a:defRPr sz="3600" kern="1200" cap="all">
-                <a:ln w="3175" cmpd="sng">
-                  <a:noFill/>
-                </a:ln>
-                <a:solidFill>
-                  <a:schemeClr val="tx1"/>
-                </a:solidFill>
-                <a:effectLst/>
-                <a:latin typeface="+mj-lt"/>
-                <a:ea typeface="+mj-ea"/>
-                <a:cs typeface="+mj-cs"/>
-              </a:defRPr>
-            </a:lvl1pPr>
-            <a:lvl2pPr eaLnBrk="1" hangingPunct="1">
-              <a:defRPr>
-                <a:solidFill>
-                  <a:schemeClr val="tx2"/>
-                </a:solidFill>
-              </a:defRPr>
-            </a:lvl2pPr>
-            <a:lvl3pPr eaLnBrk="1" hangingPunct="1">
-              <a:defRPr>
-                <a:solidFill>
-                  <a:schemeClr val="tx2"/>
-                </a:solidFill>
-              </a:defRPr>
-            </a:lvl3pPr>
-            <a:lvl4pPr eaLnBrk="1" hangingPunct="1">
-              <a:defRPr>
-                <a:solidFill>
-                  <a:schemeClr val="tx2"/>
-                </a:solidFill>
-              </a:defRPr>
-            </a:lvl4pPr>
-            <a:lvl5pPr eaLnBrk="1" hangingPunct="1">
-              <a:defRPr>
-                <a:solidFill>
-                  <a:schemeClr val="tx2"/>
-                </a:solidFill>
-              </a:defRPr>
-            </a:lvl5pPr>
-            <a:lvl6pPr eaLnBrk="1" hangingPunct="1">
-              <a:defRPr>
-                <a:solidFill>
-                  <a:schemeClr val="tx2"/>
-                </a:solidFill>
-              </a:defRPr>
-            </a:lvl6pPr>
-            <a:lvl7pPr eaLnBrk="1" hangingPunct="1">
-              <a:defRPr>
-                <a:solidFill>
-                  <a:schemeClr val="tx2"/>
-                </a:solidFill>
-              </a:defRPr>
-            </a:lvl7pPr>
-            <a:lvl8pPr eaLnBrk="1" hangingPunct="1">
-              <a:defRPr>
-                <a:solidFill>
-                  <a:schemeClr val="tx2"/>
-                </a:solidFill>
-              </a:defRPr>
-            </a:lvl8pPr>
-            <a:lvl9pPr eaLnBrk="1" hangingPunct="1">
-              <a:defRPr>
-                <a:solidFill>
-                  <a:schemeClr val="tx2"/>
-                </a:solidFill>
-              </a:defRPr>
-            </a:lvl9pPr>
-          </a:lstStyle>
-          <a:p>
-            <a:pPr algn="r" rtl="1"/>
-            <a:r>
-              <a:rPr lang="he-IL" dirty="0"/>
-              <a:t>פלטפורמה</a:t>
-            </a:r>
-            <a:endParaRPr lang="en-IL" dirty="0"/>
-          </a:p>
-        </p:txBody>
-      </p:sp>
-      <p:sp>
-        <p:nvSpPr>
-          <p:cNvPr id="3" name="תיבת טקסט 2">
-            <a:extLst>
-              <a:ext uri="{FF2B5EF4-FFF2-40B4-BE49-F238E27FC236}">
-                <a16:creationId xmlns:a16="http://schemas.microsoft.com/office/drawing/2014/main" id="{5EC23C1A-33C7-469D-B5AF-790322AE1A17}"/>
-              </a:ext>
-            </a:extLst>
-          </p:cNvPr>
-          <p:cNvSpPr txBox="1"/>
-          <p:nvPr/>
-        </p:nvSpPr>
-        <p:spPr>
-          <a:xfrm>
-            <a:off x="1493240" y="1526796"/>
-            <a:ext cx="9555061" cy="4216539"/>
-          </a:xfrm>
-          <a:prstGeom prst="rect">
-            <a:avLst/>
-          </a:prstGeom>
-          <a:noFill/>
-        </p:spPr>
-        <p:txBody>
-          <a:bodyPr wrap="square" rtlCol="0">
-            <a:spAutoFit/>
-          </a:bodyPr>
-          <a:lstStyle/>
-          <a:p>
-            <a:pPr algn="r" rtl="1"/>
-            <a:r>
-              <a:rPr lang="he-IL" sz="3200" dirty="0"/>
-              <a:t>אחראית על :</a:t>
-            </a:r>
-          </a:p>
-          <a:p>
-            <a:pPr algn="r" rtl="1"/>
-            <a:endParaRPr lang="he-IL" sz="2000" dirty="0"/>
-          </a:p>
-          <a:p>
-            <a:pPr marL="342900" indent="-342900" algn="r" rtl="1">
-              <a:buFont typeface="Arial" panose="020B0604020202020204" pitchFamily="34" charset="0"/>
-              <a:buChar char="•"/>
-            </a:pPr>
-            <a:r>
-              <a:rPr lang="en-US" sz="2400" dirty="0"/>
-              <a:t>Connection Module</a:t>
-            </a:r>
-            <a:r>
-              <a:rPr lang="he-IL" sz="2400" dirty="0"/>
-              <a:t> - קבלת בקשה מהלקוח והתחלת טיפול לפי דרישותיו של הלקוח.</a:t>
-            </a:r>
-          </a:p>
-          <a:p>
-            <a:pPr marL="342900" indent="-342900" algn="r" rtl="1">
-              <a:buFont typeface="Arial" panose="020B0604020202020204" pitchFamily="34" charset="0"/>
-              <a:buChar char="•"/>
-            </a:pPr>
-            <a:r>
-              <a:rPr lang="en-US" sz="2400" dirty="0"/>
-              <a:t>Compile Module</a:t>
-            </a:r>
-            <a:r>
-              <a:rPr lang="he-IL" sz="2400" dirty="0"/>
-              <a:t> – בתחילה בדיקה דומה למה שה</a:t>
-            </a:r>
-            <a:r>
-              <a:rPr lang="en-US" sz="2400" dirty="0"/>
-              <a:t>Preprocessor</a:t>
-            </a:r>
-            <a:r>
-              <a:rPr lang="he-IL" sz="2400" dirty="0"/>
-              <a:t> עושה : מסתכל על כל ה</a:t>
-            </a:r>
-            <a:r>
-              <a:rPr lang="en-US" sz="2400" dirty="0"/>
-              <a:t>includes</a:t>
-            </a:r>
-            <a:r>
-              <a:rPr lang="he-IL" sz="2400" dirty="0"/>
-              <a:t> ואוגר סוגי משתנים וכ"ו על הקובץ. לאחר מכן בדיקת קומפילציה בסיסית לגבי הקוד שניתן (אם ישנה בעיית קומפילציה הפלטפורמה תפסיק את הבדיקה תחזיר את התקלה ותגיד באיזה שורה התקלה התרחשה). </a:t>
-            </a:r>
-          </a:p>
-          <a:p>
-            <a:pPr marL="342900" indent="-342900" algn="r" rtl="1">
-              <a:buFont typeface="Arial" panose="020B0604020202020204" pitchFamily="34" charset="0"/>
-              <a:buChar char="•"/>
-            </a:pPr>
-            <a:r>
-              <a:rPr lang="en-US" sz="2400" dirty="0"/>
-              <a:t>Parsing Information</a:t>
-            </a:r>
-            <a:r>
-              <a:rPr lang="he-IL" sz="2400" dirty="0"/>
-              <a:t> – במהלך בדיקת הקוד ואחריו אגירת מידע לגבי פונקציות, קוד ואגירתו במילון שלאחר מכן ישלח כ</a:t>
-            </a:r>
-            <a:r>
-              <a:rPr lang="en-US" sz="2400" dirty="0"/>
-              <a:t>JSON</a:t>
-            </a:r>
-            <a:r>
-              <a:rPr lang="he-IL" sz="2400" dirty="0"/>
-              <a:t> לכלים.</a:t>
-            </a:r>
-          </a:p>
-          <a:p>
-            <a:pPr marL="342900" indent="-342900" algn="r" rtl="1">
-              <a:buFont typeface="Arial" panose="020B0604020202020204" pitchFamily="34" charset="0"/>
-              <a:buChar char="•"/>
-            </a:pPr>
-            <a:r>
-              <a:rPr lang="en-US" sz="2400" dirty="0"/>
-              <a:t>Json Creation</a:t>
-            </a:r>
-            <a:r>
-              <a:rPr lang="he-IL" sz="2400" dirty="0"/>
-              <a:t> – ברגע שהמידע מוכן בניית ה</a:t>
-            </a:r>
-            <a:r>
-              <a:rPr lang="en-US" sz="2400" dirty="0"/>
-              <a:t>JSON</a:t>
-            </a:r>
-            <a:r>
-              <a:rPr lang="he-IL" sz="2400" dirty="0"/>
-              <a:t> במילון.</a:t>
-            </a:r>
-          </a:p>
-        </p:txBody>
-      </p:sp>
-    </p:spTree>
-    <p:extLst>
-      <p:ext uri="{BB962C8B-B14F-4D97-AF65-F5344CB8AC3E}">
-        <p14:creationId xmlns:p14="http://schemas.microsoft.com/office/powerpoint/2010/main" val="192821504"/>
-      </p:ext>
-    </p:extLst>
-  </p:cSld>
-  <p:clrMapOvr>
-    <a:masterClrMapping/>
-  </p:clrMapOvr>
+  <p:timing>
+    <p:tnLst>
+      <p:par>
+        <p:cTn id="1" dur="indefinite" restart="never" nodeType="tmRoot"/>
+      </p:par>
+    </p:tnLst>
+  </p:timing>
 </p:sld>
 </file>
 

--- a/shenhavArmyNew/Word/פרויקט גמר.pptx
+++ b/shenhavArmyNew/Word/פרויקט גמר.pptx
@@ -5,30 +5,34 @@
     <p:sldMasterId id="2147483648" r:id="rId1"/>
   </p:sldMasterIdLst>
   <p:notesMasterIdLst>
-    <p:notesMasterId r:id="rId23"/>
+    <p:notesMasterId r:id="rId27"/>
   </p:notesMasterIdLst>
   <p:sldIdLst>
     <p:sldId id="256" r:id="rId2"/>
     <p:sldId id="257" r:id="rId3"/>
-    <p:sldId id="258" r:id="rId4"/>
-    <p:sldId id="259" r:id="rId5"/>
-    <p:sldId id="260" r:id="rId6"/>
-    <p:sldId id="261" r:id="rId7"/>
-    <p:sldId id="262" r:id="rId8"/>
-    <p:sldId id="277" r:id="rId9"/>
-    <p:sldId id="264" r:id="rId10"/>
-    <p:sldId id="265" r:id="rId11"/>
-    <p:sldId id="266" r:id="rId12"/>
-    <p:sldId id="267" r:id="rId13"/>
-    <p:sldId id="268" r:id="rId14"/>
-    <p:sldId id="269" r:id="rId15"/>
-    <p:sldId id="270" r:id="rId16"/>
-    <p:sldId id="271" r:id="rId17"/>
-    <p:sldId id="272" r:id="rId18"/>
-    <p:sldId id="273" r:id="rId19"/>
-    <p:sldId id="274" r:id="rId20"/>
-    <p:sldId id="275" r:id="rId21"/>
-    <p:sldId id="276" r:id="rId22"/>
+    <p:sldId id="279" r:id="rId4"/>
+    <p:sldId id="258" r:id="rId5"/>
+    <p:sldId id="259" r:id="rId6"/>
+    <p:sldId id="278" r:id="rId7"/>
+    <p:sldId id="260" r:id="rId8"/>
+    <p:sldId id="261" r:id="rId9"/>
+    <p:sldId id="262" r:id="rId10"/>
+    <p:sldId id="277" r:id="rId11"/>
+    <p:sldId id="264" r:id="rId12"/>
+    <p:sldId id="265" r:id="rId13"/>
+    <p:sldId id="266" r:id="rId14"/>
+    <p:sldId id="267" r:id="rId15"/>
+    <p:sldId id="268" r:id="rId16"/>
+    <p:sldId id="281" r:id="rId17"/>
+    <p:sldId id="269" r:id="rId18"/>
+    <p:sldId id="270" r:id="rId19"/>
+    <p:sldId id="271" r:id="rId20"/>
+    <p:sldId id="272" r:id="rId21"/>
+    <p:sldId id="280" r:id="rId22"/>
+    <p:sldId id="273" r:id="rId23"/>
+    <p:sldId id="274" r:id="rId24"/>
+    <p:sldId id="275" r:id="rId25"/>
+    <p:sldId id="276" r:id="rId26"/>
   </p:sldIdLst>
   <p:sldSz cx="12192000" cy="6858000"/>
   <p:notesSz cx="6858000" cy="9144000"/>
@@ -217,7 +221,7 @@
           <a:p>
             <a:fld id="{C84C033A-C372-44B0-9D33-CC8260641A33}" type="datetimeFigureOut">
               <a:rPr lang="en-IL" smtClean="0"/>
-              <a:t>04/25/2021</a:t>
+              <a:t>25/04/2021</a:t>
             </a:fld>
             <a:endParaRPr lang="en-IL"/>
           </a:p>
@@ -713,11 +717,11 @@
           <a:lstStyle/>
           <a:p>
             <a:fld id="{B61BEF0D-F0BB-DE4B-95CE-6DB70DBA9567}" type="datetimeFigureOut">
-              <a:rPr lang="en-US" dirty="0"/>
+              <a:rPr lang="en-US"/>
               <a:pPr/>
               <a:t>4/25/2021</a:t>
             </a:fld>
-            <a:endParaRPr lang="en-US" dirty="0"/>
+            <a:endParaRPr lang="en-US"/>
           </a:p>
         </p:txBody>
       </p:sp>
@@ -741,7 +745,7 @@
           <a:bodyPr/>
           <a:lstStyle/>
           <a:p>
-            <a:endParaRPr lang="en-US" dirty="0"/>
+            <a:endParaRPr lang="en-US"/>
           </a:p>
         </p:txBody>
       </p:sp>
@@ -766,11 +770,11 @@
           <a:lstStyle/>
           <a:p>
             <a:fld id="{D57F1E4F-1CFF-5643-939E-217C01CDF565}" type="slidenum">
-              <a:rPr lang="en-US" dirty="0"/>
+              <a:rPr lang="en-US"/>
               <a:pPr/>
               <a:t>‹#›</a:t>
             </a:fld>
-            <a:endParaRPr lang="en-US" dirty="0"/>
+            <a:endParaRPr lang="en-US"/>
           </a:p>
         </p:txBody>
       </p:sp>
@@ -957,7 +961,7 @@
               <a:rPr lang="he-IL"/>
               <a:t>לחץ על הסמל כדי להוסיף תמונה</a:t>
             </a:r>
-            <a:endParaRPr lang="en-US" dirty="0"/>
+            <a:endParaRPr lang="en-US"/>
           </a:p>
         </p:txBody>
       </p:sp>
@@ -1044,11 +1048,11 @@
           <a:lstStyle/>
           <a:p>
             <a:fld id="{B61BEF0D-F0BB-DE4B-95CE-6DB70DBA9567}" type="datetimeFigureOut">
-              <a:rPr lang="en-US" dirty="0"/>
+              <a:rPr lang="en-US"/>
               <a:pPr/>
               <a:t>4/25/2021</a:t>
             </a:fld>
-            <a:endParaRPr lang="en-US" dirty="0"/>
+            <a:endParaRPr lang="en-US"/>
           </a:p>
         </p:txBody>
       </p:sp>
@@ -1067,7 +1071,7 @@
           <a:bodyPr/>
           <a:lstStyle/>
           <a:p>
-            <a:endParaRPr lang="en-US" dirty="0"/>
+            <a:endParaRPr lang="en-US"/>
           </a:p>
         </p:txBody>
       </p:sp>
@@ -1087,11 +1091,11 @@
           <a:lstStyle/>
           <a:p>
             <a:fld id="{D57F1E4F-1CFF-5643-939E-217C01CDF565}" type="slidenum">
-              <a:rPr lang="en-US" dirty="0"/>
+              <a:rPr lang="en-US"/>
               <a:pPr/>
               <a:t>‹#›</a:t>
             </a:fld>
-            <a:endParaRPr lang="en-US" dirty="0"/>
+            <a:endParaRPr lang="en-US"/>
           </a:p>
         </p:txBody>
       </p:sp>
@@ -1319,11 +1323,11 @@
           <a:lstStyle/>
           <a:p>
             <a:fld id="{B61BEF0D-F0BB-DE4B-95CE-6DB70DBA9567}" type="datetimeFigureOut">
-              <a:rPr lang="en-US" dirty="0"/>
+              <a:rPr lang="en-US"/>
               <a:pPr/>
               <a:t>4/25/2021</a:t>
             </a:fld>
-            <a:endParaRPr lang="en-US" dirty="0"/>
+            <a:endParaRPr lang="en-US"/>
           </a:p>
         </p:txBody>
       </p:sp>
@@ -1342,7 +1346,7 @@
           <a:bodyPr/>
           <a:lstStyle/>
           <a:p>
-            <a:endParaRPr lang="en-US" dirty="0"/>
+            <a:endParaRPr lang="en-US"/>
           </a:p>
         </p:txBody>
       </p:sp>
@@ -1362,11 +1366,11 @@
           <a:lstStyle/>
           <a:p>
             <a:fld id="{D57F1E4F-1CFF-5643-939E-217C01CDF565}" type="slidenum">
-              <a:rPr lang="en-US" dirty="0"/>
+              <a:rPr lang="en-US"/>
               <a:pPr/>
               <a:t>‹#›</a:t>
             </a:fld>
-            <a:endParaRPr lang="en-US" dirty="0"/>
+            <a:endParaRPr lang="en-US"/>
           </a:p>
         </p:txBody>
       </p:sp>
@@ -1530,7 +1534,7 @@
           <a:p>
             <a:pPr lvl="0" algn="r"/>
             <a:r>
-              <a:rPr lang="en-US" sz="8000" dirty="0">
+              <a:rPr lang="en-US" sz="8000">
                 <a:solidFill>
                   <a:schemeClr val="tx1"/>
                 </a:solidFill>
@@ -1646,7 +1650,7 @@
           <a:p>
             <a:pPr lvl="0" algn="r"/>
             <a:r>
-              <a:rPr lang="en-US" sz="8000" dirty="0">
+              <a:rPr lang="en-US" sz="8000">
                 <a:solidFill>
                   <a:schemeClr val="tx1"/>
                 </a:solidFill>
@@ -1884,11 +1888,11 @@
           <a:lstStyle/>
           <a:p>
             <a:fld id="{B61BEF0D-F0BB-DE4B-95CE-6DB70DBA9567}" type="datetimeFigureOut">
-              <a:rPr lang="en-US" dirty="0"/>
+              <a:rPr lang="en-US"/>
               <a:pPr/>
               <a:t>4/25/2021</a:t>
             </a:fld>
-            <a:endParaRPr lang="en-US" dirty="0"/>
+            <a:endParaRPr lang="en-US"/>
           </a:p>
         </p:txBody>
       </p:sp>
@@ -1907,7 +1911,7 @@
           <a:bodyPr/>
           <a:lstStyle/>
           <a:p>
-            <a:endParaRPr lang="en-US" dirty="0"/>
+            <a:endParaRPr lang="en-US"/>
           </a:p>
         </p:txBody>
       </p:sp>
@@ -1927,11 +1931,11 @@
           <a:lstStyle/>
           <a:p>
             <a:fld id="{D57F1E4F-1CFF-5643-939E-217C01CDF565}" type="slidenum">
-              <a:rPr lang="en-US" dirty="0"/>
+              <a:rPr lang="en-US"/>
               <a:pPr/>
               <a:t>‹#›</a:t>
             </a:fld>
-            <a:endParaRPr lang="en-US" dirty="0"/>
+            <a:endParaRPr lang="en-US"/>
           </a:p>
         </p:txBody>
       </p:sp>
@@ -2159,11 +2163,11 @@
           <a:lstStyle/>
           <a:p>
             <a:fld id="{B61BEF0D-F0BB-DE4B-95CE-6DB70DBA9567}" type="datetimeFigureOut">
-              <a:rPr lang="en-US" dirty="0"/>
+              <a:rPr lang="en-US"/>
               <a:pPr/>
               <a:t>4/25/2021</a:t>
             </a:fld>
-            <a:endParaRPr lang="en-US" dirty="0"/>
+            <a:endParaRPr lang="en-US"/>
           </a:p>
         </p:txBody>
       </p:sp>
@@ -2182,7 +2186,7 @@
           <a:bodyPr/>
           <a:lstStyle/>
           <a:p>
-            <a:endParaRPr lang="en-US" dirty="0"/>
+            <a:endParaRPr lang="en-US"/>
           </a:p>
         </p:txBody>
       </p:sp>
@@ -2202,11 +2206,11 @@
           <a:lstStyle/>
           <a:p>
             <a:fld id="{D57F1E4F-1CFF-5643-939E-217C01CDF565}" type="slidenum">
-              <a:rPr lang="en-US" dirty="0"/>
+              <a:rPr lang="en-US"/>
               <a:pPr/>
               <a:t>‹#›</a:t>
             </a:fld>
-            <a:endParaRPr lang="en-US" dirty="0"/>
+            <a:endParaRPr lang="en-US"/>
           </a:p>
         </p:txBody>
       </p:sp>
@@ -2370,7 +2374,7 @@
           <a:p>
             <a:pPr lvl="0" algn="r"/>
             <a:r>
-              <a:rPr lang="en-US" sz="8000" dirty="0">
+              <a:rPr lang="en-US" sz="8000">
                 <a:solidFill>
                   <a:schemeClr val="tx1"/>
                 </a:solidFill>
@@ -2486,7 +2490,7 @@
           <a:p>
             <a:pPr lvl="0" algn="r"/>
             <a:r>
-              <a:rPr lang="en-US" sz="8000" dirty="0">
+              <a:rPr lang="en-US" sz="8000">
                 <a:solidFill>
                   <a:schemeClr val="tx1"/>
                 </a:solidFill>
@@ -2718,11 +2722,11 @@
           <a:lstStyle/>
           <a:p>
             <a:fld id="{B61BEF0D-F0BB-DE4B-95CE-6DB70DBA9567}" type="datetimeFigureOut">
-              <a:rPr lang="en-US" dirty="0"/>
+              <a:rPr lang="en-US"/>
               <a:pPr/>
               <a:t>4/25/2021</a:t>
             </a:fld>
-            <a:endParaRPr lang="en-US" dirty="0"/>
+            <a:endParaRPr lang="en-US"/>
           </a:p>
         </p:txBody>
       </p:sp>
@@ -2741,7 +2745,7 @@
           <a:bodyPr/>
           <a:lstStyle/>
           <a:p>
-            <a:endParaRPr lang="en-US" dirty="0"/>
+            <a:endParaRPr lang="en-US"/>
           </a:p>
         </p:txBody>
       </p:sp>
@@ -2761,11 +2765,11 @@
           <a:lstStyle/>
           <a:p>
             <a:fld id="{D57F1E4F-1CFF-5643-939E-217C01CDF565}" type="slidenum">
-              <a:rPr lang="en-US" dirty="0"/>
+              <a:rPr lang="en-US"/>
               <a:pPr/>
               <a:t>‹#›</a:t>
             </a:fld>
-            <a:endParaRPr lang="en-US" dirty="0"/>
+            <a:endParaRPr lang="en-US"/>
           </a:p>
         </p:txBody>
       </p:sp>
@@ -3042,11 +3046,11 @@
           <a:lstStyle/>
           <a:p>
             <a:fld id="{B61BEF0D-F0BB-DE4B-95CE-6DB70DBA9567}" type="datetimeFigureOut">
-              <a:rPr lang="en-US" dirty="0"/>
+              <a:rPr lang="en-US"/>
               <a:pPr/>
               <a:t>4/25/2021</a:t>
             </a:fld>
-            <a:endParaRPr lang="en-US" dirty="0"/>
+            <a:endParaRPr lang="en-US"/>
           </a:p>
         </p:txBody>
       </p:sp>
@@ -3065,7 +3069,7 @@
           <a:bodyPr/>
           <a:lstStyle/>
           <a:p>
-            <a:endParaRPr lang="en-US" dirty="0"/>
+            <a:endParaRPr lang="en-US"/>
           </a:p>
         </p:txBody>
       </p:sp>
@@ -3085,11 +3089,11 @@
           <a:lstStyle/>
           <a:p>
             <a:fld id="{D57F1E4F-1CFF-5643-939E-217C01CDF565}" type="slidenum">
-              <a:rPr lang="en-US" dirty="0"/>
+              <a:rPr lang="en-US"/>
               <a:pPr/>
               <a:t>‹#›</a:t>
             </a:fld>
-            <a:endParaRPr lang="en-US" dirty="0"/>
+            <a:endParaRPr lang="en-US"/>
           </a:p>
         </p:txBody>
       </p:sp>
@@ -3216,11 +3220,11 @@
           <a:lstStyle/>
           <a:p>
             <a:fld id="{B61BEF0D-F0BB-DE4B-95CE-6DB70DBA9567}" type="datetimeFigureOut">
-              <a:rPr lang="en-US" dirty="0"/>
+              <a:rPr lang="en-US"/>
               <a:pPr/>
               <a:t>4/25/2021</a:t>
             </a:fld>
-            <a:endParaRPr lang="en-US" dirty="0"/>
+            <a:endParaRPr lang="en-US"/>
           </a:p>
         </p:txBody>
       </p:sp>
@@ -3239,7 +3243,7 @@
           <a:bodyPr/>
           <a:lstStyle/>
           <a:p>
-            <a:endParaRPr lang="en-US" dirty="0"/>
+            <a:endParaRPr lang="en-US"/>
           </a:p>
         </p:txBody>
       </p:sp>
@@ -3259,11 +3263,11 @@
           <a:lstStyle/>
           <a:p>
             <a:fld id="{D57F1E4F-1CFF-5643-939E-217C01CDF565}" type="slidenum">
-              <a:rPr lang="en-US" dirty="0"/>
+              <a:rPr lang="en-US"/>
               <a:pPr/>
               <a:t>‹#›</a:t>
             </a:fld>
-            <a:endParaRPr lang="en-US" dirty="0"/>
+            <a:endParaRPr lang="en-US"/>
           </a:p>
         </p:txBody>
       </p:sp>
@@ -3451,11 +3455,11 @@
           <a:lstStyle/>
           <a:p>
             <a:fld id="{B61BEF0D-F0BB-DE4B-95CE-6DB70DBA9567}" type="datetimeFigureOut">
-              <a:rPr lang="en-US" dirty="0"/>
+              <a:rPr lang="en-US"/>
               <a:pPr/>
               <a:t>4/25/2021</a:t>
             </a:fld>
-            <a:endParaRPr lang="en-US" dirty="0"/>
+            <a:endParaRPr lang="en-US"/>
           </a:p>
         </p:txBody>
       </p:sp>
@@ -3474,7 +3478,7 @@
           <a:bodyPr/>
           <a:lstStyle/>
           <a:p>
-            <a:endParaRPr lang="en-US" dirty="0"/>
+            <a:endParaRPr lang="en-US"/>
           </a:p>
         </p:txBody>
       </p:sp>
@@ -3494,11 +3498,11 @@
           <a:lstStyle/>
           <a:p>
             <a:fld id="{D57F1E4F-1CFF-5643-939E-217C01CDF565}" type="slidenum">
-              <a:rPr lang="en-US" dirty="0"/>
+              <a:rPr lang="en-US"/>
               <a:pPr/>
               <a:t>‹#›</a:t>
             </a:fld>
-            <a:endParaRPr lang="en-US" dirty="0"/>
+            <a:endParaRPr lang="en-US"/>
           </a:p>
         </p:txBody>
       </p:sp>
@@ -3648,11 +3652,11 @@
           <a:lstStyle/>
           <a:p>
             <a:fld id="{B61BEF0D-F0BB-DE4B-95CE-6DB70DBA9567}" type="datetimeFigureOut">
-              <a:rPr lang="en-US" dirty="0"/>
+              <a:rPr lang="en-US"/>
               <a:pPr/>
               <a:t>4/25/2021</a:t>
             </a:fld>
-            <a:endParaRPr lang="en-US" dirty="0"/>
+            <a:endParaRPr lang="en-US"/>
           </a:p>
         </p:txBody>
       </p:sp>
@@ -3671,7 +3675,7 @@
           <a:bodyPr/>
           <a:lstStyle/>
           <a:p>
-            <a:endParaRPr lang="en-US" dirty="0"/>
+            <a:endParaRPr lang="en-US"/>
           </a:p>
         </p:txBody>
       </p:sp>
@@ -3691,11 +3695,11 @@
           <a:lstStyle/>
           <a:p>
             <a:fld id="{D57F1E4F-1CFF-5643-939E-217C01CDF565}" type="slidenum">
-              <a:rPr lang="en-US" dirty="0"/>
+              <a:rPr lang="en-US"/>
               <a:pPr/>
               <a:t>‹#›</a:t>
             </a:fld>
-            <a:endParaRPr lang="en-US" dirty="0"/>
+            <a:endParaRPr lang="en-US"/>
           </a:p>
         </p:txBody>
       </p:sp>
@@ -3921,11 +3925,11 @@
           <a:lstStyle/>
           <a:p>
             <a:fld id="{B61BEF0D-F0BB-DE4B-95CE-6DB70DBA9567}" type="datetimeFigureOut">
-              <a:rPr lang="en-US" dirty="0"/>
+              <a:rPr lang="en-US"/>
               <a:pPr/>
               <a:t>4/25/2021</a:t>
             </a:fld>
-            <a:endParaRPr lang="en-US" dirty="0"/>
+            <a:endParaRPr lang="en-US"/>
           </a:p>
         </p:txBody>
       </p:sp>
@@ -3944,7 +3948,7 @@
           <a:bodyPr/>
           <a:lstStyle/>
           <a:p>
-            <a:endParaRPr lang="en-US" dirty="0"/>
+            <a:endParaRPr lang="en-US"/>
           </a:p>
         </p:txBody>
       </p:sp>
@@ -3964,11 +3968,11 @@
           <a:lstStyle/>
           <a:p>
             <a:fld id="{D57F1E4F-1CFF-5643-939E-217C01CDF565}" type="slidenum">
-              <a:rPr lang="en-US" dirty="0"/>
+              <a:rPr lang="en-US"/>
               <a:pPr/>
               <a:t>‹#›</a:t>
             </a:fld>
-            <a:endParaRPr lang="en-US" dirty="0"/>
+            <a:endParaRPr lang="en-US"/>
           </a:p>
         </p:txBody>
       </p:sp>
@@ -4184,11 +4188,11 @@
           <a:lstStyle/>
           <a:p>
             <a:fld id="{B61BEF0D-F0BB-DE4B-95CE-6DB70DBA9567}" type="datetimeFigureOut">
-              <a:rPr lang="en-US" dirty="0"/>
+              <a:rPr lang="en-US"/>
               <a:pPr/>
               <a:t>4/25/2021</a:t>
             </a:fld>
-            <a:endParaRPr lang="en-US" dirty="0"/>
+            <a:endParaRPr lang="en-US"/>
           </a:p>
         </p:txBody>
       </p:sp>
@@ -4207,7 +4211,7 @@
           <a:bodyPr/>
           <a:lstStyle/>
           <a:p>
-            <a:endParaRPr lang="en-US" dirty="0"/>
+            <a:endParaRPr lang="en-US"/>
           </a:p>
         </p:txBody>
       </p:sp>
@@ -4227,11 +4231,11 @@
           <a:lstStyle/>
           <a:p>
             <a:fld id="{D57F1E4F-1CFF-5643-939E-217C01CDF565}" type="slidenum">
-              <a:rPr lang="en-US" dirty="0"/>
+              <a:rPr lang="en-US"/>
               <a:pPr/>
               <a:t>‹#›</a:t>
             </a:fld>
-            <a:endParaRPr lang="en-US" dirty="0"/>
+            <a:endParaRPr lang="en-US"/>
           </a:p>
         </p:txBody>
       </p:sp>
@@ -4555,11 +4559,11 @@
           <a:lstStyle/>
           <a:p>
             <a:fld id="{B61BEF0D-F0BB-DE4B-95CE-6DB70DBA9567}" type="datetimeFigureOut">
-              <a:rPr lang="en-US" dirty="0"/>
+              <a:rPr lang="en-US"/>
               <a:pPr/>
               <a:t>4/25/2021</a:t>
             </a:fld>
-            <a:endParaRPr lang="en-US" dirty="0"/>
+            <a:endParaRPr lang="en-US"/>
           </a:p>
         </p:txBody>
       </p:sp>
@@ -4578,7 +4582,7 @@
           <a:bodyPr/>
           <a:lstStyle/>
           <a:p>
-            <a:endParaRPr lang="en-US" dirty="0"/>
+            <a:endParaRPr lang="en-US"/>
           </a:p>
         </p:txBody>
       </p:sp>
@@ -4598,11 +4602,11 @@
           <a:lstStyle/>
           <a:p>
             <a:fld id="{D57F1E4F-1CFF-5643-939E-217C01CDF565}" type="slidenum">
-              <a:rPr lang="en-US" dirty="0"/>
+              <a:rPr lang="en-US"/>
               <a:pPr/>
               <a:t>‹#›</a:t>
             </a:fld>
-            <a:endParaRPr lang="en-US" dirty="0"/>
+            <a:endParaRPr lang="en-US"/>
           </a:p>
         </p:txBody>
       </p:sp>
@@ -4700,11 +4704,11 @@
           <a:lstStyle/>
           <a:p>
             <a:fld id="{B61BEF0D-F0BB-DE4B-95CE-6DB70DBA9567}" type="datetimeFigureOut">
-              <a:rPr lang="en-US" dirty="0"/>
+              <a:rPr lang="en-US"/>
               <a:pPr/>
               <a:t>4/25/2021</a:t>
             </a:fld>
-            <a:endParaRPr lang="en-US" dirty="0"/>
+            <a:endParaRPr lang="en-US"/>
           </a:p>
         </p:txBody>
       </p:sp>
@@ -4723,7 +4727,7 @@
           <a:bodyPr/>
           <a:lstStyle/>
           <a:p>
-            <a:endParaRPr lang="en-US" dirty="0"/>
+            <a:endParaRPr lang="en-US"/>
           </a:p>
         </p:txBody>
       </p:sp>
@@ -4743,11 +4747,11 @@
           <a:lstStyle/>
           <a:p>
             <a:fld id="{D57F1E4F-1CFF-5643-939E-217C01CDF565}" type="slidenum">
-              <a:rPr lang="en-US" dirty="0"/>
+              <a:rPr lang="en-US"/>
               <a:pPr/>
               <a:t>‹#›</a:t>
             </a:fld>
-            <a:endParaRPr lang="en-US" dirty="0"/>
+            <a:endParaRPr lang="en-US"/>
           </a:p>
         </p:txBody>
       </p:sp>
@@ -4822,11 +4826,11 @@
           <a:lstStyle/>
           <a:p>
             <a:fld id="{B61BEF0D-F0BB-DE4B-95CE-6DB70DBA9567}" type="datetimeFigureOut">
-              <a:rPr lang="en-US" dirty="0"/>
+              <a:rPr lang="en-US"/>
               <a:pPr/>
               <a:t>4/25/2021</a:t>
             </a:fld>
-            <a:endParaRPr lang="en-US" dirty="0"/>
+            <a:endParaRPr lang="en-US"/>
           </a:p>
         </p:txBody>
       </p:sp>
@@ -4845,7 +4849,7 @@
           <a:bodyPr/>
           <a:lstStyle/>
           <a:p>
-            <a:endParaRPr lang="en-US" dirty="0"/>
+            <a:endParaRPr lang="en-US"/>
           </a:p>
         </p:txBody>
       </p:sp>
@@ -4865,11 +4869,11 @@
           <a:lstStyle/>
           <a:p>
             <a:fld id="{D57F1E4F-1CFF-5643-939E-217C01CDF565}" type="slidenum">
-              <a:rPr lang="en-US" dirty="0"/>
+              <a:rPr lang="en-US"/>
               <a:pPr/>
               <a:t>‹#›</a:t>
             </a:fld>
-            <a:endParaRPr lang="en-US" dirty="0"/>
+            <a:endParaRPr lang="en-US"/>
           </a:p>
         </p:txBody>
       </p:sp>
@@ -5104,11 +5108,11 @@
           <a:lstStyle/>
           <a:p>
             <a:fld id="{B61BEF0D-F0BB-DE4B-95CE-6DB70DBA9567}" type="datetimeFigureOut">
-              <a:rPr lang="en-US" dirty="0"/>
+              <a:rPr lang="en-US"/>
               <a:pPr/>
               <a:t>4/25/2021</a:t>
             </a:fld>
-            <a:endParaRPr lang="en-US" dirty="0"/>
+            <a:endParaRPr lang="en-US"/>
           </a:p>
         </p:txBody>
       </p:sp>
@@ -5127,7 +5131,7 @@
           <a:bodyPr/>
           <a:lstStyle/>
           <a:p>
-            <a:endParaRPr lang="en-US" dirty="0"/>
+            <a:endParaRPr lang="en-US"/>
           </a:p>
         </p:txBody>
       </p:sp>
@@ -5147,11 +5151,11 @@
           <a:lstStyle/>
           <a:p>
             <a:fld id="{D57F1E4F-1CFF-5643-939E-217C01CDF565}" type="slidenum">
-              <a:rPr lang="en-US" dirty="0"/>
+              <a:rPr lang="en-US"/>
               <a:pPr/>
               <a:t>‹#›</a:t>
             </a:fld>
-            <a:endParaRPr lang="en-US" dirty="0"/>
+            <a:endParaRPr lang="en-US"/>
           </a:p>
         </p:txBody>
       </p:sp>
@@ -5338,7 +5342,7 @@
               <a:rPr lang="he-IL"/>
               <a:t>לחץ על הסמל כדי להוסיף תמונה</a:t>
             </a:r>
-            <a:endParaRPr lang="en-US" dirty="0"/>
+            <a:endParaRPr lang="en-US"/>
           </a:p>
         </p:txBody>
       </p:sp>
@@ -5425,11 +5429,11 @@
           <a:lstStyle/>
           <a:p>
             <a:fld id="{B61BEF0D-F0BB-DE4B-95CE-6DB70DBA9567}" type="datetimeFigureOut">
-              <a:rPr lang="en-US" dirty="0"/>
+              <a:rPr lang="en-US"/>
               <a:pPr/>
               <a:t>4/25/2021</a:t>
             </a:fld>
-            <a:endParaRPr lang="en-US" dirty="0"/>
+            <a:endParaRPr lang="en-US"/>
           </a:p>
         </p:txBody>
       </p:sp>
@@ -5448,7 +5452,7 @@
           <a:bodyPr/>
           <a:lstStyle/>
           <a:p>
-            <a:endParaRPr lang="en-US" dirty="0"/>
+            <a:endParaRPr lang="en-US"/>
           </a:p>
         </p:txBody>
       </p:sp>
@@ -5468,11 +5472,11 @@
           <a:lstStyle/>
           <a:p>
             <a:fld id="{D57F1E4F-1CFF-5643-939E-217C01CDF565}" type="slidenum">
-              <a:rPr lang="en-US" dirty="0"/>
+              <a:rPr lang="en-US"/>
               <a:pPr/>
               <a:t>‹#›</a:t>
             </a:fld>
-            <a:endParaRPr lang="en-US" dirty="0"/>
+            <a:endParaRPr lang="en-US"/>
           </a:p>
         </p:txBody>
       </p:sp>
@@ -5636,11 +5640,11 @@
           </a:lstStyle>
           <a:p>
             <a:fld id="{B61BEF0D-F0BB-DE4B-95CE-6DB70DBA9567}" type="datetimeFigureOut">
-              <a:rPr lang="en-US" dirty="0"/>
+              <a:rPr lang="en-US"/>
               <a:pPr/>
               <a:t>4/25/2021</a:t>
             </a:fld>
-            <a:endParaRPr lang="en-US" dirty="0"/>
+            <a:endParaRPr lang="en-US"/>
           </a:p>
         </p:txBody>
       </p:sp>
@@ -5677,7 +5681,7 @@
             </a:lvl1pPr>
           </a:lstStyle>
           <a:p>
-            <a:endParaRPr lang="en-US" dirty="0"/>
+            <a:endParaRPr lang="en-US"/>
           </a:p>
         </p:txBody>
       </p:sp>
@@ -5715,11 +5719,11 @@
           </a:lstStyle>
           <a:p>
             <a:fld id="{D57F1E4F-1CFF-5643-939E-217C01CDF565}" type="slidenum">
-              <a:rPr lang="en-US" dirty="0"/>
+              <a:rPr lang="en-US"/>
               <a:pPr/>
               <a:t>‹#›</a:t>
             </a:fld>
-            <a:endParaRPr lang="en-US" dirty="0"/>
+            <a:endParaRPr lang="en-US"/>
           </a:p>
         </p:txBody>
       </p:sp>
@@ -6177,10 +6181,10 @@
           <a:p>
             <a:pPr algn="ctr"/>
             <a:r>
-              <a:rPr lang="he-IL" u="sng" dirty="0"/>
+              <a:rPr lang="he-IL" u="sng"/>
               <a:t>פרויקט גמר</a:t>
             </a:r>
-            <a:endParaRPr lang="en-IL" u="sng" dirty="0"/>
+            <a:endParaRPr lang="en-IL" u="sng"/>
           </a:p>
         </p:txBody>
       </p:sp>
@@ -6212,10 +6216,10 @@
           <a:p>
             <a:pPr algn="ctr"/>
             <a:r>
-              <a:rPr lang="he-IL" dirty="0"/>
+              <a:rPr lang="he-IL"/>
               <a:t>מגיש : שנהב מור</a:t>
             </a:r>
-            <a:endParaRPr lang="en-IL" dirty="0"/>
+            <a:endParaRPr lang="en-IL"/>
           </a:p>
         </p:txBody>
       </p:sp>
@@ -6267,10 +6271,10 @@
           </a:lstStyle>
           <a:p>
             <a:r>
-              <a:rPr lang="en-US" dirty="0"/>
+              <a:rPr lang="en-US"/>
               <a:t>Static Analysis Platform</a:t>
             </a:r>
-            <a:endParaRPr lang="en-IL" dirty="0"/>
+            <a:endParaRPr lang="en-IL"/>
           </a:p>
         </p:txBody>
       </p:sp>
@@ -6288,6 +6292,519 @@
 </file>
 
 <file path=ppt/slides/slide10.xml><?xml version="1.0" encoding="utf-8"?>
+<p:sld xmlns:a="http://schemas.openxmlformats.org/drawingml/2006/main" xmlns:r="http://schemas.openxmlformats.org/officeDocument/2006/relationships" xmlns:p="http://schemas.openxmlformats.org/presentationml/2006/main">
+  <p:cSld>
+    <p:spTree>
+      <p:nvGrpSpPr>
+        <p:cNvPr id="1" name=""/>
+        <p:cNvGrpSpPr/>
+        <p:nvPr/>
+      </p:nvGrpSpPr>
+      <p:grpSpPr>
+        <a:xfrm>
+          <a:off x="0" y="0"/>
+          <a:ext cx="0" cy="0"/>
+          <a:chOff x="0" y="0"/>
+          <a:chExt cx="0" cy="0"/>
+        </a:xfrm>
+      </p:grpSpPr>
+      <p:sp>
+        <p:nvSpPr>
+          <p:cNvPr id="10" name="כותרת 1">
+            <a:extLst>
+              <a:ext uri="{FF2B5EF4-FFF2-40B4-BE49-F238E27FC236}">
+                <a16:creationId xmlns:a16="http://schemas.microsoft.com/office/drawing/2014/main" id="{95B1A5C0-2702-4EFE-A226-5049E15E35EA}"/>
+              </a:ext>
+            </a:extLst>
+          </p:cNvPr>
+          <p:cNvSpPr txBox="1">
+            <a:spLocks/>
+          </p:cNvSpPr>
+          <p:nvPr/>
+        </p:nvSpPr>
+        <p:spPr>
+          <a:xfrm>
+            <a:off x="6211027" y="1657134"/>
+            <a:ext cx="4729828" cy="2421464"/>
+          </a:xfrm>
+          <a:prstGeom prst="rect">
+            <a:avLst/>
+          </a:prstGeom>
+        </p:spPr>
+        <p:txBody>
+          <a:bodyPr vert="horz" lIns="91440" tIns="45720" rIns="91440" bIns="45720" rtlCol="0" anchor="b">
+            <a:normAutofit/>
+          </a:bodyPr>
+          <a:lstStyle>
+            <a:lvl1pPr algn="l" defTabSz="457200" rtl="0" eaLnBrk="1" latinLnBrk="0" hangingPunct="1">
+              <a:spcBef>
+                <a:spcPct val="0"/>
+              </a:spcBef>
+              <a:buNone/>
+              <a:defRPr sz="3600" kern="1200" cap="all">
+                <a:ln w="3175" cmpd="sng">
+                  <a:noFill/>
+                </a:ln>
+                <a:solidFill>
+                  <a:schemeClr val="tx1"/>
+                </a:solidFill>
+                <a:effectLst/>
+                <a:latin typeface="+mj-lt"/>
+                <a:ea typeface="+mj-ea"/>
+                <a:cs typeface="+mj-cs"/>
+              </a:defRPr>
+            </a:lvl1pPr>
+            <a:lvl2pPr eaLnBrk="1" hangingPunct="1">
+              <a:defRPr>
+                <a:solidFill>
+                  <a:schemeClr val="tx2"/>
+                </a:solidFill>
+              </a:defRPr>
+            </a:lvl2pPr>
+            <a:lvl3pPr eaLnBrk="1" hangingPunct="1">
+              <a:defRPr>
+                <a:solidFill>
+                  <a:schemeClr val="tx2"/>
+                </a:solidFill>
+              </a:defRPr>
+            </a:lvl3pPr>
+            <a:lvl4pPr eaLnBrk="1" hangingPunct="1">
+              <a:defRPr>
+                <a:solidFill>
+                  <a:schemeClr val="tx2"/>
+                </a:solidFill>
+              </a:defRPr>
+            </a:lvl4pPr>
+            <a:lvl5pPr eaLnBrk="1" hangingPunct="1">
+              <a:defRPr>
+                <a:solidFill>
+                  <a:schemeClr val="tx2"/>
+                </a:solidFill>
+              </a:defRPr>
+            </a:lvl5pPr>
+            <a:lvl6pPr eaLnBrk="1" hangingPunct="1">
+              <a:defRPr>
+                <a:solidFill>
+                  <a:schemeClr val="tx2"/>
+                </a:solidFill>
+              </a:defRPr>
+            </a:lvl6pPr>
+            <a:lvl7pPr eaLnBrk="1" hangingPunct="1">
+              <a:defRPr>
+                <a:solidFill>
+                  <a:schemeClr val="tx2"/>
+                </a:solidFill>
+              </a:defRPr>
+            </a:lvl7pPr>
+            <a:lvl8pPr eaLnBrk="1" hangingPunct="1">
+              <a:defRPr>
+                <a:solidFill>
+                  <a:schemeClr val="tx2"/>
+                </a:solidFill>
+              </a:defRPr>
+            </a:lvl8pPr>
+            <a:lvl9pPr eaLnBrk="1" hangingPunct="1">
+              <a:defRPr>
+                <a:solidFill>
+                  <a:schemeClr val="tx2"/>
+                </a:solidFill>
+              </a:defRPr>
+            </a:lvl9pPr>
+          </a:lstStyle>
+          <a:p>
+            <a:pPr algn="r">
+              <a:spcAft>
+                <a:spcPts val="600"/>
+              </a:spcAft>
+            </a:pPr>
+            <a:r>
+              <a:rPr lang="he-IL" sz="4800"/>
+              <a:t>תיאור</a:t>
+            </a:r>
+          </a:p>
+          <a:p>
+            <a:pPr algn="r">
+              <a:spcAft>
+                <a:spcPts val="600"/>
+              </a:spcAft>
+            </a:pPr>
+            <a:r>
+              <a:rPr lang="he-IL" sz="4800"/>
+              <a:t>תוכנה</a:t>
+            </a:r>
+            <a:endParaRPr lang="en-US" sz="4800"/>
+          </a:p>
+        </p:txBody>
+      </p:sp>
+      <p:pic>
+        <p:nvPicPr>
+          <p:cNvPr id="11" name="תמונה 10"/>
+          <p:cNvPicPr>
+            <a:picLocks noChangeAspect="1"/>
+          </p:cNvPicPr>
+          <p:nvPr/>
+        </p:nvPicPr>
+        <p:blipFill>
+          <a:blip r:embed="rId2">
+            <a:extLst>
+              <a:ext uri="{28A0092B-C50C-407E-A947-70E740481C1C}">
+                <a14:useLocalDpi xmlns:a14="http://schemas.microsoft.com/office/drawing/2010/main" val="0"/>
+              </a:ext>
+            </a:extLst>
+          </a:blip>
+          <a:stretch>
+            <a:fillRect/>
+          </a:stretch>
+        </p:blipFill>
+        <p:spPr>
+          <a:xfrm>
+            <a:off x="0" y="0"/>
+            <a:ext cx="8101117" cy="6858000"/>
+          </a:xfrm>
+          <a:prstGeom prst="roundRect">
+            <a:avLst>
+              <a:gd name="adj" fmla="val 8594"/>
+            </a:avLst>
+          </a:prstGeom>
+          <a:solidFill>
+            <a:srgbClr val="FFFFFF">
+              <a:shade val="85000"/>
+            </a:srgbClr>
+          </a:solidFill>
+          <a:ln>
+            <a:noFill/>
+          </a:ln>
+          <a:effectLst>
+            <a:reflection blurRad="12700" stA="38000" endPos="28000" dist="5000" dir="5400000" sy="-100000" algn="bl" rotWithShape="0"/>
+          </a:effectLst>
+        </p:spPr>
+      </p:pic>
+    </p:spTree>
+    <p:extLst>
+      <p:ext uri="{BB962C8B-B14F-4D97-AF65-F5344CB8AC3E}">
+        <p14:creationId xmlns:p14="http://schemas.microsoft.com/office/powerpoint/2010/main" val="569728560"/>
+      </p:ext>
+    </p:extLst>
+  </p:cSld>
+  <p:clrMapOvr>
+    <a:masterClrMapping/>
+  </p:clrMapOvr>
+</p:sld>
+</file>
+
+<file path=ppt/slides/slide11.xml><?xml version="1.0" encoding="utf-8"?>
+<p:sld xmlns:a="http://schemas.openxmlformats.org/drawingml/2006/main" xmlns:r="http://schemas.openxmlformats.org/officeDocument/2006/relationships" xmlns:p="http://schemas.openxmlformats.org/presentationml/2006/main">
+  <p:cSld>
+    <p:bg>
+      <p:bgPr>
+        <a:blipFill>
+          <a:blip r:embed="rId2"/>
+          <a:stretch/>
+        </a:blipFill>
+        <a:effectLst/>
+      </p:bgPr>
+    </p:bg>
+    <p:spTree>
+      <p:nvGrpSpPr>
+        <p:cNvPr id="1" name=""/>
+        <p:cNvGrpSpPr/>
+        <p:nvPr/>
+      </p:nvGrpSpPr>
+      <p:grpSpPr>
+        <a:xfrm>
+          <a:off x="0" y="0"/>
+          <a:ext cx="0" cy="0"/>
+          <a:chOff x="0" y="0"/>
+          <a:chExt cx="0" cy="0"/>
+        </a:xfrm>
+      </p:grpSpPr>
+      <p:pic>
+        <p:nvPicPr>
+          <p:cNvPr id="8" name="Picture 7">
+            <a:extLst>
+              <a:ext uri="{FF2B5EF4-FFF2-40B4-BE49-F238E27FC236}">
+                <a16:creationId xmlns:a16="http://schemas.microsoft.com/office/drawing/2014/main" id="{CBECFFDC-94DB-4DA3-94FE-22FEDDA8FA30}"/>
+              </a:ext>
+              <a:ext uri="{C183D7F6-B498-43B3-948B-1728B52AA6E4}">
+                <adec:decorative xmlns:adec="http://schemas.microsoft.com/office/drawing/2017/decorative" val="1"/>
+              </a:ext>
+            </a:extLst>
+          </p:cNvPr>
+          <p:cNvPicPr>
+            <a:picLocks noGrp="1" noRot="1" noChangeAspect="1" noMove="1" noResize="1" noEditPoints="1" noAdjustHandles="1" noChangeArrowheads="1" noChangeShapeType="1" noCrop="1"/>
+          </p:cNvPicPr>
+          <p:nvPr>
+            <p:extLst>
+              <p:ext uri="{386F3935-93C4-4BCD-93E2-E3B085C9AB24}">
+                <p16:designElem xmlns:p16="http://schemas.microsoft.com/office/powerpoint/2015/main" val="1"/>
+              </p:ext>
+            </p:extLst>
+          </p:nvPr>
+        </p:nvPicPr>
+        <p:blipFill>
+          <a:blip r:embed="rId3">
+            <a:extLst>
+              <a:ext uri="{28A0092B-C50C-407E-A947-70E740481C1C}">
+                <a14:useLocalDpi xmlns:a14="http://schemas.microsoft.com/office/drawing/2010/main" val="0"/>
+              </a:ext>
+            </a:extLst>
+          </a:blip>
+          <a:stretch>
+            <a:fillRect/>
+          </a:stretch>
+        </p:blipFill>
+        <p:spPr>
+          <a:xfrm>
+            <a:off x="0" y="0"/>
+            <a:ext cx="12188825" cy="6856214"/>
+          </a:xfrm>
+          <a:prstGeom prst="rect">
+            <a:avLst/>
+          </a:prstGeom>
+        </p:spPr>
+      </p:pic>
+      <p:pic>
+        <p:nvPicPr>
+          <p:cNvPr id="10" name="Picture 9">
+            <a:extLst>
+              <a:ext uri="{FF2B5EF4-FFF2-40B4-BE49-F238E27FC236}">
+                <a16:creationId xmlns:a16="http://schemas.microsoft.com/office/drawing/2014/main" id="{F7057E50-1D91-4453-BBA0-DD604B5CDAE4}"/>
+              </a:ext>
+              <a:ext uri="{C183D7F6-B498-43B3-948B-1728B52AA6E4}">
+                <adec:decorative xmlns:adec="http://schemas.microsoft.com/office/drawing/2017/decorative" val="1"/>
+              </a:ext>
+            </a:extLst>
+          </p:cNvPr>
+          <p:cNvPicPr>
+            <a:picLocks noGrp="1" noRot="1" noChangeAspect="1" noMove="1" noResize="1" noEditPoints="1" noAdjustHandles="1" noChangeArrowheads="1" noChangeShapeType="1" noCrop="1"/>
+          </p:cNvPicPr>
+          <p:nvPr>
+            <p:extLst>
+              <p:ext uri="{386F3935-93C4-4BCD-93E2-E3B085C9AB24}">
+                <p16:designElem xmlns:p16="http://schemas.microsoft.com/office/powerpoint/2015/main" val="1"/>
+              </p:ext>
+            </p:extLst>
+          </p:nvPr>
+        </p:nvPicPr>
+        <p:blipFill>
+          <a:blip r:embed="rId4">
+            <a:extLst>
+              <a:ext uri="{28A0092B-C50C-407E-A947-70E740481C1C}">
+                <a14:useLocalDpi xmlns:a14="http://schemas.microsoft.com/office/drawing/2010/main" val="0"/>
+              </a:ext>
+            </a:extLst>
+          </a:blip>
+          <a:stretch>
+            <a:fillRect/>
+          </a:stretch>
+        </p:blipFill>
+        <p:spPr>
+          <a:xfrm>
+            <a:off x="0" y="0"/>
+            <a:ext cx="12188825" cy="6856214"/>
+          </a:xfrm>
+          <a:prstGeom prst="rect">
+            <a:avLst/>
+          </a:prstGeom>
+        </p:spPr>
+      </p:pic>
+      <p:sp>
+        <p:nvSpPr>
+          <p:cNvPr id="2" name="כותרת 1">
+            <a:extLst>
+              <a:ext uri="{FF2B5EF4-FFF2-40B4-BE49-F238E27FC236}">
+                <a16:creationId xmlns:a16="http://schemas.microsoft.com/office/drawing/2014/main" id="{95B1A5C0-2702-4EFE-A226-5049E15E35EA}"/>
+              </a:ext>
+            </a:extLst>
+          </p:cNvPr>
+          <p:cNvSpPr txBox="1">
+            <a:spLocks/>
+          </p:cNvSpPr>
+          <p:nvPr/>
+        </p:nvSpPr>
+        <p:spPr>
+          <a:xfrm>
+            <a:off x="7354027" y="2076234"/>
+            <a:ext cx="4729828" cy="2421464"/>
+          </a:xfrm>
+          <a:prstGeom prst="rect">
+            <a:avLst/>
+          </a:prstGeom>
+        </p:spPr>
+        <p:txBody>
+          <a:bodyPr vert="horz" lIns="91440" tIns="45720" rIns="91440" bIns="45720" rtlCol="0" anchor="b">
+            <a:normAutofit/>
+          </a:bodyPr>
+          <a:lstStyle>
+            <a:lvl1pPr algn="l" defTabSz="457200" rtl="0" eaLnBrk="1" latinLnBrk="0" hangingPunct="1">
+              <a:spcBef>
+                <a:spcPct val="0"/>
+              </a:spcBef>
+              <a:buNone/>
+              <a:defRPr sz="3600" kern="1200" cap="all">
+                <a:ln w="3175" cmpd="sng">
+                  <a:noFill/>
+                </a:ln>
+                <a:solidFill>
+                  <a:schemeClr val="tx1"/>
+                </a:solidFill>
+                <a:effectLst/>
+                <a:latin typeface="+mj-lt"/>
+                <a:ea typeface="+mj-ea"/>
+                <a:cs typeface="+mj-cs"/>
+              </a:defRPr>
+            </a:lvl1pPr>
+            <a:lvl2pPr eaLnBrk="1" hangingPunct="1">
+              <a:defRPr>
+                <a:solidFill>
+                  <a:schemeClr val="tx2"/>
+                </a:solidFill>
+              </a:defRPr>
+            </a:lvl2pPr>
+            <a:lvl3pPr eaLnBrk="1" hangingPunct="1">
+              <a:defRPr>
+                <a:solidFill>
+                  <a:schemeClr val="tx2"/>
+                </a:solidFill>
+              </a:defRPr>
+            </a:lvl3pPr>
+            <a:lvl4pPr eaLnBrk="1" hangingPunct="1">
+              <a:defRPr>
+                <a:solidFill>
+                  <a:schemeClr val="tx2"/>
+                </a:solidFill>
+              </a:defRPr>
+            </a:lvl4pPr>
+            <a:lvl5pPr eaLnBrk="1" hangingPunct="1">
+              <a:defRPr>
+                <a:solidFill>
+                  <a:schemeClr val="tx2"/>
+                </a:solidFill>
+              </a:defRPr>
+            </a:lvl5pPr>
+            <a:lvl6pPr eaLnBrk="1" hangingPunct="1">
+              <a:defRPr>
+                <a:solidFill>
+                  <a:schemeClr val="tx2"/>
+                </a:solidFill>
+              </a:defRPr>
+            </a:lvl6pPr>
+            <a:lvl7pPr eaLnBrk="1" hangingPunct="1">
+              <a:defRPr>
+                <a:solidFill>
+                  <a:schemeClr val="tx2"/>
+                </a:solidFill>
+              </a:defRPr>
+            </a:lvl7pPr>
+            <a:lvl8pPr eaLnBrk="1" hangingPunct="1">
+              <a:defRPr>
+                <a:solidFill>
+                  <a:schemeClr val="tx2"/>
+                </a:solidFill>
+              </a:defRPr>
+            </a:lvl8pPr>
+            <a:lvl9pPr eaLnBrk="1" hangingPunct="1">
+              <a:defRPr>
+                <a:solidFill>
+                  <a:schemeClr val="tx2"/>
+                </a:solidFill>
+              </a:defRPr>
+            </a:lvl9pPr>
+          </a:lstStyle>
+          <a:p>
+            <a:pPr algn="r">
+              <a:spcAft>
+                <a:spcPts val="600"/>
+              </a:spcAft>
+            </a:pPr>
+            <a:r>
+              <a:rPr lang="he-IL" sz="4800"/>
+              <a:t>ארכיטקטורת</a:t>
+            </a:r>
+          </a:p>
+          <a:p>
+            <a:pPr algn="r">
+              <a:spcAft>
+                <a:spcPts val="600"/>
+              </a:spcAft>
+            </a:pPr>
+            <a:r>
+              <a:rPr lang="he-IL" sz="4800"/>
+              <a:t> תכנה</a:t>
+            </a:r>
+            <a:endParaRPr lang="en-US" sz="4800"/>
+          </a:p>
+        </p:txBody>
+      </p:sp>
+      <p:pic>
+        <p:nvPicPr>
+          <p:cNvPr id="2050" name="Picture 2">
+            <a:extLst>
+              <a:ext uri="{FF2B5EF4-FFF2-40B4-BE49-F238E27FC236}">
+                <a16:creationId xmlns:a16="http://schemas.microsoft.com/office/drawing/2014/main" id="{B8968786-65B9-4937-A2D6-A14AD710F555}"/>
+              </a:ext>
+            </a:extLst>
+          </p:cNvPr>
+          <p:cNvPicPr>
+            <a:picLocks noChangeAspect="1" noChangeArrowheads="1"/>
+          </p:cNvPicPr>
+          <p:nvPr/>
+        </p:nvPicPr>
+        <p:blipFill>
+          <a:blip r:embed="rId5">
+            <a:extLst>
+              <a:ext uri="{28A0092B-C50C-407E-A947-70E740481C1C}">
+                <a14:useLocalDpi xmlns:a14="http://schemas.microsoft.com/office/drawing/2010/main" val="0"/>
+              </a:ext>
+            </a:extLst>
+          </a:blip>
+          <a:srcRect/>
+          <a:stretch>
+            <a:fillRect/>
+          </a:stretch>
+        </p:blipFill>
+        <p:spPr bwMode="auto">
+          <a:xfrm>
+            <a:off x="0" y="0"/>
+            <a:ext cx="8308731" cy="6858000"/>
+          </a:xfrm>
+          <a:prstGeom prst="rect">
+            <a:avLst/>
+          </a:prstGeom>
+          <a:noFill/>
+          <a:ln w="6350">
+            <a:solidFill>
+              <a:srgbClr val="000000"/>
+            </a:solidFill>
+            <a:miter lim="800000"/>
+            <a:headEnd/>
+            <a:tailEnd/>
+          </a:ln>
+          <a:extLst>
+            <a:ext uri="{909E8E84-426E-40DD-AFC4-6F175D3DCCD1}">
+              <a14:hiddenFill xmlns:a14="http://schemas.microsoft.com/office/drawing/2010/main">
+                <a:solidFill>
+                  <a:srgbClr val="FFFFFF"/>
+                </a:solidFill>
+              </a14:hiddenFill>
+            </a:ext>
+          </a:extLst>
+        </p:spPr>
+      </p:pic>
+    </p:spTree>
+    <p:extLst>
+      <p:ext uri="{BB962C8B-B14F-4D97-AF65-F5344CB8AC3E}">
+        <p14:creationId xmlns:p14="http://schemas.microsoft.com/office/powerpoint/2010/main" val="863317930"/>
+      </p:ext>
+    </p:extLst>
+  </p:cSld>
+  <p:clrMapOvr>
+    <a:masterClrMapping/>
+  </p:clrMapOvr>
+</p:sld>
+</file>
+
+<file path=ppt/slides/slide12.xml><?xml version="1.0" encoding="utf-8"?>
 <p:sld xmlns:a="http://schemas.openxmlformats.org/drawingml/2006/main" xmlns:r="http://schemas.openxmlformats.org/officeDocument/2006/relationships" xmlns:p="http://schemas.openxmlformats.org/presentationml/2006/main">
   <p:cSld>
     <p:spTree>
@@ -6408,10 +6925,10 @@
           <a:p>
             <a:pPr algn="r" rtl="1"/>
             <a:r>
-              <a:rPr lang="he-IL" dirty="0"/>
+              <a:rPr lang="he-IL"/>
               <a:t>פלטפורמה</a:t>
             </a:r>
-            <a:endParaRPr lang="en-IL" dirty="0"/>
+            <a:endParaRPr lang="en-IL"/>
           </a:p>
         </p:txBody>
       </p:sp>
@@ -6445,13 +6962,13 @@
           <a:p>
             <a:pPr algn="r" rtl="1"/>
             <a:r>
-              <a:rPr lang="he-IL" sz="3200" dirty="0"/>
+              <a:rPr lang="he-IL" sz="3200"/>
               <a:t>אחראית על :</a:t>
             </a:r>
           </a:p>
           <a:p>
             <a:pPr algn="r" rtl="1"/>
-            <a:endParaRPr lang="he-IL" sz="2000" dirty="0"/>
+            <a:endParaRPr lang="he-IL" sz="2000"/>
           </a:p>
           <a:p>
             <a:pPr marL="342900" indent="-342900" algn="r" rtl="1">
@@ -6459,11 +6976,11 @@
               <a:buChar char="•"/>
             </a:pPr>
             <a:r>
-              <a:rPr lang="en-US" sz="2400" dirty="0"/>
+              <a:rPr lang="en-US" sz="2400"/>
               <a:t>Connection Module</a:t>
             </a:r>
             <a:r>
-              <a:rPr lang="he-IL" sz="2400" dirty="0"/>
+              <a:rPr lang="he-IL" sz="2400"/>
               <a:t> - קבלת בקשה מהלקוח והתחלת טיפול לפי דרישותיו של הלקוח.</a:t>
             </a:r>
           </a:p>
@@ -6473,27 +6990,27 @@
               <a:buChar char="•"/>
             </a:pPr>
             <a:r>
-              <a:rPr lang="en-US" sz="2400" dirty="0"/>
+              <a:rPr lang="en-US" sz="2400"/>
               <a:t>Compile Module</a:t>
             </a:r>
             <a:r>
-              <a:rPr lang="he-IL" sz="2400" dirty="0"/>
+              <a:rPr lang="he-IL" sz="2400"/>
               <a:t> – בתחילה בדיקה דומה למה שה</a:t>
             </a:r>
             <a:r>
-              <a:rPr lang="en-US" sz="2400" dirty="0"/>
+              <a:rPr lang="en-US" sz="2400"/>
               <a:t>Preprocessor</a:t>
             </a:r>
             <a:r>
-              <a:rPr lang="he-IL" sz="2400" dirty="0"/>
+              <a:rPr lang="he-IL" sz="2400"/>
               <a:t> עושה : מסתכל על כל ה</a:t>
             </a:r>
             <a:r>
-              <a:rPr lang="en-US" sz="2400" dirty="0"/>
+              <a:rPr lang="en-US" sz="2400"/>
               <a:t>includes</a:t>
             </a:r>
             <a:r>
-              <a:rPr lang="he-IL" sz="2400" dirty="0"/>
+              <a:rPr lang="he-IL" sz="2400"/>
               <a:t> ואוגר סוגי משתנים וכ"ו על הקובץ. לאחר מכן בדיקת קומפילציה בסיסית לגבי הקוד שניתן (אם ישנה בעיית קומפילציה הפלטפורמה תפסיק את הבדיקה תחזיר את התקלה ותגיד באיזה שורה התקלה התרחשה). </a:t>
             </a:r>
           </a:p>
@@ -6503,19 +7020,19 @@
               <a:buChar char="•"/>
             </a:pPr>
             <a:r>
-              <a:rPr lang="en-US" sz="2400" dirty="0"/>
+              <a:rPr lang="en-US" sz="2400"/>
               <a:t>Parsing Information</a:t>
             </a:r>
             <a:r>
-              <a:rPr lang="he-IL" sz="2400" dirty="0"/>
+              <a:rPr lang="he-IL" sz="2400"/>
               <a:t> – במהלך בדיקת הקוד ואחריו אגירת מידע לגבי פונקציות, קוד ואגירתו במילון שלאחר מכן ישלח כ</a:t>
             </a:r>
             <a:r>
-              <a:rPr lang="en-US" sz="2400" dirty="0"/>
+              <a:rPr lang="en-US" sz="2400"/>
               <a:t>JSON</a:t>
             </a:r>
             <a:r>
-              <a:rPr lang="he-IL" sz="2400" dirty="0"/>
+              <a:rPr lang="he-IL" sz="2400"/>
               <a:t> לכלים.</a:t>
             </a:r>
           </a:p>
@@ -6525,19 +7042,19 @@
               <a:buChar char="•"/>
             </a:pPr>
             <a:r>
-              <a:rPr lang="en-US" sz="2400" dirty="0"/>
+              <a:rPr lang="en-US" sz="2400"/>
               <a:t>Json Creation</a:t>
             </a:r>
             <a:r>
-              <a:rPr lang="he-IL" sz="2400" dirty="0"/>
+              <a:rPr lang="he-IL" sz="2400"/>
               <a:t> – ברגע שהמידע מוכן בניית ה</a:t>
             </a:r>
             <a:r>
-              <a:rPr lang="en-US" sz="2400" dirty="0"/>
+              <a:rPr lang="en-US" sz="2400"/>
               <a:t>JSON</a:t>
             </a:r>
             <a:r>
-              <a:rPr lang="he-IL" sz="2400" dirty="0"/>
+              <a:rPr lang="he-IL" sz="2400"/>
               <a:t> במילון.</a:t>
             </a:r>
           </a:p>
@@ -6553,17 +7070,10 @@
   <p:clrMapOvr>
     <a:masterClrMapping/>
   </p:clrMapOvr>
-  <p:timing>
-    <p:tnLst>
-      <p:par>
-        <p:cTn id="1" dur="indefinite" restart="never" nodeType="tmRoot"/>
-      </p:par>
-    </p:tnLst>
-  </p:timing>
 </p:sld>
 </file>
 
-<file path=ppt/slides/slide11.xml><?xml version="1.0" encoding="utf-8"?>
+<file path=ppt/slides/slide13.xml><?xml version="1.0" encoding="utf-8"?>
 <p:sld xmlns:a="http://schemas.openxmlformats.org/drawingml/2006/main" xmlns:r="http://schemas.openxmlformats.org/officeDocument/2006/relationships" xmlns:p="http://schemas.openxmlformats.org/presentationml/2006/main">
   <p:cSld>
     <p:spTree>
@@ -6684,10 +7194,10 @@
           <a:p>
             <a:pPr algn="r" rtl="1"/>
             <a:r>
-              <a:rPr lang="he-IL" dirty="0"/>
+              <a:rPr lang="he-IL"/>
               <a:t>המשך - פלטפורמה</a:t>
             </a:r>
-            <a:endParaRPr lang="en-IL" dirty="0"/>
+            <a:endParaRPr lang="en-IL"/>
           </a:p>
         </p:txBody>
       </p:sp>
@@ -6724,15 +7234,15 @@
               <a:buChar char="•"/>
             </a:pPr>
             <a:r>
-              <a:rPr lang="he-IL" sz="2400" dirty="0"/>
+              <a:rPr lang="he-IL" sz="2400"/>
               <a:t>שליחת המידע ל</a:t>
             </a:r>
             <a:r>
-              <a:rPr lang="en-US" sz="2400" dirty="0"/>
+              <a:rPr lang="en-US" sz="2400"/>
               <a:t>REST</a:t>
             </a:r>
             <a:r>
-              <a:rPr lang="he-IL" sz="2400" dirty="0"/>
+              <a:rPr lang="he-IL" sz="2400"/>
               <a:t>.</a:t>
             </a:r>
           </a:p>
@@ -6742,7 +7252,7 @@
               <a:buChar char="•"/>
             </a:pPr>
             <a:r>
-              <a:rPr lang="he-IL" sz="2400" dirty="0"/>
+              <a:rPr lang="he-IL" sz="2400"/>
               <a:t>הפעלת הכלים בתזמון נכון.</a:t>
             </a:r>
           </a:p>
@@ -6752,15 +7262,15 @@
               <a:buChar char="•"/>
             </a:pPr>
             <a:r>
-              <a:rPr lang="he-IL" sz="2400" dirty="0"/>
+              <a:rPr lang="he-IL" sz="2400"/>
               <a:t>סידור קובץ </a:t>
             </a:r>
             <a:r>
-              <a:rPr lang="en-US" sz="2400" dirty="0"/>
+              <a:rPr lang="en-US" sz="2400"/>
               <a:t>LOG</a:t>
             </a:r>
             <a:r>
-              <a:rPr lang="he-IL" sz="2400" dirty="0"/>
+              <a:rPr lang="he-IL" sz="2400"/>
               <a:t> לגבי תוצאות הכלים.</a:t>
             </a:r>
           </a:p>
@@ -6770,11 +7280,11 @@
               <a:buChar char="•"/>
             </a:pPr>
             <a:r>
-              <a:rPr lang="en-US" sz="2400" dirty="0"/>
+              <a:rPr lang="en-US" sz="2400"/>
               <a:t>Tool Handle</a:t>
             </a:r>
             <a:r>
-              <a:rPr lang="he-IL" sz="2400" dirty="0"/>
+              <a:rPr lang="he-IL" sz="2400"/>
               <a:t> – וידוא שכל הכלים לא נתקעים ולא עוברים את הזמן המוקצה להם. </a:t>
             </a:r>
           </a:p>
@@ -6784,7 +7294,7 @@
               <a:buChar char="•"/>
             </a:pPr>
             <a:r>
-              <a:rPr lang="he-IL" sz="2400" dirty="0"/>
+              <a:rPr lang="he-IL" sz="2400"/>
               <a:t>שליחת התוצאה.</a:t>
             </a:r>
           </a:p>
@@ -6803,7 +7313,7 @@
 </p:sld>
 </file>
 
-<file path=ppt/slides/slide12.xml><?xml version="1.0" encoding="utf-8"?>
+<file path=ppt/slides/slide14.xml><?xml version="1.0" encoding="utf-8"?>
 <p:sld xmlns:a="http://schemas.openxmlformats.org/drawingml/2006/main" xmlns:r="http://schemas.openxmlformats.org/officeDocument/2006/relationships" xmlns:p="http://schemas.openxmlformats.org/presentationml/2006/main">
   <p:cSld>
     <p:spTree>
@@ -6924,14 +7434,14 @@
           <a:p>
             <a:pPr algn="r" rtl="1"/>
             <a:r>
-              <a:rPr lang="en-US" dirty="0"/>
+              <a:rPr lang="en-US"/>
               <a:t>GUI</a:t>
             </a:r>
             <a:r>
-              <a:rPr lang="he-IL" dirty="0"/>
+              <a:rPr lang="he-IL"/>
               <a:t> – ממשק המשתמש הראשי</a:t>
             </a:r>
-            <a:endParaRPr lang="en-IL" dirty="0"/>
+            <a:endParaRPr lang="en-IL"/>
           </a:p>
         </p:txBody>
       </p:sp>
@@ -6950,7 +7460,7 @@
         <p:spPr>
           <a:xfrm>
             <a:off x="1493240" y="1526796"/>
-            <a:ext cx="9555061" cy="3231654"/>
+            <a:ext cx="9555061" cy="3600986"/>
           </a:xfrm>
           <a:prstGeom prst="rect">
             <a:avLst/>
@@ -6965,7 +7475,27 @@
           <a:p>
             <a:pPr algn="r" rtl="1"/>
             <a:r>
-              <a:rPr lang="he-IL" sz="3600" dirty="0"/>
+              <a:rPr lang="he-IL" sz="2400"/>
+              <a:t>בנוי מ</a:t>
+            </a:r>
+            <a:r>
+              <a:rPr lang="en-US" sz="2400"/>
+              <a:t>WPF</a:t>
+            </a:r>
+            <a:r>
+              <a:rPr lang="he-IL" sz="2400"/>
+              <a:t> בשיטת </a:t>
+            </a:r>
+            <a:r>
+              <a:rPr lang="en-US" sz="2400"/>
+              <a:t>MVVM</a:t>
+            </a:r>
+            <a:endParaRPr lang="he-IL" sz="3600"/>
+          </a:p>
+          <a:p>
+            <a:pPr algn="r" rtl="1"/>
+            <a:r>
+              <a:rPr lang="he-IL" sz="3600"/>
               <a:t>אחראי על :</a:t>
             </a:r>
           </a:p>
@@ -6975,7 +7505,7 @@
               <a:buChar char="•"/>
             </a:pPr>
             <a:r>
-              <a:rPr lang="he-IL" sz="2400" dirty="0"/>
+              <a:rPr lang="he-IL" sz="2400"/>
               <a:t>יצירת פרוטוקול השליחה עם הנתונים שהלקוח הכניס לממשק המשתמש ושליחתם לפלטפורמה.</a:t>
             </a:r>
           </a:p>
@@ -6985,7 +7515,7 @@
               <a:buChar char="•"/>
             </a:pPr>
             <a:r>
-              <a:rPr lang="he-IL" sz="2400" dirty="0"/>
+              <a:rPr lang="he-IL" sz="2400"/>
               <a:t>הבאת הכלים ממסד הנתונים.</a:t>
             </a:r>
           </a:p>
@@ -6995,15 +7525,15 @@
               <a:buChar char="•"/>
             </a:pPr>
             <a:r>
-              <a:rPr lang="he-IL" sz="2400" dirty="0"/>
+              <a:rPr lang="he-IL" sz="2400"/>
               <a:t>חיבור באמצעות </a:t>
             </a:r>
             <a:r>
-              <a:rPr lang="en-US" sz="2400" dirty="0"/>
+              <a:rPr lang="en-US" sz="2400"/>
               <a:t>SOCKET</a:t>
             </a:r>
             <a:r>
-              <a:rPr lang="he-IL" sz="2400" dirty="0"/>
+              <a:rPr lang="he-IL" sz="2400"/>
               <a:t> עם הפלטפורמה.</a:t>
             </a:r>
           </a:p>
@@ -7013,7 +7543,7 @@
               <a:buChar char="•"/>
             </a:pPr>
             <a:r>
-              <a:rPr lang="he-IL" sz="2400" dirty="0"/>
+              <a:rPr lang="he-IL" sz="2400"/>
               <a:t>סידור הכלים – ישנם כלים שדורשים כלים אחרים ולכן יש סדר הכרחי לכלים (יש כלים שלא עובדים בלי תוצאה של כלי אחר).</a:t>
             </a:r>
           </a:p>
@@ -7023,7 +7553,7 @@
               <a:buChar char="•"/>
             </a:pPr>
             <a:r>
-              <a:rPr lang="he-IL" sz="2400" dirty="0"/>
+              <a:rPr lang="he-IL" sz="2400"/>
               <a:t>אחראי על החזר התשובה מהפלטפורמה.</a:t>
             </a:r>
           </a:p>
@@ -7042,9 +7572,18 @@
 </p:sld>
 </file>
 
-<file path=ppt/slides/slide13.xml><?xml version="1.0" encoding="utf-8"?>
+<file path=ppt/slides/slide15.xml><?xml version="1.0" encoding="utf-8"?>
 <p:sld xmlns:a="http://schemas.openxmlformats.org/drawingml/2006/main" xmlns:r="http://schemas.openxmlformats.org/officeDocument/2006/relationships" xmlns:p="http://schemas.openxmlformats.org/presentationml/2006/main">
   <p:cSld>
+    <p:bg>
+      <p:bgPr>
+        <a:blipFill>
+          <a:blip r:embed="rId2"/>
+          <a:stretch/>
+        </a:blipFill>
+        <a:effectLst/>
+      </p:bgPr>
+    </p:bg>
     <p:spTree>
       <p:nvGrpSpPr>
         <p:cNvPr id="1" name=""/>
@@ -7075,15 +7614,17 @@
         </p:nvSpPr>
         <p:spPr>
           <a:xfrm>
-            <a:off x="820025" y="534100"/>
-            <a:ext cx="10131425" cy="799750"/>
+            <a:off x="4955458" y="639097"/>
+            <a:ext cx="6593075" cy="1612490"/>
           </a:xfrm>
           <a:prstGeom prst="rect">
             <a:avLst/>
           </a:prstGeom>
         </p:spPr>
         <p:txBody>
-          <a:bodyPr/>
+          <a:bodyPr vert="horz" lIns="91440" tIns="45720" rIns="91440" bIns="45720" rtlCol="0" anchor="ctr">
+            <a:normAutofit/>
+          </a:bodyPr>
           <a:lstStyle>
             <a:lvl1pPr algn="l" defTabSz="457200" rtl="0" eaLnBrk="1" latinLnBrk="0" hangingPunct="1">
               <a:spcBef>
@@ -7161,19 +7702,76 @@
             </a:lvl9pPr>
           </a:lstStyle>
           <a:p>
-            <a:pPr algn="r" rtl="1"/>
-            <a:r>
-              <a:rPr lang="en-US" dirty="0"/>
-              <a:t>Rest api</a:t>
-            </a:r>
-            <a:r>
-              <a:rPr lang="he-IL" dirty="0"/>
-              <a:t> – חלק מהפלטפורמה</a:t>
-            </a:r>
-            <a:endParaRPr lang="en-IL" dirty="0"/>
+            <a:pPr>
+              <a:spcAft>
+                <a:spcPts val="600"/>
+              </a:spcAft>
+            </a:pPr>
+            <a:r>
+              <a:rPr lang="en-US"/>
+              <a:t>Rest api – חלק מהפלטפורמה</a:t>
+            </a:r>
           </a:p>
         </p:txBody>
       </p:sp>
+      <p:pic>
+        <p:nvPicPr>
+          <p:cNvPr id="3" name="תמונה 2">
+            <a:extLst>
+              <a:ext uri="{FF2B5EF4-FFF2-40B4-BE49-F238E27FC236}">
+                <a16:creationId xmlns:a16="http://schemas.microsoft.com/office/drawing/2014/main" id="{36D97347-D9DD-4192-98A0-DA5315F812D0}"/>
+              </a:ext>
+            </a:extLst>
+          </p:cNvPr>
+          <p:cNvPicPr>
+            <a:picLocks noChangeAspect="1"/>
+          </p:cNvPicPr>
+          <p:nvPr/>
+        </p:nvPicPr>
+        <p:blipFill>
+          <a:blip r:embed="rId3"/>
+          <a:stretch>
+            <a:fillRect/>
+          </a:stretch>
+        </p:blipFill>
+        <p:spPr>
+          <a:xfrm>
+            <a:off x="643464" y="1917812"/>
+            <a:ext cx="3997362" cy="3018009"/>
+          </a:xfrm>
+          <a:prstGeom prst="roundRect">
+            <a:avLst>
+              <a:gd name="adj" fmla="val 4380"/>
+            </a:avLst>
+          </a:prstGeom>
+          <a:ln w="50800" cap="sq" cmpd="dbl">
+            <a:gradFill flip="none" rotWithShape="1">
+              <a:gsLst>
+                <a:gs pos="0">
+                  <a:srgbClr val="FFFFFF"/>
+                </a:gs>
+                <a:gs pos="100000">
+                  <a:schemeClr val="tx1">
+                    <a:alpha val="0"/>
+                  </a:schemeClr>
+                </a:gs>
+              </a:gsLst>
+              <a:path path="circle">
+                <a:fillToRect l="50000" t="50000" r="50000" b="50000"/>
+              </a:path>
+              <a:tileRect/>
+            </a:gradFill>
+            <a:miter lim="800000"/>
+          </a:ln>
+          <a:effectLst>
+            <a:outerShdw blurRad="254000" algn="tl" rotWithShape="0">
+              <a:srgbClr val="000000">
+                <a:alpha val="43000"/>
+              </a:srgbClr>
+            </a:outerShdw>
+          </a:effectLst>
+        </p:spPr>
+      </p:pic>
       <p:sp>
         <p:nvSpPr>
           <p:cNvPr id="5" name="תיבת טקסט 4">
@@ -7188,118 +7786,495 @@
         </p:nvSpPr>
         <p:spPr>
           <a:xfrm>
-            <a:off x="1493240" y="1526796"/>
-            <a:ext cx="9555061" cy="4524315"/>
+            <a:off x="4955458" y="2251587"/>
+            <a:ext cx="6593075" cy="3972232"/>
           </a:xfrm>
           <a:prstGeom prst="rect">
             <a:avLst/>
           </a:prstGeom>
-          <a:noFill/>
         </p:spPr>
         <p:txBody>
-          <a:bodyPr wrap="square" rtlCol="0">
-            <a:spAutoFit/>
+          <a:bodyPr vert="horz" lIns="91440" tIns="45720" rIns="91440" bIns="45720" rtlCol="0" anchor="ctr">
+            <a:normAutofit/>
           </a:bodyPr>
           <a:lstStyle/>
           <a:p>
-            <a:pPr algn="r" rtl="1"/>
-            <a:r>
-              <a:rPr lang="he-IL" sz="3600" dirty="0"/>
-              <a:t>אחראי על :</a:t>
-            </a:r>
-          </a:p>
-          <a:p>
-            <a:pPr marL="342900" indent="-342900" algn="r" rtl="1">
-              <a:buFont typeface="Arial" panose="020B0604020202020204" pitchFamily="34" charset="0"/>
+            <a:pPr algn="r" rtl="1">
+              <a:spcAft>
+                <a:spcPts val="1000"/>
+              </a:spcAft>
+              <a:buClr>
+                <a:schemeClr val="tx1"/>
+              </a:buClr>
+              <a:buSzPct val="100000"/>
+              <a:buFont typeface="Arial"/>
               <a:buChar char="•"/>
             </a:pPr>
             <a:r>
-              <a:rPr lang="he-IL" sz="2400" dirty="0"/>
-              <a:t>קבלת כל המידע (</a:t>
-            </a:r>
-            <a:r>
-              <a:rPr lang="en-US" sz="2400" dirty="0"/>
-              <a:t>JSON</a:t>
-            </a:r>
-            <a:r>
-              <a:rPr lang="he-IL" sz="2400" dirty="0"/>
-              <a:t>) שהפלטפורמה אגרה.</a:t>
+              <a:rPr lang="en-US"/>
+              <a:t>אחראי על :</a:t>
             </a:r>
           </a:p>
           <a:p>
             <a:pPr marL="342900" indent="-342900" algn="r" rtl="1">
-              <a:buFont typeface="Arial" panose="020B0604020202020204" pitchFamily="34" charset="0"/>
+              <a:spcAft>
+                <a:spcPts val="1000"/>
+              </a:spcAft>
+              <a:buClr>
+                <a:schemeClr val="tx1"/>
+              </a:buClr>
+              <a:buSzPct val="100000"/>
+              <a:buFont typeface="Arial"/>
               <a:buChar char="•"/>
             </a:pPr>
             <a:r>
-              <a:rPr lang="he-IL" sz="2400" dirty="0"/>
-              <a:t>אחראי לטפל ב</a:t>
-            </a:r>
-            <a:r>
-              <a:rPr lang="en-US" sz="2400" dirty="0"/>
-              <a:t>Requests</a:t>
-            </a:r>
-            <a:r>
-              <a:rPr lang="he-IL" sz="2400" dirty="0"/>
-              <a:t> (</a:t>
-            </a:r>
-            <a:r>
-              <a:rPr lang="en-US" sz="2400" dirty="0"/>
-              <a:t>HTTP</a:t>
-            </a:r>
-            <a:r>
-              <a:rPr lang="he-IL" sz="2400" dirty="0"/>
-              <a:t>) של כלים ולענות ב</a:t>
-            </a:r>
-            <a:r>
-              <a:rPr lang="en-US" sz="2400" dirty="0"/>
-              <a:t>Responses</a:t>
-            </a:r>
-            <a:r>
-              <a:rPr lang="he-IL" sz="2400" dirty="0"/>
-              <a:t> כמו שצריך.</a:t>
+              <a:rPr lang="en-US"/>
+              <a:t>קבלת כל המידע (Dictionary) שהפלטפורמה </a:t>
+            </a:r>
+            <a:r>
+              <a:rPr lang="en-US" err="1"/>
+              <a:t>אגרה</a:t>
+            </a:r>
+            <a:r>
+              <a:rPr lang="en-US"/>
+              <a:t>.</a:t>
             </a:r>
           </a:p>
           <a:p>
             <a:pPr marL="342900" indent="-342900" algn="r" rtl="1">
-              <a:buFont typeface="Arial" panose="020B0604020202020204" pitchFamily="34" charset="0"/>
+              <a:spcAft>
+                <a:spcPts val="1000"/>
+              </a:spcAft>
+              <a:buClr>
+                <a:schemeClr val="tx1"/>
+              </a:buClr>
+              <a:buSzPct val="100000"/>
+              <a:buFont typeface="Arial"/>
               <a:buChar char="•"/>
             </a:pPr>
             <a:r>
-              <a:rPr lang="he-IL" sz="2400" dirty="0"/>
-              <a:t>אחראי לקבל תוצאות של כלים ולשמור אותם למקרה שכלי אחר ירצה תוצאה מסוימת.</a:t>
+              <a:rPr lang="en-US"/>
+              <a:t>אחראי </a:t>
+            </a:r>
+            <a:r>
+              <a:rPr lang="en-US" err="1"/>
+              <a:t>לטפל</a:t>
+            </a:r>
+            <a:r>
+              <a:rPr lang="en-US"/>
+              <a:t> </a:t>
+            </a:r>
+            <a:r>
+              <a:rPr lang="he-IL"/>
+              <a:t>ב</a:t>
+            </a:r>
+            <a:r>
+              <a:rPr lang="en-US"/>
+              <a:t>(HTTP) Requests</a:t>
+            </a:r>
+            <a:r>
+              <a:rPr lang="he-IL"/>
+              <a:t> </a:t>
+            </a:r>
+            <a:r>
+              <a:rPr lang="en-US" err="1"/>
+              <a:t>של</a:t>
+            </a:r>
+            <a:r>
+              <a:rPr lang="en-US"/>
+              <a:t> </a:t>
+            </a:r>
+            <a:r>
+              <a:rPr lang="en-US" err="1"/>
+              <a:t>כלים</a:t>
+            </a:r>
+            <a:r>
+              <a:rPr lang="en-US"/>
+              <a:t> </a:t>
+            </a:r>
+            <a:r>
+              <a:rPr lang="en-US" err="1"/>
+              <a:t>ולענות</a:t>
+            </a:r>
+            <a:r>
+              <a:rPr lang="en-US"/>
+              <a:t> </a:t>
+            </a:r>
+            <a:r>
+              <a:rPr lang="he-IL"/>
+              <a:t>ב </a:t>
+            </a:r>
+            <a:r>
+              <a:rPr lang="en-US"/>
+              <a:t>Responses</a:t>
+            </a:r>
+            <a:r>
+              <a:rPr lang="he-IL"/>
+              <a:t> </a:t>
+            </a:r>
+            <a:r>
+              <a:rPr lang="en-US" err="1"/>
+              <a:t>כמו</a:t>
+            </a:r>
+            <a:r>
+              <a:rPr lang="en-US"/>
+              <a:t> </a:t>
+            </a:r>
+            <a:r>
+              <a:rPr lang="en-US" err="1"/>
+              <a:t>שצריך</a:t>
+            </a:r>
+            <a:r>
+              <a:rPr lang="en-US"/>
+              <a:t>.</a:t>
             </a:r>
           </a:p>
           <a:p>
             <a:pPr marL="342900" indent="-342900" algn="r" rtl="1">
-              <a:buFont typeface="Arial" panose="020B0604020202020204" pitchFamily="34" charset="0"/>
+              <a:spcAft>
+                <a:spcPts val="1000"/>
+              </a:spcAft>
+              <a:buClr>
+                <a:schemeClr val="tx1"/>
+              </a:buClr>
+              <a:buSzPct val="100000"/>
+              <a:buFont typeface="Arial"/>
               <a:buChar char="•"/>
             </a:pPr>
             <a:r>
-              <a:rPr lang="he-IL" sz="2400" dirty="0"/>
-              <a:t>דואג לשלוח לפלטפורמה קבצי לוג של הכלים בכדי שהפלטפורמה תוכל להכין קובץ לוג סופי.</a:t>
+              <a:rPr lang="en-US"/>
+              <a:t>אחראי </a:t>
+            </a:r>
+            <a:r>
+              <a:rPr lang="en-US" err="1"/>
+              <a:t>לקבל</a:t>
+            </a:r>
+            <a:r>
+              <a:rPr lang="en-US"/>
+              <a:t> </a:t>
+            </a:r>
+            <a:r>
+              <a:rPr lang="en-US" err="1"/>
+              <a:t>תוצאות</a:t>
+            </a:r>
+            <a:r>
+              <a:rPr lang="en-US"/>
+              <a:t> </a:t>
+            </a:r>
+            <a:r>
+              <a:rPr lang="en-US" err="1"/>
+              <a:t>של</a:t>
+            </a:r>
+            <a:r>
+              <a:rPr lang="en-US"/>
+              <a:t> </a:t>
+            </a:r>
+            <a:r>
+              <a:rPr lang="en-US" err="1"/>
+              <a:t>כלים</a:t>
+            </a:r>
+            <a:r>
+              <a:rPr lang="en-US"/>
+              <a:t> </a:t>
+            </a:r>
+            <a:r>
+              <a:rPr lang="en-US" err="1"/>
+              <a:t>ולשמור</a:t>
+            </a:r>
+            <a:r>
+              <a:rPr lang="en-US"/>
+              <a:t> </a:t>
+            </a:r>
+            <a:r>
+              <a:rPr lang="en-US" err="1"/>
+              <a:t>אותם</a:t>
+            </a:r>
+            <a:r>
+              <a:rPr lang="en-US"/>
+              <a:t> </a:t>
+            </a:r>
+            <a:r>
+              <a:rPr lang="en-US" err="1"/>
+              <a:t>למקרה</a:t>
+            </a:r>
+            <a:r>
+              <a:rPr lang="en-US"/>
+              <a:t> </a:t>
+            </a:r>
+            <a:r>
+              <a:rPr lang="en-US" err="1"/>
+              <a:t>שכלי</a:t>
+            </a:r>
+            <a:r>
+              <a:rPr lang="en-US"/>
+              <a:t> </a:t>
+            </a:r>
+            <a:r>
+              <a:rPr lang="en-US" err="1"/>
+              <a:t>אחר</a:t>
+            </a:r>
+            <a:r>
+              <a:rPr lang="en-US"/>
+              <a:t> </a:t>
+            </a:r>
+            <a:r>
+              <a:rPr lang="en-US" err="1"/>
+              <a:t>ירצה</a:t>
+            </a:r>
+            <a:r>
+              <a:rPr lang="en-US"/>
+              <a:t> </a:t>
+            </a:r>
+            <a:r>
+              <a:rPr lang="en-US" err="1"/>
+              <a:t>תוצאה</a:t>
+            </a:r>
+            <a:r>
+              <a:rPr lang="en-US"/>
+              <a:t> </a:t>
+            </a:r>
+            <a:r>
+              <a:rPr lang="en-US" err="1"/>
+              <a:t>מסוימת</a:t>
+            </a:r>
+            <a:r>
+              <a:rPr lang="en-US"/>
+              <a:t>.</a:t>
             </a:r>
           </a:p>
           <a:p>
             <a:pPr marL="342900" indent="-342900" algn="r" rtl="1">
-              <a:buFont typeface="Arial" panose="020B0604020202020204" pitchFamily="34" charset="0"/>
+              <a:spcAft>
+                <a:spcPts val="1000"/>
+              </a:spcAft>
+              <a:buClr>
+                <a:schemeClr val="tx1"/>
+              </a:buClr>
+              <a:buSzPct val="100000"/>
+              <a:buFont typeface="Arial"/>
               <a:buChar char="•"/>
             </a:pPr>
             <a:r>
-              <a:rPr lang="he-IL" sz="2400" dirty="0"/>
-              <a:t>אחראי על העברת בדיקת תבניות למודול בפלטפורמה והחזרת תוצאה מתאימה לכלי. </a:t>
+              <a:rPr lang="en-US" err="1"/>
+              <a:t>דואג</a:t>
+            </a:r>
+            <a:r>
+              <a:rPr lang="en-US"/>
+              <a:t> </a:t>
+            </a:r>
+            <a:r>
+              <a:rPr lang="en-US" err="1"/>
+              <a:t>לשלוח</a:t>
+            </a:r>
+            <a:r>
+              <a:rPr lang="en-US"/>
+              <a:t> </a:t>
+            </a:r>
+            <a:r>
+              <a:rPr lang="en-US" err="1"/>
+              <a:t>לפלטפורמה</a:t>
+            </a:r>
+            <a:r>
+              <a:rPr lang="en-US"/>
+              <a:t> </a:t>
+            </a:r>
+            <a:r>
+              <a:rPr lang="en-US" err="1"/>
+              <a:t>קבצי</a:t>
+            </a:r>
+            <a:r>
+              <a:rPr lang="en-US"/>
+              <a:t> </a:t>
+            </a:r>
+            <a:r>
+              <a:rPr lang="en-US" err="1"/>
+              <a:t>לוג</a:t>
+            </a:r>
+            <a:r>
+              <a:rPr lang="en-US"/>
+              <a:t> </a:t>
+            </a:r>
+            <a:r>
+              <a:rPr lang="en-US" err="1"/>
+              <a:t>של</a:t>
+            </a:r>
+            <a:r>
+              <a:rPr lang="en-US"/>
+              <a:t> </a:t>
+            </a:r>
+            <a:r>
+              <a:rPr lang="en-US" err="1"/>
+              <a:t>הכלים</a:t>
+            </a:r>
+            <a:r>
+              <a:rPr lang="en-US"/>
+              <a:t> </a:t>
+            </a:r>
+            <a:r>
+              <a:rPr lang="en-US" err="1"/>
+              <a:t>בכדי</a:t>
+            </a:r>
+            <a:r>
+              <a:rPr lang="en-US"/>
+              <a:t> שהפלטפורמה </a:t>
+            </a:r>
+            <a:r>
+              <a:rPr lang="en-US" err="1"/>
+              <a:t>תוכל</a:t>
+            </a:r>
+            <a:r>
+              <a:rPr lang="en-US"/>
+              <a:t> </a:t>
+            </a:r>
+            <a:r>
+              <a:rPr lang="en-US" err="1"/>
+              <a:t>להכין</a:t>
+            </a:r>
+            <a:r>
+              <a:rPr lang="en-US"/>
+              <a:t> </a:t>
+            </a:r>
+            <a:r>
+              <a:rPr lang="en-US" err="1"/>
+              <a:t>קובץ</a:t>
+            </a:r>
+            <a:r>
+              <a:rPr lang="en-US"/>
+              <a:t> </a:t>
+            </a:r>
+            <a:r>
+              <a:rPr lang="en-US" err="1"/>
+              <a:t>לוג</a:t>
+            </a:r>
+            <a:r>
+              <a:rPr lang="en-US"/>
+              <a:t> </a:t>
+            </a:r>
+            <a:r>
+              <a:rPr lang="en-US" err="1"/>
+              <a:t>סופי</a:t>
+            </a:r>
+            <a:r>
+              <a:rPr lang="en-US"/>
+              <a:t>.</a:t>
             </a:r>
           </a:p>
           <a:p>
             <a:pPr marL="342900" indent="-342900" algn="r" rtl="1">
-              <a:buFont typeface="Arial" panose="020B0604020202020204" pitchFamily="34" charset="0"/>
+              <a:spcAft>
+                <a:spcPts val="1000"/>
+              </a:spcAft>
+              <a:buClr>
+                <a:schemeClr val="tx1"/>
+              </a:buClr>
+              <a:buSzPct val="100000"/>
+              <a:buFont typeface="Arial"/>
               <a:buChar char="•"/>
             </a:pPr>
-            <a:endParaRPr lang="he-IL" sz="2400" dirty="0"/>
-          </a:p>
-          <a:p>
-            <a:pPr algn="r" rtl="1"/>
-            <a:endParaRPr lang="he-IL" sz="3600" dirty="0"/>
+            <a:r>
+              <a:rPr lang="en-US"/>
+              <a:t>אחראי על </a:t>
+            </a:r>
+            <a:r>
+              <a:rPr lang="en-US" err="1"/>
+              <a:t>העברת</a:t>
+            </a:r>
+            <a:r>
+              <a:rPr lang="en-US"/>
+              <a:t> </a:t>
+            </a:r>
+            <a:r>
+              <a:rPr lang="en-US" err="1"/>
+              <a:t>בדיקת</a:t>
+            </a:r>
+            <a:r>
+              <a:rPr lang="en-US"/>
+              <a:t> </a:t>
+            </a:r>
+            <a:r>
+              <a:rPr lang="en-US" err="1"/>
+              <a:t>תבניות</a:t>
+            </a:r>
+            <a:r>
+              <a:rPr lang="en-US"/>
+              <a:t> </a:t>
+            </a:r>
+            <a:r>
+              <a:rPr lang="en-US" err="1"/>
+              <a:t>למודול</a:t>
+            </a:r>
+            <a:r>
+              <a:rPr lang="en-US"/>
+              <a:t> </a:t>
+            </a:r>
+            <a:r>
+              <a:rPr lang="en-US" err="1"/>
+              <a:t>בפלטפורמה</a:t>
+            </a:r>
+            <a:r>
+              <a:rPr lang="en-US"/>
+              <a:t> </a:t>
+            </a:r>
+            <a:r>
+              <a:rPr lang="en-US" err="1"/>
+              <a:t>והחזרת</a:t>
+            </a:r>
+            <a:r>
+              <a:rPr lang="en-US"/>
+              <a:t> </a:t>
+            </a:r>
+            <a:r>
+              <a:rPr lang="en-US" err="1"/>
+              <a:t>תוצאה</a:t>
+            </a:r>
+            <a:r>
+              <a:rPr lang="en-US"/>
+              <a:t> </a:t>
+            </a:r>
+            <a:r>
+              <a:rPr lang="en-US" err="1"/>
+              <a:t>מתאימה</a:t>
+            </a:r>
+            <a:r>
+              <a:rPr lang="en-US"/>
+              <a:t> </a:t>
+            </a:r>
+            <a:r>
+              <a:rPr lang="en-US" err="1"/>
+              <a:t>לכלי</a:t>
+            </a:r>
+            <a:r>
+              <a:rPr lang="en-US"/>
+              <a:t>. </a:t>
+            </a:r>
+          </a:p>
+          <a:p>
+            <a:pPr marL="342900" indent="-342900" algn="r" rtl="1">
+              <a:spcAft>
+                <a:spcPts val="1000"/>
+              </a:spcAft>
+              <a:buClr>
+                <a:schemeClr val="tx1"/>
+              </a:buClr>
+              <a:buSzPct val="100000"/>
+              <a:buFont typeface="Arial"/>
+              <a:buChar char="•"/>
+            </a:pPr>
+            <a:endParaRPr lang="en-US"/>
+          </a:p>
+          <a:p>
+            <a:pPr algn="r" rtl="1">
+              <a:spcAft>
+                <a:spcPts val="1000"/>
+              </a:spcAft>
+              <a:buClr>
+                <a:schemeClr val="tx1"/>
+              </a:buClr>
+              <a:buSzPct val="100000"/>
+              <a:buFont typeface="Arial"/>
+              <a:buChar char="•"/>
+            </a:pPr>
+            <a:endParaRPr lang="en-US"/>
           </a:p>
         </p:txBody>
       </p:sp>
@@ -7316,7 +8291,429 @@
 </p:sld>
 </file>
 
-<file path=ppt/slides/slide14.xml><?xml version="1.0" encoding="utf-8"?>
+<file path=ppt/slides/slide16.xml><?xml version="1.0" encoding="utf-8"?>
+<p:sld xmlns:a="http://schemas.openxmlformats.org/drawingml/2006/main" xmlns:r="http://schemas.openxmlformats.org/officeDocument/2006/relationships" xmlns:p="http://schemas.openxmlformats.org/presentationml/2006/main">
+  <p:cSld>
+    <p:spTree>
+      <p:nvGrpSpPr>
+        <p:cNvPr id="1" name=""/>
+        <p:cNvGrpSpPr/>
+        <p:nvPr/>
+      </p:nvGrpSpPr>
+      <p:grpSpPr>
+        <a:xfrm>
+          <a:off x="0" y="0"/>
+          <a:ext cx="0" cy="0"/>
+          <a:chOff x="0" y="0"/>
+          <a:chExt cx="0" cy="0"/>
+        </a:xfrm>
+      </p:grpSpPr>
+      <p:grpSp>
+        <p:nvGrpSpPr>
+          <p:cNvPr id="16" name="קבוצה 15">
+            <a:extLst>
+              <a:ext uri="{FF2B5EF4-FFF2-40B4-BE49-F238E27FC236}">
+                <a16:creationId xmlns:a16="http://schemas.microsoft.com/office/drawing/2014/main" id="{FF289F24-3B4F-4E92-86EA-C14675B6A2B0}"/>
+              </a:ext>
+            </a:extLst>
+          </p:cNvPr>
+          <p:cNvGrpSpPr/>
+          <p:nvPr/>
+        </p:nvGrpSpPr>
+        <p:grpSpPr>
+          <a:xfrm>
+            <a:off x="1950439" y="2325849"/>
+            <a:ext cx="8291121" cy="3900880"/>
+            <a:chOff x="1716945" y="1082180"/>
+            <a:chExt cx="6154727" cy="1896074"/>
+          </a:xfrm>
+        </p:grpSpPr>
+        <p:sp>
+          <p:nvSpPr>
+            <p:cNvPr id="4" name="מלבן 3">
+              <a:extLst>
+                <a:ext uri="{FF2B5EF4-FFF2-40B4-BE49-F238E27FC236}">
+                  <a16:creationId xmlns:a16="http://schemas.microsoft.com/office/drawing/2014/main" id="{F4E299AB-9A33-42C3-83BB-BE047C9E03AC}"/>
+                </a:ext>
+              </a:extLst>
+            </p:cNvPr>
+            <p:cNvSpPr/>
+            <p:nvPr/>
+          </p:nvSpPr>
+          <p:spPr>
+            <a:xfrm>
+              <a:off x="1716945" y="1451294"/>
+              <a:ext cx="1652631" cy="973123"/>
+            </a:xfrm>
+            <a:prstGeom prst="rect">
+              <a:avLst/>
+            </a:prstGeom>
+          </p:spPr>
+          <p:style>
+            <a:lnRef idx="2">
+              <a:schemeClr val="accent1">
+                <a:shade val="50000"/>
+              </a:schemeClr>
+            </a:lnRef>
+            <a:fillRef idx="1">
+              <a:schemeClr val="accent1"/>
+            </a:fillRef>
+            <a:effectRef idx="0">
+              <a:schemeClr val="accent1"/>
+            </a:effectRef>
+            <a:fontRef idx="minor">
+              <a:schemeClr val="lt1"/>
+            </a:fontRef>
+          </p:style>
+          <p:txBody>
+            <a:bodyPr rtlCol="0" anchor="ctr"/>
+            <a:lstStyle/>
+            <a:p>
+              <a:pPr algn="ctr"/>
+              <a:r>
+                <a:rPr lang="he-IL"/>
+                <a:t>כלי</a:t>
+              </a:r>
+              <a:endParaRPr lang="en-IL"/>
+            </a:p>
+          </p:txBody>
+        </p:sp>
+        <p:sp>
+          <p:nvSpPr>
+            <p:cNvPr id="5" name="מלבן 4">
+              <a:extLst>
+                <a:ext uri="{FF2B5EF4-FFF2-40B4-BE49-F238E27FC236}">
+                  <a16:creationId xmlns:a16="http://schemas.microsoft.com/office/drawing/2014/main" id="{B8385C7C-37BD-418F-AEE6-FEC6F2D74D90}"/>
+                </a:ext>
+              </a:extLst>
+            </p:cNvPr>
+            <p:cNvSpPr/>
+            <p:nvPr/>
+          </p:nvSpPr>
+          <p:spPr>
+            <a:xfrm>
+              <a:off x="6219041" y="1451295"/>
+              <a:ext cx="1652631" cy="973123"/>
+            </a:xfrm>
+            <a:prstGeom prst="rect">
+              <a:avLst/>
+            </a:prstGeom>
+          </p:spPr>
+          <p:style>
+            <a:lnRef idx="2">
+              <a:schemeClr val="accent1">
+                <a:shade val="50000"/>
+              </a:schemeClr>
+            </a:lnRef>
+            <a:fillRef idx="1">
+              <a:schemeClr val="accent1"/>
+            </a:fillRef>
+            <a:effectRef idx="0">
+              <a:schemeClr val="accent1"/>
+            </a:effectRef>
+            <a:fontRef idx="minor">
+              <a:schemeClr val="lt1"/>
+            </a:fontRef>
+          </p:style>
+          <p:txBody>
+            <a:bodyPr rtlCol="0" anchor="ctr"/>
+            <a:lstStyle/>
+            <a:p>
+              <a:pPr algn="ctr"/>
+              <a:r>
+                <a:rPr lang="en-US"/>
+                <a:t>Rest API</a:t>
+              </a:r>
+              <a:endParaRPr lang="en-IL"/>
+            </a:p>
+          </p:txBody>
+        </p:sp>
+        <p:cxnSp>
+          <p:nvCxnSpPr>
+            <p:cNvPr id="7" name="מחבר חץ ישר 6">
+              <a:extLst>
+                <a:ext uri="{FF2B5EF4-FFF2-40B4-BE49-F238E27FC236}">
+                  <a16:creationId xmlns:a16="http://schemas.microsoft.com/office/drawing/2014/main" id="{95896948-4DB3-4FD7-9094-94ACF3541743}"/>
+                </a:ext>
+              </a:extLst>
+            </p:cNvPr>
+            <p:cNvCxnSpPr>
+              <a:cxnSpLocks/>
+            </p:cNvCxnSpPr>
+            <p:nvPr/>
+          </p:nvCxnSpPr>
+          <p:spPr>
+            <a:xfrm>
+              <a:off x="3431097" y="1451295"/>
+              <a:ext cx="2664903" cy="0"/>
+            </a:xfrm>
+            <a:prstGeom prst="straightConnector1">
+              <a:avLst/>
+            </a:prstGeom>
+            <a:ln>
+              <a:tailEnd type="triangle"/>
+            </a:ln>
+          </p:spPr>
+          <p:style>
+            <a:lnRef idx="1">
+              <a:schemeClr val="accent1"/>
+            </a:lnRef>
+            <a:fillRef idx="0">
+              <a:schemeClr val="accent1"/>
+            </a:fillRef>
+            <a:effectRef idx="0">
+              <a:schemeClr val="accent1"/>
+            </a:effectRef>
+            <a:fontRef idx="minor">
+              <a:schemeClr val="tx1"/>
+            </a:fontRef>
+          </p:style>
+        </p:cxnSp>
+        <p:sp>
+          <p:nvSpPr>
+            <p:cNvPr id="8" name="תיבת טקסט 7">
+              <a:extLst>
+                <a:ext uri="{FF2B5EF4-FFF2-40B4-BE49-F238E27FC236}">
+                  <a16:creationId xmlns:a16="http://schemas.microsoft.com/office/drawing/2014/main" id="{7F7400F6-FD5B-497B-8FB6-618AD525472E}"/>
+                </a:ext>
+              </a:extLst>
+            </p:cNvPr>
+            <p:cNvSpPr txBox="1"/>
+            <p:nvPr/>
+          </p:nvSpPr>
+          <p:spPr>
+            <a:xfrm>
+              <a:off x="3892492" y="1082180"/>
+              <a:ext cx="1744910" cy="369332"/>
+            </a:xfrm>
+            <a:prstGeom prst="rect">
+              <a:avLst/>
+            </a:prstGeom>
+            <a:noFill/>
+          </p:spPr>
+          <p:txBody>
+            <a:bodyPr wrap="square" rtlCol="0">
+              <a:spAutoFit/>
+            </a:bodyPr>
+            <a:lstStyle/>
+            <a:p>
+              <a:r>
+                <a:rPr lang="en-US"/>
+                <a:t>GET Functions</a:t>
+              </a:r>
+              <a:endParaRPr lang="en-IL"/>
+            </a:p>
+          </p:txBody>
+        </p:sp>
+        <p:cxnSp>
+          <p:nvCxnSpPr>
+            <p:cNvPr id="9" name="מחבר חץ ישר 8">
+              <a:extLst>
+                <a:ext uri="{FF2B5EF4-FFF2-40B4-BE49-F238E27FC236}">
+                  <a16:creationId xmlns:a16="http://schemas.microsoft.com/office/drawing/2014/main" id="{8BA53AB5-6747-4FF8-A1CB-054C2630551A}"/>
+                </a:ext>
+              </a:extLst>
+            </p:cNvPr>
+            <p:cNvCxnSpPr>
+              <a:cxnSpLocks/>
+            </p:cNvCxnSpPr>
+            <p:nvPr/>
+          </p:nvCxnSpPr>
+          <p:spPr>
+            <a:xfrm flipH="1">
+              <a:off x="3431097" y="2332139"/>
+              <a:ext cx="2664903" cy="0"/>
+            </a:xfrm>
+            <a:prstGeom prst="straightConnector1">
+              <a:avLst/>
+            </a:prstGeom>
+            <a:ln>
+              <a:tailEnd type="triangle"/>
+            </a:ln>
+          </p:spPr>
+          <p:style>
+            <a:lnRef idx="1">
+              <a:schemeClr val="accent1"/>
+            </a:lnRef>
+            <a:fillRef idx="0">
+              <a:schemeClr val="accent1"/>
+            </a:fillRef>
+            <a:effectRef idx="0">
+              <a:schemeClr val="accent1"/>
+            </a:effectRef>
+            <a:fontRef idx="minor">
+              <a:schemeClr val="tx1"/>
+            </a:fontRef>
+          </p:style>
+        </p:cxnSp>
+        <p:sp>
+          <p:nvSpPr>
+            <p:cNvPr id="13" name="תיבת טקסט 12">
+              <a:extLst>
+                <a:ext uri="{FF2B5EF4-FFF2-40B4-BE49-F238E27FC236}">
+                  <a16:creationId xmlns:a16="http://schemas.microsoft.com/office/drawing/2014/main" id="{81990C96-5A58-43E0-969F-327E29D99A38}"/>
+                </a:ext>
+              </a:extLst>
+            </p:cNvPr>
+            <p:cNvSpPr txBox="1"/>
+            <p:nvPr/>
+          </p:nvSpPr>
+          <p:spPr>
+            <a:xfrm>
+              <a:off x="3875713" y="2331923"/>
+              <a:ext cx="1744910" cy="646331"/>
+            </a:xfrm>
+            <a:prstGeom prst="rect">
+              <a:avLst/>
+            </a:prstGeom>
+            <a:noFill/>
+          </p:spPr>
+          <p:txBody>
+            <a:bodyPr wrap="square" rtlCol="0">
+              <a:spAutoFit/>
+            </a:bodyPr>
+            <a:lstStyle/>
+            <a:p>
+              <a:r>
+                <a:rPr lang="en-US"/>
+                <a:t>Response with json</a:t>
+              </a:r>
+              <a:endParaRPr lang="en-IL"/>
+            </a:p>
+          </p:txBody>
+        </p:sp>
+      </p:grpSp>
+      <p:sp>
+        <p:nvSpPr>
+          <p:cNvPr id="17" name="כותרת 1">
+            <a:extLst>
+              <a:ext uri="{FF2B5EF4-FFF2-40B4-BE49-F238E27FC236}">
+                <a16:creationId xmlns:a16="http://schemas.microsoft.com/office/drawing/2014/main" id="{B3052AB7-9C57-4D70-BA24-6552048409F0}"/>
+              </a:ext>
+            </a:extLst>
+          </p:cNvPr>
+          <p:cNvSpPr txBox="1">
+            <a:spLocks/>
+          </p:cNvSpPr>
+          <p:nvPr/>
+        </p:nvSpPr>
+        <p:spPr>
+          <a:xfrm>
+            <a:off x="4846402" y="320316"/>
+            <a:ext cx="6593075" cy="1612490"/>
+          </a:xfrm>
+          <a:prstGeom prst="rect">
+            <a:avLst/>
+          </a:prstGeom>
+        </p:spPr>
+        <p:txBody>
+          <a:bodyPr vert="horz" lIns="91440" tIns="45720" rIns="91440" bIns="45720" rtlCol="0" anchor="ctr">
+            <a:normAutofit/>
+          </a:bodyPr>
+          <a:lstStyle>
+            <a:lvl1pPr algn="l" defTabSz="457200" rtl="0" eaLnBrk="1" latinLnBrk="0" hangingPunct="1">
+              <a:spcBef>
+                <a:spcPct val="0"/>
+              </a:spcBef>
+              <a:buNone/>
+              <a:defRPr sz="3600" kern="1200" cap="all">
+                <a:ln w="3175" cmpd="sng">
+                  <a:noFill/>
+                </a:ln>
+                <a:solidFill>
+                  <a:schemeClr val="tx1"/>
+                </a:solidFill>
+                <a:effectLst/>
+                <a:latin typeface="+mj-lt"/>
+                <a:ea typeface="+mj-ea"/>
+                <a:cs typeface="+mj-cs"/>
+              </a:defRPr>
+            </a:lvl1pPr>
+            <a:lvl2pPr eaLnBrk="1" hangingPunct="1">
+              <a:defRPr>
+                <a:solidFill>
+                  <a:schemeClr val="tx2"/>
+                </a:solidFill>
+              </a:defRPr>
+            </a:lvl2pPr>
+            <a:lvl3pPr eaLnBrk="1" hangingPunct="1">
+              <a:defRPr>
+                <a:solidFill>
+                  <a:schemeClr val="tx2"/>
+                </a:solidFill>
+              </a:defRPr>
+            </a:lvl3pPr>
+            <a:lvl4pPr eaLnBrk="1" hangingPunct="1">
+              <a:defRPr>
+                <a:solidFill>
+                  <a:schemeClr val="tx2"/>
+                </a:solidFill>
+              </a:defRPr>
+            </a:lvl4pPr>
+            <a:lvl5pPr eaLnBrk="1" hangingPunct="1">
+              <a:defRPr>
+                <a:solidFill>
+                  <a:schemeClr val="tx2"/>
+                </a:solidFill>
+              </a:defRPr>
+            </a:lvl5pPr>
+            <a:lvl6pPr eaLnBrk="1" hangingPunct="1">
+              <a:defRPr>
+                <a:solidFill>
+                  <a:schemeClr val="tx2"/>
+                </a:solidFill>
+              </a:defRPr>
+            </a:lvl6pPr>
+            <a:lvl7pPr eaLnBrk="1" hangingPunct="1">
+              <a:defRPr>
+                <a:solidFill>
+                  <a:schemeClr val="tx2"/>
+                </a:solidFill>
+              </a:defRPr>
+            </a:lvl7pPr>
+            <a:lvl8pPr eaLnBrk="1" hangingPunct="1">
+              <a:defRPr>
+                <a:solidFill>
+                  <a:schemeClr val="tx2"/>
+                </a:solidFill>
+              </a:defRPr>
+            </a:lvl8pPr>
+            <a:lvl9pPr eaLnBrk="1" hangingPunct="1">
+              <a:defRPr>
+                <a:solidFill>
+                  <a:schemeClr val="tx2"/>
+                </a:solidFill>
+              </a:defRPr>
+            </a:lvl9pPr>
+          </a:lstStyle>
+          <a:p>
+            <a:pPr>
+              <a:spcAft>
+                <a:spcPts val="600"/>
+              </a:spcAft>
+            </a:pPr>
+            <a:r>
+              <a:rPr lang="he-IL"/>
+              <a:t>רעיון כללי לתקשורת בין הרסט לכלי</a:t>
+            </a:r>
+            <a:endParaRPr lang="en-US"/>
+          </a:p>
+        </p:txBody>
+      </p:sp>
+    </p:spTree>
+    <p:extLst>
+      <p:ext uri="{BB962C8B-B14F-4D97-AF65-F5344CB8AC3E}">
+        <p14:creationId xmlns:p14="http://schemas.microsoft.com/office/powerpoint/2010/main" val="1157650697"/>
+      </p:ext>
+    </p:extLst>
+  </p:cSld>
+  <p:clrMapOvr>
+    <a:masterClrMapping/>
+  </p:clrMapOvr>
+</p:sld>
+</file>
+
+<file path=ppt/slides/slide17.xml><?xml version="1.0" encoding="utf-8"?>
 <p:sld xmlns:a="http://schemas.openxmlformats.org/drawingml/2006/main" xmlns:r="http://schemas.openxmlformats.org/officeDocument/2006/relationships" xmlns:p="http://schemas.openxmlformats.org/presentationml/2006/main">
   <p:cSld>
     <p:spTree>
@@ -7437,10 +8834,10 @@
           <a:p>
             <a:pPr algn="r" rtl="1"/>
             <a:r>
-              <a:rPr lang="he-IL" dirty="0"/>
+              <a:rPr lang="he-IL"/>
               <a:t>כלים </a:t>
             </a:r>
-            <a:endParaRPr lang="en-IL" dirty="0"/>
+            <a:endParaRPr lang="en-IL"/>
           </a:p>
         </p:txBody>
       </p:sp>
@@ -7474,7 +8871,7 @@
           <a:p>
             <a:pPr algn="r" rtl="1"/>
             <a:r>
-              <a:rPr lang="he-IL" sz="3600" dirty="0"/>
+              <a:rPr lang="he-IL" sz="3600"/>
               <a:t>אחראיים על :</a:t>
             </a:r>
           </a:p>
@@ -7484,7 +8881,7 @@
               <a:buChar char="•"/>
             </a:pPr>
             <a:r>
-              <a:rPr lang="he-IL" sz="2400" dirty="0"/>
+              <a:rPr lang="he-IL" sz="2400"/>
               <a:t>כל אחד מהכלים דואג לנושא אחר כלומר כל אחד מבצע דבר אחר. לדוגמא : ניהול זיכרון.</a:t>
             </a:r>
           </a:p>
@@ -7494,15 +8891,15 @@
               <a:buChar char="•"/>
             </a:pPr>
             <a:r>
-              <a:rPr lang="he-IL" sz="2400" dirty="0"/>
+              <a:rPr lang="he-IL" sz="2400"/>
               <a:t>אחראיים על שליחת לוג בחזרה אל ה</a:t>
             </a:r>
             <a:r>
-              <a:rPr lang="en-US" sz="2400" dirty="0"/>
+              <a:rPr lang="en-US" sz="2400"/>
               <a:t>REST</a:t>
             </a:r>
             <a:r>
-              <a:rPr lang="he-IL" sz="2400" dirty="0"/>
+              <a:rPr lang="he-IL" sz="2400"/>
               <a:t>.</a:t>
             </a:r>
           </a:p>
@@ -7512,15 +8909,15 @@
               <a:buChar char="•"/>
             </a:pPr>
             <a:r>
-              <a:rPr lang="he-IL" sz="2400" dirty="0"/>
-              <a:t>עלולים להחזיר קבצי תוצאה אל ה</a:t>
-            </a:r>
-            <a:r>
-              <a:rPr lang="en-US" sz="2400" dirty="0"/>
+              <a:rPr lang="he-IL" sz="2400"/>
+              <a:t>יכולים להחזיר קבצי תוצאה אל ה</a:t>
+            </a:r>
+            <a:r>
+              <a:rPr lang="en-US" sz="2400"/>
               <a:t>REST</a:t>
             </a:r>
             <a:r>
-              <a:rPr lang="he-IL" sz="2400" dirty="0"/>
+              <a:rPr lang="he-IL" sz="2400"/>
               <a:t>.</a:t>
             </a:r>
           </a:p>
@@ -7530,7 +8927,7 @@
               <a:buChar char="•"/>
             </a:pPr>
             <a:r>
-              <a:rPr lang="he-IL" sz="2400" dirty="0"/>
+              <a:rPr lang="he-IL" sz="2400"/>
               <a:t>יכולים לבקש תוצאות של כלים אחרים.</a:t>
             </a:r>
           </a:p>
@@ -7539,11 +8936,11 @@
               <a:buFont typeface="Arial" panose="020B0604020202020204" pitchFamily="34" charset="0"/>
               <a:buChar char="•"/>
             </a:pPr>
-            <a:endParaRPr lang="he-IL" sz="2400" dirty="0"/>
+            <a:endParaRPr lang="he-IL" sz="2400"/>
           </a:p>
           <a:p>
             <a:pPr algn="r" rtl="1"/>
-            <a:endParaRPr lang="he-IL" sz="3600" dirty="0"/>
+            <a:endParaRPr lang="he-IL" sz="3600"/>
           </a:p>
         </p:txBody>
       </p:sp>
@@ -7560,7 +8957,7 @@
 </p:sld>
 </file>
 
-<file path=ppt/slides/slide15.xml><?xml version="1.0" encoding="utf-8"?>
+<file path=ppt/slides/slide18.xml><?xml version="1.0" encoding="utf-8"?>
 <p:sld xmlns:a="http://schemas.openxmlformats.org/drawingml/2006/main" xmlns:r="http://schemas.openxmlformats.org/officeDocument/2006/relationships" xmlns:p="http://schemas.openxmlformats.org/presentationml/2006/main">
   <p:cSld>
     <p:spTree>
@@ -7681,10 +9078,10 @@
           <a:p>
             <a:pPr algn="r" rtl="1"/>
             <a:r>
-              <a:rPr lang="he-IL" dirty="0"/>
+              <a:rPr lang="he-IL"/>
               <a:t>מסד נתונים </a:t>
             </a:r>
-            <a:endParaRPr lang="en-IL" dirty="0"/>
+            <a:endParaRPr lang="en-IL"/>
           </a:p>
         </p:txBody>
       </p:sp>
@@ -7703,7 +9100,7 @@
         <p:spPr>
           <a:xfrm>
             <a:off x="1493240" y="1526796"/>
-            <a:ext cx="9555061" cy="1938992"/>
+            <a:ext cx="9555061" cy="2308324"/>
           </a:xfrm>
           <a:prstGeom prst="rect">
             <a:avLst/>
@@ -7718,9 +9115,22 @@
           <a:p>
             <a:pPr algn="r" rtl="1"/>
             <a:r>
-              <a:rPr lang="he-IL" sz="3600" dirty="0"/>
+              <a:rPr lang="he-IL" sz="2400"/>
+              <a:t>מסד נתונים מסוג </a:t>
+            </a:r>
+            <a:r>
+              <a:rPr lang="en-US" sz="2400"/>
+              <a:t>Sql Server</a:t>
+            </a:r>
+            <a:endParaRPr lang="he-IL" sz="3600"/>
+          </a:p>
+          <a:p>
+            <a:pPr algn="r" rtl="1"/>
+            <a:r>
+              <a:rPr lang="he-IL" sz="3600"/>
               <a:t>אחראי על :</a:t>
             </a:r>
+            <a:endParaRPr lang="he-IL" sz="2400"/>
           </a:p>
           <a:p>
             <a:pPr marL="342900" indent="-342900" algn="r" rtl="1">
@@ -7728,7 +9138,7 @@
               <a:buChar char="•"/>
             </a:pPr>
             <a:r>
-              <a:rPr lang="he-IL" sz="2400" dirty="0"/>
+              <a:rPr lang="he-IL" sz="2400"/>
               <a:t>אגירת כל הכלים בפרויקט.</a:t>
             </a:r>
           </a:p>
@@ -7738,13 +9148,13 @@
               <a:buChar char="•"/>
             </a:pPr>
             <a:r>
-              <a:rPr lang="he-IL" sz="2400" dirty="0"/>
+              <a:rPr lang="he-IL" sz="2400"/>
               <a:t>טיפול בבקשות של קבלת או עדכון נתונים.</a:t>
             </a:r>
           </a:p>
           <a:p>
             <a:pPr algn="r" rtl="1"/>
-            <a:endParaRPr lang="he-IL" sz="3600" dirty="0"/>
+            <a:endParaRPr lang="he-IL" sz="3600"/>
           </a:p>
         </p:txBody>
       </p:sp>
@@ -7761,7 +9171,7 @@
 </p:sld>
 </file>
 
-<file path=ppt/slides/slide16.xml><?xml version="1.0" encoding="utf-8"?>
+<file path=ppt/slides/slide19.xml><?xml version="1.0" encoding="utf-8"?>
 <p:sld xmlns:a="http://schemas.openxmlformats.org/drawingml/2006/main" xmlns:r="http://schemas.openxmlformats.org/officeDocument/2006/relationships" xmlns:p="http://schemas.openxmlformats.org/presentationml/2006/main">
   <p:cSld>
     <p:spTree>
@@ -7882,10 +9292,10 @@
           <a:p>
             <a:pPr algn="r" rtl="1"/>
             <a:r>
-              <a:rPr lang="he-IL" dirty="0"/>
+              <a:rPr lang="he-IL"/>
               <a:t>ממשק משתמש לטיפול בכלים</a:t>
             </a:r>
-            <a:endParaRPr lang="en-IL" dirty="0"/>
+            <a:endParaRPr lang="en-IL"/>
           </a:p>
         </p:txBody>
       </p:sp>
@@ -7904,7 +9314,7 @@
         <p:spPr>
           <a:xfrm>
             <a:off x="1493240" y="1526796"/>
-            <a:ext cx="9555061" cy="2677656"/>
+            <a:ext cx="9555061" cy="3046988"/>
           </a:xfrm>
           <a:prstGeom prst="rect">
             <a:avLst/>
@@ -7919,7 +9329,27 @@
           <a:p>
             <a:pPr algn="r" rtl="1"/>
             <a:r>
-              <a:rPr lang="he-IL" sz="3600" dirty="0"/>
+              <a:rPr lang="he-IL" sz="2400"/>
+              <a:t>בנוי מ</a:t>
+            </a:r>
+            <a:r>
+              <a:rPr lang="en-US" sz="2400"/>
+              <a:t>WPF</a:t>
+            </a:r>
+            <a:r>
+              <a:rPr lang="he-IL" sz="2400"/>
+              <a:t> בשיטת </a:t>
+            </a:r>
+            <a:r>
+              <a:rPr lang="en-US" sz="2400"/>
+              <a:t>MVVM</a:t>
+            </a:r>
+            <a:endParaRPr lang="he-IL" sz="2400"/>
+          </a:p>
+          <a:p>
+            <a:pPr algn="r" rtl="1"/>
+            <a:r>
+              <a:rPr lang="he-IL" sz="3600"/>
               <a:t>אחראי על :</a:t>
             </a:r>
           </a:p>
@@ -7929,7 +9359,7 @@
               <a:buChar char="•"/>
             </a:pPr>
             <a:r>
-              <a:rPr lang="he-IL" sz="2400" dirty="0"/>
+              <a:rPr lang="he-IL" sz="2400"/>
               <a:t>לוקח ממסד הנתונים את הכלים ומציג אותם.</a:t>
             </a:r>
           </a:p>
@@ -7939,8 +9369,8 @@
               <a:buChar char="•"/>
             </a:pPr>
             <a:r>
-              <a:rPr lang="he-IL" sz="2400" dirty="0"/>
-              <a:t>אחראי לשלוח סקריפטים מתאימים להוספה/ עדכון/ מחיקת כלי.</a:t>
+              <a:rPr lang="he-IL" sz="2400"/>
+              <a:t>אחראי לשלוח שאילתות מתאימים להוספה/ עדכון/ מחיקת כלי.</a:t>
             </a:r>
           </a:p>
           <a:p>
@@ -7949,13 +9379,13 @@
               <a:buChar char="•"/>
             </a:pPr>
             <a:r>
-              <a:rPr lang="he-IL" sz="2400" dirty="0"/>
+              <a:rPr lang="he-IL" sz="2400"/>
               <a:t>במצב של הוספת כלי אחראי על הוספת התיקייה שהתווספה כקלט בממשק המשתמש.</a:t>
             </a:r>
           </a:p>
           <a:p>
             <a:pPr algn="r" rtl="1"/>
-            <a:endParaRPr lang="he-IL" sz="3600" dirty="0"/>
+            <a:endParaRPr lang="he-IL" sz="3600"/>
           </a:p>
         </p:txBody>
       </p:sp>
@@ -7972,7 +9402,151 @@
 </p:sld>
 </file>
 
-<file path=ppt/slides/slide17.xml><?xml version="1.0" encoding="utf-8"?>
+<file path=ppt/slides/slide2.xml><?xml version="1.0" encoding="utf-8"?>
+<p:sld xmlns:a="http://schemas.openxmlformats.org/drawingml/2006/main" xmlns:r="http://schemas.openxmlformats.org/officeDocument/2006/relationships" xmlns:p="http://schemas.openxmlformats.org/presentationml/2006/main">
+  <p:cSld>
+    <p:spTree>
+      <p:nvGrpSpPr>
+        <p:cNvPr id="1" name=""/>
+        <p:cNvGrpSpPr/>
+        <p:nvPr/>
+      </p:nvGrpSpPr>
+      <p:grpSpPr>
+        <a:xfrm>
+          <a:off x="0" y="0"/>
+          <a:ext cx="0" cy="0"/>
+          <a:chOff x="0" y="0"/>
+          <a:chExt cx="0" cy="0"/>
+        </a:xfrm>
+      </p:grpSpPr>
+      <p:sp>
+        <p:nvSpPr>
+          <p:cNvPr id="2" name="כותרת 1">
+            <a:extLst>
+              <a:ext uri="{FF2B5EF4-FFF2-40B4-BE49-F238E27FC236}">
+                <a16:creationId xmlns:a16="http://schemas.microsoft.com/office/drawing/2014/main" id="{C86CEFD0-53D9-4DF1-8092-962D21DA5511}"/>
+              </a:ext>
+            </a:extLst>
+          </p:cNvPr>
+          <p:cNvSpPr>
+            <a:spLocks noGrp="1"/>
+          </p:cNvSpPr>
+          <p:nvPr>
+            <p:ph type="title"/>
+          </p:nvPr>
+        </p:nvSpPr>
+        <p:spPr/>
+        <p:txBody>
+          <a:bodyPr/>
+          <a:lstStyle/>
+          <a:p>
+            <a:pPr algn="r" rtl="1"/>
+            <a:r>
+              <a:rPr lang="he-IL"/>
+              <a:t>שלבי ההרצאה</a:t>
+            </a:r>
+            <a:endParaRPr lang="en-IL"/>
+          </a:p>
+        </p:txBody>
+      </p:sp>
+      <p:sp>
+        <p:nvSpPr>
+          <p:cNvPr id="3" name="מציין מיקום תוכן 2">
+            <a:extLst>
+              <a:ext uri="{FF2B5EF4-FFF2-40B4-BE49-F238E27FC236}">
+                <a16:creationId xmlns:a16="http://schemas.microsoft.com/office/drawing/2014/main" id="{08D935A7-A4E1-4041-847C-DFC692434AE2}"/>
+              </a:ext>
+            </a:extLst>
+          </p:cNvPr>
+          <p:cNvSpPr>
+            <a:spLocks noGrp="1"/>
+          </p:cNvSpPr>
+          <p:nvPr>
+            <p:ph idx="1"/>
+          </p:nvPr>
+        </p:nvSpPr>
+        <p:spPr>
+          <a:xfrm>
+            <a:off x="685801" y="2239861"/>
+            <a:ext cx="10131425" cy="3551339"/>
+          </a:xfrm>
+        </p:spPr>
+        <p:txBody>
+          <a:bodyPr/>
+          <a:lstStyle/>
+          <a:p>
+            <a:pPr algn="r" rtl="1"/>
+            <a:r>
+              <a:rPr lang="en-US"/>
+              <a:t>Static Analysis</a:t>
+            </a:r>
+          </a:p>
+          <a:p>
+            <a:pPr algn="r" rtl="1"/>
+            <a:r>
+              <a:rPr lang="he-IL"/>
+              <a:t>המצב הקיים ותיאור הבעיה</a:t>
+            </a:r>
+          </a:p>
+          <a:p>
+            <a:pPr algn="r" rtl="1"/>
+            <a:r>
+              <a:rPr lang="he-IL"/>
+              <a:t>הצורך המבצעי</a:t>
+            </a:r>
+          </a:p>
+          <a:p>
+            <a:pPr algn="r" rtl="1"/>
+            <a:r>
+              <a:rPr lang="he-IL"/>
+              <a:t>דרישות המערכת</a:t>
+            </a:r>
+          </a:p>
+          <a:p>
+            <a:pPr algn="r" rtl="1"/>
+            <a:r>
+              <a:rPr lang="he-IL"/>
+              <a:t>תיאור החלופות והפתרון הנבחר</a:t>
+            </a:r>
+            <a:endParaRPr lang="en-US"/>
+          </a:p>
+          <a:p>
+            <a:pPr algn="r" rtl="1"/>
+            <a:r>
+              <a:rPr lang="he-IL"/>
+              <a:t>תיאור תוכנה</a:t>
+            </a:r>
+          </a:p>
+          <a:p>
+            <a:pPr algn="r" rtl="1"/>
+            <a:r>
+              <a:rPr lang="he-IL"/>
+              <a:t>ארכיטקטורת תוכנה</a:t>
+            </a:r>
+          </a:p>
+          <a:p>
+            <a:pPr algn="r" rtl="1"/>
+            <a:r>
+              <a:rPr lang="he-IL"/>
+              <a:t>מודולים בפרויקט</a:t>
+            </a:r>
+          </a:p>
+        </p:txBody>
+      </p:sp>
+    </p:spTree>
+    <p:extLst>
+      <p:ext uri="{BB962C8B-B14F-4D97-AF65-F5344CB8AC3E}">
+        <p14:creationId xmlns:p14="http://schemas.microsoft.com/office/powerpoint/2010/main" val="4129734760"/>
+      </p:ext>
+    </p:extLst>
+  </p:cSld>
+  <p:clrMapOvr>
+    <a:masterClrMapping/>
+  </p:clrMapOvr>
+</p:sld>
+</file>
+
+<file path=ppt/slides/slide20.xml><?xml version="1.0" encoding="utf-8"?>
 <p:sld xmlns:a="http://schemas.openxmlformats.org/drawingml/2006/main" xmlns:r="http://schemas.openxmlformats.org/officeDocument/2006/relationships" xmlns:p="http://schemas.openxmlformats.org/presentationml/2006/main">
   <p:cSld>
     <p:bg>
@@ -8006,7 +9580,7 @@
                 <a16:creationId xmlns:a16="http://schemas.microsoft.com/office/drawing/2014/main" id="{6AF6706C-CF07-43A1-BCC4-CBA5D33820DA}"/>
               </a:ext>
               <a:ext uri="{C183D7F6-B498-43B3-948B-1728B52AA6E4}">
-                <adec:decorative xmlns:adec="http://schemas.microsoft.com/office/drawing/2017/decorative" xmlns="" val="1"/>
+                <adec:decorative xmlns:adec="http://schemas.microsoft.com/office/drawing/2017/decorative" val="1"/>
               </a:ext>
             </a:extLst>
           </p:cNvPr>
@@ -8153,14 +9727,14 @@
               </a:spcAft>
             </a:pPr>
             <a:r>
-              <a:rPr lang="en-US" sz="4800" dirty="0"/>
+              <a:rPr lang="en-US" sz="4800"/>
               <a:t>ממשק משתמש </a:t>
             </a:r>
             <a:r>
-              <a:rPr lang="en-US" sz="4800" dirty="0" err="1"/>
+              <a:rPr lang="en-US" sz="4800" err="1"/>
               <a:t>ראשי</a:t>
             </a:r>
-            <a:endParaRPr lang="en-US" sz="4800" dirty="0"/>
+            <a:endParaRPr lang="en-US" sz="4800"/>
           </a:p>
         </p:txBody>
       </p:sp>
@@ -8251,7 +9825,178 @@
 </p:sld>
 </file>
 
-<file path=ppt/slides/slide18.xml><?xml version="1.0" encoding="utf-8"?>
+<file path=ppt/slides/slide21.xml><?xml version="1.0" encoding="utf-8"?>
+<p:sld xmlns:a="http://schemas.openxmlformats.org/drawingml/2006/main" xmlns:r="http://schemas.openxmlformats.org/officeDocument/2006/relationships" xmlns:p="http://schemas.openxmlformats.org/presentationml/2006/main">
+  <p:cSld>
+    <p:spTree>
+      <p:nvGrpSpPr>
+        <p:cNvPr id="1" name=""/>
+        <p:cNvGrpSpPr/>
+        <p:nvPr/>
+      </p:nvGrpSpPr>
+      <p:grpSpPr>
+        <a:xfrm>
+          <a:off x="0" y="0"/>
+          <a:ext cx="0" cy="0"/>
+          <a:chOff x="0" y="0"/>
+          <a:chExt cx="0" cy="0"/>
+        </a:xfrm>
+      </p:grpSpPr>
+      <p:pic>
+        <p:nvPicPr>
+          <p:cNvPr id="5" name="תמונה 4" descr="תמונה שמכילה טקסט&#10;&#10;התיאור נוצר באופן אוטומטי">
+            <a:extLst>
+              <a:ext uri="{FF2B5EF4-FFF2-40B4-BE49-F238E27FC236}">
+                <a16:creationId xmlns:a16="http://schemas.microsoft.com/office/drawing/2014/main" id="{C18860FF-29D0-4A86-9D9C-EE7C07B34983}"/>
+              </a:ext>
+            </a:extLst>
+          </p:cNvPr>
+          <p:cNvPicPr>
+            <a:picLocks noChangeAspect="1"/>
+          </p:cNvPicPr>
+          <p:nvPr/>
+        </p:nvPicPr>
+        <p:blipFill>
+          <a:blip r:embed="rId2"/>
+          <a:stretch>
+            <a:fillRect/>
+          </a:stretch>
+        </p:blipFill>
+        <p:spPr>
+          <a:xfrm>
+            <a:off x="3229683" y="2112859"/>
+            <a:ext cx="5198729" cy="3465820"/>
+          </a:xfrm>
+          <a:prstGeom prst="rect">
+            <a:avLst/>
+          </a:prstGeom>
+        </p:spPr>
+      </p:pic>
+      <p:sp>
+        <p:nvSpPr>
+          <p:cNvPr id="6" name="כותרת 1">
+            <a:extLst>
+              <a:ext uri="{FF2B5EF4-FFF2-40B4-BE49-F238E27FC236}">
+                <a16:creationId xmlns:a16="http://schemas.microsoft.com/office/drawing/2014/main" id="{ED9D0C6D-3988-41E5-9360-824853223A6C}"/>
+              </a:ext>
+            </a:extLst>
+          </p:cNvPr>
+          <p:cNvSpPr txBox="1">
+            <a:spLocks/>
+          </p:cNvSpPr>
+          <p:nvPr/>
+        </p:nvSpPr>
+        <p:spPr>
+          <a:xfrm>
+            <a:off x="820025" y="534100"/>
+            <a:ext cx="10131425" cy="799750"/>
+          </a:xfrm>
+          <a:prstGeom prst="rect">
+            <a:avLst/>
+          </a:prstGeom>
+        </p:spPr>
+        <p:txBody>
+          <a:bodyPr/>
+          <a:lstStyle>
+            <a:lvl1pPr algn="l" defTabSz="457200" rtl="0" eaLnBrk="1" latinLnBrk="0" hangingPunct="1">
+              <a:spcBef>
+                <a:spcPct val="0"/>
+              </a:spcBef>
+              <a:buNone/>
+              <a:defRPr sz="3600" kern="1200" cap="all">
+                <a:ln w="3175" cmpd="sng">
+                  <a:noFill/>
+                </a:ln>
+                <a:solidFill>
+                  <a:schemeClr val="tx1"/>
+                </a:solidFill>
+                <a:effectLst/>
+                <a:latin typeface="+mj-lt"/>
+                <a:ea typeface="+mj-ea"/>
+                <a:cs typeface="+mj-cs"/>
+              </a:defRPr>
+            </a:lvl1pPr>
+            <a:lvl2pPr eaLnBrk="1" hangingPunct="1">
+              <a:defRPr>
+                <a:solidFill>
+                  <a:schemeClr val="tx2"/>
+                </a:solidFill>
+              </a:defRPr>
+            </a:lvl2pPr>
+            <a:lvl3pPr eaLnBrk="1" hangingPunct="1">
+              <a:defRPr>
+                <a:solidFill>
+                  <a:schemeClr val="tx2"/>
+                </a:solidFill>
+              </a:defRPr>
+            </a:lvl3pPr>
+            <a:lvl4pPr eaLnBrk="1" hangingPunct="1">
+              <a:defRPr>
+                <a:solidFill>
+                  <a:schemeClr val="tx2"/>
+                </a:solidFill>
+              </a:defRPr>
+            </a:lvl4pPr>
+            <a:lvl5pPr eaLnBrk="1" hangingPunct="1">
+              <a:defRPr>
+                <a:solidFill>
+                  <a:schemeClr val="tx2"/>
+                </a:solidFill>
+              </a:defRPr>
+            </a:lvl5pPr>
+            <a:lvl6pPr eaLnBrk="1" hangingPunct="1">
+              <a:defRPr>
+                <a:solidFill>
+                  <a:schemeClr val="tx2"/>
+                </a:solidFill>
+              </a:defRPr>
+            </a:lvl6pPr>
+            <a:lvl7pPr eaLnBrk="1" hangingPunct="1">
+              <a:defRPr>
+                <a:solidFill>
+                  <a:schemeClr val="tx2"/>
+                </a:solidFill>
+              </a:defRPr>
+            </a:lvl7pPr>
+            <a:lvl8pPr eaLnBrk="1" hangingPunct="1">
+              <a:defRPr>
+                <a:solidFill>
+                  <a:schemeClr val="tx2"/>
+                </a:solidFill>
+              </a:defRPr>
+            </a:lvl8pPr>
+            <a:lvl9pPr eaLnBrk="1" hangingPunct="1">
+              <a:defRPr>
+                <a:solidFill>
+                  <a:schemeClr val="tx2"/>
+                </a:solidFill>
+              </a:defRPr>
+            </a:lvl9pPr>
+          </a:lstStyle>
+          <a:p>
+            <a:pPr algn="r" rtl="1"/>
+            <a:r>
+              <a:rPr lang="he-IL"/>
+              <a:t>מה צריך להיות בכתובת משתני המערכת ?</a:t>
+            </a:r>
+            <a:endParaRPr lang="en-IL"/>
+          </a:p>
+        </p:txBody>
+      </p:sp>
+    </p:spTree>
+    <p:extLst>
+      <p:ext uri="{BB962C8B-B14F-4D97-AF65-F5344CB8AC3E}">
+        <p14:creationId xmlns:p14="http://schemas.microsoft.com/office/powerpoint/2010/main" val="1373129772"/>
+      </p:ext>
+    </p:extLst>
+  </p:cSld>
+  <p:clrMapOvr>
+    <a:masterClrMapping/>
+  </p:clrMapOvr>
+</p:sld>
+</file>
+
+<file path=ppt/slides/slide22.xml><?xml version="1.0" encoding="utf-8"?>
 <p:sld xmlns:a="http://schemas.openxmlformats.org/drawingml/2006/main" xmlns:r="http://schemas.openxmlformats.org/officeDocument/2006/relationships" xmlns:p="http://schemas.openxmlformats.org/presentationml/2006/main">
   <p:cSld>
     <p:bg>
@@ -8285,7 +10030,7 @@
                 <a16:creationId xmlns:a16="http://schemas.microsoft.com/office/drawing/2014/main" id="{6AF6706C-CF07-43A1-BCC4-CBA5D33820DA}"/>
               </a:ext>
               <a:ext uri="{C183D7F6-B498-43B3-948B-1728B52AA6E4}">
-                <adec:decorative xmlns:adec="http://schemas.microsoft.com/office/drawing/2017/decorative" xmlns="" val="1"/>
+                <adec:decorative xmlns:adec="http://schemas.microsoft.com/office/drawing/2017/decorative" val="1"/>
               </a:ext>
             </a:extLst>
           </p:cNvPr>
@@ -8432,22 +10177,22 @@
               </a:spcAft>
             </a:pPr>
             <a:r>
-              <a:rPr lang="en-US" sz="4800" dirty="0"/>
+              <a:rPr lang="en-US" sz="4800"/>
               <a:t>ממשק משתמש לעדכון כלים </a:t>
             </a:r>
             <a:r>
-              <a:rPr lang="en-US" sz="4800" dirty="0" err="1"/>
+              <a:rPr lang="en-US" sz="4800" err="1"/>
               <a:t>דף</a:t>
             </a:r>
             <a:r>
-              <a:rPr lang="en-US" sz="4800" dirty="0"/>
+              <a:rPr lang="en-US" sz="4800"/>
               <a:t> </a:t>
             </a:r>
             <a:r>
-              <a:rPr lang="en-US" sz="4800" dirty="0" err="1"/>
+              <a:rPr lang="en-US" sz="4800" err="1"/>
               <a:t>ראשי</a:t>
             </a:r>
-            <a:endParaRPr lang="en-US" sz="4800" dirty="0"/>
+            <a:endParaRPr lang="en-US" sz="4800"/>
           </a:p>
         </p:txBody>
       </p:sp>
@@ -8538,7 +10283,7 @@
 </p:sld>
 </file>
 
-<file path=ppt/slides/slide19.xml><?xml version="1.0" encoding="utf-8"?>
+<file path=ppt/slides/slide23.xml><?xml version="1.0" encoding="utf-8"?>
 <p:sld xmlns:a="http://schemas.openxmlformats.org/drawingml/2006/main" xmlns:r="http://schemas.openxmlformats.org/officeDocument/2006/relationships" xmlns:p="http://schemas.openxmlformats.org/presentationml/2006/main">
   <p:cSld>
     <p:bg>
@@ -8681,7 +10426,7 @@
               <a:buSzPct val="100000"/>
             </a:pPr>
             <a:r>
-              <a:rPr lang="en-US" cap="none" dirty="0">
+              <a:rPr lang="en-US" cap="none">
                 <a:latin typeface="+mn-lt"/>
                 <a:ea typeface="+mn-ea"/>
                 <a:cs typeface="+mn-cs"/>
@@ -8689,7 +10434,7 @@
               <a:t>ממשק משתמש לעדכון כלים. </a:t>
             </a:r>
             <a:r>
-              <a:rPr lang="en-US" cap="none" dirty="0" err="1">
+              <a:rPr lang="en-US" cap="none" err="1">
                 <a:latin typeface="+mn-lt"/>
                 <a:ea typeface="+mn-ea"/>
                 <a:cs typeface="+mn-cs"/>
@@ -8697,7 +10442,7 @@
               <a:t>הוספת</a:t>
             </a:r>
             <a:r>
-              <a:rPr lang="en-US" cap="none" dirty="0">
+              <a:rPr lang="en-US" cap="none">
                 <a:latin typeface="+mn-lt"/>
                 <a:ea typeface="+mn-ea"/>
                 <a:cs typeface="+mn-cs"/>
@@ -8794,136 +10539,7 @@
 </p:sld>
 </file>
 
-<file path=ppt/slides/slide2.xml><?xml version="1.0" encoding="utf-8"?>
-<p:sld xmlns:a="http://schemas.openxmlformats.org/drawingml/2006/main" xmlns:r="http://schemas.openxmlformats.org/officeDocument/2006/relationships" xmlns:p="http://schemas.openxmlformats.org/presentationml/2006/main">
-  <p:cSld>
-    <p:spTree>
-      <p:nvGrpSpPr>
-        <p:cNvPr id="1" name=""/>
-        <p:cNvGrpSpPr/>
-        <p:nvPr/>
-      </p:nvGrpSpPr>
-      <p:grpSpPr>
-        <a:xfrm>
-          <a:off x="0" y="0"/>
-          <a:ext cx="0" cy="0"/>
-          <a:chOff x="0" y="0"/>
-          <a:chExt cx="0" cy="0"/>
-        </a:xfrm>
-      </p:grpSpPr>
-      <p:sp>
-        <p:nvSpPr>
-          <p:cNvPr id="2" name="כותרת 1">
-            <a:extLst>
-              <a:ext uri="{FF2B5EF4-FFF2-40B4-BE49-F238E27FC236}">
-                <a16:creationId xmlns:a16="http://schemas.microsoft.com/office/drawing/2014/main" id="{C86CEFD0-53D9-4DF1-8092-962D21DA5511}"/>
-              </a:ext>
-            </a:extLst>
-          </p:cNvPr>
-          <p:cNvSpPr>
-            <a:spLocks noGrp="1"/>
-          </p:cNvSpPr>
-          <p:nvPr>
-            <p:ph type="title"/>
-          </p:nvPr>
-        </p:nvSpPr>
-        <p:spPr/>
-        <p:txBody>
-          <a:bodyPr/>
-          <a:lstStyle/>
-          <a:p>
-            <a:pPr algn="r" rtl="1"/>
-            <a:r>
-              <a:rPr lang="he-IL" dirty="0"/>
-              <a:t>שלבי ההרצאה</a:t>
-            </a:r>
-            <a:endParaRPr lang="en-IL" dirty="0"/>
-          </a:p>
-        </p:txBody>
-      </p:sp>
-      <p:sp>
-        <p:nvSpPr>
-          <p:cNvPr id="3" name="מציין מיקום תוכן 2">
-            <a:extLst>
-              <a:ext uri="{FF2B5EF4-FFF2-40B4-BE49-F238E27FC236}">
-                <a16:creationId xmlns:a16="http://schemas.microsoft.com/office/drawing/2014/main" id="{08D935A7-A4E1-4041-847C-DFC692434AE2}"/>
-              </a:ext>
-            </a:extLst>
-          </p:cNvPr>
-          <p:cNvSpPr>
-            <a:spLocks noGrp="1"/>
-          </p:cNvSpPr>
-          <p:nvPr>
-            <p:ph idx="1"/>
-          </p:nvPr>
-        </p:nvSpPr>
-        <p:spPr>
-          <a:xfrm>
-            <a:off x="685801" y="2239861"/>
-            <a:ext cx="10131425" cy="3551339"/>
-          </a:xfrm>
-        </p:spPr>
-        <p:txBody>
-          <a:bodyPr/>
-          <a:lstStyle/>
-          <a:p>
-            <a:pPr algn="r" rtl="1"/>
-            <a:r>
-              <a:rPr lang="he-IL" dirty="0"/>
-              <a:t>המצב הקיים ותיאור הבעיה</a:t>
-            </a:r>
-          </a:p>
-          <a:p>
-            <a:pPr algn="r" rtl="1"/>
-            <a:r>
-              <a:rPr lang="he-IL" dirty="0"/>
-              <a:t>הצורך המבצעי</a:t>
-            </a:r>
-          </a:p>
-          <a:p>
-            <a:pPr algn="r" rtl="1"/>
-            <a:r>
-              <a:rPr lang="he-IL" dirty="0"/>
-              <a:t>דרישות המערכת</a:t>
-            </a:r>
-          </a:p>
-          <a:p>
-            <a:pPr algn="r" rtl="1"/>
-            <a:r>
-              <a:rPr lang="he-IL" dirty="0"/>
-              <a:t>תיאור החלופות והפתרון הנבחר</a:t>
-            </a:r>
-          </a:p>
-          <a:p>
-            <a:pPr algn="r" rtl="1"/>
-            <a:r>
-              <a:rPr lang="he-IL" dirty="0"/>
-              <a:t>ארכיטקטורת תוכנה</a:t>
-            </a:r>
-          </a:p>
-          <a:p>
-            <a:pPr algn="r" rtl="1"/>
-            <a:r>
-              <a:rPr lang="he-IL" dirty="0"/>
-              <a:t>מודולים בפרויקט</a:t>
-            </a:r>
-          </a:p>
-        </p:txBody>
-      </p:sp>
-    </p:spTree>
-    <p:extLst>
-      <p:ext uri="{BB962C8B-B14F-4D97-AF65-F5344CB8AC3E}">
-        <p14:creationId xmlns:p14="http://schemas.microsoft.com/office/powerpoint/2010/main" val="4129734760"/>
-      </p:ext>
-    </p:extLst>
-  </p:cSld>
-  <p:clrMapOvr>
-    <a:masterClrMapping/>
-  </p:clrMapOvr>
-</p:sld>
-</file>
-
-<file path=ppt/slides/slide20.xml><?xml version="1.0" encoding="utf-8"?>
+<file path=ppt/slides/slide24.xml><?xml version="1.0" encoding="utf-8"?>
 <p:sld xmlns:a="http://schemas.openxmlformats.org/drawingml/2006/main" xmlns:r="http://schemas.openxmlformats.org/officeDocument/2006/relationships" xmlns:p="http://schemas.openxmlformats.org/presentationml/2006/main">
   <p:cSld>
     <p:bg>
@@ -8957,7 +10573,7 @@
                 <a16:creationId xmlns:a16="http://schemas.microsoft.com/office/drawing/2014/main" id="{6AF6706C-CF07-43A1-BCC4-CBA5D33820DA}"/>
               </a:ext>
               <a:ext uri="{C183D7F6-B498-43B3-948B-1728B52AA6E4}">
-                <adec:decorative xmlns:adec="http://schemas.microsoft.com/office/drawing/2017/decorative" xmlns="" val="1"/>
+                <adec:decorative xmlns:adec="http://schemas.microsoft.com/office/drawing/2017/decorative" val="1"/>
               </a:ext>
             </a:extLst>
           </p:cNvPr>
@@ -9108,15 +10724,15 @@
               <a:buSzPct val="100000"/>
             </a:pPr>
             <a:r>
-              <a:rPr lang="en-US" sz="4800" dirty="0"/>
+              <a:rPr lang="en-US" sz="4800"/>
               <a:t>ממשק משתמש לעדכון כלים. </a:t>
             </a:r>
             <a:r>
-              <a:rPr lang="en-US" sz="4800" dirty="0" err="1"/>
+              <a:rPr lang="en-US" sz="4800" err="1"/>
               <a:t>עדכון</a:t>
             </a:r>
             <a:r>
-              <a:rPr lang="en-US" sz="4800" dirty="0"/>
+              <a:rPr lang="en-US" sz="4800"/>
               <a:t> כלי</a:t>
             </a:r>
           </a:p>
@@ -9209,7 +10825,7 @@
 </p:sld>
 </file>
 
-<file path=ppt/slides/slide21.xml><?xml version="1.0" encoding="utf-8"?>
+<file path=ppt/slides/slide25.xml><?xml version="1.0" encoding="utf-8"?>
 <p:sld xmlns:a="http://schemas.openxmlformats.org/drawingml/2006/main" xmlns:r="http://schemas.openxmlformats.org/officeDocument/2006/relationships" xmlns:p="http://schemas.openxmlformats.org/presentationml/2006/main">
   <p:cSld>
     <p:bg>
@@ -9243,7 +10859,7 @@
                 <a16:creationId xmlns:a16="http://schemas.microsoft.com/office/drawing/2014/main" id="{6AF6706C-CF07-43A1-BCC4-CBA5D33820DA}"/>
               </a:ext>
               <a:ext uri="{C183D7F6-B498-43B3-948B-1728B52AA6E4}">
-                <adec:decorative xmlns:adec="http://schemas.microsoft.com/office/drawing/2017/decorative" xmlns="" val="1"/>
+                <adec:decorative xmlns:adec="http://schemas.microsoft.com/office/drawing/2017/decorative" val="1"/>
               </a:ext>
             </a:extLst>
           </p:cNvPr>
@@ -9394,7 +11010,7 @@
               <a:buSzPct val="100000"/>
             </a:pPr>
             <a:r>
-              <a:rPr lang="en-US" sz="4800" dirty="0"/>
+              <a:rPr lang="en-US" sz="4800"/>
               <a:t>ממשק משתמש לעדכון כלים. מחיקת כלי</a:t>
             </a:r>
           </a:p>
@@ -9490,6 +11106,4701 @@
 <file path=ppt/slides/slide3.xml><?xml version="1.0" encoding="utf-8"?>
 <p:sld xmlns:a="http://schemas.openxmlformats.org/drawingml/2006/main" xmlns:r="http://schemas.openxmlformats.org/officeDocument/2006/relationships" xmlns:p="http://schemas.openxmlformats.org/presentationml/2006/main">
   <p:cSld>
+    <p:bg>
+      <p:bgPr>
+        <a:solidFill>
+          <a:schemeClr val="bg1"/>
+        </a:solidFill>
+        <a:effectLst/>
+      </p:bgPr>
+    </p:bg>
+    <p:spTree>
+      <p:nvGrpSpPr>
+        <p:cNvPr id="1" name=""/>
+        <p:cNvGrpSpPr/>
+        <p:nvPr/>
+      </p:nvGrpSpPr>
+      <p:grpSpPr>
+        <a:xfrm>
+          <a:off x="0" y="0"/>
+          <a:ext cx="0" cy="0"/>
+          <a:chOff x="0" y="0"/>
+          <a:chExt cx="0" cy="0"/>
+        </a:xfrm>
+      </p:grpSpPr>
+      <p:pic>
+        <p:nvPicPr>
+          <p:cNvPr id="11" name="Picture 10">
+            <a:extLst>
+              <a:ext uri="{FF2B5EF4-FFF2-40B4-BE49-F238E27FC236}">
+                <a16:creationId xmlns:a16="http://schemas.microsoft.com/office/drawing/2014/main" id="{6AF6706C-CF07-43A1-BCC4-CBA5D33820DA}"/>
+              </a:ext>
+              <a:ext uri="{C183D7F6-B498-43B3-948B-1728B52AA6E4}">
+                <adec:decorative xmlns:adec="http://schemas.microsoft.com/office/drawing/2017/decorative" val="1"/>
+              </a:ext>
+            </a:extLst>
+          </p:cNvPr>
+          <p:cNvPicPr>
+            <a:picLocks noGrp="1" noRot="1" noChangeAspect="1" noMove="1" noResize="1" noEditPoints="1" noAdjustHandles="1" noChangeArrowheads="1" noChangeShapeType="1" noCrop="1"/>
+          </p:cNvPicPr>
+          <p:nvPr>
+            <p:extLst>
+              <p:ext uri="{386F3935-93C4-4BCD-93E2-E3B085C9AB24}">
+                <p16:designElem xmlns:p16="http://schemas.microsoft.com/office/powerpoint/2015/main" val="1"/>
+              </p:ext>
+            </p:extLst>
+          </p:nvPr>
+        </p:nvPicPr>
+        <p:blipFill>
+          <a:blip r:embed="rId2">
+            <a:extLst>
+              <a:ext uri="{28A0092B-C50C-407E-A947-70E740481C1C}">
+                <a14:useLocalDpi xmlns:a14="http://schemas.microsoft.com/office/drawing/2010/main" val="0"/>
+              </a:ext>
+            </a:extLst>
+          </a:blip>
+          <a:stretch>
+            <a:fillRect/>
+          </a:stretch>
+        </p:blipFill>
+        <p:spPr>
+          <a:xfrm>
+            <a:off x="0" y="0"/>
+            <a:ext cx="12188825" cy="6856214"/>
+          </a:xfrm>
+          <a:prstGeom prst="rect">
+            <a:avLst/>
+          </a:prstGeom>
+        </p:spPr>
+      </p:pic>
+      <p:sp>
+        <p:nvSpPr>
+          <p:cNvPr id="13" name="Rectangle 12">
+            <a:extLst>
+              <a:ext uri="{FF2B5EF4-FFF2-40B4-BE49-F238E27FC236}">
+                <a16:creationId xmlns:a16="http://schemas.microsoft.com/office/drawing/2014/main" id="{1F94DC1C-47D1-41D7-8B1B-9A036D614027}"/>
+              </a:ext>
+              <a:ext uri="{C183D7F6-B498-43B3-948B-1728B52AA6E4}">
+                <adec:decorative xmlns:adec="http://schemas.microsoft.com/office/drawing/2017/decorative" val="1"/>
+              </a:ext>
+            </a:extLst>
+          </p:cNvPr>
+          <p:cNvSpPr>
+            <a:spLocks noGrp="1" noRot="1" noChangeAspect="1" noMove="1" noResize="1" noEditPoints="1" noAdjustHandles="1" noChangeArrowheads="1" noChangeShapeType="1" noTextEdit="1"/>
+          </p:cNvSpPr>
+          <p:nvPr>
+            <p:extLst>
+              <p:ext uri="{386F3935-93C4-4BCD-93E2-E3B085C9AB24}">
+                <p16:designElem xmlns:p16="http://schemas.microsoft.com/office/powerpoint/2015/main" val="1"/>
+              </p:ext>
+            </p:extLst>
+          </p:nvPr>
+        </p:nvSpPr>
+        <p:spPr>
+          <a:xfrm>
+            <a:off x="0" y="0"/>
+            <a:ext cx="12188952" cy="6858000"/>
+          </a:xfrm>
+          <a:prstGeom prst="rect">
+            <a:avLst/>
+          </a:prstGeom>
+          <a:ln>
+            <a:noFill/>
+          </a:ln>
+        </p:spPr>
+        <p:style>
+          <a:lnRef idx="2">
+            <a:schemeClr val="accent1">
+              <a:shade val="50000"/>
+            </a:schemeClr>
+          </a:lnRef>
+          <a:fillRef idx="1003">
+            <a:schemeClr val="lt1"/>
+          </a:fillRef>
+          <a:effectRef idx="0">
+            <a:schemeClr val="accent1"/>
+          </a:effectRef>
+          <a:fontRef idx="minor">
+            <a:schemeClr val="lt1"/>
+          </a:fontRef>
+        </p:style>
+        <p:txBody>
+          <a:bodyPr rtlCol="0" anchor="ctr"/>
+          <a:lstStyle/>
+          <a:p>
+            <a:pPr algn="ctr"/>
+            <a:endParaRPr lang="en-US"/>
+          </a:p>
+        </p:txBody>
+      </p:sp>
+      <p:pic>
+        <p:nvPicPr>
+          <p:cNvPr id="15" name="Picture 14">
+            <a:extLst>
+              <a:ext uri="{FF2B5EF4-FFF2-40B4-BE49-F238E27FC236}">
+                <a16:creationId xmlns:a16="http://schemas.microsoft.com/office/drawing/2014/main" id="{811383CE-CE86-4E1C-B289-798EB9E6E0E5}"/>
+              </a:ext>
+              <a:ext uri="{C183D7F6-B498-43B3-948B-1728B52AA6E4}">
+                <adec:decorative xmlns:adec="http://schemas.microsoft.com/office/drawing/2017/decorative" val="1"/>
+              </a:ext>
+            </a:extLst>
+          </p:cNvPr>
+          <p:cNvPicPr>
+            <a:picLocks noGrp="1" noRot="1" noChangeAspect="1" noMove="1" noResize="1" noEditPoints="1" noAdjustHandles="1" noChangeArrowheads="1" noChangeShapeType="1" noCrop="1"/>
+          </p:cNvPicPr>
+          <p:nvPr>
+            <p:extLst>
+              <p:ext uri="{386F3935-93C4-4BCD-93E2-E3B085C9AB24}">
+                <p16:designElem xmlns:p16="http://schemas.microsoft.com/office/powerpoint/2015/main" val="1"/>
+              </p:ext>
+            </p:extLst>
+          </p:nvPr>
+        </p:nvPicPr>
+        <p:blipFill rotWithShape="1">
+          <a:blip r:embed="rId2">
+            <a:extLst>
+              <a:ext uri="{28A0092B-C50C-407E-A947-70E740481C1C}">
+                <a14:useLocalDpi xmlns:a14="http://schemas.microsoft.com/office/drawing/2010/main" val="0"/>
+              </a:ext>
+            </a:extLst>
+          </a:blip>
+          <a:srcRect r="51622"/>
+          <a:stretch/>
+        </p:blipFill>
+        <p:spPr>
+          <a:xfrm>
+            <a:off x="1" y="0"/>
+            <a:ext cx="5896768" cy="6856214"/>
+          </a:xfrm>
+          <a:prstGeom prst="rect">
+            <a:avLst/>
+          </a:prstGeom>
+        </p:spPr>
+      </p:pic>
+      <p:sp>
+        <p:nvSpPr>
+          <p:cNvPr id="4" name="כותרת 1">
+            <a:extLst>
+              <a:ext uri="{FF2B5EF4-FFF2-40B4-BE49-F238E27FC236}">
+                <a16:creationId xmlns:a16="http://schemas.microsoft.com/office/drawing/2014/main" id="{6D90FB09-F5B4-44B3-AACF-76B33F16FF48}"/>
+              </a:ext>
+            </a:extLst>
+          </p:cNvPr>
+          <p:cNvSpPr>
+            <a:spLocks noGrp="1"/>
+          </p:cNvSpPr>
+          <p:nvPr>
+            <p:ph type="title"/>
+          </p:nvPr>
+        </p:nvSpPr>
+        <p:spPr>
+          <a:xfrm>
+            <a:off x="486876" y="2032000"/>
+            <a:ext cx="4513792" cy="2819398"/>
+          </a:xfrm>
+        </p:spPr>
+        <p:txBody>
+          <a:bodyPr vert="horz" lIns="91440" tIns="45720" rIns="91440" bIns="45720" rtlCol="0" anchor="b">
+            <a:normAutofit/>
+          </a:bodyPr>
+          <a:lstStyle/>
+          <a:p>
+            <a:pPr algn="r"/>
+            <a:r>
+              <a:rPr lang="en-US" sz="4800">
+                <a:solidFill>
+                  <a:srgbClr val="FFFFFF"/>
+                </a:solidFill>
+              </a:rPr>
+              <a:t>Static Analysis</a:t>
+            </a:r>
+          </a:p>
+        </p:txBody>
+      </p:sp>
+      <p:sp useBgFill="1">
+        <p:nvSpPr>
+          <p:cNvPr id="17" name="Freeform 5">
+            <a:extLst>
+              <a:ext uri="{FF2B5EF4-FFF2-40B4-BE49-F238E27FC236}">
+                <a16:creationId xmlns:a16="http://schemas.microsoft.com/office/drawing/2014/main" id="{AC12A592-C02D-46EF-8E1F-9335DB8D71DF}"/>
+              </a:ext>
+              <a:ext uri="{C183D7F6-B498-43B3-948B-1728B52AA6E4}">
+                <adec:decorative xmlns:adec="http://schemas.microsoft.com/office/drawing/2017/decorative" val="1"/>
+              </a:ext>
+            </a:extLst>
+          </p:cNvPr>
+          <p:cNvSpPr>
+            <a:spLocks noGrp="1" noRot="1" noChangeAspect="1" noMove="1" noResize="1" noEditPoints="1" noAdjustHandles="1" noChangeArrowheads="1" noChangeShapeType="1" noTextEdit="1"/>
+          </p:cNvSpPr>
+          <p:nvPr>
+            <p:extLst>
+              <p:ext uri="{386F3935-93C4-4BCD-93E2-E3B085C9AB24}">
+                <p16:designElem xmlns:p16="http://schemas.microsoft.com/office/powerpoint/2015/main" val="1"/>
+              </p:ext>
+            </p:extLst>
+          </p:nvPr>
+        </p:nvSpPr>
+        <p:spPr bwMode="grayWhite">
+          <a:xfrm>
+            <a:off x="5827529" y="660400"/>
+            <a:ext cx="6381405" cy="6214533"/>
+          </a:xfrm>
+          <a:custGeom>
+            <a:avLst/>
+            <a:gdLst>
+              <a:gd name="T0" fmla="*/ 1333 w 1333"/>
+              <a:gd name="T1" fmla="*/ 1031 h 1298"/>
+              <a:gd name="T2" fmla="*/ 1333 w 1333"/>
+              <a:gd name="T3" fmla="*/ 380 h 1298"/>
+              <a:gd name="T4" fmla="*/ 706 w 1333"/>
+              <a:gd name="T5" fmla="*/ 0 h 1298"/>
+              <a:gd name="T6" fmla="*/ 0 w 1333"/>
+              <a:gd name="T7" fmla="*/ 706 h 1298"/>
+              <a:gd name="T8" fmla="*/ 323 w 1333"/>
+              <a:gd name="T9" fmla="*/ 1298 h 1298"/>
+              <a:gd name="T10" fmla="*/ 1090 w 1333"/>
+              <a:gd name="T11" fmla="*/ 1298 h 1298"/>
+              <a:gd name="T12" fmla="*/ 1333 w 1333"/>
+              <a:gd name="T13" fmla="*/ 1031 h 1298"/>
+            </a:gdLst>
+            <a:ahLst/>
+            <a:cxnLst>
+              <a:cxn ang="0">
+                <a:pos x="T0" y="T1"/>
+              </a:cxn>
+              <a:cxn ang="0">
+                <a:pos x="T2" y="T3"/>
+              </a:cxn>
+              <a:cxn ang="0">
+                <a:pos x="T4" y="T5"/>
+              </a:cxn>
+              <a:cxn ang="0">
+                <a:pos x="T6" y="T7"/>
+              </a:cxn>
+              <a:cxn ang="0">
+                <a:pos x="T8" y="T9"/>
+              </a:cxn>
+              <a:cxn ang="0">
+                <a:pos x="T10" y="T11"/>
+              </a:cxn>
+              <a:cxn ang="0">
+                <a:pos x="T12" y="T13"/>
+              </a:cxn>
+            </a:cxnLst>
+            <a:rect l="0" t="0" r="r" b="b"/>
+            <a:pathLst>
+              <a:path w="1333" h="1298">
+                <a:moveTo>
+                  <a:pt x="1333" y="1031"/>
+                </a:moveTo>
+                <a:cubicBezTo>
+                  <a:pt x="1333" y="380"/>
+                  <a:pt x="1333" y="380"/>
+                  <a:pt x="1333" y="380"/>
+                </a:cubicBezTo>
+                <a:cubicBezTo>
+                  <a:pt x="1215" y="154"/>
+                  <a:pt x="979" y="0"/>
+                  <a:pt x="706" y="0"/>
+                </a:cubicBezTo>
+                <a:cubicBezTo>
+                  <a:pt x="317" y="0"/>
+                  <a:pt x="0" y="316"/>
+                  <a:pt x="0" y="706"/>
+                </a:cubicBezTo>
+                <a:cubicBezTo>
+                  <a:pt x="0" y="954"/>
+                  <a:pt x="129" y="1172"/>
+                  <a:pt x="323" y="1298"/>
+                </a:cubicBezTo>
+                <a:cubicBezTo>
+                  <a:pt x="1090" y="1298"/>
+                  <a:pt x="1090" y="1298"/>
+                  <a:pt x="1090" y="1298"/>
+                </a:cubicBezTo>
+                <a:cubicBezTo>
+                  <a:pt x="1193" y="1232"/>
+                  <a:pt x="1276" y="1140"/>
+                  <a:pt x="1333" y="1031"/>
+                </a:cubicBezTo>
+                <a:close/>
+              </a:path>
+            </a:pathLst>
+          </a:custGeom>
+          <a:ln w="50800" cap="sq" cmpd="dbl">
+            <a:gradFill flip="none" rotWithShape="1">
+              <a:gsLst>
+                <a:gs pos="0">
+                  <a:srgbClr val="FFFFFF"/>
+                </a:gs>
+                <a:gs pos="100000">
+                  <a:schemeClr val="tx1">
+                    <a:alpha val="0"/>
+                  </a:schemeClr>
+                </a:gs>
+              </a:gsLst>
+              <a:path path="circle">
+                <a:fillToRect l="50000" t="50000" r="50000" b="50000"/>
+              </a:path>
+              <a:tileRect/>
+            </a:gradFill>
+            <a:miter lim="800000"/>
+          </a:ln>
+          <a:effectLst>
+            <a:outerShdw blurRad="254000" algn="tl" rotWithShape="0">
+              <a:srgbClr val="000000">
+                <a:alpha val="43000"/>
+              </a:srgbClr>
+            </a:outerShdw>
+          </a:effectLst>
+        </p:spPr>
+        <p:txBody>
+          <a:bodyPr vert="horz" lIns="91440" tIns="45720" rIns="91440" bIns="45720" rtlCol="0" anchor="t">
+            <a:normAutofit/>
+          </a:bodyPr>
+          <a:lstStyle/>
+          <a:p>
+            <a:pPr algn="ctr">
+              <a:spcAft>
+                <a:spcPts val="1000"/>
+              </a:spcAft>
+              <a:buClr>
+                <a:schemeClr val="tx1"/>
+              </a:buClr>
+              <a:buSzPct val="100000"/>
+              <a:buFont typeface="Arial"/>
+              <a:buNone/>
+            </a:pPr>
+            <a:endParaRPr lang="en-US" sz="1600" cap="all"/>
+          </a:p>
+        </p:txBody>
+      </p:sp>
+      <p:sp>
+        <p:nvSpPr>
+          <p:cNvPr id="19" name="Freeform 14">
+            <a:extLst>
+              <a:ext uri="{FF2B5EF4-FFF2-40B4-BE49-F238E27FC236}">
+                <a16:creationId xmlns:a16="http://schemas.microsoft.com/office/drawing/2014/main" id="{24005816-5BCA-4665-8A58-5580F8E9C84A}"/>
+              </a:ext>
+              <a:ext uri="{C183D7F6-B498-43B3-948B-1728B52AA6E4}">
+                <adec:decorative xmlns:adec="http://schemas.microsoft.com/office/drawing/2017/decorative" val="1"/>
+              </a:ext>
+            </a:extLst>
+          </p:cNvPr>
+          <p:cNvSpPr>
+            <a:spLocks noGrp="1" noRot="1" noChangeAspect="1" noMove="1" noResize="1" noEditPoints="1" noAdjustHandles="1" noChangeArrowheads="1" noChangeShapeType="1" noTextEdit="1"/>
+          </p:cNvSpPr>
+          <p:nvPr>
+            <p:extLst>
+              <p:ext uri="{386F3935-93C4-4BCD-93E2-E3B085C9AB24}">
+                <p16:designElem xmlns:p16="http://schemas.microsoft.com/office/powerpoint/2015/main" val="1"/>
+              </p:ext>
+            </p:extLst>
+          </p:nvPr>
+        </p:nvSpPr>
+        <p:spPr>
+          <a:xfrm>
+            <a:off x="5281603" y="104899"/>
+            <a:ext cx="6896713" cy="6005491"/>
+          </a:xfrm>
+          <a:custGeom>
+            <a:avLst/>
+            <a:gdLst>
+              <a:gd name="connsiteX0" fmla="*/ 3912717 w 6896713"/>
+              <a:gd name="connsiteY0" fmla="*/ 0 h 6005491"/>
+              <a:gd name="connsiteX1" fmla="*/ 6679426 w 6896713"/>
+              <a:gd name="connsiteY1" fmla="*/ 1146008 h 6005491"/>
+              <a:gd name="connsiteX2" fmla="*/ 6896713 w 6896713"/>
+              <a:gd name="connsiteY2" fmla="*/ 1385085 h 6005491"/>
+              <a:gd name="connsiteX3" fmla="*/ 6896713 w 6896713"/>
+              <a:gd name="connsiteY3" fmla="*/ 1431256 h 6005491"/>
+              <a:gd name="connsiteX4" fmla="*/ 6657442 w 6896713"/>
+              <a:gd name="connsiteY4" fmla="*/ 1167992 h 6005491"/>
+              <a:gd name="connsiteX5" fmla="*/ 3912717 w 6896713"/>
+              <a:gd name="connsiteY5" fmla="*/ 31089 h 6005491"/>
+              <a:gd name="connsiteX6" fmla="*/ 31089 w 6896713"/>
+              <a:gd name="connsiteY6" fmla="*/ 3912717 h 6005491"/>
+              <a:gd name="connsiteX7" fmla="*/ 593046 w 6896713"/>
+              <a:gd name="connsiteY7" fmla="*/ 5925483 h 6005491"/>
+              <a:gd name="connsiteX8" fmla="*/ 633874 w 6896713"/>
+              <a:gd name="connsiteY8" fmla="*/ 5989169 h 6005491"/>
+              <a:gd name="connsiteX9" fmla="*/ 607415 w 6896713"/>
+              <a:gd name="connsiteY9" fmla="*/ 6005491 h 6005491"/>
+              <a:gd name="connsiteX10" fmla="*/ 566458 w 6896713"/>
+              <a:gd name="connsiteY10" fmla="*/ 5941603 h 6005491"/>
+              <a:gd name="connsiteX11" fmla="*/ 0 w 6896713"/>
+              <a:gd name="connsiteY11" fmla="*/ 3912717 h 6005491"/>
+              <a:gd name="connsiteX12" fmla="*/ 3912717 w 6896713"/>
+              <a:gd name="connsiteY12" fmla="*/ 0 h 6005491"/>
+            </a:gdLst>
+            <a:ahLst/>
+            <a:cxnLst>
+              <a:cxn ang="0">
+                <a:pos x="connsiteX0" y="connsiteY0"/>
+              </a:cxn>
+              <a:cxn ang="0">
+                <a:pos x="connsiteX1" y="connsiteY1"/>
+              </a:cxn>
+              <a:cxn ang="0">
+                <a:pos x="connsiteX2" y="connsiteY2"/>
+              </a:cxn>
+              <a:cxn ang="0">
+                <a:pos x="connsiteX3" y="connsiteY3"/>
+              </a:cxn>
+              <a:cxn ang="0">
+                <a:pos x="connsiteX4" y="connsiteY4"/>
+              </a:cxn>
+              <a:cxn ang="0">
+                <a:pos x="connsiteX5" y="connsiteY5"/>
+              </a:cxn>
+              <a:cxn ang="0">
+                <a:pos x="connsiteX6" y="connsiteY6"/>
+              </a:cxn>
+              <a:cxn ang="0">
+                <a:pos x="connsiteX7" y="connsiteY7"/>
+              </a:cxn>
+              <a:cxn ang="0">
+                <a:pos x="connsiteX8" y="connsiteY8"/>
+              </a:cxn>
+              <a:cxn ang="0">
+                <a:pos x="connsiteX9" y="connsiteY9"/>
+              </a:cxn>
+              <a:cxn ang="0">
+                <a:pos x="connsiteX10" y="connsiteY10"/>
+              </a:cxn>
+              <a:cxn ang="0">
+                <a:pos x="connsiteX11" y="connsiteY11"/>
+              </a:cxn>
+              <a:cxn ang="0">
+                <a:pos x="connsiteX12" y="connsiteY12"/>
+              </a:cxn>
+            </a:cxnLst>
+            <a:rect l="l" t="t" r="r" b="b"/>
+            <a:pathLst>
+              <a:path w="6896713" h="6005491">
+                <a:moveTo>
+                  <a:pt x="3912717" y="0"/>
+                </a:moveTo>
+                <a:cubicBezTo>
+                  <a:pt x="4993184" y="0"/>
+                  <a:pt x="5971363" y="437946"/>
+                  <a:pt x="6679426" y="1146008"/>
+                </a:cubicBezTo>
+                <a:lnTo>
+                  <a:pt x="6896713" y="1385085"/>
+                </a:lnTo>
+                <a:lnTo>
+                  <a:pt x="6896713" y="1431256"/>
+                </a:lnTo>
+                <a:lnTo>
+                  <a:pt x="6657442" y="1167992"/>
+                </a:lnTo>
+                <a:cubicBezTo>
+                  <a:pt x="5955006" y="465555"/>
+                  <a:pt x="4984599" y="31089"/>
+                  <a:pt x="3912717" y="31089"/>
+                </a:cubicBezTo>
+                <a:cubicBezTo>
+                  <a:pt x="1768953" y="31089"/>
+                  <a:pt x="31089" y="1768953"/>
+                  <a:pt x="31089" y="3912717"/>
+                </a:cubicBezTo>
+                <a:cubicBezTo>
+                  <a:pt x="31089" y="4649636"/>
+                  <a:pt x="236442" y="5338592"/>
+                  <a:pt x="593046" y="5925483"/>
+                </a:cubicBezTo>
+                <a:lnTo>
+                  <a:pt x="633874" y="5989169"/>
+                </a:lnTo>
+                <a:lnTo>
+                  <a:pt x="607415" y="6005491"/>
+                </a:lnTo>
+                <a:lnTo>
+                  <a:pt x="566458" y="5941603"/>
+                </a:lnTo>
+                <a:cubicBezTo>
+                  <a:pt x="206998" y="5350013"/>
+                  <a:pt x="0" y="4655538"/>
+                  <a:pt x="0" y="3912717"/>
+                </a:cubicBezTo>
+                <a:cubicBezTo>
+                  <a:pt x="0" y="1751783"/>
+                  <a:pt x="1751783" y="0"/>
+                  <a:pt x="3912717" y="0"/>
+                </a:cubicBezTo>
+                <a:close/>
+              </a:path>
+            </a:pathLst>
+          </a:custGeom>
+          <a:solidFill>
+            <a:srgbClr val="FFFFFF">
+              <a:alpha val="41961"/>
+            </a:srgbClr>
+          </a:solidFill>
+          <a:ln>
+            <a:noFill/>
+          </a:ln>
+        </p:spPr>
+        <p:style>
+          <a:lnRef idx="2">
+            <a:schemeClr val="accent1">
+              <a:shade val="50000"/>
+            </a:schemeClr>
+          </a:lnRef>
+          <a:fillRef idx="1">
+            <a:schemeClr val="accent1"/>
+          </a:fillRef>
+          <a:effectRef idx="0">
+            <a:schemeClr val="accent1"/>
+          </a:effectRef>
+          <a:fontRef idx="minor">
+            <a:schemeClr val="lt1"/>
+          </a:fontRef>
+        </p:style>
+        <p:txBody>
+          <a:bodyPr rtlCol="0" anchor="ctr"/>
+          <a:lstStyle/>
+          <a:p>
+            <a:pPr algn="ctr"/>
+            <a:endParaRPr lang="en-US"/>
+          </a:p>
+        </p:txBody>
+      </p:sp>
+      <p:grpSp>
+        <p:nvGrpSpPr>
+          <p:cNvPr id="21" name="Group 20">
+            <a:extLst>
+              <a:ext uri="{FF2B5EF4-FFF2-40B4-BE49-F238E27FC236}">
+                <a16:creationId xmlns:a16="http://schemas.microsoft.com/office/drawing/2014/main" id="{BF07F359-8CA3-4854-91E7-EE6004020511}"/>
+              </a:ext>
+              <a:ext uri="{C183D7F6-B498-43B3-948B-1728B52AA6E4}">
+                <adec:decorative xmlns:adec="http://schemas.microsoft.com/office/drawing/2017/decorative" val="1"/>
+              </a:ext>
+            </a:extLst>
+          </p:cNvPr>
+          <p:cNvGrpSpPr>
+            <a:grpSpLocks noGrp="1" noUngrp="1" noRot="1" noChangeAspect="1" noMove="1" noResize="1"/>
+          </p:cNvGrpSpPr>
+          <p:nvPr>
+            <p:extLst>
+              <p:ext uri="{386F3935-93C4-4BCD-93E2-E3B085C9AB24}">
+                <p16:designElem xmlns:p16="http://schemas.microsoft.com/office/powerpoint/2015/main" val="1"/>
+              </p:ext>
+            </p:extLst>
+          </p:nvPr>
+        </p:nvGrpSpPr>
+        <p:grpSpPr>
+          <a:xfrm>
+            <a:off x="5516018" y="331504"/>
+            <a:ext cx="6675982" cy="5235326"/>
+            <a:chOff x="5516018" y="331504"/>
+            <a:chExt cx="6675982" cy="5235326"/>
+          </a:xfrm>
+        </p:grpSpPr>
+        <p:cxnSp>
+          <p:nvCxnSpPr>
+            <p:cNvPr id="22" name="Straight Connector 21">
+              <a:extLst>
+                <a:ext uri="{FF2B5EF4-FFF2-40B4-BE49-F238E27FC236}">
+                  <a16:creationId xmlns:a16="http://schemas.microsoft.com/office/drawing/2014/main" id="{8A7FCE86-4904-4337-8D0A-3ABA73F609EF}"/>
+                </a:ext>
+                <a:ext uri="{C183D7F6-B498-43B3-948B-1728B52AA6E4}">
+                  <adec:decorative xmlns:adec="http://schemas.microsoft.com/office/drawing/2017/decorative" val="1"/>
+                </a:ext>
+              </a:extLst>
+            </p:cNvPr>
+            <p:cNvCxnSpPr/>
+            <p:nvPr>
+              <p:extLst>
+                <p:ext uri="{386F3935-93C4-4BCD-93E2-E3B085C9AB24}">
+                  <p16:designElem xmlns:p16="http://schemas.microsoft.com/office/powerpoint/2015/main" val="1"/>
+                </p:ext>
+              </p:extLst>
+            </p:nvPr>
+          </p:nvCxnSpPr>
+          <p:spPr>
+            <a:xfrm flipH="1">
+              <a:off x="9266830" y="331504"/>
+              <a:ext cx="3394" cy="182880"/>
+            </a:xfrm>
+            <a:prstGeom prst="line">
+              <a:avLst/>
+            </a:prstGeom>
+            <a:ln>
+              <a:solidFill>
+                <a:srgbClr val="FFFFFF">
+                  <a:alpha val="30196"/>
+                </a:srgbClr>
+              </a:solidFill>
+            </a:ln>
+          </p:spPr>
+          <p:style>
+            <a:lnRef idx="1">
+              <a:schemeClr val="accent1"/>
+            </a:lnRef>
+            <a:fillRef idx="0">
+              <a:schemeClr val="accent1"/>
+            </a:fillRef>
+            <a:effectRef idx="0">
+              <a:schemeClr val="accent1"/>
+            </a:effectRef>
+            <a:fontRef idx="minor">
+              <a:schemeClr val="tx1"/>
+            </a:fontRef>
+          </p:style>
+        </p:cxnSp>
+        <p:cxnSp>
+          <p:nvCxnSpPr>
+            <p:cNvPr id="23" name="Straight Connector 22">
+              <a:extLst>
+                <a:ext uri="{FF2B5EF4-FFF2-40B4-BE49-F238E27FC236}">
+                  <a16:creationId xmlns:a16="http://schemas.microsoft.com/office/drawing/2014/main" id="{BA32C234-504D-411A-A62B-C1CFD8CE74D5}"/>
+                </a:ext>
+                <a:ext uri="{C183D7F6-B498-43B3-948B-1728B52AA6E4}">
+                  <adec:decorative xmlns:adec="http://schemas.microsoft.com/office/drawing/2017/decorative" val="1"/>
+                </a:ext>
+              </a:extLst>
+            </p:cNvPr>
+            <p:cNvCxnSpPr/>
+            <p:nvPr>
+              <p:extLst>
+                <p:ext uri="{386F3935-93C4-4BCD-93E2-E3B085C9AB24}">
+                  <p16:designElem xmlns:p16="http://schemas.microsoft.com/office/powerpoint/2015/main" val="1"/>
+                </p:ext>
+              </p:extLst>
+            </p:nvPr>
+          </p:nvCxnSpPr>
+          <p:spPr>
+            <a:xfrm rot="120000" flipH="1">
+              <a:off x="9408861" y="338328"/>
+              <a:ext cx="3394" cy="182880"/>
+            </a:xfrm>
+            <a:prstGeom prst="line">
+              <a:avLst/>
+            </a:prstGeom>
+            <a:ln>
+              <a:solidFill>
+                <a:srgbClr val="FFFFFF">
+                  <a:alpha val="30196"/>
+                </a:srgbClr>
+              </a:solidFill>
+            </a:ln>
+          </p:spPr>
+          <p:style>
+            <a:lnRef idx="1">
+              <a:schemeClr val="accent1"/>
+            </a:lnRef>
+            <a:fillRef idx="0">
+              <a:schemeClr val="accent1"/>
+            </a:fillRef>
+            <a:effectRef idx="0">
+              <a:schemeClr val="accent1"/>
+            </a:effectRef>
+            <a:fontRef idx="minor">
+              <a:schemeClr val="tx1"/>
+            </a:fontRef>
+          </p:style>
+        </p:cxnSp>
+        <p:cxnSp>
+          <p:nvCxnSpPr>
+            <p:cNvPr id="24" name="Straight Connector 23">
+              <a:extLst>
+                <a:ext uri="{FF2B5EF4-FFF2-40B4-BE49-F238E27FC236}">
+                  <a16:creationId xmlns:a16="http://schemas.microsoft.com/office/drawing/2014/main" id="{881593A9-FD94-454C-9225-478E90706132}"/>
+                </a:ext>
+                <a:ext uri="{C183D7F6-B498-43B3-948B-1728B52AA6E4}">
+                  <adec:decorative xmlns:adec="http://schemas.microsoft.com/office/drawing/2017/decorative" val="1"/>
+                </a:ext>
+              </a:extLst>
+            </p:cNvPr>
+            <p:cNvCxnSpPr/>
+            <p:nvPr>
+              <p:extLst>
+                <p:ext uri="{386F3935-93C4-4BCD-93E2-E3B085C9AB24}">
+                  <p16:designElem xmlns:p16="http://schemas.microsoft.com/office/powerpoint/2015/main" val="1"/>
+                </p:ext>
+              </p:extLst>
+            </p:nvPr>
+          </p:nvCxnSpPr>
+          <p:spPr>
+            <a:xfrm rot="240000" flipH="1">
+              <a:off x="9551700" y="347636"/>
+              <a:ext cx="3394" cy="182880"/>
+            </a:xfrm>
+            <a:prstGeom prst="line">
+              <a:avLst/>
+            </a:prstGeom>
+            <a:ln>
+              <a:solidFill>
+                <a:srgbClr val="FFFFFF">
+                  <a:alpha val="30196"/>
+                </a:srgbClr>
+              </a:solidFill>
+            </a:ln>
+          </p:spPr>
+          <p:style>
+            <a:lnRef idx="1">
+              <a:schemeClr val="accent1"/>
+            </a:lnRef>
+            <a:fillRef idx="0">
+              <a:schemeClr val="accent1"/>
+            </a:fillRef>
+            <a:effectRef idx="0">
+              <a:schemeClr val="accent1"/>
+            </a:effectRef>
+            <a:fontRef idx="minor">
+              <a:schemeClr val="tx1"/>
+            </a:fontRef>
+          </p:style>
+        </p:cxnSp>
+        <p:cxnSp>
+          <p:nvCxnSpPr>
+            <p:cNvPr id="25" name="Straight Connector 24">
+              <a:extLst>
+                <a:ext uri="{FF2B5EF4-FFF2-40B4-BE49-F238E27FC236}">
+                  <a16:creationId xmlns:a16="http://schemas.microsoft.com/office/drawing/2014/main" id="{FA3524A1-6DED-4D15-ADE5-F797DBCEC728}"/>
+                </a:ext>
+                <a:ext uri="{C183D7F6-B498-43B3-948B-1728B52AA6E4}">
+                  <adec:decorative xmlns:adec="http://schemas.microsoft.com/office/drawing/2017/decorative" val="1"/>
+                </a:ext>
+              </a:extLst>
+            </p:cNvPr>
+            <p:cNvCxnSpPr/>
+            <p:nvPr>
+              <p:extLst>
+                <p:ext uri="{386F3935-93C4-4BCD-93E2-E3B085C9AB24}">
+                  <p16:designElem xmlns:p16="http://schemas.microsoft.com/office/powerpoint/2015/main" val="1"/>
+                </p:ext>
+              </p:extLst>
+            </p:nvPr>
+          </p:nvCxnSpPr>
+          <p:spPr>
+            <a:xfrm rot="360000" flipH="1">
+              <a:off x="9688748" y="368088"/>
+              <a:ext cx="3394" cy="182880"/>
+            </a:xfrm>
+            <a:prstGeom prst="line">
+              <a:avLst/>
+            </a:prstGeom>
+            <a:ln>
+              <a:solidFill>
+                <a:srgbClr val="FFFFFF">
+                  <a:alpha val="30196"/>
+                </a:srgbClr>
+              </a:solidFill>
+            </a:ln>
+          </p:spPr>
+          <p:style>
+            <a:lnRef idx="1">
+              <a:schemeClr val="accent1"/>
+            </a:lnRef>
+            <a:fillRef idx="0">
+              <a:schemeClr val="accent1"/>
+            </a:fillRef>
+            <a:effectRef idx="0">
+              <a:schemeClr val="accent1"/>
+            </a:effectRef>
+            <a:fontRef idx="minor">
+              <a:schemeClr val="tx1"/>
+            </a:fontRef>
+          </p:style>
+        </p:cxnSp>
+        <p:cxnSp>
+          <p:nvCxnSpPr>
+            <p:cNvPr id="26" name="Straight Connector 25">
+              <a:extLst>
+                <a:ext uri="{FF2B5EF4-FFF2-40B4-BE49-F238E27FC236}">
+                  <a16:creationId xmlns:a16="http://schemas.microsoft.com/office/drawing/2014/main" id="{AA8491CF-856E-4A54-84A5-45C558D41A7B}"/>
+                </a:ext>
+                <a:ext uri="{C183D7F6-B498-43B3-948B-1728B52AA6E4}">
+                  <adec:decorative xmlns:adec="http://schemas.microsoft.com/office/drawing/2017/decorative" val="1"/>
+                </a:ext>
+              </a:extLst>
+            </p:cNvPr>
+            <p:cNvCxnSpPr/>
+            <p:nvPr>
+              <p:extLst>
+                <p:ext uri="{386F3935-93C4-4BCD-93E2-E3B085C9AB24}">
+                  <p16:designElem xmlns:p16="http://schemas.microsoft.com/office/powerpoint/2015/main" val="1"/>
+                </p:ext>
+              </p:extLst>
+            </p:nvPr>
+          </p:nvCxnSpPr>
+          <p:spPr>
+            <a:xfrm rot="540000" flipH="1">
+              <a:off x="9824866" y="389224"/>
+              <a:ext cx="3394" cy="182880"/>
+            </a:xfrm>
+            <a:prstGeom prst="line">
+              <a:avLst/>
+            </a:prstGeom>
+            <a:ln>
+              <a:solidFill>
+                <a:srgbClr val="FFFFFF">
+                  <a:alpha val="30196"/>
+                </a:srgbClr>
+              </a:solidFill>
+            </a:ln>
+          </p:spPr>
+          <p:style>
+            <a:lnRef idx="1">
+              <a:schemeClr val="accent1"/>
+            </a:lnRef>
+            <a:fillRef idx="0">
+              <a:schemeClr val="accent1"/>
+            </a:fillRef>
+            <a:effectRef idx="0">
+              <a:schemeClr val="accent1"/>
+            </a:effectRef>
+            <a:fontRef idx="minor">
+              <a:schemeClr val="tx1"/>
+            </a:fontRef>
+          </p:style>
+        </p:cxnSp>
+        <p:cxnSp>
+          <p:nvCxnSpPr>
+            <p:cNvPr id="27" name="Straight Connector 26">
+              <a:extLst>
+                <a:ext uri="{FF2B5EF4-FFF2-40B4-BE49-F238E27FC236}">
+                  <a16:creationId xmlns:a16="http://schemas.microsoft.com/office/drawing/2014/main" id="{AD63A388-BF18-4ABD-96E0-5946B1ABB1D6}"/>
+                </a:ext>
+                <a:ext uri="{C183D7F6-B498-43B3-948B-1728B52AA6E4}">
+                  <adec:decorative xmlns:adec="http://schemas.microsoft.com/office/drawing/2017/decorative" val="1"/>
+                </a:ext>
+              </a:extLst>
+            </p:cNvPr>
+            <p:cNvCxnSpPr/>
+            <p:nvPr>
+              <p:extLst>
+                <p:ext uri="{386F3935-93C4-4BCD-93E2-E3B085C9AB24}">
+                  <p16:designElem xmlns:p16="http://schemas.microsoft.com/office/powerpoint/2015/main" val="1"/>
+                </p:ext>
+              </p:extLst>
+            </p:nvPr>
+          </p:nvCxnSpPr>
+          <p:spPr>
+            <a:xfrm rot="660000" flipH="1">
+              <a:off x="9966867" y="417549"/>
+              <a:ext cx="3394" cy="182880"/>
+            </a:xfrm>
+            <a:prstGeom prst="line">
+              <a:avLst/>
+            </a:prstGeom>
+            <a:ln>
+              <a:solidFill>
+                <a:srgbClr val="FFFFFF">
+                  <a:alpha val="30196"/>
+                </a:srgbClr>
+              </a:solidFill>
+            </a:ln>
+          </p:spPr>
+          <p:style>
+            <a:lnRef idx="1">
+              <a:schemeClr val="accent1"/>
+            </a:lnRef>
+            <a:fillRef idx="0">
+              <a:schemeClr val="accent1"/>
+            </a:fillRef>
+            <a:effectRef idx="0">
+              <a:schemeClr val="accent1"/>
+            </a:effectRef>
+            <a:fontRef idx="minor">
+              <a:schemeClr val="tx1"/>
+            </a:fontRef>
+          </p:style>
+        </p:cxnSp>
+        <p:cxnSp>
+          <p:nvCxnSpPr>
+            <p:cNvPr id="28" name="Straight Connector 27">
+              <a:extLst>
+                <a:ext uri="{FF2B5EF4-FFF2-40B4-BE49-F238E27FC236}">
+                  <a16:creationId xmlns:a16="http://schemas.microsoft.com/office/drawing/2014/main" id="{9CF6D779-BD20-4058-AC29-AF4E2510C2C2}"/>
+                </a:ext>
+                <a:ext uri="{C183D7F6-B498-43B3-948B-1728B52AA6E4}">
+                  <adec:decorative xmlns:adec="http://schemas.microsoft.com/office/drawing/2017/decorative" val="1"/>
+                </a:ext>
+              </a:extLst>
+            </p:cNvPr>
+            <p:cNvCxnSpPr/>
+            <p:nvPr>
+              <p:extLst>
+                <p:ext uri="{386F3935-93C4-4BCD-93E2-E3B085C9AB24}">
+                  <p16:designElem xmlns:p16="http://schemas.microsoft.com/office/powerpoint/2015/main" val="1"/>
+                </p:ext>
+              </p:extLst>
+            </p:nvPr>
+          </p:nvCxnSpPr>
+          <p:spPr>
+            <a:xfrm rot="780000" flipH="1">
+              <a:off x="10104425" y="445874"/>
+              <a:ext cx="3394" cy="182880"/>
+            </a:xfrm>
+            <a:prstGeom prst="line">
+              <a:avLst/>
+            </a:prstGeom>
+            <a:ln>
+              <a:solidFill>
+                <a:srgbClr val="FFFFFF">
+                  <a:alpha val="30196"/>
+                </a:srgbClr>
+              </a:solidFill>
+            </a:ln>
+          </p:spPr>
+          <p:style>
+            <a:lnRef idx="1">
+              <a:schemeClr val="accent1"/>
+            </a:lnRef>
+            <a:fillRef idx="0">
+              <a:schemeClr val="accent1"/>
+            </a:fillRef>
+            <a:effectRef idx="0">
+              <a:schemeClr val="accent1"/>
+            </a:effectRef>
+            <a:fontRef idx="minor">
+              <a:schemeClr val="tx1"/>
+            </a:fontRef>
+          </p:style>
+        </p:cxnSp>
+        <p:cxnSp>
+          <p:nvCxnSpPr>
+            <p:cNvPr id="29" name="Straight Connector 28">
+              <a:extLst>
+                <a:ext uri="{FF2B5EF4-FFF2-40B4-BE49-F238E27FC236}">
+                  <a16:creationId xmlns:a16="http://schemas.microsoft.com/office/drawing/2014/main" id="{4189C0F2-FCB0-4636-9B05-F9FCBB2020A6}"/>
+                </a:ext>
+                <a:ext uri="{C183D7F6-B498-43B3-948B-1728B52AA6E4}">
+                  <adec:decorative xmlns:adec="http://schemas.microsoft.com/office/drawing/2017/decorative" val="1"/>
+                </a:ext>
+              </a:extLst>
+            </p:cNvPr>
+            <p:cNvCxnSpPr/>
+            <p:nvPr>
+              <p:extLst>
+                <p:ext uri="{386F3935-93C4-4BCD-93E2-E3B085C9AB24}">
+                  <p16:designElem xmlns:p16="http://schemas.microsoft.com/office/powerpoint/2015/main" val="1"/>
+                </p:ext>
+              </p:extLst>
+            </p:nvPr>
+          </p:nvCxnSpPr>
+          <p:spPr>
+            <a:xfrm rot="900000" flipH="1">
+              <a:off x="10240513" y="479483"/>
+              <a:ext cx="3394" cy="182880"/>
+            </a:xfrm>
+            <a:prstGeom prst="line">
+              <a:avLst/>
+            </a:prstGeom>
+            <a:ln>
+              <a:solidFill>
+                <a:srgbClr val="FFFFFF">
+                  <a:alpha val="30196"/>
+                </a:srgbClr>
+              </a:solidFill>
+            </a:ln>
+          </p:spPr>
+          <p:style>
+            <a:lnRef idx="1">
+              <a:schemeClr val="accent1"/>
+            </a:lnRef>
+            <a:fillRef idx="0">
+              <a:schemeClr val="accent1"/>
+            </a:fillRef>
+            <a:effectRef idx="0">
+              <a:schemeClr val="accent1"/>
+            </a:effectRef>
+            <a:fontRef idx="minor">
+              <a:schemeClr val="tx1"/>
+            </a:fontRef>
+          </p:style>
+        </p:cxnSp>
+        <p:cxnSp>
+          <p:nvCxnSpPr>
+            <p:cNvPr id="30" name="Straight Connector 29">
+              <a:extLst>
+                <a:ext uri="{FF2B5EF4-FFF2-40B4-BE49-F238E27FC236}">
+                  <a16:creationId xmlns:a16="http://schemas.microsoft.com/office/drawing/2014/main" id="{E74CB59A-0AC3-4235-A93D-73EE12466967}"/>
+                </a:ext>
+                <a:ext uri="{C183D7F6-B498-43B3-948B-1728B52AA6E4}">
+                  <adec:decorative xmlns:adec="http://schemas.microsoft.com/office/drawing/2017/decorative" val="1"/>
+                </a:ext>
+              </a:extLst>
+            </p:cNvPr>
+            <p:cNvCxnSpPr/>
+            <p:nvPr>
+              <p:extLst>
+                <p:ext uri="{386F3935-93C4-4BCD-93E2-E3B085C9AB24}">
+                  <p16:designElem xmlns:p16="http://schemas.microsoft.com/office/powerpoint/2015/main" val="1"/>
+                </p:ext>
+              </p:extLst>
+            </p:nvPr>
+          </p:nvCxnSpPr>
+          <p:spPr>
+            <a:xfrm rot="1080000" flipH="1">
+              <a:off x="10373882" y="524355"/>
+              <a:ext cx="3394" cy="182880"/>
+            </a:xfrm>
+            <a:prstGeom prst="line">
+              <a:avLst/>
+            </a:prstGeom>
+            <a:ln>
+              <a:solidFill>
+                <a:srgbClr val="FFFFFF">
+                  <a:alpha val="30196"/>
+                </a:srgbClr>
+              </a:solidFill>
+            </a:ln>
+          </p:spPr>
+          <p:style>
+            <a:lnRef idx="1">
+              <a:schemeClr val="accent1"/>
+            </a:lnRef>
+            <a:fillRef idx="0">
+              <a:schemeClr val="accent1"/>
+            </a:fillRef>
+            <a:effectRef idx="0">
+              <a:schemeClr val="accent1"/>
+            </a:effectRef>
+            <a:fontRef idx="minor">
+              <a:schemeClr val="tx1"/>
+            </a:fontRef>
+          </p:style>
+        </p:cxnSp>
+        <p:cxnSp>
+          <p:nvCxnSpPr>
+            <p:cNvPr id="31" name="Straight Connector 30">
+              <a:extLst>
+                <a:ext uri="{FF2B5EF4-FFF2-40B4-BE49-F238E27FC236}">
+                  <a16:creationId xmlns:a16="http://schemas.microsoft.com/office/drawing/2014/main" id="{2B6E97A3-E95A-4D79-A8F8-1945EA2634FB}"/>
+                </a:ext>
+                <a:ext uri="{C183D7F6-B498-43B3-948B-1728B52AA6E4}">
+                  <adec:decorative xmlns:adec="http://schemas.microsoft.com/office/drawing/2017/decorative" val="1"/>
+                </a:ext>
+              </a:extLst>
+            </p:cNvPr>
+            <p:cNvCxnSpPr/>
+            <p:nvPr>
+              <p:extLst>
+                <p:ext uri="{386F3935-93C4-4BCD-93E2-E3B085C9AB24}">
+                  <p16:designElem xmlns:p16="http://schemas.microsoft.com/office/powerpoint/2015/main" val="1"/>
+                </p:ext>
+              </p:extLst>
+            </p:nvPr>
+          </p:nvCxnSpPr>
+          <p:spPr>
+            <a:xfrm rot="1200000" flipH="1">
+              <a:off x="10505632" y="570628"/>
+              <a:ext cx="3394" cy="182880"/>
+            </a:xfrm>
+            <a:prstGeom prst="line">
+              <a:avLst/>
+            </a:prstGeom>
+            <a:ln>
+              <a:solidFill>
+                <a:srgbClr val="FFFFFF">
+                  <a:alpha val="30196"/>
+                </a:srgbClr>
+              </a:solidFill>
+            </a:ln>
+          </p:spPr>
+          <p:style>
+            <a:lnRef idx="1">
+              <a:schemeClr val="accent1"/>
+            </a:lnRef>
+            <a:fillRef idx="0">
+              <a:schemeClr val="accent1"/>
+            </a:fillRef>
+            <a:effectRef idx="0">
+              <a:schemeClr val="accent1"/>
+            </a:effectRef>
+            <a:fontRef idx="minor">
+              <a:schemeClr val="tx1"/>
+            </a:fontRef>
+          </p:style>
+        </p:cxnSp>
+        <p:cxnSp>
+          <p:nvCxnSpPr>
+            <p:cNvPr id="32" name="Straight Connector 31">
+              <a:extLst>
+                <a:ext uri="{FF2B5EF4-FFF2-40B4-BE49-F238E27FC236}">
+                  <a16:creationId xmlns:a16="http://schemas.microsoft.com/office/drawing/2014/main" id="{9F4ABF86-0905-4DE8-8F0B-D10D3D6F9C41}"/>
+                </a:ext>
+                <a:ext uri="{C183D7F6-B498-43B3-948B-1728B52AA6E4}">
+                  <adec:decorative xmlns:adec="http://schemas.microsoft.com/office/drawing/2017/decorative" val="1"/>
+                </a:ext>
+              </a:extLst>
+            </p:cNvPr>
+            <p:cNvCxnSpPr/>
+            <p:nvPr>
+              <p:extLst>
+                <p:ext uri="{386F3935-93C4-4BCD-93E2-E3B085C9AB24}">
+                  <p16:designElem xmlns:p16="http://schemas.microsoft.com/office/powerpoint/2015/main" val="1"/>
+                </p:ext>
+              </p:extLst>
+            </p:nvPr>
+          </p:nvCxnSpPr>
+          <p:spPr>
+            <a:xfrm rot="1320000" flipH="1">
+              <a:off x="10637382" y="621344"/>
+              <a:ext cx="3394" cy="182880"/>
+            </a:xfrm>
+            <a:prstGeom prst="line">
+              <a:avLst/>
+            </a:prstGeom>
+            <a:ln>
+              <a:solidFill>
+                <a:srgbClr val="FFFFFF">
+                  <a:alpha val="30196"/>
+                </a:srgbClr>
+              </a:solidFill>
+            </a:ln>
+          </p:spPr>
+          <p:style>
+            <a:lnRef idx="1">
+              <a:schemeClr val="accent1"/>
+            </a:lnRef>
+            <a:fillRef idx="0">
+              <a:schemeClr val="accent1"/>
+            </a:fillRef>
+            <a:effectRef idx="0">
+              <a:schemeClr val="accent1"/>
+            </a:effectRef>
+            <a:fontRef idx="minor">
+              <a:schemeClr val="tx1"/>
+            </a:fontRef>
+          </p:style>
+        </p:cxnSp>
+        <p:cxnSp>
+          <p:nvCxnSpPr>
+            <p:cNvPr id="33" name="Straight Connector 32">
+              <a:extLst>
+                <a:ext uri="{FF2B5EF4-FFF2-40B4-BE49-F238E27FC236}">
+                  <a16:creationId xmlns:a16="http://schemas.microsoft.com/office/drawing/2014/main" id="{4FAAFEF7-DFA1-48C7-9E4E-FF7B1453C718}"/>
+                </a:ext>
+                <a:ext uri="{C183D7F6-B498-43B3-948B-1728B52AA6E4}">
+                  <adec:decorative xmlns:adec="http://schemas.microsoft.com/office/drawing/2017/decorative" val="1"/>
+                </a:ext>
+              </a:extLst>
+            </p:cNvPr>
+            <p:cNvCxnSpPr/>
+            <p:nvPr>
+              <p:extLst>
+                <p:ext uri="{386F3935-93C4-4BCD-93E2-E3B085C9AB24}">
+                  <p16:designElem xmlns:p16="http://schemas.microsoft.com/office/powerpoint/2015/main" val="1"/>
+                </p:ext>
+              </p:extLst>
+            </p:nvPr>
+          </p:nvCxnSpPr>
+          <p:spPr>
+            <a:xfrm rot="1440000" flipH="1">
+              <a:off x="10760965" y="690439"/>
+              <a:ext cx="3394" cy="182880"/>
+            </a:xfrm>
+            <a:prstGeom prst="line">
+              <a:avLst/>
+            </a:prstGeom>
+            <a:ln>
+              <a:solidFill>
+                <a:srgbClr val="FFFFFF">
+                  <a:alpha val="30196"/>
+                </a:srgbClr>
+              </a:solidFill>
+            </a:ln>
+          </p:spPr>
+          <p:style>
+            <a:lnRef idx="1">
+              <a:schemeClr val="accent1"/>
+            </a:lnRef>
+            <a:fillRef idx="0">
+              <a:schemeClr val="accent1"/>
+            </a:fillRef>
+            <a:effectRef idx="0">
+              <a:schemeClr val="accent1"/>
+            </a:effectRef>
+            <a:fontRef idx="minor">
+              <a:schemeClr val="tx1"/>
+            </a:fontRef>
+          </p:style>
+        </p:cxnSp>
+        <p:cxnSp>
+          <p:nvCxnSpPr>
+            <p:cNvPr id="34" name="Straight Connector 33">
+              <a:extLst>
+                <a:ext uri="{FF2B5EF4-FFF2-40B4-BE49-F238E27FC236}">
+                  <a16:creationId xmlns:a16="http://schemas.microsoft.com/office/drawing/2014/main" id="{ED828735-DFD9-4894-8461-77A2FB0C9276}"/>
+                </a:ext>
+                <a:ext uri="{C183D7F6-B498-43B3-948B-1728B52AA6E4}">
+                  <adec:decorative xmlns:adec="http://schemas.microsoft.com/office/drawing/2017/decorative" val="1"/>
+                </a:ext>
+              </a:extLst>
+            </p:cNvPr>
+            <p:cNvCxnSpPr/>
+            <p:nvPr>
+              <p:extLst>
+                <p:ext uri="{386F3935-93C4-4BCD-93E2-E3B085C9AB24}">
+                  <p16:designElem xmlns:p16="http://schemas.microsoft.com/office/powerpoint/2015/main" val="1"/>
+                </p:ext>
+              </p:extLst>
+            </p:nvPr>
+          </p:nvCxnSpPr>
+          <p:spPr>
+            <a:xfrm rot="1620000" flipH="1">
+              <a:off x="10888991" y="755091"/>
+              <a:ext cx="3394" cy="182880"/>
+            </a:xfrm>
+            <a:prstGeom prst="line">
+              <a:avLst/>
+            </a:prstGeom>
+            <a:ln>
+              <a:solidFill>
+                <a:srgbClr val="FFFFFF">
+                  <a:alpha val="30196"/>
+                </a:srgbClr>
+              </a:solidFill>
+            </a:ln>
+          </p:spPr>
+          <p:style>
+            <a:lnRef idx="1">
+              <a:schemeClr val="accent1"/>
+            </a:lnRef>
+            <a:fillRef idx="0">
+              <a:schemeClr val="accent1"/>
+            </a:fillRef>
+            <a:effectRef idx="0">
+              <a:schemeClr val="accent1"/>
+            </a:effectRef>
+            <a:fontRef idx="minor">
+              <a:schemeClr val="tx1"/>
+            </a:fontRef>
+          </p:style>
+        </p:cxnSp>
+        <p:cxnSp>
+          <p:nvCxnSpPr>
+            <p:cNvPr id="35" name="Straight Connector 34">
+              <a:extLst>
+                <a:ext uri="{FF2B5EF4-FFF2-40B4-BE49-F238E27FC236}">
+                  <a16:creationId xmlns:a16="http://schemas.microsoft.com/office/drawing/2014/main" id="{7A6C2585-E93E-489D-8819-FCEE3CFF11C5}"/>
+                </a:ext>
+                <a:ext uri="{C183D7F6-B498-43B3-948B-1728B52AA6E4}">
+                  <adec:decorative xmlns:adec="http://schemas.microsoft.com/office/drawing/2017/decorative" val="1"/>
+                </a:ext>
+              </a:extLst>
+            </p:cNvPr>
+            <p:cNvCxnSpPr/>
+            <p:nvPr>
+              <p:extLst>
+                <p:ext uri="{386F3935-93C4-4BCD-93E2-E3B085C9AB24}">
+                  <p16:designElem xmlns:p16="http://schemas.microsoft.com/office/powerpoint/2015/main" val="1"/>
+                </p:ext>
+              </p:extLst>
+            </p:nvPr>
+          </p:nvCxnSpPr>
+          <p:spPr>
+            <a:xfrm rot="1740000" flipH="1">
+              <a:off x="11010193" y="819743"/>
+              <a:ext cx="3394" cy="182880"/>
+            </a:xfrm>
+            <a:prstGeom prst="line">
+              <a:avLst/>
+            </a:prstGeom>
+            <a:ln>
+              <a:solidFill>
+                <a:srgbClr val="FFFFFF">
+                  <a:alpha val="30196"/>
+                </a:srgbClr>
+              </a:solidFill>
+            </a:ln>
+          </p:spPr>
+          <p:style>
+            <a:lnRef idx="1">
+              <a:schemeClr val="accent1"/>
+            </a:lnRef>
+            <a:fillRef idx="0">
+              <a:schemeClr val="accent1"/>
+            </a:fillRef>
+            <a:effectRef idx="0">
+              <a:schemeClr val="accent1"/>
+            </a:effectRef>
+            <a:fontRef idx="minor">
+              <a:schemeClr val="tx1"/>
+            </a:fontRef>
+          </p:style>
+        </p:cxnSp>
+        <p:cxnSp>
+          <p:nvCxnSpPr>
+            <p:cNvPr id="36" name="Straight Connector 35">
+              <a:extLst>
+                <a:ext uri="{FF2B5EF4-FFF2-40B4-BE49-F238E27FC236}">
+                  <a16:creationId xmlns:a16="http://schemas.microsoft.com/office/drawing/2014/main" id="{E57C1F25-FC5C-4082-B4F6-888F8E467EE5}"/>
+                </a:ext>
+                <a:ext uri="{C183D7F6-B498-43B3-948B-1728B52AA6E4}">
+                  <adec:decorative xmlns:adec="http://schemas.microsoft.com/office/drawing/2017/decorative" val="1"/>
+                </a:ext>
+              </a:extLst>
+            </p:cNvPr>
+            <p:cNvCxnSpPr/>
+            <p:nvPr>
+              <p:extLst>
+                <p:ext uri="{386F3935-93C4-4BCD-93E2-E3B085C9AB24}">
+                  <p16:designElem xmlns:p16="http://schemas.microsoft.com/office/powerpoint/2015/main" val="1"/>
+                </p:ext>
+              </p:extLst>
+            </p:nvPr>
+          </p:nvCxnSpPr>
+          <p:spPr>
+            <a:xfrm rot="1860000" flipH="1">
+              <a:off x="11129014" y="895662"/>
+              <a:ext cx="3394" cy="182880"/>
+            </a:xfrm>
+            <a:prstGeom prst="line">
+              <a:avLst/>
+            </a:prstGeom>
+            <a:ln>
+              <a:solidFill>
+                <a:srgbClr val="FFFFFF">
+                  <a:alpha val="30196"/>
+                </a:srgbClr>
+              </a:solidFill>
+            </a:ln>
+          </p:spPr>
+          <p:style>
+            <a:lnRef idx="1">
+              <a:schemeClr val="accent1"/>
+            </a:lnRef>
+            <a:fillRef idx="0">
+              <a:schemeClr val="accent1"/>
+            </a:fillRef>
+            <a:effectRef idx="0">
+              <a:schemeClr val="accent1"/>
+            </a:effectRef>
+            <a:fontRef idx="minor">
+              <a:schemeClr val="tx1"/>
+            </a:fontRef>
+          </p:style>
+        </p:cxnSp>
+        <p:cxnSp>
+          <p:nvCxnSpPr>
+            <p:cNvPr id="37" name="Straight Connector 36">
+              <a:extLst>
+                <a:ext uri="{FF2B5EF4-FFF2-40B4-BE49-F238E27FC236}">
+                  <a16:creationId xmlns:a16="http://schemas.microsoft.com/office/drawing/2014/main" id="{F5DF4BDB-CA1D-4DA1-8D26-6BAEE0A21AE7}"/>
+                </a:ext>
+                <a:ext uri="{C183D7F6-B498-43B3-948B-1728B52AA6E4}">
+                  <adec:decorative xmlns:adec="http://schemas.microsoft.com/office/drawing/2017/decorative" val="1"/>
+                </a:ext>
+              </a:extLst>
+            </p:cNvPr>
+            <p:cNvCxnSpPr/>
+            <p:nvPr>
+              <p:extLst>
+                <p:ext uri="{386F3935-93C4-4BCD-93E2-E3B085C9AB24}">
+                  <p16:designElem xmlns:p16="http://schemas.microsoft.com/office/powerpoint/2015/main" val="1"/>
+                </p:ext>
+              </p:extLst>
+            </p:nvPr>
+          </p:nvCxnSpPr>
+          <p:spPr>
+            <a:xfrm rot="1980000" flipH="1">
+              <a:off x="11249872" y="968091"/>
+              <a:ext cx="3394" cy="182880"/>
+            </a:xfrm>
+            <a:prstGeom prst="line">
+              <a:avLst/>
+            </a:prstGeom>
+            <a:ln>
+              <a:solidFill>
+                <a:srgbClr val="FFFFFF">
+                  <a:alpha val="30196"/>
+                </a:srgbClr>
+              </a:solidFill>
+            </a:ln>
+          </p:spPr>
+          <p:style>
+            <a:lnRef idx="1">
+              <a:schemeClr val="accent1"/>
+            </a:lnRef>
+            <a:fillRef idx="0">
+              <a:schemeClr val="accent1"/>
+            </a:fillRef>
+            <a:effectRef idx="0">
+              <a:schemeClr val="accent1"/>
+            </a:effectRef>
+            <a:fontRef idx="minor">
+              <a:schemeClr val="tx1"/>
+            </a:fontRef>
+          </p:style>
+        </p:cxnSp>
+        <p:cxnSp>
+          <p:nvCxnSpPr>
+            <p:cNvPr id="38" name="Straight Connector 37">
+              <a:extLst>
+                <a:ext uri="{FF2B5EF4-FFF2-40B4-BE49-F238E27FC236}">
+                  <a16:creationId xmlns:a16="http://schemas.microsoft.com/office/drawing/2014/main" id="{3315D2A0-DDA4-4A25-9CC7-7F90CCF0C409}"/>
+                </a:ext>
+                <a:ext uri="{C183D7F6-B498-43B3-948B-1728B52AA6E4}">
+                  <adec:decorative xmlns:adec="http://schemas.microsoft.com/office/drawing/2017/decorative" val="1"/>
+                </a:ext>
+              </a:extLst>
+            </p:cNvPr>
+            <p:cNvCxnSpPr/>
+            <p:nvPr>
+              <p:extLst>
+                <p:ext uri="{386F3935-93C4-4BCD-93E2-E3B085C9AB24}">
+                  <p16:designElem xmlns:p16="http://schemas.microsoft.com/office/powerpoint/2015/main" val="1"/>
+                </p:ext>
+              </p:extLst>
+            </p:nvPr>
+          </p:nvCxnSpPr>
+          <p:spPr>
+            <a:xfrm rot="2160000" flipH="1">
+              <a:off x="11366875" y="1048084"/>
+              <a:ext cx="3394" cy="182880"/>
+            </a:xfrm>
+            <a:prstGeom prst="line">
+              <a:avLst/>
+            </a:prstGeom>
+            <a:ln>
+              <a:solidFill>
+                <a:srgbClr val="FFFFFF">
+                  <a:alpha val="30196"/>
+                </a:srgbClr>
+              </a:solidFill>
+            </a:ln>
+          </p:spPr>
+          <p:style>
+            <a:lnRef idx="1">
+              <a:schemeClr val="accent1"/>
+            </a:lnRef>
+            <a:fillRef idx="0">
+              <a:schemeClr val="accent1"/>
+            </a:fillRef>
+            <a:effectRef idx="0">
+              <a:schemeClr val="accent1"/>
+            </a:effectRef>
+            <a:fontRef idx="minor">
+              <a:schemeClr val="tx1"/>
+            </a:fontRef>
+          </p:style>
+        </p:cxnSp>
+        <p:cxnSp>
+          <p:nvCxnSpPr>
+            <p:cNvPr id="39" name="Straight Connector 38">
+              <a:extLst>
+                <a:ext uri="{FF2B5EF4-FFF2-40B4-BE49-F238E27FC236}">
+                  <a16:creationId xmlns:a16="http://schemas.microsoft.com/office/drawing/2014/main" id="{75312B72-7E7D-4B0B-960E-7D7C9540EBDC}"/>
+                </a:ext>
+                <a:ext uri="{C183D7F6-B498-43B3-948B-1728B52AA6E4}">
+                  <adec:decorative xmlns:adec="http://schemas.microsoft.com/office/drawing/2017/decorative" val="1"/>
+                </a:ext>
+              </a:extLst>
+            </p:cNvPr>
+            <p:cNvCxnSpPr/>
+            <p:nvPr>
+              <p:extLst>
+                <p:ext uri="{386F3935-93C4-4BCD-93E2-E3B085C9AB24}">
+                  <p16:designElem xmlns:p16="http://schemas.microsoft.com/office/powerpoint/2015/main" val="1"/>
+                </p:ext>
+              </p:extLst>
+            </p:nvPr>
+          </p:nvCxnSpPr>
+          <p:spPr>
+            <a:xfrm rot="2280000" flipH="1">
+              <a:off x="11474058" y="1131525"/>
+              <a:ext cx="3394" cy="182880"/>
+            </a:xfrm>
+            <a:prstGeom prst="line">
+              <a:avLst/>
+            </a:prstGeom>
+            <a:ln>
+              <a:solidFill>
+                <a:srgbClr val="FFFFFF">
+                  <a:alpha val="30196"/>
+                </a:srgbClr>
+              </a:solidFill>
+            </a:ln>
+          </p:spPr>
+          <p:style>
+            <a:lnRef idx="1">
+              <a:schemeClr val="accent1"/>
+            </a:lnRef>
+            <a:fillRef idx="0">
+              <a:schemeClr val="accent1"/>
+            </a:fillRef>
+            <a:effectRef idx="0">
+              <a:schemeClr val="accent1"/>
+            </a:effectRef>
+            <a:fontRef idx="minor">
+              <a:schemeClr val="tx1"/>
+            </a:fontRef>
+          </p:style>
+        </p:cxnSp>
+        <p:cxnSp>
+          <p:nvCxnSpPr>
+            <p:cNvPr id="40" name="Straight Connector 39">
+              <a:extLst>
+                <a:ext uri="{FF2B5EF4-FFF2-40B4-BE49-F238E27FC236}">
+                  <a16:creationId xmlns:a16="http://schemas.microsoft.com/office/drawing/2014/main" id="{C48B42BB-3C0E-4546-957B-AB593E308C93}"/>
+                </a:ext>
+                <a:ext uri="{C183D7F6-B498-43B3-948B-1728B52AA6E4}">
+                  <adec:decorative xmlns:adec="http://schemas.microsoft.com/office/drawing/2017/decorative" val="1"/>
+                </a:ext>
+              </a:extLst>
+            </p:cNvPr>
+            <p:cNvCxnSpPr/>
+            <p:nvPr>
+              <p:extLst>
+                <p:ext uri="{386F3935-93C4-4BCD-93E2-E3B085C9AB24}">
+                  <p16:designElem xmlns:p16="http://schemas.microsoft.com/office/powerpoint/2015/main" val="1"/>
+                </p:ext>
+              </p:extLst>
+            </p:nvPr>
+          </p:nvCxnSpPr>
+          <p:spPr>
+            <a:xfrm rot="2400000" flipH="1">
+              <a:off x="11583303" y="1221790"/>
+              <a:ext cx="3394" cy="182880"/>
+            </a:xfrm>
+            <a:prstGeom prst="line">
+              <a:avLst/>
+            </a:prstGeom>
+            <a:ln>
+              <a:solidFill>
+                <a:srgbClr val="FFFFFF">
+                  <a:alpha val="30196"/>
+                </a:srgbClr>
+              </a:solidFill>
+            </a:ln>
+          </p:spPr>
+          <p:style>
+            <a:lnRef idx="1">
+              <a:schemeClr val="accent1"/>
+            </a:lnRef>
+            <a:fillRef idx="0">
+              <a:schemeClr val="accent1"/>
+            </a:fillRef>
+            <a:effectRef idx="0">
+              <a:schemeClr val="accent1"/>
+            </a:effectRef>
+            <a:fontRef idx="minor">
+              <a:schemeClr val="tx1"/>
+            </a:fontRef>
+          </p:style>
+        </p:cxnSp>
+        <p:cxnSp>
+          <p:nvCxnSpPr>
+            <p:cNvPr id="41" name="Straight Connector 40">
+              <a:extLst>
+                <a:ext uri="{FF2B5EF4-FFF2-40B4-BE49-F238E27FC236}">
+                  <a16:creationId xmlns:a16="http://schemas.microsoft.com/office/drawing/2014/main" id="{437809D5-5F69-4BC6-A661-44B2A8A68220}"/>
+                </a:ext>
+                <a:ext uri="{C183D7F6-B498-43B3-948B-1728B52AA6E4}">
+                  <adec:decorative xmlns:adec="http://schemas.microsoft.com/office/drawing/2017/decorative" val="1"/>
+                </a:ext>
+              </a:extLst>
+            </p:cNvPr>
+            <p:cNvCxnSpPr/>
+            <p:nvPr>
+              <p:extLst>
+                <p:ext uri="{386F3935-93C4-4BCD-93E2-E3B085C9AB24}">
+                  <p16:designElem xmlns:p16="http://schemas.microsoft.com/office/powerpoint/2015/main" val="1"/>
+                </p:ext>
+              </p:extLst>
+            </p:nvPr>
+          </p:nvCxnSpPr>
+          <p:spPr>
+            <a:xfrm rot="2520000" flipH="1">
+              <a:off x="11685344" y="1321772"/>
+              <a:ext cx="3394" cy="182880"/>
+            </a:xfrm>
+            <a:prstGeom prst="line">
+              <a:avLst/>
+            </a:prstGeom>
+            <a:ln>
+              <a:solidFill>
+                <a:srgbClr val="FFFFFF">
+                  <a:alpha val="30196"/>
+                </a:srgbClr>
+              </a:solidFill>
+            </a:ln>
+          </p:spPr>
+          <p:style>
+            <a:lnRef idx="1">
+              <a:schemeClr val="accent1"/>
+            </a:lnRef>
+            <a:fillRef idx="0">
+              <a:schemeClr val="accent1"/>
+            </a:fillRef>
+            <a:effectRef idx="0">
+              <a:schemeClr val="accent1"/>
+            </a:effectRef>
+            <a:fontRef idx="minor">
+              <a:schemeClr val="tx1"/>
+            </a:fontRef>
+          </p:style>
+        </p:cxnSp>
+        <p:cxnSp>
+          <p:nvCxnSpPr>
+            <p:cNvPr id="42" name="Straight Connector 41">
+              <a:extLst>
+                <a:ext uri="{FF2B5EF4-FFF2-40B4-BE49-F238E27FC236}">
+                  <a16:creationId xmlns:a16="http://schemas.microsoft.com/office/drawing/2014/main" id="{B269CB4C-8BB5-4F63-8961-7EB8FE56D44A}"/>
+                </a:ext>
+                <a:ext uri="{C183D7F6-B498-43B3-948B-1728B52AA6E4}">
+                  <adec:decorative xmlns:adec="http://schemas.microsoft.com/office/drawing/2017/decorative" val="1"/>
+                </a:ext>
+              </a:extLst>
+            </p:cNvPr>
+            <p:cNvCxnSpPr/>
+            <p:nvPr>
+              <p:extLst>
+                <p:ext uri="{386F3935-93C4-4BCD-93E2-E3B085C9AB24}">
+                  <p16:designElem xmlns:p16="http://schemas.microsoft.com/office/powerpoint/2015/main" val="1"/>
+                </p:ext>
+              </p:extLst>
+            </p:nvPr>
+          </p:nvCxnSpPr>
+          <p:spPr>
+            <a:xfrm rot="2700000" flipH="1">
+              <a:off x="11787704" y="1417630"/>
+              <a:ext cx="3394" cy="182880"/>
+            </a:xfrm>
+            <a:prstGeom prst="line">
+              <a:avLst/>
+            </a:prstGeom>
+            <a:ln>
+              <a:solidFill>
+                <a:srgbClr val="FFFFFF">
+                  <a:alpha val="30196"/>
+                </a:srgbClr>
+              </a:solidFill>
+            </a:ln>
+          </p:spPr>
+          <p:style>
+            <a:lnRef idx="1">
+              <a:schemeClr val="accent1"/>
+            </a:lnRef>
+            <a:fillRef idx="0">
+              <a:schemeClr val="accent1"/>
+            </a:fillRef>
+            <a:effectRef idx="0">
+              <a:schemeClr val="accent1"/>
+            </a:effectRef>
+            <a:fontRef idx="minor">
+              <a:schemeClr val="tx1"/>
+            </a:fontRef>
+          </p:style>
+        </p:cxnSp>
+        <p:cxnSp>
+          <p:nvCxnSpPr>
+            <p:cNvPr id="43" name="Straight Connector 42">
+              <a:extLst>
+                <a:ext uri="{FF2B5EF4-FFF2-40B4-BE49-F238E27FC236}">
+                  <a16:creationId xmlns:a16="http://schemas.microsoft.com/office/drawing/2014/main" id="{D5E7B60C-3F52-49EA-99F5-BE42AF88DD33}"/>
+                </a:ext>
+                <a:ext uri="{C183D7F6-B498-43B3-948B-1728B52AA6E4}">
+                  <adec:decorative xmlns:adec="http://schemas.microsoft.com/office/drawing/2017/decorative" val="1"/>
+                </a:ext>
+              </a:extLst>
+            </p:cNvPr>
+            <p:cNvCxnSpPr/>
+            <p:nvPr>
+              <p:extLst>
+                <p:ext uri="{386F3935-93C4-4BCD-93E2-E3B085C9AB24}">
+                  <p16:designElem xmlns:p16="http://schemas.microsoft.com/office/powerpoint/2015/main" val="1"/>
+                </p:ext>
+              </p:extLst>
+            </p:nvPr>
+          </p:nvCxnSpPr>
+          <p:spPr>
+            <a:xfrm rot="2820000" flipH="1">
+              <a:off x="11880859" y="1517931"/>
+              <a:ext cx="3394" cy="182880"/>
+            </a:xfrm>
+            <a:prstGeom prst="line">
+              <a:avLst/>
+            </a:prstGeom>
+            <a:ln>
+              <a:solidFill>
+                <a:srgbClr val="FFFFFF">
+                  <a:alpha val="30196"/>
+                </a:srgbClr>
+              </a:solidFill>
+            </a:ln>
+          </p:spPr>
+          <p:style>
+            <a:lnRef idx="1">
+              <a:schemeClr val="accent1"/>
+            </a:lnRef>
+            <a:fillRef idx="0">
+              <a:schemeClr val="accent1"/>
+            </a:fillRef>
+            <a:effectRef idx="0">
+              <a:schemeClr val="accent1"/>
+            </a:effectRef>
+            <a:fontRef idx="minor">
+              <a:schemeClr val="tx1"/>
+            </a:fontRef>
+          </p:style>
+        </p:cxnSp>
+        <p:cxnSp>
+          <p:nvCxnSpPr>
+            <p:cNvPr id="44" name="Straight Connector 43">
+              <a:extLst>
+                <a:ext uri="{FF2B5EF4-FFF2-40B4-BE49-F238E27FC236}">
+                  <a16:creationId xmlns:a16="http://schemas.microsoft.com/office/drawing/2014/main" id="{1C5E885C-0F0D-4E11-8B78-4CE951E26921}"/>
+                </a:ext>
+                <a:ext uri="{C183D7F6-B498-43B3-948B-1728B52AA6E4}">
+                  <adec:decorative xmlns:adec="http://schemas.microsoft.com/office/drawing/2017/decorative" val="1"/>
+                </a:ext>
+              </a:extLst>
+            </p:cNvPr>
+            <p:cNvCxnSpPr/>
+            <p:nvPr>
+              <p:extLst>
+                <p:ext uri="{386F3935-93C4-4BCD-93E2-E3B085C9AB24}">
+                  <p16:designElem xmlns:p16="http://schemas.microsoft.com/office/powerpoint/2015/main" val="1"/>
+                </p:ext>
+              </p:extLst>
+            </p:nvPr>
+          </p:nvCxnSpPr>
+          <p:spPr>
+            <a:xfrm rot="2940000" flipH="1">
+              <a:off x="11969252" y="1627437"/>
+              <a:ext cx="3394" cy="182880"/>
+            </a:xfrm>
+            <a:prstGeom prst="line">
+              <a:avLst/>
+            </a:prstGeom>
+            <a:ln>
+              <a:solidFill>
+                <a:srgbClr val="FFFFFF">
+                  <a:alpha val="30196"/>
+                </a:srgbClr>
+              </a:solidFill>
+            </a:ln>
+          </p:spPr>
+          <p:style>
+            <a:lnRef idx="1">
+              <a:schemeClr val="accent1"/>
+            </a:lnRef>
+            <a:fillRef idx="0">
+              <a:schemeClr val="accent1"/>
+            </a:fillRef>
+            <a:effectRef idx="0">
+              <a:schemeClr val="accent1"/>
+            </a:effectRef>
+            <a:fontRef idx="minor">
+              <a:schemeClr val="tx1"/>
+            </a:fontRef>
+          </p:style>
+        </p:cxnSp>
+        <p:cxnSp>
+          <p:nvCxnSpPr>
+            <p:cNvPr id="45" name="Straight Connector 44">
+              <a:extLst>
+                <a:ext uri="{FF2B5EF4-FFF2-40B4-BE49-F238E27FC236}">
+                  <a16:creationId xmlns:a16="http://schemas.microsoft.com/office/drawing/2014/main" id="{4BFA6E20-F564-4CA4-9150-FDD50B02CD24}"/>
+                </a:ext>
+                <a:ext uri="{C183D7F6-B498-43B3-948B-1728B52AA6E4}">
+                  <adec:decorative xmlns:adec="http://schemas.microsoft.com/office/drawing/2017/decorative" val="1"/>
+                </a:ext>
+              </a:extLst>
+            </p:cNvPr>
+            <p:cNvCxnSpPr/>
+            <p:nvPr>
+              <p:extLst>
+                <p:ext uri="{386F3935-93C4-4BCD-93E2-E3B085C9AB24}">
+                  <p16:designElem xmlns:p16="http://schemas.microsoft.com/office/powerpoint/2015/main" val="1"/>
+                </p:ext>
+              </p:extLst>
+            </p:nvPr>
+          </p:nvCxnSpPr>
+          <p:spPr>
+            <a:xfrm rot="3060000" flipH="1">
+              <a:off x="12062016" y="1736011"/>
+              <a:ext cx="3394" cy="182880"/>
+            </a:xfrm>
+            <a:prstGeom prst="line">
+              <a:avLst/>
+            </a:prstGeom>
+            <a:ln>
+              <a:solidFill>
+                <a:srgbClr val="FFFFFF">
+                  <a:alpha val="30196"/>
+                </a:srgbClr>
+              </a:solidFill>
+            </a:ln>
+          </p:spPr>
+          <p:style>
+            <a:lnRef idx="1">
+              <a:schemeClr val="accent1"/>
+            </a:lnRef>
+            <a:fillRef idx="0">
+              <a:schemeClr val="accent1"/>
+            </a:fillRef>
+            <a:effectRef idx="0">
+              <a:schemeClr val="accent1"/>
+            </a:effectRef>
+            <a:fontRef idx="minor">
+              <a:schemeClr val="tx1"/>
+            </a:fontRef>
+          </p:style>
+        </p:cxnSp>
+        <p:cxnSp>
+          <p:nvCxnSpPr>
+            <p:cNvPr id="46" name="Straight Connector 45">
+              <a:extLst>
+                <a:ext uri="{FF2B5EF4-FFF2-40B4-BE49-F238E27FC236}">
+                  <a16:creationId xmlns:a16="http://schemas.microsoft.com/office/drawing/2014/main" id="{C3C02C6B-B913-486F-ACAE-432DE1F7704D}"/>
+                </a:ext>
+                <a:ext uri="{C183D7F6-B498-43B3-948B-1728B52AA6E4}">
+                  <adec:decorative xmlns:adec="http://schemas.microsoft.com/office/drawing/2017/decorative" val="1"/>
+                </a:ext>
+              </a:extLst>
+            </p:cNvPr>
+            <p:cNvCxnSpPr/>
+            <p:nvPr>
+              <p:extLst>
+                <p:ext uri="{386F3935-93C4-4BCD-93E2-E3B085C9AB24}">
+                  <p16:designElem xmlns:p16="http://schemas.microsoft.com/office/powerpoint/2015/main" val="1"/>
+                </p:ext>
+              </p:extLst>
+            </p:nvPr>
+          </p:nvCxnSpPr>
+          <p:spPr>
+            <a:xfrm flipH="1">
+              <a:off x="12074680" y="1910249"/>
+              <a:ext cx="117320" cy="82912"/>
+            </a:xfrm>
+            <a:prstGeom prst="line">
+              <a:avLst/>
+            </a:prstGeom>
+            <a:ln>
+              <a:solidFill>
+                <a:srgbClr val="FFFFFF">
+                  <a:alpha val="30196"/>
+                </a:srgbClr>
+              </a:solidFill>
+            </a:ln>
+          </p:spPr>
+          <p:style>
+            <a:lnRef idx="1">
+              <a:schemeClr val="accent1"/>
+            </a:lnRef>
+            <a:fillRef idx="0">
+              <a:schemeClr val="accent1"/>
+            </a:fillRef>
+            <a:effectRef idx="0">
+              <a:schemeClr val="accent1"/>
+            </a:effectRef>
+            <a:fontRef idx="minor">
+              <a:schemeClr val="tx1"/>
+            </a:fontRef>
+          </p:style>
+        </p:cxnSp>
+        <p:cxnSp>
+          <p:nvCxnSpPr>
+            <p:cNvPr id="47" name="Straight Connector 46">
+              <a:extLst>
+                <a:ext uri="{FF2B5EF4-FFF2-40B4-BE49-F238E27FC236}">
+                  <a16:creationId xmlns:a16="http://schemas.microsoft.com/office/drawing/2014/main" id="{B6B5EE64-D401-45A4-82D4-85D4BF5C8EC6}"/>
+                </a:ext>
+                <a:ext uri="{C183D7F6-B498-43B3-948B-1728B52AA6E4}">
+                  <adec:decorative xmlns:adec="http://schemas.microsoft.com/office/drawing/2017/decorative" val="1"/>
+                </a:ext>
+              </a:extLst>
+            </p:cNvPr>
+            <p:cNvCxnSpPr/>
+            <p:nvPr>
+              <p:extLst>
+                <p:ext uri="{386F3935-93C4-4BCD-93E2-E3B085C9AB24}">
+                  <p16:designElem xmlns:p16="http://schemas.microsoft.com/office/powerpoint/2015/main" val="1"/>
+                </p:ext>
+              </p:extLst>
+            </p:nvPr>
+          </p:nvCxnSpPr>
+          <p:spPr>
+            <a:xfrm flipH="1">
+              <a:off x="12149943" y="2083594"/>
+              <a:ext cx="39676" cy="21436"/>
+            </a:xfrm>
+            <a:prstGeom prst="line">
+              <a:avLst/>
+            </a:prstGeom>
+            <a:ln>
+              <a:solidFill>
+                <a:srgbClr val="FFFFFF">
+                  <a:alpha val="30196"/>
+                </a:srgbClr>
+              </a:solidFill>
+            </a:ln>
+          </p:spPr>
+          <p:style>
+            <a:lnRef idx="1">
+              <a:schemeClr val="accent1"/>
+            </a:lnRef>
+            <a:fillRef idx="0">
+              <a:schemeClr val="accent1"/>
+            </a:fillRef>
+            <a:effectRef idx="0">
+              <a:schemeClr val="accent1"/>
+            </a:effectRef>
+            <a:fontRef idx="minor">
+              <a:schemeClr val="tx1"/>
+            </a:fontRef>
+          </p:style>
+        </p:cxnSp>
+        <p:cxnSp>
+          <p:nvCxnSpPr>
+            <p:cNvPr id="48" name="Straight Connector 47">
+              <a:extLst>
+                <a:ext uri="{FF2B5EF4-FFF2-40B4-BE49-F238E27FC236}">
+                  <a16:creationId xmlns:a16="http://schemas.microsoft.com/office/drawing/2014/main" id="{5F622D05-678C-405E-A74F-8D92A9C64438}"/>
+                </a:ext>
+                <a:ext uri="{C183D7F6-B498-43B3-948B-1728B52AA6E4}">
+                  <adec:decorative xmlns:adec="http://schemas.microsoft.com/office/drawing/2017/decorative" val="1"/>
+                </a:ext>
+              </a:extLst>
+            </p:cNvPr>
+            <p:cNvCxnSpPr/>
+            <p:nvPr>
+              <p:extLst>
+                <p:ext uri="{386F3935-93C4-4BCD-93E2-E3B085C9AB24}">
+                  <p16:designElem xmlns:p16="http://schemas.microsoft.com/office/powerpoint/2015/main" val="1"/>
+                </p:ext>
+              </p:extLst>
+            </p:nvPr>
+          </p:nvCxnSpPr>
+          <p:spPr>
+            <a:xfrm rot="-180000" flipH="1">
+              <a:off x="9127990" y="334251"/>
+              <a:ext cx="3394" cy="182880"/>
+            </a:xfrm>
+            <a:prstGeom prst="line">
+              <a:avLst/>
+            </a:prstGeom>
+            <a:ln>
+              <a:solidFill>
+                <a:srgbClr val="FFFFFF">
+                  <a:alpha val="30196"/>
+                </a:srgbClr>
+              </a:solidFill>
+            </a:ln>
+          </p:spPr>
+          <p:style>
+            <a:lnRef idx="1">
+              <a:schemeClr val="accent1"/>
+            </a:lnRef>
+            <a:fillRef idx="0">
+              <a:schemeClr val="accent1"/>
+            </a:fillRef>
+            <a:effectRef idx="0">
+              <a:schemeClr val="accent1"/>
+            </a:effectRef>
+            <a:fontRef idx="minor">
+              <a:schemeClr val="tx1"/>
+            </a:fontRef>
+          </p:style>
+        </p:cxnSp>
+        <p:cxnSp>
+          <p:nvCxnSpPr>
+            <p:cNvPr id="49" name="Straight Connector 48">
+              <a:extLst>
+                <a:ext uri="{FF2B5EF4-FFF2-40B4-BE49-F238E27FC236}">
+                  <a16:creationId xmlns:a16="http://schemas.microsoft.com/office/drawing/2014/main" id="{D8E01EF1-6517-49CC-9891-1BD6D0F49D00}"/>
+                </a:ext>
+                <a:ext uri="{C183D7F6-B498-43B3-948B-1728B52AA6E4}">
+                  <adec:decorative xmlns:adec="http://schemas.microsoft.com/office/drawing/2017/decorative" val="1"/>
+                </a:ext>
+              </a:extLst>
+            </p:cNvPr>
+            <p:cNvCxnSpPr/>
+            <p:nvPr>
+              <p:extLst>
+                <p:ext uri="{386F3935-93C4-4BCD-93E2-E3B085C9AB24}">
+                  <p16:designElem xmlns:p16="http://schemas.microsoft.com/office/powerpoint/2015/main" val="1"/>
+                </p:ext>
+              </p:extLst>
+            </p:nvPr>
+          </p:nvCxnSpPr>
+          <p:spPr>
+            <a:xfrm rot="-300000" flipH="1">
+              <a:off x="8987576" y="336633"/>
+              <a:ext cx="3394" cy="182880"/>
+            </a:xfrm>
+            <a:prstGeom prst="line">
+              <a:avLst/>
+            </a:prstGeom>
+            <a:ln>
+              <a:solidFill>
+                <a:srgbClr val="FFFFFF">
+                  <a:alpha val="30196"/>
+                </a:srgbClr>
+              </a:solidFill>
+            </a:ln>
+          </p:spPr>
+          <p:style>
+            <a:lnRef idx="1">
+              <a:schemeClr val="accent1"/>
+            </a:lnRef>
+            <a:fillRef idx="0">
+              <a:schemeClr val="accent1"/>
+            </a:fillRef>
+            <a:effectRef idx="0">
+              <a:schemeClr val="accent1"/>
+            </a:effectRef>
+            <a:fontRef idx="minor">
+              <a:schemeClr val="tx1"/>
+            </a:fontRef>
+          </p:style>
+        </p:cxnSp>
+        <p:cxnSp>
+          <p:nvCxnSpPr>
+            <p:cNvPr id="50" name="Straight Connector 49">
+              <a:extLst>
+                <a:ext uri="{FF2B5EF4-FFF2-40B4-BE49-F238E27FC236}">
+                  <a16:creationId xmlns:a16="http://schemas.microsoft.com/office/drawing/2014/main" id="{EC93E79A-63A6-4782-9D2C-BC50CD3B9444}"/>
+                </a:ext>
+                <a:ext uri="{C183D7F6-B498-43B3-948B-1728B52AA6E4}">
+                  <adec:decorative xmlns:adec="http://schemas.microsoft.com/office/drawing/2017/decorative" val="1"/>
+                </a:ext>
+              </a:extLst>
+            </p:cNvPr>
+            <p:cNvCxnSpPr/>
+            <p:nvPr>
+              <p:extLst>
+                <p:ext uri="{386F3935-93C4-4BCD-93E2-E3B085C9AB24}">
+                  <p16:designElem xmlns:p16="http://schemas.microsoft.com/office/powerpoint/2015/main" val="1"/>
+                </p:ext>
+              </p:extLst>
+            </p:nvPr>
+          </p:nvCxnSpPr>
+          <p:spPr>
+            <a:xfrm rot="-420000" flipH="1">
+              <a:off x="8844859" y="351176"/>
+              <a:ext cx="3394" cy="182880"/>
+            </a:xfrm>
+            <a:prstGeom prst="line">
+              <a:avLst/>
+            </a:prstGeom>
+            <a:ln>
+              <a:solidFill>
+                <a:srgbClr val="FFFFFF">
+                  <a:alpha val="30196"/>
+                </a:srgbClr>
+              </a:solidFill>
+            </a:ln>
+          </p:spPr>
+          <p:style>
+            <a:lnRef idx="1">
+              <a:schemeClr val="accent1"/>
+            </a:lnRef>
+            <a:fillRef idx="0">
+              <a:schemeClr val="accent1"/>
+            </a:fillRef>
+            <a:effectRef idx="0">
+              <a:schemeClr val="accent1"/>
+            </a:effectRef>
+            <a:fontRef idx="minor">
+              <a:schemeClr val="tx1"/>
+            </a:fontRef>
+          </p:style>
+        </p:cxnSp>
+        <p:cxnSp>
+          <p:nvCxnSpPr>
+            <p:cNvPr id="51" name="Straight Connector 50">
+              <a:extLst>
+                <a:ext uri="{FF2B5EF4-FFF2-40B4-BE49-F238E27FC236}">
+                  <a16:creationId xmlns:a16="http://schemas.microsoft.com/office/drawing/2014/main" id="{46C4B4DB-9B57-4C69-96EB-3E1910CEF40A}"/>
+                </a:ext>
+                <a:ext uri="{C183D7F6-B498-43B3-948B-1728B52AA6E4}">
+                  <adec:decorative xmlns:adec="http://schemas.microsoft.com/office/drawing/2017/decorative" val="1"/>
+                </a:ext>
+              </a:extLst>
+            </p:cNvPr>
+            <p:cNvCxnSpPr/>
+            <p:nvPr>
+              <p:extLst>
+                <p:ext uri="{386F3935-93C4-4BCD-93E2-E3B085C9AB24}">
+                  <p16:designElem xmlns:p16="http://schemas.microsoft.com/office/powerpoint/2015/main" val="1"/>
+                </p:ext>
+              </p:extLst>
+            </p:nvPr>
+          </p:nvCxnSpPr>
+          <p:spPr>
+            <a:xfrm rot="-540000" flipH="1">
+              <a:off x="8706904" y="365719"/>
+              <a:ext cx="3394" cy="182880"/>
+            </a:xfrm>
+            <a:prstGeom prst="line">
+              <a:avLst/>
+            </a:prstGeom>
+            <a:ln>
+              <a:solidFill>
+                <a:srgbClr val="FFFFFF">
+                  <a:alpha val="30196"/>
+                </a:srgbClr>
+              </a:solidFill>
+            </a:ln>
+          </p:spPr>
+          <p:style>
+            <a:lnRef idx="1">
+              <a:schemeClr val="accent1"/>
+            </a:lnRef>
+            <a:fillRef idx="0">
+              <a:schemeClr val="accent1"/>
+            </a:fillRef>
+            <a:effectRef idx="0">
+              <a:schemeClr val="accent1"/>
+            </a:effectRef>
+            <a:fontRef idx="minor">
+              <a:schemeClr val="tx1"/>
+            </a:fontRef>
+          </p:style>
+        </p:cxnSp>
+        <p:cxnSp>
+          <p:nvCxnSpPr>
+            <p:cNvPr id="52" name="Straight Connector 51">
+              <a:extLst>
+                <a:ext uri="{FF2B5EF4-FFF2-40B4-BE49-F238E27FC236}">
+                  <a16:creationId xmlns:a16="http://schemas.microsoft.com/office/drawing/2014/main" id="{9BBDCDA7-4ECB-42B1-8524-3D30023D6B68}"/>
+                </a:ext>
+                <a:ext uri="{C183D7F6-B498-43B3-948B-1728B52AA6E4}">
+                  <adec:decorative xmlns:adec="http://schemas.microsoft.com/office/drawing/2017/decorative" val="1"/>
+                </a:ext>
+              </a:extLst>
+            </p:cNvPr>
+            <p:cNvCxnSpPr/>
+            <p:nvPr>
+              <p:extLst>
+                <p:ext uri="{386F3935-93C4-4BCD-93E2-E3B085C9AB24}">
+                  <p16:designElem xmlns:p16="http://schemas.microsoft.com/office/powerpoint/2015/main" val="1"/>
+                </p:ext>
+              </p:extLst>
+            </p:nvPr>
+          </p:nvCxnSpPr>
+          <p:spPr>
+            <a:xfrm rot="-720000" flipH="1">
+              <a:off x="8568008" y="387891"/>
+              <a:ext cx="3394" cy="182880"/>
+            </a:xfrm>
+            <a:prstGeom prst="line">
+              <a:avLst/>
+            </a:prstGeom>
+            <a:ln>
+              <a:solidFill>
+                <a:srgbClr val="FFFFFF">
+                  <a:alpha val="30196"/>
+                </a:srgbClr>
+              </a:solidFill>
+            </a:ln>
+          </p:spPr>
+          <p:style>
+            <a:lnRef idx="1">
+              <a:schemeClr val="accent1"/>
+            </a:lnRef>
+            <a:fillRef idx="0">
+              <a:schemeClr val="accent1"/>
+            </a:fillRef>
+            <a:effectRef idx="0">
+              <a:schemeClr val="accent1"/>
+            </a:effectRef>
+            <a:fontRef idx="minor">
+              <a:schemeClr val="tx1"/>
+            </a:fontRef>
+          </p:style>
+        </p:cxnSp>
+        <p:cxnSp>
+          <p:nvCxnSpPr>
+            <p:cNvPr id="53" name="Straight Connector 52">
+              <a:extLst>
+                <a:ext uri="{FF2B5EF4-FFF2-40B4-BE49-F238E27FC236}">
+                  <a16:creationId xmlns:a16="http://schemas.microsoft.com/office/drawing/2014/main" id="{C7483057-DCDA-4BC6-8E99-7EAD94E8786A}"/>
+                </a:ext>
+                <a:ext uri="{C183D7F6-B498-43B3-948B-1728B52AA6E4}">
+                  <adec:decorative xmlns:adec="http://schemas.microsoft.com/office/drawing/2017/decorative" val="1"/>
+                </a:ext>
+              </a:extLst>
+            </p:cNvPr>
+            <p:cNvCxnSpPr/>
+            <p:nvPr>
+              <p:extLst>
+                <p:ext uri="{386F3935-93C4-4BCD-93E2-E3B085C9AB24}">
+                  <p16:designElem xmlns:p16="http://schemas.microsoft.com/office/powerpoint/2015/main" val="1"/>
+                </p:ext>
+              </p:extLst>
+            </p:nvPr>
+          </p:nvCxnSpPr>
+          <p:spPr>
+            <a:xfrm rot="-840000" flipH="1">
+              <a:off x="8429112" y="410063"/>
+              <a:ext cx="3394" cy="182880"/>
+            </a:xfrm>
+            <a:prstGeom prst="line">
+              <a:avLst/>
+            </a:prstGeom>
+            <a:ln>
+              <a:solidFill>
+                <a:srgbClr val="FFFFFF">
+                  <a:alpha val="30196"/>
+                </a:srgbClr>
+              </a:solidFill>
+            </a:ln>
+          </p:spPr>
+          <p:style>
+            <a:lnRef idx="1">
+              <a:schemeClr val="accent1"/>
+            </a:lnRef>
+            <a:fillRef idx="0">
+              <a:schemeClr val="accent1"/>
+            </a:fillRef>
+            <a:effectRef idx="0">
+              <a:schemeClr val="accent1"/>
+            </a:effectRef>
+            <a:fontRef idx="minor">
+              <a:schemeClr val="tx1"/>
+            </a:fontRef>
+          </p:style>
+        </p:cxnSp>
+        <p:cxnSp>
+          <p:nvCxnSpPr>
+            <p:cNvPr id="54" name="Straight Connector 53">
+              <a:extLst>
+                <a:ext uri="{FF2B5EF4-FFF2-40B4-BE49-F238E27FC236}">
+                  <a16:creationId xmlns:a16="http://schemas.microsoft.com/office/drawing/2014/main" id="{E5C35A56-0BFD-443F-8C2B-CA73A3BFE9E5}"/>
+                </a:ext>
+                <a:ext uri="{C183D7F6-B498-43B3-948B-1728B52AA6E4}">
+                  <adec:decorative xmlns:adec="http://schemas.microsoft.com/office/drawing/2017/decorative" val="1"/>
+                </a:ext>
+              </a:extLst>
+            </p:cNvPr>
+            <p:cNvCxnSpPr/>
+            <p:nvPr>
+              <p:extLst>
+                <p:ext uri="{386F3935-93C4-4BCD-93E2-E3B085C9AB24}">
+                  <p16:designElem xmlns:p16="http://schemas.microsoft.com/office/powerpoint/2015/main" val="1"/>
+                </p:ext>
+              </p:extLst>
+            </p:nvPr>
+          </p:nvCxnSpPr>
+          <p:spPr>
+            <a:xfrm rot="-960000" flipH="1">
+              <a:off x="8294968" y="446219"/>
+              <a:ext cx="3394" cy="182880"/>
+            </a:xfrm>
+            <a:prstGeom prst="line">
+              <a:avLst/>
+            </a:prstGeom>
+            <a:ln>
+              <a:solidFill>
+                <a:srgbClr val="FFFFFF">
+                  <a:alpha val="30196"/>
+                </a:srgbClr>
+              </a:solidFill>
+            </a:ln>
+          </p:spPr>
+          <p:style>
+            <a:lnRef idx="1">
+              <a:schemeClr val="accent1"/>
+            </a:lnRef>
+            <a:fillRef idx="0">
+              <a:schemeClr val="accent1"/>
+            </a:fillRef>
+            <a:effectRef idx="0">
+              <a:schemeClr val="accent1"/>
+            </a:effectRef>
+            <a:fontRef idx="minor">
+              <a:schemeClr val="tx1"/>
+            </a:fontRef>
+          </p:style>
+        </p:cxnSp>
+        <p:cxnSp>
+          <p:nvCxnSpPr>
+            <p:cNvPr id="55" name="Straight Connector 54">
+              <a:extLst>
+                <a:ext uri="{FF2B5EF4-FFF2-40B4-BE49-F238E27FC236}">
+                  <a16:creationId xmlns:a16="http://schemas.microsoft.com/office/drawing/2014/main" id="{214A0AE5-3A88-4D5D-845C-5E906888C81F}"/>
+                </a:ext>
+                <a:ext uri="{C183D7F6-B498-43B3-948B-1728B52AA6E4}">
+                  <adec:decorative xmlns:adec="http://schemas.microsoft.com/office/drawing/2017/decorative" val="1"/>
+                </a:ext>
+              </a:extLst>
+            </p:cNvPr>
+            <p:cNvCxnSpPr/>
+            <p:nvPr>
+              <p:extLst>
+                <p:ext uri="{386F3935-93C4-4BCD-93E2-E3B085C9AB24}">
+                  <p16:designElem xmlns:p16="http://schemas.microsoft.com/office/powerpoint/2015/main" val="1"/>
+                </p:ext>
+              </p:extLst>
+            </p:nvPr>
+          </p:nvCxnSpPr>
+          <p:spPr>
+            <a:xfrm rot="-1080000" flipH="1">
+              <a:off x="8160824" y="482375"/>
+              <a:ext cx="3394" cy="182880"/>
+            </a:xfrm>
+            <a:prstGeom prst="line">
+              <a:avLst/>
+            </a:prstGeom>
+            <a:ln>
+              <a:solidFill>
+                <a:srgbClr val="FFFFFF">
+                  <a:alpha val="30196"/>
+                </a:srgbClr>
+              </a:solidFill>
+            </a:ln>
+          </p:spPr>
+          <p:style>
+            <a:lnRef idx="1">
+              <a:schemeClr val="accent1"/>
+            </a:lnRef>
+            <a:fillRef idx="0">
+              <a:schemeClr val="accent1"/>
+            </a:fillRef>
+            <a:effectRef idx="0">
+              <a:schemeClr val="accent1"/>
+            </a:effectRef>
+            <a:fontRef idx="minor">
+              <a:schemeClr val="tx1"/>
+            </a:fontRef>
+          </p:style>
+        </p:cxnSp>
+        <p:cxnSp>
+          <p:nvCxnSpPr>
+            <p:cNvPr id="56" name="Straight Connector 55">
+              <a:extLst>
+                <a:ext uri="{FF2B5EF4-FFF2-40B4-BE49-F238E27FC236}">
+                  <a16:creationId xmlns:a16="http://schemas.microsoft.com/office/drawing/2014/main" id="{44D7BF13-EDB8-4740-A3C5-87E2E7C67669}"/>
+                </a:ext>
+                <a:ext uri="{C183D7F6-B498-43B3-948B-1728B52AA6E4}">
+                  <adec:decorative xmlns:adec="http://schemas.microsoft.com/office/drawing/2017/decorative" val="1"/>
+                </a:ext>
+              </a:extLst>
+            </p:cNvPr>
+            <p:cNvCxnSpPr/>
+            <p:nvPr>
+              <p:extLst>
+                <p:ext uri="{386F3935-93C4-4BCD-93E2-E3B085C9AB24}">
+                  <p16:designElem xmlns:p16="http://schemas.microsoft.com/office/powerpoint/2015/main" val="1"/>
+                </p:ext>
+              </p:extLst>
+            </p:nvPr>
+          </p:nvCxnSpPr>
+          <p:spPr>
+            <a:xfrm rot="-1260000" flipH="1">
+              <a:off x="8027689" y="531848"/>
+              <a:ext cx="3394" cy="182880"/>
+            </a:xfrm>
+            <a:prstGeom prst="line">
+              <a:avLst/>
+            </a:prstGeom>
+            <a:ln>
+              <a:solidFill>
+                <a:srgbClr val="FFFFFF">
+                  <a:alpha val="30196"/>
+                </a:srgbClr>
+              </a:solidFill>
+            </a:ln>
+          </p:spPr>
+          <p:style>
+            <a:lnRef idx="1">
+              <a:schemeClr val="accent1"/>
+            </a:lnRef>
+            <a:fillRef idx="0">
+              <a:schemeClr val="accent1"/>
+            </a:fillRef>
+            <a:effectRef idx="0">
+              <a:schemeClr val="accent1"/>
+            </a:effectRef>
+            <a:fontRef idx="minor">
+              <a:schemeClr val="tx1"/>
+            </a:fontRef>
+          </p:style>
+        </p:cxnSp>
+        <p:cxnSp>
+          <p:nvCxnSpPr>
+            <p:cNvPr id="57" name="Straight Connector 56">
+              <a:extLst>
+                <a:ext uri="{FF2B5EF4-FFF2-40B4-BE49-F238E27FC236}">
+                  <a16:creationId xmlns:a16="http://schemas.microsoft.com/office/drawing/2014/main" id="{16DAB64F-4B49-434F-BFB6-0BEB41AFB610}"/>
+                </a:ext>
+                <a:ext uri="{C183D7F6-B498-43B3-948B-1728B52AA6E4}">
+                  <adec:decorative xmlns:adec="http://schemas.microsoft.com/office/drawing/2017/decorative" val="1"/>
+                </a:ext>
+              </a:extLst>
+            </p:cNvPr>
+            <p:cNvCxnSpPr/>
+            <p:nvPr>
+              <p:extLst>
+                <p:ext uri="{386F3935-93C4-4BCD-93E2-E3B085C9AB24}">
+                  <p16:designElem xmlns:p16="http://schemas.microsoft.com/office/powerpoint/2015/main" val="1"/>
+                </p:ext>
+              </p:extLst>
+            </p:nvPr>
+          </p:nvCxnSpPr>
+          <p:spPr>
+            <a:xfrm rot="-1380000" flipH="1">
+              <a:off x="7894554" y="581321"/>
+              <a:ext cx="3394" cy="182880"/>
+            </a:xfrm>
+            <a:prstGeom prst="line">
+              <a:avLst/>
+            </a:prstGeom>
+            <a:ln>
+              <a:solidFill>
+                <a:srgbClr val="FFFFFF">
+                  <a:alpha val="30196"/>
+                </a:srgbClr>
+              </a:solidFill>
+            </a:ln>
+          </p:spPr>
+          <p:style>
+            <a:lnRef idx="1">
+              <a:schemeClr val="accent1"/>
+            </a:lnRef>
+            <a:fillRef idx="0">
+              <a:schemeClr val="accent1"/>
+            </a:fillRef>
+            <a:effectRef idx="0">
+              <a:schemeClr val="accent1"/>
+            </a:effectRef>
+            <a:fontRef idx="minor">
+              <a:schemeClr val="tx1"/>
+            </a:fontRef>
+          </p:style>
+        </p:cxnSp>
+        <p:cxnSp>
+          <p:nvCxnSpPr>
+            <p:cNvPr id="58" name="Straight Connector 57">
+              <a:extLst>
+                <a:ext uri="{FF2B5EF4-FFF2-40B4-BE49-F238E27FC236}">
+                  <a16:creationId xmlns:a16="http://schemas.microsoft.com/office/drawing/2014/main" id="{93B5AD9A-BDA6-42CE-A1C0-C07210307227}"/>
+                </a:ext>
+                <a:ext uri="{C183D7F6-B498-43B3-948B-1728B52AA6E4}">
+                  <adec:decorative xmlns:adec="http://schemas.microsoft.com/office/drawing/2017/decorative" val="1"/>
+                </a:ext>
+              </a:extLst>
+            </p:cNvPr>
+            <p:cNvCxnSpPr/>
+            <p:nvPr>
+              <p:extLst>
+                <p:ext uri="{386F3935-93C4-4BCD-93E2-E3B085C9AB24}">
+                  <p16:designElem xmlns:p16="http://schemas.microsoft.com/office/powerpoint/2015/main" val="1"/>
+                </p:ext>
+              </p:extLst>
+            </p:nvPr>
+          </p:nvCxnSpPr>
+          <p:spPr>
+            <a:xfrm rot="-1500000" flipH="1">
+              <a:off x="7761419" y="630794"/>
+              <a:ext cx="3394" cy="182880"/>
+            </a:xfrm>
+            <a:prstGeom prst="line">
+              <a:avLst/>
+            </a:prstGeom>
+            <a:ln>
+              <a:solidFill>
+                <a:srgbClr val="FFFFFF">
+                  <a:alpha val="30196"/>
+                </a:srgbClr>
+              </a:solidFill>
+            </a:ln>
+          </p:spPr>
+          <p:style>
+            <a:lnRef idx="1">
+              <a:schemeClr val="accent1"/>
+            </a:lnRef>
+            <a:fillRef idx="0">
+              <a:schemeClr val="accent1"/>
+            </a:fillRef>
+            <a:effectRef idx="0">
+              <a:schemeClr val="accent1"/>
+            </a:effectRef>
+            <a:fontRef idx="minor">
+              <a:schemeClr val="tx1"/>
+            </a:fontRef>
+          </p:style>
+        </p:cxnSp>
+        <p:cxnSp>
+          <p:nvCxnSpPr>
+            <p:cNvPr id="59" name="Straight Connector 58">
+              <a:extLst>
+                <a:ext uri="{FF2B5EF4-FFF2-40B4-BE49-F238E27FC236}">
+                  <a16:creationId xmlns:a16="http://schemas.microsoft.com/office/drawing/2014/main" id="{5FD67DCC-475F-4BED-A634-FCDD63176BB5}"/>
+                </a:ext>
+                <a:ext uri="{C183D7F6-B498-43B3-948B-1728B52AA6E4}">
+                  <adec:decorative xmlns:adec="http://schemas.microsoft.com/office/drawing/2017/decorative" val="1"/>
+                </a:ext>
+              </a:extLst>
+            </p:cNvPr>
+            <p:cNvCxnSpPr/>
+            <p:nvPr>
+              <p:extLst>
+                <p:ext uri="{386F3935-93C4-4BCD-93E2-E3B085C9AB24}">
+                  <p16:designElem xmlns:p16="http://schemas.microsoft.com/office/powerpoint/2015/main" val="1"/>
+                </p:ext>
+              </p:extLst>
+            </p:nvPr>
+          </p:nvCxnSpPr>
+          <p:spPr>
+            <a:xfrm rot="-1620000" flipH="1">
+              <a:off x="7636645" y="689804"/>
+              <a:ext cx="3394" cy="182880"/>
+            </a:xfrm>
+            <a:prstGeom prst="line">
+              <a:avLst/>
+            </a:prstGeom>
+            <a:ln>
+              <a:solidFill>
+                <a:srgbClr val="FFFFFF">
+                  <a:alpha val="30196"/>
+                </a:srgbClr>
+              </a:solidFill>
+            </a:ln>
+          </p:spPr>
+          <p:style>
+            <a:lnRef idx="1">
+              <a:schemeClr val="accent1"/>
+            </a:lnRef>
+            <a:fillRef idx="0">
+              <a:schemeClr val="accent1"/>
+            </a:fillRef>
+            <a:effectRef idx="0">
+              <a:schemeClr val="accent1"/>
+            </a:effectRef>
+            <a:fontRef idx="minor">
+              <a:schemeClr val="tx1"/>
+            </a:fontRef>
+          </p:style>
+        </p:cxnSp>
+        <p:cxnSp>
+          <p:nvCxnSpPr>
+            <p:cNvPr id="60" name="Straight Connector 59">
+              <a:extLst>
+                <a:ext uri="{FF2B5EF4-FFF2-40B4-BE49-F238E27FC236}">
+                  <a16:creationId xmlns:a16="http://schemas.microsoft.com/office/drawing/2014/main" id="{ED276E23-C86D-408D-821A-1E9A44CAEAFC}"/>
+                </a:ext>
+                <a:ext uri="{C183D7F6-B498-43B3-948B-1728B52AA6E4}">
+                  <adec:decorative xmlns:adec="http://schemas.microsoft.com/office/drawing/2017/decorative" val="1"/>
+                </a:ext>
+              </a:extLst>
+            </p:cNvPr>
+            <p:cNvCxnSpPr/>
+            <p:nvPr>
+              <p:extLst>
+                <p:ext uri="{386F3935-93C4-4BCD-93E2-E3B085C9AB24}">
+                  <p16:designElem xmlns:p16="http://schemas.microsoft.com/office/powerpoint/2015/main" val="1"/>
+                </p:ext>
+              </p:extLst>
+            </p:nvPr>
+          </p:nvCxnSpPr>
+          <p:spPr>
+            <a:xfrm rot="-1800000" flipH="1">
+              <a:off x="7511871" y="751195"/>
+              <a:ext cx="3394" cy="182880"/>
+            </a:xfrm>
+            <a:prstGeom prst="line">
+              <a:avLst/>
+            </a:prstGeom>
+            <a:ln>
+              <a:solidFill>
+                <a:srgbClr val="FFFFFF">
+                  <a:alpha val="30196"/>
+                </a:srgbClr>
+              </a:solidFill>
+            </a:ln>
+          </p:spPr>
+          <p:style>
+            <a:lnRef idx="1">
+              <a:schemeClr val="accent1"/>
+            </a:lnRef>
+            <a:fillRef idx="0">
+              <a:schemeClr val="accent1"/>
+            </a:fillRef>
+            <a:effectRef idx="0">
+              <a:schemeClr val="accent1"/>
+            </a:effectRef>
+            <a:fontRef idx="minor">
+              <a:schemeClr val="tx1"/>
+            </a:fontRef>
+          </p:style>
+        </p:cxnSp>
+        <p:cxnSp>
+          <p:nvCxnSpPr>
+            <p:cNvPr id="61" name="Straight Connector 60">
+              <a:extLst>
+                <a:ext uri="{FF2B5EF4-FFF2-40B4-BE49-F238E27FC236}">
+                  <a16:creationId xmlns:a16="http://schemas.microsoft.com/office/drawing/2014/main" id="{A879A029-D911-41C4-B218-E41871762F3A}"/>
+                </a:ext>
+                <a:ext uri="{C183D7F6-B498-43B3-948B-1728B52AA6E4}">
+                  <adec:decorative xmlns:adec="http://schemas.microsoft.com/office/drawing/2017/decorative" val="1"/>
+                </a:ext>
+              </a:extLst>
+            </p:cNvPr>
+            <p:cNvCxnSpPr/>
+            <p:nvPr>
+              <p:extLst>
+                <p:ext uri="{386F3935-93C4-4BCD-93E2-E3B085C9AB24}">
+                  <p16:designElem xmlns:p16="http://schemas.microsoft.com/office/powerpoint/2015/main" val="1"/>
+                </p:ext>
+              </p:extLst>
+            </p:nvPr>
+          </p:nvCxnSpPr>
+          <p:spPr>
+            <a:xfrm rot="-1920000" flipH="1">
+              <a:off x="7387899" y="819771"/>
+              <a:ext cx="3394" cy="182880"/>
+            </a:xfrm>
+            <a:prstGeom prst="line">
+              <a:avLst/>
+            </a:prstGeom>
+            <a:ln>
+              <a:solidFill>
+                <a:srgbClr val="FFFFFF">
+                  <a:alpha val="30196"/>
+                </a:srgbClr>
+              </a:solidFill>
+            </a:ln>
+          </p:spPr>
+          <p:style>
+            <a:lnRef idx="1">
+              <a:schemeClr val="accent1"/>
+            </a:lnRef>
+            <a:fillRef idx="0">
+              <a:schemeClr val="accent1"/>
+            </a:fillRef>
+            <a:effectRef idx="0">
+              <a:schemeClr val="accent1"/>
+            </a:effectRef>
+            <a:fontRef idx="minor">
+              <a:schemeClr val="tx1"/>
+            </a:fontRef>
+          </p:style>
+        </p:cxnSp>
+        <p:cxnSp>
+          <p:nvCxnSpPr>
+            <p:cNvPr id="62" name="Straight Connector 61">
+              <a:extLst>
+                <a:ext uri="{FF2B5EF4-FFF2-40B4-BE49-F238E27FC236}">
+                  <a16:creationId xmlns:a16="http://schemas.microsoft.com/office/drawing/2014/main" id="{E9C7C9F5-65FB-4EF9-9AAD-F7E1FC14B84B}"/>
+                </a:ext>
+                <a:ext uri="{C183D7F6-B498-43B3-948B-1728B52AA6E4}">
+                  <adec:decorative xmlns:adec="http://schemas.microsoft.com/office/drawing/2017/decorative" val="1"/>
+                </a:ext>
+              </a:extLst>
+            </p:cNvPr>
+            <p:cNvCxnSpPr/>
+            <p:nvPr>
+              <p:extLst>
+                <p:ext uri="{386F3935-93C4-4BCD-93E2-E3B085C9AB24}">
+                  <p16:designElem xmlns:p16="http://schemas.microsoft.com/office/powerpoint/2015/main" val="1"/>
+                </p:ext>
+              </p:extLst>
+            </p:nvPr>
+          </p:nvCxnSpPr>
+          <p:spPr>
+            <a:xfrm rot="-2040000" flipH="1">
+              <a:off x="7268530" y="893163"/>
+              <a:ext cx="3394" cy="182880"/>
+            </a:xfrm>
+            <a:prstGeom prst="line">
+              <a:avLst/>
+            </a:prstGeom>
+            <a:ln>
+              <a:solidFill>
+                <a:srgbClr val="FFFFFF">
+                  <a:alpha val="30196"/>
+                </a:srgbClr>
+              </a:solidFill>
+            </a:ln>
+          </p:spPr>
+          <p:style>
+            <a:lnRef idx="1">
+              <a:schemeClr val="accent1"/>
+            </a:lnRef>
+            <a:fillRef idx="0">
+              <a:schemeClr val="accent1"/>
+            </a:fillRef>
+            <a:effectRef idx="0">
+              <a:schemeClr val="accent1"/>
+            </a:effectRef>
+            <a:fontRef idx="minor">
+              <a:schemeClr val="tx1"/>
+            </a:fontRef>
+          </p:style>
+        </p:cxnSp>
+        <p:cxnSp>
+          <p:nvCxnSpPr>
+            <p:cNvPr id="63" name="Straight Connector 62">
+              <a:extLst>
+                <a:ext uri="{FF2B5EF4-FFF2-40B4-BE49-F238E27FC236}">
+                  <a16:creationId xmlns:a16="http://schemas.microsoft.com/office/drawing/2014/main" id="{6115B885-5742-431C-BA48-96FC1F6D2280}"/>
+                </a:ext>
+                <a:ext uri="{C183D7F6-B498-43B3-948B-1728B52AA6E4}">
+                  <adec:decorative xmlns:adec="http://schemas.microsoft.com/office/drawing/2017/decorative" val="1"/>
+                </a:ext>
+              </a:extLst>
+            </p:cNvPr>
+            <p:cNvCxnSpPr/>
+            <p:nvPr>
+              <p:extLst>
+                <p:ext uri="{386F3935-93C4-4BCD-93E2-E3B085C9AB24}">
+                  <p16:designElem xmlns:p16="http://schemas.microsoft.com/office/powerpoint/2015/main" val="1"/>
+                </p:ext>
+              </p:extLst>
+            </p:nvPr>
+          </p:nvCxnSpPr>
+          <p:spPr>
+            <a:xfrm rot="-2160000" flipH="1">
+              <a:off x="7152030" y="976584"/>
+              <a:ext cx="3394" cy="182880"/>
+            </a:xfrm>
+            <a:prstGeom prst="line">
+              <a:avLst/>
+            </a:prstGeom>
+            <a:ln>
+              <a:solidFill>
+                <a:srgbClr val="FFFFFF">
+                  <a:alpha val="30196"/>
+                </a:srgbClr>
+              </a:solidFill>
+            </a:ln>
+          </p:spPr>
+          <p:style>
+            <a:lnRef idx="1">
+              <a:schemeClr val="accent1"/>
+            </a:lnRef>
+            <a:fillRef idx="0">
+              <a:schemeClr val="accent1"/>
+            </a:fillRef>
+            <a:effectRef idx="0">
+              <a:schemeClr val="accent1"/>
+            </a:effectRef>
+            <a:fontRef idx="minor">
+              <a:schemeClr val="tx1"/>
+            </a:fontRef>
+          </p:style>
+        </p:cxnSp>
+        <p:cxnSp>
+          <p:nvCxnSpPr>
+            <p:cNvPr id="64" name="Straight Connector 63">
+              <a:extLst>
+                <a:ext uri="{FF2B5EF4-FFF2-40B4-BE49-F238E27FC236}">
+                  <a16:creationId xmlns:a16="http://schemas.microsoft.com/office/drawing/2014/main" id="{6ACE37A6-0062-4B86-B4E6-18088040CDC9}"/>
+                </a:ext>
+                <a:ext uri="{C183D7F6-B498-43B3-948B-1728B52AA6E4}">
+                  <adec:decorative xmlns:adec="http://schemas.microsoft.com/office/drawing/2017/decorative" val="1"/>
+                </a:ext>
+              </a:extLst>
+            </p:cNvPr>
+            <p:cNvCxnSpPr/>
+            <p:nvPr>
+              <p:extLst>
+                <p:ext uri="{386F3935-93C4-4BCD-93E2-E3B085C9AB24}">
+                  <p16:designElem xmlns:p16="http://schemas.microsoft.com/office/powerpoint/2015/main" val="1"/>
+                </p:ext>
+              </p:extLst>
+            </p:nvPr>
+          </p:nvCxnSpPr>
+          <p:spPr>
+            <a:xfrm rot="-2340000" flipH="1">
+              <a:off x="7041695" y="1060025"/>
+              <a:ext cx="3394" cy="182880"/>
+            </a:xfrm>
+            <a:prstGeom prst="line">
+              <a:avLst/>
+            </a:prstGeom>
+            <a:ln>
+              <a:solidFill>
+                <a:srgbClr val="FFFFFF">
+                  <a:alpha val="30196"/>
+                </a:srgbClr>
+              </a:solidFill>
+            </a:ln>
+          </p:spPr>
+          <p:style>
+            <a:lnRef idx="1">
+              <a:schemeClr val="accent1"/>
+            </a:lnRef>
+            <a:fillRef idx="0">
+              <a:schemeClr val="accent1"/>
+            </a:fillRef>
+            <a:effectRef idx="0">
+              <a:schemeClr val="accent1"/>
+            </a:effectRef>
+            <a:fontRef idx="minor">
+              <a:schemeClr val="tx1"/>
+            </a:fontRef>
+          </p:style>
+        </p:cxnSp>
+        <p:cxnSp>
+          <p:nvCxnSpPr>
+            <p:cNvPr id="65" name="Straight Connector 64">
+              <a:extLst>
+                <a:ext uri="{FF2B5EF4-FFF2-40B4-BE49-F238E27FC236}">
+                  <a16:creationId xmlns:a16="http://schemas.microsoft.com/office/drawing/2014/main" id="{0A8679B4-56BA-43AB-A0A2-E2DA3E205303}"/>
+                </a:ext>
+                <a:ext uri="{C183D7F6-B498-43B3-948B-1728B52AA6E4}">
+                  <adec:decorative xmlns:adec="http://schemas.microsoft.com/office/drawing/2017/decorative" val="1"/>
+                </a:ext>
+              </a:extLst>
+            </p:cNvPr>
+            <p:cNvCxnSpPr/>
+            <p:nvPr>
+              <p:extLst>
+                <p:ext uri="{386F3935-93C4-4BCD-93E2-E3B085C9AB24}">
+                  <p16:designElem xmlns:p16="http://schemas.microsoft.com/office/powerpoint/2015/main" val="1"/>
+                </p:ext>
+              </p:extLst>
+            </p:nvPr>
+          </p:nvCxnSpPr>
+          <p:spPr>
+            <a:xfrm rot="-2460000" flipH="1">
+              <a:off x="6931360" y="1143466"/>
+              <a:ext cx="3394" cy="182880"/>
+            </a:xfrm>
+            <a:prstGeom prst="line">
+              <a:avLst/>
+            </a:prstGeom>
+            <a:ln>
+              <a:solidFill>
+                <a:srgbClr val="FFFFFF">
+                  <a:alpha val="30196"/>
+                </a:srgbClr>
+              </a:solidFill>
+            </a:ln>
+          </p:spPr>
+          <p:style>
+            <a:lnRef idx="1">
+              <a:schemeClr val="accent1"/>
+            </a:lnRef>
+            <a:fillRef idx="0">
+              <a:schemeClr val="accent1"/>
+            </a:fillRef>
+            <a:effectRef idx="0">
+              <a:schemeClr val="accent1"/>
+            </a:effectRef>
+            <a:fontRef idx="minor">
+              <a:schemeClr val="tx1"/>
+            </a:fontRef>
+          </p:style>
+        </p:cxnSp>
+        <p:cxnSp>
+          <p:nvCxnSpPr>
+            <p:cNvPr id="66" name="Straight Connector 65">
+              <a:extLst>
+                <a:ext uri="{FF2B5EF4-FFF2-40B4-BE49-F238E27FC236}">
+                  <a16:creationId xmlns:a16="http://schemas.microsoft.com/office/drawing/2014/main" id="{80DE24D2-627B-4C47-A858-A572BCDBACF6}"/>
+                </a:ext>
+                <a:ext uri="{C183D7F6-B498-43B3-948B-1728B52AA6E4}">
+                  <adec:decorative xmlns:adec="http://schemas.microsoft.com/office/drawing/2017/decorative" val="1"/>
+                </a:ext>
+              </a:extLst>
+            </p:cNvPr>
+            <p:cNvCxnSpPr/>
+            <p:nvPr>
+              <p:extLst>
+                <p:ext uri="{386F3935-93C4-4BCD-93E2-E3B085C9AB24}">
+                  <p16:designElem xmlns:p16="http://schemas.microsoft.com/office/powerpoint/2015/main" val="1"/>
+                </p:ext>
+              </p:extLst>
+            </p:nvPr>
+          </p:nvCxnSpPr>
+          <p:spPr>
+            <a:xfrm rot="-2580000" flipH="1">
+              <a:off x="6819070" y="1235864"/>
+              <a:ext cx="3394" cy="182880"/>
+            </a:xfrm>
+            <a:prstGeom prst="line">
+              <a:avLst/>
+            </a:prstGeom>
+            <a:ln>
+              <a:solidFill>
+                <a:srgbClr val="FFFFFF">
+                  <a:alpha val="30196"/>
+                </a:srgbClr>
+              </a:solidFill>
+            </a:ln>
+          </p:spPr>
+          <p:style>
+            <a:lnRef idx="1">
+              <a:schemeClr val="accent1"/>
+            </a:lnRef>
+            <a:fillRef idx="0">
+              <a:schemeClr val="accent1"/>
+            </a:fillRef>
+            <a:effectRef idx="0">
+              <a:schemeClr val="accent1"/>
+            </a:effectRef>
+            <a:fontRef idx="minor">
+              <a:schemeClr val="tx1"/>
+            </a:fontRef>
+          </p:style>
+        </p:cxnSp>
+        <p:cxnSp>
+          <p:nvCxnSpPr>
+            <p:cNvPr id="67" name="Straight Connector 66">
+              <a:extLst>
+                <a:ext uri="{FF2B5EF4-FFF2-40B4-BE49-F238E27FC236}">
+                  <a16:creationId xmlns:a16="http://schemas.microsoft.com/office/drawing/2014/main" id="{B612A33E-5DE0-4E4D-9469-0BD0B3E0E72E}"/>
+                </a:ext>
+                <a:ext uri="{C183D7F6-B498-43B3-948B-1728B52AA6E4}">
+                  <adec:decorative xmlns:adec="http://schemas.microsoft.com/office/drawing/2017/decorative" val="1"/>
+                </a:ext>
+              </a:extLst>
+            </p:cNvPr>
+            <p:cNvCxnSpPr/>
+            <p:nvPr>
+              <p:extLst>
+                <p:ext uri="{386F3935-93C4-4BCD-93E2-E3B085C9AB24}">
+                  <p16:designElem xmlns:p16="http://schemas.microsoft.com/office/powerpoint/2015/main" val="1"/>
+                </p:ext>
+              </p:extLst>
+            </p:nvPr>
+          </p:nvCxnSpPr>
+          <p:spPr>
+            <a:xfrm rot="-2700000" flipH="1">
+              <a:off x="6721359" y="1332746"/>
+              <a:ext cx="3394" cy="182880"/>
+            </a:xfrm>
+            <a:prstGeom prst="line">
+              <a:avLst/>
+            </a:prstGeom>
+            <a:ln>
+              <a:solidFill>
+                <a:srgbClr val="FFFFFF">
+                  <a:alpha val="30196"/>
+                </a:srgbClr>
+              </a:solidFill>
+            </a:ln>
+          </p:spPr>
+          <p:style>
+            <a:lnRef idx="1">
+              <a:schemeClr val="accent1"/>
+            </a:lnRef>
+            <a:fillRef idx="0">
+              <a:schemeClr val="accent1"/>
+            </a:fillRef>
+            <a:effectRef idx="0">
+              <a:schemeClr val="accent1"/>
+            </a:effectRef>
+            <a:fontRef idx="minor">
+              <a:schemeClr val="tx1"/>
+            </a:fontRef>
+          </p:style>
+        </p:cxnSp>
+        <p:cxnSp>
+          <p:nvCxnSpPr>
+            <p:cNvPr id="68" name="Straight Connector 67">
+              <a:extLst>
+                <a:ext uri="{FF2B5EF4-FFF2-40B4-BE49-F238E27FC236}">
+                  <a16:creationId xmlns:a16="http://schemas.microsoft.com/office/drawing/2014/main" id="{91673515-5E42-490F-85A0-45658D81C6CA}"/>
+                </a:ext>
+                <a:ext uri="{C183D7F6-B498-43B3-948B-1728B52AA6E4}">
+                  <adec:decorative xmlns:adec="http://schemas.microsoft.com/office/drawing/2017/decorative" val="1"/>
+                </a:ext>
+              </a:extLst>
+            </p:cNvPr>
+            <p:cNvCxnSpPr/>
+            <p:nvPr>
+              <p:extLst>
+                <p:ext uri="{386F3935-93C4-4BCD-93E2-E3B085C9AB24}">
+                  <p16:designElem xmlns:p16="http://schemas.microsoft.com/office/powerpoint/2015/main" val="1"/>
+                </p:ext>
+              </p:extLst>
+            </p:nvPr>
+          </p:nvCxnSpPr>
+          <p:spPr>
+            <a:xfrm rot="-2880000" flipH="1">
+              <a:off x="6617467" y="1429423"/>
+              <a:ext cx="3394" cy="182880"/>
+            </a:xfrm>
+            <a:prstGeom prst="line">
+              <a:avLst/>
+            </a:prstGeom>
+            <a:ln>
+              <a:solidFill>
+                <a:srgbClr val="FFFFFF">
+                  <a:alpha val="30196"/>
+                </a:srgbClr>
+              </a:solidFill>
+            </a:ln>
+          </p:spPr>
+          <p:style>
+            <a:lnRef idx="1">
+              <a:schemeClr val="accent1"/>
+            </a:lnRef>
+            <a:fillRef idx="0">
+              <a:schemeClr val="accent1"/>
+            </a:fillRef>
+            <a:effectRef idx="0">
+              <a:schemeClr val="accent1"/>
+            </a:effectRef>
+            <a:fontRef idx="minor">
+              <a:schemeClr val="tx1"/>
+            </a:fontRef>
+          </p:style>
+        </p:cxnSp>
+        <p:cxnSp>
+          <p:nvCxnSpPr>
+            <p:cNvPr id="69" name="Straight Connector 68">
+              <a:extLst>
+                <a:ext uri="{FF2B5EF4-FFF2-40B4-BE49-F238E27FC236}">
+                  <a16:creationId xmlns:a16="http://schemas.microsoft.com/office/drawing/2014/main" id="{6B048C17-3768-4DAF-A7AE-B2E717497021}"/>
+                </a:ext>
+                <a:ext uri="{C183D7F6-B498-43B3-948B-1728B52AA6E4}">
+                  <adec:decorative xmlns:adec="http://schemas.microsoft.com/office/drawing/2017/decorative" val="1"/>
+                </a:ext>
+              </a:extLst>
+            </p:cNvPr>
+            <p:cNvCxnSpPr/>
+            <p:nvPr>
+              <p:extLst>
+                <p:ext uri="{386F3935-93C4-4BCD-93E2-E3B085C9AB24}">
+                  <p16:designElem xmlns:p16="http://schemas.microsoft.com/office/powerpoint/2015/main" val="1"/>
+                </p:ext>
+              </p:extLst>
+            </p:nvPr>
+          </p:nvCxnSpPr>
+          <p:spPr>
+            <a:xfrm rot="-3000000" flipH="1">
+              <a:off x="6520032" y="1527285"/>
+              <a:ext cx="3394" cy="182880"/>
+            </a:xfrm>
+            <a:prstGeom prst="line">
+              <a:avLst/>
+            </a:prstGeom>
+            <a:ln>
+              <a:solidFill>
+                <a:srgbClr val="FFFFFF">
+                  <a:alpha val="30196"/>
+                </a:srgbClr>
+              </a:solidFill>
+            </a:ln>
+          </p:spPr>
+          <p:style>
+            <a:lnRef idx="1">
+              <a:schemeClr val="accent1"/>
+            </a:lnRef>
+            <a:fillRef idx="0">
+              <a:schemeClr val="accent1"/>
+            </a:fillRef>
+            <a:effectRef idx="0">
+              <a:schemeClr val="accent1"/>
+            </a:effectRef>
+            <a:fontRef idx="minor">
+              <a:schemeClr val="tx1"/>
+            </a:fontRef>
+          </p:style>
+        </p:cxnSp>
+        <p:cxnSp>
+          <p:nvCxnSpPr>
+            <p:cNvPr id="70" name="Straight Connector 69">
+              <a:extLst>
+                <a:ext uri="{FF2B5EF4-FFF2-40B4-BE49-F238E27FC236}">
+                  <a16:creationId xmlns:a16="http://schemas.microsoft.com/office/drawing/2014/main" id="{BAA4E6AA-9D65-4EED-91CB-87A5762ED0A4}"/>
+                </a:ext>
+                <a:ext uri="{C183D7F6-B498-43B3-948B-1728B52AA6E4}">
+                  <adec:decorative xmlns:adec="http://schemas.microsoft.com/office/drawing/2017/decorative" val="1"/>
+                </a:ext>
+              </a:extLst>
+            </p:cNvPr>
+            <p:cNvCxnSpPr/>
+            <p:nvPr>
+              <p:extLst>
+                <p:ext uri="{386F3935-93C4-4BCD-93E2-E3B085C9AB24}">
+                  <p16:designElem xmlns:p16="http://schemas.microsoft.com/office/powerpoint/2015/main" val="1"/>
+                </p:ext>
+              </p:extLst>
+            </p:nvPr>
+          </p:nvCxnSpPr>
+          <p:spPr>
+            <a:xfrm rot="-3120000" flipH="1">
+              <a:off x="6429579" y="1641610"/>
+              <a:ext cx="3394" cy="182880"/>
+            </a:xfrm>
+            <a:prstGeom prst="line">
+              <a:avLst/>
+            </a:prstGeom>
+            <a:ln>
+              <a:solidFill>
+                <a:srgbClr val="FFFFFF">
+                  <a:alpha val="30196"/>
+                </a:srgbClr>
+              </a:solidFill>
+            </a:ln>
+          </p:spPr>
+          <p:style>
+            <a:lnRef idx="1">
+              <a:schemeClr val="accent1"/>
+            </a:lnRef>
+            <a:fillRef idx="0">
+              <a:schemeClr val="accent1"/>
+            </a:fillRef>
+            <a:effectRef idx="0">
+              <a:schemeClr val="accent1"/>
+            </a:effectRef>
+            <a:fontRef idx="minor">
+              <a:schemeClr val="tx1"/>
+            </a:fontRef>
+          </p:style>
+        </p:cxnSp>
+        <p:cxnSp>
+          <p:nvCxnSpPr>
+            <p:cNvPr id="71" name="Straight Connector 70">
+              <a:extLst>
+                <a:ext uri="{FF2B5EF4-FFF2-40B4-BE49-F238E27FC236}">
+                  <a16:creationId xmlns:a16="http://schemas.microsoft.com/office/drawing/2014/main" id="{DB48B9EB-BBF2-48D7-A1D7-720D94506BF3}"/>
+                </a:ext>
+                <a:ext uri="{C183D7F6-B498-43B3-948B-1728B52AA6E4}">
+                  <adec:decorative xmlns:adec="http://schemas.microsoft.com/office/drawing/2017/decorative" val="1"/>
+                </a:ext>
+              </a:extLst>
+            </p:cNvPr>
+            <p:cNvCxnSpPr/>
+            <p:nvPr>
+              <p:extLst>
+                <p:ext uri="{386F3935-93C4-4BCD-93E2-E3B085C9AB24}">
+                  <p16:designElem xmlns:p16="http://schemas.microsoft.com/office/powerpoint/2015/main" val="1"/>
+                </p:ext>
+              </p:extLst>
+            </p:nvPr>
+          </p:nvCxnSpPr>
+          <p:spPr>
+            <a:xfrm rot="-3240000" flipH="1">
+              <a:off x="6340532" y="1750423"/>
+              <a:ext cx="3394" cy="182880"/>
+            </a:xfrm>
+            <a:prstGeom prst="line">
+              <a:avLst/>
+            </a:prstGeom>
+            <a:ln>
+              <a:solidFill>
+                <a:srgbClr val="FFFFFF">
+                  <a:alpha val="30196"/>
+                </a:srgbClr>
+              </a:solidFill>
+            </a:ln>
+          </p:spPr>
+          <p:style>
+            <a:lnRef idx="1">
+              <a:schemeClr val="accent1"/>
+            </a:lnRef>
+            <a:fillRef idx="0">
+              <a:schemeClr val="accent1"/>
+            </a:fillRef>
+            <a:effectRef idx="0">
+              <a:schemeClr val="accent1"/>
+            </a:effectRef>
+            <a:fontRef idx="minor">
+              <a:schemeClr val="tx1"/>
+            </a:fontRef>
+          </p:style>
+        </p:cxnSp>
+        <p:cxnSp>
+          <p:nvCxnSpPr>
+            <p:cNvPr id="72" name="Straight Connector 71">
+              <a:extLst>
+                <a:ext uri="{FF2B5EF4-FFF2-40B4-BE49-F238E27FC236}">
+                  <a16:creationId xmlns:a16="http://schemas.microsoft.com/office/drawing/2014/main" id="{21492B79-7338-4309-8667-BB29A7BC7B07}"/>
+                </a:ext>
+                <a:ext uri="{C183D7F6-B498-43B3-948B-1728B52AA6E4}">
+                  <adec:decorative xmlns:adec="http://schemas.microsoft.com/office/drawing/2017/decorative" val="1"/>
+                </a:ext>
+              </a:extLst>
+            </p:cNvPr>
+            <p:cNvCxnSpPr/>
+            <p:nvPr>
+              <p:extLst>
+                <p:ext uri="{386F3935-93C4-4BCD-93E2-E3B085C9AB24}">
+                  <p16:designElem xmlns:p16="http://schemas.microsoft.com/office/powerpoint/2015/main" val="1"/>
+                </p:ext>
+              </p:extLst>
+            </p:nvPr>
+          </p:nvCxnSpPr>
+          <p:spPr>
+            <a:xfrm rot="-3420000" flipH="1">
+              <a:off x="6261757" y="1860178"/>
+              <a:ext cx="3394" cy="182880"/>
+            </a:xfrm>
+            <a:prstGeom prst="line">
+              <a:avLst/>
+            </a:prstGeom>
+            <a:ln>
+              <a:solidFill>
+                <a:srgbClr val="FFFFFF">
+                  <a:alpha val="30196"/>
+                </a:srgbClr>
+              </a:solidFill>
+            </a:ln>
+          </p:spPr>
+          <p:style>
+            <a:lnRef idx="1">
+              <a:schemeClr val="accent1"/>
+            </a:lnRef>
+            <a:fillRef idx="0">
+              <a:schemeClr val="accent1"/>
+            </a:fillRef>
+            <a:effectRef idx="0">
+              <a:schemeClr val="accent1"/>
+            </a:effectRef>
+            <a:fontRef idx="minor">
+              <a:schemeClr val="tx1"/>
+            </a:fontRef>
+          </p:style>
+        </p:cxnSp>
+        <p:cxnSp>
+          <p:nvCxnSpPr>
+            <p:cNvPr id="73" name="Straight Connector 72">
+              <a:extLst>
+                <a:ext uri="{FF2B5EF4-FFF2-40B4-BE49-F238E27FC236}">
+                  <a16:creationId xmlns:a16="http://schemas.microsoft.com/office/drawing/2014/main" id="{0352FD87-EC9C-4EB5-9ACC-A152F78FC815}"/>
+                </a:ext>
+                <a:ext uri="{C183D7F6-B498-43B3-948B-1728B52AA6E4}">
+                  <adec:decorative xmlns:adec="http://schemas.microsoft.com/office/drawing/2017/decorative" val="1"/>
+                </a:ext>
+              </a:extLst>
+            </p:cNvPr>
+            <p:cNvCxnSpPr/>
+            <p:nvPr>
+              <p:extLst>
+                <p:ext uri="{386F3935-93C4-4BCD-93E2-E3B085C9AB24}">
+                  <p16:designElem xmlns:p16="http://schemas.microsoft.com/office/powerpoint/2015/main" val="1"/>
+                </p:ext>
+              </p:extLst>
+            </p:nvPr>
+          </p:nvCxnSpPr>
+          <p:spPr>
+            <a:xfrm rot="-3540000" flipH="1">
+              <a:off x="6184144" y="1979619"/>
+              <a:ext cx="3394" cy="182880"/>
+            </a:xfrm>
+            <a:prstGeom prst="line">
+              <a:avLst/>
+            </a:prstGeom>
+            <a:ln>
+              <a:solidFill>
+                <a:srgbClr val="FFFFFF">
+                  <a:alpha val="30196"/>
+                </a:srgbClr>
+              </a:solidFill>
+            </a:ln>
+          </p:spPr>
+          <p:style>
+            <a:lnRef idx="1">
+              <a:schemeClr val="accent1"/>
+            </a:lnRef>
+            <a:fillRef idx="0">
+              <a:schemeClr val="accent1"/>
+            </a:fillRef>
+            <a:effectRef idx="0">
+              <a:schemeClr val="accent1"/>
+            </a:effectRef>
+            <a:fontRef idx="minor">
+              <a:schemeClr val="tx1"/>
+            </a:fontRef>
+          </p:style>
+        </p:cxnSp>
+        <p:cxnSp>
+          <p:nvCxnSpPr>
+            <p:cNvPr id="74" name="Straight Connector 73">
+              <a:extLst>
+                <a:ext uri="{FF2B5EF4-FFF2-40B4-BE49-F238E27FC236}">
+                  <a16:creationId xmlns:a16="http://schemas.microsoft.com/office/drawing/2014/main" id="{FF2CEA1F-EFA8-4353-B5F8-CCE27955A123}"/>
+                </a:ext>
+                <a:ext uri="{C183D7F6-B498-43B3-948B-1728B52AA6E4}">
+                  <adec:decorative xmlns:adec="http://schemas.microsoft.com/office/drawing/2017/decorative" val="1"/>
+                </a:ext>
+              </a:extLst>
+            </p:cNvPr>
+            <p:cNvCxnSpPr/>
+            <p:nvPr>
+              <p:extLst>
+                <p:ext uri="{386F3935-93C4-4BCD-93E2-E3B085C9AB24}">
+                  <p16:designElem xmlns:p16="http://schemas.microsoft.com/office/powerpoint/2015/main" val="1"/>
+                </p:ext>
+              </p:extLst>
+            </p:nvPr>
+          </p:nvCxnSpPr>
+          <p:spPr>
+            <a:xfrm rot="-3660000" flipH="1">
+              <a:off x="6106531" y="2099060"/>
+              <a:ext cx="3394" cy="182880"/>
+            </a:xfrm>
+            <a:prstGeom prst="line">
+              <a:avLst/>
+            </a:prstGeom>
+            <a:ln>
+              <a:solidFill>
+                <a:srgbClr val="FFFFFF">
+                  <a:alpha val="30196"/>
+                </a:srgbClr>
+              </a:solidFill>
+            </a:ln>
+          </p:spPr>
+          <p:style>
+            <a:lnRef idx="1">
+              <a:schemeClr val="accent1"/>
+            </a:lnRef>
+            <a:fillRef idx="0">
+              <a:schemeClr val="accent1"/>
+            </a:fillRef>
+            <a:effectRef idx="0">
+              <a:schemeClr val="accent1"/>
+            </a:effectRef>
+            <a:fontRef idx="minor">
+              <a:schemeClr val="tx1"/>
+            </a:fontRef>
+          </p:style>
+        </p:cxnSp>
+        <p:cxnSp>
+          <p:nvCxnSpPr>
+            <p:cNvPr id="75" name="Straight Connector 74">
+              <a:extLst>
+                <a:ext uri="{FF2B5EF4-FFF2-40B4-BE49-F238E27FC236}">
+                  <a16:creationId xmlns:a16="http://schemas.microsoft.com/office/drawing/2014/main" id="{63E2723F-2530-4636-9A19-8F11B156628C}"/>
+                </a:ext>
+                <a:ext uri="{C183D7F6-B498-43B3-948B-1728B52AA6E4}">
+                  <adec:decorative xmlns:adec="http://schemas.microsoft.com/office/drawing/2017/decorative" val="1"/>
+                </a:ext>
+              </a:extLst>
+            </p:cNvPr>
+            <p:cNvCxnSpPr/>
+            <p:nvPr>
+              <p:extLst>
+                <p:ext uri="{386F3935-93C4-4BCD-93E2-E3B085C9AB24}">
+                  <p16:designElem xmlns:p16="http://schemas.microsoft.com/office/powerpoint/2015/main" val="1"/>
+                </p:ext>
+              </p:extLst>
+            </p:nvPr>
+          </p:nvCxnSpPr>
+          <p:spPr>
+            <a:xfrm rot="-3780000" flipH="1">
+              <a:off x="6043206" y="2222556"/>
+              <a:ext cx="3394" cy="182880"/>
+            </a:xfrm>
+            <a:prstGeom prst="line">
+              <a:avLst/>
+            </a:prstGeom>
+            <a:ln>
+              <a:solidFill>
+                <a:srgbClr val="FFFFFF">
+                  <a:alpha val="30196"/>
+                </a:srgbClr>
+              </a:solidFill>
+            </a:ln>
+          </p:spPr>
+          <p:style>
+            <a:lnRef idx="1">
+              <a:schemeClr val="accent1"/>
+            </a:lnRef>
+            <a:fillRef idx="0">
+              <a:schemeClr val="accent1"/>
+            </a:fillRef>
+            <a:effectRef idx="0">
+              <a:schemeClr val="accent1"/>
+            </a:effectRef>
+            <a:fontRef idx="minor">
+              <a:schemeClr val="tx1"/>
+            </a:fontRef>
+          </p:style>
+        </p:cxnSp>
+        <p:cxnSp>
+          <p:nvCxnSpPr>
+            <p:cNvPr id="76" name="Straight Connector 75">
+              <a:extLst>
+                <a:ext uri="{FF2B5EF4-FFF2-40B4-BE49-F238E27FC236}">
+                  <a16:creationId xmlns:a16="http://schemas.microsoft.com/office/drawing/2014/main" id="{4A9EE901-51C9-4292-BB45-5EDB8568A000}"/>
+                </a:ext>
+                <a:ext uri="{C183D7F6-B498-43B3-948B-1728B52AA6E4}">
+                  <adec:decorative xmlns:adec="http://schemas.microsoft.com/office/drawing/2017/decorative" val="1"/>
+                </a:ext>
+              </a:extLst>
+            </p:cNvPr>
+            <p:cNvCxnSpPr/>
+            <p:nvPr>
+              <p:extLst>
+                <p:ext uri="{386F3935-93C4-4BCD-93E2-E3B085C9AB24}">
+                  <p16:designElem xmlns:p16="http://schemas.microsoft.com/office/powerpoint/2015/main" val="1"/>
+                </p:ext>
+              </p:extLst>
+            </p:nvPr>
+          </p:nvCxnSpPr>
+          <p:spPr>
+            <a:xfrm rot="-3960000" flipH="1">
+              <a:off x="5978913" y="2344301"/>
+              <a:ext cx="3394" cy="182880"/>
+            </a:xfrm>
+            <a:prstGeom prst="line">
+              <a:avLst/>
+            </a:prstGeom>
+            <a:ln>
+              <a:solidFill>
+                <a:srgbClr val="FFFFFF">
+                  <a:alpha val="30196"/>
+                </a:srgbClr>
+              </a:solidFill>
+            </a:ln>
+          </p:spPr>
+          <p:style>
+            <a:lnRef idx="1">
+              <a:schemeClr val="accent1"/>
+            </a:lnRef>
+            <a:fillRef idx="0">
+              <a:schemeClr val="accent1"/>
+            </a:fillRef>
+            <a:effectRef idx="0">
+              <a:schemeClr val="accent1"/>
+            </a:effectRef>
+            <a:fontRef idx="minor">
+              <a:schemeClr val="tx1"/>
+            </a:fontRef>
+          </p:style>
+        </p:cxnSp>
+        <p:cxnSp>
+          <p:nvCxnSpPr>
+            <p:cNvPr id="77" name="Straight Connector 76">
+              <a:extLst>
+                <a:ext uri="{FF2B5EF4-FFF2-40B4-BE49-F238E27FC236}">
+                  <a16:creationId xmlns:a16="http://schemas.microsoft.com/office/drawing/2014/main" id="{555407C2-7321-48CD-811F-92C71F701C28}"/>
+                </a:ext>
+                <a:ext uri="{C183D7F6-B498-43B3-948B-1728B52AA6E4}">
+                  <adec:decorative xmlns:adec="http://schemas.microsoft.com/office/drawing/2017/decorative" val="1"/>
+                </a:ext>
+              </a:extLst>
+            </p:cNvPr>
+            <p:cNvCxnSpPr/>
+            <p:nvPr>
+              <p:extLst>
+                <p:ext uri="{386F3935-93C4-4BCD-93E2-E3B085C9AB24}">
+                  <p16:designElem xmlns:p16="http://schemas.microsoft.com/office/powerpoint/2015/main" val="1"/>
+                </p:ext>
+              </p:extLst>
+            </p:nvPr>
+          </p:nvCxnSpPr>
+          <p:spPr>
+            <a:xfrm rot="-4080000" flipH="1">
+              <a:off x="5912438" y="2470678"/>
+              <a:ext cx="3394" cy="182880"/>
+            </a:xfrm>
+            <a:prstGeom prst="line">
+              <a:avLst/>
+            </a:prstGeom>
+            <a:ln>
+              <a:solidFill>
+                <a:srgbClr val="FFFFFF">
+                  <a:alpha val="30196"/>
+                </a:srgbClr>
+              </a:solidFill>
+            </a:ln>
+          </p:spPr>
+          <p:style>
+            <a:lnRef idx="1">
+              <a:schemeClr val="accent1"/>
+            </a:lnRef>
+            <a:fillRef idx="0">
+              <a:schemeClr val="accent1"/>
+            </a:fillRef>
+            <a:effectRef idx="0">
+              <a:schemeClr val="accent1"/>
+            </a:effectRef>
+            <a:fontRef idx="minor">
+              <a:schemeClr val="tx1"/>
+            </a:fontRef>
+          </p:style>
+        </p:cxnSp>
+        <p:cxnSp>
+          <p:nvCxnSpPr>
+            <p:cNvPr id="78" name="Straight Connector 77">
+              <a:extLst>
+                <a:ext uri="{FF2B5EF4-FFF2-40B4-BE49-F238E27FC236}">
+                  <a16:creationId xmlns:a16="http://schemas.microsoft.com/office/drawing/2014/main" id="{E5298A8A-2787-4153-BDA2-E939BFD51412}"/>
+                </a:ext>
+                <a:ext uri="{C183D7F6-B498-43B3-948B-1728B52AA6E4}">
+                  <adec:decorative xmlns:adec="http://schemas.microsoft.com/office/drawing/2017/decorative" val="1"/>
+                </a:ext>
+              </a:extLst>
+            </p:cNvPr>
+            <p:cNvCxnSpPr/>
+            <p:nvPr>
+              <p:extLst>
+                <p:ext uri="{386F3935-93C4-4BCD-93E2-E3B085C9AB24}">
+                  <p16:designElem xmlns:p16="http://schemas.microsoft.com/office/powerpoint/2015/main" val="1"/>
+                </p:ext>
+              </p:extLst>
+            </p:nvPr>
+          </p:nvCxnSpPr>
+          <p:spPr>
+            <a:xfrm rot="-4200000" flipH="1">
+              <a:off x="5858875" y="2600922"/>
+              <a:ext cx="3394" cy="182880"/>
+            </a:xfrm>
+            <a:prstGeom prst="line">
+              <a:avLst/>
+            </a:prstGeom>
+            <a:ln>
+              <a:solidFill>
+                <a:srgbClr val="FFFFFF">
+                  <a:alpha val="30196"/>
+                </a:srgbClr>
+              </a:solidFill>
+            </a:ln>
+          </p:spPr>
+          <p:style>
+            <a:lnRef idx="1">
+              <a:schemeClr val="accent1"/>
+            </a:lnRef>
+            <a:fillRef idx="0">
+              <a:schemeClr val="accent1"/>
+            </a:fillRef>
+            <a:effectRef idx="0">
+              <a:schemeClr val="accent1"/>
+            </a:effectRef>
+            <a:fontRef idx="minor">
+              <a:schemeClr val="tx1"/>
+            </a:fontRef>
+          </p:style>
+        </p:cxnSp>
+        <p:cxnSp>
+          <p:nvCxnSpPr>
+            <p:cNvPr id="79" name="Straight Connector 78">
+              <a:extLst>
+                <a:ext uri="{FF2B5EF4-FFF2-40B4-BE49-F238E27FC236}">
+                  <a16:creationId xmlns:a16="http://schemas.microsoft.com/office/drawing/2014/main" id="{C45057B3-3FAB-42ED-AF52-F00BB07FA52B}"/>
+                </a:ext>
+                <a:ext uri="{C183D7F6-B498-43B3-948B-1728B52AA6E4}">
+                  <adec:decorative xmlns:adec="http://schemas.microsoft.com/office/drawing/2017/decorative" val="1"/>
+                </a:ext>
+              </a:extLst>
+            </p:cNvPr>
+            <p:cNvCxnSpPr/>
+            <p:nvPr>
+              <p:extLst>
+                <p:ext uri="{386F3935-93C4-4BCD-93E2-E3B085C9AB24}">
+                  <p16:designElem xmlns:p16="http://schemas.microsoft.com/office/powerpoint/2015/main" val="1"/>
+                </p:ext>
+              </p:extLst>
+            </p:nvPr>
+          </p:nvCxnSpPr>
+          <p:spPr>
+            <a:xfrm rot="-4320000" flipH="1">
+              <a:off x="5808182" y="2734040"/>
+              <a:ext cx="3394" cy="182880"/>
+            </a:xfrm>
+            <a:prstGeom prst="line">
+              <a:avLst/>
+            </a:prstGeom>
+            <a:ln>
+              <a:solidFill>
+                <a:srgbClr val="FFFFFF">
+                  <a:alpha val="30196"/>
+                </a:srgbClr>
+              </a:solidFill>
+            </a:ln>
+          </p:spPr>
+          <p:style>
+            <a:lnRef idx="1">
+              <a:schemeClr val="accent1"/>
+            </a:lnRef>
+            <a:fillRef idx="0">
+              <a:schemeClr val="accent1"/>
+            </a:fillRef>
+            <a:effectRef idx="0">
+              <a:schemeClr val="accent1"/>
+            </a:effectRef>
+            <a:fontRef idx="minor">
+              <a:schemeClr val="tx1"/>
+            </a:fontRef>
+          </p:style>
+        </p:cxnSp>
+        <p:cxnSp>
+          <p:nvCxnSpPr>
+            <p:cNvPr id="80" name="Straight Connector 79">
+              <a:extLst>
+                <a:ext uri="{FF2B5EF4-FFF2-40B4-BE49-F238E27FC236}">
+                  <a16:creationId xmlns:a16="http://schemas.microsoft.com/office/drawing/2014/main" id="{DA3F09E9-F476-4352-90E3-6A15C74268B9}"/>
+                </a:ext>
+                <a:ext uri="{C183D7F6-B498-43B3-948B-1728B52AA6E4}">
+                  <adec:decorative xmlns:adec="http://schemas.microsoft.com/office/drawing/2017/decorative" val="1"/>
+                </a:ext>
+              </a:extLst>
+            </p:cNvPr>
+            <p:cNvCxnSpPr/>
+            <p:nvPr>
+              <p:extLst>
+                <p:ext uri="{386F3935-93C4-4BCD-93E2-E3B085C9AB24}">
+                  <p16:designElem xmlns:p16="http://schemas.microsoft.com/office/powerpoint/2015/main" val="1"/>
+                </p:ext>
+              </p:extLst>
+            </p:nvPr>
+          </p:nvCxnSpPr>
+          <p:spPr>
+            <a:xfrm rot="-4500000" flipH="1">
+              <a:off x="5773263" y="2866860"/>
+              <a:ext cx="3394" cy="182880"/>
+            </a:xfrm>
+            <a:prstGeom prst="line">
+              <a:avLst/>
+            </a:prstGeom>
+            <a:ln>
+              <a:solidFill>
+                <a:srgbClr val="FFFFFF">
+                  <a:alpha val="30196"/>
+                </a:srgbClr>
+              </a:solidFill>
+            </a:ln>
+          </p:spPr>
+          <p:style>
+            <a:lnRef idx="1">
+              <a:schemeClr val="accent1"/>
+            </a:lnRef>
+            <a:fillRef idx="0">
+              <a:schemeClr val="accent1"/>
+            </a:fillRef>
+            <a:effectRef idx="0">
+              <a:schemeClr val="accent1"/>
+            </a:effectRef>
+            <a:fontRef idx="minor">
+              <a:schemeClr val="tx1"/>
+            </a:fontRef>
+          </p:style>
+        </p:cxnSp>
+        <p:cxnSp>
+          <p:nvCxnSpPr>
+            <p:cNvPr id="81" name="Straight Connector 80">
+              <a:extLst>
+                <a:ext uri="{FF2B5EF4-FFF2-40B4-BE49-F238E27FC236}">
+                  <a16:creationId xmlns:a16="http://schemas.microsoft.com/office/drawing/2014/main" id="{128F7C5C-CECC-45A8-8A1F-D679534D4CBA}"/>
+                </a:ext>
+                <a:ext uri="{C183D7F6-B498-43B3-948B-1728B52AA6E4}">
+                  <adec:decorative xmlns:adec="http://schemas.microsoft.com/office/drawing/2017/decorative" val="1"/>
+                </a:ext>
+              </a:extLst>
+            </p:cNvPr>
+            <p:cNvCxnSpPr/>
+            <p:nvPr>
+              <p:extLst>
+                <p:ext uri="{386F3935-93C4-4BCD-93E2-E3B085C9AB24}">
+                  <p16:designElem xmlns:p16="http://schemas.microsoft.com/office/powerpoint/2015/main" val="1"/>
+                </p:ext>
+              </p:extLst>
+            </p:nvPr>
+          </p:nvCxnSpPr>
+          <p:spPr>
+            <a:xfrm rot="-4620000" flipH="1">
+              <a:off x="5735963" y="3002061"/>
+              <a:ext cx="3394" cy="182880"/>
+            </a:xfrm>
+            <a:prstGeom prst="line">
+              <a:avLst/>
+            </a:prstGeom>
+            <a:ln>
+              <a:solidFill>
+                <a:srgbClr val="FFFFFF">
+                  <a:alpha val="30196"/>
+                </a:srgbClr>
+              </a:solidFill>
+            </a:ln>
+          </p:spPr>
+          <p:style>
+            <a:lnRef idx="1">
+              <a:schemeClr val="accent1"/>
+            </a:lnRef>
+            <a:fillRef idx="0">
+              <a:schemeClr val="accent1"/>
+            </a:fillRef>
+            <a:effectRef idx="0">
+              <a:schemeClr val="accent1"/>
+            </a:effectRef>
+            <a:fontRef idx="minor">
+              <a:schemeClr val="tx1"/>
+            </a:fontRef>
+          </p:style>
+        </p:cxnSp>
+        <p:cxnSp>
+          <p:nvCxnSpPr>
+            <p:cNvPr id="82" name="Straight Connector 81">
+              <a:extLst>
+                <a:ext uri="{FF2B5EF4-FFF2-40B4-BE49-F238E27FC236}">
+                  <a16:creationId xmlns:a16="http://schemas.microsoft.com/office/drawing/2014/main" id="{FFFDFE9C-2017-4831-9F1B-6A03B58B10DE}"/>
+                </a:ext>
+                <a:ext uri="{C183D7F6-B498-43B3-948B-1728B52AA6E4}">
+                  <adec:decorative xmlns:adec="http://schemas.microsoft.com/office/drawing/2017/decorative" val="1"/>
+                </a:ext>
+              </a:extLst>
+            </p:cNvPr>
+            <p:cNvCxnSpPr/>
+            <p:nvPr>
+              <p:extLst>
+                <p:ext uri="{386F3935-93C4-4BCD-93E2-E3B085C9AB24}">
+                  <p16:designElem xmlns:p16="http://schemas.microsoft.com/office/powerpoint/2015/main" val="1"/>
+                </p:ext>
+              </p:extLst>
+            </p:nvPr>
+          </p:nvCxnSpPr>
+          <p:spPr>
+            <a:xfrm rot="-4740000" flipH="1">
+              <a:off x="5700105" y="3138910"/>
+              <a:ext cx="3394" cy="182880"/>
+            </a:xfrm>
+            <a:prstGeom prst="line">
+              <a:avLst/>
+            </a:prstGeom>
+            <a:ln>
+              <a:solidFill>
+                <a:srgbClr val="FFFFFF">
+                  <a:alpha val="30196"/>
+                </a:srgbClr>
+              </a:solidFill>
+            </a:ln>
+          </p:spPr>
+          <p:style>
+            <a:lnRef idx="1">
+              <a:schemeClr val="accent1"/>
+            </a:lnRef>
+            <a:fillRef idx="0">
+              <a:schemeClr val="accent1"/>
+            </a:fillRef>
+            <a:effectRef idx="0">
+              <a:schemeClr val="accent1"/>
+            </a:effectRef>
+            <a:fontRef idx="minor">
+              <a:schemeClr val="tx1"/>
+            </a:fontRef>
+          </p:style>
+        </p:cxnSp>
+        <p:cxnSp>
+          <p:nvCxnSpPr>
+            <p:cNvPr id="83" name="Straight Connector 82">
+              <a:extLst>
+                <a:ext uri="{FF2B5EF4-FFF2-40B4-BE49-F238E27FC236}">
+                  <a16:creationId xmlns:a16="http://schemas.microsoft.com/office/drawing/2014/main" id="{01BC942F-09CF-4A51-85A5-E23E2D71C8C8}"/>
+                </a:ext>
+                <a:ext uri="{C183D7F6-B498-43B3-948B-1728B52AA6E4}">
+                  <adec:decorative xmlns:adec="http://schemas.microsoft.com/office/drawing/2017/decorative" val="1"/>
+                </a:ext>
+              </a:extLst>
+            </p:cNvPr>
+            <p:cNvCxnSpPr/>
+            <p:nvPr>
+              <p:extLst>
+                <p:ext uri="{386F3935-93C4-4BCD-93E2-E3B085C9AB24}">
+                  <p16:designElem xmlns:p16="http://schemas.microsoft.com/office/powerpoint/2015/main" val="1"/>
+                </p:ext>
+              </p:extLst>
+            </p:nvPr>
+          </p:nvCxnSpPr>
+          <p:spPr>
+            <a:xfrm rot="-4860000" flipH="1">
+              <a:off x="5665939" y="3275489"/>
+              <a:ext cx="3394" cy="182880"/>
+            </a:xfrm>
+            <a:prstGeom prst="line">
+              <a:avLst/>
+            </a:prstGeom>
+            <a:ln>
+              <a:solidFill>
+                <a:srgbClr val="FFFFFF">
+                  <a:alpha val="30196"/>
+                </a:srgbClr>
+              </a:solidFill>
+            </a:ln>
+          </p:spPr>
+          <p:style>
+            <a:lnRef idx="1">
+              <a:schemeClr val="accent1"/>
+            </a:lnRef>
+            <a:fillRef idx="0">
+              <a:schemeClr val="accent1"/>
+            </a:fillRef>
+            <a:effectRef idx="0">
+              <a:schemeClr val="accent1"/>
+            </a:effectRef>
+            <a:fontRef idx="minor">
+              <a:schemeClr val="tx1"/>
+            </a:fontRef>
+          </p:style>
+        </p:cxnSp>
+        <p:cxnSp>
+          <p:nvCxnSpPr>
+            <p:cNvPr id="84" name="Straight Connector 83">
+              <a:extLst>
+                <a:ext uri="{FF2B5EF4-FFF2-40B4-BE49-F238E27FC236}">
+                  <a16:creationId xmlns:a16="http://schemas.microsoft.com/office/drawing/2014/main" id="{1456B520-137F-484D-A1B1-7DA5C3F823E6}"/>
+                </a:ext>
+                <a:ext uri="{C183D7F6-B498-43B3-948B-1728B52AA6E4}">
+                  <adec:decorative xmlns:adec="http://schemas.microsoft.com/office/drawing/2017/decorative" val="1"/>
+                </a:ext>
+              </a:extLst>
+            </p:cNvPr>
+            <p:cNvCxnSpPr/>
+            <p:nvPr>
+              <p:extLst>
+                <p:ext uri="{386F3935-93C4-4BCD-93E2-E3B085C9AB24}">
+                  <p16:designElem xmlns:p16="http://schemas.microsoft.com/office/powerpoint/2015/main" val="1"/>
+                </p:ext>
+              </p:extLst>
+            </p:nvPr>
+          </p:nvCxnSpPr>
+          <p:spPr>
+            <a:xfrm rot="-5040000" flipH="1">
+              <a:off x="5644476" y="3414251"/>
+              <a:ext cx="3394" cy="182880"/>
+            </a:xfrm>
+            <a:prstGeom prst="line">
+              <a:avLst/>
+            </a:prstGeom>
+            <a:ln>
+              <a:solidFill>
+                <a:srgbClr val="FFFFFF">
+                  <a:alpha val="30196"/>
+                </a:srgbClr>
+              </a:solidFill>
+            </a:ln>
+          </p:spPr>
+          <p:style>
+            <a:lnRef idx="1">
+              <a:schemeClr val="accent1"/>
+            </a:lnRef>
+            <a:fillRef idx="0">
+              <a:schemeClr val="accent1"/>
+            </a:fillRef>
+            <a:effectRef idx="0">
+              <a:schemeClr val="accent1"/>
+            </a:effectRef>
+            <a:fontRef idx="minor">
+              <a:schemeClr val="tx1"/>
+            </a:fontRef>
+          </p:style>
+        </p:cxnSp>
+        <p:cxnSp>
+          <p:nvCxnSpPr>
+            <p:cNvPr id="85" name="Straight Connector 84">
+              <a:extLst>
+                <a:ext uri="{FF2B5EF4-FFF2-40B4-BE49-F238E27FC236}">
+                  <a16:creationId xmlns:a16="http://schemas.microsoft.com/office/drawing/2014/main" id="{9ECA29F0-381E-4770-97BF-54C4E52201C4}"/>
+                </a:ext>
+                <a:ext uri="{C183D7F6-B498-43B3-948B-1728B52AA6E4}">
+                  <adec:decorative xmlns:adec="http://schemas.microsoft.com/office/drawing/2017/decorative" val="1"/>
+                </a:ext>
+              </a:extLst>
+            </p:cNvPr>
+            <p:cNvCxnSpPr/>
+            <p:nvPr>
+              <p:extLst>
+                <p:ext uri="{386F3935-93C4-4BCD-93E2-E3B085C9AB24}">
+                  <p16:designElem xmlns:p16="http://schemas.microsoft.com/office/powerpoint/2015/main" val="1"/>
+                </p:ext>
+              </p:extLst>
+            </p:nvPr>
+          </p:nvCxnSpPr>
+          <p:spPr>
+            <a:xfrm rot="-5160000" flipH="1">
+              <a:off x="5626530" y="3554628"/>
+              <a:ext cx="3394" cy="182880"/>
+            </a:xfrm>
+            <a:prstGeom prst="line">
+              <a:avLst/>
+            </a:prstGeom>
+            <a:ln>
+              <a:solidFill>
+                <a:srgbClr val="FFFFFF">
+                  <a:alpha val="30196"/>
+                </a:srgbClr>
+              </a:solidFill>
+            </a:ln>
+          </p:spPr>
+          <p:style>
+            <a:lnRef idx="1">
+              <a:schemeClr val="accent1"/>
+            </a:lnRef>
+            <a:fillRef idx="0">
+              <a:schemeClr val="accent1"/>
+            </a:fillRef>
+            <a:effectRef idx="0">
+              <a:schemeClr val="accent1"/>
+            </a:effectRef>
+            <a:fontRef idx="minor">
+              <a:schemeClr val="tx1"/>
+            </a:fontRef>
+          </p:style>
+        </p:cxnSp>
+        <p:cxnSp>
+          <p:nvCxnSpPr>
+            <p:cNvPr id="86" name="Straight Connector 85">
+              <a:extLst>
+                <a:ext uri="{FF2B5EF4-FFF2-40B4-BE49-F238E27FC236}">
+                  <a16:creationId xmlns:a16="http://schemas.microsoft.com/office/drawing/2014/main" id="{D43CCF9F-8F11-4676-82F3-DEE8A48C8567}"/>
+                </a:ext>
+                <a:ext uri="{C183D7F6-B498-43B3-948B-1728B52AA6E4}">
+                  <adec:decorative xmlns:adec="http://schemas.microsoft.com/office/drawing/2017/decorative" val="1"/>
+                </a:ext>
+              </a:extLst>
+            </p:cNvPr>
+            <p:cNvCxnSpPr/>
+            <p:nvPr>
+              <p:extLst>
+                <p:ext uri="{386F3935-93C4-4BCD-93E2-E3B085C9AB24}">
+                  <p16:designElem xmlns:p16="http://schemas.microsoft.com/office/powerpoint/2015/main" val="1"/>
+                </p:ext>
+              </p:extLst>
+            </p:nvPr>
+          </p:nvCxnSpPr>
+          <p:spPr>
+            <a:xfrm rot="-5280000" flipH="1">
+              <a:off x="5616429" y="3691831"/>
+              <a:ext cx="3394" cy="182880"/>
+            </a:xfrm>
+            <a:prstGeom prst="line">
+              <a:avLst/>
+            </a:prstGeom>
+            <a:ln>
+              <a:solidFill>
+                <a:srgbClr val="FFFFFF">
+                  <a:alpha val="30196"/>
+                </a:srgbClr>
+              </a:solidFill>
+            </a:ln>
+          </p:spPr>
+          <p:style>
+            <a:lnRef idx="1">
+              <a:schemeClr val="accent1"/>
+            </a:lnRef>
+            <a:fillRef idx="0">
+              <a:schemeClr val="accent1"/>
+            </a:fillRef>
+            <a:effectRef idx="0">
+              <a:schemeClr val="accent1"/>
+            </a:effectRef>
+            <a:fontRef idx="minor">
+              <a:schemeClr val="tx1"/>
+            </a:fontRef>
+          </p:style>
+        </p:cxnSp>
+        <p:cxnSp>
+          <p:nvCxnSpPr>
+            <p:cNvPr id="87" name="Straight Connector 86">
+              <a:extLst>
+                <a:ext uri="{FF2B5EF4-FFF2-40B4-BE49-F238E27FC236}">
+                  <a16:creationId xmlns:a16="http://schemas.microsoft.com/office/drawing/2014/main" id="{6FA620FD-6A45-4754-BF42-A9FA44966DD9}"/>
+                </a:ext>
+                <a:ext uri="{C183D7F6-B498-43B3-948B-1728B52AA6E4}">
+                  <adec:decorative xmlns:adec="http://schemas.microsoft.com/office/drawing/2017/decorative" val="1"/>
+                </a:ext>
+              </a:extLst>
+            </p:cNvPr>
+            <p:cNvCxnSpPr/>
+            <p:nvPr>
+              <p:extLst>
+                <p:ext uri="{386F3935-93C4-4BCD-93E2-E3B085C9AB24}">
+                  <p16:designElem xmlns:p16="http://schemas.microsoft.com/office/powerpoint/2015/main" val="1"/>
+                </p:ext>
+              </p:extLst>
+            </p:nvPr>
+          </p:nvCxnSpPr>
+          <p:spPr>
+            <a:xfrm rot="-5400000" flipH="1">
+              <a:off x="5611319" y="3835374"/>
+              <a:ext cx="3394" cy="182880"/>
+            </a:xfrm>
+            <a:prstGeom prst="line">
+              <a:avLst/>
+            </a:prstGeom>
+            <a:ln>
+              <a:solidFill>
+                <a:srgbClr val="FFFFFF">
+                  <a:alpha val="30196"/>
+                </a:srgbClr>
+              </a:solidFill>
+            </a:ln>
+          </p:spPr>
+          <p:style>
+            <a:lnRef idx="1">
+              <a:schemeClr val="accent1"/>
+            </a:lnRef>
+            <a:fillRef idx="0">
+              <a:schemeClr val="accent1"/>
+            </a:fillRef>
+            <a:effectRef idx="0">
+              <a:schemeClr val="accent1"/>
+            </a:effectRef>
+            <a:fontRef idx="minor">
+              <a:schemeClr val="tx1"/>
+            </a:fontRef>
+          </p:style>
+        </p:cxnSp>
+        <p:cxnSp>
+          <p:nvCxnSpPr>
+            <p:cNvPr id="88" name="Straight Connector 87">
+              <a:extLst>
+                <a:ext uri="{FF2B5EF4-FFF2-40B4-BE49-F238E27FC236}">
+                  <a16:creationId xmlns:a16="http://schemas.microsoft.com/office/drawing/2014/main" id="{DC4D38F3-F3A2-42F4-8B57-DE978EC4AD5A}"/>
+                </a:ext>
+                <a:ext uri="{C183D7F6-B498-43B3-948B-1728B52AA6E4}">
+                  <adec:decorative xmlns:adec="http://schemas.microsoft.com/office/drawing/2017/decorative" val="1"/>
+                </a:ext>
+              </a:extLst>
+            </p:cNvPr>
+            <p:cNvCxnSpPr/>
+            <p:nvPr>
+              <p:extLst>
+                <p:ext uri="{386F3935-93C4-4BCD-93E2-E3B085C9AB24}">
+                  <p16:designElem xmlns:p16="http://schemas.microsoft.com/office/powerpoint/2015/main" val="1"/>
+                </p:ext>
+              </p:extLst>
+            </p:nvPr>
+          </p:nvCxnSpPr>
+          <p:spPr>
+            <a:xfrm rot="-5580000" flipH="1">
+              <a:off x="5608540" y="3975726"/>
+              <a:ext cx="3394" cy="182880"/>
+            </a:xfrm>
+            <a:prstGeom prst="line">
+              <a:avLst/>
+            </a:prstGeom>
+            <a:ln>
+              <a:solidFill>
+                <a:srgbClr val="FFFFFF">
+                  <a:alpha val="30196"/>
+                </a:srgbClr>
+              </a:solidFill>
+            </a:ln>
+          </p:spPr>
+          <p:style>
+            <a:lnRef idx="1">
+              <a:schemeClr val="accent1"/>
+            </a:lnRef>
+            <a:fillRef idx="0">
+              <a:schemeClr val="accent1"/>
+            </a:fillRef>
+            <a:effectRef idx="0">
+              <a:schemeClr val="accent1"/>
+            </a:effectRef>
+            <a:fontRef idx="minor">
+              <a:schemeClr val="tx1"/>
+            </a:fontRef>
+          </p:style>
+        </p:cxnSp>
+        <p:cxnSp>
+          <p:nvCxnSpPr>
+            <p:cNvPr id="89" name="Straight Connector 88">
+              <a:extLst>
+                <a:ext uri="{FF2B5EF4-FFF2-40B4-BE49-F238E27FC236}">
+                  <a16:creationId xmlns:a16="http://schemas.microsoft.com/office/drawing/2014/main" id="{3C26D30E-A91E-4A5B-A419-0B9D79D57CED}"/>
+                </a:ext>
+                <a:ext uri="{C183D7F6-B498-43B3-948B-1728B52AA6E4}">
+                  <adec:decorative xmlns:adec="http://schemas.microsoft.com/office/drawing/2017/decorative" val="1"/>
+                </a:ext>
+              </a:extLst>
+            </p:cNvPr>
+            <p:cNvCxnSpPr/>
+            <p:nvPr>
+              <p:extLst>
+                <p:ext uri="{386F3935-93C4-4BCD-93E2-E3B085C9AB24}">
+                  <p16:designElem xmlns:p16="http://schemas.microsoft.com/office/powerpoint/2015/main" val="1"/>
+                </p:ext>
+              </p:extLst>
+            </p:nvPr>
+          </p:nvCxnSpPr>
+          <p:spPr>
+            <a:xfrm rot="-5700000" flipH="1">
+              <a:off x="5605761" y="4116078"/>
+              <a:ext cx="3394" cy="182880"/>
+            </a:xfrm>
+            <a:prstGeom prst="line">
+              <a:avLst/>
+            </a:prstGeom>
+            <a:ln>
+              <a:solidFill>
+                <a:srgbClr val="FFFFFF">
+                  <a:alpha val="30196"/>
+                </a:srgbClr>
+              </a:solidFill>
+            </a:ln>
+          </p:spPr>
+          <p:style>
+            <a:lnRef idx="1">
+              <a:schemeClr val="accent1"/>
+            </a:lnRef>
+            <a:fillRef idx="0">
+              <a:schemeClr val="accent1"/>
+            </a:fillRef>
+            <a:effectRef idx="0">
+              <a:schemeClr val="accent1"/>
+            </a:effectRef>
+            <a:fontRef idx="minor">
+              <a:schemeClr val="tx1"/>
+            </a:fontRef>
+          </p:style>
+        </p:cxnSp>
+        <p:cxnSp>
+          <p:nvCxnSpPr>
+            <p:cNvPr id="90" name="Straight Connector 89">
+              <a:extLst>
+                <a:ext uri="{FF2B5EF4-FFF2-40B4-BE49-F238E27FC236}">
+                  <a16:creationId xmlns:a16="http://schemas.microsoft.com/office/drawing/2014/main" id="{ADAB3EBC-722A-462E-AAAE-506E50038ED8}"/>
+                </a:ext>
+                <a:ext uri="{C183D7F6-B498-43B3-948B-1728B52AA6E4}">
+                  <adec:decorative xmlns:adec="http://schemas.microsoft.com/office/drawing/2017/decorative" val="1"/>
+                </a:ext>
+              </a:extLst>
+            </p:cNvPr>
+            <p:cNvCxnSpPr/>
+            <p:nvPr>
+              <p:extLst>
+                <p:ext uri="{386F3935-93C4-4BCD-93E2-E3B085C9AB24}">
+                  <p16:designElem xmlns:p16="http://schemas.microsoft.com/office/powerpoint/2015/main" val="1"/>
+                </p:ext>
+              </p:extLst>
+            </p:nvPr>
+          </p:nvCxnSpPr>
+          <p:spPr>
+            <a:xfrm rot="-5820000" flipH="1">
+              <a:off x="5624195" y="4254218"/>
+              <a:ext cx="3394" cy="182880"/>
+            </a:xfrm>
+            <a:prstGeom prst="line">
+              <a:avLst/>
+            </a:prstGeom>
+            <a:ln>
+              <a:solidFill>
+                <a:srgbClr val="FFFFFF">
+                  <a:alpha val="30196"/>
+                </a:srgbClr>
+              </a:solidFill>
+            </a:ln>
+          </p:spPr>
+          <p:style>
+            <a:lnRef idx="1">
+              <a:schemeClr val="accent1"/>
+            </a:lnRef>
+            <a:fillRef idx="0">
+              <a:schemeClr val="accent1"/>
+            </a:fillRef>
+            <a:effectRef idx="0">
+              <a:schemeClr val="accent1"/>
+            </a:effectRef>
+            <a:fontRef idx="minor">
+              <a:schemeClr val="tx1"/>
+            </a:fontRef>
+          </p:style>
+        </p:cxnSp>
+        <p:cxnSp>
+          <p:nvCxnSpPr>
+            <p:cNvPr id="91" name="Straight Connector 90">
+              <a:extLst>
+                <a:ext uri="{FF2B5EF4-FFF2-40B4-BE49-F238E27FC236}">
+                  <a16:creationId xmlns:a16="http://schemas.microsoft.com/office/drawing/2014/main" id="{CBAABC17-832F-48CF-B0D7-0F7DE54607F5}"/>
+                </a:ext>
+                <a:ext uri="{C183D7F6-B498-43B3-948B-1728B52AA6E4}">
+                  <adec:decorative xmlns:adec="http://schemas.microsoft.com/office/drawing/2017/decorative" val="1"/>
+                </a:ext>
+              </a:extLst>
+            </p:cNvPr>
+            <p:cNvCxnSpPr/>
+            <p:nvPr>
+              <p:extLst>
+                <p:ext uri="{386F3935-93C4-4BCD-93E2-E3B085C9AB24}">
+                  <p16:designElem xmlns:p16="http://schemas.microsoft.com/office/powerpoint/2015/main" val="1"/>
+                </p:ext>
+              </p:extLst>
+            </p:nvPr>
+          </p:nvCxnSpPr>
+          <p:spPr>
+            <a:xfrm rot="-5940000" flipH="1">
+              <a:off x="5642629" y="4392358"/>
+              <a:ext cx="3394" cy="182880"/>
+            </a:xfrm>
+            <a:prstGeom prst="line">
+              <a:avLst/>
+            </a:prstGeom>
+            <a:ln>
+              <a:solidFill>
+                <a:srgbClr val="FFFFFF">
+                  <a:alpha val="30196"/>
+                </a:srgbClr>
+              </a:solidFill>
+            </a:ln>
+          </p:spPr>
+          <p:style>
+            <a:lnRef idx="1">
+              <a:schemeClr val="accent1"/>
+            </a:lnRef>
+            <a:fillRef idx="0">
+              <a:schemeClr val="accent1"/>
+            </a:fillRef>
+            <a:effectRef idx="0">
+              <a:schemeClr val="accent1"/>
+            </a:effectRef>
+            <a:fontRef idx="minor">
+              <a:schemeClr val="tx1"/>
+            </a:fontRef>
+          </p:style>
+        </p:cxnSp>
+        <p:cxnSp>
+          <p:nvCxnSpPr>
+            <p:cNvPr id="92" name="Straight Connector 91">
+              <a:extLst>
+                <a:ext uri="{FF2B5EF4-FFF2-40B4-BE49-F238E27FC236}">
+                  <a16:creationId xmlns:a16="http://schemas.microsoft.com/office/drawing/2014/main" id="{E1FCA513-75D7-414B-BE8F-D780746A1A66}"/>
+                </a:ext>
+                <a:ext uri="{C183D7F6-B498-43B3-948B-1728B52AA6E4}">
+                  <adec:decorative xmlns:adec="http://schemas.microsoft.com/office/drawing/2017/decorative" val="1"/>
+                </a:ext>
+              </a:extLst>
+            </p:cNvPr>
+            <p:cNvCxnSpPr/>
+            <p:nvPr>
+              <p:extLst>
+                <p:ext uri="{386F3935-93C4-4BCD-93E2-E3B085C9AB24}">
+                  <p16:designElem xmlns:p16="http://schemas.microsoft.com/office/powerpoint/2015/main" val="1"/>
+                </p:ext>
+              </p:extLst>
+            </p:nvPr>
+          </p:nvCxnSpPr>
+          <p:spPr>
+            <a:xfrm rot="-6120000" flipH="1">
+              <a:off x="5654818" y="4536385"/>
+              <a:ext cx="3394" cy="182880"/>
+            </a:xfrm>
+            <a:prstGeom prst="line">
+              <a:avLst/>
+            </a:prstGeom>
+            <a:ln>
+              <a:solidFill>
+                <a:srgbClr val="FFFFFF">
+                  <a:alpha val="30196"/>
+                </a:srgbClr>
+              </a:solidFill>
+            </a:ln>
+          </p:spPr>
+          <p:style>
+            <a:lnRef idx="1">
+              <a:schemeClr val="accent1"/>
+            </a:lnRef>
+            <a:fillRef idx="0">
+              <a:schemeClr val="accent1"/>
+            </a:fillRef>
+            <a:effectRef idx="0">
+              <a:schemeClr val="accent1"/>
+            </a:effectRef>
+            <a:fontRef idx="minor">
+              <a:schemeClr val="tx1"/>
+            </a:fontRef>
+          </p:style>
+        </p:cxnSp>
+        <p:cxnSp>
+          <p:nvCxnSpPr>
+            <p:cNvPr id="93" name="Straight Connector 92">
+              <a:extLst>
+                <a:ext uri="{FF2B5EF4-FFF2-40B4-BE49-F238E27FC236}">
+                  <a16:creationId xmlns:a16="http://schemas.microsoft.com/office/drawing/2014/main" id="{F2EDEC73-B6F5-473F-934A-CEF57604A8A4}"/>
+                </a:ext>
+                <a:ext uri="{C183D7F6-B498-43B3-948B-1728B52AA6E4}">
+                  <adec:decorative xmlns:adec="http://schemas.microsoft.com/office/drawing/2017/decorative" val="1"/>
+                </a:ext>
+              </a:extLst>
+            </p:cNvPr>
+            <p:cNvCxnSpPr/>
+            <p:nvPr>
+              <p:extLst>
+                <p:ext uri="{386F3935-93C4-4BCD-93E2-E3B085C9AB24}">
+                  <p16:designElem xmlns:p16="http://schemas.microsoft.com/office/powerpoint/2015/main" val="1"/>
+                </p:ext>
+              </p:extLst>
+            </p:nvPr>
+          </p:nvCxnSpPr>
+          <p:spPr>
+            <a:xfrm rot="-6240000" flipH="1">
+              <a:off x="5684446" y="4671367"/>
+              <a:ext cx="3394" cy="182880"/>
+            </a:xfrm>
+            <a:prstGeom prst="line">
+              <a:avLst/>
+            </a:prstGeom>
+            <a:ln>
+              <a:solidFill>
+                <a:srgbClr val="FFFFFF">
+                  <a:alpha val="30196"/>
+                </a:srgbClr>
+              </a:solidFill>
+            </a:ln>
+          </p:spPr>
+          <p:style>
+            <a:lnRef idx="1">
+              <a:schemeClr val="accent1"/>
+            </a:lnRef>
+            <a:fillRef idx="0">
+              <a:schemeClr val="accent1"/>
+            </a:fillRef>
+            <a:effectRef idx="0">
+              <a:schemeClr val="accent1"/>
+            </a:effectRef>
+            <a:fontRef idx="minor">
+              <a:schemeClr val="tx1"/>
+            </a:fontRef>
+          </p:style>
+        </p:cxnSp>
+        <p:cxnSp>
+          <p:nvCxnSpPr>
+            <p:cNvPr id="94" name="Straight Connector 93">
+              <a:extLst>
+                <a:ext uri="{FF2B5EF4-FFF2-40B4-BE49-F238E27FC236}">
+                  <a16:creationId xmlns:a16="http://schemas.microsoft.com/office/drawing/2014/main" id="{5B987884-C452-4492-A9F8-2770D3373BF9}"/>
+                </a:ext>
+                <a:ext uri="{C183D7F6-B498-43B3-948B-1728B52AA6E4}">
+                  <adec:decorative xmlns:adec="http://schemas.microsoft.com/office/drawing/2017/decorative" val="1"/>
+                </a:ext>
+              </a:extLst>
+            </p:cNvPr>
+            <p:cNvCxnSpPr/>
+            <p:nvPr>
+              <p:extLst>
+                <p:ext uri="{386F3935-93C4-4BCD-93E2-E3B085C9AB24}">
+                  <p16:designElem xmlns:p16="http://schemas.microsoft.com/office/powerpoint/2015/main" val="1"/>
+                </p:ext>
+              </p:extLst>
+            </p:nvPr>
+          </p:nvCxnSpPr>
+          <p:spPr>
+            <a:xfrm rot="-6360000" flipH="1">
+              <a:off x="5714074" y="4808730"/>
+              <a:ext cx="3394" cy="182880"/>
+            </a:xfrm>
+            <a:prstGeom prst="line">
+              <a:avLst/>
+            </a:prstGeom>
+            <a:ln>
+              <a:solidFill>
+                <a:srgbClr val="FFFFFF">
+                  <a:alpha val="30196"/>
+                </a:srgbClr>
+              </a:solidFill>
+            </a:ln>
+          </p:spPr>
+          <p:style>
+            <a:lnRef idx="1">
+              <a:schemeClr val="accent1"/>
+            </a:lnRef>
+            <a:fillRef idx="0">
+              <a:schemeClr val="accent1"/>
+            </a:fillRef>
+            <a:effectRef idx="0">
+              <a:schemeClr val="accent1"/>
+            </a:effectRef>
+            <a:fontRef idx="minor">
+              <a:schemeClr val="tx1"/>
+            </a:fontRef>
+          </p:style>
+        </p:cxnSp>
+        <p:cxnSp>
+          <p:nvCxnSpPr>
+            <p:cNvPr id="95" name="Straight Connector 94">
+              <a:extLst>
+                <a:ext uri="{FF2B5EF4-FFF2-40B4-BE49-F238E27FC236}">
+                  <a16:creationId xmlns:a16="http://schemas.microsoft.com/office/drawing/2014/main" id="{9D978AF2-B7BB-4E05-81F1-1A5DBD1CB4EF}"/>
+                </a:ext>
+                <a:ext uri="{C183D7F6-B498-43B3-948B-1728B52AA6E4}">
+                  <adec:decorative xmlns:adec="http://schemas.microsoft.com/office/drawing/2017/decorative" val="1"/>
+                </a:ext>
+              </a:extLst>
+            </p:cNvPr>
+            <p:cNvCxnSpPr/>
+            <p:nvPr>
+              <p:extLst>
+                <p:ext uri="{386F3935-93C4-4BCD-93E2-E3B085C9AB24}">
+                  <p16:designElem xmlns:p16="http://schemas.microsoft.com/office/powerpoint/2015/main" val="1"/>
+                </p:ext>
+              </p:extLst>
+            </p:nvPr>
+          </p:nvCxnSpPr>
+          <p:spPr>
+            <a:xfrm rot="-6480000" flipH="1">
+              <a:off x="5748464" y="4948474"/>
+              <a:ext cx="3394" cy="182880"/>
+            </a:xfrm>
+            <a:prstGeom prst="line">
+              <a:avLst/>
+            </a:prstGeom>
+            <a:ln>
+              <a:solidFill>
+                <a:srgbClr val="FFFFFF">
+                  <a:alpha val="30196"/>
+                </a:srgbClr>
+              </a:solidFill>
+            </a:ln>
+          </p:spPr>
+          <p:style>
+            <a:lnRef idx="1">
+              <a:schemeClr val="accent1"/>
+            </a:lnRef>
+            <a:fillRef idx="0">
+              <a:schemeClr val="accent1"/>
+            </a:fillRef>
+            <a:effectRef idx="0">
+              <a:schemeClr val="accent1"/>
+            </a:effectRef>
+            <a:fontRef idx="minor">
+              <a:schemeClr val="tx1"/>
+            </a:fontRef>
+          </p:style>
+        </p:cxnSp>
+        <p:cxnSp>
+          <p:nvCxnSpPr>
+            <p:cNvPr id="96" name="Straight Connector 95">
+              <a:extLst>
+                <a:ext uri="{FF2B5EF4-FFF2-40B4-BE49-F238E27FC236}">
+                  <a16:creationId xmlns:a16="http://schemas.microsoft.com/office/drawing/2014/main" id="{D7AD4D45-C3AB-458E-B826-0FACBD0DF3AF}"/>
+                </a:ext>
+                <a:ext uri="{C183D7F6-B498-43B3-948B-1728B52AA6E4}">
+                  <adec:decorative xmlns:adec="http://schemas.microsoft.com/office/drawing/2017/decorative" val="1"/>
+                </a:ext>
+              </a:extLst>
+            </p:cNvPr>
+            <p:cNvCxnSpPr/>
+            <p:nvPr>
+              <p:extLst>
+                <p:ext uri="{386F3935-93C4-4BCD-93E2-E3B085C9AB24}">
+                  <p16:designElem xmlns:p16="http://schemas.microsoft.com/office/powerpoint/2015/main" val="1"/>
+                </p:ext>
+              </p:extLst>
+            </p:nvPr>
+          </p:nvCxnSpPr>
+          <p:spPr>
+            <a:xfrm rot="-6660000" flipH="1">
+              <a:off x="5792091" y="5077607"/>
+              <a:ext cx="3394" cy="182880"/>
+            </a:xfrm>
+            <a:prstGeom prst="line">
+              <a:avLst/>
+            </a:prstGeom>
+            <a:ln>
+              <a:solidFill>
+                <a:srgbClr val="FFFFFF">
+                  <a:alpha val="30196"/>
+                </a:srgbClr>
+              </a:solidFill>
+            </a:ln>
+          </p:spPr>
+          <p:style>
+            <a:lnRef idx="1">
+              <a:schemeClr val="accent1"/>
+            </a:lnRef>
+            <a:fillRef idx="0">
+              <a:schemeClr val="accent1"/>
+            </a:fillRef>
+            <a:effectRef idx="0">
+              <a:schemeClr val="accent1"/>
+            </a:effectRef>
+            <a:fontRef idx="minor">
+              <a:schemeClr val="tx1"/>
+            </a:fontRef>
+          </p:style>
+        </p:cxnSp>
+        <p:cxnSp>
+          <p:nvCxnSpPr>
+            <p:cNvPr id="97" name="Straight Connector 96">
+              <a:extLst>
+                <a:ext uri="{FF2B5EF4-FFF2-40B4-BE49-F238E27FC236}">
+                  <a16:creationId xmlns:a16="http://schemas.microsoft.com/office/drawing/2014/main" id="{A6E15555-6738-463C-B7DF-86429F2F9677}"/>
+                </a:ext>
+                <a:ext uri="{C183D7F6-B498-43B3-948B-1728B52AA6E4}">
+                  <adec:decorative xmlns:adec="http://schemas.microsoft.com/office/drawing/2017/decorative" val="1"/>
+                </a:ext>
+              </a:extLst>
+            </p:cNvPr>
+            <p:cNvCxnSpPr/>
+            <p:nvPr>
+              <p:extLst>
+                <p:ext uri="{386F3935-93C4-4BCD-93E2-E3B085C9AB24}">
+                  <p16:designElem xmlns:p16="http://schemas.microsoft.com/office/powerpoint/2015/main" val="1"/>
+                </p:ext>
+              </p:extLst>
+            </p:nvPr>
+          </p:nvCxnSpPr>
+          <p:spPr>
+            <a:xfrm rot="-6780000" flipH="1">
+              <a:off x="5847441" y="5211223"/>
+              <a:ext cx="3394" cy="182880"/>
+            </a:xfrm>
+            <a:prstGeom prst="line">
+              <a:avLst/>
+            </a:prstGeom>
+            <a:ln>
+              <a:solidFill>
+                <a:srgbClr val="FFFFFF">
+                  <a:alpha val="30196"/>
+                </a:srgbClr>
+              </a:solidFill>
+            </a:ln>
+          </p:spPr>
+          <p:style>
+            <a:lnRef idx="1">
+              <a:schemeClr val="accent1"/>
+            </a:lnRef>
+            <a:fillRef idx="0">
+              <a:schemeClr val="accent1"/>
+            </a:fillRef>
+            <a:effectRef idx="0">
+              <a:schemeClr val="accent1"/>
+            </a:effectRef>
+            <a:fontRef idx="minor">
+              <a:schemeClr val="tx1"/>
+            </a:fontRef>
+          </p:style>
+        </p:cxnSp>
+        <p:cxnSp>
+          <p:nvCxnSpPr>
+            <p:cNvPr id="98" name="Straight Connector 97">
+              <a:extLst>
+                <a:ext uri="{FF2B5EF4-FFF2-40B4-BE49-F238E27FC236}">
+                  <a16:creationId xmlns:a16="http://schemas.microsoft.com/office/drawing/2014/main" id="{AE487172-B4C3-4D13-A562-EF0BA3DD961F}"/>
+                </a:ext>
+                <a:ext uri="{C183D7F6-B498-43B3-948B-1728B52AA6E4}">
+                  <adec:decorative xmlns:adec="http://schemas.microsoft.com/office/drawing/2017/decorative" val="1"/>
+                </a:ext>
+              </a:extLst>
+            </p:cNvPr>
+            <p:cNvCxnSpPr/>
+            <p:nvPr>
+              <p:extLst>
+                <p:ext uri="{386F3935-93C4-4BCD-93E2-E3B085C9AB24}">
+                  <p16:designElem xmlns:p16="http://schemas.microsoft.com/office/powerpoint/2015/main" val="1"/>
+                </p:ext>
+              </p:extLst>
+            </p:nvPr>
+          </p:nvCxnSpPr>
+          <p:spPr>
+            <a:xfrm rot="-6900000" flipH="1">
+              <a:off x="5900410" y="5342458"/>
+              <a:ext cx="3394" cy="182880"/>
+            </a:xfrm>
+            <a:prstGeom prst="line">
+              <a:avLst/>
+            </a:prstGeom>
+            <a:ln>
+              <a:solidFill>
+                <a:srgbClr val="FFFFFF">
+                  <a:alpha val="30196"/>
+                </a:srgbClr>
+              </a:solidFill>
+            </a:ln>
+          </p:spPr>
+          <p:style>
+            <a:lnRef idx="1">
+              <a:schemeClr val="accent1"/>
+            </a:lnRef>
+            <a:fillRef idx="0">
+              <a:schemeClr val="accent1"/>
+            </a:fillRef>
+            <a:effectRef idx="0">
+              <a:schemeClr val="accent1"/>
+            </a:effectRef>
+            <a:fontRef idx="minor">
+              <a:schemeClr val="tx1"/>
+            </a:fontRef>
+          </p:style>
+        </p:cxnSp>
+        <p:cxnSp>
+          <p:nvCxnSpPr>
+            <p:cNvPr id="99" name="Straight Connector 98">
+              <a:extLst>
+                <a:ext uri="{FF2B5EF4-FFF2-40B4-BE49-F238E27FC236}">
+                  <a16:creationId xmlns:a16="http://schemas.microsoft.com/office/drawing/2014/main" id="{08E66297-1295-432A-AA84-7BB2341C1932}"/>
+                </a:ext>
+                <a:ext uri="{C183D7F6-B498-43B3-948B-1728B52AA6E4}">
+                  <adec:decorative xmlns:adec="http://schemas.microsoft.com/office/drawing/2017/decorative" val="1"/>
+                </a:ext>
+              </a:extLst>
+            </p:cNvPr>
+            <p:cNvCxnSpPr/>
+            <p:nvPr>
+              <p:extLst>
+                <p:ext uri="{386F3935-93C4-4BCD-93E2-E3B085C9AB24}">
+                  <p16:designElem xmlns:p16="http://schemas.microsoft.com/office/powerpoint/2015/main" val="1"/>
+                </p:ext>
+              </p:extLst>
+            </p:nvPr>
+          </p:nvCxnSpPr>
+          <p:spPr>
+            <a:xfrm rot="-7020000" flipH="1">
+              <a:off x="5955760" y="5473693"/>
+              <a:ext cx="3394" cy="182880"/>
+            </a:xfrm>
+            <a:prstGeom prst="line">
+              <a:avLst/>
+            </a:prstGeom>
+            <a:ln>
+              <a:solidFill>
+                <a:srgbClr val="FFFFFF">
+                  <a:alpha val="30196"/>
+                </a:srgbClr>
+              </a:solidFill>
+            </a:ln>
+          </p:spPr>
+          <p:style>
+            <a:lnRef idx="1">
+              <a:schemeClr val="accent1"/>
+            </a:lnRef>
+            <a:fillRef idx="0">
+              <a:schemeClr val="accent1"/>
+            </a:fillRef>
+            <a:effectRef idx="0">
+              <a:schemeClr val="accent1"/>
+            </a:effectRef>
+            <a:fontRef idx="minor">
+              <a:schemeClr val="tx1"/>
+            </a:fontRef>
+          </p:style>
+        </p:cxnSp>
+      </p:grpSp>
+      <p:pic>
+        <p:nvPicPr>
+          <p:cNvPr id="6" name="תמונה 5">
+            <a:extLst>
+              <a:ext uri="{FF2B5EF4-FFF2-40B4-BE49-F238E27FC236}">
+                <a16:creationId xmlns:a16="http://schemas.microsoft.com/office/drawing/2014/main" id="{F543A962-2364-48D8-8289-91D8DBD5CB67}"/>
+              </a:ext>
+            </a:extLst>
+          </p:cNvPr>
+          <p:cNvPicPr>
+            <a:picLocks noChangeAspect="1"/>
+          </p:cNvPicPr>
+          <p:nvPr/>
+        </p:nvPicPr>
+        <p:blipFill>
+          <a:blip r:embed="rId3"/>
+          <a:stretch>
+            <a:fillRect/>
+          </a:stretch>
+        </p:blipFill>
+        <p:spPr>
+          <a:xfrm>
+            <a:off x="7086070" y="2433919"/>
+            <a:ext cx="4281546" cy="3211160"/>
+          </a:xfrm>
+          <a:prstGeom prst="rect">
+            <a:avLst/>
+          </a:prstGeom>
+        </p:spPr>
+      </p:pic>
+    </p:spTree>
+    <p:extLst>
+      <p:ext uri="{BB962C8B-B14F-4D97-AF65-F5344CB8AC3E}">
+        <p14:creationId xmlns:p14="http://schemas.microsoft.com/office/powerpoint/2010/main" val="1681274359"/>
+      </p:ext>
+    </p:extLst>
+  </p:cSld>
+  <p:clrMapOvr>
+    <a:overrideClrMapping bg1="lt1" tx1="dk1" bg2="lt2" tx2="dk2" accent1="accent1" accent2="accent2" accent3="accent3" accent4="accent4" accent5="accent5" accent6="accent6" hlink="hlink" folHlink="folHlink"/>
+  </p:clrMapOvr>
+</p:sld>
+</file>
+
+<file path=ppt/slides/slide4.xml><?xml version="1.0" encoding="utf-8"?>
+<p:sld xmlns:a="http://schemas.openxmlformats.org/drawingml/2006/main" xmlns:r="http://schemas.openxmlformats.org/officeDocument/2006/relationships" xmlns:p="http://schemas.openxmlformats.org/presentationml/2006/main">
+  <p:cSld>
     <p:spTree>
       <p:nvGrpSpPr>
         <p:cNvPr id="1" name=""/>
@@ -9527,10 +15838,10 @@
           <a:p>
             <a:pPr algn="r" rtl="1"/>
             <a:r>
-              <a:rPr lang="he-IL" dirty="0"/>
+              <a:rPr lang="he-IL"/>
               <a:t>המצב הקיים ותיאור הבעיה</a:t>
             </a:r>
-            <a:endParaRPr lang="en-IL" dirty="0"/>
+            <a:endParaRPr lang="en-IL"/>
           </a:p>
         </p:txBody>
       </p:sp>
@@ -9559,18 +15870,35 @@
           <a:p>
             <a:pPr algn="r" rtl="1"/>
             <a:r>
-              <a:rPr lang="he-IL" sz="1800" dirty="0">
+              <a:rPr lang="he-IL" sz="1800">
                 <a:effectLst/>
                 <a:latin typeface="Calibri" panose="020F0502020204030204" pitchFamily="34" charset="0"/>
                 <a:ea typeface="Calibri" panose="020F0502020204030204" pitchFamily="34" charset="0"/>
                 <a:cs typeface="Arial" panose="020B0604020202020204" pitchFamily="34" charset="0"/>
               </a:rPr>
-              <a:t>כיום בחיל האוויר מפותחות מערכות קריטיות ומבצעיות. בדיקת תקינות הקוד אינה אמינה ומכילה הרבה בעיות.</a:t>
+              <a:t>כיום בחיל האוויר מפותחות מערכות קריטיות ומבצעיות. </a:t>
+            </a:r>
+            <a:r>
+              <a:rPr lang="he-IL">
+                <a:latin typeface="Calibri" panose="020F0502020204030204" pitchFamily="34" charset="0"/>
+                <a:ea typeface="Calibri" panose="020F0502020204030204" pitchFamily="34" charset="0"/>
+                <a:cs typeface="Arial" panose="020B0604020202020204" pitchFamily="34" charset="0"/>
+              </a:rPr>
+              <a:t>יש חשש ש</a:t>
+            </a:r>
+            <a:r>
+              <a:rPr lang="he-IL" sz="1800">
+                <a:effectLst/>
+                <a:latin typeface="Calibri" panose="020F0502020204030204" pitchFamily="34" charset="0"/>
+                <a:ea typeface="Calibri" panose="020F0502020204030204" pitchFamily="34" charset="0"/>
+                <a:cs typeface="Arial" panose="020B0604020202020204" pitchFamily="34" charset="0"/>
+              </a:rPr>
+              <a:t>בדיקות התקינות אינן אמינות ועלולות להכיל בעיות.</a:t>
             </a:r>
           </a:p>
           <a:p>
             <a:pPr algn="r" rtl="1"/>
-            <a:endParaRPr lang="he-IL" sz="1800" dirty="0">
+            <a:endParaRPr lang="he-IL" sz="1800">
               <a:effectLst/>
               <a:latin typeface="Calibri" panose="020F0502020204030204" pitchFamily="34" charset="0"/>
               <a:ea typeface="Calibri" panose="020F0502020204030204" pitchFamily="34" charset="0"/>
@@ -9580,7 +15908,7 @@
           <a:p>
             <a:pPr algn="r" rtl="1"/>
             <a:r>
-              <a:rPr lang="he-IL" sz="1800" dirty="0">
+              <a:rPr lang="he-IL" sz="1800">
                 <a:effectLst/>
                 <a:latin typeface="Calibri" panose="020F0502020204030204" pitchFamily="34" charset="0"/>
                 <a:ea typeface="Calibri" panose="020F0502020204030204" pitchFamily="34" charset="0"/>
@@ -9588,7 +15916,7 @@
               </a:rPr>
               <a:t>בדיקת קוד על ידי מתכנת במהלך הלחץ לסיים את חובותיו עד לתאריך מסוים יכול להוות לחץ מיותר.</a:t>
             </a:r>
-            <a:endParaRPr lang="en-IL" sz="1800" dirty="0">
+            <a:endParaRPr lang="en-IL" sz="1800">
               <a:effectLst/>
               <a:latin typeface="Calibri" panose="020F0502020204030204" pitchFamily="34" charset="0"/>
               <a:ea typeface="Calibri" panose="020F0502020204030204" pitchFamily="34" charset="0"/>
@@ -9597,7 +15925,7 @@
           </a:p>
           <a:p>
             <a:pPr algn="r" rtl="1"/>
-            <a:endParaRPr lang="he-IL" dirty="0">
+            <a:endParaRPr lang="he-IL">
               <a:latin typeface="Calibri" panose="020F0502020204030204" pitchFamily="34" charset="0"/>
               <a:ea typeface="Calibri" panose="020F0502020204030204" pitchFamily="34" charset="0"/>
               <a:cs typeface="Arial" panose="020B0604020202020204" pitchFamily="34" charset="0"/>
@@ -9606,7 +15934,7 @@
           <a:p>
             <a:pPr algn="r" rtl="1"/>
             <a:r>
-              <a:rPr lang="he-IL" dirty="0">
+              <a:rPr lang="he-IL">
                 <a:latin typeface="Calibri" panose="020F0502020204030204" pitchFamily="34" charset="0"/>
                 <a:ea typeface="Calibri" panose="020F0502020204030204" pitchFamily="34" charset="0"/>
                 <a:cs typeface="Arial" panose="020B0604020202020204" pitchFamily="34" charset="0"/>
@@ -9616,7 +15944,7 @@
           </a:p>
           <a:p>
             <a:pPr algn="r" rtl="1"/>
-            <a:endParaRPr lang="he-IL" dirty="0">
+            <a:endParaRPr lang="he-IL">
               <a:latin typeface="Calibri" panose="020F0502020204030204" pitchFamily="34" charset="0"/>
               <a:ea typeface="Calibri" panose="020F0502020204030204" pitchFamily="34" charset="0"/>
               <a:cs typeface="Arial" panose="020B0604020202020204" pitchFamily="34" charset="0"/>
@@ -9625,7 +15953,7 @@
           <a:p>
             <a:pPr algn="r" rtl="1"/>
             <a:r>
-              <a:rPr lang="he-IL" dirty="0">
+              <a:rPr lang="he-IL">
                 <a:latin typeface="Calibri" panose="020F0502020204030204" pitchFamily="34" charset="0"/>
                 <a:ea typeface="Calibri" panose="020F0502020204030204" pitchFamily="34" charset="0"/>
                 <a:cs typeface="Arial" panose="020B0604020202020204" pitchFamily="34" charset="0"/>
@@ -9637,7 +15965,7 @@
             <a:pPr marL="0" indent="0" algn="r" rtl="1">
               <a:buNone/>
             </a:pPr>
-            <a:endParaRPr lang="en-IL" sz="1800" dirty="0">
+            <a:endParaRPr lang="en-IL" sz="1800">
               <a:effectLst/>
               <a:latin typeface="Calibri" panose="020F0502020204030204" pitchFamily="34" charset="0"/>
               <a:ea typeface="Calibri" panose="020F0502020204030204" pitchFamily="34" charset="0"/>
@@ -9659,7 +15987,7 @@
 </p:sld>
 </file>
 
-<file path=ppt/slides/slide4.xml><?xml version="1.0" encoding="utf-8"?>
+<file path=ppt/slides/slide5.xml><?xml version="1.0" encoding="utf-8"?>
 <p:sld xmlns:a="http://schemas.openxmlformats.org/drawingml/2006/main" xmlns:r="http://schemas.openxmlformats.org/officeDocument/2006/relationships" xmlns:p="http://schemas.openxmlformats.org/presentationml/2006/main">
   <p:cSld>
     <p:spTree>
@@ -9699,10 +16027,10 @@
           <a:p>
             <a:pPr algn="r" rtl="1"/>
             <a:r>
-              <a:rPr lang="he-IL" dirty="0"/>
+              <a:rPr lang="he-IL"/>
               <a:t>הצורך המבצעי</a:t>
             </a:r>
-            <a:endParaRPr lang="en-IL" dirty="0"/>
+            <a:endParaRPr lang="en-IL"/>
           </a:p>
         </p:txBody>
       </p:sp>
@@ -9735,57 +16063,57 @@
           <a:lstStyle/>
           <a:p>
             <a:pPr algn="r" rtl="1"/>
-            <a:endParaRPr lang="he-IL" sz="2800" dirty="0"/>
+            <a:endParaRPr lang="he-IL" sz="2800"/>
           </a:p>
           <a:p>
             <a:pPr marL="0" indent="0" algn="r" rtl="1">
               <a:buNone/>
             </a:pPr>
-            <a:endParaRPr lang="he-IL" sz="2800" dirty="0"/>
+            <a:endParaRPr lang="he-IL" sz="2800"/>
           </a:p>
           <a:p>
             <a:pPr algn="r" rtl="1"/>
             <a:r>
-              <a:rPr lang="he-IL" sz="2800" dirty="0"/>
-              <a:t>מערכת אשר תרכז את כלל בדיקות התוכנה במקום אחד.</a:t>
+              <a:rPr lang="he-IL" sz="2800"/>
+              <a:t>מערכת אשר תרכז את כלל בדיקות התוכנה הסטטיות במקום אחד.</a:t>
             </a:r>
           </a:p>
           <a:p>
             <a:pPr algn="r" rtl="1"/>
             <a:r>
-              <a:rPr lang="he-IL" sz="2800" dirty="0"/>
+              <a:rPr lang="he-IL" sz="2800"/>
               <a:t>המערכת צריכה להיות גמישה ולאפשר מעבר ממוכן על קוד.</a:t>
             </a:r>
           </a:p>
           <a:p>
             <a:pPr algn="r" rtl="1"/>
             <a:r>
-              <a:rPr lang="he-IL" sz="2800" dirty="0"/>
+              <a:rPr lang="he-IL" sz="2800"/>
               <a:t>יש צורך ביכולת שדרוג והוספת יכולות חדשות למערכת במהלך חייה.</a:t>
             </a:r>
           </a:p>
           <a:p>
             <a:pPr algn="r" rtl="1"/>
             <a:r>
-              <a:rPr lang="he-IL" sz="2800" dirty="0"/>
+              <a:rPr lang="he-IL" sz="2800"/>
               <a:t>המערכת תחסוך זמן רב של המתכנת ותוכל למקד אותו בפיתוח ולא בבדיקות.</a:t>
             </a:r>
           </a:p>
           <a:p>
             <a:pPr algn="r" rtl="1"/>
-            <a:endParaRPr lang="he-IL" dirty="0"/>
+            <a:endParaRPr lang="he-IL"/>
           </a:p>
           <a:p>
             <a:pPr algn="r" rtl="1"/>
-            <a:endParaRPr lang="he-IL" dirty="0"/>
+            <a:endParaRPr lang="he-IL"/>
           </a:p>
           <a:p>
             <a:pPr algn="r" rtl="1"/>
-            <a:endParaRPr lang="he-IL" dirty="0"/>
+            <a:endParaRPr lang="he-IL"/>
           </a:p>
           <a:p>
             <a:pPr algn="r" rtl="1"/>
-            <a:endParaRPr lang="en-IL" dirty="0"/>
+            <a:endParaRPr lang="en-IL"/>
           </a:p>
         </p:txBody>
       </p:sp>
@@ -9802,7 +16130,7 @@
 </p:sld>
 </file>
 
-<file path=ppt/slides/slide5.xml><?xml version="1.0" encoding="utf-8"?>
+<file path=ppt/slides/slide6.xml><?xml version="1.0" encoding="utf-8"?>
 <p:sld xmlns:a="http://schemas.openxmlformats.org/drawingml/2006/main" xmlns:r="http://schemas.openxmlformats.org/officeDocument/2006/relationships" xmlns:p="http://schemas.openxmlformats.org/presentationml/2006/main">
   <p:cSld>
     <p:spTree>
@@ -9842,10 +16170,10 @@
           <a:p>
             <a:pPr algn="r" rtl="1"/>
             <a:r>
-              <a:rPr lang="he-IL" dirty="0"/>
-              <a:t>דרישות המערכת</a:t>
-            </a:r>
-            <a:endParaRPr lang="en-IL" dirty="0"/>
+              <a:rPr lang="he-IL"/>
+              <a:t>דרישת על</a:t>
+            </a:r>
+            <a:endParaRPr lang="en-IL"/>
           </a:p>
         </p:txBody>
       </p:sp>
@@ -9870,74 +16198,161 @@
           <a:bodyPr/>
           <a:lstStyle/>
           <a:p>
+            <a:pPr marL="0" indent="0" algn="r" rtl="1">
+              <a:buNone/>
+            </a:pPr>
+            <a:r>
+              <a:rPr lang="he-IL" sz="3600"/>
+              <a:t>מערכת מודולרית הבנויה על פלטפורמה מרכזית אחת אליה מחוברים כלי בדיקה שונים.</a:t>
+            </a:r>
+          </a:p>
+          <a:p>
             <a:pPr algn="r" rtl="1"/>
-            <a:r>
-              <a:rPr lang="he-IL" dirty="0"/>
+            <a:endParaRPr lang="he-IL"/>
+          </a:p>
+        </p:txBody>
+      </p:sp>
+    </p:spTree>
+    <p:extLst>
+      <p:ext uri="{BB962C8B-B14F-4D97-AF65-F5344CB8AC3E}">
+        <p14:creationId xmlns:p14="http://schemas.microsoft.com/office/powerpoint/2010/main" val="1551938711"/>
+      </p:ext>
+    </p:extLst>
+  </p:cSld>
+  <p:clrMapOvr>
+    <a:masterClrMapping/>
+  </p:clrMapOvr>
+</p:sld>
+</file>
+
+<file path=ppt/slides/slide7.xml><?xml version="1.0" encoding="utf-8"?>
+<p:sld xmlns:a="http://schemas.openxmlformats.org/drawingml/2006/main" xmlns:r="http://schemas.openxmlformats.org/officeDocument/2006/relationships" xmlns:p="http://schemas.openxmlformats.org/presentationml/2006/main">
+  <p:cSld>
+    <p:spTree>
+      <p:nvGrpSpPr>
+        <p:cNvPr id="1" name=""/>
+        <p:cNvGrpSpPr/>
+        <p:nvPr/>
+      </p:nvGrpSpPr>
+      <p:grpSpPr>
+        <a:xfrm>
+          <a:off x="0" y="0"/>
+          <a:ext cx="0" cy="0"/>
+          <a:chOff x="0" y="0"/>
+          <a:chExt cx="0" cy="0"/>
+        </a:xfrm>
+      </p:grpSpPr>
+      <p:sp>
+        <p:nvSpPr>
+          <p:cNvPr id="2" name="כותרת 1">
+            <a:extLst>
+              <a:ext uri="{FF2B5EF4-FFF2-40B4-BE49-F238E27FC236}">
+                <a16:creationId xmlns:a16="http://schemas.microsoft.com/office/drawing/2014/main" id="{F7DABFC2-155A-438C-A40C-C141B1683035}"/>
+              </a:ext>
+            </a:extLst>
+          </p:cNvPr>
+          <p:cNvSpPr>
+            <a:spLocks noGrp="1"/>
+          </p:cNvSpPr>
+          <p:nvPr>
+            <p:ph type="title"/>
+          </p:nvPr>
+        </p:nvSpPr>
+        <p:spPr/>
+        <p:txBody>
+          <a:bodyPr/>
+          <a:lstStyle/>
+          <a:p>
+            <a:pPr algn="r" rtl="1"/>
+            <a:r>
+              <a:rPr lang="he-IL"/>
+              <a:t>דרישות המערכת</a:t>
+            </a:r>
+            <a:endParaRPr lang="en-IL"/>
+          </a:p>
+        </p:txBody>
+      </p:sp>
+      <p:sp>
+        <p:nvSpPr>
+          <p:cNvPr id="3" name="מציין מיקום תוכן 2">
+            <a:extLst>
+              <a:ext uri="{FF2B5EF4-FFF2-40B4-BE49-F238E27FC236}">
+                <a16:creationId xmlns:a16="http://schemas.microsoft.com/office/drawing/2014/main" id="{FC54911A-0B91-48E3-B204-77F7682FEB5B}"/>
+              </a:ext>
+            </a:extLst>
+          </p:cNvPr>
+          <p:cNvSpPr>
+            <a:spLocks noGrp="1"/>
+          </p:cNvSpPr>
+          <p:nvPr>
+            <p:ph idx="1"/>
+          </p:nvPr>
+        </p:nvSpPr>
+        <p:spPr/>
+        <p:txBody>
+          <a:bodyPr/>
+          <a:lstStyle/>
+          <a:p>
+            <a:pPr algn="r" rtl="1"/>
+            <a:r>
+              <a:rPr lang="he-IL"/>
               <a:t>הפלטפורמה חייבת להביא מידע (</a:t>
             </a:r>
             <a:r>
-              <a:rPr lang="en-US" dirty="0"/>
+              <a:rPr lang="en-US"/>
               <a:t>Meta Data</a:t>
             </a:r>
             <a:r>
-              <a:rPr lang="he-IL" dirty="0"/>
+              <a:rPr lang="he-IL"/>
               <a:t>) על פונקציות.</a:t>
             </a:r>
           </a:p>
           <a:p>
             <a:pPr algn="r" rtl="1"/>
             <a:r>
-              <a:rPr lang="he-IL" dirty="0"/>
+              <a:rPr lang="he-IL"/>
               <a:t>הפלטפורמה חייבת לטפל בבעיית ה</a:t>
             </a:r>
             <a:r>
-              <a:rPr lang="en-US" dirty="0"/>
+              <a:rPr lang="en-US"/>
               <a:t>halting</a:t>
             </a:r>
             <a:r>
-              <a:rPr lang="he-IL" dirty="0"/>
+              <a:rPr lang="he-IL"/>
               <a:t> של כלים שעלולה לקרות.</a:t>
             </a:r>
           </a:p>
           <a:p>
             <a:pPr algn="r" rtl="1"/>
             <a:r>
-              <a:rPr lang="he-IL" dirty="0"/>
-              <a:t>הפלטפורמה חייבת לתמוך בכלים שרשומים בכל מיני שפות (</a:t>
-            </a:r>
-            <a:r>
-              <a:rPr lang="en-US" dirty="0"/>
-              <a:t>Rest API</a:t>
-            </a:r>
-            <a:r>
-              <a:rPr lang="he-IL" dirty="0"/>
-              <a:t>).</a:t>
+              <a:rPr lang="he-IL"/>
+              <a:t>הפלטפורמה חייבת לתמוך בכלים שרשומים בכל מיני שפות.</a:t>
             </a:r>
           </a:p>
           <a:p>
             <a:pPr algn="r" rtl="1"/>
             <a:r>
-              <a:rPr lang="he-IL" dirty="0"/>
+              <a:rPr lang="he-IL"/>
               <a:t>לפלטפורמה חייב להיות ממשק להוספת כלים עדכון ומחיקה.</a:t>
             </a:r>
           </a:p>
           <a:p>
             <a:pPr algn="r" rtl="1"/>
             <a:r>
-              <a:rPr lang="he-IL" dirty="0"/>
+              <a:rPr lang="he-IL"/>
               <a:t>לכלים אמורה להיות אפשרות לבקש תוצאה של כלי אחר.</a:t>
             </a:r>
           </a:p>
           <a:p>
             <a:pPr algn="r" rtl="1"/>
             <a:r>
-              <a:rPr lang="he-IL" dirty="0"/>
+              <a:rPr lang="he-IL"/>
               <a:t>הפלטפורמה צריכה לספק פתרון לכל משתני המערכת.</a:t>
             </a:r>
           </a:p>
           <a:p>
             <a:pPr algn="r" rtl="1"/>
-            <a:endParaRPr lang="he-IL" dirty="0"/>
+            <a:endParaRPr lang="he-IL"/>
           </a:p>
         </p:txBody>
       </p:sp>
@@ -9954,7 +16369,7 @@
 </p:sld>
 </file>
 
-<file path=ppt/slides/slide6.xml><?xml version="1.0" encoding="utf-8"?>
+<file path=ppt/slides/slide8.xml><?xml version="1.0" encoding="utf-8"?>
 <p:sld xmlns:a="http://schemas.openxmlformats.org/drawingml/2006/main" xmlns:r="http://schemas.openxmlformats.org/officeDocument/2006/relationships" xmlns:p="http://schemas.openxmlformats.org/presentationml/2006/main">
   <p:cSld>
     <p:spTree>
@@ -9999,17 +16414,17 @@
           <a:p>
             <a:pPr algn="r" rtl="1"/>
             <a:r>
-              <a:rPr lang="he-IL" dirty="0"/>
+              <a:rPr lang="he-IL"/>
               <a:t>תיאור </a:t>
             </a:r>
             <a:br>
-              <a:rPr lang="he-IL" dirty="0"/>
+              <a:rPr lang="he-IL"/>
             </a:br>
             <a:r>
-              <a:rPr lang="he-IL" dirty="0"/>
+              <a:rPr lang="he-IL"/>
               <a:t>החלופות</a:t>
             </a:r>
-            <a:endParaRPr lang="en-IL" dirty="0"/>
+            <a:endParaRPr lang="en-IL"/>
           </a:p>
         </p:txBody>
       </p:sp>
@@ -10029,14 +16444,14 @@
             <p:ph idx="1"/>
             <p:extLst>
               <p:ext uri="{D42A27DB-BD31-4B8C-83A1-F6EECF244321}">
-                <p14:modId xmlns:p14="http://schemas.microsoft.com/office/powerpoint/2010/main" val="2950505925"/>
+                <p14:modId xmlns:p14="http://schemas.microsoft.com/office/powerpoint/2010/main" val="1348683866"/>
               </p:ext>
             </p:extLst>
           </p:nvPr>
         </p:nvGraphicFramePr>
         <p:xfrm>
-          <a:off x="251670" y="681853"/>
-          <a:ext cx="10131423" cy="5857240"/>
+          <a:off x="327171" y="226060"/>
+          <a:ext cx="10131423" cy="6405880"/>
         </p:xfrm>
         <a:graphic>
           <a:graphicData uri="http://schemas.openxmlformats.org/drawingml/2006/table">
@@ -10075,10 +16490,10 @@
                     <a:p>
                       <a:pPr algn="r" rtl="1"/>
                       <a:r>
-                        <a:rPr lang="he-IL" dirty="0"/>
+                        <a:rPr lang="he-IL"/>
                         <a:t>חסרונות</a:t>
                       </a:r>
-                      <a:endParaRPr lang="en-IL" dirty="0"/>
+                      <a:endParaRPr lang="en-IL"/>
                     </a:p>
                   </a:txBody>
                   <a:tcPr/>
@@ -10090,10 +16505,10 @@
                     <a:p>
                       <a:pPr algn="r" rtl="1"/>
                       <a:r>
-                        <a:rPr lang="he-IL" dirty="0"/>
+                        <a:rPr lang="he-IL"/>
                         <a:t>יתרונות</a:t>
                       </a:r>
-                      <a:endParaRPr lang="en-IL" dirty="0"/>
+                      <a:endParaRPr lang="en-IL"/>
                     </a:p>
                   </a:txBody>
                   <a:tcPr/>
@@ -10105,10 +16520,10 @@
                     <a:p>
                       <a:pPr algn="r" rtl="1"/>
                       <a:r>
-                        <a:rPr lang="he-IL" dirty="0"/>
+                        <a:rPr lang="he-IL"/>
                         <a:t>פתרון אפשרי</a:t>
                       </a:r>
-                      <a:endParaRPr lang="en-IL" dirty="0"/>
+                      <a:endParaRPr lang="en-IL"/>
                     </a:p>
                   </a:txBody>
                   <a:tcPr/>
@@ -10129,7 +16544,7 @@
                         <a:buAutoNum type="arabicPeriod"/>
                       </a:pPr>
                       <a:r>
-                        <a:rPr lang="he-IL" dirty="0"/>
+                        <a:rPr lang="he-IL"/>
                         <a:t>לא יינתן לעשות שינויים בקוד והקוד יהיה קבוע.</a:t>
                       </a:r>
                     </a:p>
@@ -10138,21 +16553,21 @@
                         <a:buAutoNum type="arabicPeriod"/>
                       </a:pPr>
                       <a:r>
-                        <a:rPr lang="he-IL" dirty="0"/>
-                        <a:t>בגלל שהתוכנה לקוחה מהאינטרנט להטמיע אותה למערכות צבאיות עלול להווה סכנה.</a:t>
+                        <a:rPr lang="he-IL"/>
+                        <a:t>הבאת מוצר מוגמר שלא נבנה בידי הצבא מוסיף תלות בגורם חיצוני.</a:t>
                       </a:r>
                     </a:p>
                     <a:p>
                       <a:pPr marL="342900" indent="-342900" algn="r" rtl="1">
                         <a:buAutoNum type="arabicPeriod"/>
                       </a:pPr>
-                      <a:endParaRPr lang="he-IL" dirty="0"/>
+                      <a:endParaRPr lang="he-IL"/>
                     </a:p>
                     <a:p>
                       <a:pPr marL="342900" indent="-342900" algn="r" rtl="1">
                         <a:buAutoNum type="arabicPeriod"/>
                       </a:pPr>
-                      <a:endParaRPr lang="he-IL" dirty="0"/>
+                      <a:endParaRPr lang="he-IL"/>
                     </a:p>
                   </a:txBody>
                   <a:tcPr/>
@@ -10166,7 +16581,7 @@
                         <a:buAutoNum type="arabicPeriod"/>
                       </a:pPr>
                       <a:r>
-                        <a:rPr lang="he-IL" dirty="0"/>
+                        <a:rPr lang="he-IL"/>
                         <a:t>תוכנה קיימת ואינה דורשת פתרון</a:t>
                       </a:r>
                     </a:p>
@@ -10175,7 +16590,7 @@
                         <a:buAutoNum type="arabicPeriod"/>
                       </a:pPr>
                       <a:r>
-                        <a:rPr lang="he-IL" dirty="0"/>
+                        <a:rPr lang="he-IL"/>
                         <a:t>תוכנה שתהליך בדיקת הקומפילציה שלה יכול להיות הרבה יותר רציני ויכולה להיות עם ניתוחים עמוקים יותר.</a:t>
                       </a:r>
                     </a:p>
@@ -10183,13 +16598,13 @@
                       <a:pPr marL="342900" indent="-342900" algn="r" rtl="1">
                         <a:buAutoNum type="arabicPeriod"/>
                       </a:pPr>
-                      <a:endParaRPr lang="he-IL" dirty="0"/>
+                      <a:endParaRPr lang="he-IL"/>
                     </a:p>
                     <a:p>
                       <a:pPr marL="342900" indent="-342900" algn="r" rtl="1">
                         <a:buAutoNum type="arabicPeriod"/>
                       </a:pPr>
-                      <a:endParaRPr lang="en-IL" dirty="0"/>
+                      <a:endParaRPr lang="en-IL"/>
                     </a:p>
                   </a:txBody>
                   <a:tcPr/>
@@ -10201,10 +16616,10 @@
                     <a:p>
                       <a:pPr algn="r" rtl="1"/>
                       <a:r>
-                        <a:rPr lang="he-IL" dirty="0"/>
+                        <a:rPr lang="he-IL"/>
                         <a:t>1. שימוש בתוכנה של ניתוח קוד סטטית הקיימת באינטרנט.</a:t>
                       </a:r>
-                      <a:endParaRPr lang="en-IL" dirty="0"/>
+                      <a:endParaRPr lang="en-IL"/>
                     </a:p>
                   </a:txBody>
                   <a:tcPr/>
@@ -10225,8 +16640,8 @@
                         <a:buAutoNum type="arabicPeriod"/>
                       </a:pPr>
                       <a:r>
-                        <a:rPr lang="he-IL" dirty="0"/>
-                        <a:t>הבדיקות יהיו יותר מינימליות וספציפיות.</a:t>
+                        <a:rPr lang="he-IL"/>
+                        <a:t>הבדיקות יהיו יותר מינימליות וספציפיות מכיוון ובתוכנת מדף הושקעו הרבה שנות אדם.</a:t>
                       </a:r>
                     </a:p>
                     <a:p>
@@ -10234,10 +16649,10 @@
                         <a:buAutoNum type="arabicPeriod"/>
                       </a:pPr>
                       <a:r>
-                        <a:rPr lang="he-IL" dirty="0"/>
+                        <a:rPr lang="he-IL"/>
                         <a:t>זמן פיתוח התוכנה ארוך ובכדי להגיע לתוצר סופי יידרש זמן רב.</a:t>
                       </a:r>
-                      <a:endParaRPr lang="en-IL" dirty="0"/>
+                      <a:endParaRPr lang="en-IL"/>
                     </a:p>
                   </a:txBody>
                   <a:tcPr/>
@@ -10251,7 +16666,7 @@
                         <a:buAutoNum type="arabicPeriod"/>
                       </a:pPr>
                       <a:r>
-                        <a:rPr lang="he-IL" dirty="0"/>
+                        <a:rPr lang="he-IL"/>
                         <a:t>יינתן תמיד לעדכן את הקוד ולהוסיף דברים חדשים.</a:t>
                       </a:r>
                     </a:p>
@@ -10260,8 +16675,17 @@
                         <a:buAutoNum type="arabicPeriod"/>
                       </a:pPr>
                       <a:r>
-                        <a:rPr lang="he-IL" dirty="0"/>
+                        <a:rPr lang="he-IL"/>
                         <a:t>בגלל שיש חלוקה בין כלים לתוכנה עצמה הבודקת, תמיד ניתן להוסיף כלים למחוק כלים ולעדכן כלים ובכך להתאים כלים לפי הצורך.</a:t>
+                      </a:r>
+                    </a:p>
+                    <a:p>
+                      <a:pPr marL="342900" indent="-342900" algn="r" rtl="1">
+                        <a:buAutoNum type="arabicPeriod"/>
+                      </a:pPr>
+                      <a:r>
+                        <a:rPr lang="he-IL"/>
+                        <a:t>המערכת לא תלויה בקוד חיצוני שמוסיף תלות בגורם חיצוני.</a:t>
                       </a:r>
                     </a:p>
                   </a:txBody>
@@ -10274,10 +16698,10 @@
                     <a:p>
                       <a:pPr algn="r" rtl="1"/>
                       <a:r>
-                        <a:rPr lang="he-IL" dirty="0"/>
+                        <a:rPr lang="he-IL"/>
                         <a:t>2. פיתוח תוכנת ניתוח קוד סטטית.</a:t>
                       </a:r>
-                      <a:endParaRPr lang="en-IL" dirty="0"/>
+                      <a:endParaRPr lang="en-IL"/>
                     </a:p>
                   </a:txBody>
                   <a:tcPr/>
@@ -10296,10 +16720,10 @@
                     <a:p>
                       <a:pPr algn="r" rtl="1"/>
                       <a:r>
-                        <a:rPr lang="he-IL" dirty="0"/>
-                        <a:t>1. החלקים המובנים של הקומפיילרים מכניסים תוכנה זרה למערכת ובעצם הופכת אותה לפחות אמינה ופחות ניתן לסמוך עליה.</a:t>
+                        <a:rPr lang="he-IL"/>
+                        <a:t>1. החלקים המובנים של הקומפיילרים הם תוכנה זרה שלא בטוח מתממשקים עם התוכנה שאני אכתוב.</a:t>
                       </a:r>
-                      <a:endParaRPr lang="en-IL" dirty="0"/>
+                      <a:endParaRPr lang="en-IL"/>
                     </a:p>
                   </a:txBody>
                   <a:tcPr/>
@@ -10313,7 +16737,7 @@
                         <a:buAutoNum type="arabicPeriod"/>
                       </a:pPr>
                       <a:r>
-                        <a:rPr lang="he-IL" dirty="0"/>
+                        <a:rPr lang="he-IL"/>
                         <a:t>בדיקות הקומפילציה יהיו ברמה גבוהה יותר.</a:t>
                       </a:r>
                     </a:p>
@@ -10322,10 +16746,10 @@
                         <a:buAutoNum type="arabicPeriod"/>
                       </a:pPr>
                       <a:r>
-                        <a:rPr lang="he-IL" dirty="0"/>
+                        <a:rPr lang="he-IL"/>
                         <a:t>יכול לחסוך זמן רב ולתת דגש ויותר זמן לניתוחים עצמם.</a:t>
                       </a:r>
-                      <a:endParaRPr lang="en-IL" dirty="0"/>
+                      <a:endParaRPr lang="en-IL"/>
                     </a:p>
                   </a:txBody>
                   <a:tcPr/>
@@ -10337,18 +16761,18 @@
                     <a:p>
                       <a:pPr algn="r" rtl="1"/>
                       <a:r>
-                        <a:rPr lang="he-IL" dirty="0"/>
+                        <a:rPr lang="he-IL"/>
                         <a:t>3. להשתמש בחלקים מובנים של קומפיילרים ולבנות </a:t>
                       </a:r>
                       <a:r>
-                        <a:rPr lang="he-IL" dirty="0" err="1"/>
+                        <a:rPr lang="he-IL" err="1"/>
                         <a:t>פלאגין</a:t>
                       </a:r>
                       <a:r>
-                        <a:rPr lang="he-IL" dirty="0"/>
+                        <a:rPr lang="he-IL"/>
                         <a:t> שמחבר בין בדיקת הקומפילציה לבין הניתוח עצמו.</a:t>
                       </a:r>
-                      <a:endParaRPr lang="en-IL" dirty="0"/>
+                      <a:endParaRPr lang="en-IL"/>
                     </a:p>
                   </a:txBody>
                   <a:tcPr/>
@@ -10376,7 +16800,7 @@
 </p:sld>
 </file>
 
-<file path=ppt/slides/slide7.xml><?xml version="1.0" encoding="utf-8"?>
+<file path=ppt/slides/slide9.xml><?xml version="1.0" encoding="utf-8"?>
 <p:sld xmlns:a="http://schemas.openxmlformats.org/drawingml/2006/main" xmlns:r="http://schemas.openxmlformats.org/officeDocument/2006/relationships" xmlns:p="http://schemas.openxmlformats.org/presentationml/2006/main">
   <p:cSld>
     <p:spTree>
@@ -10416,10 +16840,10 @@
           <a:p>
             <a:pPr algn="r" rtl="1"/>
             <a:r>
-              <a:rPr lang="he-IL" dirty="0"/>
+              <a:rPr lang="he-IL"/>
               <a:t>הפתרון הנבחר</a:t>
             </a:r>
-            <a:endParaRPr lang="en-IL" dirty="0"/>
+            <a:endParaRPr lang="en-IL"/>
           </a:p>
         </p:txBody>
       </p:sp>
@@ -10448,24 +16872,23 @@
           <a:p>
             <a:pPr algn="r" rtl="1"/>
             <a:r>
-              <a:rPr lang="he-IL" sz="2000" dirty="0"/>
+              <a:rPr lang="he-IL" sz="2000"/>
               <a:t>פיתוח תוכנת ניתוח קוד סטטית.</a:t>
             </a:r>
           </a:p>
           <a:p>
             <a:pPr algn="r" rtl="1"/>
             <a:r>
-              <a:rPr lang="he-IL" sz="2000" dirty="0"/>
-              <a:t>פתרון זה נבחר מכיוון והוא יתאים ברמה הכי גבוהה למערכת הקיימת. כיוון והמערכת היא מערכת מבצעית להריץ בדיקות על המערכת מתוכנה שלקוחה מהאינטרנט יכולה להוות בעיות אבטחה ולא ניתן לסמוך עליהן. לעומת זו מערכת זו נבנית על ידי. </a:t>
+              <a:rPr lang="he-IL" sz="2000"/>
+              <a:t>פתרון זה נבחר מכיוון והוא יתאים ברמה הכי גבוהה למערכת הקיימת. יאפשר גמישות גבוהה ביותר לפיתוח תוכנות בדיקה חדשות גם בידי מתכנתים אחרים. </a:t>
             </a:r>
           </a:p>
           <a:p>
             <a:pPr algn="r" rtl="1"/>
             <a:r>
-              <a:rPr lang="he-IL" sz="2000" dirty="0"/>
-              <a:t>בנוסף הוא מונע צורך בגורמים נוספים שאינם ניתנים לשליטה.</a:t>
-            </a:r>
-            <a:endParaRPr lang="en-IL" sz="2000" dirty="0"/>
+              <a:rPr lang="he-IL" sz="2000"/>
+              <a:t>כיוון והמערכת היא מערכת מבצעית, הרצת בדיקות על המערכת מתוכנה מוכנה מוסיפה תלות בגורם חיצוני.</a:t>
+            </a:r>
           </a:p>
         </p:txBody>
       </p:sp>
@@ -10479,540 +16902,6 @@
   <p:clrMapOvr>
     <a:masterClrMapping/>
   </p:clrMapOvr>
-  <p:timing>
-    <p:tnLst>
-      <p:par>
-        <p:cTn id="1" dur="indefinite" restart="never" nodeType="tmRoot"/>
-      </p:par>
-    </p:tnLst>
-  </p:timing>
-</p:sld>
-</file>
-
-<file path=ppt/slides/slide8.xml><?xml version="1.0" encoding="utf-8"?>
-<p:sld xmlns:a="http://schemas.openxmlformats.org/drawingml/2006/main" xmlns:r="http://schemas.openxmlformats.org/officeDocument/2006/relationships" xmlns:p="http://schemas.openxmlformats.org/presentationml/2006/main">
-  <p:cSld>
-    <p:spTree>
-      <p:nvGrpSpPr>
-        <p:cNvPr id="1" name=""/>
-        <p:cNvGrpSpPr/>
-        <p:nvPr/>
-      </p:nvGrpSpPr>
-      <p:grpSpPr>
-        <a:xfrm>
-          <a:off x="0" y="0"/>
-          <a:ext cx="0" cy="0"/>
-          <a:chOff x="0" y="0"/>
-          <a:chExt cx="0" cy="0"/>
-        </a:xfrm>
-      </p:grpSpPr>
-      <p:sp>
-        <p:nvSpPr>
-          <p:cNvPr id="10" name="כותרת 1">
-            <a:extLst>
-              <a:ext uri="{FF2B5EF4-FFF2-40B4-BE49-F238E27FC236}">
-                <a16:creationId xmlns:a16="http://schemas.microsoft.com/office/drawing/2014/main" id="{95B1A5C0-2702-4EFE-A226-5049E15E35EA}"/>
-              </a:ext>
-            </a:extLst>
-          </p:cNvPr>
-          <p:cNvSpPr txBox="1">
-            <a:spLocks/>
-          </p:cNvSpPr>
-          <p:nvPr/>
-        </p:nvSpPr>
-        <p:spPr>
-          <a:xfrm>
-            <a:off x="6211027" y="1657134"/>
-            <a:ext cx="4729828" cy="2421464"/>
-          </a:xfrm>
-          <a:prstGeom prst="rect">
-            <a:avLst/>
-          </a:prstGeom>
-        </p:spPr>
-        <p:txBody>
-          <a:bodyPr vert="horz" lIns="91440" tIns="45720" rIns="91440" bIns="45720" rtlCol="0" anchor="b">
-            <a:normAutofit/>
-          </a:bodyPr>
-          <a:lstStyle>
-            <a:lvl1pPr algn="l" defTabSz="457200" rtl="0" eaLnBrk="1" latinLnBrk="0" hangingPunct="1">
-              <a:spcBef>
-                <a:spcPct val="0"/>
-              </a:spcBef>
-              <a:buNone/>
-              <a:defRPr sz="3600" kern="1200" cap="all">
-                <a:ln w="3175" cmpd="sng">
-                  <a:noFill/>
-                </a:ln>
-                <a:solidFill>
-                  <a:schemeClr val="tx1"/>
-                </a:solidFill>
-                <a:effectLst/>
-                <a:latin typeface="+mj-lt"/>
-                <a:ea typeface="+mj-ea"/>
-                <a:cs typeface="+mj-cs"/>
-              </a:defRPr>
-            </a:lvl1pPr>
-            <a:lvl2pPr eaLnBrk="1" hangingPunct="1">
-              <a:defRPr>
-                <a:solidFill>
-                  <a:schemeClr val="tx2"/>
-                </a:solidFill>
-              </a:defRPr>
-            </a:lvl2pPr>
-            <a:lvl3pPr eaLnBrk="1" hangingPunct="1">
-              <a:defRPr>
-                <a:solidFill>
-                  <a:schemeClr val="tx2"/>
-                </a:solidFill>
-              </a:defRPr>
-            </a:lvl3pPr>
-            <a:lvl4pPr eaLnBrk="1" hangingPunct="1">
-              <a:defRPr>
-                <a:solidFill>
-                  <a:schemeClr val="tx2"/>
-                </a:solidFill>
-              </a:defRPr>
-            </a:lvl4pPr>
-            <a:lvl5pPr eaLnBrk="1" hangingPunct="1">
-              <a:defRPr>
-                <a:solidFill>
-                  <a:schemeClr val="tx2"/>
-                </a:solidFill>
-              </a:defRPr>
-            </a:lvl5pPr>
-            <a:lvl6pPr eaLnBrk="1" hangingPunct="1">
-              <a:defRPr>
-                <a:solidFill>
-                  <a:schemeClr val="tx2"/>
-                </a:solidFill>
-              </a:defRPr>
-            </a:lvl6pPr>
-            <a:lvl7pPr eaLnBrk="1" hangingPunct="1">
-              <a:defRPr>
-                <a:solidFill>
-                  <a:schemeClr val="tx2"/>
-                </a:solidFill>
-              </a:defRPr>
-            </a:lvl7pPr>
-            <a:lvl8pPr eaLnBrk="1" hangingPunct="1">
-              <a:defRPr>
-                <a:solidFill>
-                  <a:schemeClr val="tx2"/>
-                </a:solidFill>
-              </a:defRPr>
-            </a:lvl8pPr>
-            <a:lvl9pPr eaLnBrk="1" hangingPunct="1">
-              <a:defRPr>
-                <a:solidFill>
-                  <a:schemeClr val="tx2"/>
-                </a:solidFill>
-              </a:defRPr>
-            </a:lvl9pPr>
-          </a:lstStyle>
-          <a:p>
-            <a:pPr algn="r">
-              <a:spcAft>
-                <a:spcPts val="600"/>
-              </a:spcAft>
-            </a:pPr>
-            <a:r>
-              <a:rPr lang="he-IL" sz="4800" dirty="0" smtClean="0"/>
-              <a:t>תיאור</a:t>
-            </a:r>
-          </a:p>
-          <a:p>
-            <a:pPr algn="r">
-              <a:spcAft>
-                <a:spcPts val="600"/>
-              </a:spcAft>
-            </a:pPr>
-            <a:r>
-              <a:rPr lang="he-IL" sz="4800" dirty="0" smtClean="0"/>
-              <a:t>תוכנה</a:t>
-            </a:r>
-            <a:endParaRPr lang="en-US" sz="4800" dirty="0"/>
-          </a:p>
-        </p:txBody>
-      </p:sp>
-      <p:pic>
-        <p:nvPicPr>
-          <p:cNvPr id="11" name="תמונה 10"/>
-          <p:cNvPicPr>
-            <a:picLocks noChangeAspect="1"/>
-          </p:cNvPicPr>
-          <p:nvPr/>
-        </p:nvPicPr>
-        <p:blipFill>
-          <a:blip r:embed="rId2">
-            <a:extLst>
-              <a:ext uri="{28A0092B-C50C-407E-A947-70E740481C1C}">
-                <a14:useLocalDpi xmlns:a14="http://schemas.microsoft.com/office/drawing/2010/main" val="0"/>
-              </a:ext>
-            </a:extLst>
-          </a:blip>
-          <a:stretch>
-            <a:fillRect/>
-          </a:stretch>
-        </p:blipFill>
-        <p:spPr>
-          <a:xfrm>
-            <a:off x="0" y="0"/>
-            <a:ext cx="8101117" cy="6858000"/>
-          </a:xfrm>
-          <a:prstGeom prst="roundRect">
-            <a:avLst>
-              <a:gd name="adj" fmla="val 8594"/>
-            </a:avLst>
-          </a:prstGeom>
-          <a:solidFill>
-            <a:srgbClr val="FFFFFF">
-              <a:shade val="85000"/>
-            </a:srgbClr>
-          </a:solidFill>
-          <a:ln>
-            <a:noFill/>
-          </a:ln>
-          <a:effectLst>
-            <a:reflection blurRad="12700" stA="38000" endPos="28000" dist="5000" dir="5400000" sy="-100000" algn="bl" rotWithShape="0"/>
-          </a:effectLst>
-        </p:spPr>
-      </p:pic>
-    </p:spTree>
-    <p:extLst>
-      <p:ext uri="{BB962C8B-B14F-4D97-AF65-F5344CB8AC3E}">
-        <p14:creationId xmlns:p14="http://schemas.microsoft.com/office/powerpoint/2010/main" val="569728560"/>
-      </p:ext>
-    </p:extLst>
-  </p:cSld>
-  <p:clrMapOvr>
-    <a:masterClrMapping/>
-  </p:clrMapOvr>
-  <p:timing>
-    <p:tnLst>
-      <p:par>
-        <p:cTn id="1" dur="indefinite" restart="never" nodeType="tmRoot"/>
-      </p:par>
-    </p:tnLst>
-  </p:timing>
-</p:sld>
-</file>
-
-<file path=ppt/slides/slide9.xml><?xml version="1.0" encoding="utf-8"?>
-<p:sld xmlns:a="http://schemas.openxmlformats.org/drawingml/2006/main" xmlns:r="http://schemas.openxmlformats.org/officeDocument/2006/relationships" xmlns:p="http://schemas.openxmlformats.org/presentationml/2006/main">
-  <p:cSld>
-    <p:bg>
-      <p:bgPr>
-        <a:blipFill>
-          <a:blip r:embed="rId2"/>
-          <a:stretch/>
-        </a:blipFill>
-        <a:effectLst/>
-      </p:bgPr>
-    </p:bg>
-    <p:spTree>
-      <p:nvGrpSpPr>
-        <p:cNvPr id="1" name=""/>
-        <p:cNvGrpSpPr/>
-        <p:nvPr/>
-      </p:nvGrpSpPr>
-      <p:grpSpPr>
-        <a:xfrm>
-          <a:off x="0" y="0"/>
-          <a:ext cx="0" cy="0"/>
-          <a:chOff x="0" y="0"/>
-          <a:chExt cx="0" cy="0"/>
-        </a:xfrm>
-      </p:grpSpPr>
-      <p:pic>
-        <p:nvPicPr>
-          <p:cNvPr id="8" name="Picture 7">
-            <a:extLst>
-              <a:ext uri="{FF2B5EF4-FFF2-40B4-BE49-F238E27FC236}">
-                <a16:creationId xmlns:a16="http://schemas.microsoft.com/office/drawing/2014/main" id="{CBECFFDC-94DB-4DA3-94FE-22FEDDA8FA30}"/>
-              </a:ext>
-              <a:ext uri="{C183D7F6-B498-43B3-948B-1728B52AA6E4}">
-                <adec:decorative xmlns:adec="http://schemas.microsoft.com/office/drawing/2017/decorative" xmlns="" val="1"/>
-              </a:ext>
-            </a:extLst>
-          </p:cNvPr>
-          <p:cNvPicPr>
-            <a:picLocks noGrp="1" noRot="1" noChangeAspect="1" noMove="1" noResize="1" noEditPoints="1" noAdjustHandles="1" noChangeArrowheads="1" noChangeShapeType="1" noCrop="1"/>
-          </p:cNvPicPr>
-          <p:nvPr>
-            <p:extLst>
-              <p:ext uri="{386F3935-93C4-4BCD-93E2-E3B085C9AB24}">
-                <p16:designElem xmlns:p16="http://schemas.microsoft.com/office/powerpoint/2015/main" val="1"/>
-              </p:ext>
-            </p:extLst>
-          </p:nvPr>
-        </p:nvPicPr>
-        <p:blipFill>
-          <a:blip r:embed="rId3">
-            <a:extLst>
-              <a:ext uri="{28A0092B-C50C-407E-A947-70E740481C1C}">
-                <a14:useLocalDpi xmlns:a14="http://schemas.microsoft.com/office/drawing/2010/main" val="0"/>
-              </a:ext>
-            </a:extLst>
-          </a:blip>
-          <a:stretch>
-            <a:fillRect/>
-          </a:stretch>
-        </p:blipFill>
-        <p:spPr>
-          <a:xfrm>
-            <a:off x="0" y="0"/>
-            <a:ext cx="12188825" cy="6856214"/>
-          </a:xfrm>
-          <a:prstGeom prst="rect">
-            <a:avLst/>
-          </a:prstGeom>
-        </p:spPr>
-      </p:pic>
-      <p:pic>
-        <p:nvPicPr>
-          <p:cNvPr id="10" name="Picture 9">
-            <a:extLst>
-              <a:ext uri="{FF2B5EF4-FFF2-40B4-BE49-F238E27FC236}">
-                <a16:creationId xmlns:a16="http://schemas.microsoft.com/office/drawing/2014/main" id="{F7057E50-1D91-4453-BBA0-DD604B5CDAE4}"/>
-              </a:ext>
-              <a:ext uri="{C183D7F6-B498-43B3-948B-1728B52AA6E4}">
-                <adec:decorative xmlns:adec="http://schemas.microsoft.com/office/drawing/2017/decorative" xmlns="" val="1"/>
-              </a:ext>
-            </a:extLst>
-          </p:cNvPr>
-          <p:cNvPicPr>
-            <a:picLocks noGrp="1" noRot="1" noChangeAspect="1" noMove="1" noResize="1" noEditPoints="1" noAdjustHandles="1" noChangeArrowheads="1" noChangeShapeType="1" noCrop="1"/>
-          </p:cNvPicPr>
-          <p:nvPr>
-            <p:extLst>
-              <p:ext uri="{386F3935-93C4-4BCD-93E2-E3B085C9AB24}">
-                <p16:designElem xmlns:p16="http://schemas.microsoft.com/office/powerpoint/2015/main" val="1"/>
-              </p:ext>
-            </p:extLst>
-          </p:nvPr>
-        </p:nvPicPr>
-        <p:blipFill>
-          <a:blip r:embed="rId4">
-            <a:extLst>
-              <a:ext uri="{28A0092B-C50C-407E-A947-70E740481C1C}">
-                <a14:useLocalDpi xmlns:a14="http://schemas.microsoft.com/office/drawing/2010/main" val="0"/>
-              </a:ext>
-            </a:extLst>
-          </a:blip>
-          <a:stretch>
-            <a:fillRect/>
-          </a:stretch>
-        </p:blipFill>
-        <p:spPr>
-          <a:xfrm>
-            <a:off x="0" y="0"/>
-            <a:ext cx="12188825" cy="6856214"/>
-          </a:xfrm>
-          <a:prstGeom prst="rect">
-            <a:avLst/>
-          </a:prstGeom>
-        </p:spPr>
-      </p:pic>
-      <p:sp>
-        <p:nvSpPr>
-          <p:cNvPr id="2" name="כותרת 1">
-            <a:extLst>
-              <a:ext uri="{FF2B5EF4-FFF2-40B4-BE49-F238E27FC236}">
-                <a16:creationId xmlns:a16="http://schemas.microsoft.com/office/drawing/2014/main" id="{95B1A5C0-2702-4EFE-A226-5049E15E35EA}"/>
-              </a:ext>
-            </a:extLst>
-          </p:cNvPr>
-          <p:cNvSpPr txBox="1">
-            <a:spLocks/>
-          </p:cNvSpPr>
-          <p:nvPr/>
-        </p:nvSpPr>
-        <p:spPr>
-          <a:xfrm>
-            <a:off x="7354027" y="2076234"/>
-            <a:ext cx="4729828" cy="2421464"/>
-          </a:xfrm>
-          <a:prstGeom prst="rect">
-            <a:avLst/>
-          </a:prstGeom>
-        </p:spPr>
-        <p:txBody>
-          <a:bodyPr vert="horz" lIns="91440" tIns="45720" rIns="91440" bIns="45720" rtlCol="0" anchor="b">
-            <a:normAutofit/>
-          </a:bodyPr>
-          <a:lstStyle>
-            <a:lvl1pPr algn="l" defTabSz="457200" rtl="0" eaLnBrk="1" latinLnBrk="0" hangingPunct="1">
-              <a:spcBef>
-                <a:spcPct val="0"/>
-              </a:spcBef>
-              <a:buNone/>
-              <a:defRPr sz="3600" kern="1200" cap="all">
-                <a:ln w="3175" cmpd="sng">
-                  <a:noFill/>
-                </a:ln>
-                <a:solidFill>
-                  <a:schemeClr val="tx1"/>
-                </a:solidFill>
-                <a:effectLst/>
-                <a:latin typeface="+mj-lt"/>
-                <a:ea typeface="+mj-ea"/>
-                <a:cs typeface="+mj-cs"/>
-              </a:defRPr>
-            </a:lvl1pPr>
-            <a:lvl2pPr eaLnBrk="1" hangingPunct="1">
-              <a:defRPr>
-                <a:solidFill>
-                  <a:schemeClr val="tx2"/>
-                </a:solidFill>
-              </a:defRPr>
-            </a:lvl2pPr>
-            <a:lvl3pPr eaLnBrk="1" hangingPunct="1">
-              <a:defRPr>
-                <a:solidFill>
-                  <a:schemeClr val="tx2"/>
-                </a:solidFill>
-              </a:defRPr>
-            </a:lvl3pPr>
-            <a:lvl4pPr eaLnBrk="1" hangingPunct="1">
-              <a:defRPr>
-                <a:solidFill>
-                  <a:schemeClr val="tx2"/>
-                </a:solidFill>
-              </a:defRPr>
-            </a:lvl4pPr>
-            <a:lvl5pPr eaLnBrk="1" hangingPunct="1">
-              <a:defRPr>
-                <a:solidFill>
-                  <a:schemeClr val="tx2"/>
-                </a:solidFill>
-              </a:defRPr>
-            </a:lvl5pPr>
-            <a:lvl6pPr eaLnBrk="1" hangingPunct="1">
-              <a:defRPr>
-                <a:solidFill>
-                  <a:schemeClr val="tx2"/>
-                </a:solidFill>
-              </a:defRPr>
-            </a:lvl6pPr>
-            <a:lvl7pPr eaLnBrk="1" hangingPunct="1">
-              <a:defRPr>
-                <a:solidFill>
-                  <a:schemeClr val="tx2"/>
-                </a:solidFill>
-              </a:defRPr>
-            </a:lvl7pPr>
-            <a:lvl8pPr eaLnBrk="1" hangingPunct="1">
-              <a:defRPr>
-                <a:solidFill>
-                  <a:schemeClr val="tx2"/>
-                </a:solidFill>
-              </a:defRPr>
-            </a:lvl8pPr>
-            <a:lvl9pPr eaLnBrk="1" hangingPunct="1">
-              <a:defRPr>
-                <a:solidFill>
-                  <a:schemeClr val="tx2"/>
-                </a:solidFill>
-              </a:defRPr>
-            </a:lvl9pPr>
-          </a:lstStyle>
-          <a:p>
-            <a:pPr algn="r">
-              <a:spcAft>
-                <a:spcPts val="600"/>
-              </a:spcAft>
-            </a:pPr>
-            <a:r>
-              <a:rPr lang="he-IL" sz="4800" dirty="0"/>
-              <a:t>ארכיטקטורת</a:t>
-            </a:r>
-          </a:p>
-          <a:p>
-            <a:pPr algn="r">
-              <a:spcAft>
-                <a:spcPts val="600"/>
-              </a:spcAft>
-            </a:pPr>
-            <a:r>
-              <a:rPr lang="he-IL" sz="4800" dirty="0"/>
-              <a:t> תכנה</a:t>
-            </a:r>
-            <a:endParaRPr lang="en-US" sz="4800" dirty="0"/>
-          </a:p>
-        </p:txBody>
-      </p:sp>
-      <p:pic>
-        <p:nvPicPr>
-          <p:cNvPr id="2050" name="Picture 2">
-            <a:extLst>
-              <a:ext uri="{FF2B5EF4-FFF2-40B4-BE49-F238E27FC236}">
-                <a16:creationId xmlns:a16="http://schemas.microsoft.com/office/drawing/2014/main" id="{B8968786-65B9-4937-A2D6-A14AD710F555}"/>
-              </a:ext>
-            </a:extLst>
-          </p:cNvPr>
-          <p:cNvPicPr>
-            <a:picLocks noChangeAspect="1" noChangeArrowheads="1"/>
-          </p:cNvPicPr>
-          <p:nvPr/>
-        </p:nvPicPr>
-        <p:blipFill>
-          <a:blip r:embed="rId5">
-            <a:extLst>
-              <a:ext uri="{28A0092B-C50C-407E-A947-70E740481C1C}">
-                <a14:useLocalDpi xmlns:a14="http://schemas.microsoft.com/office/drawing/2010/main" val="0"/>
-              </a:ext>
-            </a:extLst>
-          </a:blip>
-          <a:srcRect/>
-          <a:stretch>
-            <a:fillRect/>
-          </a:stretch>
-        </p:blipFill>
-        <p:spPr bwMode="auto">
-          <a:xfrm>
-            <a:off x="0" y="0"/>
-            <a:ext cx="8308731" cy="6858000"/>
-          </a:xfrm>
-          <a:prstGeom prst="rect">
-            <a:avLst/>
-          </a:prstGeom>
-          <a:noFill/>
-          <a:ln w="6350">
-            <a:solidFill>
-              <a:srgbClr val="000000"/>
-            </a:solidFill>
-            <a:miter lim="800000"/>
-            <a:headEnd/>
-            <a:tailEnd/>
-          </a:ln>
-          <a:extLst>
-            <a:ext uri="{909E8E84-426E-40DD-AFC4-6F175D3DCCD1}">
-              <a14:hiddenFill xmlns:a14="http://schemas.microsoft.com/office/drawing/2010/main">
-                <a:solidFill>
-                  <a:srgbClr val="FFFFFF"/>
-                </a:solidFill>
-              </a14:hiddenFill>
-            </a:ext>
-          </a:extLst>
-        </p:spPr>
-      </p:pic>
-    </p:spTree>
-    <p:extLst>
-      <p:ext uri="{BB962C8B-B14F-4D97-AF65-F5344CB8AC3E}">
-        <p14:creationId xmlns:p14="http://schemas.microsoft.com/office/powerpoint/2010/main" val="863317930"/>
-      </p:ext>
-    </p:extLst>
-  </p:cSld>
-  <p:clrMapOvr>
-    <a:masterClrMapping/>
-  </p:clrMapOvr>
-  <p:timing>
-    <p:tnLst>
-      <p:par>
-        <p:cTn id="1" dur="indefinite" restart="never" nodeType="tmRoot"/>
-      </p:par>
-    </p:tnLst>
-  </p:timing>
 </p:sld>
 </file>
 

--- a/shenhavArmyNew/Word/פרויקט גמר.pptx
+++ b/shenhavArmyNew/Word/פרויקט גמר.pptx
@@ -18,15 +18,15 @@
     <p:sldId id="261" r:id="rId9"/>
     <p:sldId id="262" r:id="rId10"/>
     <p:sldId id="277" r:id="rId11"/>
-    <p:sldId id="264" r:id="rId12"/>
-    <p:sldId id="265" r:id="rId13"/>
-    <p:sldId id="266" r:id="rId14"/>
-    <p:sldId id="267" r:id="rId15"/>
-    <p:sldId id="268" r:id="rId16"/>
-    <p:sldId id="281" r:id="rId17"/>
-    <p:sldId id="269" r:id="rId18"/>
-    <p:sldId id="270" r:id="rId19"/>
-    <p:sldId id="271" r:id="rId20"/>
+    <p:sldId id="269" r:id="rId12"/>
+    <p:sldId id="267" r:id="rId13"/>
+    <p:sldId id="268" r:id="rId14"/>
+    <p:sldId id="281" r:id="rId15"/>
+    <p:sldId id="270" r:id="rId16"/>
+    <p:sldId id="265" r:id="rId17"/>
+    <p:sldId id="266" r:id="rId18"/>
+    <p:sldId id="271" r:id="rId19"/>
+    <p:sldId id="264" r:id="rId20"/>
     <p:sldId id="272" r:id="rId21"/>
     <p:sldId id="280" r:id="rId22"/>
     <p:sldId id="273" r:id="rId23"/>
@@ -221,7 +221,7 @@
           <a:p>
             <a:fld id="{C84C033A-C372-44B0-9D33-CC8260641A33}" type="datetimeFigureOut">
               <a:rPr lang="en-IL" smtClean="0"/>
-              <a:t>25/04/2021</a:t>
+              <a:t>05/03/2021</a:t>
             </a:fld>
             <a:endParaRPr lang="en-IL"/>
           </a:p>
@@ -719,7 +719,7 @@
             <a:fld id="{B61BEF0D-F0BB-DE4B-95CE-6DB70DBA9567}" type="datetimeFigureOut">
               <a:rPr lang="en-US"/>
               <a:pPr/>
-              <a:t>4/25/2021</a:t>
+              <a:t>5/3/2021</a:t>
             </a:fld>
             <a:endParaRPr lang="en-US"/>
           </a:p>
@@ -1050,7 +1050,7 @@
             <a:fld id="{B61BEF0D-F0BB-DE4B-95CE-6DB70DBA9567}" type="datetimeFigureOut">
               <a:rPr lang="en-US"/>
               <a:pPr/>
-              <a:t>4/25/2021</a:t>
+              <a:t>5/3/2021</a:t>
             </a:fld>
             <a:endParaRPr lang="en-US"/>
           </a:p>
@@ -1325,7 +1325,7 @@
             <a:fld id="{B61BEF0D-F0BB-DE4B-95CE-6DB70DBA9567}" type="datetimeFigureOut">
               <a:rPr lang="en-US"/>
               <a:pPr/>
-              <a:t>4/25/2021</a:t>
+              <a:t>5/3/2021</a:t>
             </a:fld>
             <a:endParaRPr lang="en-US"/>
           </a:p>
@@ -1890,7 +1890,7 @@
             <a:fld id="{B61BEF0D-F0BB-DE4B-95CE-6DB70DBA9567}" type="datetimeFigureOut">
               <a:rPr lang="en-US"/>
               <a:pPr/>
-              <a:t>4/25/2021</a:t>
+              <a:t>5/3/2021</a:t>
             </a:fld>
             <a:endParaRPr lang="en-US"/>
           </a:p>
@@ -2165,7 +2165,7 @@
             <a:fld id="{B61BEF0D-F0BB-DE4B-95CE-6DB70DBA9567}" type="datetimeFigureOut">
               <a:rPr lang="en-US"/>
               <a:pPr/>
-              <a:t>4/25/2021</a:t>
+              <a:t>5/3/2021</a:t>
             </a:fld>
             <a:endParaRPr lang="en-US"/>
           </a:p>
@@ -2724,7 +2724,7 @@
             <a:fld id="{B61BEF0D-F0BB-DE4B-95CE-6DB70DBA9567}" type="datetimeFigureOut">
               <a:rPr lang="en-US"/>
               <a:pPr/>
-              <a:t>4/25/2021</a:t>
+              <a:t>5/3/2021</a:t>
             </a:fld>
             <a:endParaRPr lang="en-US"/>
           </a:p>
@@ -3048,7 +3048,7 @@
             <a:fld id="{B61BEF0D-F0BB-DE4B-95CE-6DB70DBA9567}" type="datetimeFigureOut">
               <a:rPr lang="en-US"/>
               <a:pPr/>
-              <a:t>4/25/2021</a:t>
+              <a:t>5/3/2021</a:t>
             </a:fld>
             <a:endParaRPr lang="en-US"/>
           </a:p>
@@ -3222,7 +3222,7 @@
             <a:fld id="{B61BEF0D-F0BB-DE4B-95CE-6DB70DBA9567}" type="datetimeFigureOut">
               <a:rPr lang="en-US"/>
               <a:pPr/>
-              <a:t>4/25/2021</a:t>
+              <a:t>5/3/2021</a:t>
             </a:fld>
             <a:endParaRPr lang="en-US"/>
           </a:p>
@@ -3457,7 +3457,7 @@
             <a:fld id="{B61BEF0D-F0BB-DE4B-95CE-6DB70DBA9567}" type="datetimeFigureOut">
               <a:rPr lang="en-US"/>
               <a:pPr/>
-              <a:t>4/25/2021</a:t>
+              <a:t>5/3/2021</a:t>
             </a:fld>
             <a:endParaRPr lang="en-US"/>
           </a:p>
@@ -3654,7 +3654,7 @@
             <a:fld id="{B61BEF0D-F0BB-DE4B-95CE-6DB70DBA9567}" type="datetimeFigureOut">
               <a:rPr lang="en-US"/>
               <a:pPr/>
-              <a:t>4/25/2021</a:t>
+              <a:t>5/3/2021</a:t>
             </a:fld>
             <a:endParaRPr lang="en-US"/>
           </a:p>
@@ -3927,7 +3927,7 @@
             <a:fld id="{B61BEF0D-F0BB-DE4B-95CE-6DB70DBA9567}" type="datetimeFigureOut">
               <a:rPr lang="en-US"/>
               <a:pPr/>
-              <a:t>4/25/2021</a:t>
+              <a:t>5/3/2021</a:t>
             </a:fld>
             <a:endParaRPr lang="en-US"/>
           </a:p>
@@ -4190,7 +4190,7 @@
             <a:fld id="{B61BEF0D-F0BB-DE4B-95CE-6DB70DBA9567}" type="datetimeFigureOut">
               <a:rPr lang="en-US"/>
               <a:pPr/>
-              <a:t>4/25/2021</a:t>
+              <a:t>5/3/2021</a:t>
             </a:fld>
             <a:endParaRPr lang="en-US"/>
           </a:p>
@@ -4561,7 +4561,7 @@
             <a:fld id="{B61BEF0D-F0BB-DE4B-95CE-6DB70DBA9567}" type="datetimeFigureOut">
               <a:rPr lang="en-US"/>
               <a:pPr/>
-              <a:t>4/25/2021</a:t>
+              <a:t>5/3/2021</a:t>
             </a:fld>
             <a:endParaRPr lang="en-US"/>
           </a:p>
@@ -4706,7 +4706,7 @@
             <a:fld id="{B61BEF0D-F0BB-DE4B-95CE-6DB70DBA9567}" type="datetimeFigureOut">
               <a:rPr lang="en-US"/>
               <a:pPr/>
-              <a:t>4/25/2021</a:t>
+              <a:t>5/3/2021</a:t>
             </a:fld>
             <a:endParaRPr lang="en-US"/>
           </a:p>
@@ -4828,7 +4828,7 @@
             <a:fld id="{B61BEF0D-F0BB-DE4B-95CE-6DB70DBA9567}" type="datetimeFigureOut">
               <a:rPr lang="en-US"/>
               <a:pPr/>
-              <a:t>4/25/2021</a:t>
+              <a:t>5/3/2021</a:t>
             </a:fld>
             <a:endParaRPr lang="en-US"/>
           </a:p>
@@ -5110,7 +5110,7 @@
             <a:fld id="{B61BEF0D-F0BB-DE4B-95CE-6DB70DBA9567}" type="datetimeFigureOut">
               <a:rPr lang="en-US"/>
               <a:pPr/>
-              <a:t>4/25/2021</a:t>
+              <a:t>5/3/2021</a:t>
             </a:fld>
             <a:endParaRPr lang="en-US"/>
           </a:p>
@@ -5431,7 +5431,7 @@
             <a:fld id="{B61BEF0D-F0BB-DE4B-95CE-6DB70DBA9567}" type="datetimeFigureOut">
               <a:rPr lang="en-US"/>
               <a:pPr/>
-              <a:t>4/25/2021</a:t>
+              <a:t>5/3/2021</a:t>
             </a:fld>
             <a:endParaRPr lang="en-US"/>
           </a:p>
@@ -5642,7 +5642,7 @@
             <a:fld id="{B61BEF0D-F0BB-DE4B-95CE-6DB70DBA9567}" type="datetimeFigureOut">
               <a:rPr lang="en-US"/>
               <a:pPr/>
-              <a:t>4/25/2021</a:t>
+              <a:t>5/3/2021</a:t>
             </a:fld>
             <a:endParaRPr lang="en-US"/>
           </a:p>
@@ -6495,318 +6495,6 @@
 <file path=ppt/slides/slide11.xml><?xml version="1.0" encoding="utf-8"?>
 <p:sld xmlns:a="http://schemas.openxmlformats.org/drawingml/2006/main" xmlns:r="http://schemas.openxmlformats.org/officeDocument/2006/relationships" xmlns:p="http://schemas.openxmlformats.org/presentationml/2006/main">
   <p:cSld>
-    <p:bg>
-      <p:bgPr>
-        <a:blipFill>
-          <a:blip r:embed="rId2"/>
-          <a:stretch/>
-        </a:blipFill>
-        <a:effectLst/>
-      </p:bgPr>
-    </p:bg>
-    <p:spTree>
-      <p:nvGrpSpPr>
-        <p:cNvPr id="1" name=""/>
-        <p:cNvGrpSpPr/>
-        <p:nvPr/>
-      </p:nvGrpSpPr>
-      <p:grpSpPr>
-        <a:xfrm>
-          <a:off x="0" y="0"/>
-          <a:ext cx="0" cy="0"/>
-          <a:chOff x="0" y="0"/>
-          <a:chExt cx="0" cy="0"/>
-        </a:xfrm>
-      </p:grpSpPr>
-      <p:pic>
-        <p:nvPicPr>
-          <p:cNvPr id="8" name="Picture 7">
-            <a:extLst>
-              <a:ext uri="{FF2B5EF4-FFF2-40B4-BE49-F238E27FC236}">
-                <a16:creationId xmlns:a16="http://schemas.microsoft.com/office/drawing/2014/main" id="{CBECFFDC-94DB-4DA3-94FE-22FEDDA8FA30}"/>
-              </a:ext>
-              <a:ext uri="{C183D7F6-B498-43B3-948B-1728B52AA6E4}">
-                <adec:decorative xmlns:adec="http://schemas.microsoft.com/office/drawing/2017/decorative" val="1"/>
-              </a:ext>
-            </a:extLst>
-          </p:cNvPr>
-          <p:cNvPicPr>
-            <a:picLocks noGrp="1" noRot="1" noChangeAspect="1" noMove="1" noResize="1" noEditPoints="1" noAdjustHandles="1" noChangeArrowheads="1" noChangeShapeType="1" noCrop="1"/>
-          </p:cNvPicPr>
-          <p:nvPr>
-            <p:extLst>
-              <p:ext uri="{386F3935-93C4-4BCD-93E2-E3B085C9AB24}">
-                <p16:designElem xmlns:p16="http://schemas.microsoft.com/office/powerpoint/2015/main" val="1"/>
-              </p:ext>
-            </p:extLst>
-          </p:nvPr>
-        </p:nvPicPr>
-        <p:blipFill>
-          <a:blip r:embed="rId3">
-            <a:extLst>
-              <a:ext uri="{28A0092B-C50C-407E-A947-70E740481C1C}">
-                <a14:useLocalDpi xmlns:a14="http://schemas.microsoft.com/office/drawing/2010/main" val="0"/>
-              </a:ext>
-            </a:extLst>
-          </a:blip>
-          <a:stretch>
-            <a:fillRect/>
-          </a:stretch>
-        </p:blipFill>
-        <p:spPr>
-          <a:xfrm>
-            <a:off x="0" y="0"/>
-            <a:ext cx="12188825" cy="6856214"/>
-          </a:xfrm>
-          <a:prstGeom prst="rect">
-            <a:avLst/>
-          </a:prstGeom>
-        </p:spPr>
-      </p:pic>
-      <p:pic>
-        <p:nvPicPr>
-          <p:cNvPr id="10" name="Picture 9">
-            <a:extLst>
-              <a:ext uri="{FF2B5EF4-FFF2-40B4-BE49-F238E27FC236}">
-                <a16:creationId xmlns:a16="http://schemas.microsoft.com/office/drawing/2014/main" id="{F7057E50-1D91-4453-BBA0-DD604B5CDAE4}"/>
-              </a:ext>
-              <a:ext uri="{C183D7F6-B498-43B3-948B-1728B52AA6E4}">
-                <adec:decorative xmlns:adec="http://schemas.microsoft.com/office/drawing/2017/decorative" val="1"/>
-              </a:ext>
-            </a:extLst>
-          </p:cNvPr>
-          <p:cNvPicPr>
-            <a:picLocks noGrp="1" noRot="1" noChangeAspect="1" noMove="1" noResize="1" noEditPoints="1" noAdjustHandles="1" noChangeArrowheads="1" noChangeShapeType="1" noCrop="1"/>
-          </p:cNvPicPr>
-          <p:nvPr>
-            <p:extLst>
-              <p:ext uri="{386F3935-93C4-4BCD-93E2-E3B085C9AB24}">
-                <p16:designElem xmlns:p16="http://schemas.microsoft.com/office/powerpoint/2015/main" val="1"/>
-              </p:ext>
-            </p:extLst>
-          </p:nvPr>
-        </p:nvPicPr>
-        <p:blipFill>
-          <a:blip r:embed="rId4">
-            <a:extLst>
-              <a:ext uri="{28A0092B-C50C-407E-A947-70E740481C1C}">
-                <a14:useLocalDpi xmlns:a14="http://schemas.microsoft.com/office/drawing/2010/main" val="0"/>
-              </a:ext>
-            </a:extLst>
-          </a:blip>
-          <a:stretch>
-            <a:fillRect/>
-          </a:stretch>
-        </p:blipFill>
-        <p:spPr>
-          <a:xfrm>
-            <a:off x="0" y="0"/>
-            <a:ext cx="12188825" cy="6856214"/>
-          </a:xfrm>
-          <a:prstGeom prst="rect">
-            <a:avLst/>
-          </a:prstGeom>
-        </p:spPr>
-      </p:pic>
-      <p:sp>
-        <p:nvSpPr>
-          <p:cNvPr id="2" name="כותרת 1">
-            <a:extLst>
-              <a:ext uri="{FF2B5EF4-FFF2-40B4-BE49-F238E27FC236}">
-                <a16:creationId xmlns:a16="http://schemas.microsoft.com/office/drawing/2014/main" id="{95B1A5C0-2702-4EFE-A226-5049E15E35EA}"/>
-              </a:ext>
-            </a:extLst>
-          </p:cNvPr>
-          <p:cNvSpPr txBox="1">
-            <a:spLocks/>
-          </p:cNvSpPr>
-          <p:nvPr/>
-        </p:nvSpPr>
-        <p:spPr>
-          <a:xfrm>
-            <a:off x="7354027" y="2076234"/>
-            <a:ext cx="4729828" cy="2421464"/>
-          </a:xfrm>
-          <a:prstGeom prst="rect">
-            <a:avLst/>
-          </a:prstGeom>
-        </p:spPr>
-        <p:txBody>
-          <a:bodyPr vert="horz" lIns="91440" tIns="45720" rIns="91440" bIns="45720" rtlCol="0" anchor="b">
-            <a:normAutofit/>
-          </a:bodyPr>
-          <a:lstStyle>
-            <a:lvl1pPr algn="l" defTabSz="457200" rtl="0" eaLnBrk="1" latinLnBrk="0" hangingPunct="1">
-              <a:spcBef>
-                <a:spcPct val="0"/>
-              </a:spcBef>
-              <a:buNone/>
-              <a:defRPr sz="3600" kern="1200" cap="all">
-                <a:ln w="3175" cmpd="sng">
-                  <a:noFill/>
-                </a:ln>
-                <a:solidFill>
-                  <a:schemeClr val="tx1"/>
-                </a:solidFill>
-                <a:effectLst/>
-                <a:latin typeface="+mj-lt"/>
-                <a:ea typeface="+mj-ea"/>
-                <a:cs typeface="+mj-cs"/>
-              </a:defRPr>
-            </a:lvl1pPr>
-            <a:lvl2pPr eaLnBrk="1" hangingPunct="1">
-              <a:defRPr>
-                <a:solidFill>
-                  <a:schemeClr val="tx2"/>
-                </a:solidFill>
-              </a:defRPr>
-            </a:lvl2pPr>
-            <a:lvl3pPr eaLnBrk="1" hangingPunct="1">
-              <a:defRPr>
-                <a:solidFill>
-                  <a:schemeClr val="tx2"/>
-                </a:solidFill>
-              </a:defRPr>
-            </a:lvl3pPr>
-            <a:lvl4pPr eaLnBrk="1" hangingPunct="1">
-              <a:defRPr>
-                <a:solidFill>
-                  <a:schemeClr val="tx2"/>
-                </a:solidFill>
-              </a:defRPr>
-            </a:lvl4pPr>
-            <a:lvl5pPr eaLnBrk="1" hangingPunct="1">
-              <a:defRPr>
-                <a:solidFill>
-                  <a:schemeClr val="tx2"/>
-                </a:solidFill>
-              </a:defRPr>
-            </a:lvl5pPr>
-            <a:lvl6pPr eaLnBrk="1" hangingPunct="1">
-              <a:defRPr>
-                <a:solidFill>
-                  <a:schemeClr val="tx2"/>
-                </a:solidFill>
-              </a:defRPr>
-            </a:lvl6pPr>
-            <a:lvl7pPr eaLnBrk="1" hangingPunct="1">
-              <a:defRPr>
-                <a:solidFill>
-                  <a:schemeClr val="tx2"/>
-                </a:solidFill>
-              </a:defRPr>
-            </a:lvl7pPr>
-            <a:lvl8pPr eaLnBrk="1" hangingPunct="1">
-              <a:defRPr>
-                <a:solidFill>
-                  <a:schemeClr val="tx2"/>
-                </a:solidFill>
-              </a:defRPr>
-            </a:lvl8pPr>
-            <a:lvl9pPr eaLnBrk="1" hangingPunct="1">
-              <a:defRPr>
-                <a:solidFill>
-                  <a:schemeClr val="tx2"/>
-                </a:solidFill>
-              </a:defRPr>
-            </a:lvl9pPr>
-          </a:lstStyle>
-          <a:p>
-            <a:pPr algn="r">
-              <a:spcAft>
-                <a:spcPts val="600"/>
-              </a:spcAft>
-            </a:pPr>
-            <a:r>
-              <a:rPr lang="he-IL" sz="4800"/>
-              <a:t>ארכיטקטורת</a:t>
-            </a:r>
-          </a:p>
-          <a:p>
-            <a:pPr algn="r">
-              <a:spcAft>
-                <a:spcPts val="600"/>
-              </a:spcAft>
-            </a:pPr>
-            <a:r>
-              <a:rPr lang="he-IL" sz="4800"/>
-              <a:t> תכנה</a:t>
-            </a:r>
-            <a:endParaRPr lang="en-US" sz="4800"/>
-          </a:p>
-        </p:txBody>
-      </p:sp>
-      <p:pic>
-        <p:nvPicPr>
-          <p:cNvPr id="2050" name="Picture 2">
-            <a:extLst>
-              <a:ext uri="{FF2B5EF4-FFF2-40B4-BE49-F238E27FC236}">
-                <a16:creationId xmlns:a16="http://schemas.microsoft.com/office/drawing/2014/main" id="{B8968786-65B9-4937-A2D6-A14AD710F555}"/>
-              </a:ext>
-            </a:extLst>
-          </p:cNvPr>
-          <p:cNvPicPr>
-            <a:picLocks noChangeAspect="1" noChangeArrowheads="1"/>
-          </p:cNvPicPr>
-          <p:nvPr/>
-        </p:nvPicPr>
-        <p:blipFill>
-          <a:blip r:embed="rId5">
-            <a:extLst>
-              <a:ext uri="{28A0092B-C50C-407E-A947-70E740481C1C}">
-                <a14:useLocalDpi xmlns:a14="http://schemas.microsoft.com/office/drawing/2010/main" val="0"/>
-              </a:ext>
-            </a:extLst>
-          </a:blip>
-          <a:srcRect/>
-          <a:stretch>
-            <a:fillRect/>
-          </a:stretch>
-        </p:blipFill>
-        <p:spPr bwMode="auto">
-          <a:xfrm>
-            <a:off x="0" y="0"/>
-            <a:ext cx="8308731" cy="6858000"/>
-          </a:xfrm>
-          <a:prstGeom prst="rect">
-            <a:avLst/>
-          </a:prstGeom>
-          <a:noFill/>
-          <a:ln w="6350">
-            <a:solidFill>
-              <a:srgbClr val="000000"/>
-            </a:solidFill>
-            <a:miter lim="800000"/>
-            <a:headEnd/>
-            <a:tailEnd/>
-          </a:ln>
-          <a:extLst>
-            <a:ext uri="{909E8E84-426E-40DD-AFC4-6F175D3DCCD1}">
-              <a14:hiddenFill xmlns:a14="http://schemas.microsoft.com/office/drawing/2010/main">
-                <a:solidFill>
-                  <a:srgbClr val="FFFFFF"/>
-                </a:solidFill>
-              </a14:hiddenFill>
-            </a:ext>
-          </a:extLst>
-        </p:spPr>
-      </p:pic>
-    </p:spTree>
-    <p:extLst>
-      <p:ext uri="{BB962C8B-B14F-4D97-AF65-F5344CB8AC3E}">
-        <p14:creationId xmlns:p14="http://schemas.microsoft.com/office/powerpoint/2010/main" val="863317930"/>
-      </p:ext>
-    </p:extLst>
-  </p:cSld>
-  <p:clrMapOvr>
-    <a:masterClrMapping/>
-  </p:clrMapOvr>
-</p:sld>
-</file>
-
-<file path=ppt/slides/slide12.xml><?xml version="1.0" encoding="utf-8"?>
-<p:sld xmlns:a="http://schemas.openxmlformats.org/drawingml/2006/main" xmlns:r="http://schemas.openxmlformats.org/officeDocument/2006/relationships" xmlns:p="http://schemas.openxmlformats.org/presentationml/2006/main">
-  <p:cSld>
     <p:spTree>
       <p:nvGrpSpPr>
         <p:cNvPr id="1" name=""/>
@@ -6823,10 +6511,10 @@
       </p:grpSpPr>
       <p:sp>
         <p:nvSpPr>
-          <p:cNvPr id="2" name="כותרת 1">
+          <p:cNvPr id="4" name="כותרת 1">
             <a:extLst>
               <a:ext uri="{FF2B5EF4-FFF2-40B4-BE49-F238E27FC236}">
-                <a16:creationId xmlns:a16="http://schemas.microsoft.com/office/drawing/2014/main" id="{E494FDF2-39E4-4C56-81D1-1B404461D38C}"/>
+                <a16:creationId xmlns:a16="http://schemas.microsoft.com/office/drawing/2014/main" id="{C990A99A-1DD6-4D79-992B-C881E0E9D907}"/>
               </a:ext>
             </a:extLst>
           </p:cNvPr>
@@ -6926,7 +6614,7 @@
             <a:pPr algn="r" rtl="1"/>
             <a:r>
               <a:rPr lang="he-IL"/>
-              <a:t>פלטפורמה</a:t>
+              <a:t>כלים </a:t>
             </a:r>
             <a:endParaRPr lang="en-IL"/>
           </a:p>
@@ -6934,10 +6622,10 @@
       </p:sp>
       <p:sp>
         <p:nvSpPr>
-          <p:cNvPr id="3" name="תיבת טקסט 2">
+          <p:cNvPr id="5" name="תיבת טקסט 4">
             <a:extLst>
               <a:ext uri="{FF2B5EF4-FFF2-40B4-BE49-F238E27FC236}">
-                <a16:creationId xmlns:a16="http://schemas.microsoft.com/office/drawing/2014/main" id="{5EC23C1A-33C7-469D-B5AF-790322AE1A17}"/>
+                <a16:creationId xmlns:a16="http://schemas.microsoft.com/office/drawing/2014/main" id="{CB87062D-1A70-4957-BC0E-42BFED3D552A}"/>
               </a:ext>
             </a:extLst>
           </p:cNvPr>
@@ -6947,7 +6635,7 @@
         <p:spPr>
           <a:xfrm>
             <a:off x="1493240" y="1526796"/>
-            <a:ext cx="9555061" cy="4216539"/>
+            <a:ext cx="9555061" cy="3416320"/>
           </a:xfrm>
           <a:prstGeom prst="rect">
             <a:avLst/>
@@ -6962,13 +6650,9 @@
           <a:p>
             <a:pPr algn="r" rtl="1"/>
             <a:r>
-              <a:rPr lang="he-IL" sz="3200"/>
-              <a:t>אחראית על :</a:t>
-            </a:r>
-          </a:p>
-          <a:p>
-            <a:pPr algn="r" rtl="1"/>
-            <a:endParaRPr lang="he-IL" sz="2000"/>
+              <a:rPr lang="he-IL" sz="3600"/>
+              <a:t>אחראיים על :</a:t>
+            </a:r>
           </a:p>
           <a:p>
             <a:pPr marL="342900" indent="-342900" algn="r" rtl="1">
@@ -6976,12 +6660,8 @@
               <a:buChar char="•"/>
             </a:pPr>
             <a:r>
-              <a:rPr lang="en-US" sz="2400"/>
-              <a:t>Connection Module</a:t>
-            </a:r>
-            <a:r>
               <a:rPr lang="he-IL" sz="2400"/>
-              <a:t> - קבלת בקשה מהלקוח והתחלת טיפול לפי דרישותיו של הלקוח.</a:t>
+              <a:t>כל אחד מהכלים דואג לנושא אחר כלומר כל אחד מבצע דבר אחר. לדוגמא : ניהול זיכרון.</a:t>
             </a:r>
           </a:p>
           <a:p>
@@ -6990,28 +6670,16 @@
               <a:buChar char="•"/>
             </a:pPr>
             <a:r>
+              <a:rPr lang="he-IL" sz="2400"/>
+              <a:t>אחראיים על שליחת לוג בחזרה אל ה</a:t>
+            </a:r>
+            <a:r>
               <a:rPr lang="en-US" sz="2400"/>
-              <a:t>Compile Module</a:t>
+              <a:t>REST</a:t>
             </a:r>
             <a:r>
               <a:rPr lang="he-IL" sz="2400"/>
-              <a:t> – בתחילה בדיקה דומה למה שה</a:t>
-            </a:r>
-            <a:r>
-              <a:rPr lang="en-US" sz="2400"/>
-              <a:t>Preprocessor</a:t>
-            </a:r>
-            <a:r>
-              <a:rPr lang="he-IL" sz="2400"/>
-              <a:t> עושה : מסתכל על כל ה</a:t>
-            </a:r>
-            <a:r>
-              <a:rPr lang="en-US" sz="2400"/>
-              <a:t>includes</a:t>
-            </a:r>
-            <a:r>
-              <a:rPr lang="he-IL" sz="2400"/>
-              <a:t> ואוגר סוגי משתנים וכ"ו על הקובץ. לאחר מכן בדיקת קומפילציה בסיסית לגבי הקוד שניתן (אם ישנה בעיית קומפילציה הפלטפורמה תפסיק את הבדיקה תחזיר את התקלה ותגיד באיזה שורה התקלה התרחשה). </a:t>
+              <a:t>.</a:t>
             </a:r>
           </a:p>
           <a:p>
@@ -7020,20 +6688,16 @@
               <a:buChar char="•"/>
             </a:pPr>
             <a:r>
+              <a:rPr lang="he-IL" sz="2400"/>
+              <a:t>יכולים להחזיר קבצי תוצאה אל ה</a:t>
+            </a:r>
+            <a:r>
               <a:rPr lang="en-US" sz="2400"/>
-              <a:t>Parsing Information</a:t>
+              <a:t>REST</a:t>
             </a:r>
             <a:r>
               <a:rPr lang="he-IL" sz="2400"/>
-              <a:t> – במהלך בדיקת הקוד ואחריו אגירת מידע לגבי פונקציות, קוד ואגירתו במילון שלאחר מכן ישלח כ</a:t>
-            </a:r>
-            <a:r>
-              <a:rPr lang="en-US" sz="2400"/>
-              <a:t>JSON</a:t>
-            </a:r>
-            <a:r>
-              <a:rPr lang="he-IL" sz="2400"/>
-              <a:t> לכלים.</a:t>
+              <a:t>.</a:t>
             </a:r>
           </a:p>
           <a:p>
@@ -7042,28 +6706,27 @@
               <a:buChar char="•"/>
             </a:pPr>
             <a:r>
-              <a:rPr lang="en-US" sz="2400"/>
-              <a:t>Json Creation</a:t>
-            </a:r>
-            <a:r>
               <a:rPr lang="he-IL" sz="2400"/>
-              <a:t> – ברגע שהמידע מוכן בניית ה</a:t>
-            </a:r>
-            <a:r>
-              <a:rPr lang="en-US" sz="2400"/>
-              <a:t>JSON</a:t>
-            </a:r>
-            <a:r>
-              <a:rPr lang="he-IL" sz="2400"/>
-              <a:t> במילון.</a:t>
-            </a:r>
+              <a:t>יכולים לבקש תוצאות של כלים אחרים.</a:t>
+            </a:r>
+          </a:p>
+          <a:p>
+            <a:pPr marL="342900" indent="-342900" algn="r" rtl="1">
+              <a:buFont typeface="Arial" panose="020B0604020202020204" pitchFamily="34" charset="0"/>
+              <a:buChar char="•"/>
+            </a:pPr>
+            <a:endParaRPr lang="he-IL" sz="2400"/>
+          </a:p>
+          <a:p>
+            <a:pPr algn="r" rtl="1"/>
+            <a:endParaRPr lang="he-IL" sz="3600"/>
           </a:p>
         </p:txBody>
       </p:sp>
     </p:spTree>
     <p:extLst>
       <p:ext uri="{BB962C8B-B14F-4D97-AF65-F5344CB8AC3E}">
-        <p14:creationId xmlns:p14="http://schemas.microsoft.com/office/powerpoint/2010/main" val="192821504"/>
+        <p14:creationId xmlns:p14="http://schemas.microsoft.com/office/powerpoint/2010/main" val="928927793"/>
       </p:ext>
     </p:extLst>
   </p:cSld>
@@ -7073,247 +6736,7 @@
 </p:sld>
 </file>
 
-<file path=ppt/slides/slide13.xml><?xml version="1.0" encoding="utf-8"?>
-<p:sld xmlns:a="http://schemas.openxmlformats.org/drawingml/2006/main" xmlns:r="http://schemas.openxmlformats.org/officeDocument/2006/relationships" xmlns:p="http://schemas.openxmlformats.org/presentationml/2006/main">
-  <p:cSld>
-    <p:spTree>
-      <p:nvGrpSpPr>
-        <p:cNvPr id="1" name=""/>
-        <p:cNvGrpSpPr/>
-        <p:nvPr/>
-      </p:nvGrpSpPr>
-      <p:grpSpPr>
-        <a:xfrm>
-          <a:off x="0" y="0"/>
-          <a:ext cx="0" cy="0"/>
-          <a:chOff x="0" y="0"/>
-          <a:chExt cx="0" cy="0"/>
-        </a:xfrm>
-      </p:grpSpPr>
-      <p:sp>
-        <p:nvSpPr>
-          <p:cNvPr id="2" name="כותרת 1">
-            <a:extLst>
-              <a:ext uri="{FF2B5EF4-FFF2-40B4-BE49-F238E27FC236}">
-                <a16:creationId xmlns:a16="http://schemas.microsoft.com/office/drawing/2014/main" id="{C1A6DFFC-20B9-4305-9FBB-A7B7B68D29A9}"/>
-              </a:ext>
-            </a:extLst>
-          </p:cNvPr>
-          <p:cNvSpPr txBox="1">
-            <a:spLocks/>
-          </p:cNvSpPr>
-          <p:nvPr/>
-        </p:nvSpPr>
-        <p:spPr>
-          <a:xfrm>
-            <a:off x="820025" y="534100"/>
-            <a:ext cx="10131425" cy="799750"/>
-          </a:xfrm>
-          <a:prstGeom prst="rect">
-            <a:avLst/>
-          </a:prstGeom>
-        </p:spPr>
-        <p:txBody>
-          <a:bodyPr/>
-          <a:lstStyle>
-            <a:lvl1pPr algn="l" defTabSz="457200" rtl="0" eaLnBrk="1" latinLnBrk="0" hangingPunct="1">
-              <a:spcBef>
-                <a:spcPct val="0"/>
-              </a:spcBef>
-              <a:buNone/>
-              <a:defRPr sz="3600" kern="1200" cap="all">
-                <a:ln w="3175" cmpd="sng">
-                  <a:noFill/>
-                </a:ln>
-                <a:solidFill>
-                  <a:schemeClr val="tx1"/>
-                </a:solidFill>
-                <a:effectLst/>
-                <a:latin typeface="+mj-lt"/>
-                <a:ea typeface="+mj-ea"/>
-                <a:cs typeface="+mj-cs"/>
-              </a:defRPr>
-            </a:lvl1pPr>
-            <a:lvl2pPr eaLnBrk="1" hangingPunct="1">
-              <a:defRPr>
-                <a:solidFill>
-                  <a:schemeClr val="tx2"/>
-                </a:solidFill>
-              </a:defRPr>
-            </a:lvl2pPr>
-            <a:lvl3pPr eaLnBrk="1" hangingPunct="1">
-              <a:defRPr>
-                <a:solidFill>
-                  <a:schemeClr val="tx2"/>
-                </a:solidFill>
-              </a:defRPr>
-            </a:lvl3pPr>
-            <a:lvl4pPr eaLnBrk="1" hangingPunct="1">
-              <a:defRPr>
-                <a:solidFill>
-                  <a:schemeClr val="tx2"/>
-                </a:solidFill>
-              </a:defRPr>
-            </a:lvl4pPr>
-            <a:lvl5pPr eaLnBrk="1" hangingPunct="1">
-              <a:defRPr>
-                <a:solidFill>
-                  <a:schemeClr val="tx2"/>
-                </a:solidFill>
-              </a:defRPr>
-            </a:lvl5pPr>
-            <a:lvl6pPr eaLnBrk="1" hangingPunct="1">
-              <a:defRPr>
-                <a:solidFill>
-                  <a:schemeClr val="tx2"/>
-                </a:solidFill>
-              </a:defRPr>
-            </a:lvl6pPr>
-            <a:lvl7pPr eaLnBrk="1" hangingPunct="1">
-              <a:defRPr>
-                <a:solidFill>
-                  <a:schemeClr val="tx2"/>
-                </a:solidFill>
-              </a:defRPr>
-            </a:lvl7pPr>
-            <a:lvl8pPr eaLnBrk="1" hangingPunct="1">
-              <a:defRPr>
-                <a:solidFill>
-                  <a:schemeClr val="tx2"/>
-                </a:solidFill>
-              </a:defRPr>
-            </a:lvl8pPr>
-            <a:lvl9pPr eaLnBrk="1" hangingPunct="1">
-              <a:defRPr>
-                <a:solidFill>
-                  <a:schemeClr val="tx2"/>
-                </a:solidFill>
-              </a:defRPr>
-            </a:lvl9pPr>
-          </a:lstStyle>
-          <a:p>
-            <a:pPr algn="r" rtl="1"/>
-            <a:r>
-              <a:rPr lang="he-IL"/>
-              <a:t>המשך - פלטפורמה</a:t>
-            </a:r>
-            <a:endParaRPr lang="en-IL"/>
-          </a:p>
-        </p:txBody>
-      </p:sp>
-      <p:sp>
-        <p:nvSpPr>
-          <p:cNvPr id="3" name="תיבת טקסט 2">
-            <a:extLst>
-              <a:ext uri="{FF2B5EF4-FFF2-40B4-BE49-F238E27FC236}">
-                <a16:creationId xmlns:a16="http://schemas.microsoft.com/office/drawing/2014/main" id="{5AB950CF-7830-4228-A598-D55910F8AC0A}"/>
-              </a:ext>
-            </a:extLst>
-          </p:cNvPr>
-          <p:cNvSpPr txBox="1"/>
-          <p:nvPr/>
-        </p:nvSpPr>
-        <p:spPr>
-          <a:xfrm>
-            <a:off x="1493240" y="1526796"/>
-            <a:ext cx="9555061" cy="2308324"/>
-          </a:xfrm>
-          <a:prstGeom prst="rect">
-            <a:avLst/>
-          </a:prstGeom>
-          <a:noFill/>
-        </p:spPr>
-        <p:txBody>
-          <a:bodyPr wrap="square" rtlCol="0">
-            <a:spAutoFit/>
-          </a:bodyPr>
-          <a:lstStyle/>
-          <a:p>
-            <a:pPr marL="342900" indent="-342900" algn="r" rtl="1">
-              <a:buFont typeface="Arial" panose="020B0604020202020204" pitchFamily="34" charset="0"/>
-              <a:buChar char="•"/>
-            </a:pPr>
-            <a:r>
-              <a:rPr lang="he-IL" sz="2400"/>
-              <a:t>שליחת המידע ל</a:t>
-            </a:r>
-            <a:r>
-              <a:rPr lang="en-US" sz="2400"/>
-              <a:t>REST</a:t>
-            </a:r>
-            <a:r>
-              <a:rPr lang="he-IL" sz="2400"/>
-              <a:t>.</a:t>
-            </a:r>
-          </a:p>
-          <a:p>
-            <a:pPr marL="342900" indent="-342900" algn="r" rtl="1">
-              <a:buFont typeface="Arial" panose="020B0604020202020204" pitchFamily="34" charset="0"/>
-              <a:buChar char="•"/>
-            </a:pPr>
-            <a:r>
-              <a:rPr lang="he-IL" sz="2400"/>
-              <a:t>הפעלת הכלים בתזמון נכון.</a:t>
-            </a:r>
-          </a:p>
-          <a:p>
-            <a:pPr marL="342900" indent="-342900" algn="r" rtl="1">
-              <a:buFont typeface="Arial" panose="020B0604020202020204" pitchFamily="34" charset="0"/>
-              <a:buChar char="•"/>
-            </a:pPr>
-            <a:r>
-              <a:rPr lang="he-IL" sz="2400"/>
-              <a:t>סידור קובץ </a:t>
-            </a:r>
-            <a:r>
-              <a:rPr lang="en-US" sz="2400"/>
-              <a:t>LOG</a:t>
-            </a:r>
-            <a:r>
-              <a:rPr lang="he-IL" sz="2400"/>
-              <a:t> לגבי תוצאות הכלים.</a:t>
-            </a:r>
-          </a:p>
-          <a:p>
-            <a:pPr marL="342900" indent="-342900" algn="r" rtl="1">
-              <a:buFont typeface="Arial" panose="020B0604020202020204" pitchFamily="34" charset="0"/>
-              <a:buChar char="•"/>
-            </a:pPr>
-            <a:r>
-              <a:rPr lang="en-US" sz="2400"/>
-              <a:t>Tool Handle</a:t>
-            </a:r>
-            <a:r>
-              <a:rPr lang="he-IL" sz="2400"/>
-              <a:t> – וידוא שכל הכלים לא נתקעים ולא עוברים את הזמן המוקצה להם. </a:t>
-            </a:r>
-          </a:p>
-          <a:p>
-            <a:pPr marL="342900" indent="-342900" algn="r" rtl="1">
-              <a:buFont typeface="Arial" panose="020B0604020202020204" pitchFamily="34" charset="0"/>
-              <a:buChar char="•"/>
-            </a:pPr>
-            <a:r>
-              <a:rPr lang="he-IL" sz="2400"/>
-              <a:t>שליחת התוצאה.</a:t>
-            </a:r>
-          </a:p>
-        </p:txBody>
-      </p:sp>
-    </p:spTree>
-    <p:extLst>
-      <p:ext uri="{BB962C8B-B14F-4D97-AF65-F5344CB8AC3E}">
-        <p14:creationId xmlns:p14="http://schemas.microsoft.com/office/powerpoint/2010/main" val="3223398071"/>
-      </p:ext>
-    </p:extLst>
-  </p:cSld>
-  <p:clrMapOvr>
-    <a:masterClrMapping/>
-  </p:clrMapOvr>
-</p:sld>
-</file>
-
-<file path=ppt/slides/slide14.xml><?xml version="1.0" encoding="utf-8"?>
+<file path=ppt/slides/slide12.xml><?xml version="1.0" encoding="utf-8"?>
 <p:sld xmlns:a="http://schemas.openxmlformats.org/drawingml/2006/main" xmlns:r="http://schemas.openxmlformats.org/officeDocument/2006/relationships" xmlns:p="http://schemas.openxmlformats.org/presentationml/2006/main">
   <p:cSld>
     <p:spTree>
@@ -7572,7 +6995,7 @@
 </p:sld>
 </file>
 
-<file path=ppt/slides/slide15.xml><?xml version="1.0" encoding="utf-8"?>
+<file path=ppt/slides/slide13.xml><?xml version="1.0" encoding="utf-8"?>
 <p:sld xmlns:a="http://schemas.openxmlformats.org/drawingml/2006/main" xmlns:r="http://schemas.openxmlformats.org/officeDocument/2006/relationships" xmlns:p="http://schemas.openxmlformats.org/presentationml/2006/main">
   <p:cSld>
     <p:bg>
@@ -8291,7 +7714,7 @@
 </p:sld>
 </file>
 
-<file path=ppt/slides/slide16.xml><?xml version="1.0" encoding="utf-8"?>
+<file path=ppt/slides/slide14.xml><?xml version="1.0" encoding="utf-8"?>
 <p:sld xmlns:a="http://schemas.openxmlformats.org/drawingml/2006/main" xmlns:r="http://schemas.openxmlformats.org/officeDocument/2006/relationships" xmlns:p="http://schemas.openxmlformats.org/presentationml/2006/main">
   <p:cSld>
     <p:spTree>
@@ -8713,251 +8136,7 @@
 </p:sld>
 </file>
 
-<file path=ppt/slides/slide17.xml><?xml version="1.0" encoding="utf-8"?>
-<p:sld xmlns:a="http://schemas.openxmlformats.org/drawingml/2006/main" xmlns:r="http://schemas.openxmlformats.org/officeDocument/2006/relationships" xmlns:p="http://schemas.openxmlformats.org/presentationml/2006/main">
-  <p:cSld>
-    <p:spTree>
-      <p:nvGrpSpPr>
-        <p:cNvPr id="1" name=""/>
-        <p:cNvGrpSpPr/>
-        <p:nvPr/>
-      </p:nvGrpSpPr>
-      <p:grpSpPr>
-        <a:xfrm>
-          <a:off x="0" y="0"/>
-          <a:ext cx="0" cy="0"/>
-          <a:chOff x="0" y="0"/>
-          <a:chExt cx="0" cy="0"/>
-        </a:xfrm>
-      </p:grpSpPr>
-      <p:sp>
-        <p:nvSpPr>
-          <p:cNvPr id="4" name="כותרת 1">
-            <a:extLst>
-              <a:ext uri="{FF2B5EF4-FFF2-40B4-BE49-F238E27FC236}">
-                <a16:creationId xmlns:a16="http://schemas.microsoft.com/office/drawing/2014/main" id="{C990A99A-1DD6-4D79-992B-C881E0E9D907}"/>
-              </a:ext>
-            </a:extLst>
-          </p:cNvPr>
-          <p:cNvSpPr txBox="1">
-            <a:spLocks/>
-          </p:cNvSpPr>
-          <p:nvPr/>
-        </p:nvSpPr>
-        <p:spPr>
-          <a:xfrm>
-            <a:off x="820025" y="534100"/>
-            <a:ext cx="10131425" cy="799750"/>
-          </a:xfrm>
-          <a:prstGeom prst="rect">
-            <a:avLst/>
-          </a:prstGeom>
-        </p:spPr>
-        <p:txBody>
-          <a:bodyPr/>
-          <a:lstStyle>
-            <a:lvl1pPr algn="l" defTabSz="457200" rtl="0" eaLnBrk="1" latinLnBrk="0" hangingPunct="1">
-              <a:spcBef>
-                <a:spcPct val="0"/>
-              </a:spcBef>
-              <a:buNone/>
-              <a:defRPr sz="3600" kern="1200" cap="all">
-                <a:ln w="3175" cmpd="sng">
-                  <a:noFill/>
-                </a:ln>
-                <a:solidFill>
-                  <a:schemeClr val="tx1"/>
-                </a:solidFill>
-                <a:effectLst/>
-                <a:latin typeface="+mj-lt"/>
-                <a:ea typeface="+mj-ea"/>
-                <a:cs typeface="+mj-cs"/>
-              </a:defRPr>
-            </a:lvl1pPr>
-            <a:lvl2pPr eaLnBrk="1" hangingPunct="1">
-              <a:defRPr>
-                <a:solidFill>
-                  <a:schemeClr val="tx2"/>
-                </a:solidFill>
-              </a:defRPr>
-            </a:lvl2pPr>
-            <a:lvl3pPr eaLnBrk="1" hangingPunct="1">
-              <a:defRPr>
-                <a:solidFill>
-                  <a:schemeClr val="tx2"/>
-                </a:solidFill>
-              </a:defRPr>
-            </a:lvl3pPr>
-            <a:lvl4pPr eaLnBrk="1" hangingPunct="1">
-              <a:defRPr>
-                <a:solidFill>
-                  <a:schemeClr val="tx2"/>
-                </a:solidFill>
-              </a:defRPr>
-            </a:lvl4pPr>
-            <a:lvl5pPr eaLnBrk="1" hangingPunct="1">
-              <a:defRPr>
-                <a:solidFill>
-                  <a:schemeClr val="tx2"/>
-                </a:solidFill>
-              </a:defRPr>
-            </a:lvl5pPr>
-            <a:lvl6pPr eaLnBrk="1" hangingPunct="1">
-              <a:defRPr>
-                <a:solidFill>
-                  <a:schemeClr val="tx2"/>
-                </a:solidFill>
-              </a:defRPr>
-            </a:lvl6pPr>
-            <a:lvl7pPr eaLnBrk="1" hangingPunct="1">
-              <a:defRPr>
-                <a:solidFill>
-                  <a:schemeClr val="tx2"/>
-                </a:solidFill>
-              </a:defRPr>
-            </a:lvl7pPr>
-            <a:lvl8pPr eaLnBrk="1" hangingPunct="1">
-              <a:defRPr>
-                <a:solidFill>
-                  <a:schemeClr val="tx2"/>
-                </a:solidFill>
-              </a:defRPr>
-            </a:lvl8pPr>
-            <a:lvl9pPr eaLnBrk="1" hangingPunct="1">
-              <a:defRPr>
-                <a:solidFill>
-                  <a:schemeClr val="tx2"/>
-                </a:solidFill>
-              </a:defRPr>
-            </a:lvl9pPr>
-          </a:lstStyle>
-          <a:p>
-            <a:pPr algn="r" rtl="1"/>
-            <a:r>
-              <a:rPr lang="he-IL"/>
-              <a:t>כלים </a:t>
-            </a:r>
-            <a:endParaRPr lang="en-IL"/>
-          </a:p>
-        </p:txBody>
-      </p:sp>
-      <p:sp>
-        <p:nvSpPr>
-          <p:cNvPr id="5" name="תיבת טקסט 4">
-            <a:extLst>
-              <a:ext uri="{FF2B5EF4-FFF2-40B4-BE49-F238E27FC236}">
-                <a16:creationId xmlns:a16="http://schemas.microsoft.com/office/drawing/2014/main" id="{CB87062D-1A70-4957-BC0E-42BFED3D552A}"/>
-              </a:ext>
-            </a:extLst>
-          </p:cNvPr>
-          <p:cNvSpPr txBox="1"/>
-          <p:nvPr/>
-        </p:nvSpPr>
-        <p:spPr>
-          <a:xfrm>
-            <a:off x="1493240" y="1526796"/>
-            <a:ext cx="9555061" cy="3416320"/>
-          </a:xfrm>
-          <a:prstGeom prst="rect">
-            <a:avLst/>
-          </a:prstGeom>
-          <a:noFill/>
-        </p:spPr>
-        <p:txBody>
-          <a:bodyPr wrap="square" rtlCol="0">
-            <a:spAutoFit/>
-          </a:bodyPr>
-          <a:lstStyle/>
-          <a:p>
-            <a:pPr algn="r" rtl="1"/>
-            <a:r>
-              <a:rPr lang="he-IL" sz="3600"/>
-              <a:t>אחראיים על :</a:t>
-            </a:r>
-          </a:p>
-          <a:p>
-            <a:pPr marL="342900" indent="-342900" algn="r" rtl="1">
-              <a:buFont typeface="Arial" panose="020B0604020202020204" pitchFamily="34" charset="0"/>
-              <a:buChar char="•"/>
-            </a:pPr>
-            <a:r>
-              <a:rPr lang="he-IL" sz="2400"/>
-              <a:t>כל אחד מהכלים דואג לנושא אחר כלומר כל אחד מבצע דבר אחר. לדוגמא : ניהול זיכרון.</a:t>
-            </a:r>
-          </a:p>
-          <a:p>
-            <a:pPr marL="342900" indent="-342900" algn="r" rtl="1">
-              <a:buFont typeface="Arial" panose="020B0604020202020204" pitchFamily="34" charset="0"/>
-              <a:buChar char="•"/>
-            </a:pPr>
-            <a:r>
-              <a:rPr lang="he-IL" sz="2400"/>
-              <a:t>אחראיים על שליחת לוג בחזרה אל ה</a:t>
-            </a:r>
-            <a:r>
-              <a:rPr lang="en-US" sz="2400"/>
-              <a:t>REST</a:t>
-            </a:r>
-            <a:r>
-              <a:rPr lang="he-IL" sz="2400"/>
-              <a:t>.</a:t>
-            </a:r>
-          </a:p>
-          <a:p>
-            <a:pPr marL="342900" indent="-342900" algn="r" rtl="1">
-              <a:buFont typeface="Arial" panose="020B0604020202020204" pitchFamily="34" charset="0"/>
-              <a:buChar char="•"/>
-            </a:pPr>
-            <a:r>
-              <a:rPr lang="he-IL" sz="2400"/>
-              <a:t>יכולים להחזיר קבצי תוצאה אל ה</a:t>
-            </a:r>
-            <a:r>
-              <a:rPr lang="en-US" sz="2400"/>
-              <a:t>REST</a:t>
-            </a:r>
-            <a:r>
-              <a:rPr lang="he-IL" sz="2400"/>
-              <a:t>.</a:t>
-            </a:r>
-          </a:p>
-          <a:p>
-            <a:pPr marL="342900" indent="-342900" algn="r" rtl="1">
-              <a:buFont typeface="Arial" panose="020B0604020202020204" pitchFamily="34" charset="0"/>
-              <a:buChar char="•"/>
-            </a:pPr>
-            <a:r>
-              <a:rPr lang="he-IL" sz="2400"/>
-              <a:t>יכולים לבקש תוצאות של כלים אחרים.</a:t>
-            </a:r>
-          </a:p>
-          <a:p>
-            <a:pPr marL="342900" indent="-342900" algn="r" rtl="1">
-              <a:buFont typeface="Arial" panose="020B0604020202020204" pitchFamily="34" charset="0"/>
-              <a:buChar char="•"/>
-            </a:pPr>
-            <a:endParaRPr lang="he-IL" sz="2400"/>
-          </a:p>
-          <a:p>
-            <a:pPr algn="r" rtl="1"/>
-            <a:endParaRPr lang="he-IL" sz="3600"/>
-          </a:p>
-        </p:txBody>
-      </p:sp>
-    </p:spTree>
-    <p:extLst>
-      <p:ext uri="{BB962C8B-B14F-4D97-AF65-F5344CB8AC3E}">
-        <p14:creationId xmlns:p14="http://schemas.microsoft.com/office/powerpoint/2010/main" val="928927793"/>
-      </p:ext>
-    </p:extLst>
-  </p:cSld>
-  <p:clrMapOvr>
-    <a:masterClrMapping/>
-  </p:clrMapOvr>
-</p:sld>
-</file>
-
-<file path=ppt/slides/slide18.xml><?xml version="1.0" encoding="utf-8"?>
+<file path=ppt/slides/slide15.xml><?xml version="1.0" encoding="utf-8"?>
 <p:sld xmlns:a="http://schemas.openxmlformats.org/drawingml/2006/main" xmlns:r="http://schemas.openxmlformats.org/officeDocument/2006/relationships" xmlns:p="http://schemas.openxmlformats.org/presentationml/2006/main">
   <p:cSld>
     <p:spTree>
@@ -9171,7 +8350,516 @@
 </p:sld>
 </file>
 
-<file path=ppt/slides/slide19.xml><?xml version="1.0" encoding="utf-8"?>
+<file path=ppt/slides/slide16.xml><?xml version="1.0" encoding="utf-8"?>
+<p:sld xmlns:a="http://schemas.openxmlformats.org/drawingml/2006/main" xmlns:r="http://schemas.openxmlformats.org/officeDocument/2006/relationships" xmlns:p="http://schemas.openxmlformats.org/presentationml/2006/main">
+  <p:cSld>
+    <p:spTree>
+      <p:nvGrpSpPr>
+        <p:cNvPr id="1" name=""/>
+        <p:cNvGrpSpPr/>
+        <p:nvPr/>
+      </p:nvGrpSpPr>
+      <p:grpSpPr>
+        <a:xfrm>
+          <a:off x="0" y="0"/>
+          <a:ext cx="0" cy="0"/>
+          <a:chOff x="0" y="0"/>
+          <a:chExt cx="0" cy="0"/>
+        </a:xfrm>
+      </p:grpSpPr>
+      <p:sp>
+        <p:nvSpPr>
+          <p:cNvPr id="2" name="כותרת 1">
+            <a:extLst>
+              <a:ext uri="{FF2B5EF4-FFF2-40B4-BE49-F238E27FC236}">
+                <a16:creationId xmlns:a16="http://schemas.microsoft.com/office/drawing/2014/main" id="{E494FDF2-39E4-4C56-81D1-1B404461D38C}"/>
+              </a:ext>
+            </a:extLst>
+          </p:cNvPr>
+          <p:cNvSpPr txBox="1">
+            <a:spLocks/>
+          </p:cNvSpPr>
+          <p:nvPr/>
+        </p:nvSpPr>
+        <p:spPr>
+          <a:xfrm>
+            <a:off x="820025" y="534100"/>
+            <a:ext cx="10131425" cy="799750"/>
+          </a:xfrm>
+          <a:prstGeom prst="rect">
+            <a:avLst/>
+          </a:prstGeom>
+        </p:spPr>
+        <p:txBody>
+          <a:bodyPr/>
+          <a:lstStyle>
+            <a:lvl1pPr algn="l" defTabSz="457200" rtl="0" eaLnBrk="1" latinLnBrk="0" hangingPunct="1">
+              <a:spcBef>
+                <a:spcPct val="0"/>
+              </a:spcBef>
+              <a:buNone/>
+              <a:defRPr sz="3600" kern="1200" cap="all">
+                <a:ln w="3175" cmpd="sng">
+                  <a:noFill/>
+                </a:ln>
+                <a:solidFill>
+                  <a:schemeClr val="tx1"/>
+                </a:solidFill>
+                <a:effectLst/>
+                <a:latin typeface="+mj-lt"/>
+                <a:ea typeface="+mj-ea"/>
+                <a:cs typeface="+mj-cs"/>
+              </a:defRPr>
+            </a:lvl1pPr>
+            <a:lvl2pPr eaLnBrk="1" hangingPunct="1">
+              <a:defRPr>
+                <a:solidFill>
+                  <a:schemeClr val="tx2"/>
+                </a:solidFill>
+              </a:defRPr>
+            </a:lvl2pPr>
+            <a:lvl3pPr eaLnBrk="1" hangingPunct="1">
+              <a:defRPr>
+                <a:solidFill>
+                  <a:schemeClr val="tx2"/>
+                </a:solidFill>
+              </a:defRPr>
+            </a:lvl3pPr>
+            <a:lvl4pPr eaLnBrk="1" hangingPunct="1">
+              <a:defRPr>
+                <a:solidFill>
+                  <a:schemeClr val="tx2"/>
+                </a:solidFill>
+              </a:defRPr>
+            </a:lvl4pPr>
+            <a:lvl5pPr eaLnBrk="1" hangingPunct="1">
+              <a:defRPr>
+                <a:solidFill>
+                  <a:schemeClr val="tx2"/>
+                </a:solidFill>
+              </a:defRPr>
+            </a:lvl5pPr>
+            <a:lvl6pPr eaLnBrk="1" hangingPunct="1">
+              <a:defRPr>
+                <a:solidFill>
+                  <a:schemeClr val="tx2"/>
+                </a:solidFill>
+              </a:defRPr>
+            </a:lvl6pPr>
+            <a:lvl7pPr eaLnBrk="1" hangingPunct="1">
+              <a:defRPr>
+                <a:solidFill>
+                  <a:schemeClr val="tx2"/>
+                </a:solidFill>
+              </a:defRPr>
+            </a:lvl7pPr>
+            <a:lvl8pPr eaLnBrk="1" hangingPunct="1">
+              <a:defRPr>
+                <a:solidFill>
+                  <a:schemeClr val="tx2"/>
+                </a:solidFill>
+              </a:defRPr>
+            </a:lvl8pPr>
+            <a:lvl9pPr eaLnBrk="1" hangingPunct="1">
+              <a:defRPr>
+                <a:solidFill>
+                  <a:schemeClr val="tx2"/>
+                </a:solidFill>
+              </a:defRPr>
+            </a:lvl9pPr>
+          </a:lstStyle>
+          <a:p>
+            <a:pPr algn="r" rtl="1"/>
+            <a:r>
+              <a:rPr lang="he-IL"/>
+              <a:t>פלטפורמה</a:t>
+            </a:r>
+            <a:endParaRPr lang="en-IL"/>
+          </a:p>
+        </p:txBody>
+      </p:sp>
+      <p:sp>
+        <p:nvSpPr>
+          <p:cNvPr id="3" name="תיבת טקסט 2">
+            <a:extLst>
+              <a:ext uri="{FF2B5EF4-FFF2-40B4-BE49-F238E27FC236}">
+                <a16:creationId xmlns:a16="http://schemas.microsoft.com/office/drawing/2014/main" id="{5EC23C1A-33C7-469D-B5AF-790322AE1A17}"/>
+              </a:ext>
+            </a:extLst>
+          </p:cNvPr>
+          <p:cNvSpPr txBox="1"/>
+          <p:nvPr/>
+        </p:nvSpPr>
+        <p:spPr>
+          <a:xfrm>
+            <a:off x="1493240" y="1526796"/>
+            <a:ext cx="9555061" cy="4216539"/>
+          </a:xfrm>
+          <a:prstGeom prst="rect">
+            <a:avLst/>
+          </a:prstGeom>
+          <a:noFill/>
+        </p:spPr>
+        <p:txBody>
+          <a:bodyPr wrap="square" rtlCol="0">
+            <a:spAutoFit/>
+          </a:bodyPr>
+          <a:lstStyle/>
+          <a:p>
+            <a:pPr algn="r" rtl="1"/>
+            <a:r>
+              <a:rPr lang="he-IL" sz="3200"/>
+              <a:t>אחראית על :</a:t>
+            </a:r>
+          </a:p>
+          <a:p>
+            <a:pPr algn="r" rtl="1"/>
+            <a:endParaRPr lang="he-IL" sz="2000"/>
+          </a:p>
+          <a:p>
+            <a:pPr marL="342900" indent="-342900" algn="r" rtl="1">
+              <a:buFont typeface="Arial" panose="020B0604020202020204" pitchFamily="34" charset="0"/>
+              <a:buChar char="•"/>
+            </a:pPr>
+            <a:r>
+              <a:rPr lang="en-US" sz="2400"/>
+              <a:t>Connection Module</a:t>
+            </a:r>
+            <a:r>
+              <a:rPr lang="he-IL" sz="2400"/>
+              <a:t> - קבלת בקשה מהלקוח והתחלת טיפול לפי דרישותיו של הלקוח.</a:t>
+            </a:r>
+          </a:p>
+          <a:p>
+            <a:pPr marL="342900" indent="-342900" algn="r" rtl="1">
+              <a:buFont typeface="Arial" panose="020B0604020202020204" pitchFamily="34" charset="0"/>
+              <a:buChar char="•"/>
+            </a:pPr>
+            <a:r>
+              <a:rPr lang="en-US" sz="2400"/>
+              <a:t>Compile Module</a:t>
+            </a:r>
+            <a:r>
+              <a:rPr lang="he-IL" sz="2400"/>
+              <a:t> – בתחילה בדיקה דומה למה שה</a:t>
+            </a:r>
+            <a:r>
+              <a:rPr lang="en-US" sz="2400"/>
+              <a:t>Preprocessor</a:t>
+            </a:r>
+            <a:r>
+              <a:rPr lang="he-IL" sz="2400"/>
+              <a:t> עושה : מסתכל על כל ה</a:t>
+            </a:r>
+            <a:r>
+              <a:rPr lang="en-US" sz="2400"/>
+              <a:t>includes</a:t>
+            </a:r>
+            <a:r>
+              <a:rPr lang="he-IL" sz="2400"/>
+              <a:t> ואוגר סוגי משתנים וכ"ו על הקובץ. לאחר מכן בדיקת קומפילציה בסיסית לגבי הקוד שניתן (אם ישנה בעיית קומפילציה הפלטפורמה תפסיק את הבדיקה תחזיר את התקלה ותגיד באיזה שורה התקלה התרחשה). </a:t>
+            </a:r>
+          </a:p>
+          <a:p>
+            <a:pPr marL="342900" indent="-342900" algn="r" rtl="1">
+              <a:buFont typeface="Arial" panose="020B0604020202020204" pitchFamily="34" charset="0"/>
+              <a:buChar char="•"/>
+            </a:pPr>
+            <a:r>
+              <a:rPr lang="en-US" sz="2400"/>
+              <a:t>Parsing Information</a:t>
+            </a:r>
+            <a:r>
+              <a:rPr lang="he-IL" sz="2400"/>
+              <a:t> – במהלך בדיקת הקוד ואחריו אגירת מידע לגבי פונקציות, קוד ואגירתו במילון שלאחר מכן ישלח כ</a:t>
+            </a:r>
+            <a:r>
+              <a:rPr lang="en-US" sz="2400"/>
+              <a:t>JSON</a:t>
+            </a:r>
+            <a:r>
+              <a:rPr lang="he-IL" sz="2400"/>
+              <a:t> לכלים.</a:t>
+            </a:r>
+          </a:p>
+          <a:p>
+            <a:pPr marL="342900" indent="-342900" algn="r" rtl="1">
+              <a:buFont typeface="Arial" panose="020B0604020202020204" pitchFamily="34" charset="0"/>
+              <a:buChar char="•"/>
+            </a:pPr>
+            <a:r>
+              <a:rPr lang="en-US" sz="2400"/>
+              <a:t>Json Creation</a:t>
+            </a:r>
+            <a:r>
+              <a:rPr lang="he-IL" sz="2400"/>
+              <a:t> – ברגע שהמידע מוכן בניית ה</a:t>
+            </a:r>
+            <a:r>
+              <a:rPr lang="en-US" sz="2400"/>
+              <a:t>JSON</a:t>
+            </a:r>
+            <a:r>
+              <a:rPr lang="he-IL" sz="2400"/>
+              <a:t> במילון.</a:t>
+            </a:r>
+          </a:p>
+        </p:txBody>
+      </p:sp>
+    </p:spTree>
+    <p:extLst>
+      <p:ext uri="{BB962C8B-B14F-4D97-AF65-F5344CB8AC3E}">
+        <p14:creationId xmlns:p14="http://schemas.microsoft.com/office/powerpoint/2010/main" val="192821504"/>
+      </p:ext>
+    </p:extLst>
+  </p:cSld>
+  <p:clrMapOvr>
+    <a:masterClrMapping/>
+  </p:clrMapOvr>
+</p:sld>
+</file>
+
+<file path=ppt/slides/slide17.xml><?xml version="1.0" encoding="utf-8"?>
+<p:sld xmlns:a="http://schemas.openxmlformats.org/drawingml/2006/main" xmlns:r="http://schemas.openxmlformats.org/officeDocument/2006/relationships" xmlns:p="http://schemas.openxmlformats.org/presentationml/2006/main">
+  <p:cSld>
+    <p:spTree>
+      <p:nvGrpSpPr>
+        <p:cNvPr id="1" name=""/>
+        <p:cNvGrpSpPr/>
+        <p:nvPr/>
+      </p:nvGrpSpPr>
+      <p:grpSpPr>
+        <a:xfrm>
+          <a:off x="0" y="0"/>
+          <a:ext cx="0" cy="0"/>
+          <a:chOff x="0" y="0"/>
+          <a:chExt cx="0" cy="0"/>
+        </a:xfrm>
+      </p:grpSpPr>
+      <p:sp>
+        <p:nvSpPr>
+          <p:cNvPr id="2" name="כותרת 1">
+            <a:extLst>
+              <a:ext uri="{FF2B5EF4-FFF2-40B4-BE49-F238E27FC236}">
+                <a16:creationId xmlns:a16="http://schemas.microsoft.com/office/drawing/2014/main" id="{C1A6DFFC-20B9-4305-9FBB-A7B7B68D29A9}"/>
+              </a:ext>
+            </a:extLst>
+          </p:cNvPr>
+          <p:cNvSpPr txBox="1">
+            <a:spLocks/>
+          </p:cNvSpPr>
+          <p:nvPr/>
+        </p:nvSpPr>
+        <p:spPr>
+          <a:xfrm>
+            <a:off x="820025" y="534100"/>
+            <a:ext cx="10131425" cy="799750"/>
+          </a:xfrm>
+          <a:prstGeom prst="rect">
+            <a:avLst/>
+          </a:prstGeom>
+        </p:spPr>
+        <p:txBody>
+          <a:bodyPr/>
+          <a:lstStyle>
+            <a:lvl1pPr algn="l" defTabSz="457200" rtl="0" eaLnBrk="1" latinLnBrk="0" hangingPunct="1">
+              <a:spcBef>
+                <a:spcPct val="0"/>
+              </a:spcBef>
+              <a:buNone/>
+              <a:defRPr sz="3600" kern="1200" cap="all">
+                <a:ln w="3175" cmpd="sng">
+                  <a:noFill/>
+                </a:ln>
+                <a:solidFill>
+                  <a:schemeClr val="tx1"/>
+                </a:solidFill>
+                <a:effectLst/>
+                <a:latin typeface="+mj-lt"/>
+                <a:ea typeface="+mj-ea"/>
+                <a:cs typeface="+mj-cs"/>
+              </a:defRPr>
+            </a:lvl1pPr>
+            <a:lvl2pPr eaLnBrk="1" hangingPunct="1">
+              <a:defRPr>
+                <a:solidFill>
+                  <a:schemeClr val="tx2"/>
+                </a:solidFill>
+              </a:defRPr>
+            </a:lvl2pPr>
+            <a:lvl3pPr eaLnBrk="1" hangingPunct="1">
+              <a:defRPr>
+                <a:solidFill>
+                  <a:schemeClr val="tx2"/>
+                </a:solidFill>
+              </a:defRPr>
+            </a:lvl3pPr>
+            <a:lvl4pPr eaLnBrk="1" hangingPunct="1">
+              <a:defRPr>
+                <a:solidFill>
+                  <a:schemeClr val="tx2"/>
+                </a:solidFill>
+              </a:defRPr>
+            </a:lvl4pPr>
+            <a:lvl5pPr eaLnBrk="1" hangingPunct="1">
+              <a:defRPr>
+                <a:solidFill>
+                  <a:schemeClr val="tx2"/>
+                </a:solidFill>
+              </a:defRPr>
+            </a:lvl5pPr>
+            <a:lvl6pPr eaLnBrk="1" hangingPunct="1">
+              <a:defRPr>
+                <a:solidFill>
+                  <a:schemeClr val="tx2"/>
+                </a:solidFill>
+              </a:defRPr>
+            </a:lvl6pPr>
+            <a:lvl7pPr eaLnBrk="1" hangingPunct="1">
+              <a:defRPr>
+                <a:solidFill>
+                  <a:schemeClr val="tx2"/>
+                </a:solidFill>
+              </a:defRPr>
+            </a:lvl7pPr>
+            <a:lvl8pPr eaLnBrk="1" hangingPunct="1">
+              <a:defRPr>
+                <a:solidFill>
+                  <a:schemeClr val="tx2"/>
+                </a:solidFill>
+              </a:defRPr>
+            </a:lvl8pPr>
+            <a:lvl9pPr eaLnBrk="1" hangingPunct="1">
+              <a:defRPr>
+                <a:solidFill>
+                  <a:schemeClr val="tx2"/>
+                </a:solidFill>
+              </a:defRPr>
+            </a:lvl9pPr>
+          </a:lstStyle>
+          <a:p>
+            <a:pPr algn="r" rtl="1"/>
+            <a:r>
+              <a:rPr lang="he-IL"/>
+              <a:t>המשך - פלטפורמה</a:t>
+            </a:r>
+            <a:endParaRPr lang="en-IL"/>
+          </a:p>
+        </p:txBody>
+      </p:sp>
+      <p:sp>
+        <p:nvSpPr>
+          <p:cNvPr id="3" name="תיבת טקסט 2">
+            <a:extLst>
+              <a:ext uri="{FF2B5EF4-FFF2-40B4-BE49-F238E27FC236}">
+                <a16:creationId xmlns:a16="http://schemas.microsoft.com/office/drawing/2014/main" id="{5AB950CF-7830-4228-A598-D55910F8AC0A}"/>
+              </a:ext>
+            </a:extLst>
+          </p:cNvPr>
+          <p:cNvSpPr txBox="1"/>
+          <p:nvPr/>
+        </p:nvSpPr>
+        <p:spPr>
+          <a:xfrm>
+            <a:off x="1493240" y="1526796"/>
+            <a:ext cx="9555061" cy="2308324"/>
+          </a:xfrm>
+          <a:prstGeom prst="rect">
+            <a:avLst/>
+          </a:prstGeom>
+          <a:noFill/>
+        </p:spPr>
+        <p:txBody>
+          <a:bodyPr wrap="square" rtlCol="0">
+            <a:spAutoFit/>
+          </a:bodyPr>
+          <a:lstStyle/>
+          <a:p>
+            <a:pPr marL="342900" indent="-342900" algn="r" rtl="1">
+              <a:buFont typeface="Arial" panose="020B0604020202020204" pitchFamily="34" charset="0"/>
+              <a:buChar char="•"/>
+            </a:pPr>
+            <a:r>
+              <a:rPr lang="he-IL" sz="2400" dirty="0"/>
+              <a:t>שליחת המידע ל</a:t>
+            </a:r>
+            <a:r>
+              <a:rPr lang="en-US" sz="2400" dirty="0"/>
+              <a:t>REST</a:t>
+            </a:r>
+            <a:r>
+              <a:rPr lang="he-IL" sz="2400" dirty="0"/>
+              <a:t>.</a:t>
+            </a:r>
+          </a:p>
+          <a:p>
+            <a:pPr marL="342900" indent="-342900" algn="r" rtl="1">
+              <a:buFont typeface="Arial" panose="020B0604020202020204" pitchFamily="34" charset="0"/>
+              <a:buChar char="•"/>
+            </a:pPr>
+            <a:r>
+              <a:rPr lang="he-IL" sz="2400" dirty="0"/>
+              <a:t>הפעלת הכלים בתזמון נכון.</a:t>
+            </a:r>
+          </a:p>
+          <a:p>
+            <a:pPr marL="342900" indent="-342900" algn="r" rtl="1">
+              <a:buFont typeface="Arial" panose="020B0604020202020204" pitchFamily="34" charset="0"/>
+              <a:buChar char="•"/>
+            </a:pPr>
+            <a:r>
+              <a:rPr lang="he-IL" sz="2400" dirty="0"/>
+              <a:t>סידור קובץ </a:t>
+            </a:r>
+            <a:r>
+              <a:rPr lang="en-US" sz="2400" dirty="0"/>
+              <a:t>LOG</a:t>
+            </a:r>
+            <a:r>
+              <a:rPr lang="he-IL" sz="2400" dirty="0"/>
+              <a:t> לגבי תוצאות הכלים.</a:t>
+            </a:r>
+          </a:p>
+          <a:p>
+            <a:pPr marL="342900" indent="-342900" algn="r" rtl="1">
+              <a:buFont typeface="Arial" panose="020B0604020202020204" pitchFamily="34" charset="0"/>
+              <a:buChar char="•"/>
+            </a:pPr>
+            <a:r>
+              <a:rPr lang="en-US" sz="2400" dirty="0"/>
+              <a:t>Tool Handle</a:t>
+            </a:r>
+            <a:r>
+              <a:rPr lang="he-IL" sz="2400"/>
+              <a:t> – וידוא שכל הכלים לא נתקעים ולא עוברים את הזמן המוקצה להם. </a:t>
+            </a:r>
+          </a:p>
+          <a:p>
+            <a:pPr marL="342900" indent="-342900" algn="r" rtl="1">
+              <a:buFont typeface="Arial" panose="020B0604020202020204" pitchFamily="34" charset="0"/>
+              <a:buChar char="•"/>
+            </a:pPr>
+            <a:r>
+              <a:rPr lang="he-IL" sz="2400" dirty="0"/>
+              <a:t>שליחת התוצאה.</a:t>
+            </a:r>
+          </a:p>
+        </p:txBody>
+      </p:sp>
+    </p:spTree>
+    <p:extLst>
+      <p:ext uri="{BB962C8B-B14F-4D97-AF65-F5344CB8AC3E}">
+        <p14:creationId xmlns:p14="http://schemas.microsoft.com/office/powerpoint/2010/main" val="3223398071"/>
+      </p:ext>
+    </p:extLst>
+  </p:cSld>
+  <p:clrMapOvr>
+    <a:masterClrMapping/>
+  </p:clrMapOvr>
+</p:sld>
+</file>
+
+<file path=ppt/slides/slide18.xml><?xml version="1.0" encoding="utf-8"?>
 <p:sld xmlns:a="http://schemas.openxmlformats.org/drawingml/2006/main" xmlns:r="http://schemas.openxmlformats.org/officeDocument/2006/relationships" xmlns:p="http://schemas.openxmlformats.org/presentationml/2006/main">
   <p:cSld>
     <p:spTree>
@@ -9402,6 +9090,318 @@
 </p:sld>
 </file>
 
+<file path=ppt/slides/slide19.xml><?xml version="1.0" encoding="utf-8"?>
+<p:sld xmlns:a="http://schemas.openxmlformats.org/drawingml/2006/main" xmlns:r="http://schemas.openxmlformats.org/officeDocument/2006/relationships" xmlns:p="http://schemas.openxmlformats.org/presentationml/2006/main">
+  <p:cSld>
+    <p:bg>
+      <p:bgPr>
+        <a:blipFill>
+          <a:blip r:embed="rId2"/>
+          <a:stretch/>
+        </a:blipFill>
+        <a:effectLst/>
+      </p:bgPr>
+    </p:bg>
+    <p:spTree>
+      <p:nvGrpSpPr>
+        <p:cNvPr id="1" name=""/>
+        <p:cNvGrpSpPr/>
+        <p:nvPr/>
+      </p:nvGrpSpPr>
+      <p:grpSpPr>
+        <a:xfrm>
+          <a:off x="0" y="0"/>
+          <a:ext cx="0" cy="0"/>
+          <a:chOff x="0" y="0"/>
+          <a:chExt cx="0" cy="0"/>
+        </a:xfrm>
+      </p:grpSpPr>
+      <p:pic>
+        <p:nvPicPr>
+          <p:cNvPr id="8" name="Picture 7">
+            <a:extLst>
+              <a:ext uri="{FF2B5EF4-FFF2-40B4-BE49-F238E27FC236}">
+                <a16:creationId xmlns:a16="http://schemas.microsoft.com/office/drawing/2014/main" id="{CBECFFDC-94DB-4DA3-94FE-22FEDDA8FA30}"/>
+              </a:ext>
+              <a:ext uri="{C183D7F6-B498-43B3-948B-1728B52AA6E4}">
+                <adec:decorative xmlns:adec="http://schemas.microsoft.com/office/drawing/2017/decorative" xmlns="" val="1"/>
+              </a:ext>
+            </a:extLst>
+          </p:cNvPr>
+          <p:cNvPicPr>
+            <a:picLocks noGrp="1" noRot="1" noChangeAspect="1" noMove="1" noResize="1" noEditPoints="1" noAdjustHandles="1" noChangeArrowheads="1" noChangeShapeType="1" noCrop="1"/>
+          </p:cNvPicPr>
+          <p:nvPr>
+            <p:extLst>
+              <p:ext uri="{386F3935-93C4-4BCD-93E2-E3B085C9AB24}">
+                <p16:designElem xmlns:p16="http://schemas.microsoft.com/office/powerpoint/2015/main" val="1"/>
+              </p:ext>
+            </p:extLst>
+          </p:nvPr>
+        </p:nvPicPr>
+        <p:blipFill>
+          <a:blip r:embed="rId3">
+            <a:extLst>
+              <a:ext uri="{28A0092B-C50C-407E-A947-70E740481C1C}">
+                <a14:useLocalDpi xmlns:a14="http://schemas.microsoft.com/office/drawing/2010/main" val="0"/>
+              </a:ext>
+            </a:extLst>
+          </a:blip>
+          <a:stretch>
+            <a:fillRect/>
+          </a:stretch>
+        </p:blipFill>
+        <p:spPr>
+          <a:xfrm>
+            <a:off x="0" y="0"/>
+            <a:ext cx="12188825" cy="6856214"/>
+          </a:xfrm>
+          <a:prstGeom prst="rect">
+            <a:avLst/>
+          </a:prstGeom>
+        </p:spPr>
+      </p:pic>
+      <p:pic>
+        <p:nvPicPr>
+          <p:cNvPr id="10" name="Picture 9">
+            <a:extLst>
+              <a:ext uri="{FF2B5EF4-FFF2-40B4-BE49-F238E27FC236}">
+                <a16:creationId xmlns:a16="http://schemas.microsoft.com/office/drawing/2014/main" id="{F7057E50-1D91-4453-BBA0-DD604B5CDAE4}"/>
+              </a:ext>
+              <a:ext uri="{C183D7F6-B498-43B3-948B-1728B52AA6E4}">
+                <adec:decorative xmlns:adec="http://schemas.microsoft.com/office/drawing/2017/decorative" xmlns="" val="1"/>
+              </a:ext>
+            </a:extLst>
+          </p:cNvPr>
+          <p:cNvPicPr>
+            <a:picLocks noGrp="1" noRot="1" noChangeAspect="1" noMove="1" noResize="1" noEditPoints="1" noAdjustHandles="1" noChangeArrowheads="1" noChangeShapeType="1" noCrop="1"/>
+          </p:cNvPicPr>
+          <p:nvPr>
+            <p:extLst>
+              <p:ext uri="{386F3935-93C4-4BCD-93E2-E3B085C9AB24}">
+                <p16:designElem xmlns:p16="http://schemas.microsoft.com/office/powerpoint/2015/main" val="1"/>
+              </p:ext>
+            </p:extLst>
+          </p:nvPr>
+        </p:nvPicPr>
+        <p:blipFill>
+          <a:blip r:embed="rId4">
+            <a:extLst>
+              <a:ext uri="{28A0092B-C50C-407E-A947-70E740481C1C}">
+                <a14:useLocalDpi xmlns:a14="http://schemas.microsoft.com/office/drawing/2010/main" val="0"/>
+              </a:ext>
+            </a:extLst>
+          </a:blip>
+          <a:stretch>
+            <a:fillRect/>
+          </a:stretch>
+        </p:blipFill>
+        <p:spPr>
+          <a:xfrm>
+            <a:off x="0" y="0"/>
+            <a:ext cx="12188825" cy="6856214"/>
+          </a:xfrm>
+          <a:prstGeom prst="rect">
+            <a:avLst/>
+          </a:prstGeom>
+        </p:spPr>
+      </p:pic>
+      <p:sp>
+        <p:nvSpPr>
+          <p:cNvPr id="2" name="כותרת 1">
+            <a:extLst>
+              <a:ext uri="{FF2B5EF4-FFF2-40B4-BE49-F238E27FC236}">
+                <a16:creationId xmlns:a16="http://schemas.microsoft.com/office/drawing/2014/main" id="{95B1A5C0-2702-4EFE-A226-5049E15E35EA}"/>
+              </a:ext>
+            </a:extLst>
+          </p:cNvPr>
+          <p:cNvSpPr txBox="1">
+            <a:spLocks/>
+          </p:cNvSpPr>
+          <p:nvPr/>
+        </p:nvSpPr>
+        <p:spPr>
+          <a:xfrm>
+            <a:off x="7354027" y="2076234"/>
+            <a:ext cx="4729828" cy="2421464"/>
+          </a:xfrm>
+          <a:prstGeom prst="rect">
+            <a:avLst/>
+          </a:prstGeom>
+        </p:spPr>
+        <p:txBody>
+          <a:bodyPr vert="horz" lIns="91440" tIns="45720" rIns="91440" bIns="45720" rtlCol="0" anchor="b">
+            <a:normAutofit/>
+          </a:bodyPr>
+          <a:lstStyle>
+            <a:lvl1pPr algn="l" defTabSz="457200" rtl="0" eaLnBrk="1" latinLnBrk="0" hangingPunct="1">
+              <a:spcBef>
+                <a:spcPct val="0"/>
+              </a:spcBef>
+              <a:buNone/>
+              <a:defRPr sz="3600" kern="1200" cap="all">
+                <a:ln w="3175" cmpd="sng">
+                  <a:noFill/>
+                </a:ln>
+                <a:solidFill>
+                  <a:schemeClr val="tx1"/>
+                </a:solidFill>
+                <a:effectLst/>
+                <a:latin typeface="+mj-lt"/>
+                <a:ea typeface="+mj-ea"/>
+                <a:cs typeface="+mj-cs"/>
+              </a:defRPr>
+            </a:lvl1pPr>
+            <a:lvl2pPr eaLnBrk="1" hangingPunct="1">
+              <a:defRPr>
+                <a:solidFill>
+                  <a:schemeClr val="tx2"/>
+                </a:solidFill>
+              </a:defRPr>
+            </a:lvl2pPr>
+            <a:lvl3pPr eaLnBrk="1" hangingPunct="1">
+              <a:defRPr>
+                <a:solidFill>
+                  <a:schemeClr val="tx2"/>
+                </a:solidFill>
+              </a:defRPr>
+            </a:lvl3pPr>
+            <a:lvl4pPr eaLnBrk="1" hangingPunct="1">
+              <a:defRPr>
+                <a:solidFill>
+                  <a:schemeClr val="tx2"/>
+                </a:solidFill>
+              </a:defRPr>
+            </a:lvl4pPr>
+            <a:lvl5pPr eaLnBrk="1" hangingPunct="1">
+              <a:defRPr>
+                <a:solidFill>
+                  <a:schemeClr val="tx2"/>
+                </a:solidFill>
+              </a:defRPr>
+            </a:lvl5pPr>
+            <a:lvl6pPr eaLnBrk="1" hangingPunct="1">
+              <a:defRPr>
+                <a:solidFill>
+                  <a:schemeClr val="tx2"/>
+                </a:solidFill>
+              </a:defRPr>
+            </a:lvl6pPr>
+            <a:lvl7pPr eaLnBrk="1" hangingPunct="1">
+              <a:defRPr>
+                <a:solidFill>
+                  <a:schemeClr val="tx2"/>
+                </a:solidFill>
+              </a:defRPr>
+            </a:lvl7pPr>
+            <a:lvl8pPr eaLnBrk="1" hangingPunct="1">
+              <a:defRPr>
+                <a:solidFill>
+                  <a:schemeClr val="tx2"/>
+                </a:solidFill>
+              </a:defRPr>
+            </a:lvl8pPr>
+            <a:lvl9pPr eaLnBrk="1" hangingPunct="1">
+              <a:defRPr>
+                <a:solidFill>
+                  <a:schemeClr val="tx2"/>
+                </a:solidFill>
+              </a:defRPr>
+            </a:lvl9pPr>
+          </a:lstStyle>
+          <a:p>
+            <a:pPr algn="r">
+              <a:spcAft>
+                <a:spcPts val="600"/>
+              </a:spcAft>
+            </a:pPr>
+            <a:r>
+              <a:rPr lang="he-IL" sz="4800" dirty="0"/>
+              <a:t>ארכיטקטורת</a:t>
+            </a:r>
+          </a:p>
+          <a:p>
+            <a:pPr algn="r">
+              <a:spcAft>
+                <a:spcPts val="600"/>
+              </a:spcAft>
+            </a:pPr>
+            <a:r>
+              <a:rPr lang="he-IL" sz="4800" dirty="0"/>
+              <a:t> תכנה</a:t>
+            </a:r>
+            <a:endParaRPr lang="en-US" sz="4800" dirty="0"/>
+          </a:p>
+        </p:txBody>
+      </p:sp>
+      <p:pic>
+        <p:nvPicPr>
+          <p:cNvPr id="2050" name="Picture 2">
+            <a:extLst>
+              <a:ext uri="{FF2B5EF4-FFF2-40B4-BE49-F238E27FC236}">
+                <a16:creationId xmlns:a16="http://schemas.microsoft.com/office/drawing/2014/main" id="{B8968786-65B9-4937-A2D6-A14AD710F555}"/>
+              </a:ext>
+            </a:extLst>
+          </p:cNvPr>
+          <p:cNvPicPr>
+            <a:picLocks noChangeAspect="1" noChangeArrowheads="1"/>
+          </p:cNvPicPr>
+          <p:nvPr/>
+        </p:nvPicPr>
+        <p:blipFill>
+          <a:blip r:embed="rId5">
+            <a:extLst>
+              <a:ext uri="{28A0092B-C50C-407E-A947-70E740481C1C}">
+                <a14:useLocalDpi xmlns:a14="http://schemas.microsoft.com/office/drawing/2010/main" val="0"/>
+              </a:ext>
+            </a:extLst>
+          </a:blip>
+          <a:srcRect/>
+          <a:stretch>
+            <a:fillRect/>
+          </a:stretch>
+        </p:blipFill>
+        <p:spPr bwMode="auto">
+          <a:xfrm>
+            <a:off x="0" y="0"/>
+            <a:ext cx="8308731" cy="6858000"/>
+          </a:xfrm>
+          <a:prstGeom prst="rect">
+            <a:avLst/>
+          </a:prstGeom>
+          <a:noFill/>
+          <a:ln w="6350">
+            <a:solidFill>
+              <a:srgbClr val="000000"/>
+            </a:solidFill>
+            <a:miter lim="800000"/>
+            <a:headEnd/>
+            <a:tailEnd/>
+          </a:ln>
+          <a:extLst>
+            <a:ext uri="{909E8E84-426E-40DD-AFC4-6F175D3DCCD1}">
+              <a14:hiddenFill xmlns:a14="http://schemas.microsoft.com/office/drawing/2010/main">
+                <a:solidFill>
+                  <a:srgbClr val="FFFFFF"/>
+                </a:solidFill>
+              </a14:hiddenFill>
+            </a:ext>
+          </a:extLst>
+        </p:spPr>
+      </p:pic>
+    </p:spTree>
+    <p:extLst>
+      <p:ext uri="{BB962C8B-B14F-4D97-AF65-F5344CB8AC3E}">
+        <p14:creationId xmlns:p14="http://schemas.microsoft.com/office/powerpoint/2010/main" val="863317930"/>
+      </p:ext>
+    </p:extLst>
+  </p:cSld>
+  <p:clrMapOvr>
+    <a:masterClrMapping/>
+  </p:clrMapOvr>
+</p:sld>
+</file>
+
 <file path=ppt/slides/slide2.xml><?xml version="1.0" encoding="utf-8"?>
 <p:sld xmlns:a="http://schemas.openxmlformats.org/drawingml/2006/main" xmlns:r="http://schemas.openxmlformats.org/officeDocument/2006/relationships" xmlns:p="http://schemas.openxmlformats.org/presentationml/2006/main">
   <p:cSld>
@@ -9580,7 +9580,7 @@
                 <a16:creationId xmlns:a16="http://schemas.microsoft.com/office/drawing/2014/main" id="{6AF6706C-CF07-43A1-BCC4-CBA5D33820DA}"/>
               </a:ext>
               <a:ext uri="{C183D7F6-B498-43B3-948B-1728B52AA6E4}">
-                <adec:decorative xmlns:adec="http://schemas.microsoft.com/office/drawing/2017/decorative" val="1"/>
+                <adec:decorative xmlns:adec="http://schemas.microsoft.com/office/drawing/2017/decorative" xmlns="" val="1"/>
               </a:ext>
             </a:extLst>
           </p:cNvPr>
@@ -10030,7 +10030,7 @@
                 <a16:creationId xmlns:a16="http://schemas.microsoft.com/office/drawing/2014/main" id="{6AF6706C-CF07-43A1-BCC4-CBA5D33820DA}"/>
               </a:ext>
               <a:ext uri="{C183D7F6-B498-43B3-948B-1728B52AA6E4}">
-                <adec:decorative xmlns:adec="http://schemas.microsoft.com/office/drawing/2017/decorative" val="1"/>
+                <adec:decorative xmlns:adec="http://schemas.microsoft.com/office/drawing/2017/decorative" xmlns="" val="1"/>
               </a:ext>
             </a:extLst>
           </p:cNvPr>
@@ -10573,7 +10573,7 @@
                 <a16:creationId xmlns:a16="http://schemas.microsoft.com/office/drawing/2014/main" id="{6AF6706C-CF07-43A1-BCC4-CBA5D33820DA}"/>
               </a:ext>
               <a:ext uri="{C183D7F6-B498-43B3-948B-1728B52AA6E4}">
-                <adec:decorative xmlns:adec="http://schemas.microsoft.com/office/drawing/2017/decorative" val="1"/>
+                <adec:decorative xmlns:adec="http://schemas.microsoft.com/office/drawing/2017/decorative" xmlns="" val="1"/>
               </a:ext>
             </a:extLst>
           </p:cNvPr>
@@ -10859,7 +10859,7 @@
                 <a16:creationId xmlns:a16="http://schemas.microsoft.com/office/drawing/2014/main" id="{6AF6706C-CF07-43A1-BCC4-CBA5D33820DA}"/>
               </a:ext>
               <a:ext uri="{C183D7F6-B498-43B3-948B-1728B52AA6E4}">
-                <adec:decorative xmlns:adec="http://schemas.microsoft.com/office/drawing/2017/decorative" val="1"/>
+                <adec:decorative xmlns:adec="http://schemas.microsoft.com/office/drawing/2017/decorative" xmlns="" val="1"/>
               </a:ext>
             </a:extLst>
           </p:cNvPr>
@@ -11136,7 +11136,7 @@
                 <a16:creationId xmlns:a16="http://schemas.microsoft.com/office/drawing/2014/main" id="{6AF6706C-CF07-43A1-BCC4-CBA5D33820DA}"/>
               </a:ext>
               <a:ext uri="{C183D7F6-B498-43B3-948B-1728B52AA6E4}">
-                <adec:decorative xmlns:adec="http://schemas.microsoft.com/office/drawing/2017/decorative" val="1"/>
+                <adec:decorative xmlns:adec="http://schemas.microsoft.com/office/drawing/2017/decorative" xmlns="" val="1"/>
               </a:ext>
             </a:extLst>
           </p:cNvPr>
@@ -11181,7 +11181,7 @@
                 <a16:creationId xmlns:a16="http://schemas.microsoft.com/office/drawing/2014/main" id="{1F94DC1C-47D1-41D7-8B1B-9A036D614027}"/>
               </a:ext>
               <a:ext uri="{C183D7F6-B498-43B3-948B-1728B52AA6E4}">
-                <adec:decorative xmlns:adec="http://schemas.microsoft.com/office/drawing/2017/decorative" val="1"/>
+                <adec:decorative xmlns:adec="http://schemas.microsoft.com/office/drawing/2017/decorative" xmlns="" val="1"/>
               </a:ext>
             </a:extLst>
           </p:cNvPr>
@@ -11241,7 +11241,7 @@
                 <a16:creationId xmlns:a16="http://schemas.microsoft.com/office/drawing/2014/main" id="{811383CE-CE86-4E1C-B289-798EB9E6E0E5}"/>
               </a:ext>
               <a:ext uri="{C183D7F6-B498-43B3-948B-1728B52AA6E4}">
-                <adec:decorative xmlns:adec="http://schemas.microsoft.com/office/drawing/2017/decorative" val="1"/>
+                <adec:decorative xmlns:adec="http://schemas.microsoft.com/office/drawing/2017/decorative" xmlns="" val="1"/>
               </a:ext>
             </a:extLst>
           </p:cNvPr>
@@ -11325,7 +11325,7 @@
                 <a16:creationId xmlns:a16="http://schemas.microsoft.com/office/drawing/2014/main" id="{AC12A592-C02D-46EF-8E1F-9335DB8D71DF}"/>
               </a:ext>
               <a:ext uri="{C183D7F6-B498-43B3-948B-1728B52AA6E4}">
-                <adec:decorative xmlns:adec="http://schemas.microsoft.com/office/drawing/2017/decorative" val="1"/>
+                <adec:decorative xmlns:adec="http://schemas.microsoft.com/office/drawing/2017/decorative" xmlns="" val="1"/>
               </a:ext>
             </a:extLst>
           </p:cNvPr>
@@ -11483,7 +11483,7 @@
                 <a16:creationId xmlns:a16="http://schemas.microsoft.com/office/drawing/2014/main" id="{24005816-5BCA-4665-8A58-5580F8E9C84A}"/>
               </a:ext>
               <a:ext uri="{C183D7F6-B498-43B3-948B-1728B52AA6E4}">
-                <adec:decorative xmlns:adec="http://schemas.microsoft.com/office/drawing/2017/decorative" val="1"/>
+                <adec:decorative xmlns:adec="http://schemas.microsoft.com/office/drawing/2017/decorative" xmlns="" val="1"/>
               </a:ext>
             </a:extLst>
           </p:cNvPr>
@@ -11675,7 +11675,7 @@
                 <a16:creationId xmlns:a16="http://schemas.microsoft.com/office/drawing/2014/main" id="{BF07F359-8CA3-4854-91E7-EE6004020511}"/>
               </a:ext>
               <a:ext uri="{C183D7F6-B498-43B3-948B-1728B52AA6E4}">
-                <adec:decorative xmlns:adec="http://schemas.microsoft.com/office/drawing/2017/decorative" val="1"/>
+                <adec:decorative xmlns:adec="http://schemas.microsoft.com/office/drawing/2017/decorative" xmlns="" val="1"/>
               </a:ext>
             </a:extLst>
           </p:cNvPr>
@@ -11706,7 +11706,7 @@
                   <a16:creationId xmlns:a16="http://schemas.microsoft.com/office/drawing/2014/main" id="{8A7FCE86-4904-4337-8D0A-3ABA73F609EF}"/>
                 </a:ext>
                 <a:ext uri="{C183D7F6-B498-43B3-948B-1728B52AA6E4}">
-                  <adec:decorative xmlns:adec="http://schemas.microsoft.com/office/drawing/2017/decorative" val="1"/>
+                  <adec:decorative xmlns:adec="http://schemas.microsoft.com/office/drawing/2017/decorative" xmlns="" val="1"/>
                 </a:ext>
               </a:extLst>
             </p:cNvPr>
@@ -11758,7 +11758,7 @@
                   <a16:creationId xmlns:a16="http://schemas.microsoft.com/office/drawing/2014/main" id="{BA32C234-504D-411A-A62B-C1CFD8CE74D5}"/>
                 </a:ext>
                 <a:ext uri="{C183D7F6-B498-43B3-948B-1728B52AA6E4}">
-                  <adec:decorative xmlns:adec="http://schemas.microsoft.com/office/drawing/2017/decorative" val="1"/>
+                  <adec:decorative xmlns:adec="http://schemas.microsoft.com/office/drawing/2017/decorative" xmlns="" val="1"/>
                 </a:ext>
               </a:extLst>
             </p:cNvPr>
@@ -11810,7 +11810,7 @@
                   <a16:creationId xmlns:a16="http://schemas.microsoft.com/office/drawing/2014/main" id="{881593A9-FD94-454C-9225-478E90706132}"/>
                 </a:ext>
                 <a:ext uri="{C183D7F6-B498-43B3-948B-1728B52AA6E4}">
-                  <adec:decorative xmlns:adec="http://schemas.microsoft.com/office/drawing/2017/decorative" val="1"/>
+                  <adec:decorative xmlns:adec="http://schemas.microsoft.com/office/drawing/2017/decorative" xmlns="" val="1"/>
                 </a:ext>
               </a:extLst>
             </p:cNvPr>
@@ -11862,7 +11862,7 @@
                   <a16:creationId xmlns:a16="http://schemas.microsoft.com/office/drawing/2014/main" id="{FA3524A1-6DED-4D15-ADE5-F797DBCEC728}"/>
                 </a:ext>
                 <a:ext uri="{C183D7F6-B498-43B3-948B-1728B52AA6E4}">
-                  <adec:decorative xmlns:adec="http://schemas.microsoft.com/office/drawing/2017/decorative" val="1"/>
+                  <adec:decorative xmlns:adec="http://schemas.microsoft.com/office/drawing/2017/decorative" xmlns="" val="1"/>
                 </a:ext>
               </a:extLst>
             </p:cNvPr>
@@ -11914,7 +11914,7 @@
                   <a16:creationId xmlns:a16="http://schemas.microsoft.com/office/drawing/2014/main" id="{AA8491CF-856E-4A54-84A5-45C558D41A7B}"/>
                 </a:ext>
                 <a:ext uri="{C183D7F6-B498-43B3-948B-1728B52AA6E4}">
-                  <adec:decorative xmlns:adec="http://schemas.microsoft.com/office/drawing/2017/decorative" val="1"/>
+                  <adec:decorative xmlns:adec="http://schemas.microsoft.com/office/drawing/2017/decorative" xmlns="" val="1"/>
                 </a:ext>
               </a:extLst>
             </p:cNvPr>
@@ -11966,7 +11966,7 @@
                   <a16:creationId xmlns:a16="http://schemas.microsoft.com/office/drawing/2014/main" id="{AD63A388-BF18-4ABD-96E0-5946B1ABB1D6}"/>
                 </a:ext>
                 <a:ext uri="{C183D7F6-B498-43B3-948B-1728B52AA6E4}">
-                  <adec:decorative xmlns:adec="http://schemas.microsoft.com/office/drawing/2017/decorative" val="1"/>
+                  <adec:decorative xmlns:adec="http://schemas.microsoft.com/office/drawing/2017/decorative" xmlns="" val="1"/>
                 </a:ext>
               </a:extLst>
             </p:cNvPr>
@@ -12018,7 +12018,7 @@
                   <a16:creationId xmlns:a16="http://schemas.microsoft.com/office/drawing/2014/main" id="{9CF6D779-BD20-4058-AC29-AF4E2510C2C2}"/>
                 </a:ext>
                 <a:ext uri="{C183D7F6-B498-43B3-948B-1728B52AA6E4}">
-                  <adec:decorative xmlns:adec="http://schemas.microsoft.com/office/drawing/2017/decorative" val="1"/>
+                  <adec:decorative xmlns:adec="http://schemas.microsoft.com/office/drawing/2017/decorative" xmlns="" val="1"/>
                 </a:ext>
               </a:extLst>
             </p:cNvPr>
@@ -12070,7 +12070,7 @@
                   <a16:creationId xmlns:a16="http://schemas.microsoft.com/office/drawing/2014/main" id="{4189C0F2-FCB0-4636-9B05-F9FCBB2020A6}"/>
                 </a:ext>
                 <a:ext uri="{C183D7F6-B498-43B3-948B-1728B52AA6E4}">
-                  <adec:decorative xmlns:adec="http://schemas.microsoft.com/office/drawing/2017/decorative" val="1"/>
+                  <adec:decorative xmlns:adec="http://schemas.microsoft.com/office/drawing/2017/decorative" xmlns="" val="1"/>
                 </a:ext>
               </a:extLst>
             </p:cNvPr>
@@ -12122,7 +12122,7 @@
                   <a16:creationId xmlns:a16="http://schemas.microsoft.com/office/drawing/2014/main" id="{E74CB59A-0AC3-4235-A93D-73EE12466967}"/>
                 </a:ext>
                 <a:ext uri="{C183D7F6-B498-43B3-948B-1728B52AA6E4}">
-                  <adec:decorative xmlns:adec="http://schemas.microsoft.com/office/drawing/2017/decorative" val="1"/>
+                  <adec:decorative xmlns:adec="http://schemas.microsoft.com/office/drawing/2017/decorative" xmlns="" val="1"/>
                 </a:ext>
               </a:extLst>
             </p:cNvPr>
@@ -12174,7 +12174,7 @@
                   <a16:creationId xmlns:a16="http://schemas.microsoft.com/office/drawing/2014/main" id="{2B6E97A3-E95A-4D79-A8F8-1945EA2634FB}"/>
                 </a:ext>
                 <a:ext uri="{C183D7F6-B498-43B3-948B-1728B52AA6E4}">
-                  <adec:decorative xmlns:adec="http://schemas.microsoft.com/office/drawing/2017/decorative" val="1"/>
+                  <adec:decorative xmlns:adec="http://schemas.microsoft.com/office/drawing/2017/decorative" xmlns="" val="1"/>
                 </a:ext>
               </a:extLst>
             </p:cNvPr>
@@ -12226,7 +12226,7 @@
                   <a16:creationId xmlns:a16="http://schemas.microsoft.com/office/drawing/2014/main" id="{9F4ABF86-0905-4DE8-8F0B-D10D3D6F9C41}"/>
                 </a:ext>
                 <a:ext uri="{C183D7F6-B498-43B3-948B-1728B52AA6E4}">
-                  <adec:decorative xmlns:adec="http://schemas.microsoft.com/office/drawing/2017/decorative" val="1"/>
+                  <adec:decorative xmlns:adec="http://schemas.microsoft.com/office/drawing/2017/decorative" xmlns="" val="1"/>
                 </a:ext>
               </a:extLst>
             </p:cNvPr>
@@ -12278,7 +12278,7 @@
                   <a16:creationId xmlns:a16="http://schemas.microsoft.com/office/drawing/2014/main" id="{4FAAFEF7-DFA1-48C7-9E4E-FF7B1453C718}"/>
                 </a:ext>
                 <a:ext uri="{C183D7F6-B498-43B3-948B-1728B52AA6E4}">
-                  <adec:decorative xmlns:adec="http://schemas.microsoft.com/office/drawing/2017/decorative" val="1"/>
+                  <adec:decorative xmlns:adec="http://schemas.microsoft.com/office/drawing/2017/decorative" xmlns="" val="1"/>
                 </a:ext>
               </a:extLst>
             </p:cNvPr>
@@ -12330,7 +12330,7 @@
                   <a16:creationId xmlns:a16="http://schemas.microsoft.com/office/drawing/2014/main" id="{ED828735-DFD9-4894-8461-77A2FB0C9276}"/>
                 </a:ext>
                 <a:ext uri="{C183D7F6-B498-43B3-948B-1728B52AA6E4}">
-                  <adec:decorative xmlns:adec="http://schemas.microsoft.com/office/drawing/2017/decorative" val="1"/>
+                  <adec:decorative xmlns:adec="http://schemas.microsoft.com/office/drawing/2017/decorative" xmlns="" val="1"/>
                 </a:ext>
               </a:extLst>
             </p:cNvPr>
@@ -12382,7 +12382,7 @@
                   <a16:creationId xmlns:a16="http://schemas.microsoft.com/office/drawing/2014/main" id="{7A6C2585-E93E-489D-8819-FCEE3CFF11C5}"/>
                 </a:ext>
                 <a:ext uri="{C183D7F6-B498-43B3-948B-1728B52AA6E4}">
-                  <adec:decorative xmlns:adec="http://schemas.microsoft.com/office/drawing/2017/decorative" val="1"/>
+                  <adec:decorative xmlns:adec="http://schemas.microsoft.com/office/drawing/2017/decorative" xmlns="" val="1"/>
                 </a:ext>
               </a:extLst>
             </p:cNvPr>
@@ -12434,7 +12434,7 @@
                   <a16:creationId xmlns:a16="http://schemas.microsoft.com/office/drawing/2014/main" id="{E57C1F25-FC5C-4082-B4F6-888F8E467EE5}"/>
                 </a:ext>
                 <a:ext uri="{C183D7F6-B498-43B3-948B-1728B52AA6E4}">
-                  <adec:decorative xmlns:adec="http://schemas.microsoft.com/office/drawing/2017/decorative" val="1"/>
+                  <adec:decorative xmlns:adec="http://schemas.microsoft.com/office/drawing/2017/decorative" xmlns="" val="1"/>
                 </a:ext>
               </a:extLst>
             </p:cNvPr>
@@ -12486,7 +12486,7 @@
                   <a16:creationId xmlns:a16="http://schemas.microsoft.com/office/drawing/2014/main" id="{F5DF4BDB-CA1D-4DA1-8D26-6BAEE0A21AE7}"/>
                 </a:ext>
                 <a:ext uri="{C183D7F6-B498-43B3-948B-1728B52AA6E4}">
-                  <adec:decorative xmlns:adec="http://schemas.microsoft.com/office/drawing/2017/decorative" val="1"/>
+                  <adec:decorative xmlns:adec="http://schemas.microsoft.com/office/drawing/2017/decorative" xmlns="" val="1"/>
                 </a:ext>
               </a:extLst>
             </p:cNvPr>
@@ -12538,7 +12538,7 @@
                   <a16:creationId xmlns:a16="http://schemas.microsoft.com/office/drawing/2014/main" id="{3315D2A0-DDA4-4A25-9CC7-7F90CCF0C409}"/>
                 </a:ext>
                 <a:ext uri="{C183D7F6-B498-43B3-948B-1728B52AA6E4}">
-                  <adec:decorative xmlns:adec="http://schemas.microsoft.com/office/drawing/2017/decorative" val="1"/>
+                  <adec:decorative xmlns:adec="http://schemas.microsoft.com/office/drawing/2017/decorative" xmlns="" val="1"/>
                 </a:ext>
               </a:extLst>
             </p:cNvPr>
@@ -12590,7 +12590,7 @@
                   <a16:creationId xmlns:a16="http://schemas.microsoft.com/office/drawing/2014/main" id="{75312B72-7E7D-4B0B-960E-7D7C9540EBDC}"/>
                 </a:ext>
                 <a:ext uri="{C183D7F6-B498-43B3-948B-1728B52AA6E4}">
-                  <adec:decorative xmlns:adec="http://schemas.microsoft.com/office/drawing/2017/decorative" val="1"/>
+                  <adec:decorative xmlns:adec="http://schemas.microsoft.com/office/drawing/2017/decorative" xmlns="" val="1"/>
                 </a:ext>
               </a:extLst>
             </p:cNvPr>
@@ -12642,7 +12642,7 @@
                   <a16:creationId xmlns:a16="http://schemas.microsoft.com/office/drawing/2014/main" id="{C48B42BB-3C0E-4546-957B-AB593E308C93}"/>
                 </a:ext>
                 <a:ext uri="{C183D7F6-B498-43B3-948B-1728B52AA6E4}">
-                  <adec:decorative xmlns:adec="http://schemas.microsoft.com/office/drawing/2017/decorative" val="1"/>
+                  <adec:decorative xmlns:adec="http://schemas.microsoft.com/office/drawing/2017/decorative" xmlns="" val="1"/>
                 </a:ext>
               </a:extLst>
             </p:cNvPr>
@@ -12694,7 +12694,7 @@
                   <a16:creationId xmlns:a16="http://schemas.microsoft.com/office/drawing/2014/main" id="{437809D5-5F69-4BC6-A661-44B2A8A68220}"/>
                 </a:ext>
                 <a:ext uri="{C183D7F6-B498-43B3-948B-1728B52AA6E4}">
-                  <adec:decorative xmlns:adec="http://schemas.microsoft.com/office/drawing/2017/decorative" val="1"/>
+                  <adec:decorative xmlns:adec="http://schemas.microsoft.com/office/drawing/2017/decorative" xmlns="" val="1"/>
                 </a:ext>
               </a:extLst>
             </p:cNvPr>
@@ -12746,7 +12746,7 @@
                   <a16:creationId xmlns:a16="http://schemas.microsoft.com/office/drawing/2014/main" id="{B269CB4C-8BB5-4F63-8961-7EB8FE56D44A}"/>
                 </a:ext>
                 <a:ext uri="{C183D7F6-B498-43B3-948B-1728B52AA6E4}">
-                  <adec:decorative xmlns:adec="http://schemas.microsoft.com/office/drawing/2017/decorative" val="1"/>
+                  <adec:decorative xmlns:adec="http://schemas.microsoft.com/office/drawing/2017/decorative" xmlns="" val="1"/>
                 </a:ext>
               </a:extLst>
             </p:cNvPr>
@@ -12798,7 +12798,7 @@
                   <a16:creationId xmlns:a16="http://schemas.microsoft.com/office/drawing/2014/main" id="{D5E7B60C-3F52-49EA-99F5-BE42AF88DD33}"/>
                 </a:ext>
                 <a:ext uri="{C183D7F6-B498-43B3-948B-1728B52AA6E4}">
-                  <adec:decorative xmlns:adec="http://schemas.microsoft.com/office/drawing/2017/decorative" val="1"/>
+                  <adec:decorative xmlns:adec="http://schemas.microsoft.com/office/drawing/2017/decorative" xmlns="" val="1"/>
                 </a:ext>
               </a:extLst>
             </p:cNvPr>
@@ -12850,7 +12850,7 @@
                   <a16:creationId xmlns:a16="http://schemas.microsoft.com/office/drawing/2014/main" id="{1C5E885C-0F0D-4E11-8B78-4CE951E26921}"/>
                 </a:ext>
                 <a:ext uri="{C183D7F6-B498-43B3-948B-1728B52AA6E4}">
-                  <adec:decorative xmlns:adec="http://schemas.microsoft.com/office/drawing/2017/decorative" val="1"/>
+                  <adec:decorative xmlns:adec="http://schemas.microsoft.com/office/drawing/2017/decorative" xmlns="" val="1"/>
                 </a:ext>
               </a:extLst>
             </p:cNvPr>
@@ -12902,7 +12902,7 @@
                   <a16:creationId xmlns:a16="http://schemas.microsoft.com/office/drawing/2014/main" id="{4BFA6E20-F564-4CA4-9150-FDD50B02CD24}"/>
                 </a:ext>
                 <a:ext uri="{C183D7F6-B498-43B3-948B-1728B52AA6E4}">
-                  <adec:decorative xmlns:adec="http://schemas.microsoft.com/office/drawing/2017/decorative" val="1"/>
+                  <adec:decorative xmlns:adec="http://schemas.microsoft.com/office/drawing/2017/decorative" xmlns="" val="1"/>
                 </a:ext>
               </a:extLst>
             </p:cNvPr>
@@ -12954,7 +12954,7 @@
                   <a16:creationId xmlns:a16="http://schemas.microsoft.com/office/drawing/2014/main" id="{C3C02C6B-B913-486F-ACAE-432DE1F7704D}"/>
                 </a:ext>
                 <a:ext uri="{C183D7F6-B498-43B3-948B-1728B52AA6E4}">
-                  <adec:decorative xmlns:adec="http://schemas.microsoft.com/office/drawing/2017/decorative" val="1"/>
+                  <adec:decorative xmlns:adec="http://schemas.microsoft.com/office/drawing/2017/decorative" xmlns="" val="1"/>
                 </a:ext>
               </a:extLst>
             </p:cNvPr>
@@ -13006,7 +13006,7 @@
                   <a16:creationId xmlns:a16="http://schemas.microsoft.com/office/drawing/2014/main" id="{B6B5EE64-D401-45A4-82D4-85D4BF5C8EC6}"/>
                 </a:ext>
                 <a:ext uri="{C183D7F6-B498-43B3-948B-1728B52AA6E4}">
-                  <adec:decorative xmlns:adec="http://schemas.microsoft.com/office/drawing/2017/decorative" val="1"/>
+                  <adec:decorative xmlns:adec="http://schemas.microsoft.com/office/drawing/2017/decorative" xmlns="" val="1"/>
                 </a:ext>
               </a:extLst>
             </p:cNvPr>
@@ -13058,7 +13058,7 @@
                   <a16:creationId xmlns:a16="http://schemas.microsoft.com/office/drawing/2014/main" id="{5F622D05-678C-405E-A74F-8D92A9C64438}"/>
                 </a:ext>
                 <a:ext uri="{C183D7F6-B498-43B3-948B-1728B52AA6E4}">
-                  <adec:decorative xmlns:adec="http://schemas.microsoft.com/office/drawing/2017/decorative" val="1"/>
+                  <adec:decorative xmlns:adec="http://schemas.microsoft.com/office/drawing/2017/decorative" xmlns="" val="1"/>
                 </a:ext>
               </a:extLst>
             </p:cNvPr>
@@ -13110,7 +13110,7 @@
                   <a16:creationId xmlns:a16="http://schemas.microsoft.com/office/drawing/2014/main" id="{D8E01EF1-6517-49CC-9891-1BD6D0F49D00}"/>
                 </a:ext>
                 <a:ext uri="{C183D7F6-B498-43B3-948B-1728B52AA6E4}">
-                  <adec:decorative xmlns:adec="http://schemas.microsoft.com/office/drawing/2017/decorative" val="1"/>
+                  <adec:decorative xmlns:adec="http://schemas.microsoft.com/office/drawing/2017/decorative" xmlns="" val="1"/>
                 </a:ext>
               </a:extLst>
             </p:cNvPr>
@@ -13162,7 +13162,7 @@
                   <a16:creationId xmlns:a16="http://schemas.microsoft.com/office/drawing/2014/main" id="{EC93E79A-63A6-4782-9D2C-BC50CD3B9444}"/>
                 </a:ext>
                 <a:ext uri="{C183D7F6-B498-43B3-948B-1728B52AA6E4}">
-                  <adec:decorative xmlns:adec="http://schemas.microsoft.com/office/drawing/2017/decorative" val="1"/>
+                  <adec:decorative xmlns:adec="http://schemas.microsoft.com/office/drawing/2017/decorative" xmlns="" val="1"/>
                 </a:ext>
               </a:extLst>
             </p:cNvPr>
@@ -13214,7 +13214,7 @@
                   <a16:creationId xmlns:a16="http://schemas.microsoft.com/office/drawing/2014/main" id="{46C4B4DB-9B57-4C69-96EB-3E1910CEF40A}"/>
                 </a:ext>
                 <a:ext uri="{C183D7F6-B498-43B3-948B-1728B52AA6E4}">
-                  <adec:decorative xmlns:adec="http://schemas.microsoft.com/office/drawing/2017/decorative" val="1"/>
+                  <adec:decorative xmlns:adec="http://schemas.microsoft.com/office/drawing/2017/decorative" xmlns="" val="1"/>
                 </a:ext>
               </a:extLst>
             </p:cNvPr>
@@ -13266,7 +13266,7 @@
                   <a16:creationId xmlns:a16="http://schemas.microsoft.com/office/drawing/2014/main" id="{9BBDCDA7-4ECB-42B1-8524-3D30023D6B68}"/>
                 </a:ext>
                 <a:ext uri="{C183D7F6-B498-43B3-948B-1728B52AA6E4}">
-                  <adec:decorative xmlns:adec="http://schemas.microsoft.com/office/drawing/2017/decorative" val="1"/>
+                  <adec:decorative xmlns:adec="http://schemas.microsoft.com/office/drawing/2017/decorative" xmlns="" val="1"/>
                 </a:ext>
               </a:extLst>
             </p:cNvPr>
@@ -13318,7 +13318,7 @@
                   <a16:creationId xmlns:a16="http://schemas.microsoft.com/office/drawing/2014/main" id="{C7483057-DCDA-4BC6-8E99-7EAD94E8786A}"/>
                 </a:ext>
                 <a:ext uri="{C183D7F6-B498-43B3-948B-1728B52AA6E4}">
-                  <adec:decorative xmlns:adec="http://schemas.microsoft.com/office/drawing/2017/decorative" val="1"/>
+                  <adec:decorative xmlns:adec="http://schemas.microsoft.com/office/drawing/2017/decorative" xmlns="" val="1"/>
                 </a:ext>
               </a:extLst>
             </p:cNvPr>
@@ -13370,7 +13370,7 @@
                   <a16:creationId xmlns:a16="http://schemas.microsoft.com/office/drawing/2014/main" id="{E5C35A56-0BFD-443F-8C2B-CA73A3BFE9E5}"/>
                 </a:ext>
                 <a:ext uri="{C183D7F6-B498-43B3-948B-1728B52AA6E4}">
-                  <adec:decorative xmlns:adec="http://schemas.microsoft.com/office/drawing/2017/decorative" val="1"/>
+                  <adec:decorative xmlns:adec="http://schemas.microsoft.com/office/drawing/2017/decorative" xmlns="" val="1"/>
                 </a:ext>
               </a:extLst>
             </p:cNvPr>
@@ -13422,7 +13422,7 @@
                   <a16:creationId xmlns:a16="http://schemas.microsoft.com/office/drawing/2014/main" id="{214A0AE5-3A88-4D5D-845C-5E906888C81F}"/>
                 </a:ext>
                 <a:ext uri="{C183D7F6-B498-43B3-948B-1728B52AA6E4}">
-                  <adec:decorative xmlns:adec="http://schemas.microsoft.com/office/drawing/2017/decorative" val="1"/>
+                  <adec:decorative xmlns:adec="http://schemas.microsoft.com/office/drawing/2017/decorative" xmlns="" val="1"/>
                 </a:ext>
               </a:extLst>
             </p:cNvPr>
@@ -13474,7 +13474,7 @@
                   <a16:creationId xmlns:a16="http://schemas.microsoft.com/office/drawing/2014/main" id="{44D7BF13-EDB8-4740-A3C5-87E2E7C67669}"/>
                 </a:ext>
                 <a:ext uri="{C183D7F6-B498-43B3-948B-1728B52AA6E4}">
-                  <adec:decorative xmlns:adec="http://schemas.microsoft.com/office/drawing/2017/decorative" val="1"/>
+                  <adec:decorative xmlns:adec="http://schemas.microsoft.com/office/drawing/2017/decorative" xmlns="" val="1"/>
                 </a:ext>
               </a:extLst>
             </p:cNvPr>
@@ -13526,7 +13526,7 @@
                   <a16:creationId xmlns:a16="http://schemas.microsoft.com/office/drawing/2014/main" id="{16DAB64F-4B49-434F-BFB6-0BEB41AFB610}"/>
                 </a:ext>
                 <a:ext uri="{C183D7F6-B498-43B3-948B-1728B52AA6E4}">
-                  <adec:decorative xmlns:adec="http://schemas.microsoft.com/office/drawing/2017/decorative" val="1"/>
+                  <adec:decorative xmlns:adec="http://schemas.microsoft.com/office/drawing/2017/decorative" xmlns="" val="1"/>
                 </a:ext>
               </a:extLst>
             </p:cNvPr>
@@ -13578,7 +13578,7 @@
                   <a16:creationId xmlns:a16="http://schemas.microsoft.com/office/drawing/2014/main" id="{93B5AD9A-BDA6-42CE-A1C0-C07210307227}"/>
                 </a:ext>
                 <a:ext uri="{C183D7F6-B498-43B3-948B-1728B52AA6E4}">
-                  <adec:decorative xmlns:adec="http://schemas.microsoft.com/office/drawing/2017/decorative" val="1"/>
+                  <adec:decorative xmlns:adec="http://schemas.microsoft.com/office/drawing/2017/decorative" xmlns="" val="1"/>
                 </a:ext>
               </a:extLst>
             </p:cNvPr>
@@ -13630,7 +13630,7 @@
                   <a16:creationId xmlns:a16="http://schemas.microsoft.com/office/drawing/2014/main" id="{5FD67DCC-475F-4BED-A634-FCDD63176BB5}"/>
                 </a:ext>
                 <a:ext uri="{C183D7F6-B498-43B3-948B-1728B52AA6E4}">
-                  <adec:decorative xmlns:adec="http://schemas.microsoft.com/office/drawing/2017/decorative" val="1"/>
+                  <adec:decorative xmlns:adec="http://schemas.microsoft.com/office/drawing/2017/decorative" xmlns="" val="1"/>
                 </a:ext>
               </a:extLst>
             </p:cNvPr>
@@ -13682,7 +13682,7 @@
                   <a16:creationId xmlns:a16="http://schemas.microsoft.com/office/drawing/2014/main" id="{ED276E23-C86D-408D-821A-1E9A44CAEAFC}"/>
                 </a:ext>
                 <a:ext uri="{C183D7F6-B498-43B3-948B-1728B52AA6E4}">
-                  <adec:decorative xmlns:adec="http://schemas.microsoft.com/office/drawing/2017/decorative" val="1"/>
+                  <adec:decorative xmlns:adec="http://schemas.microsoft.com/office/drawing/2017/decorative" xmlns="" val="1"/>
                 </a:ext>
               </a:extLst>
             </p:cNvPr>
@@ -13734,7 +13734,7 @@
                   <a16:creationId xmlns:a16="http://schemas.microsoft.com/office/drawing/2014/main" id="{A879A029-D911-41C4-B218-E41871762F3A}"/>
                 </a:ext>
                 <a:ext uri="{C183D7F6-B498-43B3-948B-1728B52AA6E4}">
-                  <adec:decorative xmlns:adec="http://schemas.microsoft.com/office/drawing/2017/decorative" val="1"/>
+                  <adec:decorative xmlns:adec="http://schemas.microsoft.com/office/drawing/2017/decorative" xmlns="" val="1"/>
                 </a:ext>
               </a:extLst>
             </p:cNvPr>
@@ -13786,7 +13786,7 @@
                   <a16:creationId xmlns:a16="http://schemas.microsoft.com/office/drawing/2014/main" id="{E9C7C9F5-65FB-4EF9-9AAD-F7E1FC14B84B}"/>
                 </a:ext>
                 <a:ext uri="{C183D7F6-B498-43B3-948B-1728B52AA6E4}">
-                  <adec:decorative xmlns:adec="http://schemas.microsoft.com/office/drawing/2017/decorative" val="1"/>
+                  <adec:decorative xmlns:adec="http://schemas.microsoft.com/office/drawing/2017/decorative" xmlns="" val="1"/>
                 </a:ext>
               </a:extLst>
             </p:cNvPr>
@@ -13838,7 +13838,7 @@
                   <a16:creationId xmlns:a16="http://schemas.microsoft.com/office/drawing/2014/main" id="{6115B885-5742-431C-BA48-96FC1F6D2280}"/>
                 </a:ext>
                 <a:ext uri="{C183D7F6-B498-43B3-948B-1728B52AA6E4}">
-                  <adec:decorative xmlns:adec="http://schemas.microsoft.com/office/drawing/2017/decorative" val="1"/>
+                  <adec:decorative xmlns:adec="http://schemas.microsoft.com/office/drawing/2017/decorative" xmlns="" val="1"/>
                 </a:ext>
               </a:extLst>
             </p:cNvPr>
@@ -13890,7 +13890,7 @@
                   <a16:creationId xmlns:a16="http://schemas.microsoft.com/office/drawing/2014/main" id="{6ACE37A6-0062-4B86-B4E6-18088040CDC9}"/>
                 </a:ext>
                 <a:ext uri="{C183D7F6-B498-43B3-948B-1728B52AA6E4}">
-                  <adec:decorative xmlns:adec="http://schemas.microsoft.com/office/drawing/2017/decorative" val="1"/>
+                  <adec:decorative xmlns:adec="http://schemas.microsoft.com/office/drawing/2017/decorative" xmlns="" val="1"/>
                 </a:ext>
               </a:extLst>
             </p:cNvPr>
@@ -13942,7 +13942,7 @@
                   <a16:creationId xmlns:a16="http://schemas.microsoft.com/office/drawing/2014/main" id="{0A8679B4-56BA-43AB-A0A2-E2DA3E205303}"/>
                 </a:ext>
                 <a:ext uri="{C183D7F6-B498-43B3-948B-1728B52AA6E4}">
-                  <adec:decorative xmlns:adec="http://schemas.microsoft.com/office/drawing/2017/decorative" val="1"/>
+                  <adec:decorative xmlns:adec="http://schemas.microsoft.com/office/drawing/2017/decorative" xmlns="" val="1"/>
                 </a:ext>
               </a:extLst>
             </p:cNvPr>
@@ -13994,7 +13994,7 @@
                   <a16:creationId xmlns:a16="http://schemas.microsoft.com/office/drawing/2014/main" id="{80DE24D2-627B-4C47-A858-A572BCDBACF6}"/>
                 </a:ext>
                 <a:ext uri="{C183D7F6-B498-43B3-948B-1728B52AA6E4}">
-                  <adec:decorative xmlns:adec="http://schemas.microsoft.com/office/drawing/2017/decorative" val="1"/>
+                  <adec:decorative xmlns:adec="http://schemas.microsoft.com/office/drawing/2017/decorative" xmlns="" val="1"/>
                 </a:ext>
               </a:extLst>
             </p:cNvPr>
@@ -14046,7 +14046,7 @@
                   <a16:creationId xmlns:a16="http://schemas.microsoft.com/office/drawing/2014/main" id="{B612A33E-5DE0-4E4D-9469-0BD0B3E0E72E}"/>
                 </a:ext>
                 <a:ext uri="{C183D7F6-B498-43B3-948B-1728B52AA6E4}">
-                  <adec:decorative xmlns:adec="http://schemas.microsoft.com/office/drawing/2017/decorative" val="1"/>
+                  <adec:decorative xmlns:adec="http://schemas.microsoft.com/office/drawing/2017/decorative" xmlns="" val="1"/>
                 </a:ext>
               </a:extLst>
             </p:cNvPr>
@@ -14098,7 +14098,7 @@
                   <a16:creationId xmlns:a16="http://schemas.microsoft.com/office/drawing/2014/main" id="{91673515-5E42-490F-85A0-45658D81C6CA}"/>
                 </a:ext>
                 <a:ext uri="{C183D7F6-B498-43B3-948B-1728B52AA6E4}">
-                  <adec:decorative xmlns:adec="http://schemas.microsoft.com/office/drawing/2017/decorative" val="1"/>
+                  <adec:decorative xmlns:adec="http://schemas.microsoft.com/office/drawing/2017/decorative" xmlns="" val="1"/>
                 </a:ext>
               </a:extLst>
             </p:cNvPr>
@@ -14150,7 +14150,7 @@
                   <a16:creationId xmlns:a16="http://schemas.microsoft.com/office/drawing/2014/main" id="{6B048C17-3768-4DAF-A7AE-B2E717497021}"/>
                 </a:ext>
                 <a:ext uri="{C183D7F6-B498-43B3-948B-1728B52AA6E4}">
-                  <adec:decorative xmlns:adec="http://schemas.microsoft.com/office/drawing/2017/decorative" val="1"/>
+                  <adec:decorative xmlns:adec="http://schemas.microsoft.com/office/drawing/2017/decorative" xmlns="" val="1"/>
                 </a:ext>
               </a:extLst>
             </p:cNvPr>
@@ -14202,7 +14202,7 @@
                   <a16:creationId xmlns:a16="http://schemas.microsoft.com/office/drawing/2014/main" id="{BAA4E6AA-9D65-4EED-91CB-87A5762ED0A4}"/>
                 </a:ext>
                 <a:ext uri="{C183D7F6-B498-43B3-948B-1728B52AA6E4}">
-                  <adec:decorative xmlns:adec="http://schemas.microsoft.com/office/drawing/2017/decorative" val="1"/>
+                  <adec:decorative xmlns:adec="http://schemas.microsoft.com/office/drawing/2017/decorative" xmlns="" val="1"/>
                 </a:ext>
               </a:extLst>
             </p:cNvPr>
@@ -14254,7 +14254,7 @@
                   <a16:creationId xmlns:a16="http://schemas.microsoft.com/office/drawing/2014/main" id="{DB48B9EB-BBF2-48D7-A1D7-720D94506BF3}"/>
                 </a:ext>
                 <a:ext uri="{C183D7F6-B498-43B3-948B-1728B52AA6E4}">
-                  <adec:decorative xmlns:adec="http://schemas.microsoft.com/office/drawing/2017/decorative" val="1"/>
+                  <adec:decorative xmlns:adec="http://schemas.microsoft.com/office/drawing/2017/decorative" xmlns="" val="1"/>
                 </a:ext>
               </a:extLst>
             </p:cNvPr>
@@ -14306,7 +14306,7 @@
                   <a16:creationId xmlns:a16="http://schemas.microsoft.com/office/drawing/2014/main" id="{21492B79-7338-4309-8667-BB29A7BC7B07}"/>
                 </a:ext>
                 <a:ext uri="{C183D7F6-B498-43B3-948B-1728B52AA6E4}">
-                  <adec:decorative xmlns:adec="http://schemas.microsoft.com/office/drawing/2017/decorative" val="1"/>
+                  <adec:decorative xmlns:adec="http://schemas.microsoft.com/office/drawing/2017/decorative" xmlns="" val="1"/>
                 </a:ext>
               </a:extLst>
             </p:cNvPr>
@@ -14358,7 +14358,7 @@
                   <a16:creationId xmlns:a16="http://schemas.microsoft.com/office/drawing/2014/main" id="{0352FD87-EC9C-4EB5-9ACC-A152F78FC815}"/>
                 </a:ext>
                 <a:ext uri="{C183D7F6-B498-43B3-948B-1728B52AA6E4}">
-                  <adec:decorative xmlns:adec="http://schemas.microsoft.com/office/drawing/2017/decorative" val="1"/>
+                  <adec:decorative xmlns:adec="http://schemas.microsoft.com/office/drawing/2017/decorative" xmlns="" val="1"/>
                 </a:ext>
               </a:extLst>
             </p:cNvPr>
@@ -14410,7 +14410,7 @@
                   <a16:creationId xmlns:a16="http://schemas.microsoft.com/office/drawing/2014/main" id="{FF2CEA1F-EFA8-4353-B5F8-CCE27955A123}"/>
                 </a:ext>
                 <a:ext uri="{C183D7F6-B498-43B3-948B-1728B52AA6E4}">
-                  <adec:decorative xmlns:adec="http://schemas.microsoft.com/office/drawing/2017/decorative" val="1"/>
+                  <adec:decorative xmlns:adec="http://schemas.microsoft.com/office/drawing/2017/decorative" xmlns="" val="1"/>
                 </a:ext>
               </a:extLst>
             </p:cNvPr>
@@ -14462,7 +14462,7 @@
                   <a16:creationId xmlns:a16="http://schemas.microsoft.com/office/drawing/2014/main" id="{63E2723F-2530-4636-9A19-8F11B156628C}"/>
                 </a:ext>
                 <a:ext uri="{C183D7F6-B498-43B3-948B-1728B52AA6E4}">
-                  <adec:decorative xmlns:adec="http://schemas.microsoft.com/office/drawing/2017/decorative" val="1"/>
+                  <adec:decorative xmlns:adec="http://schemas.microsoft.com/office/drawing/2017/decorative" xmlns="" val="1"/>
                 </a:ext>
               </a:extLst>
             </p:cNvPr>
@@ -14514,7 +14514,7 @@
                   <a16:creationId xmlns:a16="http://schemas.microsoft.com/office/drawing/2014/main" id="{4A9EE901-51C9-4292-BB45-5EDB8568A000}"/>
                 </a:ext>
                 <a:ext uri="{C183D7F6-B498-43B3-948B-1728B52AA6E4}">
-                  <adec:decorative xmlns:adec="http://schemas.microsoft.com/office/drawing/2017/decorative" val="1"/>
+                  <adec:decorative xmlns:adec="http://schemas.microsoft.com/office/drawing/2017/decorative" xmlns="" val="1"/>
                 </a:ext>
               </a:extLst>
             </p:cNvPr>
@@ -14566,7 +14566,7 @@
                   <a16:creationId xmlns:a16="http://schemas.microsoft.com/office/drawing/2014/main" id="{555407C2-7321-48CD-811F-92C71F701C28}"/>
                 </a:ext>
                 <a:ext uri="{C183D7F6-B498-43B3-948B-1728B52AA6E4}">
-                  <adec:decorative xmlns:adec="http://schemas.microsoft.com/office/drawing/2017/decorative" val="1"/>
+                  <adec:decorative xmlns:adec="http://schemas.microsoft.com/office/drawing/2017/decorative" xmlns="" val="1"/>
                 </a:ext>
               </a:extLst>
             </p:cNvPr>
@@ -14618,7 +14618,7 @@
                   <a16:creationId xmlns:a16="http://schemas.microsoft.com/office/drawing/2014/main" id="{E5298A8A-2787-4153-BDA2-E939BFD51412}"/>
                 </a:ext>
                 <a:ext uri="{C183D7F6-B498-43B3-948B-1728B52AA6E4}">
-                  <adec:decorative xmlns:adec="http://schemas.microsoft.com/office/drawing/2017/decorative" val="1"/>
+                  <adec:decorative xmlns:adec="http://schemas.microsoft.com/office/drawing/2017/decorative" xmlns="" val="1"/>
                 </a:ext>
               </a:extLst>
             </p:cNvPr>
@@ -14670,7 +14670,7 @@
                   <a16:creationId xmlns:a16="http://schemas.microsoft.com/office/drawing/2014/main" id="{C45057B3-3FAB-42ED-AF52-F00BB07FA52B}"/>
                 </a:ext>
                 <a:ext uri="{C183D7F6-B498-43B3-948B-1728B52AA6E4}">
-                  <adec:decorative xmlns:adec="http://schemas.microsoft.com/office/drawing/2017/decorative" val="1"/>
+                  <adec:decorative xmlns:adec="http://schemas.microsoft.com/office/drawing/2017/decorative" xmlns="" val="1"/>
                 </a:ext>
               </a:extLst>
             </p:cNvPr>
@@ -14722,7 +14722,7 @@
                   <a16:creationId xmlns:a16="http://schemas.microsoft.com/office/drawing/2014/main" id="{DA3F09E9-F476-4352-90E3-6A15C74268B9}"/>
                 </a:ext>
                 <a:ext uri="{C183D7F6-B498-43B3-948B-1728B52AA6E4}">
-                  <adec:decorative xmlns:adec="http://schemas.microsoft.com/office/drawing/2017/decorative" val="1"/>
+                  <adec:decorative xmlns:adec="http://schemas.microsoft.com/office/drawing/2017/decorative" xmlns="" val="1"/>
                 </a:ext>
               </a:extLst>
             </p:cNvPr>
@@ -14774,7 +14774,7 @@
                   <a16:creationId xmlns:a16="http://schemas.microsoft.com/office/drawing/2014/main" id="{128F7C5C-CECC-45A8-8A1F-D679534D4CBA}"/>
                 </a:ext>
                 <a:ext uri="{C183D7F6-B498-43B3-948B-1728B52AA6E4}">
-                  <adec:decorative xmlns:adec="http://schemas.microsoft.com/office/drawing/2017/decorative" val="1"/>
+                  <adec:decorative xmlns:adec="http://schemas.microsoft.com/office/drawing/2017/decorative" xmlns="" val="1"/>
                 </a:ext>
               </a:extLst>
             </p:cNvPr>
@@ -14826,7 +14826,7 @@
                   <a16:creationId xmlns:a16="http://schemas.microsoft.com/office/drawing/2014/main" id="{FFFDFE9C-2017-4831-9F1B-6A03B58B10DE}"/>
                 </a:ext>
                 <a:ext uri="{C183D7F6-B498-43B3-948B-1728B52AA6E4}">
-                  <adec:decorative xmlns:adec="http://schemas.microsoft.com/office/drawing/2017/decorative" val="1"/>
+                  <adec:decorative xmlns:adec="http://schemas.microsoft.com/office/drawing/2017/decorative" xmlns="" val="1"/>
                 </a:ext>
               </a:extLst>
             </p:cNvPr>
@@ -14878,7 +14878,7 @@
                   <a16:creationId xmlns:a16="http://schemas.microsoft.com/office/drawing/2014/main" id="{01BC942F-09CF-4A51-85A5-E23E2D71C8C8}"/>
                 </a:ext>
                 <a:ext uri="{C183D7F6-B498-43B3-948B-1728B52AA6E4}">
-                  <adec:decorative xmlns:adec="http://schemas.microsoft.com/office/drawing/2017/decorative" val="1"/>
+                  <adec:decorative xmlns:adec="http://schemas.microsoft.com/office/drawing/2017/decorative" xmlns="" val="1"/>
                 </a:ext>
               </a:extLst>
             </p:cNvPr>
@@ -14930,7 +14930,7 @@
                   <a16:creationId xmlns:a16="http://schemas.microsoft.com/office/drawing/2014/main" id="{1456B520-137F-484D-A1B1-7DA5C3F823E6}"/>
                 </a:ext>
                 <a:ext uri="{C183D7F6-B498-43B3-948B-1728B52AA6E4}">
-                  <adec:decorative xmlns:adec="http://schemas.microsoft.com/office/drawing/2017/decorative" val="1"/>
+                  <adec:decorative xmlns:adec="http://schemas.microsoft.com/office/drawing/2017/decorative" xmlns="" val="1"/>
                 </a:ext>
               </a:extLst>
             </p:cNvPr>
@@ -14982,7 +14982,7 @@
                   <a16:creationId xmlns:a16="http://schemas.microsoft.com/office/drawing/2014/main" id="{9ECA29F0-381E-4770-97BF-54C4E52201C4}"/>
                 </a:ext>
                 <a:ext uri="{C183D7F6-B498-43B3-948B-1728B52AA6E4}">
-                  <adec:decorative xmlns:adec="http://schemas.microsoft.com/office/drawing/2017/decorative" val="1"/>
+                  <adec:decorative xmlns:adec="http://schemas.microsoft.com/office/drawing/2017/decorative" xmlns="" val="1"/>
                 </a:ext>
               </a:extLst>
             </p:cNvPr>
@@ -15034,7 +15034,7 @@
                   <a16:creationId xmlns:a16="http://schemas.microsoft.com/office/drawing/2014/main" id="{D43CCF9F-8F11-4676-82F3-DEE8A48C8567}"/>
                 </a:ext>
                 <a:ext uri="{C183D7F6-B498-43B3-948B-1728B52AA6E4}">
-                  <adec:decorative xmlns:adec="http://schemas.microsoft.com/office/drawing/2017/decorative" val="1"/>
+                  <adec:decorative xmlns:adec="http://schemas.microsoft.com/office/drawing/2017/decorative" xmlns="" val="1"/>
                 </a:ext>
               </a:extLst>
             </p:cNvPr>
@@ -15086,7 +15086,7 @@
                   <a16:creationId xmlns:a16="http://schemas.microsoft.com/office/drawing/2014/main" id="{6FA620FD-6A45-4754-BF42-A9FA44966DD9}"/>
                 </a:ext>
                 <a:ext uri="{C183D7F6-B498-43B3-948B-1728B52AA6E4}">
-                  <adec:decorative xmlns:adec="http://schemas.microsoft.com/office/drawing/2017/decorative" val="1"/>
+                  <adec:decorative xmlns:adec="http://schemas.microsoft.com/office/drawing/2017/decorative" xmlns="" val="1"/>
                 </a:ext>
               </a:extLst>
             </p:cNvPr>
@@ -15138,7 +15138,7 @@
                   <a16:creationId xmlns:a16="http://schemas.microsoft.com/office/drawing/2014/main" id="{DC4D38F3-F3A2-42F4-8B57-DE978EC4AD5A}"/>
                 </a:ext>
                 <a:ext uri="{C183D7F6-B498-43B3-948B-1728B52AA6E4}">
-                  <adec:decorative xmlns:adec="http://schemas.microsoft.com/office/drawing/2017/decorative" val="1"/>
+                  <adec:decorative xmlns:adec="http://schemas.microsoft.com/office/drawing/2017/decorative" xmlns="" val="1"/>
                 </a:ext>
               </a:extLst>
             </p:cNvPr>
@@ -15190,7 +15190,7 @@
                   <a16:creationId xmlns:a16="http://schemas.microsoft.com/office/drawing/2014/main" id="{3C26D30E-A91E-4A5B-A419-0B9D79D57CED}"/>
                 </a:ext>
                 <a:ext uri="{C183D7F6-B498-43B3-948B-1728B52AA6E4}">
-                  <adec:decorative xmlns:adec="http://schemas.microsoft.com/office/drawing/2017/decorative" val="1"/>
+                  <adec:decorative xmlns:adec="http://schemas.microsoft.com/office/drawing/2017/decorative" xmlns="" val="1"/>
                 </a:ext>
               </a:extLst>
             </p:cNvPr>
@@ -15242,7 +15242,7 @@
                   <a16:creationId xmlns:a16="http://schemas.microsoft.com/office/drawing/2014/main" id="{ADAB3EBC-722A-462E-AAAE-506E50038ED8}"/>
                 </a:ext>
                 <a:ext uri="{C183D7F6-B498-43B3-948B-1728B52AA6E4}">
-                  <adec:decorative xmlns:adec="http://schemas.microsoft.com/office/drawing/2017/decorative" val="1"/>
+                  <adec:decorative xmlns:adec="http://schemas.microsoft.com/office/drawing/2017/decorative" xmlns="" val="1"/>
                 </a:ext>
               </a:extLst>
             </p:cNvPr>
@@ -15294,7 +15294,7 @@
                   <a16:creationId xmlns:a16="http://schemas.microsoft.com/office/drawing/2014/main" id="{CBAABC17-832F-48CF-B0D7-0F7DE54607F5}"/>
                 </a:ext>
                 <a:ext uri="{C183D7F6-B498-43B3-948B-1728B52AA6E4}">
-                  <adec:decorative xmlns:adec="http://schemas.microsoft.com/office/drawing/2017/decorative" val="1"/>
+                  <adec:decorative xmlns:adec="http://schemas.microsoft.com/office/drawing/2017/decorative" xmlns="" val="1"/>
                 </a:ext>
               </a:extLst>
             </p:cNvPr>
@@ -15346,7 +15346,7 @@
                   <a16:creationId xmlns:a16="http://schemas.microsoft.com/office/drawing/2014/main" id="{E1FCA513-75D7-414B-BE8F-D780746A1A66}"/>
                 </a:ext>
                 <a:ext uri="{C183D7F6-B498-43B3-948B-1728B52AA6E4}">
-                  <adec:decorative xmlns:adec="http://schemas.microsoft.com/office/drawing/2017/decorative" val="1"/>
+                  <adec:decorative xmlns:adec="http://schemas.microsoft.com/office/drawing/2017/decorative" xmlns="" val="1"/>
                 </a:ext>
               </a:extLst>
             </p:cNvPr>
@@ -15398,7 +15398,7 @@
                   <a16:creationId xmlns:a16="http://schemas.microsoft.com/office/drawing/2014/main" id="{F2EDEC73-B6F5-473F-934A-CEF57604A8A4}"/>
                 </a:ext>
                 <a:ext uri="{C183D7F6-B498-43B3-948B-1728B52AA6E4}">
-                  <adec:decorative xmlns:adec="http://schemas.microsoft.com/office/drawing/2017/decorative" val="1"/>
+                  <adec:decorative xmlns:adec="http://schemas.microsoft.com/office/drawing/2017/decorative" xmlns="" val="1"/>
                 </a:ext>
               </a:extLst>
             </p:cNvPr>
@@ -15450,7 +15450,7 @@
                   <a16:creationId xmlns:a16="http://schemas.microsoft.com/office/drawing/2014/main" id="{5B987884-C452-4492-A9F8-2770D3373BF9}"/>
                 </a:ext>
                 <a:ext uri="{C183D7F6-B498-43B3-948B-1728B52AA6E4}">
-                  <adec:decorative xmlns:adec="http://schemas.microsoft.com/office/drawing/2017/decorative" val="1"/>
+                  <adec:decorative xmlns:adec="http://schemas.microsoft.com/office/drawing/2017/decorative" xmlns="" val="1"/>
                 </a:ext>
               </a:extLst>
             </p:cNvPr>
@@ -15502,7 +15502,7 @@
                   <a16:creationId xmlns:a16="http://schemas.microsoft.com/office/drawing/2014/main" id="{9D978AF2-B7BB-4E05-81F1-1A5DBD1CB4EF}"/>
                 </a:ext>
                 <a:ext uri="{C183D7F6-B498-43B3-948B-1728B52AA6E4}">
-                  <adec:decorative xmlns:adec="http://schemas.microsoft.com/office/drawing/2017/decorative" val="1"/>
+                  <adec:decorative xmlns:adec="http://schemas.microsoft.com/office/drawing/2017/decorative" xmlns="" val="1"/>
                 </a:ext>
               </a:extLst>
             </p:cNvPr>
@@ -15554,7 +15554,7 @@
                   <a16:creationId xmlns:a16="http://schemas.microsoft.com/office/drawing/2014/main" id="{D7AD4D45-C3AB-458E-B826-0FACBD0DF3AF}"/>
                 </a:ext>
                 <a:ext uri="{C183D7F6-B498-43B3-948B-1728B52AA6E4}">
-                  <adec:decorative xmlns:adec="http://schemas.microsoft.com/office/drawing/2017/decorative" val="1"/>
+                  <adec:decorative xmlns:adec="http://schemas.microsoft.com/office/drawing/2017/decorative" xmlns="" val="1"/>
                 </a:ext>
               </a:extLst>
             </p:cNvPr>
@@ -15606,7 +15606,7 @@
                   <a16:creationId xmlns:a16="http://schemas.microsoft.com/office/drawing/2014/main" id="{A6E15555-6738-463C-B7DF-86429F2F9677}"/>
                 </a:ext>
                 <a:ext uri="{C183D7F6-B498-43B3-948B-1728B52AA6E4}">
-                  <adec:decorative xmlns:adec="http://schemas.microsoft.com/office/drawing/2017/decorative" val="1"/>
+                  <adec:decorative xmlns:adec="http://schemas.microsoft.com/office/drawing/2017/decorative" xmlns="" val="1"/>
                 </a:ext>
               </a:extLst>
             </p:cNvPr>
@@ -15658,7 +15658,7 @@
                   <a16:creationId xmlns:a16="http://schemas.microsoft.com/office/drawing/2014/main" id="{AE487172-B4C3-4D13-A562-EF0BA3DD961F}"/>
                 </a:ext>
                 <a:ext uri="{C183D7F6-B498-43B3-948B-1728B52AA6E4}">
-                  <adec:decorative xmlns:adec="http://schemas.microsoft.com/office/drawing/2017/decorative" val="1"/>
+                  <adec:decorative xmlns:adec="http://schemas.microsoft.com/office/drawing/2017/decorative" xmlns="" val="1"/>
                 </a:ext>
               </a:extLst>
             </p:cNvPr>
@@ -15710,7 +15710,7 @@
                   <a16:creationId xmlns:a16="http://schemas.microsoft.com/office/drawing/2014/main" id="{08E66297-1295-432A-AA84-7BB2341C1932}"/>
                 </a:ext>
                 <a:ext uri="{C183D7F6-B498-43B3-948B-1728B52AA6E4}">
-                  <adec:decorative xmlns:adec="http://schemas.microsoft.com/office/drawing/2017/decorative" val="1"/>
+                  <adec:decorative xmlns:adec="http://schemas.microsoft.com/office/drawing/2017/decorative" xmlns="" val="1"/>
                 </a:ext>
               </a:extLst>
             </p:cNvPr>
@@ -16202,13 +16202,42 @@
               <a:buNone/>
             </a:pPr>
             <a:r>
-              <a:rPr lang="he-IL" sz="3600"/>
-              <a:t>מערכת מודולרית הבנויה על פלטפורמה מרכזית אחת אליה מחוברים כלי בדיקה שונים.</a:t>
-            </a:r>
+              <a:rPr lang="he-IL" sz="2800" dirty="0"/>
+              <a:t>מערכת מודולרית הבנויה על פלטפורמה מרכזית אחת אליה מחוברים כלי בדיקה </a:t>
+            </a:r>
+            <a:r>
+              <a:rPr lang="he-IL" sz="2800" dirty="0" smtClean="0"/>
+              <a:t>שונים</a:t>
+            </a:r>
+            <a:endParaRPr lang="en-US" sz="2800" dirty="0" smtClean="0"/>
+          </a:p>
+          <a:p>
+            <a:pPr marL="0" indent="0" algn="r" rtl="1">
+              <a:buNone/>
+            </a:pPr>
+            <a:r>
+              <a:rPr lang="he-IL" sz="2800" dirty="0" smtClean="0"/>
+              <a:t>הפלטפורמה תבצע את רוב בדיקות התכנה הסטטיות. והכלים יסתמכו על המידע שהפלטפורמה תאגור לפי בדיקותיה וישתמשו בבדיקות אלו.</a:t>
+            </a:r>
+          </a:p>
+          <a:p>
+            <a:pPr marL="0" indent="0" algn="r" rtl="1">
+              <a:buNone/>
+            </a:pPr>
+            <a:r>
+              <a:rPr lang="he-IL" sz="2800" dirty="0" smtClean="0"/>
+              <a:t>כלי הוא למעשה בדיקה עוד רצף בדיקות אשר יותר ספציפיות ויולות אפילו לשנות את הקוד במקרה הצורך (תלוי בכלי).</a:t>
+            </a:r>
+          </a:p>
+          <a:p>
+            <a:pPr marL="0" indent="0" algn="r" rtl="1">
+              <a:buNone/>
+            </a:pPr>
+            <a:endParaRPr lang="he-IL" sz="3600" dirty="0"/>
           </a:p>
           <a:p>
             <a:pPr algn="r" rtl="1"/>
-            <a:endParaRPr lang="he-IL"/>
+            <a:endParaRPr lang="he-IL" dirty="0"/>
           </a:p>
         </p:txBody>
       </p:sp>
@@ -16444,14 +16473,14 @@
             <p:ph idx="1"/>
             <p:extLst>
               <p:ext uri="{D42A27DB-BD31-4B8C-83A1-F6EECF244321}">
-                <p14:modId xmlns:p14="http://schemas.microsoft.com/office/powerpoint/2010/main" val="1348683866"/>
+                <p14:modId xmlns:p14="http://schemas.microsoft.com/office/powerpoint/2010/main" val="1938406591"/>
               </p:ext>
             </p:extLst>
           </p:nvPr>
         </p:nvGraphicFramePr>
         <p:xfrm>
           <a:off x="327171" y="226060"/>
-          <a:ext cx="10131423" cy="6405880"/>
+          <a:ext cx="10131423" cy="6680200"/>
         </p:xfrm>
         <a:graphic>
           <a:graphicData uri="http://schemas.openxmlformats.org/drawingml/2006/table">
@@ -16666,7 +16695,7 @@
                         <a:buAutoNum type="arabicPeriod"/>
                       </a:pPr>
                       <a:r>
-                        <a:rPr lang="he-IL"/>
+                        <a:rPr lang="he-IL" dirty="0"/>
                         <a:t>יינתן תמיד לעדכן את הקוד ולהוסיף דברים חדשים.</a:t>
                       </a:r>
                     </a:p>
@@ -16675,16 +16704,29 @@
                         <a:buAutoNum type="arabicPeriod"/>
                       </a:pPr>
                       <a:r>
-                        <a:rPr lang="he-IL"/>
-                        <a:t>בגלל שיש חלוקה בין כלים לתוכנה עצמה הבודקת, תמיד ניתן להוסיף כלים למחוק כלים ולעדכן כלים ובכך להתאים כלים לפי הצורך.</a:t>
+                        <a:rPr lang="he-IL" dirty="0"/>
+                        <a:t>בגלל שיש חלוקה בין כלים לתוכנה עצמה הבודקת, תמיד ניתן להוסיף כלים למחוק כלים ולעדכן כלים ובכך להתאים כלים לפי הצורך</a:t>
                       </a:r>
+                      <a:r>
+                        <a:rPr lang="he-IL" dirty="0" smtClean="0"/>
+                        <a:t>. (כלי לדוגמא :כלי  לטיפול</a:t>
+                      </a:r>
+                      <a:r>
+                        <a:rPr lang="he-IL" baseline="0" dirty="0" smtClean="0"/>
+                        <a:t> בהקצאות זכרון</a:t>
+                      </a:r>
+                      <a:r>
+                        <a:rPr lang="he-IL" dirty="0" smtClean="0"/>
+                        <a:t>)</a:t>
+                      </a:r>
+                      <a:endParaRPr lang="he-IL" dirty="0"/>
                     </a:p>
                     <a:p>
                       <a:pPr marL="342900" indent="-342900" algn="r" rtl="1">
                         <a:buAutoNum type="arabicPeriod"/>
                       </a:pPr>
                       <a:r>
-                        <a:rPr lang="he-IL"/>
+                        <a:rPr lang="he-IL" dirty="0"/>
                         <a:t>המערכת לא תלויה בקוד חיצוני שמוסיף תלות בגורם חיצוני.</a:t>
                       </a:r>
                     </a:p>
@@ -16761,18 +16803,18 @@
                     <a:p>
                       <a:pPr algn="r" rtl="1"/>
                       <a:r>
-                        <a:rPr lang="he-IL"/>
+                        <a:rPr lang="he-IL" dirty="0"/>
                         <a:t>3. להשתמש בחלקים מובנים של קומפיילרים ולבנות </a:t>
                       </a:r>
                       <a:r>
-                        <a:rPr lang="he-IL" err="1"/>
+                        <a:rPr lang="he-IL" dirty="0" err="1"/>
                         <a:t>פלאגין</a:t>
                       </a:r>
                       <a:r>
-                        <a:rPr lang="he-IL"/>
+                        <a:rPr lang="he-IL" dirty="0"/>
                         <a:t> שמחבר בין בדיקת הקומפילציה לבין הניתוח עצמו.</a:t>
                       </a:r>
-                      <a:endParaRPr lang="en-IL"/>
+                      <a:endParaRPr lang="en-IL" dirty="0"/>
                     </a:p>
                   </a:txBody>
                   <a:tcPr/>

--- a/shenhavArmyNew/Word/פרויקט גמר.pptx
+++ b/shenhavArmyNew/Word/פרויקט גמר.pptx
@@ -221,7 +221,7 @@
           <a:p>
             <a:fld id="{C84C033A-C372-44B0-9D33-CC8260641A33}" type="datetimeFigureOut">
               <a:rPr lang="en-IL" smtClean="0"/>
-              <a:t>05/03/2021</a:t>
+              <a:t>05/11/2021</a:t>
             </a:fld>
             <a:endParaRPr lang="en-IL"/>
           </a:p>
@@ -719,7 +719,7 @@
             <a:fld id="{B61BEF0D-F0BB-DE4B-95CE-6DB70DBA9567}" type="datetimeFigureOut">
               <a:rPr lang="en-US"/>
               <a:pPr/>
-              <a:t>5/3/2021</a:t>
+              <a:t>5/11/2021</a:t>
             </a:fld>
             <a:endParaRPr lang="en-US"/>
           </a:p>
@@ -1050,7 +1050,7 @@
             <a:fld id="{B61BEF0D-F0BB-DE4B-95CE-6DB70DBA9567}" type="datetimeFigureOut">
               <a:rPr lang="en-US"/>
               <a:pPr/>
-              <a:t>5/3/2021</a:t>
+              <a:t>5/11/2021</a:t>
             </a:fld>
             <a:endParaRPr lang="en-US"/>
           </a:p>
@@ -1325,7 +1325,7 @@
             <a:fld id="{B61BEF0D-F0BB-DE4B-95CE-6DB70DBA9567}" type="datetimeFigureOut">
               <a:rPr lang="en-US"/>
               <a:pPr/>
-              <a:t>5/3/2021</a:t>
+              <a:t>5/11/2021</a:t>
             </a:fld>
             <a:endParaRPr lang="en-US"/>
           </a:p>
@@ -1890,7 +1890,7 @@
             <a:fld id="{B61BEF0D-F0BB-DE4B-95CE-6DB70DBA9567}" type="datetimeFigureOut">
               <a:rPr lang="en-US"/>
               <a:pPr/>
-              <a:t>5/3/2021</a:t>
+              <a:t>5/11/2021</a:t>
             </a:fld>
             <a:endParaRPr lang="en-US"/>
           </a:p>
@@ -2165,7 +2165,7 @@
             <a:fld id="{B61BEF0D-F0BB-DE4B-95CE-6DB70DBA9567}" type="datetimeFigureOut">
               <a:rPr lang="en-US"/>
               <a:pPr/>
-              <a:t>5/3/2021</a:t>
+              <a:t>5/11/2021</a:t>
             </a:fld>
             <a:endParaRPr lang="en-US"/>
           </a:p>
@@ -2724,7 +2724,7 @@
             <a:fld id="{B61BEF0D-F0BB-DE4B-95CE-6DB70DBA9567}" type="datetimeFigureOut">
               <a:rPr lang="en-US"/>
               <a:pPr/>
-              <a:t>5/3/2021</a:t>
+              <a:t>5/11/2021</a:t>
             </a:fld>
             <a:endParaRPr lang="en-US"/>
           </a:p>
@@ -3048,7 +3048,7 @@
             <a:fld id="{B61BEF0D-F0BB-DE4B-95CE-6DB70DBA9567}" type="datetimeFigureOut">
               <a:rPr lang="en-US"/>
               <a:pPr/>
-              <a:t>5/3/2021</a:t>
+              <a:t>5/11/2021</a:t>
             </a:fld>
             <a:endParaRPr lang="en-US"/>
           </a:p>
@@ -3222,7 +3222,7 @@
             <a:fld id="{B61BEF0D-F0BB-DE4B-95CE-6DB70DBA9567}" type="datetimeFigureOut">
               <a:rPr lang="en-US"/>
               <a:pPr/>
-              <a:t>5/3/2021</a:t>
+              <a:t>5/11/2021</a:t>
             </a:fld>
             <a:endParaRPr lang="en-US"/>
           </a:p>
@@ -3457,7 +3457,7 @@
             <a:fld id="{B61BEF0D-F0BB-DE4B-95CE-6DB70DBA9567}" type="datetimeFigureOut">
               <a:rPr lang="en-US"/>
               <a:pPr/>
-              <a:t>5/3/2021</a:t>
+              <a:t>5/11/2021</a:t>
             </a:fld>
             <a:endParaRPr lang="en-US"/>
           </a:p>
@@ -3654,7 +3654,7 @@
             <a:fld id="{B61BEF0D-F0BB-DE4B-95CE-6DB70DBA9567}" type="datetimeFigureOut">
               <a:rPr lang="en-US"/>
               <a:pPr/>
-              <a:t>5/3/2021</a:t>
+              <a:t>5/11/2021</a:t>
             </a:fld>
             <a:endParaRPr lang="en-US"/>
           </a:p>
@@ -3927,7 +3927,7 @@
             <a:fld id="{B61BEF0D-F0BB-DE4B-95CE-6DB70DBA9567}" type="datetimeFigureOut">
               <a:rPr lang="en-US"/>
               <a:pPr/>
-              <a:t>5/3/2021</a:t>
+              <a:t>5/11/2021</a:t>
             </a:fld>
             <a:endParaRPr lang="en-US"/>
           </a:p>
@@ -4190,7 +4190,7 @@
             <a:fld id="{B61BEF0D-F0BB-DE4B-95CE-6DB70DBA9567}" type="datetimeFigureOut">
               <a:rPr lang="en-US"/>
               <a:pPr/>
-              <a:t>5/3/2021</a:t>
+              <a:t>5/11/2021</a:t>
             </a:fld>
             <a:endParaRPr lang="en-US"/>
           </a:p>
@@ -4561,7 +4561,7 @@
             <a:fld id="{B61BEF0D-F0BB-DE4B-95CE-6DB70DBA9567}" type="datetimeFigureOut">
               <a:rPr lang="en-US"/>
               <a:pPr/>
-              <a:t>5/3/2021</a:t>
+              <a:t>5/11/2021</a:t>
             </a:fld>
             <a:endParaRPr lang="en-US"/>
           </a:p>
@@ -4706,7 +4706,7 @@
             <a:fld id="{B61BEF0D-F0BB-DE4B-95CE-6DB70DBA9567}" type="datetimeFigureOut">
               <a:rPr lang="en-US"/>
               <a:pPr/>
-              <a:t>5/3/2021</a:t>
+              <a:t>5/11/2021</a:t>
             </a:fld>
             <a:endParaRPr lang="en-US"/>
           </a:p>
@@ -4828,7 +4828,7 @@
             <a:fld id="{B61BEF0D-F0BB-DE4B-95CE-6DB70DBA9567}" type="datetimeFigureOut">
               <a:rPr lang="en-US"/>
               <a:pPr/>
-              <a:t>5/3/2021</a:t>
+              <a:t>5/11/2021</a:t>
             </a:fld>
             <a:endParaRPr lang="en-US"/>
           </a:p>
@@ -5110,7 +5110,7 @@
             <a:fld id="{B61BEF0D-F0BB-DE4B-95CE-6DB70DBA9567}" type="datetimeFigureOut">
               <a:rPr lang="en-US"/>
               <a:pPr/>
-              <a:t>5/3/2021</a:t>
+              <a:t>5/11/2021</a:t>
             </a:fld>
             <a:endParaRPr lang="en-US"/>
           </a:p>
@@ -5431,7 +5431,7 @@
             <a:fld id="{B61BEF0D-F0BB-DE4B-95CE-6DB70DBA9567}" type="datetimeFigureOut">
               <a:rPr lang="en-US"/>
               <a:pPr/>
-              <a:t>5/3/2021</a:t>
+              <a:t>5/11/2021</a:t>
             </a:fld>
             <a:endParaRPr lang="en-US"/>
           </a:p>
@@ -5642,7 +5642,7 @@
             <a:fld id="{B61BEF0D-F0BB-DE4B-95CE-6DB70DBA9567}" type="datetimeFigureOut">
               <a:rPr lang="en-US"/>
               <a:pPr/>
-              <a:t>5/3/2021</a:t>
+              <a:t>5/11/2021</a:t>
             </a:fld>
             <a:endParaRPr lang="en-US"/>
           </a:p>
@@ -8508,13 +8508,13 @@
           <a:p>
             <a:pPr algn="r" rtl="1"/>
             <a:r>
-              <a:rPr lang="he-IL" sz="3200"/>
+              <a:rPr lang="he-IL" sz="3200" dirty="0"/>
               <a:t>אחראית על :</a:t>
             </a:r>
           </a:p>
           <a:p>
             <a:pPr algn="r" rtl="1"/>
-            <a:endParaRPr lang="he-IL" sz="2000"/>
+            <a:endParaRPr lang="he-IL" sz="2000" dirty="0"/>
           </a:p>
           <a:p>
             <a:pPr marL="342900" indent="-342900" algn="r" rtl="1">
@@ -8522,11 +8522,11 @@
               <a:buChar char="•"/>
             </a:pPr>
             <a:r>
-              <a:rPr lang="en-US" sz="2400"/>
+              <a:rPr lang="en-US" sz="2400" dirty="0"/>
               <a:t>Connection Module</a:t>
             </a:r>
             <a:r>
-              <a:rPr lang="he-IL" sz="2400"/>
+              <a:rPr lang="he-IL" sz="2400" dirty="0"/>
               <a:t> - קבלת בקשה מהלקוח והתחלת טיפול לפי דרישותיו של הלקוח.</a:t>
             </a:r>
           </a:p>
@@ -8536,11 +8536,11 @@
               <a:buChar char="•"/>
             </a:pPr>
             <a:r>
-              <a:rPr lang="en-US" sz="2400"/>
+              <a:rPr lang="en-US" sz="2400" dirty="0"/>
               <a:t>Compile Module</a:t>
             </a:r>
             <a:r>
-              <a:rPr lang="he-IL" sz="2400"/>
+              <a:rPr lang="he-IL" sz="2400" dirty="0"/>
               <a:t> – בתחילה בדיקה דומה למה שה</a:t>
             </a:r>
             <a:r>
@@ -8548,15 +8548,15 @@
               <a:t>Preprocessor</a:t>
             </a:r>
             <a:r>
-              <a:rPr lang="he-IL" sz="2400"/>
+              <a:rPr lang="he-IL" sz="2400" dirty="0"/>
               <a:t> עושה : מסתכל על כל ה</a:t>
             </a:r>
             <a:r>
-              <a:rPr lang="en-US" sz="2400"/>
+              <a:rPr lang="en-US" sz="2400" dirty="0"/>
               <a:t>includes</a:t>
             </a:r>
             <a:r>
-              <a:rPr lang="he-IL" sz="2400"/>
+              <a:rPr lang="he-IL" sz="2400" dirty="0"/>
               <a:t> ואוגר סוגי משתנים וכ"ו על הקובץ. לאחר מכן בדיקת קומפילציה בסיסית לגבי הקוד שניתן (אם ישנה בעיית קומפילציה הפלטפורמה תפסיק את הבדיקה תחזיר את התקלה ותגיד באיזה שורה התקלה התרחשה). </a:t>
             </a:r>
           </a:p>
@@ -8566,19 +8566,19 @@
               <a:buChar char="•"/>
             </a:pPr>
             <a:r>
-              <a:rPr lang="en-US" sz="2400"/>
+              <a:rPr lang="en-US" sz="2400" dirty="0"/>
               <a:t>Parsing Information</a:t>
             </a:r>
             <a:r>
-              <a:rPr lang="he-IL" sz="2400"/>
+              <a:rPr lang="he-IL" sz="2400" dirty="0"/>
               <a:t> – במהלך בדיקת הקוד ואחריו אגירת מידע לגבי פונקציות, קוד ואגירתו במילון שלאחר מכן ישלח כ</a:t>
             </a:r>
             <a:r>
-              <a:rPr lang="en-US" sz="2400"/>
+              <a:rPr lang="en-US" sz="2400" dirty="0"/>
               <a:t>JSON</a:t>
             </a:r>
             <a:r>
-              <a:rPr lang="he-IL" sz="2400"/>
+              <a:rPr lang="he-IL" sz="2400" dirty="0"/>
               <a:t> לכלים.</a:t>
             </a:r>
           </a:p>
@@ -8588,19 +8588,19 @@
               <a:buChar char="•"/>
             </a:pPr>
             <a:r>
-              <a:rPr lang="en-US" sz="2400"/>
+              <a:rPr lang="en-US" sz="2400" dirty="0"/>
               <a:t>Json Creation</a:t>
             </a:r>
             <a:r>
-              <a:rPr lang="he-IL" sz="2400"/>
+              <a:rPr lang="he-IL" sz="2400" dirty="0"/>
               <a:t> – ברגע שהמידע מוכן בניית ה</a:t>
             </a:r>
             <a:r>
-              <a:rPr lang="en-US" sz="2400"/>
+              <a:rPr lang="en-US" sz="2400" dirty="0"/>
               <a:t>JSON</a:t>
             </a:r>
             <a:r>
-              <a:rPr lang="he-IL" sz="2400"/>
+              <a:rPr lang="he-IL" sz="2400" dirty="0"/>
               <a:t> במילון.</a:t>
             </a:r>
           </a:p>
@@ -9124,7 +9124,7 @@
                 <a16:creationId xmlns:a16="http://schemas.microsoft.com/office/drawing/2014/main" id="{CBECFFDC-94DB-4DA3-94FE-22FEDDA8FA30}"/>
               </a:ext>
               <a:ext uri="{C183D7F6-B498-43B3-948B-1728B52AA6E4}">
-                <adec:decorative xmlns:adec="http://schemas.microsoft.com/office/drawing/2017/decorative" xmlns="" val="1"/>
+                <adec:decorative xmlns="" xmlns:adec="http://schemas.microsoft.com/office/drawing/2017/decorative" val="1"/>
               </a:ext>
             </a:extLst>
           </p:cNvPr>
@@ -9169,7 +9169,7 @@
                 <a16:creationId xmlns:a16="http://schemas.microsoft.com/office/drawing/2014/main" id="{F7057E50-1D91-4453-BBA0-DD604B5CDAE4}"/>
               </a:ext>
               <a:ext uri="{C183D7F6-B498-43B3-948B-1728B52AA6E4}">
-                <adec:decorative xmlns:adec="http://schemas.microsoft.com/office/drawing/2017/decorative" xmlns="" val="1"/>
+                <adec:decorative xmlns="" xmlns:adec="http://schemas.microsoft.com/office/drawing/2017/decorative" val="1"/>
               </a:ext>
             </a:extLst>
           </p:cNvPr>
@@ -9580,7 +9580,7 @@
                 <a16:creationId xmlns:a16="http://schemas.microsoft.com/office/drawing/2014/main" id="{6AF6706C-CF07-43A1-BCC4-CBA5D33820DA}"/>
               </a:ext>
               <a:ext uri="{C183D7F6-B498-43B3-948B-1728B52AA6E4}">
-                <adec:decorative xmlns:adec="http://schemas.microsoft.com/office/drawing/2017/decorative" xmlns="" val="1"/>
+                <adec:decorative xmlns="" xmlns:adec="http://schemas.microsoft.com/office/drawing/2017/decorative" val="1"/>
               </a:ext>
             </a:extLst>
           </p:cNvPr>
@@ -9766,8 +9766,8 @@
         </p:blipFill>
         <p:spPr bwMode="auto">
           <a:xfrm>
-            <a:off x="629810" y="1043587"/>
-            <a:ext cx="6921364" cy="4775741"/>
+            <a:off x="629810" y="1046453"/>
+            <a:ext cx="6921364" cy="4770009"/>
           </a:xfrm>
           <a:prstGeom prst="roundRect">
             <a:avLst>
@@ -10030,7 +10030,7 @@
                 <a16:creationId xmlns:a16="http://schemas.microsoft.com/office/drawing/2014/main" id="{6AF6706C-CF07-43A1-BCC4-CBA5D33820DA}"/>
               </a:ext>
               <a:ext uri="{C183D7F6-B498-43B3-948B-1728B52AA6E4}">
-                <adec:decorative xmlns:adec="http://schemas.microsoft.com/office/drawing/2017/decorative" xmlns="" val="1"/>
+                <adec:decorative xmlns="" xmlns:adec="http://schemas.microsoft.com/office/drawing/2017/decorative" val="1"/>
               </a:ext>
             </a:extLst>
           </p:cNvPr>
@@ -10224,8 +10224,8 @@
         </p:blipFill>
         <p:spPr bwMode="auto">
           <a:xfrm>
-            <a:off x="2894564" y="643464"/>
-            <a:ext cx="6407239" cy="3604072"/>
+            <a:off x="2902736" y="643464"/>
+            <a:ext cx="6390894" cy="3604072"/>
           </a:xfrm>
           <a:prstGeom prst="roundRect">
             <a:avLst>
@@ -10480,8 +10480,8 @@
         </p:blipFill>
         <p:spPr bwMode="auto">
           <a:xfrm>
-            <a:off x="648929" y="1145616"/>
-            <a:ext cx="6490101" cy="3650681"/>
+            <a:off x="648929" y="1147941"/>
+            <a:ext cx="6490101" cy="3646030"/>
           </a:xfrm>
           <a:prstGeom prst="roundRect">
             <a:avLst>
@@ -10573,7 +10573,7 @@
                 <a16:creationId xmlns:a16="http://schemas.microsoft.com/office/drawing/2014/main" id="{6AF6706C-CF07-43A1-BCC4-CBA5D33820DA}"/>
               </a:ext>
               <a:ext uri="{C183D7F6-B498-43B3-948B-1728B52AA6E4}">
-                <adec:decorative xmlns:adec="http://schemas.microsoft.com/office/drawing/2017/decorative" xmlns="" val="1"/>
+                <adec:decorative xmlns="" xmlns:adec="http://schemas.microsoft.com/office/drawing/2017/decorative" val="1"/>
               </a:ext>
             </a:extLst>
           </p:cNvPr>
@@ -10766,8 +10766,8 @@
         </p:blipFill>
         <p:spPr bwMode="auto">
           <a:xfrm>
-            <a:off x="2625756" y="468679"/>
-            <a:ext cx="6110534" cy="3421900"/>
+            <a:off x="2653066" y="468679"/>
+            <a:ext cx="6055913" cy="3421900"/>
           </a:xfrm>
           <a:prstGeom prst="roundRect">
             <a:avLst>
@@ -10859,7 +10859,7 @@
                 <a16:creationId xmlns:a16="http://schemas.microsoft.com/office/drawing/2014/main" id="{6AF6706C-CF07-43A1-BCC4-CBA5D33820DA}"/>
               </a:ext>
               <a:ext uri="{C183D7F6-B498-43B3-948B-1728B52AA6E4}">
-                <adec:decorative xmlns:adec="http://schemas.microsoft.com/office/drawing/2017/decorative" xmlns="" val="1"/>
+                <adec:decorative xmlns="" xmlns:adec="http://schemas.microsoft.com/office/drawing/2017/decorative" val="1"/>
               </a:ext>
             </a:extLst>
           </p:cNvPr>
@@ -11018,7 +11018,7 @@
       </p:sp>
       <p:pic>
         <p:nvPicPr>
-          <p:cNvPr id="7170" name="Picture 2" descr="תמונה שמכילה טקסט&#10;&#10;התיאור נוצר באופן אוטומטי">
+          <p:cNvPr id="7170" name="Picture 2">
             <a:extLst>
               <a:ext uri="{FF2B5EF4-FFF2-40B4-BE49-F238E27FC236}">
                 <a16:creationId xmlns:a16="http://schemas.microsoft.com/office/drawing/2014/main" id="{93337C5B-CCA4-40D7-B316-FFEEB777E3E7}"/>
@@ -11044,8 +11044,8 @@
         </p:blipFill>
         <p:spPr bwMode="auto">
           <a:xfrm>
-            <a:off x="2894564" y="643464"/>
-            <a:ext cx="6407239" cy="3604072"/>
+            <a:off x="2902736" y="643464"/>
+            <a:ext cx="6390894" cy="3604072"/>
           </a:xfrm>
           <a:prstGeom prst="roundRect">
             <a:avLst>
@@ -11136,7 +11136,7 @@
                 <a16:creationId xmlns:a16="http://schemas.microsoft.com/office/drawing/2014/main" id="{6AF6706C-CF07-43A1-BCC4-CBA5D33820DA}"/>
               </a:ext>
               <a:ext uri="{C183D7F6-B498-43B3-948B-1728B52AA6E4}">
-                <adec:decorative xmlns:adec="http://schemas.microsoft.com/office/drawing/2017/decorative" xmlns="" val="1"/>
+                <adec:decorative xmlns="" xmlns:adec="http://schemas.microsoft.com/office/drawing/2017/decorative" val="1"/>
               </a:ext>
             </a:extLst>
           </p:cNvPr>
@@ -11181,7 +11181,7 @@
                 <a16:creationId xmlns:a16="http://schemas.microsoft.com/office/drawing/2014/main" id="{1F94DC1C-47D1-41D7-8B1B-9A036D614027}"/>
               </a:ext>
               <a:ext uri="{C183D7F6-B498-43B3-948B-1728B52AA6E4}">
-                <adec:decorative xmlns:adec="http://schemas.microsoft.com/office/drawing/2017/decorative" xmlns="" val="1"/>
+                <adec:decorative xmlns="" xmlns:adec="http://schemas.microsoft.com/office/drawing/2017/decorative" val="1"/>
               </a:ext>
             </a:extLst>
           </p:cNvPr>
@@ -11241,7 +11241,7 @@
                 <a16:creationId xmlns:a16="http://schemas.microsoft.com/office/drawing/2014/main" id="{811383CE-CE86-4E1C-B289-798EB9E6E0E5}"/>
               </a:ext>
               <a:ext uri="{C183D7F6-B498-43B3-948B-1728B52AA6E4}">
-                <adec:decorative xmlns:adec="http://schemas.microsoft.com/office/drawing/2017/decorative" xmlns="" val="1"/>
+                <adec:decorative xmlns="" xmlns:adec="http://schemas.microsoft.com/office/drawing/2017/decorative" val="1"/>
               </a:ext>
             </a:extLst>
           </p:cNvPr>
@@ -11325,7 +11325,7 @@
                 <a16:creationId xmlns:a16="http://schemas.microsoft.com/office/drawing/2014/main" id="{AC12A592-C02D-46EF-8E1F-9335DB8D71DF}"/>
               </a:ext>
               <a:ext uri="{C183D7F6-B498-43B3-948B-1728B52AA6E4}">
-                <adec:decorative xmlns:adec="http://schemas.microsoft.com/office/drawing/2017/decorative" xmlns="" val="1"/>
+                <adec:decorative xmlns="" xmlns:adec="http://schemas.microsoft.com/office/drawing/2017/decorative" val="1"/>
               </a:ext>
             </a:extLst>
           </p:cNvPr>
@@ -11483,7 +11483,7 @@
                 <a16:creationId xmlns:a16="http://schemas.microsoft.com/office/drawing/2014/main" id="{24005816-5BCA-4665-8A58-5580F8E9C84A}"/>
               </a:ext>
               <a:ext uri="{C183D7F6-B498-43B3-948B-1728B52AA6E4}">
-                <adec:decorative xmlns:adec="http://schemas.microsoft.com/office/drawing/2017/decorative" xmlns="" val="1"/>
+                <adec:decorative xmlns="" xmlns:adec="http://schemas.microsoft.com/office/drawing/2017/decorative" val="1"/>
               </a:ext>
             </a:extLst>
           </p:cNvPr>
@@ -11675,7 +11675,7 @@
                 <a16:creationId xmlns:a16="http://schemas.microsoft.com/office/drawing/2014/main" id="{BF07F359-8CA3-4854-91E7-EE6004020511}"/>
               </a:ext>
               <a:ext uri="{C183D7F6-B498-43B3-948B-1728B52AA6E4}">
-                <adec:decorative xmlns:adec="http://schemas.microsoft.com/office/drawing/2017/decorative" xmlns="" val="1"/>
+                <adec:decorative xmlns="" xmlns:adec="http://schemas.microsoft.com/office/drawing/2017/decorative" val="1"/>
               </a:ext>
             </a:extLst>
           </p:cNvPr>
@@ -11706,7 +11706,7 @@
                   <a16:creationId xmlns:a16="http://schemas.microsoft.com/office/drawing/2014/main" id="{8A7FCE86-4904-4337-8D0A-3ABA73F609EF}"/>
                 </a:ext>
                 <a:ext uri="{C183D7F6-B498-43B3-948B-1728B52AA6E4}">
-                  <adec:decorative xmlns:adec="http://schemas.microsoft.com/office/drawing/2017/decorative" xmlns="" val="1"/>
+                  <adec:decorative xmlns="" xmlns:adec="http://schemas.microsoft.com/office/drawing/2017/decorative" val="1"/>
                 </a:ext>
               </a:extLst>
             </p:cNvPr>
@@ -11758,7 +11758,7 @@
                   <a16:creationId xmlns:a16="http://schemas.microsoft.com/office/drawing/2014/main" id="{BA32C234-504D-411A-A62B-C1CFD8CE74D5}"/>
                 </a:ext>
                 <a:ext uri="{C183D7F6-B498-43B3-948B-1728B52AA6E4}">
-                  <adec:decorative xmlns:adec="http://schemas.microsoft.com/office/drawing/2017/decorative" xmlns="" val="1"/>
+                  <adec:decorative xmlns="" xmlns:adec="http://schemas.microsoft.com/office/drawing/2017/decorative" val="1"/>
                 </a:ext>
               </a:extLst>
             </p:cNvPr>
@@ -11810,7 +11810,7 @@
                   <a16:creationId xmlns:a16="http://schemas.microsoft.com/office/drawing/2014/main" id="{881593A9-FD94-454C-9225-478E90706132}"/>
                 </a:ext>
                 <a:ext uri="{C183D7F6-B498-43B3-948B-1728B52AA6E4}">
-                  <adec:decorative xmlns:adec="http://schemas.microsoft.com/office/drawing/2017/decorative" xmlns="" val="1"/>
+                  <adec:decorative xmlns="" xmlns:adec="http://schemas.microsoft.com/office/drawing/2017/decorative" val="1"/>
                 </a:ext>
               </a:extLst>
             </p:cNvPr>
@@ -11862,7 +11862,7 @@
                   <a16:creationId xmlns:a16="http://schemas.microsoft.com/office/drawing/2014/main" id="{FA3524A1-6DED-4D15-ADE5-F797DBCEC728}"/>
                 </a:ext>
                 <a:ext uri="{C183D7F6-B498-43B3-948B-1728B52AA6E4}">
-                  <adec:decorative xmlns:adec="http://schemas.microsoft.com/office/drawing/2017/decorative" xmlns="" val="1"/>
+                  <adec:decorative xmlns="" xmlns:adec="http://schemas.microsoft.com/office/drawing/2017/decorative" val="1"/>
                 </a:ext>
               </a:extLst>
             </p:cNvPr>
@@ -11914,7 +11914,7 @@
                   <a16:creationId xmlns:a16="http://schemas.microsoft.com/office/drawing/2014/main" id="{AA8491CF-856E-4A54-84A5-45C558D41A7B}"/>
                 </a:ext>
                 <a:ext uri="{C183D7F6-B498-43B3-948B-1728B52AA6E4}">
-                  <adec:decorative xmlns:adec="http://schemas.microsoft.com/office/drawing/2017/decorative" xmlns="" val="1"/>
+                  <adec:decorative xmlns="" xmlns:adec="http://schemas.microsoft.com/office/drawing/2017/decorative" val="1"/>
                 </a:ext>
               </a:extLst>
             </p:cNvPr>
@@ -11966,7 +11966,7 @@
                   <a16:creationId xmlns:a16="http://schemas.microsoft.com/office/drawing/2014/main" id="{AD63A388-BF18-4ABD-96E0-5946B1ABB1D6}"/>
                 </a:ext>
                 <a:ext uri="{C183D7F6-B498-43B3-948B-1728B52AA6E4}">
-                  <adec:decorative xmlns:adec="http://schemas.microsoft.com/office/drawing/2017/decorative" xmlns="" val="1"/>
+                  <adec:decorative xmlns="" xmlns:adec="http://schemas.microsoft.com/office/drawing/2017/decorative" val="1"/>
                 </a:ext>
               </a:extLst>
             </p:cNvPr>
@@ -12018,7 +12018,7 @@
                   <a16:creationId xmlns:a16="http://schemas.microsoft.com/office/drawing/2014/main" id="{9CF6D779-BD20-4058-AC29-AF4E2510C2C2}"/>
                 </a:ext>
                 <a:ext uri="{C183D7F6-B498-43B3-948B-1728B52AA6E4}">
-                  <adec:decorative xmlns:adec="http://schemas.microsoft.com/office/drawing/2017/decorative" xmlns="" val="1"/>
+                  <adec:decorative xmlns="" xmlns:adec="http://schemas.microsoft.com/office/drawing/2017/decorative" val="1"/>
                 </a:ext>
               </a:extLst>
             </p:cNvPr>
@@ -12070,7 +12070,7 @@
                   <a16:creationId xmlns:a16="http://schemas.microsoft.com/office/drawing/2014/main" id="{4189C0F2-FCB0-4636-9B05-F9FCBB2020A6}"/>
                 </a:ext>
                 <a:ext uri="{C183D7F6-B498-43B3-948B-1728B52AA6E4}">
-                  <adec:decorative xmlns:adec="http://schemas.microsoft.com/office/drawing/2017/decorative" xmlns="" val="1"/>
+                  <adec:decorative xmlns="" xmlns:adec="http://schemas.microsoft.com/office/drawing/2017/decorative" val="1"/>
                 </a:ext>
               </a:extLst>
             </p:cNvPr>
@@ -12122,7 +12122,7 @@
                   <a16:creationId xmlns:a16="http://schemas.microsoft.com/office/drawing/2014/main" id="{E74CB59A-0AC3-4235-A93D-73EE12466967}"/>
                 </a:ext>
                 <a:ext uri="{C183D7F6-B498-43B3-948B-1728B52AA6E4}">
-                  <adec:decorative xmlns:adec="http://schemas.microsoft.com/office/drawing/2017/decorative" xmlns="" val="1"/>
+                  <adec:decorative xmlns="" xmlns:adec="http://schemas.microsoft.com/office/drawing/2017/decorative" val="1"/>
                 </a:ext>
               </a:extLst>
             </p:cNvPr>
@@ -12174,7 +12174,7 @@
                   <a16:creationId xmlns:a16="http://schemas.microsoft.com/office/drawing/2014/main" id="{2B6E97A3-E95A-4D79-A8F8-1945EA2634FB}"/>
                 </a:ext>
                 <a:ext uri="{C183D7F6-B498-43B3-948B-1728B52AA6E4}">
-                  <adec:decorative xmlns:adec="http://schemas.microsoft.com/office/drawing/2017/decorative" xmlns="" val="1"/>
+                  <adec:decorative xmlns="" xmlns:adec="http://schemas.microsoft.com/office/drawing/2017/decorative" val="1"/>
                 </a:ext>
               </a:extLst>
             </p:cNvPr>
@@ -12226,7 +12226,7 @@
                   <a16:creationId xmlns:a16="http://schemas.microsoft.com/office/drawing/2014/main" id="{9F4ABF86-0905-4DE8-8F0B-D10D3D6F9C41}"/>
                 </a:ext>
                 <a:ext uri="{C183D7F6-B498-43B3-948B-1728B52AA6E4}">
-                  <adec:decorative xmlns:adec="http://schemas.microsoft.com/office/drawing/2017/decorative" xmlns="" val="1"/>
+                  <adec:decorative xmlns="" xmlns:adec="http://schemas.microsoft.com/office/drawing/2017/decorative" val="1"/>
                 </a:ext>
               </a:extLst>
             </p:cNvPr>
@@ -12278,7 +12278,7 @@
                   <a16:creationId xmlns:a16="http://schemas.microsoft.com/office/drawing/2014/main" id="{4FAAFEF7-DFA1-48C7-9E4E-FF7B1453C718}"/>
                 </a:ext>
                 <a:ext uri="{C183D7F6-B498-43B3-948B-1728B52AA6E4}">
-                  <adec:decorative xmlns:adec="http://schemas.microsoft.com/office/drawing/2017/decorative" xmlns="" val="1"/>
+                  <adec:decorative xmlns="" xmlns:adec="http://schemas.microsoft.com/office/drawing/2017/decorative" val="1"/>
                 </a:ext>
               </a:extLst>
             </p:cNvPr>
@@ -12330,7 +12330,7 @@
                   <a16:creationId xmlns:a16="http://schemas.microsoft.com/office/drawing/2014/main" id="{ED828735-DFD9-4894-8461-77A2FB0C9276}"/>
                 </a:ext>
                 <a:ext uri="{C183D7F6-B498-43B3-948B-1728B52AA6E4}">
-                  <adec:decorative xmlns:adec="http://schemas.microsoft.com/office/drawing/2017/decorative" xmlns="" val="1"/>
+                  <adec:decorative xmlns="" xmlns:adec="http://schemas.microsoft.com/office/drawing/2017/decorative" val="1"/>
                 </a:ext>
               </a:extLst>
             </p:cNvPr>
@@ -12382,7 +12382,7 @@
                   <a16:creationId xmlns:a16="http://schemas.microsoft.com/office/drawing/2014/main" id="{7A6C2585-E93E-489D-8819-FCEE3CFF11C5}"/>
                 </a:ext>
                 <a:ext uri="{C183D7F6-B498-43B3-948B-1728B52AA6E4}">
-                  <adec:decorative xmlns:adec="http://schemas.microsoft.com/office/drawing/2017/decorative" xmlns="" val="1"/>
+                  <adec:decorative xmlns="" xmlns:adec="http://schemas.microsoft.com/office/drawing/2017/decorative" val="1"/>
                 </a:ext>
               </a:extLst>
             </p:cNvPr>
@@ -12434,7 +12434,7 @@
                   <a16:creationId xmlns:a16="http://schemas.microsoft.com/office/drawing/2014/main" id="{E57C1F25-FC5C-4082-B4F6-888F8E467EE5}"/>
                 </a:ext>
                 <a:ext uri="{C183D7F6-B498-43B3-948B-1728B52AA6E4}">
-                  <adec:decorative xmlns:adec="http://schemas.microsoft.com/office/drawing/2017/decorative" xmlns="" val="1"/>
+                  <adec:decorative xmlns="" xmlns:adec="http://schemas.microsoft.com/office/drawing/2017/decorative" val="1"/>
                 </a:ext>
               </a:extLst>
             </p:cNvPr>
@@ -12486,7 +12486,7 @@
                   <a16:creationId xmlns:a16="http://schemas.microsoft.com/office/drawing/2014/main" id="{F5DF4BDB-CA1D-4DA1-8D26-6BAEE0A21AE7}"/>
                 </a:ext>
                 <a:ext uri="{C183D7F6-B498-43B3-948B-1728B52AA6E4}">
-                  <adec:decorative xmlns:adec="http://schemas.microsoft.com/office/drawing/2017/decorative" xmlns="" val="1"/>
+                  <adec:decorative xmlns="" xmlns:adec="http://schemas.microsoft.com/office/drawing/2017/decorative" val="1"/>
                 </a:ext>
               </a:extLst>
             </p:cNvPr>
@@ -12538,7 +12538,7 @@
                   <a16:creationId xmlns:a16="http://schemas.microsoft.com/office/drawing/2014/main" id="{3315D2A0-DDA4-4A25-9CC7-7F90CCF0C409}"/>
                 </a:ext>
                 <a:ext uri="{C183D7F6-B498-43B3-948B-1728B52AA6E4}">
-                  <adec:decorative xmlns:adec="http://schemas.microsoft.com/office/drawing/2017/decorative" xmlns="" val="1"/>
+                  <adec:decorative xmlns="" xmlns:adec="http://schemas.microsoft.com/office/drawing/2017/decorative" val="1"/>
                 </a:ext>
               </a:extLst>
             </p:cNvPr>
@@ -12590,7 +12590,7 @@
                   <a16:creationId xmlns:a16="http://schemas.microsoft.com/office/drawing/2014/main" id="{75312B72-7E7D-4B0B-960E-7D7C9540EBDC}"/>
                 </a:ext>
                 <a:ext uri="{C183D7F6-B498-43B3-948B-1728B52AA6E4}">
-                  <adec:decorative xmlns:adec="http://schemas.microsoft.com/office/drawing/2017/decorative" xmlns="" val="1"/>
+                  <adec:decorative xmlns="" xmlns:adec="http://schemas.microsoft.com/office/drawing/2017/decorative" val="1"/>
                 </a:ext>
               </a:extLst>
             </p:cNvPr>
@@ -12642,7 +12642,7 @@
                   <a16:creationId xmlns:a16="http://schemas.microsoft.com/office/drawing/2014/main" id="{C48B42BB-3C0E-4546-957B-AB593E308C93}"/>
                 </a:ext>
                 <a:ext uri="{C183D7F6-B498-43B3-948B-1728B52AA6E4}">
-                  <adec:decorative xmlns:adec="http://schemas.microsoft.com/office/drawing/2017/decorative" xmlns="" val="1"/>
+                  <adec:decorative xmlns="" xmlns:adec="http://schemas.microsoft.com/office/drawing/2017/decorative" val="1"/>
                 </a:ext>
               </a:extLst>
             </p:cNvPr>
@@ -12694,7 +12694,7 @@
                   <a16:creationId xmlns:a16="http://schemas.microsoft.com/office/drawing/2014/main" id="{437809D5-5F69-4BC6-A661-44B2A8A68220}"/>
                 </a:ext>
                 <a:ext uri="{C183D7F6-B498-43B3-948B-1728B52AA6E4}">
-                  <adec:decorative xmlns:adec="http://schemas.microsoft.com/office/drawing/2017/decorative" xmlns="" val="1"/>
+                  <adec:decorative xmlns="" xmlns:adec="http://schemas.microsoft.com/office/drawing/2017/decorative" val="1"/>
                 </a:ext>
               </a:extLst>
             </p:cNvPr>
@@ -12746,7 +12746,7 @@
                   <a16:creationId xmlns:a16="http://schemas.microsoft.com/office/drawing/2014/main" id="{B269CB4C-8BB5-4F63-8961-7EB8FE56D44A}"/>
                 </a:ext>
                 <a:ext uri="{C183D7F6-B498-43B3-948B-1728B52AA6E4}">
-                  <adec:decorative xmlns:adec="http://schemas.microsoft.com/office/drawing/2017/decorative" xmlns="" val="1"/>
+                  <adec:decorative xmlns="" xmlns:adec="http://schemas.microsoft.com/office/drawing/2017/decorative" val="1"/>
                 </a:ext>
               </a:extLst>
             </p:cNvPr>
@@ -12798,7 +12798,7 @@
                   <a16:creationId xmlns:a16="http://schemas.microsoft.com/office/drawing/2014/main" id="{D5E7B60C-3F52-49EA-99F5-BE42AF88DD33}"/>
                 </a:ext>
                 <a:ext uri="{C183D7F6-B498-43B3-948B-1728B52AA6E4}">
-                  <adec:decorative xmlns:adec="http://schemas.microsoft.com/office/drawing/2017/decorative" xmlns="" val="1"/>
+                  <adec:decorative xmlns="" xmlns:adec="http://schemas.microsoft.com/office/drawing/2017/decorative" val="1"/>
                 </a:ext>
               </a:extLst>
             </p:cNvPr>
@@ -12850,7 +12850,7 @@
                   <a16:creationId xmlns:a16="http://schemas.microsoft.com/office/drawing/2014/main" id="{1C5E885C-0F0D-4E11-8B78-4CE951E26921}"/>
                 </a:ext>
                 <a:ext uri="{C183D7F6-B498-43B3-948B-1728B52AA6E4}">
-                  <adec:decorative xmlns:adec="http://schemas.microsoft.com/office/drawing/2017/decorative" xmlns="" val="1"/>
+                  <adec:decorative xmlns="" xmlns:adec="http://schemas.microsoft.com/office/drawing/2017/decorative" val="1"/>
                 </a:ext>
               </a:extLst>
             </p:cNvPr>
@@ -12902,7 +12902,7 @@
                   <a16:creationId xmlns:a16="http://schemas.microsoft.com/office/drawing/2014/main" id="{4BFA6E20-F564-4CA4-9150-FDD50B02CD24}"/>
                 </a:ext>
                 <a:ext uri="{C183D7F6-B498-43B3-948B-1728B52AA6E4}">
-                  <adec:decorative xmlns:adec="http://schemas.microsoft.com/office/drawing/2017/decorative" xmlns="" val="1"/>
+                  <adec:decorative xmlns="" xmlns:adec="http://schemas.microsoft.com/office/drawing/2017/decorative" val="1"/>
                 </a:ext>
               </a:extLst>
             </p:cNvPr>
@@ -12954,7 +12954,7 @@
                   <a16:creationId xmlns:a16="http://schemas.microsoft.com/office/drawing/2014/main" id="{C3C02C6B-B913-486F-ACAE-432DE1F7704D}"/>
                 </a:ext>
                 <a:ext uri="{C183D7F6-B498-43B3-948B-1728B52AA6E4}">
-                  <adec:decorative xmlns:adec="http://schemas.microsoft.com/office/drawing/2017/decorative" xmlns="" val="1"/>
+                  <adec:decorative xmlns="" xmlns:adec="http://schemas.microsoft.com/office/drawing/2017/decorative" val="1"/>
                 </a:ext>
               </a:extLst>
             </p:cNvPr>
@@ -13006,7 +13006,7 @@
                   <a16:creationId xmlns:a16="http://schemas.microsoft.com/office/drawing/2014/main" id="{B6B5EE64-D401-45A4-82D4-85D4BF5C8EC6}"/>
                 </a:ext>
                 <a:ext uri="{C183D7F6-B498-43B3-948B-1728B52AA6E4}">
-                  <adec:decorative xmlns:adec="http://schemas.microsoft.com/office/drawing/2017/decorative" xmlns="" val="1"/>
+                  <adec:decorative xmlns="" xmlns:adec="http://schemas.microsoft.com/office/drawing/2017/decorative" val="1"/>
                 </a:ext>
               </a:extLst>
             </p:cNvPr>
@@ -13058,7 +13058,7 @@
                   <a16:creationId xmlns:a16="http://schemas.microsoft.com/office/drawing/2014/main" id="{5F622D05-678C-405E-A74F-8D92A9C64438}"/>
                 </a:ext>
                 <a:ext uri="{C183D7F6-B498-43B3-948B-1728B52AA6E4}">
-                  <adec:decorative xmlns:adec="http://schemas.microsoft.com/office/drawing/2017/decorative" xmlns="" val="1"/>
+                  <adec:decorative xmlns="" xmlns:adec="http://schemas.microsoft.com/office/drawing/2017/decorative" val="1"/>
                 </a:ext>
               </a:extLst>
             </p:cNvPr>
@@ -13110,7 +13110,7 @@
                   <a16:creationId xmlns:a16="http://schemas.microsoft.com/office/drawing/2014/main" id="{D8E01EF1-6517-49CC-9891-1BD6D0F49D00}"/>
                 </a:ext>
                 <a:ext uri="{C183D7F6-B498-43B3-948B-1728B52AA6E4}">
-                  <adec:decorative xmlns:adec="http://schemas.microsoft.com/office/drawing/2017/decorative" xmlns="" val="1"/>
+                  <adec:decorative xmlns="" xmlns:adec="http://schemas.microsoft.com/office/drawing/2017/decorative" val="1"/>
                 </a:ext>
               </a:extLst>
             </p:cNvPr>
@@ -13162,7 +13162,7 @@
                   <a16:creationId xmlns:a16="http://schemas.microsoft.com/office/drawing/2014/main" id="{EC93E79A-63A6-4782-9D2C-BC50CD3B9444}"/>
                 </a:ext>
                 <a:ext uri="{C183D7F6-B498-43B3-948B-1728B52AA6E4}">
-                  <adec:decorative xmlns:adec="http://schemas.microsoft.com/office/drawing/2017/decorative" xmlns="" val="1"/>
+                  <adec:decorative xmlns="" xmlns:adec="http://schemas.microsoft.com/office/drawing/2017/decorative" val="1"/>
                 </a:ext>
               </a:extLst>
             </p:cNvPr>
@@ -13214,7 +13214,7 @@
                   <a16:creationId xmlns:a16="http://schemas.microsoft.com/office/drawing/2014/main" id="{46C4B4DB-9B57-4C69-96EB-3E1910CEF40A}"/>
                 </a:ext>
                 <a:ext uri="{C183D7F6-B498-43B3-948B-1728B52AA6E4}">
-                  <adec:decorative xmlns:adec="http://schemas.microsoft.com/office/drawing/2017/decorative" xmlns="" val="1"/>
+                  <adec:decorative xmlns="" xmlns:adec="http://schemas.microsoft.com/office/drawing/2017/decorative" val="1"/>
                 </a:ext>
               </a:extLst>
             </p:cNvPr>
@@ -13266,7 +13266,7 @@
                   <a16:creationId xmlns:a16="http://schemas.microsoft.com/office/drawing/2014/main" id="{9BBDCDA7-4ECB-42B1-8524-3D30023D6B68}"/>
                 </a:ext>
                 <a:ext uri="{C183D7F6-B498-43B3-948B-1728B52AA6E4}">
-                  <adec:decorative xmlns:adec="http://schemas.microsoft.com/office/drawing/2017/decorative" xmlns="" val="1"/>
+                  <adec:decorative xmlns="" xmlns:adec="http://schemas.microsoft.com/office/drawing/2017/decorative" val="1"/>
                 </a:ext>
               </a:extLst>
             </p:cNvPr>
@@ -13318,7 +13318,7 @@
                   <a16:creationId xmlns:a16="http://schemas.microsoft.com/office/drawing/2014/main" id="{C7483057-DCDA-4BC6-8E99-7EAD94E8786A}"/>
                 </a:ext>
                 <a:ext uri="{C183D7F6-B498-43B3-948B-1728B52AA6E4}">
-                  <adec:decorative xmlns:adec="http://schemas.microsoft.com/office/drawing/2017/decorative" xmlns="" val="1"/>
+                  <adec:decorative xmlns="" xmlns:adec="http://schemas.microsoft.com/office/drawing/2017/decorative" val="1"/>
                 </a:ext>
               </a:extLst>
             </p:cNvPr>
@@ -13370,7 +13370,7 @@
                   <a16:creationId xmlns:a16="http://schemas.microsoft.com/office/drawing/2014/main" id="{E5C35A56-0BFD-443F-8C2B-CA73A3BFE9E5}"/>
                 </a:ext>
                 <a:ext uri="{C183D7F6-B498-43B3-948B-1728B52AA6E4}">
-                  <adec:decorative xmlns:adec="http://schemas.microsoft.com/office/drawing/2017/decorative" xmlns="" val="1"/>
+                  <adec:decorative xmlns="" xmlns:adec="http://schemas.microsoft.com/office/drawing/2017/decorative" val="1"/>
                 </a:ext>
               </a:extLst>
             </p:cNvPr>
@@ -13422,7 +13422,7 @@
                   <a16:creationId xmlns:a16="http://schemas.microsoft.com/office/drawing/2014/main" id="{214A0AE5-3A88-4D5D-845C-5E906888C81F}"/>
                 </a:ext>
                 <a:ext uri="{C183D7F6-B498-43B3-948B-1728B52AA6E4}">
-                  <adec:decorative xmlns:adec="http://schemas.microsoft.com/office/drawing/2017/decorative" xmlns="" val="1"/>
+                  <adec:decorative xmlns="" xmlns:adec="http://schemas.microsoft.com/office/drawing/2017/decorative" val="1"/>
                 </a:ext>
               </a:extLst>
             </p:cNvPr>
@@ -13474,7 +13474,7 @@
                   <a16:creationId xmlns:a16="http://schemas.microsoft.com/office/drawing/2014/main" id="{44D7BF13-EDB8-4740-A3C5-87E2E7C67669}"/>
                 </a:ext>
                 <a:ext uri="{C183D7F6-B498-43B3-948B-1728B52AA6E4}">
-                  <adec:decorative xmlns:adec="http://schemas.microsoft.com/office/drawing/2017/decorative" xmlns="" val="1"/>
+                  <adec:decorative xmlns="" xmlns:adec="http://schemas.microsoft.com/office/drawing/2017/decorative" val="1"/>
                 </a:ext>
               </a:extLst>
             </p:cNvPr>
@@ -13526,7 +13526,7 @@
                   <a16:creationId xmlns:a16="http://schemas.microsoft.com/office/drawing/2014/main" id="{16DAB64F-4B49-434F-BFB6-0BEB41AFB610}"/>
                 </a:ext>
                 <a:ext uri="{C183D7F6-B498-43B3-948B-1728B52AA6E4}">
-                  <adec:decorative xmlns:adec="http://schemas.microsoft.com/office/drawing/2017/decorative" xmlns="" val="1"/>
+                  <adec:decorative xmlns="" xmlns:adec="http://schemas.microsoft.com/office/drawing/2017/decorative" val="1"/>
                 </a:ext>
               </a:extLst>
             </p:cNvPr>
@@ -13578,7 +13578,7 @@
                   <a16:creationId xmlns:a16="http://schemas.microsoft.com/office/drawing/2014/main" id="{93B5AD9A-BDA6-42CE-A1C0-C07210307227}"/>
                 </a:ext>
                 <a:ext uri="{C183D7F6-B498-43B3-948B-1728B52AA6E4}">
-                  <adec:decorative xmlns:adec="http://schemas.microsoft.com/office/drawing/2017/decorative" xmlns="" val="1"/>
+                  <adec:decorative xmlns="" xmlns:adec="http://schemas.microsoft.com/office/drawing/2017/decorative" val="1"/>
                 </a:ext>
               </a:extLst>
             </p:cNvPr>
@@ -13630,7 +13630,7 @@
                   <a16:creationId xmlns:a16="http://schemas.microsoft.com/office/drawing/2014/main" id="{5FD67DCC-475F-4BED-A634-FCDD63176BB5}"/>
                 </a:ext>
                 <a:ext uri="{C183D7F6-B498-43B3-948B-1728B52AA6E4}">
-                  <adec:decorative xmlns:adec="http://schemas.microsoft.com/office/drawing/2017/decorative" xmlns="" val="1"/>
+                  <adec:decorative xmlns="" xmlns:adec="http://schemas.microsoft.com/office/drawing/2017/decorative" val="1"/>
                 </a:ext>
               </a:extLst>
             </p:cNvPr>
@@ -13682,7 +13682,7 @@
                   <a16:creationId xmlns:a16="http://schemas.microsoft.com/office/drawing/2014/main" id="{ED276E23-C86D-408D-821A-1E9A44CAEAFC}"/>
                 </a:ext>
                 <a:ext uri="{C183D7F6-B498-43B3-948B-1728B52AA6E4}">
-                  <adec:decorative xmlns:adec="http://schemas.microsoft.com/office/drawing/2017/decorative" xmlns="" val="1"/>
+                  <adec:decorative xmlns="" xmlns:adec="http://schemas.microsoft.com/office/drawing/2017/decorative" val="1"/>
                 </a:ext>
               </a:extLst>
             </p:cNvPr>
@@ -13734,7 +13734,7 @@
                   <a16:creationId xmlns:a16="http://schemas.microsoft.com/office/drawing/2014/main" id="{A879A029-D911-41C4-B218-E41871762F3A}"/>
                 </a:ext>
                 <a:ext uri="{C183D7F6-B498-43B3-948B-1728B52AA6E4}">
-                  <adec:decorative xmlns:adec="http://schemas.microsoft.com/office/drawing/2017/decorative" xmlns="" val="1"/>
+                  <adec:decorative xmlns="" xmlns:adec="http://schemas.microsoft.com/office/drawing/2017/decorative" val="1"/>
                 </a:ext>
               </a:extLst>
             </p:cNvPr>
@@ -13786,7 +13786,7 @@
                   <a16:creationId xmlns:a16="http://schemas.microsoft.com/office/drawing/2014/main" id="{E9C7C9F5-65FB-4EF9-9AAD-F7E1FC14B84B}"/>
                 </a:ext>
                 <a:ext uri="{C183D7F6-B498-43B3-948B-1728B52AA6E4}">
-                  <adec:decorative xmlns:adec="http://schemas.microsoft.com/office/drawing/2017/decorative" xmlns="" val="1"/>
+                  <adec:decorative xmlns="" xmlns:adec="http://schemas.microsoft.com/office/drawing/2017/decorative" val="1"/>
                 </a:ext>
               </a:extLst>
             </p:cNvPr>
@@ -13838,7 +13838,7 @@
                   <a16:creationId xmlns:a16="http://schemas.microsoft.com/office/drawing/2014/main" id="{6115B885-5742-431C-BA48-96FC1F6D2280}"/>
                 </a:ext>
                 <a:ext uri="{C183D7F6-B498-43B3-948B-1728B52AA6E4}">
-                  <adec:decorative xmlns:adec="http://schemas.microsoft.com/office/drawing/2017/decorative" xmlns="" val="1"/>
+                  <adec:decorative xmlns="" xmlns:adec="http://schemas.microsoft.com/office/drawing/2017/decorative" val="1"/>
                 </a:ext>
               </a:extLst>
             </p:cNvPr>
@@ -13890,7 +13890,7 @@
                   <a16:creationId xmlns:a16="http://schemas.microsoft.com/office/drawing/2014/main" id="{6ACE37A6-0062-4B86-B4E6-18088040CDC9}"/>
                 </a:ext>
                 <a:ext uri="{C183D7F6-B498-43B3-948B-1728B52AA6E4}">
-                  <adec:decorative xmlns:adec="http://schemas.microsoft.com/office/drawing/2017/decorative" xmlns="" val="1"/>
+                  <adec:decorative xmlns="" xmlns:adec="http://schemas.microsoft.com/office/drawing/2017/decorative" val="1"/>
                 </a:ext>
               </a:extLst>
             </p:cNvPr>
@@ -13942,7 +13942,7 @@
                   <a16:creationId xmlns:a16="http://schemas.microsoft.com/office/drawing/2014/main" id="{0A8679B4-56BA-43AB-A0A2-E2DA3E205303}"/>
                 </a:ext>
                 <a:ext uri="{C183D7F6-B498-43B3-948B-1728B52AA6E4}">
-                  <adec:decorative xmlns:adec="http://schemas.microsoft.com/office/drawing/2017/decorative" xmlns="" val="1"/>
+                  <adec:decorative xmlns="" xmlns:adec="http://schemas.microsoft.com/office/drawing/2017/decorative" val="1"/>
                 </a:ext>
               </a:extLst>
             </p:cNvPr>
@@ -13994,7 +13994,7 @@
                   <a16:creationId xmlns:a16="http://schemas.microsoft.com/office/drawing/2014/main" id="{80DE24D2-627B-4C47-A858-A572BCDBACF6}"/>
                 </a:ext>
                 <a:ext uri="{C183D7F6-B498-43B3-948B-1728B52AA6E4}">
-                  <adec:decorative xmlns:adec="http://schemas.microsoft.com/office/drawing/2017/decorative" xmlns="" val="1"/>
+                  <adec:decorative xmlns="" xmlns:adec="http://schemas.microsoft.com/office/drawing/2017/decorative" val="1"/>
                 </a:ext>
               </a:extLst>
             </p:cNvPr>
@@ -14046,7 +14046,7 @@
                   <a16:creationId xmlns:a16="http://schemas.microsoft.com/office/drawing/2014/main" id="{B612A33E-5DE0-4E4D-9469-0BD0B3E0E72E}"/>
                 </a:ext>
                 <a:ext uri="{C183D7F6-B498-43B3-948B-1728B52AA6E4}">
-                  <adec:decorative xmlns:adec="http://schemas.microsoft.com/office/drawing/2017/decorative" xmlns="" val="1"/>
+                  <adec:decorative xmlns="" xmlns:adec="http://schemas.microsoft.com/office/drawing/2017/decorative" val="1"/>
                 </a:ext>
               </a:extLst>
             </p:cNvPr>
@@ -14098,7 +14098,7 @@
                   <a16:creationId xmlns:a16="http://schemas.microsoft.com/office/drawing/2014/main" id="{91673515-5E42-490F-85A0-45658D81C6CA}"/>
                 </a:ext>
                 <a:ext uri="{C183D7F6-B498-43B3-948B-1728B52AA6E4}">
-                  <adec:decorative xmlns:adec="http://schemas.microsoft.com/office/drawing/2017/decorative" xmlns="" val="1"/>
+                  <adec:decorative xmlns="" xmlns:adec="http://schemas.microsoft.com/office/drawing/2017/decorative" val="1"/>
                 </a:ext>
               </a:extLst>
             </p:cNvPr>
@@ -14150,7 +14150,7 @@
                   <a16:creationId xmlns:a16="http://schemas.microsoft.com/office/drawing/2014/main" id="{6B048C17-3768-4DAF-A7AE-B2E717497021}"/>
                 </a:ext>
                 <a:ext uri="{C183D7F6-B498-43B3-948B-1728B52AA6E4}">
-                  <adec:decorative xmlns:adec="http://schemas.microsoft.com/office/drawing/2017/decorative" xmlns="" val="1"/>
+                  <adec:decorative xmlns="" xmlns:adec="http://schemas.microsoft.com/office/drawing/2017/decorative" val="1"/>
                 </a:ext>
               </a:extLst>
             </p:cNvPr>
@@ -14202,7 +14202,7 @@
                   <a16:creationId xmlns:a16="http://schemas.microsoft.com/office/drawing/2014/main" id="{BAA4E6AA-9D65-4EED-91CB-87A5762ED0A4}"/>
                 </a:ext>
                 <a:ext uri="{C183D7F6-B498-43B3-948B-1728B52AA6E4}">
-                  <adec:decorative xmlns:adec="http://schemas.microsoft.com/office/drawing/2017/decorative" xmlns="" val="1"/>
+                  <adec:decorative xmlns="" xmlns:adec="http://schemas.microsoft.com/office/drawing/2017/decorative" val="1"/>
                 </a:ext>
               </a:extLst>
             </p:cNvPr>
@@ -14254,7 +14254,7 @@
                   <a16:creationId xmlns:a16="http://schemas.microsoft.com/office/drawing/2014/main" id="{DB48B9EB-BBF2-48D7-A1D7-720D94506BF3}"/>
                 </a:ext>
                 <a:ext uri="{C183D7F6-B498-43B3-948B-1728B52AA6E4}">
-                  <adec:decorative xmlns:adec="http://schemas.microsoft.com/office/drawing/2017/decorative" xmlns="" val="1"/>
+                  <adec:decorative xmlns="" xmlns:adec="http://schemas.microsoft.com/office/drawing/2017/decorative" val="1"/>
                 </a:ext>
               </a:extLst>
             </p:cNvPr>
@@ -14306,7 +14306,7 @@
                   <a16:creationId xmlns:a16="http://schemas.microsoft.com/office/drawing/2014/main" id="{21492B79-7338-4309-8667-BB29A7BC7B07}"/>
                 </a:ext>
                 <a:ext uri="{C183D7F6-B498-43B3-948B-1728B52AA6E4}">
-                  <adec:decorative xmlns:adec="http://schemas.microsoft.com/office/drawing/2017/decorative" xmlns="" val="1"/>
+                  <adec:decorative xmlns="" xmlns:adec="http://schemas.microsoft.com/office/drawing/2017/decorative" val="1"/>
                 </a:ext>
               </a:extLst>
             </p:cNvPr>
@@ -14358,7 +14358,7 @@
                   <a16:creationId xmlns:a16="http://schemas.microsoft.com/office/drawing/2014/main" id="{0352FD87-EC9C-4EB5-9ACC-A152F78FC815}"/>
                 </a:ext>
                 <a:ext uri="{C183D7F6-B498-43B3-948B-1728B52AA6E4}">
-                  <adec:decorative xmlns:adec="http://schemas.microsoft.com/office/drawing/2017/decorative" xmlns="" val="1"/>
+                  <adec:decorative xmlns="" xmlns:adec="http://schemas.microsoft.com/office/drawing/2017/decorative" val="1"/>
                 </a:ext>
               </a:extLst>
             </p:cNvPr>
@@ -14410,7 +14410,7 @@
                   <a16:creationId xmlns:a16="http://schemas.microsoft.com/office/drawing/2014/main" id="{FF2CEA1F-EFA8-4353-B5F8-CCE27955A123}"/>
                 </a:ext>
                 <a:ext uri="{C183D7F6-B498-43B3-948B-1728B52AA6E4}">
-                  <adec:decorative xmlns:adec="http://schemas.microsoft.com/office/drawing/2017/decorative" xmlns="" val="1"/>
+                  <adec:decorative xmlns="" xmlns:adec="http://schemas.microsoft.com/office/drawing/2017/decorative" val="1"/>
                 </a:ext>
               </a:extLst>
             </p:cNvPr>
@@ -14462,7 +14462,7 @@
                   <a16:creationId xmlns:a16="http://schemas.microsoft.com/office/drawing/2014/main" id="{63E2723F-2530-4636-9A19-8F11B156628C}"/>
                 </a:ext>
                 <a:ext uri="{C183D7F6-B498-43B3-948B-1728B52AA6E4}">
-                  <adec:decorative xmlns:adec="http://schemas.microsoft.com/office/drawing/2017/decorative" xmlns="" val="1"/>
+                  <adec:decorative xmlns="" xmlns:adec="http://schemas.microsoft.com/office/drawing/2017/decorative" val="1"/>
                 </a:ext>
               </a:extLst>
             </p:cNvPr>
@@ -14514,7 +14514,7 @@
                   <a16:creationId xmlns:a16="http://schemas.microsoft.com/office/drawing/2014/main" id="{4A9EE901-51C9-4292-BB45-5EDB8568A000}"/>
                 </a:ext>
                 <a:ext uri="{C183D7F6-B498-43B3-948B-1728B52AA6E4}">
-                  <adec:decorative xmlns:adec="http://schemas.microsoft.com/office/drawing/2017/decorative" xmlns="" val="1"/>
+                  <adec:decorative xmlns="" xmlns:adec="http://schemas.microsoft.com/office/drawing/2017/decorative" val="1"/>
                 </a:ext>
               </a:extLst>
             </p:cNvPr>
@@ -14566,7 +14566,7 @@
                   <a16:creationId xmlns:a16="http://schemas.microsoft.com/office/drawing/2014/main" id="{555407C2-7321-48CD-811F-92C71F701C28}"/>
                 </a:ext>
                 <a:ext uri="{C183D7F6-B498-43B3-948B-1728B52AA6E4}">
-                  <adec:decorative xmlns:adec="http://schemas.microsoft.com/office/drawing/2017/decorative" xmlns="" val="1"/>
+                  <adec:decorative xmlns="" xmlns:adec="http://schemas.microsoft.com/office/drawing/2017/decorative" val="1"/>
                 </a:ext>
               </a:extLst>
             </p:cNvPr>
@@ -14618,7 +14618,7 @@
                   <a16:creationId xmlns:a16="http://schemas.microsoft.com/office/drawing/2014/main" id="{E5298A8A-2787-4153-BDA2-E939BFD51412}"/>
                 </a:ext>
                 <a:ext uri="{C183D7F6-B498-43B3-948B-1728B52AA6E4}">
-                  <adec:decorative xmlns:adec="http://schemas.microsoft.com/office/drawing/2017/decorative" xmlns="" val="1"/>
+                  <adec:decorative xmlns="" xmlns:adec="http://schemas.microsoft.com/office/drawing/2017/decorative" val="1"/>
                 </a:ext>
               </a:extLst>
             </p:cNvPr>
@@ -14670,7 +14670,7 @@
                   <a16:creationId xmlns:a16="http://schemas.microsoft.com/office/drawing/2014/main" id="{C45057B3-3FAB-42ED-AF52-F00BB07FA52B}"/>
                 </a:ext>
                 <a:ext uri="{C183D7F6-B498-43B3-948B-1728B52AA6E4}">
-                  <adec:decorative xmlns:adec="http://schemas.microsoft.com/office/drawing/2017/decorative" xmlns="" val="1"/>
+                  <adec:decorative xmlns="" xmlns:adec="http://schemas.microsoft.com/office/drawing/2017/decorative" val="1"/>
                 </a:ext>
               </a:extLst>
             </p:cNvPr>
@@ -14722,7 +14722,7 @@
                   <a16:creationId xmlns:a16="http://schemas.microsoft.com/office/drawing/2014/main" id="{DA3F09E9-F476-4352-90E3-6A15C74268B9}"/>
                 </a:ext>
                 <a:ext uri="{C183D7F6-B498-43B3-948B-1728B52AA6E4}">
-                  <adec:decorative xmlns:adec="http://schemas.microsoft.com/office/drawing/2017/decorative" xmlns="" val="1"/>
+                  <adec:decorative xmlns="" xmlns:adec="http://schemas.microsoft.com/office/drawing/2017/decorative" val="1"/>
                 </a:ext>
               </a:extLst>
             </p:cNvPr>
@@ -14774,7 +14774,7 @@
                   <a16:creationId xmlns:a16="http://schemas.microsoft.com/office/drawing/2014/main" id="{128F7C5C-CECC-45A8-8A1F-D679534D4CBA}"/>
                 </a:ext>
                 <a:ext uri="{C183D7F6-B498-43B3-948B-1728B52AA6E4}">
-                  <adec:decorative xmlns:adec="http://schemas.microsoft.com/office/drawing/2017/decorative" xmlns="" val="1"/>
+                  <adec:decorative xmlns="" xmlns:adec="http://schemas.microsoft.com/office/drawing/2017/decorative" val="1"/>
                 </a:ext>
               </a:extLst>
             </p:cNvPr>
@@ -14826,7 +14826,7 @@
                   <a16:creationId xmlns:a16="http://schemas.microsoft.com/office/drawing/2014/main" id="{FFFDFE9C-2017-4831-9F1B-6A03B58B10DE}"/>
                 </a:ext>
                 <a:ext uri="{C183D7F6-B498-43B3-948B-1728B52AA6E4}">
-                  <adec:decorative xmlns:adec="http://schemas.microsoft.com/office/drawing/2017/decorative" xmlns="" val="1"/>
+                  <adec:decorative xmlns="" xmlns:adec="http://schemas.microsoft.com/office/drawing/2017/decorative" val="1"/>
                 </a:ext>
               </a:extLst>
             </p:cNvPr>
@@ -14878,7 +14878,7 @@
                   <a16:creationId xmlns:a16="http://schemas.microsoft.com/office/drawing/2014/main" id="{01BC942F-09CF-4A51-85A5-E23E2D71C8C8}"/>
                 </a:ext>
                 <a:ext uri="{C183D7F6-B498-43B3-948B-1728B52AA6E4}">
-                  <adec:decorative xmlns:adec="http://schemas.microsoft.com/office/drawing/2017/decorative" xmlns="" val="1"/>
+                  <adec:decorative xmlns="" xmlns:adec="http://schemas.microsoft.com/office/drawing/2017/decorative" val="1"/>
                 </a:ext>
               </a:extLst>
             </p:cNvPr>
@@ -14930,7 +14930,7 @@
                   <a16:creationId xmlns:a16="http://schemas.microsoft.com/office/drawing/2014/main" id="{1456B520-137F-484D-A1B1-7DA5C3F823E6}"/>
                 </a:ext>
                 <a:ext uri="{C183D7F6-B498-43B3-948B-1728B52AA6E4}">
-                  <adec:decorative xmlns:adec="http://schemas.microsoft.com/office/drawing/2017/decorative" xmlns="" val="1"/>
+                  <adec:decorative xmlns="" xmlns:adec="http://schemas.microsoft.com/office/drawing/2017/decorative" val="1"/>
                 </a:ext>
               </a:extLst>
             </p:cNvPr>
@@ -14982,7 +14982,7 @@
                   <a16:creationId xmlns:a16="http://schemas.microsoft.com/office/drawing/2014/main" id="{9ECA29F0-381E-4770-97BF-54C4E52201C4}"/>
                 </a:ext>
                 <a:ext uri="{C183D7F6-B498-43B3-948B-1728B52AA6E4}">
-                  <adec:decorative xmlns:adec="http://schemas.microsoft.com/office/drawing/2017/decorative" xmlns="" val="1"/>
+                  <adec:decorative xmlns="" xmlns:adec="http://schemas.microsoft.com/office/drawing/2017/decorative" val="1"/>
                 </a:ext>
               </a:extLst>
             </p:cNvPr>
@@ -15034,7 +15034,7 @@
                   <a16:creationId xmlns:a16="http://schemas.microsoft.com/office/drawing/2014/main" id="{D43CCF9F-8F11-4676-82F3-DEE8A48C8567}"/>
                 </a:ext>
                 <a:ext uri="{C183D7F6-B498-43B3-948B-1728B52AA6E4}">
-                  <adec:decorative xmlns:adec="http://schemas.microsoft.com/office/drawing/2017/decorative" xmlns="" val="1"/>
+                  <adec:decorative xmlns="" xmlns:adec="http://schemas.microsoft.com/office/drawing/2017/decorative" val="1"/>
                 </a:ext>
               </a:extLst>
             </p:cNvPr>
@@ -15086,7 +15086,7 @@
                   <a16:creationId xmlns:a16="http://schemas.microsoft.com/office/drawing/2014/main" id="{6FA620FD-6A45-4754-BF42-A9FA44966DD9}"/>
                 </a:ext>
                 <a:ext uri="{C183D7F6-B498-43B3-948B-1728B52AA6E4}">
-                  <adec:decorative xmlns:adec="http://schemas.microsoft.com/office/drawing/2017/decorative" xmlns="" val="1"/>
+                  <adec:decorative xmlns="" xmlns:adec="http://schemas.microsoft.com/office/drawing/2017/decorative" val="1"/>
                 </a:ext>
               </a:extLst>
             </p:cNvPr>
@@ -15138,7 +15138,7 @@
                   <a16:creationId xmlns:a16="http://schemas.microsoft.com/office/drawing/2014/main" id="{DC4D38F3-F3A2-42F4-8B57-DE978EC4AD5A}"/>
                 </a:ext>
                 <a:ext uri="{C183D7F6-B498-43B3-948B-1728B52AA6E4}">
-                  <adec:decorative xmlns:adec="http://schemas.microsoft.com/office/drawing/2017/decorative" xmlns="" val="1"/>
+                  <adec:decorative xmlns="" xmlns:adec="http://schemas.microsoft.com/office/drawing/2017/decorative" val="1"/>
                 </a:ext>
               </a:extLst>
             </p:cNvPr>
@@ -15190,7 +15190,7 @@
                   <a16:creationId xmlns:a16="http://schemas.microsoft.com/office/drawing/2014/main" id="{3C26D30E-A91E-4A5B-A419-0B9D79D57CED}"/>
                 </a:ext>
                 <a:ext uri="{C183D7F6-B498-43B3-948B-1728B52AA6E4}">
-                  <adec:decorative xmlns:adec="http://schemas.microsoft.com/office/drawing/2017/decorative" xmlns="" val="1"/>
+                  <adec:decorative xmlns="" xmlns:adec="http://schemas.microsoft.com/office/drawing/2017/decorative" val="1"/>
                 </a:ext>
               </a:extLst>
             </p:cNvPr>
@@ -15242,7 +15242,7 @@
                   <a16:creationId xmlns:a16="http://schemas.microsoft.com/office/drawing/2014/main" id="{ADAB3EBC-722A-462E-AAAE-506E50038ED8}"/>
                 </a:ext>
                 <a:ext uri="{C183D7F6-B498-43B3-948B-1728B52AA6E4}">
-                  <adec:decorative xmlns:adec="http://schemas.microsoft.com/office/drawing/2017/decorative" xmlns="" val="1"/>
+                  <adec:decorative xmlns="" xmlns:adec="http://schemas.microsoft.com/office/drawing/2017/decorative" val="1"/>
                 </a:ext>
               </a:extLst>
             </p:cNvPr>
@@ -15294,7 +15294,7 @@
                   <a16:creationId xmlns:a16="http://schemas.microsoft.com/office/drawing/2014/main" id="{CBAABC17-832F-48CF-B0D7-0F7DE54607F5}"/>
                 </a:ext>
                 <a:ext uri="{C183D7F6-B498-43B3-948B-1728B52AA6E4}">
-                  <adec:decorative xmlns:adec="http://schemas.microsoft.com/office/drawing/2017/decorative" xmlns="" val="1"/>
+                  <adec:decorative xmlns="" xmlns:adec="http://schemas.microsoft.com/office/drawing/2017/decorative" val="1"/>
                 </a:ext>
               </a:extLst>
             </p:cNvPr>
@@ -15346,7 +15346,7 @@
                   <a16:creationId xmlns:a16="http://schemas.microsoft.com/office/drawing/2014/main" id="{E1FCA513-75D7-414B-BE8F-D780746A1A66}"/>
                 </a:ext>
                 <a:ext uri="{C183D7F6-B498-43B3-948B-1728B52AA6E4}">
-                  <adec:decorative xmlns:adec="http://schemas.microsoft.com/office/drawing/2017/decorative" xmlns="" val="1"/>
+                  <adec:decorative xmlns="" xmlns:adec="http://schemas.microsoft.com/office/drawing/2017/decorative" val="1"/>
                 </a:ext>
               </a:extLst>
             </p:cNvPr>
@@ -15398,7 +15398,7 @@
                   <a16:creationId xmlns:a16="http://schemas.microsoft.com/office/drawing/2014/main" id="{F2EDEC73-B6F5-473F-934A-CEF57604A8A4}"/>
                 </a:ext>
                 <a:ext uri="{C183D7F6-B498-43B3-948B-1728B52AA6E4}">
-                  <adec:decorative xmlns:adec="http://schemas.microsoft.com/office/drawing/2017/decorative" xmlns="" val="1"/>
+                  <adec:decorative xmlns="" xmlns:adec="http://schemas.microsoft.com/office/drawing/2017/decorative" val="1"/>
                 </a:ext>
               </a:extLst>
             </p:cNvPr>
@@ -15450,7 +15450,7 @@
                   <a16:creationId xmlns:a16="http://schemas.microsoft.com/office/drawing/2014/main" id="{5B987884-C452-4492-A9F8-2770D3373BF9}"/>
                 </a:ext>
                 <a:ext uri="{C183D7F6-B498-43B3-948B-1728B52AA6E4}">
-                  <adec:decorative xmlns:adec="http://schemas.microsoft.com/office/drawing/2017/decorative" xmlns="" val="1"/>
+                  <adec:decorative xmlns="" xmlns:adec="http://schemas.microsoft.com/office/drawing/2017/decorative" val="1"/>
                 </a:ext>
               </a:extLst>
             </p:cNvPr>
@@ -15502,7 +15502,7 @@
                   <a16:creationId xmlns:a16="http://schemas.microsoft.com/office/drawing/2014/main" id="{9D978AF2-B7BB-4E05-81F1-1A5DBD1CB4EF}"/>
                 </a:ext>
                 <a:ext uri="{C183D7F6-B498-43B3-948B-1728B52AA6E4}">
-                  <adec:decorative xmlns:adec="http://schemas.microsoft.com/office/drawing/2017/decorative" xmlns="" val="1"/>
+                  <adec:decorative xmlns="" xmlns:adec="http://schemas.microsoft.com/office/drawing/2017/decorative" val="1"/>
                 </a:ext>
               </a:extLst>
             </p:cNvPr>
@@ -15554,7 +15554,7 @@
                   <a16:creationId xmlns:a16="http://schemas.microsoft.com/office/drawing/2014/main" id="{D7AD4D45-C3AB-458E-B826-0FACBD0DF3AF}"/>
                 </a:ext>
                 <a:ext uri="{C183D7F6-B498-43B3-948B-1728B52AA6E4}">
-                  <adec:decorative xmlns:adec="http://schemas.microsoft.com/office/drawing/2017/decorative" xmlns="" val="1"/>
+                  <adec:decorative xmlns="" xmlns:adec="http://schemas.microsoft.com/office/drawing/2017/decorative" val="1"/>
                 </a:ext>
               </a:extLst>
             </p:cNvPr>
@@ -15606,7 +15606,7 @@
                   <a16:creationId xmlns:a16="http://schemas.microsoft.com/office/drawing/2014/main" id="{A6E15555-6738-463C-B7DF-86429F2F9677}"/>
                 </a:ext>
                 <a:ext uri="{C183D7F6-B498-43B3-948B-1728B52AA6E4}">
-                  <adec:decorative xmlns:adec="http://schemas.microsoft.com/office/drawing/2017/decorative" xmlns="" val="1"/>
+                  <adec:decorative xmlns="" xmlns:adec="http://schemas.microsoft.com/office/drawing/2017/decorative" val="1"/>
                 </a:ext>
               </a:extLst>
             </p:cNvPr>
@@ -15658,7 +15658,7 @@
                   <a16:creationId xmlns:a16="http://schemas.microsoft.com/office/drawing/2014/main" id="{AE487172-B4C3-4D13-A562-EF0BA3DD961F}"/>
                 </a:ext>
                 <a:ext uri="{C183D7F6-B498-43B3-948B-1728B52AA6E4}">
-                  <adec:decorative xmlns:adec="http://schemas.microsoft.com/office/drawing/2017/decorative" xmlns="" val="1"/>
+                  <adec:decorative xmlns="" xmlns:adec="http://schemas.microsoft.com/office/drawing/2017/decorative" val="1"/>
                 </a:ext>
               </a:extLst>
             </p:cNvPr>
@@ -15710,7 +15710,7 @@
                   <a16:creationId xmlns:a16="http://schemas.microsoft.com/office/drawing/2014/main" id="{08E66297-1295-432A-AA84-7BB2341C1932}"/>
                 </a:ext>
                 <a:ext uri="{C183D7F6-B498-43B3-948B-1728B52AA6E4}">
-                  <adec:decorative xmlns:adec="http://schemas.microsoft.com/office/drawing/2017/decorative" xmlns="" val="1"/>
+                  <adec:decorative xmlns="" xmlns:adec="http://schemas.microsoft.com/office/drawing/2017/decorative" val="1"/>
                 </a:ext>
               </a:extLst>
             </p:cNvPr>

--- a/shenhavArmyNew/Word/פרויקט גמר.pptx
+++ b/shenhavArmyNew/Word/פרויקט גמר.pptx
@@ -221,7 +221,7 @@
           <a:p>
             <a:fld id="{C84C033A-C372-44B0-9D33-CC8260641A33}" type="datetimeFigureOut">
               <a:rPr lang="en-IL" smtClean="0"/>
-              <a:t>05/11/2021</a:t>
+              <a:t>03/06/2021</a:t>
             </a:fld>
             <a:endParaRPr lang="en-IL"/>
           </a:p>
@@ -719,7 +719,7 @@
             <a:fld id="{B61BEF0D-F0BB-DE4B-95CE-6DB70DBA9567}" type="datetimeFigureOut">
               <a:rPr lang="en-US"/>
               <a:pPr/>
-              <a:t>5/11/2021</a:t>
+              <a:t>6/3/2021</a:t>
             </a:fld>
             <a:endParaRPr lang="en-US"/>
           </a:p>
@@ -1050,7 +1050,7 @@
             <a:fld id="{B61BEF0D-F0BB-DE4B-95CE-6DB70DBA9567}" type="datetimeFigureOut">
               <a:rPr lang="en-US"/>
               <a:pPr/>
-              <a:t>5/11/2021</a:t>
+              <a:t>6/3/2021</a:t>
             </a:fld>
             <a:endParaRPr lang="en-US"/>
           </a:p>
@@ -1325,7 +1325,7 @@
             <a:fld id="{B61BEF0D-F0BB-DE4B-95CE-6DB70DBA9567}" type="datetimeFigureOut">
               <a:rPr lang="en-US"/>
               <a:pPr/>
-              <a:t>5/11/2021</a:t>
+              <a:t>6/3/2021</a:t>
             </a:fld>
             <a:endParaRPr lang="en-US"/>
           </a:p>
@@ -1890,7 +1890,7 @@
             <a:fld id="{B61BEF0D-F0BB-DE4B-95CE-6DB70DBA9567}" type="datetimeFigureOut">
               <a:rPr lang="en-US"/>
               <a:pPr/>
-              <a:t>5/11/2021</a:t>
+              <a:t>6/3/2021</a:t>
             </a:fld>
             <a:endParaRPr lang="en-US"/>
           </a:p>
@@ -2165,7 +2165,7 @@
             <a:fld id="{B61BEF0D-F0BB-DE4B-95CE-6DB70DBA9567}" type="datetimeFigureOut">
               <a:rPr lang="en-US"/>
               <a:pPr/>
-              <a:t>5/11/2021</a:t>
+              <a:t>6/3/2021</a:t>
             </a:fld>
             <a:endParaRPr lang="en-US"/>
           </a:p>
@@ -2724,7 +2724,7 @@
             <a:fld id="{B61BEF0D-F0BB-DE4B-95CE-6DB70DBA9567}" type="datetimeFigureOut">
               <a:rPr lang="en-US"/>
               <a:pPr/>
-              <a:t>5/11/2021</a:t>
+              <a:t>6/3/2021</a:t>
             </a:fld>
             <a:endParaRPr lang="en-US"/>
           </a:p>
@@ -3048,7 +3048,7 @@
             <a:fld id="{B61BEF0D-F0BB-DE4B-95CE-6DB70DBA9567}" type="datetimeFigureOut">
               <a:rPr lang="en-US"/>
               <a:pPr/>
-              <a:t>5/11/2021</a:t>
+              <a:t>6/3/2021</a:t>
             </a:fld>
             <a:endParaRPr lang="en-US"/>
           </a:p>
@@ -3222,7 +3222,7 @@
             <a:fld id="{B61BEF0D-F0BB-DE4B-95CE-6DB70DBA9567}" type="datetimeFigureOut">
               <a:rPr lang="en-US"/>
               <a:pPr/>
-              <a:t>5/11/2021</a:t>
+              <a:t>6/3/2021</a:t>
             </a:fld>
             <a:endParaRPr lang="en-US"/>
           </a:p>
@@ -3457,7 +3457,7 @@
             <a:fld id="{B61BEF0D-F0BB-DE4B-95CE-6DB70DBA9567}" type="datetimeFigureOut">
               <a:rPr lang="en-US"/>
               <a:pPr/>
-              <a:t>5/11/2021</a:t>
+              <a:t>6/3/2021</a:t>
             </a:fld>
             <a:endParaRPr lang="en-US"/>
           </a:p>
@@ -3654,7 +3654,7 @@
             <a:fld id="{B61BEF0D-F0BB-DE4B-95CE-6DB70DBA9567}" type="datetimeFigureOut">
               <a:rPr lang="en-US"/>
               <a:pPr/>
-              <a:t>5/11/2021</a:t>
+              <a:t>6/3/2021</a:t>
             </a:fld>
             <a:endParaRPr lang="en-US"/>
           </a:p>
@@ -3927,7 +3927,7 @@
             <a:fld id="{B61BEF0D-F0BB-DE4B-95CE-6DB70DBA9567}" type="datetimeFigureOut">
               <a:rPr lang="en-US"/>
               <a:pPr/>
-              <a:t>5/11/2021</a:t>
+              <a:t>6/3/2021</a:t>
             </a:fld>
             <a:endParaRPr lang="en-US"/>
           </a:p>
@@ -4190,7 +4190,7 @@
             <a:fld id="{B61BEF0D-F0BB-DE4B-95CE-6DB70DBA9567}" type="datetimeFigureOut">
               <a:rPr lang="en-US"/>
               <a:pPr/>
-              <a:t>5/11/2021</a:t>
+              <a:t>6/3/2021</a:t>
             </a:fld>
             <a:endParaRPr lang="en-US"/>
           </a:p>
@@ -4561,7 +4561,7 @@
             <a:fld id="{B61BEF0D-F0BB-DE4B-95CE-6DB70DBA9567}" type="datetimeFigureOut">
               <a:rPr lang="en-US"/>
               <a:pPr/>
-              <a:t>5/11/2021</a:t>
+              <a:t>6/3/2021</a:t>
             </a:fld>
             <a:endParaRPr lang="en-US"/>
           </a:p>
@@ -4706,7 +4706,7 @@
             <a:fld id="{B61BEF0D-F0BB-DE4B-95CE-6DB70DBA9567}" type="datetimeFigureOut">
               <a:rPr lang="en-US"/>
               <a:pPr/>
-              <a:t>5/11/2021</a:t>
+              <a:t>6/3/2021</a:t>
             </a:fld>
             <a:endParaRPr lang="en-US"/>
           </a:p>
@@ -4828,7 +4828,7 @@
             <a:fld id="{B61BEF0D-F0BB-DE4B-95CE-6DB70DBA9567}" type="datetimeFigureOut">
               <a:rPr lang="en-US"/>
               <a:pPr/>
-              <a:t>5/11/2021</a:t>
+              <a:t>6/3/2021</a:t>
             </a:fld>
             <a:endParaRPr lang="en-US"/>
           </a:p>
@@ -5110,7 +5110,7 @@
             <a:fld id="{B61BEF0D-F0BB-DE4B-95CE-6DB70DBA9567}" type="datetimeFigureOut">
               <a:rPr lang="en-US"/>
               <a:pPr/>
-              <a:t>5/11/2021</a:t>
+              <a:t>6/3/2021</a:t>
             </a:fld>
             <a:endParaRPr lang="en-US"/>
           </a:p>
@@ -5431,7 +5431,7 @@
             <a:fld id="{B61BEF0D-F0BB-DE4B-95CE-6DB70DBA9567}" type="datetimeFigureOut">
               <a:rPr lang="en-US"/>
               <a:pPr/>
-              <a:t>5/11/2021</a:t>
+              <a:t>6/3/2021</a:t>
             </a:fld>
             <a:endParaRPr lang="en-US"/>
           </a:p>
@@ -5642,7 +5642,7 @@
             <a:fld id="{B61BEF0D-F0BB-DE4B-95CE-6DB70DBA9567}" type="datetimeFigureOut">
               <a:rPr lang="en-US"/>
               <a:pPr/>
-              <a:t>5/11/2021</a:t>
+              <a:t>6/3/2021</a:t>
             </a:fld>
             <a:endParaRPr lang="en-US"/>
           </a:p>
@@ -6294,6 +6294,15 @@
 <file path=ppt/slides/slide10.xml><?xml version="1.0" encoding="utf-8"?>
 <p:sld xmlns:a="http://schemas.openxmlformats.org/drawingml/2006/main" xmlns:r="http://schemas.openxmlformats.org/officeDocument/2006/relationships" xmlns:p="http://schemas.openxmlformats.org/presentationml/2006/main">
   <p:cSld>
+    <p:bg>
+      <p:bgPr>
+        <a:blipFill>
+          <a:blip r:embed="rId2"/>
+          <a:stretch/>
+        </a:blipFill>
+        <a:effectLst/>
+      </p:bgPr>
+    </p:bg>
     <p:spTree>
       <p:nvGrpSpPr>
         <p:cNvPr id="1" name=""/>
@@ -6308,6 +6317,51 @@
           <a:chExt cx="0" cy="0"/>
         </a:xfrm>
       </p:grpSpPr>
+      <p:pic>
+        <p:nvPicPr>
+          <p:cNvPr id="15" name="Picture 14">
+            <a:extLst>
+              <a:ext uri="{FF2B5EF4-FFF2-40B4-BE49-F238E27FC236}">
+                <a16:creationId xmlns:a16="http://schemas.microsoft.com/office/drawing/2014/main" id="{6AF6706C-CF07-43A1-BCC4-CBA5D33820DA}"/>
+              </a:ext>
+              <a:ext uri="{C183D7F6-B498-43B3-948B-1728B52AA6E4}">
+                <adec:decorative xmlns:adec="http://schemas.microsoft.com/office/drawing/2017/decorative" val="1"/>
+              </a:ext>
+            </a:extLst>
+          </p:cNvPr>
+          <p:cNvPicPr>
+            <a:picLocks noGrp="1" noRot="1" noChangeAspect="1" noMove="1" noResize="1" noEditPoints="1" noAdjustHandles="1" noChangeArrowheads="1" noChangeShapeType="1" noCrop="1"/>
+          </p:cNvPicPr>
+          <p:nvPr>
+            <p:extLst>
+              <p:ext uri="{386F3935-93C4-4BCD-93E2-E3B085C9AB24}">
+                <p16:designElem xmlns:p16="http://schemas.microsoft.com/office/powerpoint/2015/main" val="1"/>
+              </p:ext>
+            </p:extLst>
+          </p:nvPr>
+        </p:nvPicPr>
+        <p:blipFill>
+          <a:blip r:embed="rId3">
+            <a:extLst>
+              <a:ext uri="{28A0092B-C50C-407E-A947-70E740481C1C}">
+                <a14:useLocalDpi xmlns:a14="http://schemas.microsoft.com/office/drawing/2010/main" val="0"/>
+              </a:ext>
+            </a:extLst>
+          </a:blip>
+          <a:stretch>
+            <a:fillRect/>
+          </a:stretch>
+        </p:blipFill>
+        <p:spPr>
+          <a:xfrm>
+            <a:off x="0" y="0"/>
+            <a:ext cx="12188825" cy="6856214"/>
+          </a:xfrm>
+          <a:prstGeom prst="rect">
+            <a:avLst/>
+          </a:prstGeom>
+        </p:spPr>
+      </p:pic>
       <p:sp>
         <p:nvSpPr>
           <p:cNvPr id="10" name="כותרת 1">
@@ -6324,8 +6378,8 @@
         </p:nvSpPr>
         <p:spPr>
           <a:xfrm>
-            <a:off x="6211027" y="1657134"/>
-            <a:ext cx="4729828" cy="2421464"/>
+            <a:off x="8180983" y="639097"/>
+            <a:ext cx="3352256" cy="3746634"/>
           </a:xfrm>
           <a:prstGeom prst="rect">
             <a:avLst/>
@@ -6418,7 +6472,7 @@
               </a:spcAft>
             </a:pPr>
             <a:r>
-              <a:rPr lang="he-IL" sz="4800"/>
+              <a:rPr lang="en-US" sz="4800"/>
               <a:t>תיאור</a:t>
             </a:r>
           </a:p>
@@ -6429,53 +6483,67 @@
               </a:spcAft>
             </a:pPr>
             <a:r>
-              <a:rPr lang="he-IL" sz="4800"/>
+              <a:rPr lang="en-US" sz="4800"/>
               <a:t>תוכנה</a:t>
             </a:r>
-            <a:endParaRPr lang="en-US" sz="4800"/>
           </a:p>
         </p:txBody>
       </p:sp>
       <p:pic>
         <p:nvPicPr>
-          <p:cNvPr id="11" name="תמונה 10"/>
+          <p:cNvPr id="3" name="תמונה 2">
+            <a:extLst>
+              <a:ext uri="{FF2B5EF4-FFF2-40B4-BE49-F238E27FC236}">
+                <a16:creationId xmlns:a16="http://schemas.microsoft.com/office/drawing/2014/main" id="{6520A7E4-2DF0-4DEE-B614-7D2224AA5F8A}"/>
+              </a:ext>
+            </a:extLst>
+          </p:cNvPr>
           <p:cNvPicPr>
             <a:picLocks noChangeAspect="1"/>
           </p:cNvPicPr>
           <p:nvPr/>
         </p:nvPicPr>
         <p:blipFill>
-          <a:blip r:embed="rId2">
-            <a:extLst>
-              <a:ext uri="{28A0092B-C50C-407E-A947-70E740481C1C}">
-                <a14:useLocalDpi xmlns:a14="http://schemas.microsoft.com/office/drawing/2010/main" val="0"/>
-              </a:ext>
-            </a:extLst>
-          </a:blip>
+          <a:blip r:embed="rId4"/>
           <a:stretch>
             <a:fillRect/>
           </a:stretch>
         </p:blipFill>
         <p:spPr>
           <a:xfrm>
-            <a:off x="0" y="0"/>
-            <a:ext cx="8101117" cy="6858000"/>
+            <a:off x="201974" y="738728"/>
+            <a:ext cx="8643446" cy="5380543"/>
           </a:xfrm>
           <a:prstGeom prst="roundRect">
             <a:avLst>
-              <a:gd name="adj" fmla="val 8594"/>
+              <a:gd name="adj" fmla="val 4380"/>
             </a:avLst>
           </a:prstGeom>
-          <a:solidFill>
-            <a:srgbClr val="FFFFFF">
-              <a:shade val="85000"/>
-            </a:srgbClr>
-          </a:solidFill>
-          <a:ln>
-            <a:noFill/>
+          <a:ln w="50800" cap="sq" cmpd="dbl">
+            <a:gradFill flip="none" rotWithShape="1">
+              <a:gsLst>
+                <a:gs pos="0">
+                  <a:srgbClr val="FFFFFF"/>
+                </a:gs>
+                <a:gs pos="100000">
+                  <a:schemeClr val="tx1">
+                    <a:alpha val="0"/>
+                  </a:schemeClr>
+                </a:gs>
+              </a:gsLst>
+              <a:path path="circle">
+                <a:fillToRect l="50000" t="50000" r="50000" b="50000"/>
+              </a:path>
+              <a:tileRect/>
+            </a:gradFill>
+            <a:miter lim="800000"/>
           </a:ln>
           <a:effectLst>
-            <a:reflection blurRad="12700" stA="38000" endPos="28000" dist="5000" dir="5400000" sy="-100000" algn="bl" rotWithShape="0"/>
+            <a:outerShdw blurRad="254000" algn="tl" rotWithShape="0">
+              <a:srgbClr val="000000">
+                <a:alpha val="43000"/>
+              </a:srgbClr>
+            </a:outerShdw>
           </a:effectLst>
         </p:spPr>
       </p:pic>
@@ -8493,7 +8561,7 @@
         <p:spPr>
           <a:xfrm>
             <a:off x="1493240" y="1526796"/>
-            <a:ext cx="9555061" cy="4216539"/>
+            <a:ext cx="9555061" cy="3847207"/>
           </a:xfrm>
           <a:prstGeom prst="rect">
             <a:avLst/>
@@ -8557,8 +8625,17 @@
             </a:r>
             <a:r>
               <a:rPr lang="he-IL" sz="2400" dirty="0"/>
-              <a:t> ואוגר סוגי משתנים וכ"ו על הקובץ. לאחר מכן בדיקת קומפילציה בסיסית לגבי הקוד שניתן (אם ישנה בעיית קומפילציה הפלטפורמה תפסיק את הבדיקה תחזיר את התקלה ותגיד באיזה שורה התקלה התרחשה). </a:t>
-            </a:r>
+              <a:t> ואוגר סוגי משתנים וכ"ו על הקובץ. לאחר מכן בדיקת קומפילציה בסיסית לגבי </a:t>
+            </a:r>
+            <a:r>
+              <a:rPr lang="he-IL" sz="2400"/>
+              <a:t>הקוד שניתן</a:t>
+            </a:r>
+            <a:r>
+              <a:rPr lang="en-US" sz="2400"/>
+              <a:t>.</a:t>
+            </a:r>
+            <a:endParaRPr lang="he-IL" sz="2400" dirty="0"/>
           </a:p>
           <a:p>
             <a:pPr marL="342900" indent="-342900" algn="r" rtl="1">
@@ -9058,7 +9135,7 @@
             </a:pPr>
             <a:r>
               <a:rPr lang="he-IL" sz="2400"/>
-              <a:t>אחראי לשלוח שאילתות מתאימים להוספה/ עדכון/ מחיקת כלי.</a:t>
+              <a:t>אחראי לשלוח שאילתות מתאימות להוספה/ עדכון/ מחיקת כלי.</a:t>
             </a:r>
           </a:p>
           <a:p>
@@ -9124,7 +9201,7 @@
                 <a16:creationId xmlns:a16="http://schemas.microsoft.com/office/drawing/2014/main" id="{CBECFFDC-94DB-4DA3-94FE-22FEDDA8FA30}"/>
               </a:ext>
               <a:ext uri="{C183D7F6-B498-43B3-948B-1728B52AA6E4}">
-                <adec:decorative xmlns="" xmlns:adec="http://schemas.microsoft.com/office/drawing/2017/decorative" val="1"/>
+                <adec:decorative xmlns:adec="http://schemas.microsoft.com/office/drawing/2017/decorative" val="1"/>
               </a:ext>
             </a:extLst>
           </p:cNvPr>
@@ -9169,7 +9246,7 @@
                 <a16:creationId xmlns:a16="http://schemas.microsoft.com/office/drawing/2014/main" id="{F7057E50-1D91-4453-BBA0-DD604B5CDAE4}"/>
               </a:ext>
               <a:ext uri="{C183D7F6-B498-43B3-948B-1728B52AA6E4}">
-                <adec:decorative xmlns="" xmlns:adec="http://schemas.microsoft.com/office/drawing/2017/decorative" val="1"/>
+                <adec:decorative xmlns:adec="http://schemas.microsoft.com/office/drawing/2017/decorative" val="1"/>
               </a:ext>
             </a:extLst>
           </p:cNvPr>
@@ -9580,7 +9657,7 @@
                 <a16:creationId xmlns:a16="http://schemas.microsoft.com/office/drawing/2014/main" id="{6AF6706C-CF07-43A1-BCC4-CBA5D33820DA}"/>
               </a:ext>
               <a:ext uri="{C183D7F6-B498-43B3-948B-1728B52AA6E4}">
-                <adec:decorative xmlns="" xmlns:adec="http://schemas.microsoft.com/office/drawing/2017/decorative" val="1"/>
+                <adec:decorative xmlns:adec="http://schemas.microsoft.com/office/drawing/2017/decorative" val="1"/>
               </a:ext>
             </a:extLst>
           </p:cNvPr>
@@ -10030,7 +10107,7 @@
                 <a16:creationId xmlns:a16="http://schemas.microsoft.com/office/drawing/2014/main" id="{6AF6706C-CF07-43A1-BCC4-CBA5D33820DA}"/>
               </a:ext>
               <a:ext uri="{C183D7F6-B498-43B3-948B-1728B52AA6E4}">
-                <adec:decorative xmlns="" xmlns:adec="http://schemas.microsoft.com/office/drawing/2017/decorative" val="1"/>
+                <adec:decorative xmlns:adec="http://schemas.microsoft.com/office/drawing/2017/decorative" val="1"/>
               </a:ext>
             </a:extLst>
           </p:cNvPr>
@@ -10573,7 +10650,7 @@
                 <a16:creationId xmlns:a16="http://schemas.microsoft.com/office/drawing/2014/main" id="{6AF6706C-CF07-43A1-BCC4-CBA5D33820DA}"/>
               </a:ext>
               <a:ext uri="{C183D7F6-B498-43B3-948B-1728B52AA6E4}">
-                <adec:decorative xmlns="" xmlns:adec="http://schemas.microsoft.com/office/drawing/2017/decorative" val="1"/>
+                <adec:decorative xmlns:adec="http://schemas.microsoft.com/office/drawing/2017/decorative" val="1"/>
               </a:ext>
             </a:extLst>
           </p:cNvPr>
@@ -10859,7 +10936,7 @@
                 <a16:creationId xmlns:a16="http://schemas.microsoft.com/office/drawing/2014/main" id="{6AF6706C-CF07-43A1-BCC4-CBA5D33820DA}"/>
               </a:ext>
               <a:ext uri="{C183D7F6-B498-43B3-948B-1728B52AA6E4}">
-                <adec:decorative xmlns="" xmlns:adec="http://schemas.microsoft.com/office/drawing/2017/decorative" val="1"/>
+                <adec:decorative xmlns:adec="http://schemas.microsoft.com/office/drawing/2017/decorative" val="1"/>
               </a:ext>
             </a:extLst>
           </p:cNvPr>
@@ -11136,7 +11213,7 @@
                 <a16:creationId xmlns:a16="http://schemas.microsoft.com/office/drawing/2014/main" id="{6AF6706C-CF07-43A1-BCC4-CBA5D33820DA}"/>
               </a:ext>
               <a:ext uri="{C183D7F6-B498-43B3-948B-1728B52AA6E4}">
-                <adec:decorative xmlns="" xmlns:adec="http://schemas.microsoft.com/office/drawing/2017/decorative" val="1"/>
+                <adec:decorative xmlns:adec="http://schemas.microsoft.com/office/drawing/2017/decorative" val="1"/>
               </a:ext>
             </a:extLst>
           </p:cNvPr>
@@ -11181,7 +11258,7 @@
                 <a16:creationId xmlns:a16="http://schemas.microsoft.com/office/drawing/2014/main" id="{1F94DC1C-47D1-41D7-8B1B-9A036D614027}"/>
               </a:ext>
               <a:ext uri="{C183D7F6-B498-43B3-948B-1728B52AA6E4}">
-                <adec:decorative xmlns="" xmlns:adec="http://schemas.microsoft.com/office/drawing/2017/decorative" val="1"/>
+                <adec:decorative xmlns:adec="http://schemas.microsoft.com/office/drawing/2017/decorative" val="1"/>
               </a:ext>
             </a:extLst>
           </p:cNvPr>
@@ -11241,7 +11318,7 @@
                 <a16:creationId xmlns:a16="http://schemas.microsoft.com/office/drawing/2014/main" id="{811383CE-CE86-4E1C-B289-798EB9E6E0E5}"/>
               </a:ext>
               <a:ext uri="{C183D7F6-B498-43B3-948B-1728B52AA6E4}">
-                <adec:decorative xmlns="" xmlns:adec="http://schemas.microsoft.com/office/drawing/2017/decorative" val="1"/>
+                <adec:decorative xmlns:adec="http://schemas.microsoft.com/office/drawing/2017/decorative" val="1"/>
               </a:ext>
             </a:extLst>
           </p:cNvPr>
@@ -11325,7 +11402,7 @@
                 <a16:creationId xmlns:a16="http://schemas.microsoft.com/office/drawing/2014/main" id="{AC12A592-C02D-46EF-8E1F-9335DB8D71DF}"/>
               </a:ext>
               <a:ext uri="{C183D7F6-B498-43B3-948B-1728B52AA6E4}">
-                <adec:decorative xmlns="" xmlns:adec="http://schemas.microsoft.com/office/drawing/2017/decorative" val="1"/>
+                <adec:decorative xmlns:adec="http://schemas.microsoft.com/office/drawing/2017/decorative" val="1"/>
               </a:ext>
             </a:extLst>
           </p:cNvPr>
@@ -11483,7 +11560,7 @@
                 <a16:creationId xmlns:a16="http://schemas.microsoft.com/office/drawing/2014/main" id="{24005816-5BCA-4665-8A58-5580F8E9C84A}"/>
               </a:ext>
               <a:ext uri="{C183D7F6-B498-43B3-948B-1728B52AA6E4}">
-                <adec:decorative xmlns="" xmlns:adec="http://schemas.microsoft.com/office/drawing/2017/decorative" val="1"/>
+                <adec:decorative xmlns:adec="http://schemas.microsoft.com/office/drawing/2017/decorative" val="1"/>
               </a:ext>
             </a:extLst>
           </p:cNvPr>
@@ -11675,7 +11752,7 @@
                 <a16:creationId xmlns:a16="http://schemas.microsoft.com/office/drawing/2014/main" id="{BF07F359-8CA3-4854-91E7-EE6004020511}"/>
               </a:ext>
               <a:ext uri="{C183D7F6-B498-43B3-948B-1728B52AA6E4}">
-                <adec:decorative xmlns="" xmlns:adec="http://schemas.microsoft.com/office/drawing/2017/decorative" val="1"/>
+                <adec:decorative xmlns:adec="http://schemas.microsoft.com/office/drawing/2017/decorative" val="1"/>
               </a:ext>
             </a:extLst>
           </p:cNvPr>
@@ -11706,7 +11783,7 @@
                   <a16:creationId xmlns:a16="http://schemas.microsoft.com/office/drawing/2014/main" id="{8A7FCE86-4904-4337-8D0A-3ABA73F609EF}"/>
                 </a:ext>
                 <a:ext uri="{C183D7F6-B498-43B3-948B-1728B52AA6E4}">
-                  <adec:decorative xmlns="" xmlns:adec="http://schemas.microsoft.com/office/drawing/2017/decorative" val="1"/>
+                  <adec:decorative xmlns:adec="http://schemas.microsoft.com/office/drawing/2017/decorative" val="1"/>
                 </a:ext>
               </a:extLst>
             </p:cNvPr>
@@ -11758,7 +11835,7 @@
                   <a16:creationId xmlns:a16="http://schemas.microsoft.com/office/drawing/2014/main" id="{BA32C234-504D-411A-A62B-C1CFD8CE74D5}"/>
                 </a:ext>
                 <a:ext uri="{C183D7F6-B498-43B3-948B-1728B52AA6E4}">
-                  <adec:decorative xmlns="" xmlns:adec="http://schemas.microsoft.com/office/drawing/2017/decorative" val="1"/>
+                  <adec:decorative xmlns:adec="http://schemas.microsoft.com/office/drawing/2017/decorative" val="1"/>
                 </a:ext>
               </a:extLst>
             </p:cNvPr>
@@ -11810,7 +11887,7 @@
                   <a16:creationId xmlns:a16="http://schemas.microsoft.com/office/drawing/2014/main" id="{881593A9-FD94-454C-9225-478E90706132}"/>
                 </a:ext>
                 <a:ext uri="{C183D7F6-B498-43B3-948B-1728B52AA6E4}">
-                  <adec:decorative xmlns="" xmlns:adec="http://schemas.microsoft.com/office/drawing/2017/decorative" val="1"/>
+                  <adec:decorative xmlns:adec="http://schemas.microsoft.com/office/drawing/2017/decorative" val="1"/>
                 </a:ext>
               </a:extLst>
             </p:cNvPr>
@@ -11862,7 +11939,7 @@
                   <a16:creationId xmlns:a16="http://schemas.microsoft.com/office/drawing/2014/main" id="{FA3524A1-6DED-4D15-ADE5-F797DBCEC728}"/>
                 </a:ext>
                 <a:ext uri="{C183D7F6-B498-43B3-948B-1728B52AA6E4}">
-                  <adec:decorative xmlns="" xmlns:adec="http://schemas.microsoft.com/office/drawing/2017/decorative" val="1"/>
+                  <adec:decorative xmlns:adec="http://schemas.microsoft.com/office/drawing/2017/decorative" val="1"/>
                 </a:ext>
               </a:extLst>
             </p:cNvPr>
@@ -11914,7 +11991,7 @@
                   <a16:creationId xmlns:a16="http://schemas.microsoft.com/office/drawing/2014/main" id="{AA8491CF-856E-4A54-84A5-45C558D41A7B}"/>
                 </a:ext>
                 <a:ext uri="{C183D7F6-B498-43B3-948B-1728B52AA6E4}">
-                  <adec:decorative xmlns="" xmlns:adec="http://schemas.microsoft.com/office/drawing/2017/decorative" val="1"/>
+                  <adec:decorative xmlns:adec="http://schemas.microsoft.com/office/drawing/2017/decorative" val="1"/>
                 </a:ext>
               </a:extLst>
             </p:cNvPr>
@@ -11966,7 +12043,7 @@
                   <a16:creationId xmlns:a16="http://schemas.microsoft.com/office/drawing/2014/main" id="{AD63A388-BF18-4ABD-96E0-5946B1ABB1D6}"/>
                 </a:ext>
                 <a:ext uri="{C183D7F6-B498-43B3-948B-1728B52AA6E4}">
-                  <adec:decorative xmlns="" xmlns:adec="http://schemas.microsoft.com/office/drawing/2017/decorative" val="1"/>
+                  <adec:decorative xmlns:adec="http://schemas.microsoft.com/office/drawing/2017/decorative" val="1"/>
                 </a:ext>
               </a:extLst>
             </p:cNvPr>
@@ -12018,7 +12095,7 @@
                   <a16:creationId xmlns:a16="http://schemas.microsoft.com/office/drawing/2014/main" id="{9CF6D779-BD20-4058-AC29-AF4E2510C2C2}"/>
                 </a:ext>
                 <a:ext uri="{C183D7F6-B498-43B3-948B-1728B52AA6E4}">
-                  <adec:decorative xmlns="" xmlns:adec="http://schemas.microsoft.com/office/drawing/2017/decorative" val="1"/>
+                  <adec:decorative xmlns:adec="http://schemas.microsoft.com/office/drawing/2017/decorative" val="1"/>
                 </a:ext>
               </a:extLst>
             </p:cNvPr>
@@ -12070,7 +12147,7 @@
                   <a16:creationId xmlns:a16="http://schemas.microsoft.com/office/drawing/2014/main" id="{4189C0F2-FCB0-4636-9B05-F9FCBB2020A6}"/>
                 </a:ext>
                 <a:ext uri="{C183D7F6-B498-43B3-948B-1728B52AA6E4}">
-                  <adec:decorative xmlns="" xmlns:adec="http://schemas.microsoft.com/office/drawing/2017/decorative" val="1"/>
+                  <adec:decorative xmlns:adec="http://schemas.microsoft.com/office/drawing/2017/decorative" val="1"/>
                 </a:ext>
               </a:extLst>
             </p:cNvPr>
@@ -12122,7 +12199,7 @@
                   <a16:creationId xmlns:a16="http://schemas.microsoft.com/office/drawing/2014/main" id="{E74CB59A-0AC3-4235-A93D-73EE12466967}"/>
                 </a:ext>
                 <a:ext uri="{C183D7F6-B498-43B3-948B-1728B52AA6E4}">
-                  <adec:decorative xmlns="" xmlns:adec="http://schemas.microsoft.com/office/drawing/2017/decorative" val="1"/>
+                  <adec:decorative xmlns:adec="http://schemas.microsoft.com/office/drawing/2017/decorative" val="1"/>
                 </a:ext>
               </a:extLst>
             </p:cNvPr>
@@ -12174,7 +12251,7 @@
                   <a16:creationId xmlns:a16="http://schemas.microsoft.com/office/drawing/2014/main" id="{2B6E97A3-E95A-4D79-A8F8-1945EA2634FB}"/>
                 </a:ext>
                 <a:ext uri="{C183D7F6-B498-43B3-948B-1728B52AA6E4}">
-                  <adec:decorative xmlns="" xmlns:adec="http://schemas.microsoft.com/office/drawing/2017/decorative" val="1"/>
+                  <adec:decorative xmlns:adec="http://schemas.microsoft.com/office/drawing/2017/decorative" val="1"/>
                 </a:ext>
               </a:extLst>
             </p:cNvPr>
@@ -12226,7 +12303,7 @@
                   <a16:creationId xmlns:a16="http://schemas.microsoft.com/office/drawing/2014/main" id="{9F4ABF86-0905-4DE8-8F0B-D10D3D6F9C41}"/>
                 </a:ext>
                 <a:ext uri="{C183D7F6-B498-43B3-948B-1728B52AA6E4}">
-                  <adec:decorative xmlns="" xmlns:adec="http://schemas.microsoft.com/office/drawing/2017/decorative" val="1"/>
+                  <adec:decorative xmlns:adec="http://schemas.microsoft.com/office/drawing/2017/decorative" val="1"/>
                 </a:ext>
               </a:extLst>
             </p:cNvPr>
@@ -12278,7 +12355,7 @@
                   <a16:creationId xmlns:a16="http://schemas.microsoft.com/office/drawing/2014/main" id="{4FAAFEF7-DFA1-48C7-9E4E-FF7B1453C718}"/>
                 </a:ext>
                 <a:ext uri="{C183D7F6-B498-43B3-948B-1728B52AA6E4}">
-                  <adec:decorative xmlns="" xmlns:adec="http://schemas.microsoft.com/office/drawing/2017/decorative" val="1"/>
+                  <adec:decorative xmlns:adec="http://schemas.microsoft.com/office/drawing/2017/decorative" val="1"/>
                 </a:ext>
               </a:extLst>
             </p:cNvPr>
@@ -12330,7 +12407,7 @@
                   <a16:creationId xmlns:a16="http://schemas.microsoft.com/office/drawing/2014/main" id="{ED828735-DFD9-4894-8461-77A2FB0C9276}"/>
                 </a:ext>
                 <a:ext uri="{C183D7F6-B498-43B3-948B-1728B52AA6E4}">
-                  <adec:decorative xmlns="" xmlns:adec="http://schemas.microsoft.com/office/drawing/2017/decorative" val="1"/>
+                  <adec:decorative xmlns:adec="http://schemas.microsoft.com/office/drawing/2017/decorative" val="1"/>
                 </a:ext>
               </a:extLst>
             </p:cNvPr>
@@ -12382,7 +12459,7 @@
                   <a16:creationId xmlns:a16="http://schemas.microsoft.com/office/drawing/2014/main" id="{7A6C2585-E93E-489D-8819-FCEE3CFF11C5}"/>
                 </a:ext>
                 <a:ext uri="{C183D7F6-B498-43B3-948B-1728B52AA6E4}">
-                  <adec:decorative xmlns="" xmlns:adec="http://schemas.microsoft.com/office/drawing/2017/decorative" val="1"/>
+                  <adec:decorative xmlns:adec="http://schemas.microsoft.com/office/drawing/2017/decorative" val="1"/>
                 </a:ext>
               </a:extLst>
             </p:cNvPr>
@@ -12434,7 +12511,7 @@
                   <a16:creationId xmlns:a16="http://schemas.microsoft.com/office/drawing/2014/main" id="{E57C1F25-FC5C-4082-B4F6-888F8E467EE5}"/>
                 </a:ext>
                 <a:ext uri="{C183D7F6-B498-43B3-948B-1728B52AA6E4}">
-                  <adec:decorative xmlns="" xmlns:adec="http://schemas.microsoft.com/office/drawing/2017/decorative" val="1"/>
+                  <adec:decorative xmlns:adec="http://schemas.microsoft.com/office/drawing/2017/decorative" val="1"/>
                 </a:ext>
               </a:extLst>
             </p:cNvPr>
@@ -12486,7 +12563,7 @@
                   <a16:creationId xmlns:a16="http://schemas.microsoft.com/office/drawing/2014/main" id="{F5DF4BDB-CA1D-4DA1-8D26-6BAEE0A21AE7}"/>
                 </a:ext>
                 <a:ext uri="{C183D7F6-B498-43B3-948B-1728B52AA6E4}">
-                  <adec:decorative xmlns="" xmlns:adec="http://schemas.microsoft.com/office/drawing/2017/decorative" val="1"/>
+                  <adec:decorative xmlns:adec="http://schemas.microsoft.com/office/drawing/2017/decorative" val="1"/>
                 </a:ext>
               </a:extLst>
             </p:cNvPr>
@@ -12538,7 +12615,7 @@
                   <a16:creationId xmlns:a16="http://schemas.microsoft.com/office/drawing/2014/main" id="{3315D2A0-DDA4-4A25-9CC7-7F90CCF0C409}"/>
                 </a:ext>
                 <a:ext uri="{C183D7F6-B498-43B3-948B-1728B52AA6E4}">
-                  <adec:decorative xmlns="" xmlns:adec="http://schemas.microsoft.com/office/drawing/2017/decorative" val="1"/>
+                  <adec:decorative xmlns:adec="http://schemas.microsoft.com/office/drawing/2017/decorative" val="1"/>
                 </a:ext>
               </a:extLst>
             </p:cNvPr>
@@ -12590,7 +12667,7 @@
                   <a16:creationId xmlns:a16="http://schemas.microsoft.com/office/drawing/2014/main" id="{75312B72-7E7D-4B0B-960E-7D7C9540EBDC}"/>
                 </a:ext>
                 <a:ext uri="{C183D7F6-B498-43B3-948B-1728B52AA6E4}">
-                  <adec:decorative xmlns="" xmlns:adec="http://schemas.microsoft.com/office/drawing/2017/decorative" val="1"/>
+                  <adec:decorative xmlns:adec="http://schemas.microsoft.com/office/drawing/2017/decorative" val="1"/>
                 </a:ext>
               </a:extLst>
             </p:cNvPr>
@@ -12642,7 +12719,7 @@
                   <a16:creationId xmlns:a16="http://schemas.microsoft.com/office/drawing/2014/main" id="{C48B42BB-3C0E-4546-957B-AB593E308C93}"/>
                 </a:ext>
                 <a:ext uri="{C183D7F6-B498-43B3-948B-1728B52AA6E4}">
-                  <adec:decorative xmlns="" xmlns:adec="http://schemas.microsoft.com/office/drawing/2017/decorative" val="1"/>
+                  <adec:decorative xmlns:adec="http://schemas.microsoft.com/office/drawing/2017/decorative" val="1"/>
                 </a:ext>
               </a:extLst>
             </p:cNvPr>
@@ -12694,7 +12771,7 @@
                   <a16:creationId xmlns:a16="http://schemas.microsoft.com/office/drawing/2014/main" id="{437809D5-5F69-4BC6-A661-44B2A8A68220}"/>
                 </a:ext>
                 <a:ext uri="{C183D7F6-B498-43B3-948B-1728B52AA6E4}">
-                  <adec:decorative xmlns="" xmlns:adec="http://schemas.microsoft.com/office/drawing/2017/decorative" val="1"/>
+                  <adec:decorative xmlns:adec="http://schemas.microsoft.com/office/drawing/2017/decorative" val="1"/>
                 </a:ext>
               </a:extLst>
             </p:cNvPr>
@@ -12746,7 +12823,7 @@
                   <a16:creationId xmlns:a16="http://schemas.microsoft.com/office/drawing/2014/main" id="{B269CB4C-8BB5-4F63-8961-7EB8FE56D44A}"/>
                 </a:ext>
                 <a:ext uri="{C183D7F6-B498-43B3-948B-1728B52AA6E4}">
-                  <adec:decorative xmlns="" xmlns:adec="http://schemas.microsoft.com/office/drawing/2017/decorative" val="1"/>
+                  <adec:decorative xmlns:adec="http://schemas.microsoft.com/office/drawing/2017/decorative" val="1"/>
                 </a:ext>
               </a:extLst>
             </p:cNvPr>
@@ -12798,7 +12875,7 @@
                   <a16:creationId xmlns:a16="http://schemas.microsoft.com/office/drawing/2014/main" id="{D5E7B60C-3F52-49EA-99F5-BE42AF88DD33}"/>
                 </a:ext>
                 <a:ext uri="{C183D7F6-B498-43B3-948B-1728B52AA6E4}">
-                  <adec:decorative xmlns="" xmlns:adec="http://schemas.microsoft.com/office/drawing/2017/decorative" val="1"/>
+                  <adec:decorative xmlns:adec="http://schemas.microsoft.com/office/drawing/2017/decorative" val="1"/>
                 </a:ext>
               </a:extLst>
             </p:cNvPr>
@@ -12850,7 +12927,7 @@
                   <a16:creationId xmlns:a16="http://schemas.microsoft.com/office/drawing/2014/main" id="{1C5E885C-0F0D-4E11-8B78-4CE951E26921}"/>
                 </a:ext>
                 <a:ext uri="{C183D7F6-B498-43B3-948B-1728B52AA6E4}">
-                  <adec:decorative xmlns="" xmlns:adec="http://schemas.microsoft.com/office/drawing/2017/decorative" val="1"/>
+                  <adec:decorative xmlns:adec="http://schemas.microsoft.com/office/drawing/2017/decorative" val="1"/>
                 </a:ext>
               </a:extLst>
             </p:cNvPr>
@@ -12902,7 +12979,7 @@
                   <a16:creationId xmlns:a16="http://schemas.microsoft.com/office/drawing/2014/main" id="{4BFA6E20-F564-4CA4-9150-FDD50B02CD24}"/>
                 </a:ext>
                 <a:ext uri="{C183D7F6-B498-43B3-948B-1728B52AA6E4}">
-                  <adec:decorative xmlns="" xmlns:adec="http://schemas.microsoft.com/office/drawing/2017/decorative" val="1"/>
+                  <adec:decorative xmlns:adec="http://schemas.microsoft.com/office/drawing/2017/decorative" val="1"/>
                 </a:ext>
               </a:extLst>
             </p:cNvPr>
@@ -12954,7 +13031,7 @@
                   <a16:creationId xmlns:a16="http://schemas.microsoft.com/office/drawing/2014/main" id="{C3C02C6B-B913-486F-ACAE-432DE1F7704D}"/>
                 </a:ext>
                 <a:ext uri="{C183D7F6-B498-43B3-948B-1728B52AA6E4}">
-                  <adec:decorative xmlns="" xmlns:adec="http://schemas.microsoft.com/office/drawing/2017/decorative" val="1"/>
+                  <adec:decorative xmlns:adec="http://schemas.microsoft.com/office/drawing/2017/decorative" val="1"/>
                 </a:ext>
               </a:extLst>
             </p:cNvPr>
@@ -13006,7 +13083,7 @@
                   <a16:creationId xmlns:a16="http://schemas.microsoft.com/office/drawing/2014/main" id="{B6B5EE64-D401-45A4-82D4-85D4BF5C8EC6}"/>
                 </a:ext>
                 <a:ext uri="{C183D7F6-B498-43B3-948B-1728B52AA6E4}">
-                  <adec:decorative xmlns="" xmlns:adec="http://schemas.microsoft.com/office/drawing/2017/decorative" val="1"/>
+                  <adec:decorative xmlns:adec="http://schemas.microsoft.com/office/drawing/2017/decorative" val="1"/>
                 </a:ext>
               </a:extLst>
             </p:cNvPr>
@@ -13058,7 +13135,7 @@
                   <a16:creationId xmlns:a16="http://schemas.microsoft.com/office/drawing/2014/main" id="{5F622D05-678C-405E-A74F-8D92A9C64438}"/>
                 </a:ext>
                 <a:ext uri="{C183D7F6-B498-43B3-948B-1728B52AA6E4}">
-                  <adec:decorative xmlns="" xmlns:adec="http://schemas.microsoft.com/office/drawing/2017/decorative" val="1"/>
+                  <adec:decorative xmlns:adec="http://schemas.microsoft.com/office/drawing/2017/decorative" val="1"/>
                 </a:ext>
               </a:extLst>
             </p:cNvPr>
@@ -13110,7 +13187,7 @@
                   <a16:creationId xmlns:a16="http://schemas.microsoft.com/office/drawing/2014/main" id="{D8E01EF1-6517-49CC-9891-1BD6D0F49D00}"/>
                 </a:ext>
                 <a:ext uri="{C183D7F6-B498-43B3-948B-1728B52AA6E4}">
-                  <adec:decorative xmlns="" xmlns:adec="http://schemas.microsoft.com/office/drawing/2017/decorative" val="1"/>
+                  <adec:decorative xmlns:adec="http://schemas.microsoft.com/office/drawing/2017/decorative" val="1"/>
                 </a:ext>
               </a:extLst>
             </p:cNvPr>
@@ -13162,7 +13239,7 @@
                   <a16:creationId xmlns:a16="http://schemas.microsoft.com/office/drawing/2014/main" id="{EC93E79A-63A6-4782-9D2C-BC50CD3B9444}"/>
                 </a:ext>
                 <a:ext uri="{C183D7F6-B498-43B3-948B-1728B52AA6E4}">
-                  <adec:decorative xmlns="" xmlns:adec="http://schemas.microsoft.com/office/drawing/2017/decorative" val="1"/>
+                  <adec:decorative xmlns:adec="http://schemas.microsoft.com/office/drawing/2017/decorative" val="1"/>
                 </a:ext>
               </a:extLst>
             </p:cNvPr>
@@ -13214,7 +13291,7 @@
                   <a16:creationId xmlns:a16="http://schemas.microsoft.com/office/drawing/2014/main" id="{46C4B4DB-9B57-4C69-96EB-3E1910CEF40A}"/>
                 </a:ext>
                 <a:ext uri="{C183D7F6-B498-43B3-948B-1728B52AA6E4}">
-                  <adec:decorative xmlns="" xmlns:adec="http://schemas.microsoft.com/office/drawing/2017/decorative" val="1"/>
+                  <adec:decorative xmlns:adec="http://schemas.microsoft.com/office/drawing/2017/decorative" val="1"/>
                 </a:ext>
               </a:extLst>
             </p:cNvPr>
@@ -13266,7 +13343,7 @@
                   <a16:creationId xmlns:a16="http://schemas.microsoft.com/office/drawing/2014/main" id="{9BBDCDA7-4ECB-42B1-8524-3D30023D6B68}"/>
                 </a:ext>
                 <a:ext uri="{C183D7F6-B498-43B3-948B-1728B52AA6E4}">
-                  <adec:decorative xmlns="" xmlns:adec="http://schemas.microsoft.com/office/drawing/2017/decorative" val="1"/>
+                  <adec:decorative xmlns:adec="http://schemas.microsoft.com/office/drawing/2017/decorative" val="1"/>
                 </a:ext>
               </a:extLst>
             </p:cNvPr>
@@ -13318,7 +13395,7 @@
                   <a16:creationId xmlns:a16="http://schemas.microsoft.com/office/drawing/2014/main" id="{C7483057-DCDA-4BC6-8E99-7EAD94E8786A}"/>
                 </a:ext>
                 <a:ext uri="{C183D7F6-B498-43B3-948B-1728B52AA6E4}">
-                  <adec:decorative xmlns="" xmlns:adec="http://schemas.microsoft.com/office/drawing/2017/decorative" val="1"/>
+                  <adec:decorative xmlns:adec="http://schemas.microsoft.com/office/drawing/2017/decorative" val="1"/>
                 </a:ext>
               </a:extLst>
             </p:cNvPr>
@@ -13370,7 +13447,7 @@
                   <a16:creationId xmlns:a16="http://schemas.microsoft.com/office/drawing/2014/main" id="{E5C35A56-0BFD-443F-8C2B-CA73A3BFE9E5}"/>
                 </a:ext>
                 <a:ext uri="{C183D7F6-B498-43B3-948B-1728B52AA6E4}">
-                  <adec:decorative xmlns="" xmlns:adec="http://schemas.microsoft.com/office/drawing/2017/decorative" val="1"/>
+                  <adec:decorative xmlns:adec="http://schemas.microsoft.com/office/drawing/2017/decorative" val="1"/>
                 </a:ext>
               </a:extLst>
             </p:cNvPr>
@@ -13422,7 +13499,7 @@
                   <a16:creationId xmlns:a16="http://schemas.microsoft.com/office/drawing/2014/main" id="{214A0AE5-3A88-4D5D-845C-5E906888C81F}"/>
                 </a:ext>
                 <a:ext uri="{C183D7F6-B498-43B3-948B-1728B52AA6E4}">
-                  <adec:decorative xmlns="" xmlns:adec="http://schemas.microsoft.com/office/drawing/2017/decorative" val="1"/>
+                  <adec:decorative xmlns:adec="http://schemas.microsoft.com/office/drawing/2017/decorative" val="1"/>
                 </a:ext>
               </a:extLst>
             </p:cNvPr>
@@ -13474,7 +13551,7 @@
                   <a16:creationId xmlns:a16="http://schemas.microsoft.com/office/drawing/2014/main" id="{44D7BF13-EDB8-4740-A3C5-87E2E7C67669}"/>
                 </a:ext>
                 <a:ext uri="{C183D7F6-B498-43B3-948B-1728B52AA6E4}">
-                  <adec:decorative xmlns="" xmlns:adec="http://schemas.microsoft.com/office/drawing/2017/decorative" val="1"/>
+                  <adec:decorative xmlns:adec="http://schemas.microsoft.com/office/drawing/2017/decorative" val="1"/>
                 </a:ext>
               </a:extLst>
             </p:cNvPr>
@@ -13526,7 +13603,7 @@
                   <a16:creationId xmlns:a16="http://schemas.microsoft.com/office/drawing/2014/main" id="{16DAB64F-4B49-434F-BFB6-0BEB41AFB610}"/>
                 </a:ext>
                 <a:ext uri="{C183D7F6-B498-43B3-948B-1728B52AA6E4}">
-                  <adec:decorative xmlns="" xmlns:adec="http://schemas.microsoft.com/office/drawing/2017/decorative" val="1"/>
+                  <adec:decorative xmlns:adec="http://schemas.microsoft.com/office/drawing/2017/decorative" val="1"/>
                 </a:ext>
               </a:extLst>
             </p:cNvPr>
@@ -13578,7 +13655,7 @@
                   <a16:creationId xmlns:a16="http://schemas.microsoft.com/office/drawing/2014/main" id="{93B5AD9A-BDA6-42CE-A1C0-C07210307227}"/>
                 </a:ext>
                 <a:ext uri="{C183D7F6-B498-43B3-948B-1728B52AA6E4}">
-                  <adec:decorative xmlns="" xmlns:adec="http://schemas.microsoft.com/office/drawing/2017/decorative" val="1"/>
+                  <adec:decorative xmlns:adec="http://schemas.microsoft.com/office/drawing/2017/decorative" val="1"/>
                 </a:ext>
               </a:extLst>
             </p:cNvPr>
@@ -13630,7 +13707,7 @@
                   <a16:creationId xmlns:a16="http://schemas.microsoft.com/office/drawing/2014/main" id="{5FD67DCC-475F-4BED-A634-FCDD63176BB5}"/>
                 </a:ext>
                 <a:ext uri="{C183D7F6-B498-43B3-948B-1728B52AA6E4}">
-                  <adec:decorative xmlns="" xmlns:adec="http://schemas.microsoft.com/office/drawing/2017/decorative" val="1"/>
+                  <adec:decorative xmlns:adec="http://schemas.microsoft.com/office/drawing/2017/decorative" val="1"/>
                 </a:ext>
               </a:extLst>
             </p:cNvPr>
@@ -13682,7 +13759,7 @@
                   <a16:creationId xmlns:a16="http://schemas.microsoft.com/office/drawing/2014/main" id="{ED276E23-C86D-408D-821A-1E9A44CAEAFC}"/>
                 </a:ext>
                 <a:ext uri="{C183D7F6-B498-43B3-948B-1728B52AA6E4}">
-                  <adec:decorative xmlns="" xmlns:adec="http://schemas.microsoft.com/office/drawing/2017/decorative" val="1"/>
+                  <adec:decorative xmlns:adec="http://schemas.microsoft.com/office/drawing/2017/decorative" val="1"/>
                 </a:ext>
               </a:extLst>
             </p:cNvPr>
@@ -13734,7 +13811,7 @@
                   <a16:creationId xmlns:a16="http://schemas.microsoft.com/office/drawing/2014/main" id="{A879A029-D911-41C4-B218-E41871762F3A}"/>
                 </a:ext>
                 <a:ext uri="{C183D7F6-B498-43B3-948B-1728B52AA6E4}">
-                  <adec:decorative xmlns="" xmlns:adec="http://schemas.microsoft.com/office/drawing/2017/decorative" val="1"/>
+                  <adec:decorative xmlns:adec="http://schemas.microsoft.com/office/drawing/2017/decorative" val="1"/>
                 </a:ext>
               </a:extLst>
             </p:cNvPr>
@@ -13786,7 +13863,7 @@
                   <a16:creationId xmlns:a16="http://schemas.microsoft.com/office/drawing/2014/main" id="{E9C7C9F5-65FB-4EF9-9AAD-F7E1FC14B84B}"/>
                 </a:ext>
                 <a:ext uri="{C183D7F6-B498-43B3-948B-1728B52AA6E4}">
-                  <adec:decorative xmlns="" xmlns:adec="http://schemas.microsoft.com/office/drawing/2017/decorative" val="1"/>
+                  <adec:decorative xmlns:adec="http://schemas.microsoft.com/office/drawing/2017/decorative" val="1"/>
                 </a:ext>
               </a:extLst>
             </p:cNvPr>
@@ -13838,7 +13915,7 @@
                   <a16:creationId xmlns:a16="http://schemas.microsoft.com/office/drawing/2014/main" id="{6115B885-5742-431C-BA48-96FC1F6D2280}"/>
                 </a:ext>
                 <a:ext uri="{C183D7F6-B498-43B3-948B-1728B52AA6E4}">
-                  <adec:decorative xmlns="" xmlns:adec="http://schemas.microsoft.com/office/drawing/2017/decorative" val="1"/>
+                  <adec:decorative xmlns:adec="http://schemas.microsoft.com/office/drawing/2017/decorative" val="1"/>
                 </a:ext>
               </a:extLst>
             </p:cNvPr>
@@ -13890,7 +13967,7 @@
                   <a16:creationId xmlns:a16="http://schemas.microsoft.com/office/drawing/2014/main" id="{6ACE37A6-0062-4B86-B4E6-18088040CDC9}"/>
                 </a:ext>
                 <a:ext uri="{C183D7F6-B498-43B3-948B-1728B52AA6E4}">
-                  <adec:decorative xmlns="" xmlns:adec="http://schemas.microsoft.com/office/drawing/2017/decorative" val="1"/>
+                  <adec:decorative xmlns:adec="http://schemas.microsoft.com/office/drawing/2017/decorative" val="1"/>
                 </a:ext>
               </a:extLst>
             </p:cNvPr>
@@ -13942,7 +14019,7 @@
                   <a16:creationId xmlns:a16="http://schemas.microsoft.com/office/drawing/2014/main" id="{0A8679B4-56BA-43AB-A0A2-E2DA3E205303}"/>
                 </a:ext>
                 <a:ext uri="{C183D7F6-B498-43B3-948B-1728B52AA6E4}">
-                  <adec:decorative xmlns="" xmlns:adec="http://schemas.microsoft.com/office/drawing/2017/decorative" val="1"/>
+                  <adec:decorative xmlns:adec="http://schemas.microsoft.com/office/drawing/2017/decorative" val="1"/>
                 </a:ext>
               </a:extLst>
             </p:cNvPr>
@@ -13994,7 +14071,7 @@
                   <a16:creationId xmlns:a16="http://schemas.microsoft.com/office/drawing/2014/main" id="{80DE24D2-627B-4C47-A858-A572BCDBACF6}"/>
                 </a:ext>
                 <a:ext uri="{C183D7F6-B498-43B3-948B-1728B52AA6E4}">
-                  <adec:decorative xmlns="" xmlns:adec="http://schemas.microsoft.com/office/drawing/2017/decorative" val="1"/>
+                  <adec:decorative xmlns:adec="http://schemas.microsoft.com/office/drawing/2017/decorative" val="1"/>
                 </a:ext>
               </a:extLst>
             </p:cNvPr>
@@ -14046,7 +14123,7 @@
                   <a16:creationId xmlns:a16="http://schemas.microsoft.com/office/drawing/2014/main" id="{B612A33E-5DE0-4E4D-9469-0BD0B3E0E72E}"/>
                 </a:ext>
                 <a:ext uri="{C183D7F6-B498-43B3-948B-1728B52AA6E4}">
-                  <adec:decorative xmlns="" xmlns:adec="http://schemas.microsoft.com/office/drawing/2017/decorative" val="1"/>
+                  <adec:decorative xmlns:adec="http://schemas.microsoft.com/office/drawing/2017/decorative" val="1"/>
                 </a:ext>
               </a:extLst>
             </p:cNvPr>
@@ -14098,7 +14175,7 @@
                   <a16:creationId xmlns:a16="http://schemas.microsoft.com/office/drawing/2014/main" id="{91673515-5E42-490F-85A0-45658D81C6CA}"/>
                 </a:ext>
                 <a:ext uri="{C183D7F6-B498-43B3-948B-1728B52AA6E4}">
-                  <adec:decorative xmlns="" xmlns:adec="http://schemas.microsoft.com/office/drawing/2017/decorative" val="1"/>
+                  <adec:decorative xmlns:adec="http://schemas.microsoft.com/office/drawing/2017/decorative" val="1"/>
                 </a:ext>
               </a:extLst>
             </p:cNvPr>
@@ -14150,7 +14227,7 @@
                   <a16:creationId xmlns:a16="http://schemas.microsoft.com/office/drawing/2014/main" id="{6B048C17-3768-4DAF-A7AE-B2E717497021}"/>
                 </a:ext>
                 <a:ext uri="{C183D7F6-B498-43B3-948B-1728B52AA6E4}">
-                  <adec:decorative xmlns="" xmlns:adec="http://schemas.microsoft.com/office/drawing/2017/decorative" val="1"/>
+                  <adec:decorative xmlns:adec="http://schemas.microsoft.com/office/drawing/2017/decorative" val="1"/>
                 </a:ext>
               </a:extLst>
             </p:cNvPr>
@@ -14202,7 +14279,7 @@
                   <a16:creationId xmlns:a16="http://schemas.microsoft.com/office/drawing/2014/main" id="{BAA4E6AA-9D65-4EED-91CB-87A5762ED0A4}"/>
                 </a:ext>
                 <a:ext uri="{C183D7F6-B498-43B3-948B-1728B52AA6E4}">
-                  <adec:decorative xmlns="" xmlns:adec="http://schemas.microsoft.com/office/drawing/2017/decorative" val="1"/>
+                  <adec:decorative xmlns:adec="http://schemas.microsoft.com/office/drawing/2017/decorative" val="1"/>
                 </a:ext>
               </a:extLst>
             </p:cNvPr>
@@ -14254,7 +14331,7 @@
                   <a16:creationId xmlns:a16="http://schemas.microsoft.com/office/drawing/2014/main" id="{DB48B9EB-BBF2-48D7-A1D7-720D94506BF3}"/>
                 </a:ext>
                 <a:ext uri="{C183D7F6-B498-43B3-948B-1728B52AA6E4}">
-                  <adec:decorative xmlns="" xmlns:adec="http://schemas.microsoft.com/office/drawing/2017/decorative" val="1"/>
+                  <adec:decorative xmlns:adec="http://schemas.microsoft.com/office/drawing/2017/decorative" val="1"/>
                 </a:ext>
               </a:extLst>
             </p:cNvPr>
@@ -14306,7 +14383,7 @@
                   <a16:creationId xmlns:a16="http://schemas.microsoft.com/office/drawing/2014/main" id="{21492B79-7338-4309-8667-BB29A7BC7B07}"/>
                 </a:ext>
                 <a:ext uri="{C183D7F6-B498-43B3-948B-1728B52AA6E4}">
-                  <adec:decorative xmlns="" xmlns:adec="http://schemas.microsoft.com/office/drawing/2017/decorative" val="1"/>
+                  <adec:decorative xmlns:adec="http://schemas.microsoft.com/office/drawing/2017/decorative" val="1"/>
                 </a:ext>
               </a:extLst>
             </p:cNvPr>
@@ -14358,7 +14435,7 @@
                   <a16:creationId xmlns:a16="http://schemas.microsoft.com/office/drawing/2014/main" id="{0352FD87-EC9C-4EB5-9ACC-A152F78FC815}"/>
                 </a:ext>
                 <a:ext uri="{C183D7F6-B498-43B3-948B-1728B52AA6E4}">
-                  <adec:decorative xmlns="" xmlns:adec="http://schemas.microsoft.com/office/drawing/2017/decorative" val="1"/>
+                  <adec:decorative xmlns:adec="http://schemas.microsoft.com/office/drawing/2017/decorative" val="1"/>
                 </a:ext>
               </a:extLst>
             </p:cNvPr>
@@ -14410,7 +14487,7 @@
                   <a16:creationId xmlns:a16="http://schemas.microsoft.com/office/drawing/2014/main" id="{FF2CEA1F-EFA8-4353-B5F8-CCE27955A123}"/>
                 </a:ext>
                 <a:ext uri="{C183D7F6-B498-43B3-948B-1728B52AA6E4}">
-                  <adec:decorative xmlns="" xmlns:adec="http://schemas.microsoft.com/office/drawing/2017/decorative" val="1"/>
+                  <adec:decorative xmlns:adec="http://schemas.microsoft.com/office/drawing/2017/decorative" val="1"/>
                 </a:ext>
               </a:extLst>
             </p:cNvPr>
@@ -14462,7 +14539,7 @@
                   <a16:creationId xmlns:a16="http://schemas.microsoft.com/office/drawing/2014/main" id="{63E2723F-2530-4636-9A19-8F11B156628C}"/>
                 </a:ext>
                 <a:ext uri="{C183D7F6-B498-43B3-948B-1728B52AA6E4}">
-                  <adec:decorative xmlns="" xmlns:adec="http://schemas.microsoft.com/office/drawing/2017/decorative" val="1"/>
+                  <adec:decorative xmlns:adec="http://schemas.microsoft.com/office/drawing/2017/decorative" val="1"/>
                 </a:ext>
               </a:extLst>
             </p:cNvPr>
@@ -14514,7 +14591,7 @@
                   <a16:creationId xmlns:a16="http://schemas.microsoft.com/office/drawing/2014/main" id="{4A9EE901-51C9-4292-BB45-5EDB8568A000}"/>
                 </a:ext>
                 <a:ext uri="{C183D7F6-B498-43B3-948B-1728B52AA6E4}">
-                  <adec:decorative xmlns="" xmlns:adec="http://schemas.microsoft.com/office/drawing/2017/decorative" val="1"/>
+                  <adec:decorative xmlns:adec="http://schemas.microsoft.com/office/drawing/2017/decorative" val="1"/>
                 </a:ext>
               </a:extLst>
             </p:cNvPr>
@@ -14566,7 +14643,7 @@
                   <a16:creationId xmlns:a16="http://schemas.microsoft.com/office/drawing/2014/main" id="{555407C2-7321-48CD-811F-92C71F701C28}"/>
                 </a:ext>
                 <a:ext uri="{C183D7F6-B498-43B3-948B-1728B52AA6E4}">
-                  <adec:decorative xmlns="" xmlns:adec="http://schemas.microsoft.com/office/drawing/2017/decorative" val="1"/>
+                  <adec:decorative xmlns:adec="http://schemas.microsoft.com/office/drawing/2017/decorative" val="1"/>
                 </a:ext>
               </a:extLst>
             </p:cNvPr>
@@ -14618,7 +14695,7 @@
                   <a16:creationId xmlns:a16="http://schemas.microsoft.com/office/drawing/2014/main" id="{E5298A8A-2787-4153-BDA2-E939BFD51412}"/>
                 </a:ext>
                 <a:ext uri="{C183D7F6-B498-43B3-948B-1728B52AA6E4}">
-                  <adec:decorative xmlns="" xmlns:adec="http://schemas.microsoft.com/office/drawing/2017/decorative" val="1"/>
+                  <adec:decorative xmlns:adec="http://schemas.microsoft.com/office/drawing/2017/decorative" val="1"/>
                 </a:ext>
               </a:extLst>
             </p:cNvPr>
@@ -14670,7 +14747,7 @@
                   <a16:creationId xmlns:a16="http://schemas.microsoft.com/office/drawing/2014/main" id="{C45057B3-3FAB-42ED-AF52-F00BB07FA52B}"/>
                 </a:ext>
                 <a:ext uri="{C183D7F6-B498-43B3-948B-1728B52AA6E4}">
-                  <adec:decorative xmlns="" xmlns:adec="http://schemas.microsoft.com/office/drawing/2017/decorative" val="1"/>
+                  <adec:decorative xmlns:adec="http://schemas.microsoft.com/office/drawing/2017/decorative" val="1"/>
                 </a:ext>
               </a:extLst>
             </p:cNvPr>
@@ -14722,7 +14799,7 @@
                   <a16:creationId xmlns:a16="http://schemas.microsoft.com/office/drawing/2014/main" id="{DA3F09E9-F476-4352-90E3-6A15C74268B9}"/>
                 </a:ext>
                 <a:ext uri="{C183D7F6-B498-43B3-948B-1728B52AA6E4}">
-                  <adec:decorative xmlns="" xmlns:adec="http://schemas.microsoft.com/office/drawing/2017/decorative" val="1"/>
+                  <adec:decorative xmlns:adec="http://schemas.microsoft.com/office/drawing/2017/decorative" val="1"/>
                 </a:ext>
               </a:extLst>
             </p:cNvPr>
@@ -14774,7 +14851,7 @@
                   <a16:creationId xmlns:a16="http://schemas.microsoft.com/office/drawing/2014/main" id="{128F7C5C-CECC-45A8-8A1F-D679534D4CBA}"/>
                 </a:ext>
                 <a:ext uri="{C183D7F6-B498-43B3-948B-1728B52AA6E4}">
-                  <adec:decorative xmlns="" xmlns:adec="http://schemas.microsoft.com/office/drawing/2017/decorative" val="1"/>
+                  <adec:decorative xmlns:adec="http://schemas.microsoft.com/office/drawing/2017/decorative" val="1"/>
                 </a:ext>
               </a:extLst>
             </p:cNvPr>
@@ -14826,7 +14903,7 @@
                   <a16:creationId xmlns:a16="http://schemas.microsoft.com/office/drawing/2014/main" id="{FFFDFE9C-2017-4831-9F1B-6A03B58B10DE}"/>
                 </a:ext>
                 <a:ext uri="{C183D7F6-B498-43B3-948B-1728B52AA6E4}">
-                  <adec:decorative xmlns="" xmlns:adec="http://schemas.microsoft.com/office/drawing/2017/decorative" val="1"/>
+                  <adec:decorative xmlns:adec="http://schemas.microsoft.com/office/drawing/2017/decorative" val="1"/>
                 </a:ext>
               </a:extLst>
             </p:cNvPr>
@@ -14878,7 +14955,7 @@
                   <a16:creationId xmlns:a16="http://schemas.microsoft.com/office/drawing/2014/main" id="{01BC942F-09CF-4A51-85A5-E23E2D71C8C8}"/>
                 </a:ext>
                 <a:ext uri="{C183D7F6-B498-43B3-948B-1728B52AA6E4}">
-                  <adec:decorative xmlns="" xmlns:adec="http://schemas.microsoft.com/office/drawing/2017/decorative" val="1"/>
+                  <adec:decorative xmlns:adec="http://schemas.microsoft.com/office/drawing/2017/decorative" val="1"/>
                 </a:ext>
               </a:extLst>
             </p:cNvPr>
@@ -14930,7 +15007,7 @@
                   <a16:creationId xmlns:a16="http://schemas.microsoft.com/office/drawing/2014/main" id="{1456B520-137F-484D-A1B1-7DA5C3F823E6}"/>
                 </a:ext>
                 <a:ext uri="{C183D7F6-B498-43B3-948B-1728B52AA6E4}">
-                  <adec:decorative xmlns="" xmlns:adec="http://schemas.microsoft.com/office/drawing/2017/decorative" val="1"/>
+                  <adec:decorative xmlns:adec="http://schemas.microsoft.com/office/drawing/2017/decorative" val="1"/>
                 </a:ext>
               </a:extLst>
             </p:cNvPr>
@@ -14982,7 +15059,7 @@
                   <a16:creationId xmlns:a16="http://schemas.microsoft.com/office/drawing/2014/main" id="{9ECA29F0-381E-4770-97BF-54C4E52201C4}"/>
                 </a:ext>
                 <a:ext uri="{C183D7F6-B498-43B3-948B-1728B52AA6E4}">
-                  <adec:decorative xmlns="" xmlns:adec="http://schemas.microsoft.com/office/drawing/2017/decorative" val="1"/>
+                  <adec:decorative xmlns:adec="http://schemas.microsoft.com/office/drawing/2017/decorative" val="1"/>
                 </a:ext>
               </a:extLst>
             </p:cNvPr>
@@ -15034,7 +15111,7 @@
                   <a16:creationId xmlns:a16="http://schemas.microsoft.com/office/drawing/2014/main" id="{D43CCF9F-8F11-4676-82F3-DEE8A48C8567}"/>
                 </a:ext>
                 <a:ext uri="{C183D7F6-B498-43B3-948B-1728B52AA6E4}">
-                  <adec:decorative xmlns="" xmlns:adec="http://schemas.microsoft.com/office/drawing/2017/decorative" val="1"/>
+                  <adec:decorative xmlns:adec="http://schemas.microsoft.com/office/drawing/2017/decorative" val="1"/>
                 </a:ext>
               </a:extLst>
             </p:cNvPr>
@@ -15086,7 +15163,7 @@
                   <a16:creationId xmlns:a16="http://schemas.microsoft.com/office/drawing/2014/main" id="{6FA620FD-6A45-4754-BF42-A9FA44966DD9}"/>
                 </a:ext>
                 <a:ext uri="{C183D7F6-B498-43B3-948B-1728B52AA6E4}">
-                  <adec:decorative xmlns="" xmlns:adec="http://schemas.microsoft.com/office/drawing/2017/decorative" val="1"/>
+                  <adec:decorative xmlns:adec="http://schemas.microsoft.com/office/drawing/2017/decorative" val="1"/>
                 </a:ext>
               </a:extLst>
             </p:cNvPr>
@@ -15138,7 +15215,7 @@
                   <a16:creationId xmlns:a16="http://schemas.microsoft.com/office/drawing/2014/main" id="{DC4D38F3-F3A2-42F4-8B57-DE978EC4AD5A}"/>
                 </a:ext>
                 <a:ext uri="{C183D7F6-B498-43B3-948B-1728B52AA6E4}">
-                  <adec:decorative xmlns="" xmlns:adec="http://schemas.microsoft.com/office/drawing/2017/decorative" val="1"/>
+                  <adec:decorative xmlns:adec="http://schemas.microsoft.com/office/drawing/2017/decorative" val="1"/>
                 </a:ext>
               </a:extLst>
             </p:cNvPr>
@@ -15190,7 +15267,7 @@
                   <a16:creationId xmlns:a16="http://schemas.microsoft.com/office/drawing/2014/main" id="{3C26D30E-A91E-4A5B-A419-0B9D79D57CED}"/>
                 </a:ext>
                 <a:ext uri="{C183D7F6-B498-43B3-948B-1728B52AA6E4}">
-                  <adec:decorative xmlns="" xmlns:adec="http://schemas.microsoft.com/office/drawing/2017/decorative" val="1"/>
+                  <adec:decorative xmlns:adec="http://schemas.microsoft.com/office/drawing/2017/decorative" val="1"/>
                 </a:ext>
               </a:extLst>
             </p:cNvPr>
@@ -15242,7 +15319,7 @@
                   <a16:creationId xmlns:a16="http://schemas.microsoft.com/office/drawing/2014/main" id="{ADAB3EBC-722A-462E-AAAE-506E50038ED8}"/>
                 </a:ext>
                 <a:ext uri="{C183D7F6-B498-43B3-948B-1728B52AA6E4}">
-                  <adec:decorative xmlns="" xmlns:adec="http://schemas.microsoft.com/office/drawing/2017/decorative" val="1"/>
+                  <adec:decorative xmlns:adec="http://schemas.microsoft.com/office/drawing/2017/decorative" val="1"/>
                 </a:ext>
               </a:extLst>
             </p:cNvPr>
@@ -15294,7 +15371,7 @@
                   <a16:creationId xmlns:a16="http://schemas.microsoft.com/office/drawing/2014/main" id="{CBAABC17-832F-48CF-B0D7-0F7DE54607F5}"/>
                 </a:ext>
                 <a:ext uri="{C183D7F6-B498-43B3-948B-1728B52AA6E4}">
-                  <adec:decorative xmlns="" xmlns:adec="http://schemas.microsoft.com/office/drawing/2017/decorative" val="1"/>
+                  <adec:decorative xmlns:adec="http://schemas.microsoft.com/office/drawing/2017/decorative" val="1"/>
                 </a:ext>
               </a:extLst>
             </p:cNvPr>
@@ -15346,7 +15423,7 @@
                   <a16:creationId xmlns:a16="http://schemas.microsoft.com/office/drawing/2014/main" id="{E1FCA513-75D7-414B-BE8F-D780746A1A66}"/>
                 </a:ext>
                 <a:ext uri="{C183D7F6-B498-43B3-948B-1728B52AA6E4}">
-                  <adec:decorative xmlns="" xmlns:adec="http://schemas.microsoft.com/office/drawing/2017/decorative" val="1"/>
+                  <adec:decorative xmlns:adec="http://schemas.microsoft.com/office/drawing/2017/decorative" val="1"/>
                 </a:ext>
               </a:extLst>
             </p:cNvPr>
@@ -15398,7 +15475,7 @@
                   <a16:creationId xmlns:a16="http://schemas.microsoft.com/office/drawing/2014/main" id="{F2EDEC73-B6F5-473F-934A-CEF57604A8A4}"/>
                 </a:ext>
                 <a:ext uri="{C183D7F6-B498-43B3-948B-1728B52AA6E4}">
-                  <adec:decorative xmlns="" xmlns:adec="http://schemas.microsoft.com/office/drawing/2017/decorative" val="1"/>
+                  <adec:decorative xmlns:adec="http://schemas.microsoft.com/office/drawing/2017/decorative" val="1"/>
                 </a:ext>
               </a:extLst>
             </p:cNvPr>
@@ -15450,7 +15527,7 @@
                   <a16:creationId xmlns:a16="http://schemas.microsoft.com/office/drawing/2014/main" id="{5B987884-C452-4492-A9F8-2770D3373BF9}"/>
                 </a:ext>
                 <a:ext uri="{C183D7F6-B498-43B3-948B-1728B52AA6E4}">
-                  <adec:decorative xmlns="" xmlns:adec="http://schemas.microsoft.com/office/drawing/2017/decorative" val="1"/>
+                  <adec:decorative xmlns:adec="http://schemas.microsoft.com/office/drawing/2017/decorative" val="1"/>
                 </a:ext>
               </a:extLst>
             </p:cNvPr>
@@ -15502,7 +15579,7 @@
                   <a16:creationId xmlns:a16="http://schemas.microsoft.com/office/drawing/2014/main" id="{9D978AF2-B7BB-4E05-81F1-1A5DBD1CB4EF}"/>
                 </a:ext>
                 <a:ext uri="{C183D7F6-B498-43B3-948B-1728B52AA6E4}">
-                  <adec:decorative xmlns="" xmlns:adec="http://schemas.microsoft.com/office/drawing/2017/decorative" val="1"/>
+                  <adec:decorative xmlns:adec="http://schemas.microsoft.com/office/drawing/2017/decorative" val="1"/>
                 </a:ext>
               </a:extLst>
             </p:cNvPr>
@@ -15554,7 +15631,7 @@
                   <a16:creationId xmlns:a16="http://schemas.microsoft.com/office/drawing/2014/main" id="{D7AD4D45-C3AB-458E-B826-0FACBD0DF3AF}"/>
                 </a:ext>
                 <a:ext uri="{C183D7F6-B498-43B3-948B-1728B52AA6E4}">
-                  <adec:decorative xmlns="" xmlns:adec="http://schemas.microsoft.com/office/drawing/2017/decorative" val="1"/>
+                  <adec:decorative xmlns:adec="http://schemas.microsoft.com/office/drawing/2017/decorative" val="1"/>
                 </a:ext>
               </a:extLst>
             </p:cNvPr>
@@ -15606,7 +15683,7 @@
                   <a16:creationId xmlns:a16="http://schemas.microsoft.com/office/drawing/2014/main" id="{A6E15555-6738-463C-B7DF-86429F2F9677}"/>
                 </a:ext>
                 <a:ext uri="{C183D7F6-B498-43B3-948B-1728B52AA6E4}">
-                  <adec:decorative xmlns="" xmlns:adec="http://schemas.microsoft.com/office/drawing/2017/decorative" val="1"/>
+                  <adec:decorative xmlns:adec="http://schemas.microsoft.com/office/drawing/2017/decorative" val="1"/>
                 </a:ext>
               </a:extLst>
             </p:cNvPr>
@@ -15658,7 +15735,7 @@
                   <a16:creationId xmlns:a16="http://schemas.microsoft.com/office/drawing/2014/main" id="{AE487172-B4C3-4D13-A562-EF0BA3DD961F}"/>
                 </a:ext>
                 <a:ext uri="{C183D7F6-B498-43B3-948B-1728B52AA6E4}">
-                  <adec:decorative xmlns="" xmlns:adec="http://schemas.microsoft.com/office/drawing/2017/decorative" val="1"/>
+                  <adec:decorative xmlns:adec="http://schemas.microsoft.com/office/drawing/2017/decorative" val="1"/>
                 </a:ext>
               </a:extLst>
             </p:cNvPr>
@@ -15710,7 +15787,7 @@
                   <a16:creationId xmlns:a16="http://schemas.microsoft.com/office/drawing/2014/main" id="{08E66297-1295-432A-AA84-7BB2341C1932}"/>
                 </a:ext>
                 <a:ext uri="{C183D7F6-B498-43B3-948B-1728B52AA6E4}">
-                  <adec:decorative xmlns="" xmlns:adec="http://schemas.microsoft.com/office/drawing/2017/decorative" val="1"/>
+                  <adec:decorative xmlns:adec="http://schemas.microsoft.com/office/drawing/2017/decorative" val="1"/>
                 </a:ext>
               </a:extLst>
             </p:cNvPr>
@@ -16203,20 +16280,16 @@
             </a:pPr>
             <a:r>
               <a:rPr lang="he-IL" sz="2800" dirty="0"/>
-              <a:t>מערכת מודולרית הבנויה על פלטפורמה מרכזית אחת אליה מחוברים כלי בדיקה </a:t>
-            </a:r>
-            <a:r>
-              <a:rPr lang="he-IL" sz="2800" dirty="0" smtClean="0"/>
-              <a:t>שונים</a:t>
-            </a:r>
-            <a:endParaRPr lang="en-US" sz="2800" dirty="0" smtClean="0"/>
+              <a:t>מערכת מודולרית הבנויה על פלטפורמה מרכזית אחת אליה מחוברים כלי בדיקה שונים</a:t>
+            </a:r>
+            <a:endParaRPr lang="en-US" sz="2800" dirty="0"/>
           </a:p>
           <a:p>
             <a:pPr marL="0" indent="0" algn="r" rtl="1">
               <a:buNone/>
             </a:pPr>
             <a:r>
-              <a:rPr lang="he-IL" sz="2800" dirty="0" smtClean="0"/>
+              <a:rPr lang="he-IL" sz="2800" dirty="0"/>
               <a:t>הפלטפורמה תבצע את רוב בדיקות התכנה הסטטיות. והכלים יסתמכו על המידע שהפלטפורמה תאגור לפי בדיקותיה וישתמשו בבדיקות אלו.</a:t>
             </a:r>
           </a:p>
@@ -16225,8 +16298,24 @@
               <a:buNone/>
             </a:pPr>
             <a:r>
-              <a:rPr lang="he-IL" sz="2800" dirty="0" smtClean="0"/>
-              <a:t>כלי הוא למעשה בדיקה עוד רצף בדיקות אשר יותר ספציפיות ויולות אפילו לשנות את הקוד במקרה הצורך (תלוי בכלי).</a:t>
+              <a:rPr lang="he-IL" sz="2800" dirty="0"/>
+              <a:t>כלי </a:t>
+            </a:r>
+            <a:r>
+              <a:rPr lang="he-IL" sz="2800"/>
+              <a:t>הוא למעשה </a:t>
+            </a:r>
+            <a:r>
+              <a:rPr lang="he-IL" sz="2800" dirty="0"/>
+              <a:t>עוד רצף בדיקות אשר יותר </a:t>
+            </a:r>
+            <a:r>
+              <a:rPr lang="he-IL" sz="2800"/>
+              <a:t>ספציפיות ויכולות </a:t>
+            </a:r>
+            <a:r>
+              <a:rPr lang="he-IL" sz="2800" dirty="0"/>
+              <a:t>אפילו לשנות את הקוד במקרה הצורך (תלוי בכלי).</a:t>
             </a:r>
           </a:p>
           <a:p>
@@ -16473,13 +16562,13 @@
             <p:ph idx="1"/>
             <p:extLst>
               <p:ext uri="{D42A27DB-BD31-4B8C-83A1-F6EECF244321}">
-                <p14:modId xmlns:p14="http://schemas.microsoft.com/office/powerpoint/2010/main" val="1938406591"/>
+                <p14:modId xmlns:p14="http://schemas.microsoft.com/office/powerpoint/2010/main" val="1686930389"/>
               </p:ext>
             </p:extLst>
           </p:nvPr>
         </p:nvGraphicFramePr>
         <p:xfrm>
-          <a:off x="327171" y="226060"/>
+          <a:off x="377504" y="88900"/>
           <a:ext cx="10131423" cy="6680200"/>
         </p:xfrm>
         <a:graphic>
@@ -16584,6 +16673,15 @@
                       <a:r>
                         <a:rPr lang="he-IL"/>
                         <a:t>הבאת מוצר מוגמר שלא נבנה בידי הצבא מוסיף תלות בגורם חיצוני.</a:t>
+                      </a:r>
+                    </a:p>
+                    <a:p>
+                      <a:pPr marL="342900" indent="-342900" algn="r" rtl="1">
+                        <a:buAutoNum type="arabicPeriod"/>
+                      </a:pPr>
+                      <a:r>
+                        <a:rPr lang="he-IL"/>
+                        <a:t>עלול להוות עלות כספית.</a:t>
                       </a:r>
                     </a:p>
                     <a:p>
@@ -16705,21 +16803,16 @@
                       </a:pPr>
                       <a:r>
                         <a:rPr lang="he-IL" dirty="0"/>
-                        <a:t>בגלל שיש חלוקה בין כלים לתוכנה עצמה הבודקת, תמיד ניתן להוסיף כלים למחוק כלים ולעדכן כלים ובכך להתאים כלים לפי הצורך</a:t>
+                        <a:t>בגלל שיש חלוקה בין כלים לתוכנה עצמה הבודקת, תמיד ניתן להוסיף כלים למחוק כלים ולעדכן כלים ובכך להתאים כלים לפי הצורך. (כלי לדוגמא :כלי  לטיפול</a:t>
                       </a:r>
                       <a:r>
-                        <a:rPr lang="he-IL" dirty="0" smtClean="0"/>
-                        <a:t>. (כלי לדוגמא :כלי  לטיפול</a:t>
-                      </a:r>
-                      <a:r>
-                        <a:rPr lang="he-IL" baseline="0" dirty="0" smtClean="0"/>
+                        <a:rPr lang="he-IL" baseline="0" dirty="0"/>
                         <a:t> בהקצאות זכרון</a:t>
                       </a:r>
                       <a:r>
-                        <a:rPr lang="he-IL" dirty="0" smtClean="0"/>
+                        <a:rPr lang="he-IL" dirty="0"/>
                         <a:t>)</a:t>
                       </a:r>
-                      <a:endParaRPr lang="he-IL" dirty="0"/>
                     </a:p>
                     <a:p>
                       <a:pPr marL="342900" indent="-342900" algn="r" rtl="1">
